--- a/NSTX-U High-k scattering Calculation_20240717.pptx
+++ b/NSTX-U High-k scattering Calculation_20240717.pptx
@@ -5,7 +5,7 @@
     <p:sldMasterId id="2147483648" r:id="rId1"/>
   </p:sldMasterIdLst>
   <p:notesMasterIdLst>
-    <p:notesMasterId r:id="rId19"/>
+    <p:notesMasterId r:id="rId20"/>
   </p:notesMasterIdLst>
   <p:sldIdLst>
     <p:sldId id="256" r:id="rId2"/>
@@ -15,16 +15,17 @@
     <p:sldId id="262" r:id="rId6"/>
     <p:sldId id="261" r:id="rId7"/>
     <p:sldId id="264" r:id="rId8"/>
-    <p:sldId id="265" r:id="rId9"/>
-    <p:sldId id="270" r:id="rId10"/>
-    <p:sldId id="259" r:id="rId11"/>
-    <p:sldId id="271" r:id="rId12"/>
-    <p:sldId id="272" r:id="rId13"/>
-    <p:sldId id="273" r:id="rId14"/>
-    <p:sldId id="274" r:id="rId15"/>
-    <p:sldId id="275" r:id="rId16"/>
-    <p:sldId id="276" r:id="rId17"/>
-    <p:sldId id="277" r:id="rId18"/>
+    <p:sldId id="278" r:id="rId9"/>
+    <p:sldId id="265" r:id="rId10"/>
+    <p:sldId id="270" r:id="rId11"/>
+    <p:sldId id="259" r:id="rId12"/>
+    <p:sldId id="271" r:id="rId13"/>
+    <p:sldId id="272" r:id="rId14"/>
+    <p:sldId id="273" r:id="rId15"/>
+    <p:sldId id="274" r:id="rId16"/>
+    <p:sldId id="275" r:id="rId17"/>
+    <p:sldId id="276" r:id="rId18"/>
+    <p:sldId id="277" r:id="rId19"/>
   </p:sldIdLst>
   <p:sldSz cx="12192000" cy="6858000"/>
   <p:notesSz cx="6858000" cy="9144000"/>
@@ -123,6 +124,11 @@
       </a:defRPr>
     </a:lvl9pPr>
   </p:defaultTextStyle>
+  <p:extLst>
+    <p:ext uri="{EFAFB233-063F-42B5-8137-9DF3F51BA10A}">
+      <p15:sldGuideLst xmlns:p15="http://schemas.microsoft.com/office/powerpoint/2012/main"/>
+    </p:ext>
+  </p:extLst>
 </p:presentation>
 </file>
 
@@ -4025,6 +4031,1470 @@
           <a:chExt cx="0" cy="0"/>
         </a:xfrm>
       </p:grpSpPr>
+      <p:pic>
+        <p:nvPicPr>
+          <p:cNvPr id="6" name="Picture 5"/>
+          <p:cNvPicPr>
+            <a:picLocks noChangeAspect="1"/>
+          </p:cNvPicPr>
+          <p:nvPr/>
+        </p:nvPicPr>
+        <p:blipFill rotWithShape="1">
+          <a:blip r:embed="rId2"/>
+          <a:srcRect l="43390" t="20221" r="9273" b="57059"/>
+          <a:stretch/>
+        </p:blipFill>
+        <p:spPr>
+          <a:xfrm>
+            <a:off x="4447732" y="5752273"/>
+            <a:ext cx="3583745" cy="967612"/>
+          </a:xfrm>
+          <a:prstGeom prst="rect">
+            <a:avLst/>
+          </a:prstGeom>
+        </p:spPr>
+      </p:pic>
+      <p:sp>
+        <p:nvSpPr>
+          <p:cNvPr id="11" name="TextBox 10"/>
+          <p:cNvSpPr txBox="1"/>
+          <p:nvPr/>
+        </p:nvSpPr>
+        <p:spPr>
+          <a:xfrm>
+            <a:off x="5508521" y="322913"/>
+            <a:ext cx="2791405" cy="461665"/>
+          </a:xfrm>
+          <a:prstGeom prst="rect">
+            <a:avLst/>
+          </a:prstGeom>
+          <a:noFill/>
+        </p:spPr>
+        <p:txBody>
+          <a:bodyPr wrap="none" rtlCol="0">
+            <a:spAutoFit/>
+          </a:bodyPr>
+          <a:lstStyle/>
+          <a:p>
+            <a:r>
+              <a:rPr lang="en-US" sz="2400" b="1" dirty="0"/>
+              <a:t>Bay G Launch Mirror</a:t>
+            </a:r>
+          </a:p>
+        </p:txBody>
+      </p:sp>
+      <p:sp>
+        <p:nvSpPr>
+          <p:cNvPr id="12" name="TextBox 11"/>
+          <p:cNvSpPr txBox="1"/>
+          <p:nvPr/>
+        </p:nvSpPr>
+        <p:spPr>
+          <a:xfrm>
+            <a:off x="4544834" y="2683814"/>
+            <a:ext cx="1791260" cy="461665"/>
+          </a:xfrm>
+          <a:prstGeom prst="rect">
+            <a:avLst/>
+          </a:prstGeom>
+          <a:noFill/>
+        </p:spPr>
+        <p:txBody>
+          <a:bodyPr wrap="none" rtlCol="0">
+            <a:spAutoFit/>
+          </a:bodyPr>
+          <a:lstStyle/>
+          <a:p>
+            <a:r>
+              <a:rPr lang="en-US" sz="2400" b="1"/>
+              <a:t>Torus Center</a:t>
+            </a:r>
+          </a:p>
+        </p:txBody>
+      </p:sp>
+      <p:sp>
+        <p:nvSpPr>
+          <p:cNvPr id="19" name="TextBox 18"/>
+          <p:cNvSpPr txBox="1"/>
+          <p:nvPr/>
+        </p:nvSpPr>
+        <p:spPr>
+          <a:xfrm>
+            <a:off x="6890438" y="6327042"/>
+            <a:ext cx="1262910" cy="461665"/>
+          </a:xfrm>
+          <a:prstGeom prst="rect">
+            <a:avLst/>
+          </a:prstGeom>
+          <a:noFill/>
+        </p:spPr>
+        <p:txBody>
+          <a:bodyPr wrap="none" rtlCol="0">
+            <a:spAutoFit/>
+          </a:bodyPr>
+          <a:lstStyle/>
+          <a:p>
+            <a:r>
+              <a:rPr lang="en-US" sz="2400" b="1"/>
+              <a:t>Window</a:t>
+            </a:r>
+          </a:p>
+        </p:txBody>
+      </p:sp>
+      <p:sp>
+        <p:nvSpPr>
+          <p:cNvPr id="20" name="Rectangle 19"/>
+          <p:cNvSpPr/>
+          <p:nvPr/>
+        </p:nvSpPr>
+        <p:spPr>
+          <a:xfrm>
+            <a:off x="6024363" y="6477454"/>
+            <a:ext cx="796923" cy="94069"/>
+          </a:xfrm>
+          <a:prstGeom prst="rect">
+            <a:avLst/>
+          </a:prstGeom>
+        </p:spPr>
+        <p:style>
+          <a:lnRef idx="2">
+            <a:schemeClr val="accent1">
+              <a:shade val="50000"/>
+            </a:schemeClr>
+          </a:lnRef>
+          <a:fillRef idx="1">
+            <a:schemeClr val="accent1"/>
+          </a:fillRef>
+          <a:effectRef idx="0">
+            <a:schemeClr val="accent1"/>
+          </a:effectRef>
+          <a:fontRef idx="minor">
+            <a:schemeClr val="lt1"/>
+          </a:fontRef>
+        </p:style>
+        <p:txBody>
+          <a:bodyPr rtlCol="0" anchor="ctr"/>
+          <a:lstStyle/>
+          <a:p>
+            <a:pPr algn="ctr"/>
+            <a:endParaRPr lang="en-US"/>
+          </a:p>
+        </p:txBody>
+      </p:sp>
+      <p:sp>
+        <p:nvSpPr>
+          <p:cNvPr id="41" name="TextBox 40"/>
+          <p:cNvSpPr txBox="1"/>
+          <p:nvPr/>
+        </p:nvSpPr>
+        <p:spPr>
+          <a:xfrm>
+            <a:off x="212434" y="68234"/>
+            <a:ext cx="5514326" cy="890115"/>
+          </a:xfrm>
+          <a:prstGeom prst="rect">
+            <a:avLst/>
+          </a:prstGeom>
+          <a:noFill/>
+        </p:spPr>
+        <p:txBody>
+          <a:bodyPr wrap="square" rtlCol="0">
+            <a:spAutoFit/>
+          </a:bodyPr>
+          <a:lstStyle/>
+          <a:p>
+            <a:pPr>
+              <a:lnSpc>
+                <a:spcPct val="80000"/>
+              </a:lnSpc>
+            </a:pPr>
+            <a:r>
+              <a:rPr lang="en-US" sz="3200" b="1" dirty="0">
+                <a:solidFill>
+                  <a:srgbClr val="FF0000"/>
+                </a:solidFill>
+              </a:rPr>
+              <a:t>NSTX-U High-k Scattering Launch Geometry</a:t>
+            </a:r>
+          </a:p>
+        </p:txBody>
+      </p:sp>
+      <p:cxnSp>
+        <p:nvCxnSpPr>
+          <p:cNvPr id="42" name="Straight Connector 41"/>
+          <p:cNvCxnSpPr/>
+          <p:nvPr/>
+        </p:nvCxnSpPr>
+        <p:spPr>
+          <a:xfrm flipH="1" flipV="1">
+            <a:off x="6125356" y="3194531"/>
+            <a:ext cx="0" cy="3383280"/>
+          </a:xfrm>
+          <a:prstGeom prst="line">
+            <a:avLst/>
+          </a:prstGeom>
+          <a:ln w="25400">
+            <a:solidFill>
+              <a:srgbClr val="FF0000"/>
+            </a:solidFill>
+          </a:ln>
+        </p:spPr>
+        <p:style>
+          <a:lnRef idx="1">
+            <a:schemeClr val="accent1"/>
+          </a:lnRef>
+          <a:fillRef idx="0">
+            <a:schemeClr val="accent1"/>
+          </a:fillRef>
+          <a:effectRef idx="0">
+            <a:schemeClr val="accent1"/>
+          </a:effectRef>
+          <a:fontRef idx="minor">
+            <a:schemeClr val="tx1"/>
+          </a:fontRef>
+        </p:style>
+      </p:cxnSp>
+      <p:cxnSp>
+        <p:nvCxnSpPr>
+          <p:cNvPr id="45" name="Straight Connector 44"/>
+          <p:cNvCxnSpPr/>
+          <p:nvPr/>
+        </p:nvCxnSpPr>
+        <p:spPr>
+          <a:xfrm rot="780000" flipV="1">
+            <a:off x="6615591" y="4766159"/>
+            <a:ext cx="0" cy="1828800"/>
+          </a:xfrm>
+          <a:prstGeom prst="line">
+            <a:avLst/>
+          </a:prstGeom>
+          <a:ln w="25400">
+            <a:solidFill>
+              <a:srgbClr val="FF0000"/>
+            </a:solidFill>
+          </a:ln>
+        </p:spPr>
+        <p:style>
+          <a:lnRef idx="1">
+            <a:schemeClr val="accent1"/>
+          </a:lnRef>
+          <a:fillRef idx="0">
+            <a:schemeClr val="accent1"/>
+          </a:fillRef>
+          <a:effectRef idx="0">
+            <a:schemeClr val="accent1"/>
+          </a:effectRef>
+          <a:fontRef idx="minor">
+            <a:schemeClr val="tx1"/>
+          </a:fontRef>
+        </p:style>
+      </p:cxnSp>
+      <p:sp>
+        <p:nvSpPr>
+          <p:cNvPr id="46" name="TextBox 45"/>
+          <p:cNvSpPr txBox="1"/>
+          <p:nvPr/>
+        </p:nvSpPr>
+        <p:spPr>
+          <a:xfrm>
+            <a:off x="6904223" y="4440772"/>
+            <a:ext cx="1807299" cy="690638"/>
+          </a:xfrm>
+          <a:prstGeom prst="rect">
+            <a:avLst/>
+          </a:prstGeom>
+          <a:noFill/>
+        </p:spPr>
+        <p:txBody>
+          <a:bodyPr wrap="square" rtlCol="0">
+            <a:spAutoFit/>
+          </a:bodyPr>
+          <a:lstStyle/>
+          <a:p>
+            <a:pPr>
+              <a:lnSpc>
+                <a:spcPct val="80000"/>
+              </a:lnSpc>
+            </a:pPr>
+            <a:r>
+              <a:rPr lang="en-US" sz="2400" b="1" dirty="0">
+                <a:solidFill>
+                  <a:srgbClr val="0070C0"/>
+                </a:solidFill>
+              </a:rPr>
+              <a:t>Interaction Region (IR)</a:t>
+            </a:r>
+          </a:p>
+        </p:txBody>
+      </p:sp>
+      <p:cxnSp>
+        <p:nvCxnSpPr>
+          <p:cNvPr id="47" name="Straight Connector 46"/>
+          <p:cNvCxnSpPr>
+            <a:stCxn id="44" idx="4"/>
+          </p:cNvCxnSpPr>
+          <p:nvPr/>
+        </p:nvCxnSpPr>
+        <p:spPr>
+          <a:xfrm flipH="1" flipV="1">
+            <a:off x="6162924" y="3218733"/>
+            <a:ext cx="640080" cy="1554480"/>
+          </a:xfrm>
+          <a:prstGeom prst="line">
+            <a:avLst/>
+          </a:prstGeom>
+          <a:ln w="25400">
+            <a:solidFill>
+              <a:srgbClr val="0070C0"/>
+            </a:solidFill>
+            <a:headEnd type="triangle" w="lg" len="lg"/>
+            <a:tailEnd type="none"/>
+          </a:ln>
+        </p:spPr>
+        <p:style>
+          <a:lnRef idx="1">
+            <a:schemeClr val="accent1"/>
+          </a:lnRef>
+          <a:fillRef idx="0">
+            <a:schemeClr val="accent1"/>
+          </a:fillRef>
+          <a:effectRef idx="0">
+            <a:schemeClr val="accent1"/>
+          </a:effectRef>
+          <a:fontRef idx="minor">
+            <a:schemeClr val="tx1"/>
+          </a:fontRef>
+        </p:style>
+      </p:cxnSp>
+      <p:cxnSp>
+        <p:nvCxnSpPr>
+          <p:cNvPr id="48" name="Straight Connector 47"/>
+          <p:cNvCxnSpPr/>
+          <p:nvPr/>
+        </p:nvCxnSpPr>
+        <p:spPr>
+          <a:xfrm rot="1200000" flipH="1" flipV="1">
+            <a:off x="7618074" y="450448"/>
+            <a:ext cx="0" cy="4480560"/>
+          </a:xfrm>
+          <a:prstGeom prst="line">
+            <a:avLst/>
+          </a:prstGeom>
+          <a:ln w="25400">
+            <a:solidFill>
+              <a:srgbClr val="FF0000"/>
+            </a:solidFill>
+          </a:ln>
+        </p:spPr>
+        <p:style>
+          <a:lnRef idx="1">
+            <a:schemeClr val="accent1"/>
+          </a:lnRef>
+          <a:fillRef idx="0">
+            <a:schemeClr val="accent1"/>
+          </a:fillRef>
+          <a:effectRef idx="0">
+            <a:schemeClr val="accent1"/>
+          </a:effectRef>
+          <a:fontRef idx="minor">
+            <a:schemeClr val="tx1"/>
+          </a:fontRef>
+        </p:style>
+      </p:cxnSp>
+      <p:sp>
+        <p:nvSpPr>
+          <p:cNvPr id="14" name="Oval 13"/>
+          <p:cNvSpPr/>
+          <p:nvPr/>
+        </p:nvSpPr>
+        <p:spPr>
+          <a:xfrm>
+            <a:off x="8294694" y="501857"/>
+            <a:ext cx="182880" cy="182880"/>
+          </a:xfrm>
+          <a:prstGeom prst="ellipse">
+            <a:avLst/>
+          </a:prstGeom>
+          <a:solidFill>
+            <a:schemeClr val="tx1"/>
+          </a:solidFill>
+        </p:spPr>
+        <p:style>
+          <a:lnRef idx="2">
+            <a:schemeClr val="accent1">
+              <a:shade val="50000"/>
+            </a:schemeClr>
+          </a:lnRef>
+          <a:fillRef idx="1">
+            <a:schemeClr val="accent1"/>
+          </a:fillRef>
+          <a:effectRef idx="0">
+            <a:schemeClr val="accent1"/>
+          </a:effectRef>
+          <a:fontRef idx="minor">
+            <a:schemeClr val="lt1"/>
+          </a:fontRef>
+        </p:style>
+        <p:txBody>
+          <a:bodyPr rtlCol="0" anchor="ctr"/>
+          <a:lstStyle/>
+          <a:p>
+            <a:pPr algn="ctr"/>
+            <a:endParaRPr lang="en-US"/>
+          </a:p>
+        </p:txBody>
+      </p:sp>
+      <p:cxnSp>
+        <p:nvCxnSpPr>
+          <p:cNvPr id="43" name="Straight Connector 42"/>
+          <p:cNvCxnSpPr/>
+          <p:nvPr/>
+        </p:nvCxnSpPr>
+        <p:spPr>
+          <a:xfrm rot="2460000" flipH="1" flipV="1">
+            <a:off x="7265167" y="170170"/>
+            <a:ext cx="0" cy="3474720"/>
+          </a:xfrm>
+          <a:prstGeom prst="line">
+            <a:avLst/>
+          </a:prstGeom>
+          <a:ln w="25400">
+            <a:solidFill>
+              <a:srgbClr val="FF0000"/>
+            </a:solidFill>
+          </a:ln>
+        </p:spPr>
+        <p:style>
+          <a:lnRef idx="1">
+            <a:schemeClr val="accent1"/>
+          </a:lnRef>
+          <a:fillRef idx="0">
+            <a:schemeClr val="accent1"/>
+          </a:fillRef>
+          <a:effectRef idx="0">
+            <a:schemeClr val="accent1"/>
+          </a:effectRef>
+          <a:fontRef idx="minor">
+            <a:schemeClr val="tx1"/>
+          </a:fontRef>
+        </p:style>
+      </p:cxnSp>
+      <p:sp>
+        <p:nvSpPr>
+          <p:cNvPr id="18" name="Oval 17"/>
+          <p:cNvSpPr/>
+          <p:nvPr/>
+        </p:nvSpPr>
+        <p:spPr>
+          <a:xfrm>
+            <a:off x="6024364" y="3095580"/>
+            <a:ext cx="182880" cy="182880"/>
+          </a:xfrm>
+          <a:prstGeom prst="ellipse">
+            <a:avLst/>
+          </a:prstGeom>
+          <a:solidFill>
+            <a:schemeClr val="tx1"/>
+          </a:solidFill>
+        </p:spPr>
+        <p:style>
+          <a:lnRef idx="2">
+            <a:schemeClr val="accent1">
+              <a:shade val="50000"/>
+            </a:schemeClr>
+          </a:lnRef>
+          <a:fillRef idx="1">
+            <a:schemeClr val="accent1"/>
+          </a:fillRef>
+          <a:effectRef idx="0">
+            <a:schemeClr val="accent1"/>
+          </a:effectRef>
+          <a:fontRef idx="minor">
+            <a:schemeClr val="lt1"/>
+          </a:fontRef>
+        </p:style>
+        <p:txBody>
+          <a:bodyPr rtlCol="0" anchor="ctr"/>
+          <a:lstStyle/>
+          <a:p>
+            <a:pPr algn="ctr"/>
+            <a:endParaRPr lang="en-US"/>
+          </a:p>
+        </p:txBody>
+      </p:sp>
+      <p:sp>
+        <p:nvSpPr>
+          <p:cNvPr id="44" name="Oval 43"/>
+          <p:cNvSpPr/>
+          <p:nvPr/>
+        </p:nvSpPr>
+        <p:spPr>
+          <a:xfrm>
+            <a:off x="6736322" y="4694651"/>
+            <a:ext cx="182880" cy="182880"/>
+          </a:xfrm>
+          <a:prstGeom prst="ellipse">
+            <a:avLst/>
+          </a:prstGeom>
+          <a:solidFill>
+            <a:schemeClr val="tx1"/>
+          </a:solidFill>
+        </p:spPr>
+        <p:style>
+          <a:lnRef idx="2">
+            <a:schemeClr val="accent1">
+              <a:shade val="50000"/>
+            </a:schemeClr>
+          </a:lnRef>
+          <a:fillRef idx="1">
+            <a:schemeClr val="accent1"/>
+          </a:fillRef>
+          <a:effectRef idx="0">
+            <a:schemeClr val="accent1"/>
+          </a:effectRef>
+          <a:fontRef idx="minor">
+            <a:schemeClr val="lt1"/>
+          </a:fontRef>
+        </p:style>
+        <p:txBody>
+          <a:bodyPr rtlCol="0" anchor="ctr"/>
+          <a:lstStyle/>
+          <a:p>
+            <a:pPr algn="ctr"/>
+            <a:endParaRPr lang="en-US"/>
+          </a:p>
+        </p:txBody>
+      </p:sp>
+      <p:sp>
+        <p:nvSpPr>
+          <p:cNvPr id="49" name="TextBox 48"/>
+          <p:cNvSpPr txBox="1"/>
+          <p:nvPr/>
+        </p:nvSpPr>
+        <p:spPr>
+          <a:xfrm>
+            <a:off x="6553576" y="3630593"/>
+            <a:ext cx="498855" cy="461665"/>
+          </a:xfrm>
+          <a:prstGeom prst="rect">
+            <a:avLst/>
+          </a:prstGeom>
+          <a:noFill/>
+        </p:spPr>
+        <p:txBody>
+          <a:bodyPr wrap="none" rtlCol="0">
+            <a:spAutoFit/>
+          </a:bodyPr>
+          <a:lstStyle/>
+          <a:p>
+            <a:r>
+              <a:rPr lang="el-GR" sz="2400" b="1">
+                <a:solidFill>
+                  <a:srgbClr val="FF0000"/>
+                </a:solidFill>
+              </a:rPr>
+              <a:t>ψ</a:t>
+            </a:r>
+            <a:r>
+              <a:rPr lang="en-US" sz="2400" b="1" baseline="-25000">
+                <a:solidFill>
+                  <a:srgbClr val="FF0000"/>
+                </a:solidFill>
+              </a:rPr>
+              <a:t>L</a:t>
+            </a:r>
+          </a:p>
+        </p:txBody>
+      </p:sp>
+      <p:sp>
+        <p:nvSpPr>
+          <p:cNvPr id="50" name="Arc 49"/>
+          <p:cNvSpPr/>
+          <p:nvPr/>
+        </p:nvSpPr>
+        <p:spPr>
+          <a:xfrm>
+            <a:off x="6179252" y="4077426"/>
+            <a:ext cx="1345201" cy="1420968"/>
+          </a:xfrm>
+          <a:prstGeom prst="arc">
+            <a:avLst>
+              <a:gd name="adj1" fmla="val 14767857"/>
+              <a:gd name="adj2" fmla="val 17347294"/>
+            </a:avLst>
+          </a:prstGeom>
+          <a:ln w="25400">
+            <a:solidFill>
+              <a:srgbClr val="FF0000"/>
+            </a:solidFill>
+            <a:tailEnd type="triangle" w="lg" len="lg"/>
+          </a:ln>
+        </p:spPr>
+        <p:style>
+          <a:lnRef idx="1">
+            <a:schemeClr val="accent1"/>
+          </a:lnRef>
+          <a:fillRef idx="0">
+            <a:schemeClr val="accent1"/>
+          </a:fillRef>
+          <a:effectRef idx="0">
+            <a:schemeClr val="accent1"/>
+          </a:effectRef>
+          <a:fontRef idx="minor">
+            <a:schemeClr val="tx1"/>
+          </a:fontRef>
+        </p:style>
+        <p:txBody>
+          <a:bodyPr rtlCol="0" anchor="ctr"/>
+          <a:lstStyle/>
+          <a:p>
+            <a:pPr algn="ctr"/>
+            <a:endParaRPr lang="en-US"/>
+          </a:p>
+        </p:txBody>
+      </p:sp>
+      <p:sp>
+        <p:nvSpPr>
+          <p:cNvPr id="51" name="TextBox 50"/>
+          <p:cNvSpPr txBox="1"/>
+          <p:nvPr/>
+        </p:nvSpPr>
+        <p:spPr>
+          <a:xfrm>
+            <a:off x="6524626" y="1637699"/>
+            <a:ext cx="623889" cy="461665"/>
+          </a:xfrm>
+          <a:prstGeom prst="rect">
+            <a:avLst/>
+          </a:prstGeom>
+          <a:noFill/>
+        </p:spPr>
+        <p:txBody>
+          <a:bodyPr wrap="none" rtlCol="0">
+            <a:spAutoFit/>
+          </a:bodyPr>
+          <a:lstStyle/>
+          <a:p>
+            <a:r>
+              <a:rPr lang="en-US" sz="2400" b="1">
+                <a:solidFill>
+                  <a:srgbClr val="FF0000"/>
+                </a:solidFill>
+              </a:rPr>
+              <a:t>R</a:t>
+            </a:r>
+            <a:r>
+              <a:rPr lang="en-US" sz="2400" b="1" baseline="-25000">
+                <a:solidFill>
+                  <a:srgbClr val="FF0000"/>
+                </a:solidFill>
+              </a:rPr>
+              <a:t>LM</a:t>
+            </a:r>
+          </a:p>
+        </p:txBody>
+      </p:sp>
+      <p:sp>
+        <p:nvSpPr>
+          <p:cNvPr id="52" name="TextBox 51"/>
+          <p:cNvSpPr txBox="1"/>
+          <p:nvPr/>
+        </p:nvSpPr>
+        <p:spPr>
+          <a:xfrm>
+            <a:off x="7525406" y="2720843"/>
+            <a:ext cx="572593" cy="461665"/>
+          </a:xfrm>
+          <a:prstGeom prst="rect">
+            <a:avLst/>
+          </a:prstGeom>
+          <a:noFill/>
+        </p:spPr>
+        <p:txBody>
+          <a:bodyPr wrap="none" rtlCol="0">
+            <a:spAutoFit/>
+          </a:bodyPr>
+          <a:lstStyle/>
+          <a:p>
+            <a:r>
+              <a:rPr lang="en-US" sz="2400" b="1">
+                <a:solidFill>
+                  <a:srgbClr val="FF0000"/>
+                </a:solidFill>
+              </a:rPr>
+              <a:t>z</a:t>
+            </a:r>
+            <a:r>
+              <a:rPr lang="en-US" sz="2400" b="1" baseline="-25000">
+                <a:solidFill>
+                  <a:srgbClr val="FF0000"/>
+                </a:solidFill>
+              </a:rPr>
+              <a:t>LM</a:t>
+            </a:r>
+          </a:p>
+        </p:txBody>
+      </p:sp>
+      <p:sp>
+        <p:nvSpPr>
+          <p:cNvPr id="53" name="TextBox 52"/>
+          <p:cNvSpPr txBox="1"/>
+          <p:nvPr/>
+        </p:nvSpPr>
+        <p:spPr>
+          <a:xfrm>
+            <a:off x="6224750" y="4188404"/>
+            <a:ext cx="527709" cy="461665"/>
+          </a:xfrm>
+          <a:prstGeom prst="rect">
+            <a:avLst/>
+          </a:prstGeom>
+          <a:noFill/>
+        </p:spPr>
+        <p:txBody>
+          <a:bodyPr wrap="none" rtlCol="0">
+            <a:spAutoFit/>
+          </a:bodyPr>
+          <a:lstStyle/>
+          <a:p>
+            <a:r>
+              <a:rPr lang="en-US" sz="2400" b="1">
+                <a:solidFill>
+                  <a:srgbClr val="FF0000"/>
+                </a:solidFill>
+              </a:rPr>
+              <a:t>R</a:t>
+            </a:r>
+            <a:r>
+              <a:rPr lang="en-US" sz="2400" b="1" baseline="-25000">
+                <a:solidFill>
+                  <a:srgbClr val="FF0000"/>
+                </a:solidFill>
+              </a:rPr>
+              <a:t>IR</a:t>
+            </a:r>
+          </a:p>
+        </p:txBody>
+      </p:sp>
+      <p:sp>
+        <p:nvSpPr>
+          <p:cNvPr id="54" name="TextBox 53"/>
+          <p:cNvSpPr txBox="1"/>
+          <p:nvPr/>
+        </p:nvSpPr>
+        <p:spPr>
+          <a:xfrm>
+            <a:off x="5500317" y="4749834"/>
+            <a:ext cx="657681" cy="461665"/>
+          </a:xfrm>
+          <a:prstGeom prst="rect">
+            <a:avLst/>
+          </a:prstGeom>
+          <a:noFill/>
+        </p:spPr>
+        <p:txBody>
+          <a:bodyPr wrap="none" rtlCol="0">
+            <a:spAutoFit/>
+          </a:bodyPr>
+          <a:lstStyle/>
+          <a:p>
+            <a:r>
+              <a:rPr lang="en-US" sz="2400" b="1">
+                <a:solidFill>
+                  <a:srgbClr val="FF0000"/>
+                </a:solidFill>
+              </a:rPr>
+              <a:t>R</a:t>
+            </a:r>
+            <a:r>
+              <a:rPr lang="en-US" sz="2400" b="1" baseline="-25000">
+                <a:solidFill>
+                  <a:srgbClr val="FF0000"/>
+                </a:solidFill>
+              </a:rPr>
+              <a:t>RW</a:t>
+            </a:r>
+          </a:p>
+        </p:txBody>
+      </p:sp>
+      <p:sp>
+        <p:nvSpPr>
+          <p:cNvPr id="55" name="Arc 54"/>
+          <p:cNvSpPr/>
+          <p:nvPr/>
+        </p:nvSpPr>
+        <p:spPr>
+          <a:xfrm rot="-5400000" flipV="1">
+            <a:off x="5714018" y="2799666"/>
+            <a:ext cx="791169" cy="765685"/>
+          </a:xfrm>
+          <a:prstGeom prst="arc">
+            <a:avLst>
+              <a:gd name="adj1" fmla="val 10937271"/>
+              <a:gd name="adj2" fmla="val 18920686"/>
+            </a:avLst>
+          </a:prstGeom>
+          <a:ln w="25400">
+            <a:solidFill>
+              <a:srgbClr val="FF0000"/>
+            </a:solidFill>
+            <a:tailEnd type="triangle" w="lg" len="lg"/>
+          </a:ln>
+        </p:spPr>
+        <p:style>
+          <a:lnRef idx="1">
+            <a:schemeClr val="accent1"/>
+          </a:lnRef>
+          <a:fillRef idx="0">
+            <a:schemeClr val="accent1"/>
+          </a:fillRef>
+          <a:effectRef idx="0">
+            <a:schemeClr val="accent1"/>
+          </a:effectRef>
+          <a:fontRef idx="minor">
+            <a:schemeClr val="tx1"/>
+          </a:fontRef>
+        </p:style>
+        <p:txBody>
+          <a:bodyPr rtlCol="0" anchor="ctr"/>
+          <a:lstStyle/>
+          <a:p>
+            <a:pPr algn="ctr"/>
+            <a:endParaRPr lang="en-US"/>
+          </a:p>
+        </p:txBody>
+      </p:sp>
+      <p:sp>
+        <p:nvSpPr>
+          <p:cNvPr id="56" name="TextBox 55"/>
+          <p:cNvSpPr txBox="1"/>
+          <p:nvPr/>
+        </p:nvSpPr>
+        <p:spPr>
+          <a:xfrm>
+            <a:off x="5500317" y="3494754"/>
+            <a:ext cx="652743" cy="461665"/>
+          </a:xfrm>
+          <a:prstGeom prst="rect">
+            <a:avLst/>
+          </a:prstGeom>
+          <a:noFill/>
+        </p:spPr>
+        <p:txBody>
+          <a:bodyPr wrap="none" rtlCol="0">
+            <a:spAutoFit/>
+          </a:bodyPr>
+          <a:lstStyle/>
+          <a:p>
+            <a:r>
+              <a:rPr lang="el-GR" sz="2400" b="1">
+                <a:solidFill>
+                  <a:srgbClr val="FF0000"/>
+                </a:solidFill>
+              </a:rPr>
+              <a:t>ψ</a:t>
+            </a:r>
+            <a:r>
+              <a:rPr lang="en-US" sz="2400" b="1" baseline="-25000">
+                <a:solidFill>
+                  <a:srgbClr val="FF0000"/>
+                </a:solidFill>
+              </a:rPr>
+              <a:t>RA</a:t>
+            </a:r>
+          </a:p>
+        </p:txBody>
+      </p:sp>
+      <p:sp>
+        <p:nvSpPr>
+          <p:cNvPr id="57" name="Arc 56"/>
+          <p:cNvSpPr/>
+          <p:nvPr/>
+        </p:nvSpPr>
+        <p:spPr>
+          <a:xfrm rot="-5400000" flipV="1">
+            <a:off x="5523208" y="2589087"/>
+            <a:ext cx="1179854" cy="1135530"/>
+          </a:xfrm>
+          <a:prstGeom prst="arc">
+            <a:avLst>
+              <a:gd name="adj1" fmla="val 10937271"/>
+              <a:gd name="adj2" fmla="val 12329916"/>
+            </a:avLst>
+          </a:prstGeom>
+          <a:ln w="25400">
+            <a:solidFill>
+              <a:srgbClr val="FF0000"/>
+            </a:solidFill>
+            <a:tailEnd type="triangle" w="lg" len="lg"/>
+          </a:ln>
+        </p:spPr>
+        <p:style>
+          <a:lnRef idx="1">
+            <a:schemeClr val="accent1"/>
+          </a:lnRef>
+          <a:fillRef idx="0">
+            <a:schemeClr val="accent1"/>
+          </a:fillRef>
+          <a:effectRef idx="0">
+            <a:schemeClr val="accent1"/>
+          </a:effectRef>
+          <a:fontRef idx="minor">
+            <a:schemeClr val="tx1"/>
+          </a:fontRef>
+        </p:style>
+        <p:txBody>
+          <a:bodyPr rtlCol="0" anchor="ctr"/>
+          <a:lstStyle/>
+          <a:p>
+            <a:pPr algn="ctr"/>
+            <a:endParaRPr lang="en-US"/>
+          </a:p>
+        </p:txBody>
+      </p:sp>
+      <p:sp>
+        <p:nvSpPr>
+          <p:cNvPr id="58" name="TextBox 57"/>
+          <p:cNvSpPr txBox="1"/>
+          <p:nvPr/>
+        </p:nvSpPr>
+        <p:spPr>
+          <a:xfrm>
+            <a:off x="277625" y="1301846"/>
+            <a:ext cx="4786788" cy="4385816"/>
+          </a:xfrm>
+          <a:prstGeom prst="rect">
+            <a:avLst/>
+          </a:prstGeom>
+          <a:noFill/>
+        </p:spPr>
+        <p:txBody>
+          <a:bodyPr wrap="square" rtlCol="0">
+            <a:spAutoFit/>
+          </a:bodyPr>
+          <a:lstStyle/>
+          <a:p>
+            <a:pPr marL="512763" indent="-512763">
+              <a:lnSpc>
+                <a:spcPct val="90000"/>
+              </a:lnSpc>
+              <a:spcBef>
+                <a:spcPts val="900"/>
+              </a:spcBef>
+            </a:pPr>
+            <a:r>
+              <a:rPr lang="en-US" sz="2000" dirty="0">
+                <a:solidFill>
+                  <a:schemeClr val="bg2">
+                    <a:lumMod val="75000"/>
+                  </a:schemeClr>
+                </a:solidFill>
+              </a:rPr>
+              <a:t>R</a:t>
+            </a:r>
+            <a:r>
+              <a:rPr lang="en-US" sz="2000" baseline="-25000" dirty="0">
+                <a:solidFill>
+                  <a:schemeClr val="bg2">
+                    <a:lumMod val="75000"/>
+                  </a:schemeClr>
+                </a:solidFill>
+              </a:rPr>
+              <a:t>RW</a:t>
+            </a:r>
+            <a:r>
+              <a:rPr lang="en-US" sz="2000" dirty="0">
+                <a:solidFill>
+                  <a:schemeClr val="bg2">
+                    <a:lumMod val="75000"/>
+                  </a:schemeClr>
+                </a:solidFill>
+              </a:rPr>
+              <a:t> = major radius of vacuum window</a:t>
+            </a:r>
+          </a:p>
+          <a:p>
+            <a:pPr marL="512763" indent="-512763">
+              <a:lnSpc>
+                <a:spcPct val="90000"/>
+              </a:lnSpc>
+              <a:spcBef>
+                <a:spcPts val="900"/>
+              </a:spcBef>
+            </a:pPr>
+            <a:r>
+              <a:rPr lang="en-US" sz="2000" dirty="0">
+                <a:solidFill>
+                  <a:schemeClr val="bg2">
+                    <a:lumMod val="75000"/>
+                  </a:schemeClr>
+                </a:solidFill>
+              </a:rPr>
+              <a:t>R</a:t>
+            </a:r>
+            <a:r>
+              <a:rPr lang="en-US" sz="2000" baseline="-25000" dirty="0">
+                <a:solidFill>
+                  <a:schemeClr val="bg2">
+                    <a:lumMod val="75000"/>
+                  </a:schemeClr>
+                </a:solidFill>
+              </a:rPr>
+              <a:t>IR</a:t>
+            </a:r>
+            <a:r>
+              <a:rPr lang="en-US" sz="2000" dirty="0">
+                <a:solidFill>
+                  <a:schemeClr val="bg2">
+                    <a:lumMod val="75000"/>
+                  </a:schemeClr>
+                </a:solidFill>
+              </a:rPr>
+              <a:t> = major radius of interaction region</a:t>
+            </a:r>
+          </a:p>
+          <a:p>
+            <a:pPr marL="512763" indent="-512763">
+              <a:lnSpc>
+                <a:spcPct val="90000"/>
+              </a:lnSpc>
+              <a:spcBef>
+                <a:spcPts val="900"/>
+              </a:spcBef>
+            </a:pPr>
+            <a:r>
+              <a:rPr lang="el-GR" sz="2000" dirty="0">
+                <a:solidFill>
+                  <a:schemeClr val="bg2">
+                    <a:lumMod val="75000"/>
+                  </a:schemeClr>
+                </a:solidFill>
+              </a:rPr>
+              <a:t>ψ</a:t>
+            </a:r>
+            <a:r>
+              <a:rPr lang="en-US" sz="2000" baseline="-25000" dirty="0">
+                <a:solidFill>
+                  <a:schemeClr val="bg2">
+                    <a:lumMod val="75000"/>
+                  </a:schemeClr>
+                </a:solidFill>
+              </a:rPr>
+              <a:t>RA</a:t>
+            </a:r>
+            <a:r>
+              <a:rPr lang="en-US" sz="2000" dirty="0">
+                <a:solidFill>
+                  <a:schemeClr val="bg2">
+                    <a:lumMod val="75000"/>
+                  </a:schemeClr>
+                </a:solidFill>
+              </a:rPr>
+              <a:t> = toroidal tilt angle of interaction region (</a:t>
+            </a:r>
+            <a:r>
+              <a:rPr lang="en-US" sz="2000" dirty="0" err="1">
+                <a:solidFill>
+                  <a:schemeClr val="bg2">
+                    <a:lumMod val="75000"/>
+                  </a:schemeClr>
+                </a:solidFill>
+              </a:rPr>
+              <a:t>w.r.t.</a:t>
+            </a:r>
+            <a:r>
+              <a:rPr lang="en-US" sz="2000" dirty="0">
+                <a:solidFill>
+                  <a:schemeClr val="bg2">
+                    <a:lumMod val="75000"/>
+                  </a:schemeClr>
+                </a:solidFill>
+              </a:rPr>
+              <a:t> plane of vacuum window)</a:t>
+            </a:r>
+          </a:p>
+          <a:p>
+            <a:pPr marL="512763" indent="-512763">
+              <a:lnSpc>
+                <a:spcPct val="90000"/>
+              </a:lnSpc>
+              <a:spcBef>
+                <a:spcPts val="900"/>
+              </a:spcBef>
+            </a:pPr>
+            <a:r>
+              <a:rPr lang="en-US" sz="2000" dirty="0"/>
+              <a:t>R</a:t>
+            </a:r>
+            <a:r>
+              <a:rPr lang="en-US" sz="2000" baseline="-25000" dirty="0"/>
+              <a:t>LM</a:t>
+            </a:r>
+            <a:r>
+              <a:rPr lang="en-US" sz="2000" dirty="0"/>
+              <a:t> = major radius of launch mirror</a:t>
+            </a:r>
+            <a:br>
+              <a:rPr lang="en-US" sz="2000" dirty="0"/>
+            </a:br>
+            <a:r>
+              <a:rPr lang="en-US" sz="2000" dirty="0"/>
+              <a:t>(fixed)</a:t>
+            </a:r>
+          </a:p>
+          <a:p>
+            <a:pPr marL="512763" indent="-512763">
+              <a:lnSpc>
+                <a:spcPct val="90000"/>
+              </a:lnSpc>
+              <a:spcBef>
+                <a:spcPts val="900"/>
+              </a:spcBef>
+            </a:pPr>
+            <a:r>
+              <a:rPr lang="el-GR" sz="2000" dirty="0"/>
+              <a:t>ψ</a:t>
+            </a:r>
+            <a:r>
+              <a:rPr lang="en-US" sz="2000" baseline="-25000" dirty="0"/>
+              <a:t>LM</a:t>
+            </a:r>
+            <a:r>
+              <a:rPr lang="en-US" sz="2000" dirty="0"/>
+              <a:t> = toroidal tilt angle of launch mirror</a:t>
+            </a:r>
+            <a:br>
+              <a:rPr lang="en-US" sz="2000" dirty="0"/>
+            </a:br>
+            <a:r>
+              <a:rPr lang="en-US" sz="2000" dirty="0"/>
+              <a:t>(</a:t>
+            </a:r>
+            <a:r>
+              <a:rPr lang="en-US" sz="2000" dirty="0" err="1"/>
+              <a:t>w.r.t.</a:t>
+            </a:r>
+            <a:r>
+              <a:rPr lang="en-US" sz="2000" dirty="0"/>
+              <a:t> plane of vacuum window)</a:t>
+            </a:r>
+          </a:p>
+          <a:p>
+            <a:pPr marL="512763" indent="-512763">
+              <a:lnSpc>
+                <a:spcPct val="90000"/>
+              </a:lnSpc>
+              <a:spcBef>
+                <a:spcPts val="900"/>
+              </a:spcBef>
+            </a:pPr>
+            <a:r>
+              <a:rPr lang="en-US" sz="2000" dirty="0" err="1"/>
+              <a:t>z</a:t>
+            </a:r>
+            <a:r>
+              <a:rPr lang="en-US" sz="2000" baseline="-25000" dirty="0" err="1"/>
+              <a:t>LM</a:t>
+            </a:r>
+            <a:r>
+              <a:rPr lang="en-US" sz="2000" dirty="0"/>
+              <a:t> = distance from launch steering mirror to interaction region</a:t>
+            </a:r>
+          </a:p>
+          <a:p>
+            <a:pPr marL="512763" indent="-512763">
+              <a:lnSpc>
+                <a:spcPct val="90000"/>
+              </a:lnSpc>
+              <a:spcBef>
+                <a:spcPts val="900"/>
+              </a:spcBef>
+            </a:pPr>
+            <a:r>
+              <a:rPr lang="el-GR" sz="2000" dirty="0"/>
+              <a:t>ψ</a:t>
+            </a:r>
+            <a:r>
+              <a:rPr lang="en-US" sz="2000" baseline="-25000" dirty="0"/>
+              <a:t>L</a:t>
+            </a:r>
+            <a:r>
+              <a:rPr lang="en-US" sz="2000" dirty="0"/>
+              <a:t> = toroidal tilt angle between launch beam and Radius vector (from torus center)</a:t>
+            </a:r>
+          </a:p>
+        </p:txBody>
+      </p:sp>
+      <p:sp>
+        <p:nvSpPr>
+          <p:cNvPr id="59" name="TextBox 58"/>
+          <p:cNvSpPr txBox="1"/>
+          <p:nvPr/>
+        </p:nvSpPr>
+        <p:spPr>
+          <a:xfrm>
+            <a:off x="6440724" y="2970414"/>
+            <a:ext cx="678391" cy="461665"/>
+          </a:xfrm>
+          <a:prstGeom prst="rect">
+            <a:avLst/>
+          </a:prstGeom>
+          <a:noFill/>
+        </p:spPr>
+        <p:txBody>
+          <a:bodyPr wrap="none" rtlCol="0">
+            <a:spAutoFit/>
+          </a:bodyPr>
+          <a:lstStyle/>
+          <a:p>
+            <a:r>
+              <a:rPr lang="el-GR" sz="2400" b="1">
+                <a:solidFill>
+                  <a:srgbClr val="FF0000"/>
+                </a:solidFill>
+              </a:rPr>
+              <a:t>ψ</a:t>
+            </a:r>
+            <a:r>
+              <a:rPr lang="en-US" sz="2400" b="1" baseline="-25000">
+                <a:solidFill>
+                  <a:srgbClr val="FF0000"/>
+                </a:solidFill>
+              </a:rPr>
+              <a:t>LM</a:t>
+            </a:r>
+          </a:p>
+        </p:txBody>
+      </p:sp>
+      <p:sp>
+        <p:nvSpPr>
+          <p:cNvPr id="60" name="TextBox 59"/>
+          <p:cNvSpPr txBox="1"/>
+          <p:nvPr/>
+        </p:nvSpPr>
+        <p:spPr>
+          <a:xfrm>
+            <a:off x="7555019" y="3402859"/>
+            <a:ext cx="4444100" cy="800219"/>
+          </a:xfrm>
+          <a:prstGeom prst="rect">
+            <a:avLst/>
+          </a:prstGeom>
+          <a:noFill/>
+        </p:spPr>
+        <p:txBody>
+          <a:bodyPr wrap="square" rtlCol="0">
+            <a:spAutoFit/>
+          </a:bodyPr>
+          <a:lstStyle/>
+          <a:p>
+            <a:pPr marL="512763" indent="-512763">
+              <a:lnSpc>
+                <a:spcPct val="90000"/>
+              </a:lnSpc>
+              <a:spcBef>
+                <a:spcPts val="1200"/>
+              </a:spcBef>
+            </a:pPr>
+            <a:r>
+              <a:rPr lang="en-US" sz="2000"/>
+              <a:t>z</a:t>
+            </a:r>
+            <a:r>
+              <a:rPr lang="en-US" sz="2000" baseline="-25000"/>
+              <a:t>LM</a:t>
+            </a:r>
+            <a:r>
+              <a:rPr lang="en-US" sz="2000" baseline="30000"/>
+              <a:t>2</a:t>
+            </a:r>
+            <a:r>
+              <a:rPr lang="en-US" sz="2000"/>
+              <a:t> = R</a:t>
+            </a:r>
+            <a:r>
+              <a:rPr lang="en-US" sz="2000" baseline="-25000"/>
+              <a:t>LM</a:t>
+            </a:r>
+            <a:r>
+              <a:rPr lang="en-US" sz="2000" baseline="30000"/>
+              <a:t>2</a:t>
+            </a:r>
+            <a:r>
+              <a:rPr lang="en-US" sz="2000"/>
+              <a:t> + R</a:t>
+            </a:r>
+            <a:r>
+              <a:rPr lang="en-US" sz="2000" baseline="-25000"/>
+              <a:t>IR</a:t>
+            </a:r>
+            <a:r>
+              <a:rPr lang="en-US" sz="2000" baseline="30000"/>
+              <a:t>2</a:t>
+            </a:r>
+            <a:r>
+              <a:rPr lang="en-US" sz="2000"/>
+              <a:t> – 2R</a:t>
+            </a:r>
+            <a:r>
+              <a:rPr lang="en-US" sz="2000" baseline="-25000"/>
+              <a:t>LM</a:t>
+            </a:r>
+            <a:r>
+              <a:rPr lang="en-US" sz="2000"/>
+              <a:t>·R</a:t>
+            </a:r>
+            <a:r>
+              <a:rPr lang="en-US" sz="2000" baseline="-25000"/>
+              <a:t>IR</a:t>
+            </a:r>
+            <a:r>
+              <a:rPr lang="en-US" sz="2000"/>
+              <a:t>·cos(</a:t>
+            </a:r>
+            <a:r>
+              <a:rPr lang="el-GR" sz="2000"/>
+              <a:t>ψ</a:t>
+            </a:r>
+            <a:r>
+              <a:rPr lang="en-US" sz="2000" baseline="-25000"/>
+              <a:t>LM</a:t>
+            </a:r>
+            <a:r>
+              <a:rPr lang="en-US" sz="2000"/>
+              <a:t> - </a:t>
+            </a:r>
+            <a:r>
+              <a:rPr lang="el-GR" sz="2000"/>
+              <a:t>ψ</a:t>
+            </a:r>
+            <a:r>
+              <a:rPr lang="en-US" sz="2000" baseline="-25000"/>
+              <a:t>RA</a:t>
+            </a:r>
+            <a:r>
+              <a:rPr lang="en-US" sz="2000"/>
+              <a:t>)</a:t>
+            </a:r>
+          </a:p>
+          <a:p>
+            <a:pPr marL="512763" indent="-512763">
+              <a:lnSpc>
+                <a:spcPct val="90000"/>
+              </a:lnSpc>
+              <a:spcBef>
+                <a:spcPts val="1200"/>
+              </a:spcBef>
+            </a:pPr>
+            <a:r>
+              <a:rPr lang="el-GR" sz="2000"/>
+              <a:t>ψ</a:t>
+            </a:r>
+            <a:r>
+              <a:rPr lang="en-US" sz="2000" baseline="-25000"/>
+              <a:t>L</a:t>
+            </a:r>
+            <a:r>
+              <a:rPr lang="en-US" sz="2000"/>
+              <a:t> = sin</a:t>
+            </a:r>
+            <a:r>
+              <a:rPr lang="en-US" sz="2000" baseline="30000"/>
+              <a:t>‒1</a:t>
+            </a:r>
+            <a:r>
+              <a:rPr lang="en-US" sz="2000">
+                <a:solidFill>
+                  <a:srgbClr val="0070C0"/>
+                </a:solidFill>
+              </a:rPr>
+              <a:t>(</a:t>
+            </a:r>
+            <a:r>
+              <a:rPr lang="en-US" sz="2000"/>
+              <a:t>(R</a:t>
+            </a:r>
+            <a:r>
+              <a:rPr lang="en-US" sz="2000" baseline="-25000"/>
+              <a:t>LM</a:t>
+            </a:r>
+            <a:r>
+              <a:rPr lang="en-US" sz="2000"/>
+              <a:t>/z</a:t>
+            </a:r>
+            <a:r>
+              <a:rPr lang="en-US" sz="2000" baseline="-25000"/>
+              <a:t>LM</a:t>
+            </a:r>
+            <a:r>
+              <a:rPr lang="en-US" sz="2000"/>
+              <a:t>)·sin(</a:t>
+            </a:r>
+            <a:r>
+              <a:rPr lang="el-GR" sz="2000"/>
+              <a:t>ψ</a:t>
+            </a:r>
+            <a:r>
+              <a:rPr lang="en-US" sz="2000" baseline="-25000"/>
+              <a:t>LM</a:t>
+            </a:r>
+            <a:r>
+              <a:rPr lang="en-US" sz="2000"/>
+              <a:t> - </a:t>
+            </a:r>
+            <a:r>
+              <a:rPr lang="el-GR" sz="2000"/>
+              <a:t>ψ</a:t>
+            </a:r>
+            <a:r>
+              <a:rPr lang="en-US" sz="2000" baseline="-25000"/>
+              <a:t>RA</a:t>
+            </a:r>
+            <a:r>
+              <a:rPr lang="en-US" sz="2000"/>
+              <a:t>)</a:t>
+            </a:r>
+            <a:r>
+              <a:rPr lang="en-US" sz="2000">
+                <a:solidFill>
+                  <a:srgbClr val="0070C0"/>
+                </a:solidFill>
+              </a:rPr>
+              <a:t>)</a:t>
+            </a:r>
+          </a:p>
+        </p:txBody>
+      </p:sp>
+    </p:spTree>
+    <p:extLst>
+      <p:ext uri="{BB962C8B-B14F-4D97-AF65-F5344CB8AC3E}">
+        <p14:creationId xmlns:p14="http://schemas.microsoft.com/office/powerpoint/2010/main" val="773995941"/>
+      </p:ext>
+    </p:extLst>
+  </p:cSld>
+  <p:clrMapOvr>
+    <a:masterClrMapping/>
+  </p:clrMapOvr>
+</p:sld>
+</file>
+
+<file path=ppt/slides/slide11.xml><?xml version="1.0" encoding="utf-8"?>
+<p:sld xmlns:a="http://schemas.openxmlformats.org/drawingml/2006/main" xmlns:r="http://schemas.openxmlformats.org/officeDocument/2006/relationships" xmlns:p="http://schemas.openxmlformats.org/presentationml/2006/main">
+  <p:cSld>
+    <p:spTree>
+      <p:nvGrpSpPr>
+        <p:cNvPr id="1" name=""/>
+        <p:cNvGrpSpPr/>
+        <p:nvPr/>
+      </p:nvGrpSpPr>
+      <p:grpSpPr>
+        <a:xfrm>
+          <a:off x="0" y="0"/>
+          <a:ext cx="0" cy="0"/>
+          <a:chOff x="0" y="0"/>
+          <a:chExt cx="0" cy="0"/>
+        </a:xfrm>
+      </p:grpSpPr>
       <p:cxnSp>
         <p:nvCxnSpPr>
           <p:cNvPr id="14" name="Straight Connector 13"/>
@@ -5014,7 +6484,7 @@
 </p:sld>
 </file>
 
-<file path=ppt/slides/slide11.xml><?xml version="1.0" encoding="utf-8"?>
+<file path=ppt/slides/slide12.xml><?xml version="1.0" encoding="utf-8"?>
 <p:sld xmlns:a="http://schemas.openxmlformats.org/drawingml/2006/main" xmlns:r="http://schemas.openxmlformats.org/officeDocument/2006/relationships" xmlns:p="http://schemas.openxmlformats.org/presentationml/2006/main">
   <p:cSld>
     <p:spTree>
@@ -6249,7 +7719,7 @@
 </p:sld>
 </file>
 
-<file path=ppt/slides/slide12.xml><?xml version="1.0" encoding="utf-8"?>
+<file path=ppt/slides/slide13.xml><?xml version="1.0" encoding="utf-8"?>
 <p:sld xmlns:a="http://schemas.openxmlformats.org/drawingml/2006/main" xmlns:r="http://schemas.openxmlformats.org/officeDocument/2006/relationships" xmlns:p="http://schemas.openxmlformats.org/presentationml/2006/main">
   <p:cSld>
     <p:spTree>
@@ -6909,7 +8379,7 @@
 </p:sld>
 </file>
 
-<file path=ppt/slides/slide13.xml><?xml version="1.0" encoding="utf-8"?>
+<file path=ppt/slides/slide14.xml><?xml version="1.0" encoding="utf-8"?>
 <p:sld xmlns:a="http://schemas.openxmlformats.org/drawingml/2006/main" xmlns:r="http://schemas.openxmlformats.org/officeDocument/2006/relationships" xmlns:p="http://schemas.openxmlformats.org/presentationml/2006/main">
   <p:cSld>
     <p:spTree>
@@ -6973,7 +8443,7 @@
 </p:sld>
 </file>
 
-<file path=ppt/slides/slide14.xml><?xml version="1.0" encoding="utf-8"?>
+<file path=ppt/slides/slide15.xml><?xml version="1.0" encoding="utf-8"?>
 <p:sld xmlns:a="http://schemas.openxmlformats.org/drawingml/2006/main" xmlns:r="http://schemas.openxmlformats.org/officeDocument/2006/relationships" xmlns:p="http://schemas.openxmlformats.org/presentationml/2006/main">
   <p:cSld>
     <p:spTree>
@@ -8734,7 +10204,7 @@
 </p:sld>
 </file>
 
-<file path=ppt/slides/slide15.xml><?xml version="1.0" encoding="utf-8"?>
+<file path=ppt/slides/slide16.xml><?xml version="1.0" encoding="utf-8"?>
 <p:sld xmlns:a="http://schemas.openxmlformats.org/drawingml/2006/main" xmlns:r="http://schemas.openxmlformats.org/officeDocument/2006/relationships" xmlns:p="http://schemas.openxmlformats.org/presentationml/2006/main">
   <p:cSld>
     <p:spTree>
@@ -12096,7 +13566,7 @@
 </p:sld>
 </file>
 
-<file path=ppt/slides/slide16.xml><?xml version="1.0" encoding="utf-8"?>
+<file path=ppt/slides/slide17.xml><?xml version="1.0" encoding="utf-8"?>
 <p:sld xmlns:a="http://schemas.openxmlformats.org/drawingml/2006/main" xmlns:r="http://schemas.openxmlformats.org/officeDocument/2006/relationships" xmlns:p="http://schemas.openxmlformats.org/presentationml/2006/main">
   <p:cSld>
     <p:spTree>
@@ -15106,7 +16576,7 @@
 </p:sld>
 </file>
 
-<file path=ppt/slides/slide17.xml><?xml version="1.0" encoding="utf-8"?>
+<file path=ppt/slides/slide18.xml><?xml version="1.0" encoding="utf-8"?>
 <p:sld xmlns:a="http://schemas.openxmlformats.org/drawingml/2006/main" xmlns:r="http://schemas.openxmlformats.org/officeDocument/2006/relationships" xmlns:p="http://schemas.openxmlformats.org/presentationml/2006/main">
   <p:cSld>
     <p:spTree>
@@ -15278,15 +16748,7 @@
             </a:pPr>
             <a:r>
               <a:rPr lang="en-US" dirty="0"/>
-              <a:t>2.</a:t>
-            </a:r>
-            <a:r>
-              <a:rPr lang="en-US" sz="2800" dirty="0"/>
-              <a:t> </a:t>
-            </a:r>
-            <a:r>
-              <a:rPr lang="en-US" dirty="0"/>
-              <a:t>Get the constraint equation between the </a:t>
+              <a:t>2. Get the constraint equation between the </a:t>
             </a:r>
             <a:r>
               <a:rPr lang="en-US" sz="2400" dirty="0"/>
@@ -16905,7 +18367,7 @@
         </p:nvSpPr>
         <p:spPr>
           <a:xfrm>
-            <a:off x="6472325" y="3654567"/>
+            <a:off x="6472325" y="3682560"/>
             <a:ext cx="657681" cy="461665"/>
           </a:xfrm>
           <a:prstGeom prst="rect">
@@ -17148,8 +18610,8 @@
           </a:p>
         </p:txBody>
       </p:sp>
-      <mc:AlternateContent xmlns:mc="http://schemas.openxmlformats.org/markup-compatibility/2006">
-        <mc:Choice xmlns:a14="http://schemas.microsoft.com/office/drawing/2010/main" Requires="a14">
+      <mc:AlternateContent xmlns:mc="http://schemas.openxmlformats.org/markup-compatibility/2006" xmlns:a14="http://schemas.microsoft.com/office/drawing/2010/main">
+        <mc:Choice Requires="a14">
           <p:sp>
             <p:nvSpPr>
               <p:cNvPr id="3" name="TextBox 2">
@@ -17298,7 +18760,7 @@
             </p:txBody>
           </p:sp>
         </mc:Choice>
-        <mc:Fallback>
+        <mc:Fallback xmlns="">
           <p:sp>
             <p:nvSpPr>
               <p:cNvPr id="3" name="TextBox 2">
@@ -17402,8 +18864,8 @@
           <a:chExt cx="0" cy="0"/>
         </a:xfrm>
       </p:grpSpPr>
-      <mc:AlternateContent xmlns:mc="http://schemas.openxmlformats.org/markup-compatibility/2006">
-        <mc:Choice xmlns:a14="http://schemas.microsoft.com/office/drawing/2010/main" Requires="a14">
+      <mc:AlternateContent xmlns:mc="http://schemas.openxmlformats.org/markup-compatibility/2006" xmlns:a14="http://schemas.microsoft.com/office/drawing/2010/main">
+        <mc:Choice Requires="a14">
           <p:sp>
             <p:nvSpPr>
               <p:cNvPr id="116" name="TextBox 115">
@@ -17620,6 +19082,7 @@
                 </a:r>
               </a:p>
               <a:p>
+                <a:pPr/>
                 <a14:m>
                   <m:oMathPara xmlns:m="http://schemas.openxmlformats.org/officeDocument/2006/math">
                     <m:oMathParaPr>
@@ -17849,6 +19312,7 @@
                 <a:endParaRPr lang="en-US" altLang="zh-CN" sz="1200" b="0" dirty="0"/>
               </a:p>
               <a:p>
+                <a:pPr/>
                 <a14:m>
                   <m:oMathPara xmlns:m="http://schemas.openxmlformats.org/officeDocument/2006/math">
                     <m:oMathParaPr>
@@ -18364,6 +19828,7 @@
                 </a:r>
               </a:p>
               <a:p>
+                <a:pPr/>
                 <a14:m>
                   <m:oMathPara xmlns:m="http://schemas.openxmlformats.org/officeDocument/2006/math">
                     <m:oMathParaPr>
@@ -18479,7 +19944,7 @@
             </p:txBody>
           </p:sp>
         </mc:Choice>
-        <mc:Fallback>
+        <mc:Fallback xmlns="">
           <p:sp>
             <p:nvSpPr>
               <p:cNvPr id="116" name="TextBox 115">
@@ -18524,8 +19989,8 @@
           </p:sp>
         </mc:Fallback>
       </mc:AlternateContent>
-      <mc:AlternateContent xmlns:mc="http://schemas.openxmlformats.org/markup-compatibility/2006">
-        <mc:Choice xmlns:a14="http://schemas.microsoft.com/office/drawing/2010/main" Requires="a14">
+      <mc:AlternateContent xmlns:mc="http://schemas.openxmlformats.org/markup-compatibility/2006" xmlns:a14="http://schemas.microsoft.com/office/drawing/2010/main">
+        <mc:Choice Requires="a14">
           <p:sp>
             <p:nvSpPr>
               <p:cNvPr id="128" name="TextBox 127">
@@ -18599,7 +20064,7 @@
             </p:txBody>
           </p:sp>
         </mc:Choice>
-        <mc:Fallback>
+        <mc:Fallback xmlns="">
           <p:sp>
             <p:nvSpPr>
               <p:cNvPr id="128" name="TextBox 127">
@@ -19577,8 +21042,8 @@
             </a:p>
           </p:txBody>
         </p:sp>
-        <mc:AlternateContent xmlns:mc="http://schemas.openxmlformats.org/markup-compatibility/2006">
-          <mc:Choice xmlns:a14="http://schemas.microsoft.com/office/drawing/2010/main" Requires="a14">
+        <mc:AlternateContent xmlns:mc="http://schemas.openxmlformats.org/markup-compatibility/2006" xmlns:a14="http://schemas.microsoft.com/office/drawing/2010/main">
+          <mc:Choice Requires="a14">
             <p:sp>
               <p:nvSpPr>
                 <p:cNvPr id="15" name="TextBox 14">
@@ -19607,6 +21072,7 @@
                 </a:bodyPr>
                 <a:lstStyle/>
                 <a:p>
+                  <a:pPr/>
                   <a14:m>
                     <m:oMathPara xmlns:m="http://schemas.openxmlformats.org/officeDocument/2006/math">
                       <m:oMathParaPr>
@@ -19646,7 +21112,7 @@
               </p:txBody>
             </p:sp>
           </mc:Choice>
-          <mc:Fallback>
+          <mc:Fallback xmlns="">
             <p:sp>
               <p:nvSpPr>
                 <p:cNvPr id="15" name="TextBox 14">
@@ -19742,8 +21208,8 @@
             </a:p>
           </p:txBody>
         </p:sp>
-        <mc:AlternateContent xmlns:mc="http://schemas.openxmlformats.org/markup-compatibility/2006">
-          <mc:Choice xmlns:a14="http://schemas.microsoft.com/office/drawing/2010/main" Requires="a14">
+        <mc:AlternateContent xmlns:mc="http://schemas.openxmlformats.org/markup-compatibility/2006" xmlns:a14="http://schemas.microsoft.com/office/drawing/2010/main">
+          <mc:Choice Requires="a14">
             <p:sp>
               <p:nvSpPr>
                 <p:cNvPr id="17" name="TextBox 16">
@@ -19772,6 +21238,7 @@
                 </a:bodyPr>
                 <a:lstStyle/>
                 <a:p>
+                  <a:pPr/>
                   <a14:m>
                     <m:oMathPara xmlns:m="http://schemas.openxmlformats.org/officeDocument/2006/math">
                       <m:oMathParaPr>
@@ -19811,7 +21278,7 @@
               </p:txBody>
             </p:sp>
           </mc:Choice>
-          <mc:Fallback>
+          <mc:Fallback xmlns="">
             <p:sp>
               <p:nvSpPr>
                 <p:cNvPr id="17" name="TextBox 16">
@@ -20169,6 +21636,81 @@
           </a:fontRef>
         </p:style>
       </p:cxnSp>
+      <p:sp>
+        <p:nvSpPr>
+          <p:cNvPr id="5" name="TextBox 4">
+            <a:extLst>
+              <a:ext uri="{FF2B5EF4-FFF2-40B4-BE49-F238E27FC236}">
+                <a16:creationId xmlns:a16="http://schemas.microsoft.com/office/drawing/2014/main" id="{E28746DF-ACEC-49C1-AEFB-FCE32665425A}"/>
+              </a:ext>
+            </a:extLst>
+          </p:cNvPr>
+          <p:cNvSpPr txBox="1"/>
+          <p:nvPr/>
+        </p:nvSpPr>
+        <p:spPr>
+          <a:xfrm>
+            <a:off x="249409" y="5296753"/>
+            <a:ext cx="6608105" cy="1477328"/>
+          </a:xfrm>
+          <a:prstGeom prst="rect">
+            <a:avLst/>
+          </a:prstGeom>
+          <a:noFill/>
+        </p:spPr>
+        <p:txBody>
+          <a:bodyPr wrap="square" rtlCol="0">
+            <a:spAutoFit/>
+          </a:bodyPr>
+          <a:lstStyle/>
+          <a:p>
+            <a:r>
+              <a:rPr lang="en-US" dirty="0"/>
+              <a:t>Dm2 to axis of window :153.9mm</a:t>
+            </a:r>
+          </a:p>
+          <a:p>
+            <a:r>
+              <a:rPr lang="en-US" dirty="0"/>
+              <a:t>Angle :</a:t>
+            </a:r>
+          </a:p>
+          <a:p>
+            <a:r>
+              <a:rPr lang="en-US" dirty="0"/>
+              <a:t>Right max angle of the edge:12.739degree</a:t>
+            </a:r>
+          </a:p>
+          <a:p>
+            <a:r>
+              <a:rPr lang="en-US" dirty="0"/>
+              <a:t>L</a:t>
+            </a:r>
+            <a:r>
+              <a:rPr lang="en-US" altLang="zh-CN" dirty="0"/>
+              <a:t>ef</a:t>
+            </a:r>
+            <a:r>
+              <a:rPr lang="en-US" dirty="0"/>
+              <a:t>t max angle of the edge:19.764degree</a:t>
+            </a:r>
+          </a:p>
+          <a:p>
+            <a:r>
+              <a:rPr lang="en-US" dirty="0"/>
+              <a:t>L</a:t>
+            </a:r>
+            <a:r>
+              <a:rPr lang="en-US" baseline="-25000" dirty="0"/>
+              <a:t>OFF-AXIS</a:t>
+            </a:r>
+            <a:r>
+              <a:rPr lang="en-US" dirty="0"/>
+              <a:t>=131.3mm</a:t>
+            </a:r>
+          </a:p>
+        </p:txBody>
+      </p:sp>
     </p:spTree>
     <p:extLst>
       <p:ext uri="{BB962C8B-B14F-4D97-AF65-F5344CB8AC3E}">
@@ -20228,8 +21770,8 @@
           </a:p>
         </p:txBody>
       </p:sp>
-      <mc:AlternateContent xmlns:mc="http://schemas.openxmlformats.org/markup-compatibility/2006">
-        <mc:Choice xmlns:a14="http://schemas.microsoft.com/office/drawing/2010/main" Requires="a14">
+      <mc:AlternateContent xmlns:mc="http://schemas.openxmlformats.org/markup-compatibility/2006" xmlns:a14="http://schemas.microsoft.com/office/drawing/2010/main">
+        <mc:Choice Requires="a14">
           <p:sp>
             <p:nvSpPr>
               <p:cNvPr id="24" name="TextBox 23">
@@ -20325,6 +21867,7 @@
                 </a:r>
               </a:p>
               <a:p>
+                <a:pPr/>
                 <a14:m>
                   <m:oMathPara xmlns:m="http://schemas.openxmlformats.org/officeDocument/2006/math">
                     <m:oMathParaPr>
@@ -20498,7 +22041,7 @@
             </p:txBody>
           </p:sp>
         </mc:Choice>
-        <mc:Fallback>
+        <mc:Fallback xmlns="">
           <p:sp>
             <p:nvSpPr>
               <p:cNvPr id="24" name="TextBox 23">
@@ -21169,8 +22712,8 @@
             </a:p>
           </p:txBody>
         </p:sp>
-        <mc:AlternateContent xmlns:mc="http://schemas.openxmlformats.org/markup-compatibility/2006">
-          <mc:Choice xmlns:a14="http://schemas.microsoft.com/office/drawing/2010/main" Requires="a14">
+        <mc:AlternateContent xmlns:mc="http://schemas.openxmlformats.org/markup-compatibility/2006" xmlns:a14="http://schemas.microsoft.com/office/drawing/2010/main">
+          <mc:Choice Requires="a14">
             <p:sp>
               <p:nvSpPr>
                 <p:cNvPr id="69" name="TextBox 68">
@@ -21199,6 +22742,7 @@
                 </a:bodyPr>
                 <a:lstStyle/>
                 <a:p>
+                  <a:pPr/>
                   <a14:m>
                     <m:oMathPara xmlns:m="http://schemas.openxmlformats.org/officeDocument/2006/math">
                       <m:oMathParaPr>
@@ -21250,7 +22794,7 @@
               </p:txBody>
             </p:sp>
           </mc:Choice>
-          <mc:Fallback>
+          <mc:Fallback xmlns="">
             <p:sp>
               <p:nvSpPr>
                 <p:cNvPr id="69" name="TextBox 68">
@@ -22266,8 +23810,8 @@
             </p:nvSpPr>
             <p:spPr>
               <a:xfrm>
-                <a:off x="6217413" y="2812503"/>
-                <a:ext cx="5288382" cy="1754326"/>
+                <a:off x="6096000" y="1832788"/>
+                <a:ext cx="5288382" cy="3693319"/>
               </a:xfrm>
               <a:prstGeom prst="rect">
                 <a:avLst/>
@@ -22282,7 +23826,7 @@
               <a:p>
                 <a:r>
                   <a:rPr lang="en-US" dirty="0"/>
-                  <a:t>use  visible  laser from receiver antenna and steer M2 until the laser reach Launch Mirror point. record that angle of M2 as </a:t>
+                  <a:t>1.use  visible  laser from receiver antenna and steer M2 until the laser reach Launch Mirror point. record that angle of M2 as </a:t>
                 </a:r>
                 <a14:m>
                   <m:oMath xmlns:m="http://schemas.openxmlformats.org/officeDocument/2006/math">
@@ -22384,6 +23928,128 @@
                   <a:t> to avoid the possible exposing.</a:t>
                 </a:r>
               </a:p>
+              <a:p>
+                <a:r>
+                  <a:rPr lang="en-US" dirty="0"/>
+                  <a:t>2. use  visible  laser from launch antenna and steer LM until the laser reach M2 </a:t>
+                </a:r>
+                <a:r>
+                  <a:rPr lang="en-US" altLang="zh-CN" dirty="0"/>
+                  <a:t>center </a:t>
+                </a:r>
+                <a:r>
+                  <a:rPr lang="en-US" dirty="0"/>
+                  <a:t>point. record that angle of LM as </a:t>
+                </a:r>
+                <a14:m>
+                  <m:oMath xmlns:m="http://schemas.openxmlformats.org/officeDocument/2006/math">
+                    <m:sSub>
+                      <m:sSubPr>
+                        <m:ctrlPr>
+                          <a:rPr lang="en-US" i="1">
+                            <a:latin typeface="Cambria Math" panose="02040503050406030204" pitchFamily="18" charset="0"/>
+                          </a:rPr>
+                        </m:ctrlPr>
+                      </m:sSubPr>
+                      <m:e>
+                        <m:r>
+                          <a:rPr lang="en-US" i="1">
+                            <a:latin typeface="Cambria Math" panose="02040503050406030204" pitchFamily="18" charset="0"/>
+                          </a:rPr>
+                          <m:t>𝜙</m:t>
+                        </m:r>
+                      </m:e>
+                      <m:sub>
+                        <m:r>
+                          <a:rPr lang="en-US" b="0" i="1" smtClean="0">
+                            <a:latin typeface="Cambria Math" panose="02040503050406030204" pitchFamily="18" charset="0"/>
+                          </a:rPr>
+                          <m:t>𝐵</m:t>
+                        </m:r>
+                      </m:sub>
+                    </m:sSub>
+                  </m:oMath>
+                </a14:m>
+                <a:r>
+                  <a:rPr lang="en-US" dirty="0"/>
+                  <a:t>. The LM (Launch Mirror)at the angle </a:t>
+                </a:r>
+                <a14:m>
+                  <m:oMath xmlns:m="http://schemas.openxmlformats.org/officeDocument/2006/math">
+                    <m:sSub>
+                      <m:sSubPr>
+                        <m:ctrlPr>
+                          <a:rPr lang="en-US" i="1">
+                            <a:latin typeface="Cambria Math" panose="02040503050406030204" pitchFamily="18" charset="0"/>
+                          </a:rPr>
+                        </m:ctrlPr>
+                      </m:sSubPr>
+                      <m:e>
+                        <m:r>
+                          <a:rPr lang="en-US" i="1">
+                            <a:latin typeface="Cambria Math" panose="02040503050406030204" pitchFamily="18" charset="0"/>
+                          </a:rPr>
+                          <m:t>𝜙</m:t>
+                        </m:r>
+                      </m:e>
+                      <m:sub>
+                        <m:r>
+                          <a:rPr lang="en-US" b="0" i="1" smtClean="0">
+                            <a:latin typeface="Cambria Math" panose="02040503050406030204" pitchFamily="18" charset="0"/>
+                          </a:rPr>
+                          <m:t>𝐵</m:t>
+                        </m:r>
+                      </m:sub>
+                    </m:sSub>
+                  </m:oMath>
+                </a14:m>
+                <a:r>
+                  <a:rPr lang="en-US" dirty="0"/>
+                  <a:t>  possible  illuminate the receiver antenna. Set the LM angle no equal </a:t>
+                </a:r>
+                <a14:m>
+                  <m:oMath xmlns:m="http://schemas.openxmlformats.org/officeDocument/2006/math">
+                    <m:sSub>
+                      <m:sSubPr>
+                        <m:ctrlPr>
+                          <a:rPr lang="en-US" i="1">
+                            <a:latin typeface="Cambria Math" panose="02040503050406030204" pitchFamily="18" charset="0"/>
+                          </a:rPr>
+                        </m:ctrlPr>
+                      </m:sSubPr>
+                      <m:e>
+                        <m:r>
+                          <a:rPr lang="en-US" i="1">
+                            <a:latin typeface="Cambria Math" panose="02040503050406030204" pitchFamily="18" charset="0"/>
+                          </a:rPr>
+                          <m:t>𝜙</m:t>
+                        </m:r>
+                      </m:e>
+                      <m:sub>
+                        <m:r>
+                          <a:rPr lang="en-US" b="0" i="1" smtClean="0">
+                            <a:latin typeface="Cambria Math" panose="02040503050406030204" pitchFamily="18" charset="0"/>
+                          </a:rPr>
+                          <m:t>𝐵</m:t>
+                        </m:r>
+                      </m:sub>
+                    </m:sSub>
+                  </m:oMath>
+                </a14:m>
+                <a:r>
+                  <a:rPr lang="en-US" dirty="0"/>
+                  <a:t> to avoid the possible exposing.</a:t>
+                </a:r>
+              </a:p>
+              <a:p>
+                <a:endParaRPr lang="en-US" dirty="0"/>
+              </a:p>
+              <a:p>
+                <a:endParaRPr lang="en-US" dirty="0"/>
+              </a:p>
+              <a:p>
+                <a:endParaRPr lang="en-US" dirty="0"/>
+              </a:p>
             </p:txBody>
           </p:sp>
         </mc:Choice>
@@ -22404,8 +24070,8 @@
             </p:nvSpPr>
             <p:spPr>
               <a:xfrm>
-                <a:off x="6217413" y="2812503"/>
-                <a:ext cx="5288382" cy="1754326"/>
+                <a:off x="6096000" y="1832788"/>
+                <a:ext cx="5288382" cy="3693319"/>
               </a:xfrm>
               <a:prstGeom prst="rect">
                 <a:avLst/>
@@ -22413,7 +24079,7 @@
               <a:blipFill>
                 <a:blip r:embed="rId3"/>
                 <a:stretch>
-                  <a:fillRect l="-1038" t="-1389" r="-231" b="-4861"/>
+                  <a:fillRect l="-922" t="-990" r="-1613"/>
                 </a:stretch>
               </a:blipFill>
             </p:spPr>
@@ -22447,7 +24113,7 @@
         <p:spPr>
           <a:xfrm>
             <a:off x="4769463" y="509895"/>
-            <a:ext cx="2285241" cy="646331"/>
+            <a:ext cx="2141355" cy="646331"/>
           </a:xfrm>
           <a:prstGeom prst="rect">
             <a:avLst/>
@@ -22468,7 +24134,7 @@
           <a:p>
             <a:r>
               <a:rPr lang="en-US" b="1" dirty="0"/>
-              <a:t>(Absolute Point)</a:t>
+              <a:t>(LM)</a:t>
             </a:r>
           </a:p>
         </p:txBody>
@@ -22732,8 +24398,8 @@
           </a:p>
         </p:txBody>
       </p:sp>
-      <mc:AlternateContent xmlns:mc="http://schemas.openxmlformats.org/markup-compatibility/2006">
-        <mc:Choice xmlns:a14="http://schemas.microsoft.com/office/drawing/2010/main" Requires="a14">
+      <mc:AlternateContent xmlns:mc="http://schemas.openxmlformats.org/markup-compatibility/2006" xmlns:a14="http://schemas.microsoft.com/office/drawing/2010/main">
+        <mc:Choice Requires="a14">
           <p:sp>
             <p:nvSpPr>
               <p:cNvPr id="71" name="TextBox 70">
@@ -23225,7 +24891,7 @@
             </p:txBody>
           </p:sp>
         </mc:Choice>
-        <mc:Fallback>
+        <mc:Fallback xmlns="">
           <p:sp>
             <p:nvSpPr>
               <p:cNvPr id="71" name="TextBox 70">
@@ -24354,7 +26020,7 @@
         </p:nvSpPr>
         <p:spPr>
           <a:xfrm>
-            <a:off x="8394124" y="2314567"/>
+            <a:off x="8845941" y="2232190"/>
             <a:ext cx="657681" cy="461665"/>
           </a:xfrm>
           <a:prstGeom prst="rect">
@@ -24528,8 +26194,8 @@
           </a:p>
         </p:txBody>
       </p:sp>
-      <mc:AlternateContent xmlns:mc="http://schemas.openxmlformats.org/markup-compatibility/2006">
-        <mc:Choice xmlns:a14="http://schemas.microsoft.com/office/drawing/2010/main" Requires="a14">
+      <mc:AlternateContent xmlns:mc="http://schemas.openxmlformats.org/markup-compatibility/2006" xmlns:a14="http://schemas.microsoft.com/office/drawing/2010/main">
+        <mc:Choice Requires="a14">
           <p:sp>
             <p:nvSpPr>
               <p:cNvPr id="37" name="TextBox 36">
@@ -24728,7 +26394,7 @@
             </p:txBody>
           </p:sp>
         </mc:Choice>
-        <mc:Fallback>
+        <mc:Fallback xmlns="">
           <p:sp>
             <p:nvSpPr>
               <p:cNvPr id="37" name="TextBox 36">
@@ -25073,7 +26739,7 @@
                   </a:schemeClr>
                 </a:solidFill>
               </a:rPr>
-              <a:t> = major radius of vacuum window (fixed)</a:t>
+              <a:t> = major radius of vacuum window (fixed)1873.5mm</a:t>
             </a:r>
           </a:p>
           <a:p>
@@ -25413,6 +27079,133 @@
           <p:cNvPr id="2" name="Slide Number Placeholder 1">
             <a:extLst>
               <a:ext uri="{FF2B5EF4-FFF2-40B4-BE49-F238E27FC236}">
+                <a16:creationId xmlns:a16="http://schemas.microsoft.com/office/drawing/2014/main" id="{6DF594DC-A1F7-4529-BC57-01C1A2208298}"/>
+              </a:ext>
+            </a:extLst>
+          </p:cNvPr>
+          <p:cNvSpPr>
+            <a:spLocks noGrp="1"/>
+          </p:cNvSpPr>
+          <p:nvPr>
+            <p:ph type="sldNum" sz="quarter" idx="12"/>
+          </p:nvPr>
+        </p:nvSpPr>
+        <p:spPr/>
+        <p:txBody>
+          <a:bodyPr/>
+          <a:lstStyle/>
+          <a:p>
+            <a:fld id="{C8EB1B78-1A80-4349-98CC-41A40981A64A}" type="slidenum">
+              <a:rPr lang="en-US" smtClean="0"/>
+              <a:t>8</a:t>
+            </a:fld>
+            <a:endParaRPr lang="en-US"/>
+          </a:p>
+        </p:txBody>
+      </p:sp>
+      <p:sp>
+        <p:nvSpPr>
+          <p:cNvPr id="3" name="TextBox 2">
+            <a:extLst>
+              <a:ext uri="{FF2B5EF4-FFF2-40B4-BE49-F238E27FC236}">
+                <a16:creationId xmlns:a16="http://schemas.microsoft.com/office/drawing/2014/main" id="{569C37E7-9454-4607-886E-CA44E15FCABA}"/>
+              </a:ext>
+            </a:extLst>
+          </p:cNvPr>
+          <p:cNvSpPr txBox="1"/>
+          <p:nvPr/>
+        </p:nvSpPr>
+        <p:spPr>
+          <a:xfrm>
+            <a:off x="158620" y="261257"/>
+            <a:ext cx="8126964" cy="1754326"/>
+          </a:xfrm>
+          <a:prstGeom prst="rect">
+            <a:avLst/>
+          </a:prstGeom>
+          <a:noFill/>
+        </p:spPr>
+        <p:txBody>
+          <a:bodyPr wrap="square" rtlCol="0">
+            <a:spAutoFit/>
+          </a:bodyPr>
+          <a:lstStyle/>
+          <a:p>
+            <a:r>
+              <a:rPr lang="en-US" dirty="0"/>
+              <a:t>alignment procedure:</a:t>
+            </a:r>
+          </a:p>
+          <a:p>
+            <a:pPr marL="342900" indent="-342900">
+              <a:buAutoNum type="arabicPeriod"/>
+            </a:pPr>
+            <a:r>
+              <a:rPr lang="en-US" dirty="0"/>
+              <a:t>Take down the  cylindrical lens and meniscus lens </a:t>
+            </a:r>
+          </a:p>
+          <a:p>
+            <a:pPr marL="342900" indent="-342900">
+              <a:buAutoNum type="arabicPeriod"/>
+            </a:pPr>
+            <a:r>
+              <a:rPr lang="en-US" dirty="0"/>
+              <a:t>mount the visible laser  on the central of the antenna and adjust the visible laser angle to reach to the center of the  convex lens.</a:t>
+            </a:r>
+          </a:p>
+          <a:p>
+            <a:pPr marL="342900" indent="-342900">
+              <a:buAutoNum type="arabicPeriod"/>
+            </a:pPr>
+            <a:r>
+              <a:rPr lang="en-US" dirty="0"/>
+              <a:t>Take down the convex lens and </a:t>
+            </a:r>
+          </a:p>
+          <a:p>
+            <a:pPr marL="342900" indent="-342900">
+              <a:buAutoNum type="arabicPeriod"/>
+            </a:pPr>
+            <a:endParaRPr lang="en-US" dirty="0"/>
+          </a:p>
+        </p:txBody>
+      </p:sp>
+    </p:spTree>
+    <p:extLst>
+      <p:ext uri="{BB962C8B-B14F-4D97-AF65-F5344CB8AC3E}">
+        <p14:creationId xmlns:p14="http://schemas.microsoft.com/office/powerpoint/2010/main" val="3720558612"/>
+      </p:ext>
+    </p:extLst>
+  </p:cSld>
+  <p:clrMapOvr>
+    <a:masterClrMapping/>
+  </p:clrMapOvr>
+</p:sld>
+</file>
+
+<file path=ppt/slides/slide9.xml><?xml version="1.0" encoding="utf-8"?>
+<p:sld xmlns:a="http://schemas.openxmlformats.org/drawingml/2006/main" xmlns:r="http://schemas.openxmlformats.org/officeDocument/2006/relationships" xmlns:p="http://schemas.openxmlformats.org/presentationml/2006/main">
+  <p:cSld>
+    <p:spTree>
+      <p:nvGrpSpPr>
+        <p:cNvPr id="1" name=""/>
+        <p:cNvGrpSpPr/>
+        <p:nvPr/>
+      </p:nvGrpSpPr>
+      <p:grpSpPr>
+        <a:xfrm>
+          <a:off x="0" y="0"/>
+          <a:ext cx="0" cy="0"/>
+          <a:chOff x="0" y="0"/>
+          <a:chExt cx="0" cy="0"/>
+        </a:xfrm>
+      </p:grpSpPr>
+      <p:sp>
+        <p:nvSpPr>
+          <p:cNvPr id="2" name="Slide Number Placeholder 1">
+            <a:extLst>
+              <a:ext uri="{FF2B5EF4-FFF2-40B4-BE49-F238E27FC236}">
                 <a16:creationId xmlns:a16="http://schemas.microsoft.com/office/drawing/2014/main" id="{CCE85FD4-652D-9D87-CFB2-5403ADBBAA24}"/>
               </a:ext>
             </a:extLst>
@@ -25431,7 +27224,7 @@
           <a:p>
             <a:fld id="{C8EB1B78-1A80-4349-98CC-41A40981A64A}" type="slidenum">
               <a:rPr lang="en-US" smtClean="0"/>
-              <a:t>8</a:t>
+              <a:t>9</a:t>
             </a:fld>
             <a:endParaRPr lang="en-US"/>
           </a:p>
@@ -25504,1470 +27297,6 @@
     <p:extLst>
       <p:ext uri="{BB962C8B-B14F-4D97-AF65-F5344CB8AC3E}">
         <p14:creationId xmlns:p14="http://schemas.microsoft.com/office/powerpoint/2010/main" val="2857820326"/>
-      </p:ext>
-    </p:extLst>
-  </p:cSld>
-  <p:clrMapOvr>
-    <a:masterClrMapping/>
-  </p:clrMapOvr>
-</p:sld>
-</file>
-
-<file path=ppt/slides/slide9.xml><?xml version="1.0" encoding="utf-8"?>
-<p:sld xmlns:a="http://schemas.openxmlformats.org/drawingml/2006/main" xmlns:r="http://schemas.openxmlformats.org/officeDocument/2006/relationships" xmlns:p="http://schemas.openxmlformats.org/presentationml/2006/main">
-  <p:cSld>
-    <p:spTree>
-      <p:nvGrpSpPr>
-        <p:cNvPr id="1" name=""/>
-        <p:cNvGrpSpPr/>
-        <p:nvPr/>
-      </p:nvGrpSpPr>
-      <p:grpSpPr>
-        <a:xfrm>
-          <a:off x="0" y="0"/>
-          <a:ext cx="0" cy="0"/>
-          <a:chOff x="0" y="0"/>
-          <a:chExt cx="0" cy="0"/>
-        </a:xfrm>
-      </p:grpSpPr>
-      <p:pic>
-        <p:nvPicPr>
-          <p:cNvPr id="6" name="Picture 5"/>
-          <p:cNvPicPr>
-            <a:picLocks noChangeAspect="1"/>
-          </p:cNvPicPr>
-          <p:nvPr/>
-        </p:nvPicPr>
-        <p:blipFill rotWithShape="1">
-          <a:blip r:embed="rId2"/>
-          <a:srcRect l="43390" t="20221" r="9273" b="57059"/>
-          <a:stretch/>
-        </p:blipFill>
-        <p:spPr>
-          <a:xfrm>
-            <a:off x="4447732" y="5752273"/>
-            <a:ext cx="3583745" cy="967612"/>
-          </a:xfrm>
-          <a:prstGeom prst="rect">
-            <a:avLst/>
-          </a:prstGeom>
-        </p:spPr>
-      </p:pic>
-      <p:sp>
-        <p:nvSpPr>
-          <p:cNvPr id="11" name="TextBox 10"/>
-          <p:cNvSpPr txBox="1"/>
-          <p:nvPr/>
-        </p:nvSpPr>
-        <p:spPr>
-          <a:xfrm>
-            <a:off x="5508521" y="322913"/>
-            <a:ext cx="2791405" cy="461665"/>
-          </a:xfrm>
-          <a:prstGeom prst="rect">
-            <a:avLst/>
-          </a:prstGeom>
-          <a:noFill/>
-        </p:spPr>
-        <p:txBody>
-          <a:bodyPr wrap="none" rtlCol="0">
-            <a:spAutoFit/>
-          </a:bodyPr>
-          <a:lstStyle/>
-          <a:p>
-            <a:r>
-              <a:rPr lang="en-US" sz="2400" b="1" dirty="0"/>
-              <a:t>Bay G Launch Mirror</a:t>
-            </a:r>
-          </a:p>
-        </p:txBody>
-      </p:sp>
-      <p:sp>
-        <p:nvSpPr>
-          <p:cNvPr id="12" name="TextBox 11"/>
-          <p:cNvSpPr txBox="1"/>
-          <p:nvPr/>
-        </p:nvSpPr>
-        <p:spPr>
-          <a:xfrm>
-            <a:off x="4544834" y="2683814"/>
-            <a:ext cx="1791260" cy="461665"/>
-          </a:xfrm>
-          <a:prstGeom prst="rect">
-            <a:avLst/>
-          </a:prstGeom>
-          <a:noFill/>
-        </p:spPr>
-        <p:txBody>
-          <a:bodyPr wrap="none" rtlCol="0">
-            <a:spAutoFit/>
-          </a:bodyPr>
-          <a:lstStyle/>
-          <a:p>
-            <a:r>
-              <a:rPr lang="en-US" sz="2400" b="1"/>
-              <a:t>Torus Center</a:t>
-            </a:r>
-          </a:p>
-        </p:txBody>
-      </p:sp>
-      <p:sp>
-        <p:nvSpPr>
-          <p:cNvPr id="19" name="TextBox 18"/>
-          <p:cNvSpPr txBox="1"/>
-          <p:nvPr/>
-        </p:nvSpPr>
-        <p:spPr>
-          <a:xfrm>
-            <a:off x="6890438" y="6327042"/>
-            <a:ext cx="1262910" cy="461665"/>
-          </a:xfrm>
-          <a:prstGeom prst="rect">
-            <a:avLst/>
-          </a:prstGeom>
-          <a:noFill/>
-        </p:spPr>
-        <p:txBody>
-          <a:bodyPr wrap="none" rtlCol="0">
-            <a:spAutoFit/>
-          </a:bodyPr>
-          <a:lstStyle/>
-          <a:p>
-            <a:r>
-              <a:rPr lang="en-US" sz="2400" b="1"/>
-              <a:t>Window</a:t>
-            </a:r>
-          </a:p>
-        </p:txBody>
-      </p:sp>
-      <p:sp>
-        <p:nvSpPr>
-          <p:cNvPr id="20" name="Rectangle 19"/>
-          <p:cNvSpPr/>
-          <p:nvPr/>
-        </p:nvSpPr>
-        <p:spPr>
-          <a:xfrm>
-            <a:off x="6024363" y="6477454"/>
-            <a:ext cx="796923" cy="94069"/>
-          </a:xfrm>
-          <a:prstGeom prst="rect">
-            <a:avLst/>
-          </a:prstGeom>
-        </p:spPr>
-        <p:style>
-          <a:lnRef idx="2">
-            <a:schemeClr val="accent1">
-              <a:shade val="50000"/>
-            </a:schemeClr>
-          </a:lnRef>
-          <a:fillRef idx="1">
-            <a:schemeClr val="accent1"/>
-          </a:fillRef>
-          <a:effectRef idx="0">
-            <a:schemeClr val="accent1"/>
-          </a:effectRef>
-          <a:fontRef idx="minor">
-            <a:schemeClr val="lt1"/>
-          </a:fontRef>
-        </p:style>
-        <p:txBody>
-          <a:bodyPr rtlCol="0" anchor="ctr"/>
-          <a:lstStyle/>
-          <a:p>
-            <a:pPr algn="ctr"/>
-            <a:endParaRPr lang="en-US"/>
-          </a:p>
-        </p:txBody>
-      </p:sp>
-      <p:sp>
-        <p:nvSpPr>
-          <p:cNvPr id="41" name="TextBox 40"/>
-          <p:cNvSpPr txBox="1"/>
-          <p:nvPr/>
-        </p:nvSpPr>
-        <p:spPr>
-          <a:xfrm>
-            <a:off x="212434" y="68234"/>
-            <a:ext cx="5514326" cy="890115"/>
-          </a:xfrm>
-          <a:prstGeom prst="rect">
-            <a:avLst/>
-          </a:prstGeom>
-          <a:noFill/>
-        </p:spPr>
-        <p:txBody>
-          <a:bodyPr wrap="square" rtlCol="0">
-            <a:spAutoFit/>
-          </a:bodyPr>
-          <a:lstStyle/>
-          <a:p>
-            <a:pPr>
-              <a:lnSpc>
-                <a:spcPct val="80000"/>
-              </a:lnSpc>
-            </a:pPr>
-            <a:r>
-              <a:rPr lang="en-US" sz="3200" b="1" dirty="0">
-                <a:solidFill>
-                  <a:srgbClr val="FF0000"/>
-                </a:solidFill>
-              </a:rPr>
-              <a:t>NSTX-U High-k Scattering Launch Geometry</a:t>
-            </a:r>
-          </a:p>
-        </p:txBody>
-      </p:sp>
-      <p:cxnSp>
-        <p:nvCxnSpPr>
-          <p:cNvPr id="42" name="Straight Connector 41"/>
-          <p:cNvCxnSpPr/>
-          <p:nvPr/>
-        </p:nvCxnSpPr>
-        <p:spPr>
-          <a:xfrm flipH="1" flipV="1">
-            <a:off x="6125356" y="3194531"/>
-            <a:ext cx="0" cy="3383280"/>
-          </a:xfrm>
-          <a:prstGeom prst="line">
-            <a:avLst/>
-          </a:prstGeom>
-          <a:ln w="25400">
-            <a:solidFill>
-              <a:srgbClr val="FF0000"/>
-            </a:solidFill>
-          </a:ln>
-        </p:spPr>
-        <p:style>
-          <a:lnRef idx="1">
-            <a:schemeClr val="accent1"/>
-          </a:lnRef>
-          <a:fillRef idx="0">
-            <a:schemeClr val="accent1"/>
-          </a:fillRef>
-          <a:effectRef idx="0">
-            <a:schemeClr val="accent1"/>
-          </a:effectRef>
-          <a:fontRef idx="minor">
-            <a:schemeClr val="tx1"/>
-          </a:fontRef>
-        </p:style>
-      </p:cxnSp>
-      <p:cxnSp>
-        <p:nvCxnSpPr>
-          <p:cNvPr id="45" name="Straight Connector 44"/>
-          <p:cNvCxnSpPr/>
-          <p:nvPr/>
-        </p:nvCxnSpPr>
-        <p:spPr>
-          <a:xfrm rot="780000" flipV="1">
-            <a:off x="6615591" y="4766159"/>
-            <a:ext cx="0" cy="1828800"/>
-          </a:xfrm>
-          <a:prstGeom prst="line">
-            <a:avLst/>
-          </a:prstGeom>
-          <a:ln w="25400">
-            <a:solidFill>
-              <a:srgbClr val="FF0000"/>
-            </a:solidFill>
-          </a:ln>
-        </p:spPr>
-        <p:style>
-          <a:lnRef idx="1">
-            <a:schemeClr val="accent1"/>
-          </a:lnRef>
-          <a:fillRef idx="0">
-            <a:schemeClr val="accent1"/>
-          </a:fillRef>
-          <a:effectRef idx="0">
-            <a:schemeClr val="accent1"/>
-          </a:effectRef>
-          <a:fontRef idx="minor">
-            <a:schemeClr val="tx1"/>
-          </a:fontRef>
-        </p:style>
-      </p:cxnSp>
-      <p:sp>
-        <p:nvSpPr>
-          <p:cNvPr id="46" name="TextBox 45"/>
-          <p:cNvSpPr txBox="1"/>
-          <p:nvPr/>
-        </p:nvSpPr>
-        <p:spPr>
-          <a:xfrm>
-            <a:off x="6904223" y="4440772"/>
-            <a:ext cx="1807299" cy="690638"/>
-          </a:xfrm>
-          <a:prstGeom prst="rect">
-            <a:avLst/>
-          </a:prstGeom>
-          <a:noFill/>
-        </p:spPr>
-        <p:txBody>
-          <a:bodyPr wrap="square" rtlCol="0">
-            <a:spAutoFit/>
-          </a:bodyPr>
-          <a:lstStyle/>
-          <a:p>
-            <a:pPr>
-              <a:lnSpc>
-                <a:spcPct val="80000"/>
-              </a:lnSpc>
-            </a:pPr>
-            <a:r>
-              <a:rPr lang="en-US" sz="2400" b="1" dirty="0">
-                <a:solidFill>
-                  <a:srgbClr val="0070C0"/>
-                </a:solidFill>
-              </a:rPr>
-              <a:t>Interaction Region (IR)</a:t>
-            </a:r>
-          </a:p>
-        </p:txBody>
-      </p:sp>
-      <p:cxnSp>
-        <p:nvCxnSpPr>
-          <p:cNvPr id="47" name="Straight Connector 46"/>
-          <p:cNvCxnSpPr>
-            <a:stCxn id="44" idx="4"/>
-          </p:cNvCxnSpPr>
-          <p:nvPr/>
-        </p:nvCxnSpPr>
-        <p:spPr>
-          <a:xfrm flipH="1" flipV="1">
-            <a:off x="6162924" y="3218733"/>
-            <a:ext cx="640080" cy="1554480"/>
-          </a:xfrm>
-          <a:prstGeom prst="line">
-            <a:avLst/>
-          </a:prstGeom>
-          <a:ln w="25400">
-            <a:solidFill>
-              <a:srgbClr val="0070C0"/>
-            </a:solidFill>
-            <a:headEnd type="triangle" w="lg" len="lg"/>
-            <a:tailEnd type="none"/>
-          </a:ln>
-        </p:spPr>
-        <p:style>
-          <a:lnRef idx="1">
-            <a:schemeClr val="accent1"/>
-          </a:lnRef>
-          <a:fillRef idx="0">
-            <a:schemeClr val="accent1"/>
-          </a:fillRef>
-          <a:effectRef idx="0">
-            <a:schemeClr val="accent1"/>
-          </a:effectRef>
-          <a:fontRef idx="minor">
-            <a:schemeClr val="tx1"/>
-          </a:fontRef>
-        </p:style>
-      </p:cxnSp>
-      <p:cxnSp>
-        <p:nvCxnSpPr>
-          <p:cNvPr id="48" name="Straight Connector 47"/>
-          <p:cNvCxnSpPr/>
-          <p:nvPr/>
-        </p:nvCxnSpPr>
-        <p:spPr>
-          <a:xfrm rot="1200000" flipH="1" flipV="1">
-            <a:off x="7618074" y="450448"/>
-            <a:ext cx="0" cy="4480560"/>
-          </a:xfrm>
-          <a:prstGeom prst="line">
-            <a:avLst/>
-          </a:prstGeom>
-          <a:ln w="25400">
-            <a:solidFill>
-              <a:srgbClr val="FF0000"/>
-            </a:solidFill>
-          </a:ln>
-        </p:spPr>
-        <p:style>
-          <a:lnRef idx="1">
-            <a:schemeClr val="accent1"/>
-          </a:lnRef>
-          <a:fillRef idx="0">
-            <a:schemeClr val="accent1"/>
-          </a:fillRef>
-          <a:effectRef idx="0">
-            <a:schemeClr val="accent1"/>
-          </a:effectRef>
-          <a:fontRef idx="minor">
-            <a:schemeClr val="tx1"/>
-          </a:fontRef>
-        </p:style>
-      </p:cxnSp>
-      <p:sp>
-        <p:nvSpPr>
-          <p:cNvPr id="14" name="Oval 13"/>
-          <p:cNvSpPr/>
-          <p:nvPr/>
-        </p:nvSpPr>
-        <p:spPr>
-          <a:xfrm>
-            <a:off x="8294694" y="501857"/>
-            <a:ext cx="182880" cy="182880"/>
-          </a:xfrm>
-          <a:prstGeom prst="ellipse">
-            <a:avLst/>
-          </a:prstGeom>
-          <a:solidFill>
-            <a:schemeClr val="tx1"/>
-          </a:solidFill>
-        </p:spPr>
-        <p:style>
-          <a:lnRef idx="2">
-            <a:schemeClr val="accent1">
-              <a:shade val="50000"/>
-            </a:schemeClr>
-          </a:lnRef>
-          <a:fillRef idx="1">
-            <a:schemeClr val="accent1"/>
-          </a:fillRef>
-          <a:effectRef idx="0">
-            <a:schemeClr val="accent1"/>
-          </a:effectRef>
-          <a:fontRef idx="minor">
-            <a:schemeClr val="lt1"/>
-          </a:fontRef>
-        </p:style>
-        <p:txBody>
-          <a:bodyPr rtlCol="0" anchor="ctr"/>
-          <a:lstStyle/>
-          <a:p>
-            <a:pPr algn="ctr"/>
-            <a:endParaRPr lang="en-US"/>
-          </a:p>
-        </p:txBody>
-      </p:sp>
-      <p:cxnSp>
-        <p:nvCxnSpPr>
-          <p:cNvPr id="43" name="Straight Connector 42"/>
-          <p:cNvCxnSpPr/>
-          <p:nvPr/>
-        </p:nvCxnSpPr>
-        <p:spPr>
-          <a:xfrm rot="2460000" flipH="1" flipV="1">
-            <a:off x="7265167" y="170170"/>
-            <a:ext cx="0" cy="3474720"/>
-          </a:xfrm>
-          <a:prstGeom prst="line">
-            <a:avLst/>
-          </a:prstGeom>
-          <a:ln w="25400">
-            <a:solidFill>
-              <a:srgbClr val="FF0000"/>
-            </a:solidFill>
-          </a:ln>
-        </p:spPr>
-        <p:style>
-          <a:lnRef idx="1">
-            <a:schemeClr val="accent1"/>
-          </a:lnRef>
-          <a:fillRef idx="0">
-            <a:schemeClr val="accent1"/>
-          </a:fillRef>
-          <a:effectRef idx="0">
-            <a:schemeClr val="accent1"/>
-          </a:effectRef>
-          <a:fontRef idx="minor">
-            <a:schemeClr val="tx1"/>
-          </a:fontRef>
-        </p:style>
-      </p:cxnSp>
-      <p:sp>
-        <p:nvSpPr>
-          <p:cNvPr id="18" name="Oval 17"/>
-          <p:cNvSpPr/>
-          <p:nvPr/>
-        </p:nvSpPr>
-        <p:spPr>
-          <a:xfrm>
-            <a:off x="6024364" y="3095580"/>
-            <a:ext cx="182880" cy="182880"/>
-          </a:xfrm>
-          <a:prstGeom prst="ellipse">
-            <a:avLst/>
-          </a:prstGeom>
-          <a:solidFill>
-            <a:schemeClr val="tx1"/>
-          </a:solidFill>
-        </p:spPr>
-        <p:style>
-          <a:lnRef idx="2">
-            <a:schemeClr val="accent1">
-              <a:shade val="50000"/>
-            </a:schemeClr>
-          </a:lnRef>
-          <a:fillRef idx="1">
-            <a:schemeClr val="accent1"/>
-          </a:fillRef>
-          <a:effectRef idx="0">
-            <a:schemeClr val="accent1"/>
-          </a:effectRef>
-          <a:fontRef idx="minor">
-            <a:schemeClr val="lt1"/>
-          </a:fontRef>
-        </p:style>
-        <p:txBody>
-          <a:bodyPr rtlCol="0" anchor="ctr"/>
-          <a:lstStyle/>
-          <a:p>
-            <a:pPr algn="ctr"/>
-            <a:endParaRPr lang="en-US"/>
-          </a:p>
-        </p:txBody>
-      </p:sp>
-      <p:sp>
-        <p:nvSpPr>
-          <p:cNvPr id="44" name="Oval 43"/>
-          <p:cNvSpPr/>
-          <p:nvPr/>
-        </p:nvSpPr>
-        <p:spPr>
-          <a:xfrm>
-            <a:off x="6736322" y="4694651"/>
-            <a:ext cx="182880" cy="182880"/>
-          </a:xfrm>
-          <a:prstGeom prst="ellipse">
-            <a:avLst/>
-          </a:prstGeom>
-          <a:solidFill>
-            <a:schemeClr val="tx1"/>
-          </a:solidFill>
-        </p:spPr>
-        <p:style>
-          <a:lnRef idx="2">
-            <a:schemeClr val="accent1">
-              <a:shade val="50000"/>
-            </a:schemeClr>
-          </a:lnRef>
-          <a:fillRef idx="1">
-            <a:schemeClr val="accent1"/>
-          </a:fillRef>
-          <a:effectRef idx="0">
-            <a:schemeClr val="accent1"/>
-          </a:effectRef>
-          <a:fontRef idx="minor">
-            <a:schemeClr val="lt1"/>
-          </a:fontRef>
-        </p:style>
-        <p:txBody>
-          <a:bodyPr rtlCol="0" anchor="ctr"/>
-          <a:lstStyle/>
-          <a:p>
-            <a:pPr algn="ctr"/>
-            <a:endParaRPr lang="en-US"/>
-          </a:p>
-        </p:txBody>
-      </p:sp>
-      <p:sp>
-        <p:nvSpPr>
-          <p:cNvPr id="49" name="TextBox 48"/>
-          <p:cNvSpPr txBox="1"/>
-          <p:nvPr/>
-        </p:nvSpPr>
-        <p:spPr>
-          <a:xfrm>
-            <a:off x="6553576" y="3630593"/>
-            <a:ext cx="498855" cy="461665"/>
-          </a:xfrm>
-          <a:prstGeom prst="rect">
-            <a:avLst/>
-          </a:prstGeom>
-          <a:noFill/>
-        </p:spPr>
-        <p:txBody>
-          <a:bodyPr wrap="none" rtlCol="0">
-            <a:spAutoFit/>
-          </a:bodyPr>
-          <a:lstStyle/>
-          <a:p>
-            <a:r>
-              <a:rPr lang="el-GR" sz="2400" b="1">
-                <a:solidFill>
-                  <a:srgbClr val="FF0000"/>
-                </a:solidFill>
-              </a:rPr>
-              <a:t>ψ</a:t>
-            </a:r>
-            <a:r>
-              <a:rPr lang="en-US" sz="2400" b="1" baseline="-25000">
-                <a:solidFill>
-                  <a:srgbClr val="FF0000"/>
-                </a:solidFill>
-              </a:rPr>
-              <a:t>L</a:t>
-            </a:r>
-          </a:p>
-        </p:txBody>
-      </p:sp>
-      <p:sp>
-        <p:nvSpPr>
-          <p:cNvPr id="50" name="Arc 49"/>
-          <p:cNvSpPr/>
-          <p:nvPr/>
-        </p:nvSpPr>
-        <p:spPr>
-          <a:xfrm>
-            <a:off x="6179252" y="4077426"/>
-            <a:ext cx="1345201" cy="1420968"/>
-          </a:xfrm>
-          <a:prstGeom prst="arc">
-            <a:avLst>
-              <a:gd name="adj1" fmla="val 14767857"/>
-              <a:gd name="adj2" fmla="val 17347294"/>
-            </a:avLst>
-          </a:prstGeom>
-          <a:ln w="25400">
-            <a:solidFill>
-              <a:srgbClr val="FF0000"/>
-            </a:solidFill>
-            <a:tailEnd type="triangle" w="lg" len="lg"/>
-          </a:ln>
-        </p:spPr>
-        <p:style>
-          <a:lnRef idx="1">
-            <a:schemeClr val="accent1"/>
-          </a:lnRef>
-          <a:fillRef idx="0">
-            <a:schemeClr val="accent1"/>
-          </a:fillRef>
-          <a:effectRef idx="0">
-            <a:schemeClr val="accent1"/>
-          </a:effectRef>
-          <a:fontRef idx="minor">
-            <a:schemeClr val="tx1"/>
-          </a:fontRef>
-        </p:style>
-        <p:txBody>
-          <a:bodyPr rtlCol="0" anchor="ctr"/>
-          <a:lstStyle/>
-          <a:p>
-            <a:pPr algn="ctr"/>
-            <a:endParaRPr lang="en-US"/>
-          </a:p>
-        </p:txBody>
-      </p:sp>
-      <p:sp>
-        <p:nvSpPr>
-          <p:cNvPr id="51" name="TextBox 50"/>
-          <p:cNvSpPr txBox="1"/>
-          <p:nvPr/>
-        </p:nvSpPr>
-        <p:spPr>
-          <a:xfrm>
-            <a:off x="6524626" y="1637699"/>
-            <a:ext cx="623889" cy="461665"/>
-          </a:xfrm>
-          <a:prstGeom prst="rect">
-            <a:avLst/>
-          </a:prstGeom>
-          <a:noFill/>
-        </p:spPr>
-        <p:txBody>
-          <a:bodyPr wrap="none" rtlCol="0">
-            <a:spAutoFit/>
-          </a:bodyPr>
-          <a:lstStyle/>
-          <a:p>
-            <a:r>
-              <a:rPr lang="en-US" sz="2400" b="1">
-                <a:solidFill>
-                  <a:srgbClr val="FF0000"/>
-                </a:solidFill>
-              </a:rPr>
-              <a:t>R</a:t>
-            </a:r>
-            <a:r>
-              <a:rPr lang="en-US" sz="2400" b="1" baseline="-25000">
-                <a:solidFill>
-                  <a:srgbClr val="FF0000"/>
-                </a:solidFill>
-              </a:rPr>
-              <a:t>LM</a:t>
-            </a:r>
-          </a:p>
-        </p:txBody>
-      </p:sp>
-      <p:sp>
-        <p:nvSpPr>
-          <p:cNvPr id="52" name="TextBox 51"/>
-          <p:cNvSpPr txBox="1"/>
-          <p:nvPr/>
-        </p:nvSpPr>
-        <p:spPr>
-          <a:xfrm>
-            <a:off x="7525406" y="2720843"/>
-            <a:ext cx="572593" cy="461665"/>
-          </a:xfrm>
-          <a:prstGeom prst="rect">
-            <a:avLst/>
-          </a:prstGeom>
-          <a:noFill/>
-        </p:spPr>
-        <p:txBody>
-          <a:bodyPr wrap="none" rtlCol="0">
-            <a:spAutoFit/>
-          </a:bodyPr>
-          <a:lstStyle/>
-          <a:p>
-            <a:r>
-              <a:rPr lang="en-US" sz="2400" b="1">
-                <a:solidFill>
-                  <a:srgbClr val="FF0000"/>
-                </a:solidFill>
-              </a:rPr>
-              <a:t>z</a:t>
-            </a:r>
-            <a:r>
-              <a:rPr lang="en-US" sz="2400" b="1" baseline="-25000">
-                <a:solidFill>
-                  <a:srgbClr val="FF0000"/>
-                </a:solidFill>
-              </a:rPr>
-              <a:t>LM</a:t>
-            </a:r>
-          </a:p>
-        </p:txBody>
-      </p:sp>
-      <p:sp>
-        <p:nvSpPr>
-          <p:cNvPr id="53" name="TextBox 52"/>
-          <p:cNvSpPr txBox="1"/>
-          <p:nvPr/>
-        </p:nvSpPr>
-        <p:spPr>
-          <a:xfrm>
-            <a:off x="6224750" y="4188404"/>
-            <a:ext cx="527709" cy="461665"/>
-          </a:xfrm>
-          <a:prstGeom prst="rect">
-            <a:avLst/>
-          </a:prstGeom>
-          <a:noFill/>
-        </p:spPr>
-        <p:txBody>
-          <a:bodyPr wrap="none" rtlCol="0">
-            <a:spAutoFit/>
-          </a:bodyPr>
-          <a:lstStyle/>
-          <a:p>
-            <a:r>
-              <a:rPr lang="en-US" sz="2400" b="1">
-                <a:solidFill>
-                  <a:srgbClr val="FF0000"/>
-                </a:solidFill>
-              </a:rPr>
-              <a:t>R</a:t>
-            </a:r>
-            <a:r>
-              <a:rPr lang="en-US" sz="2400" b="1" baseline="-25000">
-                <a:solidFill>
-                  <a:srgbClr val="FF0000"/>
-                </a:solidFill>
-              </a:rPr>
-              <a:t>IR</a:t>
-            </a:r>
-          </a:p>
-        </p:txBody>
-      </p:sp>
-      <p:sp>
-        <p:nvSpPr>
-          <p:cNvPr id="54" name="TextBox 53"/>
-          <p:cNvSpPr txBox="1"/>
-          <p:nvPr/>
-        </p:nvSpPr>
-        <p:spPr>
-          <a:xfrm>
-            <a:off x="5500317" y="4749834"/>
-            <a:ext cx="657681" cy="461665"/>
-          </a:xfrm>
-          <a:prstGeom prst="rect">
-            <a:avLst/>
-          </a:prstGeom>
-          <a:noFill/>
-        </p:spPr>
-        <p:txBody>
-          <a:bodyPr wrap="none" rtlCol="0">
-            <a:spAutoFit/>
-          </a:bodyPr>
-          <a:lstStyle/>
-          <a:p>
-            <a:r>
-              <a:rPr lang="en-US" sz="2400" b="1">
-                <a:solidFill>
-                  <a:srgbClr val="FF0000"/>
-                </a:solidFill>
-              </a:rPr>
-              <a:t>R</a:t>
-            </a:r>
-            <a:r>
-              <a:rPr lang="en-US" sz="2400" b="1" baseline="-25000">
-                <a:solidFill>
-                  <a:srgbClr val="FF0000"/>
-                </a:solidFill>
-              </a:rPr>
-              <a:t>RW</a:t>
-            </a:r>
-          </a:p>
-        </p:txBody>
-      </p:sp>
-      <p:sp>
-        <p:nvSpPr>
-          <p:cNvPr id="55" name="Arc 54"/>
-          <p:cNvSpPr/>
-          <p:nvPr/>
-        </p:nvSpPr>
-        <p:spPr>
-          <a:xfrm rot="-5400000" flipV="1">
-            <a:off x="5714018" y="2799666"/>
-            <a:ext cx="791169" cy="765685"/>
-          </a:xfrm>
-          <a:prstGeom prst="arc">
-            <a:avLst>
-              <a:gd name="adj1" fmla="val 10937271"/>
-              <a:gd name="adj2" fmla="val 18920686"/>
-            </a:avLst>
-          </a:prstGeom>
-          <a:ln w="25400">
-            <a:solidFill>
-              <a:srgbClr val="FF0000"/>
-            </a:solidFill>
-            <a:tailEnd type="triangle" w="lg" len="lg"/>
-          </a:ln>
-        </p:spPr>
-        <p:style>
-          <a:lnRef idx="1">
-            <a:schemeClr val="accent1"/>
-          </a:lnRef>
-          <a:fillRef idx="0">
-            <a:schemeClr val="accent1"/>
-          </a:fillRef>
-          <a:effectRef idx="0">
-            <a:schemeClr val="accent1"/>
-          </a:effectRef>
-          <a:fontRef idx="minor">
-            <a:schemeClr val="tx1"/>
-          </a:fontRef>
-        </p:style>
-        <p:txBody>
-          <a:bodyPr rtlCol="0" anchor="ctr"/>
-          <a:lstStyle/>
-          <a:p>
-            <a:pPr algn="ctr"/>
-            <a:endParaRPr lang="en-US"/>
-          </a:p>
-        </p:txBody>
-      </p:sp>
-      <p:sp>
-        <p:nvSpPr>
-          <p:cNvPr id="56" name="TextBox 55"/>
-          <p:cNvSpPr txBox="1"/>
-          <p:nvPr/>
-        </p:nvSpPr>
-        <p:spPr>
-          <a:xfrm>
-            <a:off x="5500317" y="3494754"/>
-            <a:ext cx="652743" cy="461665"/>
-          </a:xfrm>
-          <a:prstGeom prst="rect">
-            <a:avLst/>
-          </a:prstGeom>
-          <a:noFill/>
-        </p:spPr>
-        <p:txBody>
-          <a:bodyPr wrap="none" rtlCol="0">
-            <a:spAutoFit/>
-          </a:bodyPr>
-          <a:lstStyle/>
-          <a:p>
-            <a:r>
-              <a:rPr lang="el-GR" sz="2400" b="1">
-                <a:solidFill>
-                  <a:srgbClr val="FF0000"/>
-                </a:solidFill>
-              </a:rPr>
-              <a:t>ψ</a:t>
-            </a:r>
-            <a:r>
-              <a:rPr lang="en-US" sz="2400" b="1" baseline="-25000">
-                <a:solidFill>
-                  <a:srgbClr val="FF0000"/>
-                </a:solidFill>
-              </a:rPr>
-              <a:t>RA</a:t>
-            </a:r>
-          </a:p>
-        </p:txBody>
-      </p:sp>
-      <p:sp>
-        <p:nvSpPr>
-          <p:cNvPr id="57" name="Arc 56"/>
-          <p:cNvSpPr/>
-          <p:nvPr/>
-        </p:nvSpPr>
-        <p:spPr>
-          <a:xfrm rot="-5400000" flipV="1">
-            <a:off x="5523208" y="2589087"/>
-            <a:ext cx="1179854" cy="1135530"/>
-          </a:xfrm>
-          <a:prstGeom prst="arc">
-            <a:avLst>
-              <a:gd name="adj1" fmla="val 10937271"/>
-              <a:gd name="adj2" fmla="val 12329916"/>
-            </a:avLst>
-          </a:prstGeom>
-          <a:ln w="25400">
-            <a:solidFill>
-              <a:srgbClr val="FF0000"/>
-            </a:solidFill>
-            <a:tailEnd type="triangle" w="lg" len="lg"/>
-          </a:ln>
-        </p:spPr>
-        <p:style>
-          <a:lnRef idx="1">
-            <a:schemeClr val="accent1"/>
-          </a:lnRef>
-          <a:fillRef idx="0">
-            <a:schemeClr val="accent1"/>
-          </a:fillRef>
-          <a:effectRef idx="0">
-            <a:schemeClr val="accent1"/>
-          </a:effectRef>
-          <a:fontRef idx="minor">
-            <a:schemeClr val="tx1"/>
-          </a:fontRef>
-        </p:style>
-        <p:txBody>
-          <a:bodyPr rtlCol="0" anchor="ctr"/>
-          <a:lstStyle/>
-          <a:p>
-            <a:pPr algn="ctr"/>
-            <a:endParaRPr lang="en-US"/>
-          </a:p>
-        </p:txBody>
-      </p:sp>
-      <p:sp>
-        <p:nvSpPr>
-          <p:cNvPr id="58" name="TextBox 57"/>
-          <p:cNvSpPr txBox="1"/>
-          <p:nvPr/>
-        </p:nvSpPr>
-        <p:spPr>
-          <a:xfrm>
-            <a:off x="277625" y="1301846"/>
-            <a:ext cx="4786788" cy="4385816"/>
-          </a:xfrm>
-          <a:prstGeom prst="rect">
-            <a:avLst/>
-          </a:prstGeom>
-          <a:noFill/>
-        </p:spPr>
-        <p:txBody>
-          <a:bodyPr wrap="square" rtlCol="0">
-            <a:spAutoFit/>
-          </a:bodyPr>
-          <a:lstStyle/>
-          <a:p>
-            <a:pPr marL="512763" indent="-512763">
-              <a:lnSpc>
-                <a:spcPct val="90000"/>
-              </a:lnSpc>
-              <a:spcBef>
-                <a:spcPts val="900"/>
-              </a:spcBef>
-            </a:pPr>
-            <a:r>
-              <a:rPr lang="en-US" sz="2000" dirty="0">
-                <a:solidFill>
-                  <a:schemeClr val="bg2">
-                    <a:lumMod val="75000"/>
-                  </a:schemeClr>
-                </a:solidFill>
-              </a:rPr>
-              <a:t>R</a:t>
-            </a:r>
-            <a:r>
-              <a:rPr lang="en-US" sz="2000" baseline="-25000" dirty="0">
-                <a:solidFill>
-                  <a:schemeClr val="bg2">
-                    <a:lumMod val="75000"/>
-                  </a:schemeClr>
-                </a:solidFill>
-              </a:rPr>
-              <a:t>RW</a:t>
-            </a:r>
-            <a:r>
-              <a:rPr lang="en-US" sz="2000" dirty="0">
-                <a:solidFill>
-                  <a:schemeClr val="bg2">
-                    <a:lumMod val="75000"/>
-                  </a:schemeClr>
-                </a:solidFill>
-              </a:rPr>
-              <a:t> = major radius of vacuum window</a:t>
-            </a:r>
-          </a:p>
-          <a:p>
-            <a:pPr marL="512763" indent="-512763">
-              <a:lnSpc>
-                <a:spcPct val="90000"/>
-              </a:lnSpc>
-              <a:spcBef>
-                <a:spcPts val="900"/>
-              </a:spcBef>
-            </a:pPr>
-            <a:r>
-              <a:rPr lang="en-US" sz="2000" dirty="0">
-                <a:solidFill>
-                  <a:schemeClr val="bg2">
-                    <a:lumMod val="75000"/>
-                  </a:schemeClr>
-                </a:solidFill>
-              </a:rPr>
-              <a:t>R</a:t>
-            </a:r>
-            <a:r>
-              <a:rPr lang="en-US" sz="2000" baseline="-25000" dirty="0">
-                <a:solidFill>
-                  <a:schemeClr val="bg2">
-                    <a:lumMod val="75000"/>
-                  </a:schemeClr>
-                </a:solidFill>
-              </a:rPr>
-              <a:t>IR</a:t>
-            </a:r>
-            <a:r>
-              <a:rPr lang="en-US" sz="2000" dirty="0">
-                <a:solidFill>
-                  <a:schemeClr val="bg2">
-                    <a:lumMod val="75000"/>
-                  </a:schemeClr>
-                </a:solidFill>
-              </a:rPr>
-              <a:t> = major radius of interaction region</a:t>
-            </a:r>
-          </a:p>
-          <a:p>
-            <a:pPr marL="512763" indent="-512763">
-              <a:lnSpc>
-                <a:spcPct val="90000"/>
-              </a:lnSpc>
-              <a:spcBef>
-                <a:spcPts val="900"/>
-              </a:spcBef>
-            </a:pPr>
-            <a:r>
-              <a:rPr lang="el-GR" sz="2000" dirty="0">
-                <a:solidFill>
-                  <a:schemeClr val="bg2">
-                    <a:lumMod val="75000"/>
-                  </a:schemeClr>
-                </a:solidFill>
-              </a:rPr>
-              <a:t>ψ</a:t>
-            </a:r>
-            <a:r>
-              <a:rPr lang="en-US" sz="2000" baseline="-25000" dirty="0">
-                <a:solidFill>
-                  <a:schemeClr val="bg2">
-                    <a:lumMod val="75000"/>
-                  </a:schemeClr>
-                </a:solidFill>
-              </a:rPr>
-              <a:t>RA</a:t>
-            </a:r>
-            <a:r>
-              <a:rPr lang="en-US" sz="2000" dirty="0">
-                <a:solidFill>
-                  <a:schemeClr val="bg2">
-                    <a:lumMod val="75000"/>
-                  </a:schemeClr>
-                </a:solidFill>
-              </a:rPr>
-              <a:t> = toroidal tilt angle of interaction region (</a:t>
-            </a:r>
-            <a:r>
-              <a:rPr lang="en-US" sz="2000" dirty="0" err="1">
-                <a:solidFill>
-                  <a:schemeClr val="bg2">
-                    <a:lumMod val="75000"/>
-                  </a:schemeClr>
-                </a:solidFill>
-              </a:rPr>
-              <a:t>w.r.t.</a:t>
-            </a:r>
-            <a:r>
-              <a:rPr lang="en-US" sz="2000" dirty="0">
-                <a:solidFill>
-                  <a:schemeClr val="bg2">
-                    <a:lumMod val="75000"/>
-                  </a:schemeClr>
-                </a:solidFill>
-              </a:rPr>
-              <a:t> plane of vacuum window)</a:t>
-            </a:r>
-          </a:p>
-          <a:p>
-            <a:pPr marL="512763" indent="-512763">
-              <a:lnSpc>
-                <a:spcPct val="90000"/>
-              </a:lnSpc>
-              <a:spcBef>
-                <a:spcPts val="900"/>
-              </a:spcBef>
-            </a:pPr>
-            <a:r>
-              <a:rPr lang="en-US" sz="2000" dirty="0"/>
-              <a:t>R</a:t>
-            </a:r>
-            <a:r>
-              <a:rPr lang="en-US" sz="2000" baseline="-25000" dirty="0"/>
-              <a:t>LM</a:t>
-            </a:r>
-            <a:r>
-              <a:rPr lang="en-US" sz="2000" dirty="0"/>
-              <a:t> = major radius of launch mirror</a:t>
-            </a:r>
-            <a:br>
-              <a:rPr lang="en-US" sz="2000" dirty="0"/>
-            </a:br>
-            <a:r>
-              <a:rPr lang="en-US" sz="2000" dirty="0"/>
-              <a:t>(fixed)</a:t>
-            </a:r>
-          </a:p>
-          <a:p>
-            <a:pPr marL="512763" indent="-512763">
-              <a:lnSpc>
-                <a:spcPct val="90000"/>
-              </a:lnSpc>
-              <a:spcBef>
-                <a:spcPts val="900"/>
-              </a:spcBef>
-            </a:pPr>
-            <a:r>
-              <a:rPr lang="el-GR" sz="2000" dirty="0"/>
-              <a:t>ψ</a:t>
-            </a:r>
-            <a:r>
-              <a:rPr lang="en-US" sz="2000" baseline="-25000" dirty="0"/>
-              <a:t>LM</a:t>
-            </a:r>
-            <a:r>
-              <a:rPr lang="en-US" sz="2000" dirty="0"/>
-              <a:t> = toroidal tilt angle of launch mirror</a:t>
-            </a:r>
-            <a:br>
-              <a:rPr lang="en-US" sz="2000" dirty="0"/>
-            </a:br>
-            <a:r>
-              <a:rPr lang="en-US" sz="2000" dirty="0"/>
-              <a:t>(</a:t>
-            </a:r>
-            <a:r>
-              <a:rPr lang="en-US" sz="2000" dirty="0" err="1"/>
-              <a:t>w.r.t.</a:t>
-            </a:r>
-            <a:r>
-              <a:rPr lang="en-US" sz="2000" dirty="0"/>
-              <a:t> plane of vacuum window)</a:t>
-            </a:r>
-          </a:p>
-          <a:p>
-            <a:pPr marL="512763" indent="-512763">
-              <a:lnSpc>
-                <a:spcPct val="90000"/>
-              </a:lnSpc>
-              <a:spcBef>
-                <a:spcPts val="900"/>
-              </a:spcBef>
-            </a:pPr>
-            <a:r>
-              <a:rPr lang="en-US" sz="2000" dirty="0" err="1"/>
-              <a:t>z</a:t>
-            </a:r>
-            <a:r>
-              <a:rPr lang="en-US" sz="2000" baseline="-25000" dirty="0" err="1"/>
-              <a:t>LM</a:t>
-            </a:r>
-            <a:r>
-              <a:rPr lang="en-US" sz="2000" dirty="0"/>
-              <a:t> = distance from launch steering mirror to interaction region</a:t>
-            </a:r>
-          </a:p>
-          <a:p>
-            <a:pPr marL="512763" indent="-512763">
-              <a:lnSpc>
-                <a:spcPct val="90000"/>
-              </a:lnSpc>
-              <a:spcBef>
-                <a:spcPts val="900"/>
-              </a:spcBef>
-            </a:pPr>
-            <a:r>
-              <a:rPr lang="el-GR" sz="2000" dirty="0"/>
-              <a:t>ψ</a:t>
-            </a:r>
-            <a:r>
-              <a:rPr lang="en-US" sz="2000" baseline="-25000" dirty="0"/>
-              <a:t>L</a:t>
-            </a:r>
-            <a:r>
-              <a:rPr lang="en-US" sz="2000" dirty="0"/>
-              <a:t> = toroidal tilt angle between launch beam and Radius vector (from torus center)</a:t>
-            </a:r>
-          </a:p>
-        </p:txBody>
-      </p:sp>
-      <p:sp>
-        <p:nvSpPr>
-          <p:cNvPr id="59" name="TextBox 58"/>
-          <p:cNvSpPr txBox="1"/>
-          <p:nvPr/>
-        </p:nvSpPr>
-        <p:spPr>
-          <a:xfrm>
-            <a:off x="6440724" y="2970414"/>
-            <a:ext cx="678391" cy="461665"/>
-          </a:xfrm>
-          <a:prstGeom prst="rect">
-            <a:avLst/>
-          </a:prstGeom>
-          <a:noFill/>
-        </p:spPr>
-        <p:txBody>
-          <a:bodyPr wrap="none" rtlCol="0">
-            <a:spAutoFit/>
-          </a:bodyPr>
-          <a:lstStyle/>
-          <a:p>
-            <a:r>
-              <a:rPr lang="el-GR" sz="2400" b="1">
-                <a:solidFill>
-                  <a:srgbClr val="FF0000"/>
-                </a:solidFill>
-              </a:rPr>
-              <a:t>ψ</a:t>
-            </a:r>
-            <a:r>
-              <a:rPr lang="en-US" sz="2400" b="1" baseline="-25000">
-                <a:solidFill>
-                  <a:srgbClr val="FF0000"/>
-                </a:solidFill>
-              </a:rPr>
-              <a:t>LM</a:t>
-            </a:r>
-          </a:p>
-        </p:txBody>
-      </p:sp>
-      <p:sp>
-        <p:nvSpPr>
-          <p:cNvPr id="60" name="TextBox 59"/>
-          <p:cNvSpPr txBox="1"/>
-          <p:nvPr/>
-        </p:nvSpPr>
-        <p:spPr>
-          <a:xfrm>
-            <a:off x="7555019" y="3402859"/>
-            <a:ext cx="4444100" cy="800219"/>
-          </a:xfrm>
-          <a:prstGeom prst="rect">
-            <a:avLst/>
-          </a:prstGeom>
-          <a:noFill/>
-        </p:spPr>
-        <p:txBody>
-          <a:bodyPr wrap="square" rtlCol="0">
-            <a:spAutoFit/>
-          </a:bodyPr>
-          <a:lstStyle/>
-          <a:p>
-            <a:pPr marL="512763" indent="-512763">
-              <a:lnSpc>
-                <a:spcPct val="90000"/>
-              </a:lnSpc>
-              <a:spcBef>
-                <a:spcPts val="1200"/>
-              </a:spcBef>
-            </a:pPr>
-            <a:r>
-              <a:rPr lang="en-US" sz="2000"/>
-              <a:t>z</a:t>
-            </a:r>
-            <a:r>
-              <a:rPr lang="en-US" sz="2000" baseline="-25000"/>
-              <a:t>LM</a:t>
-            </a:r>
-            <a:r>
-              <a:rPr lang="en-US" sz="2000" baseline="30000"/>
-              <a:t>2</a:t>
-            </a:r>
-            <a:r>
-              <a:rPr lang="en-US" sz="2000"/>
-              <a:t> = R</a:t>
-            </a:r>
-            <a:r>
-              <a:rPr lang="en-US" sz="2000" baseline="-25000"/>
-              <a:t>LM</a:t>
-            </a:r>
-            <a:r>
-              <a:rPr lang="en-US" sz="2000" baseline="30000"/>
-              <a:t>2</a:t>
-            </a:r>
-            <a:r>
-              <a:rPr lang="en-US" sz="2000"/>
-              <a:t> + R</a:t>
-            </a:r>
-            <a:r>
-              <a:rPr lang="en-US" sz="2000" baseline="-25000"/>
-              <a:t>IR</a:t>
-            </a:r>
-            <a:r>
-              <a:rPr lang="en-US" sz="2000" baseline="30000"/>
-              <a:t>2</a:t>
-            </a:r>
-            <a:r>
-              <a:rPr lang="en-US" sz="2000"/>
-              <a:t> – 2R</a:t>
-            </a:r>
-            <a:r>
-              <a:rPr lang="en-US" sz="2000" baseline="-25000"/>
-              <a:t>LM</a:t>
-            </a:r>
-            <a:r>
-              <a:rPr lang="en-US" sz="2000"/>
-              <a:t>·R</a:t>
-            </a:r>
-            <a:r>
-              <a:rPr lang="en-US" sz="2000" baseline="-25000"/>
-              <a:t>IR</a:t>
-            </a:r>
-            <a:r>
-              <a:rPr lang="en-US" sz="2000"/>
-              <a:t>·cos(</a:t>
-            </a:r>
-            <a:r>
-              <a:rPr lang="el-GR" sz="2000"/>
-              <a:t>ψ</a:t>
-            </a:r>
-            <a:r>
-              <a:rPr lang="en-US" sz="2000" baseline="-25000"/>
-              <a:t>LM</a:t>
-            </a:r>
-            <a:r>
-              <a:rPr lang="en-US" sz="2000"/>
-              <a:t> - </a:t>
-            </a:r>
-            <a:r>
-              <a:rPr lang="el-GR" sz="2000"/>
-              <a:t>ψ</a:t>
-            </a:r>
-            <a:r>
-              <a:rPr lang="en-US" sz="2000" baseline="-25000"/>
-              <a:t>RA</a:t>
-            </a:r>
-            <a:r>
-              <a:rPr lang="en-US" sz="2000"/>
-              <a:t>)</a:t>
-            </a:r>
-          </a:p>
-          <a:p>
-            <a:pPr marL="512763" indent="-512763">
-              <a:lnSpc>
-                <a:spcPct val="90000"/>
-              </a:lnSpc>
-              <a:spcBef>
-                <a:spcPts val="1200"/>
-              </a:spcBef>
-            </a:pPr>
-            <a:r>
-              <a:rPr lang="el-GR" sz="2000"/>
-              <a:t>ψ</a:t>
-            </a:r>
-            <a:r>
-              <a:rPr lang="en-US" sz="2000" baseline="-25000"/>
-              <a:t>L</a:t>
-            </a:r>
-            <a:r>
-              <a:rPr lang="en-US" sz="2000"/>
-              <a:t> = sin</a:t>
-            </a:r>
-            <a:r>
-              <a:rPr lang="en-US" sz="2000" baseline="30000"/>
-              <a:t>‒1</a:t>
-            </a:r>
-            <a:r>
-              <a:rPr lang="en-US" sz="2000">
-                <a:solidFill>
-                  <a:srgbClr val="0070C0"/>
-                </a:solidFill>
-              </a:rPr>
-              <a:t>(</a:t>
-            </a:r>
-            <a:r>
-              <a:rPr lang="en-US" sz="2000"/>
-              <a:t>(R</a:t>
-            </a:r>
-            <a:r>
-              <a:rPr lang="en-US" sz="2000" baseline="-25000"/>
-              <a:t>LM</a:t>
-            </a:r>
-            <a:r>
-              <a:rPr lang="en-US" sz="2000"/>
-              <a:t>/z</a:t>
-            </a:r>
-            <a:r>
-              <a:rPr lang="en-US" sz="2000" baseline="-25000"/>
-              <a:t>LM</a:t>
-            </a:r>
-            <a:r>
-              <a:rPr lang="en-US" sz="2000"/>
-              <a:t>)·sin(</a:t>
-            </a:r>
-            <a:r>
-              <a:rPr lang="el-GR" sz="2000"/>
-              <a:t>ψ</a:t>
-            </a:r>
-            <a:r>
-              <a:rPr lang="en-US" sz="2000" baseline="-25000"/>
-              <a:t>LM</a:t>
-            </a:r>
-            <a:r>
-              <a:rPr lang="en-US" sz="2000"/>
-              <a:t> - </a:t>
-            </a:r>
-            <a:r>
-              <a:rPr lang="el-GR" sz="2000"/>
-              <a:t>ψ</a:t>
-            </a:r>
-            <a:r>
-              <a:rPr lang="en-US" sz="2000" baseline="-25000"/>
-              <a:t>RA</a:t>
-            </a:r>
-            <a:r>
-              <a:rPr lang="en-US" sz="2000"/>
-              <a:t>)</a:t>
-            </a:r>
-            <a:r>
-              <a:rPr lang="en-US" sz="2000">
-                <a:solidFill>
-                  <a:srgbClr val="0070C0"/>
-                </a:solidFill>
-              </a:rPr>
-              <a:t>)</a:t>
-            </a:r>
-          </a:p>
-        </p:txBody>
-      </p:sp>
-    </p:spTree>
-    <p:extLst>
-      <p:ext uri="{BB962C8B-B14F-4D97-AF65-F5344CB8AC3E}">
-        <p14:creationId xmlns:p14="http://schemas.microsoft.com/office/powerpoint/2010/main" val="773995941"/>
       </p:ext>
     </p:extLst>
   </p:cSld>

--- a/NSTX-U High-k scattering Calculation_20240717.pptx
+++ b/NSTX-U High-k scattering Calculation_20240717.pptx
@@ -8491,13 +8491,16 @@
             <a:pPr algn="l"/>
             <a:r>
               <a:rPr lang="en-US" sz="3200" b="1" dirty="0"/>
-              <a:t>Effects of Magnetic </a:t>
-            </a:r>
-            <a:r>
-              <a:rPr lang="en-US" sz="3200" b="1"/>
-              <a:t>Pitch Angle (by Xianzi Liu)</a:t>
-            </a:r>
-            <a:endParaRPr lang="en-US" sz="3200" b="1" dirty="0"/>
+              <a:t>Effects of Magnetic Pitch Angle (by </a:t>
+            </a:r>
+            <a:r>
+              <a:rPr lang="en-US" sz="3200" b="1" dirty="0" err="1"/>
+              <a:t>Xianzi</a:t>
+            </a:r>
+            <a:r>
+              <a:rPr lang="en-US" sz="3200" b="1" dirty="0"/>
+              <a:t> Liu)</a:t>
+            </a:r>
           </a:p>
         </p:txBody>
       </p:sp>
@@ -16724,13 +16727,13 @@
         </p:nvSpPr>
         <p:spPr>
           <a:xfrm>
-            <a:off x="1291472" y="2325246"/>
+            <a:off x="801278" y="2432884"/>
             <a:ext cx="10148053" cy="1992231"/>
           </a:xfrm>
         </p:spPr>
         <p:txBody>
           <a:bodyPr>
-            <a:normAutofit/>
+            <a:normAutofit lnSpcReduction="10000"/>
           </a:bodyPr>
           <a:lstStyle/>
           <a:p>
@@ -16739,7 +16742,7 @@
             </a:pPr>
             <a:r>
               <a:rPr lang="en-US" dirty="0"/>
-              <a:t>1.Define the optical geometry.</a:t>
+              <a:t>1. Define the optical geometry.</a:t>
             </a:r>
           </a:p>
           <a:p>
@@ -16748,12 +16751,9 @@
             </a:pPr>
             <a:r>
               <a:rPr lang="en-US" dirty="0"/>
-              <a:t>2. Get the constraint equation between the </a:t>
-            </a:r>
-            <a:r>
-              <a:rPr lang="en-US" sz="2400" dirty="0"/>
-              <a:t>geometry parameters</a:t>
-            </a:r>
+              <a:t>2. Get the constraint equation between the geometry parameters</a:t>
+            </a:r>
+            <a:endParaRPr lang="en-US" sz="2400" dirty="0"/>
           </a:p>
           <a:p>
             <a:pPr marL="0" indent="0">
@@ -16766,6 +16766,19 @@
             <a:r>
               <a:rPr lang="en-US" sz="2800" dirty="0"/>
               <a:t> High-k Receiver optical absolute calibration</a:t>
+            </a:r>
+          </a:p>
+          <a:p>
+            <a:pPr marL="0" indent="0">
+              <a:buNone/>
+            </a:pPr>
+            <a:r>
+              <a:rPr lang="en-US" dirty="0"/>
+              <a:t>4.Receiver optical </a:t>
+            </a:r>
+            <a:r>
+              <a:rPr lang="en-US" sz="2800" dirty="0"/>
+              <a:t>alignment procedure</a:t>
             </a:r>
             <a:endParaRPr lang="en-US" dirty="0"/>
           </a:p>
@@ -23794,8 +23807,8 @@
           </a:p>
         </p:txBody>
       </p:sp>
-      <mc:AlternateContent xmlns:mc="http://schemas.openxmlformats.org/markup-compatibility/2006">
-        <mc:Choice xmlns:a14="http://schemas.microsoft.com/office/drawing/2010/main" Requires="a14">
+      <mc:AlternateContent xmlns:mc="http://schemas.openxmlformats.org/markup-compatibility/2006" xmlns:a14="http://schemas.microsoft.com/office/drawing/2010/main">
+        <mc:Choice Requires="a14">
           <p:sp>
             <p:nvSpPr>
               <p:cNvPr id="116" name="TextBox 115">
@@ -24053,7 +24066,7 @@
             </p:txBody>
           </p:sp>
         </mc:Choice>
-        <mc:Fallback>
+        <mc:Fallback xmlns="">
           <p:sp>
             <p:nvSpPr>
               <p:cNvPr id="116" name="TextBox 115">
@@ -24304,7 +24317,7 @@
                 </a:highlight>
                 <a:latin typeface="Aptos" panose="020B0004020202020204" pitchFamily="34" charset="0"/>
               </a:rPr>
-              <a:t>Avoid exposing any of the receiver channels to the direct launch beam</a:t>
+              <a:t>Avoid exposing any of the receiver channels to the launch beam</a:t>
             </a:r>
             <a:endParaRPr lang="en-US" sz="2000" b="1" dirty="0"/>
           </a:p>
@@ -27117,8 +27130,8 @@
         </p:nvSpPr>
         <p:spPr>
           <a:xfrm>
-            <a:off x="158620" y="261257"/>
-            <a:ext cx="8126964" cy="1754326"/>
+            <a:off x="318875" y="921133"/>
+            <a:ext cx="8126964" cy="2616101"/>
           </a:xfrm>
           <a:prstGeom prst="rect">
             <a:avLst/>
@@ -27132,7 +27145,7 @@
           <a:lstStyle/>
           <a:p>
             <a:r>
-              <a:rPr lang="en-US" dirty="0"/>
+              <a:rPr lang="en-US" sz="2000" b="1" dirty="0"/>
               <a:t>alignment procedure:</a:t>
             </a:r>
           </a:p>
@@ -27142,7 +27155,7 @@
             </a:pPr>
             <a:r>
               <a:rPr lang="en-US" dirty="0"/>
-              <a:t>Take down the  cylindrical lens and meniscus lens </a:t>
+              <a:t>Take down the  cylindrical lens and meniscus lens .</a:t>
             </a:r>
           </a:p>
           <a:p>
@@ -27160,14 +27173,26 @@
             </a:pPr>
             <a:r>
               <a:rPr lang="en-US" dirty="0"/>
-              <a:t>Take down the convex lens and </a:t>
+              <a:t>Take down all the receiver lens and check if  the laser point is at the center of the window.</a:t>
             </a:r>
           </a:p>
           <a:p>
             <a:pPr marL="342900" indent="-342900">
               <a:buAutoNum type="arabicPeriod"/>
             </a:pPr>
-            <a:endParaRPr lang="en-US" dirty="0"/>
+            <a:r>
+              <a:rPr lang="en-US" dirty="0"/>
+              <a:t>If the laser not on the center of the window ,adjust the mirror until the laser point reach at the center of the window.</a:t>
+            </a:r>
+          </a:p>
+          <a:p>
+            <a:pPr marL="342900" indent="-342900">
+              <a:buAutoNum type="arabicPeriod"/>
+            </a:pPr>
+            <a:r>
+              <a:rPr lang="en-US" dirty="0"/>
+              <a:t>Remount the receiver lens  after alignment .</a:t>
+            </a:r>
           </a:p>
         </p:txBody>
       </p:sp>

--- a/NSTX-U High-k scattering Calculation_20240717.pptx
+++ b/NSTX-U High-k scattering Calculation_20240717.pptx
@@ -5,7 +5,7 @@
     <p:sldMasterId id="2147483648" r:id="rId1"/>
   </p:sldMasterIdLst>
   <p:notesMasterIdLst>
-    <p:notesMasterId r:id="rId20"/>
+    <p:notesMasterId r:id="rId25"/>
   </p:notesMasterIdLst>
   <p:sldIdLst>
     <p:sldId id="256" r:id="rId2"/>
@@ -16,16 +16,21 @@
     <p:sldId id="261" r:id="rId7"/>
     <p:sldId id="264" r:id="rId8"/>
     <p:sldId id="278" r:id="rId9"/>
-    <p:sldId id="265" r:id="rId10"/>
-    <p:sldId id="270" r:id="rId11"/>
-    <p:sldId id="259" r:id="rId12"/>
-    <p:sldId id="271" r:id="rId13"/>
-    <p:sldId id="272" r:id="rId14"/>
-    <p:sldId id="273" r:id="rId15"/>
-    <p:sldId id="274" r:id="rId16"/>
-    <p:sldId id="275" r:id="rId17"/>
-    <p:sldId id="276" r:id="rId18"/>
-    <p:sldId id="277" r:id="rId19"/>
+    <p:sldId id="279" r:id="rId10"/>
+    <p:sldId id="265" r:id="rId11"/>
+    <p:sldId id="270" r:id="rId12"/>
+    <p:sldId id="259" r:id="rId13"/>
+    <p:sldId id="271" r:id="rId14"/>
+    <p:sldId id="272" r:id="rId15"/>
+    <p:sldId id="273" r:id="rId16"/>
+    <p:sldId id="274" r:id="rId17"/>
+    <p:sldId id="275" r:id="rId18"/>
+    <p:sldId id="276" r:id="rId19"/>
+    <p:sldId id="277" r:id="rId20"/>
+    <p:sldId id="280" r:id="rId21"/>
+    <p:sldId id="281" r:id="rId22"/>
+    <p:sldId id="267" r:id="rId23"/>
+    <p:sldId id="268" r:id="rId24"/>
   </p:sldIdLst>
   <p:sldSz cx="12192000" cy="6858000"/>
   <p:notesSz cx="6858000" cy="9144000"/>
@@ -214,7 +219,7 @@
           <a:p>
             <a:fld id="{DD7963AF-3B9E-4119-83FE-F39BCC844B14}" type="datetimeFigureOut">
               <a:rPr lang="en-US" smtClean="0"/>
-              <a:t>7/18/2024</a:t>
+              <a:t>7/21/2024</a:t>
             </a:fld>
             <a:endParaRPr lang="en-US"/>
           </a:p>
@@ -796,7 +801,7 @@
           <a:p>
             <a:fld id="{2EC1DD9D-CA1B-479F-BE79-11C3EFEF4B50}" type="datetime1">
               <a:rPr lang="en-US" smtClean="0"/>
-              <a:t>7/18/2024</a:t>
+              <a:t>7/21/2024</a:t>
             </a:fld>
             <a:endParaRPr lang="en-US"/>
           </a:p>
@@ -994,7 +999,7 @@
           <a:p>
             <a:fld id="{160DA2DE-8EC2-4FCA-AD49-11B9FCD880CB}" type="datetime1">
               <a:rPr lang="en-US" smtClean="0"/>
-              <a:t>7/18/2024</a:t>
+              <a:t>7/21/2024</a:t>
             </a:fld>
             <a:endParaRPr lang="en-US"/>
           </a:p>
@@ -1202,7 +1207,7 @@
           <a:p>
             <a:fld id="{1E5F0B84-C28F-412A-BE67-67A4E55E8DE3}" type="datetime1">
               <a:rPr lang="en-US" smtClean="0"/>
-              <a:t>7/18/2024</a:t>
+              <a:t>7/21/2024</a:t>
             </a:fld>
             <a:endParaRPr lang="en-US"/>
           </a:p>
@@ -1400,7 +1405,7 @@
           <a:p>
             <a:fld id="{10779873-1D2C-44E0-B4E0-420637316734}" type="datetime1">
               <a:rPr lang="en-US" smtClean="0"/>
-              <a:t>7/18/2024</a:t>
+              <a:t>7/21/2024</a:t>
             </a:fld>
             <a:endParaRPr lang="en-US"/>
           </a:p>
@@ -1675,7 +1680,7 @@
           <a:p>
             <a:fld id="{C271B5B0-0C16-4B7D-9155-78F1E7EADB49}" type="datetime1">
               <a:rPr lang="en-US" smtClean="0"/>
-              <a:t>7/18/2024</a:t>
+              <a:t>7/21/2024</a:t>
             </a:fld>
             <a:endParaRPr lang="en-US"/>
           </a:p>
@@ -1940,7 +1945,7 @@
           <a:p>
             <a:fld id="{FAB7F6B7-890D-45C7-8636-8D1462C0D7AD}" type="datetime1">
               <a:rPr lang="en-US" smtClean="0"/>
-              <a:t>7/18/2024</a:t>
+              <a:t>7/21/2024</a:t>
             </a:fld>
             <a:endParaRPr lang="en-US"/>
           </a:p>
@@ -2352,7 +2357,7 @@
           <a:p>
             <a:fld id="{11D0E5F2-6308-4D6F-8CD7-5A3B75C59A74}" type="datetime1">
               <a:rPr lang="en-US" smtClean="0"/>
-              <a:t>7/18/2024</a:t>
+              <a:t>7/21/2024</a:t>
             </a:fld>
             <a:endParaRPr lang="en-US"/>
           </a:p>
@@ -2493,7 +2498,7 @@
           <a:p>
             <a:fld id="{4502C388-294A-4E97-9D69-20513486725D}" type="datetime1">
               <a:rPr lang="en-US" smtClean="0"/>
-              <a:t>7/18/2024</a:t>
+              <a:t>7/21/2024</a:t>
             </a:fld>
             <a:endParaRPr lang="en-US"/>
           </a:p>
@@ -2606,7 +2611,7 @@
           <a:p>
             <a:fld id="{BB7E84F5-3369-41E4-A9A6-434E5B269F05}" type="datetime1">
               <a:rPr lang="en-US" smtClean="0"/>
-              <a:t>7/18/2024</a:t>
+              <a:t>7/21/2024</a:t>
             </a:fld>
             <a:endParaRPr lang="en-US"/>
           </a:p>
@@ -2917,7 +2922,7 @@
           <a:p>
             <a:fld id="{C7AB5A68-3BAA-4592-B439-79E1A04F2C87}" type="datetime1">
               <a:rPr lang="en-US" smtClean="0"/>
-              <a:t>7/18/2024</a:t>
+              <a:t>7/21/2024</a:t>
             </a:fld>
             <a:endParaRPr lang="en-US"/>
           </a:p>
@@ -3205,7 +3210,7 @@
           <a:p>
             <a:fld id="{854EA51C-EC9E-4686-A598-4B64219D07AF}" type="datetime1">
               <a:rPr lang="en-US" smtClean="0"/>
-              <a:t>7/18/2024</a:t>
+              <a:t>7/21/2024</a:t>
             </a:fld>
             <a:endParaRPr lang="en-US"/>
           </a:p>
@@ -3446,7 +3451,7 @@
           <a:p>
             <a:fld id="{9292DAD1-9542-4687-A0FA-737321B65C62}" type="datetime1">
               <a:rPr lang="en-US" smtClean="0"/>
-              <a:t>7/18/2024</a:t>
+              <a:t>7/21/2024</a:t>
             </a:fld>
             <a:endParaRPr lang="en-US"/>
           </a:p>
@@ -4031,6 +4036,128 @@
           <a:chExt cx="0" cy="0"/>
         </a:xfrm>
       </p:grpSpPr>
+      <p:sp>
+        <p:nvSpPr>
+          <p:cNvPr id="2" name="Slide Number Placeholder 1">
+            <a:extLst>
+              <a:ext uri="{FF2B5EF4-FFF2-40B4-BE49-F238E27FC236}">
+                <a16:creationId xmlns:a16="http://schemas.microsoft.com/office/drawing/2014/main" id="{CCE85FD4-652D-9D87-CFB2-5403ADBBAA24}"/>
+              </a:ext>
+            </a:extLst>
+          </p:cNvPr>
+          <p:cNvSpPr>
+            <a:spLocks noGrp="1"/>
+          </p:cNvSpPr>
+          <p:nvPr>
+            <p:ph type="sldNum" sz="quarter" idx="12"/>
+          </p:nvPr>
+        </p:nvSpPr>
+        <p:spPr/>
+        <p:txBody>
+          <a:bodyPr/>
+          <a:lstStyle/>
+          <a:p>
+            <a:fld id="{C8EB1B78-1A80-4349-98CC-41A40981A64A}" type="slidenum">
+              <a:rPr lang="en-US" smtClean="0"/>
+              <a:t>10</a:t>
+            </a:fld>
+            <a:endParaRPr lang="en-US"/>
+          </a:p>
+        </p:txBody>
+      </p:sp>
+      <p:sp>
+        <p:nvSpPr>
+          <p:cNvPr id="5" name="TextBox 4">
+            <a:extLst>
+              <a:ext uri="{FF2B5EF4-FFF2-40B4-BE49-F238E27FC236}">
+                <a16:creationId xmlns:a16="http://schemas.microsoft.com/office/drawing/2014/main" id="{E7505466-2412-FE7A-6C23-231D0ADBD5CF}"/>
+              </a:ext>
+            </a:extLst>
+          </p:cNvPr>
+          <p:cNvSpPr txBox="1"/>
+          <p:nvPr/>
+        </p:nvSpPr>
+        <p:spPr>
+          <a:xfrm>
+            <a:off x="1377633" y="1305341"/>
+            <a:ext cx="9436734" cy="4247317"/>
+          </a:xfrm>
+          <a:prstGeom prst="rect">
+            <a:avLst/>
+          </a:prstGeom>
+          <a:noFill/>
+        </p:spPr>
+        <p:txBody>
+          <a:bodyPr wrap="square" rtlCol="0">
+            <a:spAutoFit/>
+          </a:bodyPr>
+          <a:lstStyle/>
+          <a:p>
+            <a:pPr algn="ctr"/>
+            <a:r>
+              <a:rPr lang="en-US" sz="5400" b="1" dirty="0">
+                <a:solidFill>
+                  <a:srgbClr val="FF0000"/>
+                </a:solidFill>
+              </a:rPr>
+              <a:t>Background Information Slides on scattering wavenumber </a:t>
+            </a:r>
+            <a:r>
+              <a:rPr lang="en-US" altLang="zh-CN" sz="5400" b="1" dirty="0">
+                <a:solidFill>
+                  <a:srgbClr val="FF0000"/>
+                </a:solidFill>
+              </a:rPr>
+              <a:t>and</a:t>
+            </a:r>
+            <a:r>
+              <a:rPr lang="en-US" sz="5400" b="1" dirty="0">
+                <a:solidFill>
+                  <a:srgbClr val="FF0000"/>
+                </a:solidFill>
+              </a:rPr>
+              <a:t> Pitch Angle Effects</a:t>
+            </a:r>
+          </a:p>
+          <a:p>
+            <a:pPr algn="ctr"/>
+            <a:r>
+              <a:rPr lang="en-US" sz="5400" b="1" dirty="0"/>
+              <a:t>By Calvin</a:t>
+            </a:r>
+          </a:p>
+        </p:txBody>
+      </p:sp>
+    </p:spTree>
+    <p:extLst>
+      <p:ext uri="{BB962C8B-B14F-4D97-AF65-F5344CB8AC3E}">
+        <p14:creationId xmlns:p14="http://schemas.microsoft.com/office/powerpoint/2010/main" val="2857820326"/>
+      </p:ext>
+    </p:extLst>
+  </p:cSld>
+  <p:clrMapOvr>
+    <a:masterClrMapping/>
+  </p:clrMapOvr>
+</p:sld>
+</file>
+
+<file path=ppt/slides/slide11.xml><?xml version="1.0" encoding="utf-8"?>
+<p:sld xmlns:a="http://schemas.openxmlformats.org/drawingml/2006/main" xmlns:r="http://schemas.openxmlformats.org/officeDocument/2006/relationships" xmlns:p="http://schemas.openxmlformats.org/presentationml/2006/main">
+  <p:cSld>
+    <p:spTree>
+      <p:nvGrpSpPr>
+        <p:cNvPr id="1" name=""/>
+        <p:cNvGrpSpPr/>
+        <p:nvPr/>
+      </p:nvGrpSpPr>
+      <p:grpSpPr>
+        <a:xfrm>
+          <a:off x="0" y="0"/>
+          <a:ext cx="0" cy="0"/>
+          <a:chOff x="0" y="0"/>
+          <a:chExt cx="0" cy="0"/>
+        </a:xfrm>
+      </p:grpSpPr>
       <p:pic>
         <p:nvPicPr>
           <p:cNvPr id="6" name="Picture 5"/>
@@ -5478,7 +5605,7 @@
 </p:sld>
 </file>
 
-<file path=ppt/slides/slide11.xml><?xml version="1.0" encoding="utf-8"?>
+<file path=ppt/slides/slide12.xml><?xml version="1.0" encoding="utf-8"?>
 <p:sld xmlns:a="http://schemas.openxmlformats.org/drawingml/2006/main" xmlns:r="http://schemas.openxmlformats.org/officeDocument/2006/relationships" xmlns:p="http://schemas.openxmlformats.org/presentationml/2006/main">
   <p:cSld>
     <p:spTree>
@@ -6484,7 +6611,7 @@
 </p:sld>
 </file>
 
-<file path=ppt/slides/slide12.xml><?xml version="1.0" encoding="utf-8"?>
+<file path=ppt/slides/slide13.xml><?xml version="1.0" encoding="utf-8"?>
 <p:sld xmlns:a="http://schemas.openxmlformats.org/drawingml/2006/main" xmlns:r="http://schemas.openxmlformats.org/officeDocument/2006/relationships" xmlns:p="http://schemas.openxmlformats.org/presentationml/2006/main">
   <p:cSld>
     <p:spTree>
@@ -7719,7 +7846,7 @@
 </p:sld>
 </file>
 
-<file path=ppt/slides/slide13.xml><?xml version="1.0" encoding="utf-8"?>
+<file path=ppt/slides/slide14.xml><?xml version="1.0" encoding="utf-8"?>
 <p:sld xmlns:a="http://schemas.openxmlformats.org/drawingml/2006/main" xmlns:r="http://schemas.openxmlformats.org/officeDocument/2006/relationships" xmlns:p="http://schemas.openxmlformats.org/presentationml/2006/main">
   <p:cSld>
     <p:spTree>
@@ -8379,7 +8506,7 @@
 </p:sld>
 </file>
 
-<file path=ppt/slides/slide14.xml><?xml version="1.0" encoding="utf-8"?>
+<file path=ppt/slides/slide15.xml><?xml version="1.0" encoding="utf-8"?>
 <p:sld xmlns:a="http://schemas.openxmlformats.org/drawingml/2006/main" xmlns:r="http://schemas.openxmlformats.org/officeDocument/2006/relationships" xmlns:p="http://schemas.openxmlformats.org/presentationml/2006/main">
   <p:cSld>
     <p:spTree>
@@ -8443,7 +8570,7 @@
 </p:sld>
 </file>
 
-<file path=ppt/slides/slide15.xml><?xml version="1.0" encoding="utf-8"?>
+<file path=ppt/slides/slide16.xml><?xml version="1.0" encoding="utf-8"?>
 <p:sld xmlns:a="http://schemas.openxmlformats.org/drawingml/2006/main" xmlns:r="http://schemas.openxmlformats.org/officeDocument/2006/relationships" xmlns:p="http://schemas.openxmlformats.org/presentationml/2006/main">
   <p:cSld>
     <p:spTree>
@@ -8491,16 +8618,13 @@
             <a:pPr algn="l"/>
             <a:r>
               <a:rPr lang="en-US" sz="3200" b="1" dirty="0"/>
-              <a:t>Effects of Magnetic Pitch Angle (by </a:t>
-            </a:r>
-            <a:r>
-              <a:rPr lang="en-US" sz="3200" b="1" dirty="0" err="1"/>
-              <a:t>Xianzi</a:t>
-            </a:r>
-            <a:r>
-              <a:rPr lang="en-US" sz="3200" b="1" dirty="0"/>
-              <a:t> Liu)</a:t>
-            </a:r>
+              <a:t>Effects of Magnetic </a:t>
+            </a:r>
+            <a:r>
+              <a:rPr lang="en-US" sz="3200" b="1"/>
+              <a:t>Pitch Angle (by Xianzi Liu)</a:t>
+            </a:r>
+            <a:endParaRPr lang="en-US" sz="3200" b="1" dirty="0"/>
           </a:p>
         </p:txBody>
       </p:sp>
@@ -10207,7 +10331,7 @@
 </p:sld>
 </file>
 
-<file path=ppt/slides/slide16.xml><?xml version="1.0" encoding="utf-8"?>
+<file path=ppt/slides/slide17.xml><?xml version="1.0" encoding="utf-8"?>
 <p:sld xmlns:a="http://schemas.openxmlformats.org/drawingml/2006/main" xmlns:r="http://schemas.openxmlformats.org/officeDocument/2006/relationships" xmlns:p="http://schemas.openxmlformats.org/presentationml/2006/main">
   <p:cSld>
     <p:spTree>
@@ -13569,7 +13693,7 @@
 </p:sld>
 </file>
 
-<file path=ppt/slides/slide17.xml><?xml version="1.0" encoding="utf-8"?>
+<file path=ppt/slides/slide18.xml><?xml version="1.0" encoding="utf-8"?>
 <p:sld xmlns:a="http://schemas.openxmlformats.org/drawingml/2006/main" xmlns:r="http://schemas.openxmlformats.org/officeDocument/2006/relationships" xmlns:p="http://schemas.openxmlformats.org/presentationml/2006/main">
   <p:cSld>
     <p:spTree>
@@ -16579,7 +16703,7 @@
 </p:sld>
 </file>
 
-<file path=ppt/slides/slide18.xml><?xml version="1.0" encoding="utf-8"?>
+<file path=ppt/slides/slide19.xml><?xml version="1.0" encoding="utf-8"?>
 <p:sld xmlns:a="http://schemas.openxmlformats.org/drawingml/2006/main" xmlns:r="http://schemas.openxmlformats.org/officeDocument/2006/relationships" xmlns:p="http://schemas.openxmlformats.org/presentationml/2006/main">
   <p:cSld>
     <p:spTree>
@@ -16727,13 +16851,13 @@
         </p:nvSpPr>
         <p:spPr>
           <a:xfrm>
-            <a:off x="801278" y="2432884"/>
+            <a:off x="1291472" y="2325246"/>
             <a:ext cx="10148053" cy="1992231"/>
           </a:xfrm>
         </p:spPr>
         <p:txBody>
           <a:bodyPr>
-            <a:normAutofit lnSpcReduction="10000"/>
+            <a:normAutofit/>
           </a:bodyPr>
           <a:lstStyle/>
           <a:p>
@@ -16742,7 +16866,7 @@
             </a:pPr>
             <a:r>
               <a:rPr lang="en-US" dirty="0"/>
-              <a:t>1. Define the optical geometry.</a:t>
+              <a:t>1.Define the optical geometry.</a:t>
             </a:r>
           </a:p>
           <a:p>
@@ -16751,9 +16875,12 @@
             </a:pPr>
             <a:r>
               <a:rPr lang="en-US" dirty="0"/>
-              <a:t>2. Get the constraint equation between the geometry parameters</a:t>
-            </a:r>
-            <a:endParaRPr lang="en-US" sz="2400" dirty="0"/>
+              <a:t>2. Get the constraint equation between the </a:t>
+            </a:r>
+            <a:r>
+              <a:rPr lang="en-US" sz="2400" dirty="0"/>
+              <a:t>geometry parameters</a:t>
+            </a:r>
           </a:p>
           <a:p>
             <a:pPr marL="0" indent="0">
@@ -16766,19 +16893,6 @@
             <a:r>
               <a:rPr lang="en-US" sz="2800" dirty="0"/>
               <a:t> High-k Receiver optical absolute calibration</a:t>
-            </a:r>
-          </a:p>
-          <a:p>
-            <a:pPr marL="0" indent="0">
-              <a:buNone/>
-            </a:pPr>
-            <a:r>
-              <a:rPr lang="en-US" dirty="0"/>
-              <a:t>4.Receiver optical </a:t>
-            </a:r>
-            <a:r>
-              <a:rPr lang="en-US" sz="2800" dirty="0"/>
-              <a:t>alignment procedure</a:t>
             </a:r>
             <a:endParaRPr lang="en-US" dirty="0"/>
           </a:p>
@@ -16817,6 +16931,513 @@
     <p:extLst>
       <p:ext uri="{BB962C8B-B14F-4D97-AF65-F5344CB8AC3E}">
         <p14:creationId xmlns:p14="http://schemas.microsoft.com/office/powerpoint/2010/main" val="403573915"/>
+      </p:ext>
+    </p:extLst>
+  </p:cSld>
+  <p:clrMapOvr>
+    <a:masterClrMapping/>
+  </p:clrMapOvr>
+</p:sld>
+</file>
+
+<file path=ppt/slides/slide20.xml><?xml version="1.0" encoding="utf-8"?>
+<p:sld xmlns:a="http://schemas.openxmlformats.org/drawingml/2006/main" xmlns:r="http://schemas.openxmlformats.org/officeDocument/2006/relationships" xmlns:p="http://schemas.openxmlformats.org/presentationml/2006/main">
+  <p:cSld>
+    <p:spTree>
+      <p:nvGrpSpPr>
+        <p:cNvPr id="1" name=""/>
+        <p:cNvGrpSpPr/>
+        <p:nvPr/>
+      </p:nvGrpSpPr>
+      <p:grpSpPr>
+        <a:xfrm>
+          <a:off x="0" y="0"/>
+          <a:ext cx="0" cy="0"/>
+          <a:chOff x="0" y="0"/>
+          <a:chExt cx="0" cy="0"/>
+        </a:xfrm>
+      </p:grpSpPr>
+      <p:pic>
+        <p:nvPicPr>
+          <p:cNvPr id="2" name="Picture 1">
+            <a:extLst>
+              <a:ext uri="{FF2B5EF4-FFF2-40B4-BE49-F238E27FC236}">
+                <a16:creationId xmlns:a16="http://schemas.microsoft.com/office/drawing/2014/main" id="{F36B8AAD-4A80-4E9C-BC33-BFB9762A05C2}"/>
+              </a:ext>
+            </a:extLst>
+          </p:cNvPr>
+          <p:cNvPicPr>
+            <a:picLocks noChangeAspect="1"/>
+          </p:cNvPicPr>
+          <p:nvPr/>
+        </p:nvPicPr>
+        <p:blipFill>
+          <a:blip r:embed="rId2"/>
+          <a:stretch>
+            <a:fillRect/>
+          </a:stretch>
+        </p:blipFill>
+        <p:spPr>
+          <a:xfrm>
+            <a:off x="0" y="900839"/>
+            <a:ext cx="12192000" cy="5056322"/>
+          </a:xfrm>
+          <a:prstGeom prst="rect">
+            <a:avLst/>
+          </a:prstGeom>
+        </p:spPr>
+      </p:pic>
+      <mc:AlternateContent xmlns:mc="http://schemas.openxmlformats.org/markup-compatibility/2006" xmlns:a14="http://schemas.microsoft.com/office/drawing/2010/main">
+        <mc:Choice Requires="a14">
+          <p:sp>
+            <p:nvSpPr>
+              <p:cNvPr id="3" name="TextBox 2">
+                <a:extLst>
+                  <a:ext uri="{FF2B5EF4-FFF2-40B4-BE49-F238E27FC236}">
+                    <a16:creationId xmlns:a16="http://schemas.microsoft.com/office/drawing/2014/main" id="{34C09623-F57F-40A3-865D-789D095C0D66}"/>
+                  </a:ext>
+                </a:extLst>
+              </p:cNvPr>
+              <p:cNvSpPr txBox="1"/>
+              <p:nvPr/>
+            </p:nvSpPr>
+            <p:spPr>
+              <a:xfrm>
+                <a:off x="99060" y="1173480"/>
+                <a:ext cx="2697480" cy="369332"/>
+              </a:xfrm>
+              <a:prstGeom prst="rect">
+                <a:avLst/>
+              </a:prstGeom>
+              <a:noFill/>
+            </p:spPr>
+            <p:txBody>
+              <a:bodyPr wrap="square" rtlCol="0">
+                <a:spAutoFit/>
+              </a:bodyPr>
+              <a:lstStyle/>
+              <a:p>
+                <a:pPr/>
+                <a14:m>
+                  <m:oMathPara xmlns:m="http://schemas.openxmlformats.org/officeDocument/2006/math">
+                    <m:oMathParaPr>
+                      <m:jc m:val="centerGroup"/>
+                    </m:oMathParaPr>
+                    <m:oMath xmlns:m="http://schemas.openxmlformats.org/officeDocument/2006/math">
+                      <m:sSub>
+                        <m:sSubPr>
+                          <m:ctrlPr>
+                            <a:rPr lang="en-US" b="0" i="1" smtClean="0">
+                              <a:latin typeface="Cambria Math" panose="02040503050406030204" pitchFamily="18" charset="0"/>
+                            </a:rPr>
+                          </m:ctrlPr>
+                        </m:sSubPr>
+                        <m:e>
+                          <m:r>
+                            <a:rPr lang="en-US" b="0" i="1" smtClean="0">
+                              <a:latin typeface="Cambria Math" panose="02040503050406030204" pitchFamily="18" charset="0"/>
+                            </a:rPr>
+                            <m:t>𝜃</m:t>
+                          </m:r>
+                        </m:e>
+                        <m:sub>
+                          <m:r>
+                            <a:rPr lang="en-US" b="0" i="1" smtClean="0">
+                              <a:latin typeface="Cambria Math" panose="02040503050406030204" pitchFamily="18" charset="0"/>
+                            </a:rPr>
+                            <m:t>𝑖𝑛𝑡</m:t>
+                          </m:r>
+                        </m:sub>
+                      </m:sSub>
+                      <m:r>
+                        <a:rPr lang="en-US" b="0" i="1" smtClean="0">
+                          <a:latin typeface="Cambria Math" panose="02040503050406030204" pitchFamily="18" charset="0"/>
+                        </a:rPr>
+                        <m:t>=90−55=</m:t>
+                      </m:r>
+                      <m:sSup>
+                        <m:sSupPr>
+                          <m:ctrlPr>
+                            <a:rPr lang="en-US" b="0" i="1" smtClean="0">
+                              <a:latin typeface="Cambria Math" panose="02040503050406030204" pitchFamily="18" charset="0"/>
+                            </a:rPr>
+                          </m:ctrlPr>
+                        </m:sSupPr>
+                        <m:e>
+                          <m:r>
+                            <a:rPr lang="en-US" b="0" i="1" smtClean="0">
+                              <a:latin typeface="Cambria Math" panose="02040503050406030204" pitchFamily="18" charset="0"/>
+                            </a:rPr>
+                            <m:t>35</m:t>
+                          </m:r>
+                        </m:e>
+                        <m:sup>
+                          <m:r>
+                            <a:rPr lang="en-US" b="0" i="1" smtClean="0">
+                              <a:latin typeface="Cambria Math" panose="02040503050406030204" pitchFamily="18" charset="0"/>
+                            </a:rPr>
+                            <m:t>𝑜</m:t>
+                          </m:r>
+                        </m:sup>
+                      </m:sSup>
+                    </m:oMath>
+                  </m:oMathPara>
+                </a14:m>
+                <a:endParaRPr lang="en-US" dirty="0"/>
+              </a:p>
+            </p:txBody>
+          </p:sp>
+        </mc:Choice>
+        <mc:Fallback xmlns="">
+          <p:sp>
+            <p:nvSpPr>
+              <p:cNvPr id="3" name="TextBox 2">
+                <a:extLst>
+                  <a:ext uri="{FF2B5EF4-FFF2-40B4-BE49-F238E27FC236}">
+                    <a16:creationId xmlns:a16="http://schemas.microsoft.com/office/drawing/2014/main" id="{34C09623-F57F-40A3-865D-789D095C0D66}"/>
+                  </a:ext>
+                </a:extLst>
+              </p:cNvPr>
+              <p:cNvSpPr txBox="1">
+                <a:spLocks noRot="1" noChangeAspect="1" noMove="1" noResize="1" noEditPoints="1" noAdjustHandles="1" noChangeArrowheads="1" noChangeShapeType="1" noTextEdit="1"/>
+              </p:cNvSpPr>
+              <p:nvPr/>
+            </p:nvSpPr>
+            <p:spPr>
+              <a:xfrm>
+                <a:off x="99060" y="1173480"/>
+                <a:ext cx="2697480" cy="369332"/>
+              </a:xfrm>
+              <a:prstGeom prst="rect">
+                <a:avLst/>
+              </a:prstGeom>
+              <a:blipFill>
+                <a:blip r:embed="rId3"/>
+                <a:stretch>
+                  <a:fillRect/>
+                </a:stretch>
+              </a:blipFill>
+            </p:spPr>
+            <p:txBody>
+              <a:bodyPr/>
+              <a:lstStyle/>
+              <a:p>
+                <a:r>
+                  <a:rPr lang="en-US">
+                    <a:noFill/>
+                  </a:rPr>
+                  <a:t> </a:t>
+                </a:r>
+              </a:p>
+            </p:txBody>
+          </p:sp>
+        </mc:Fallback>
+      </mc:AlternateContent>
+    </p:spTree>
+    <p:extLst>
+      <p:ext uri="{BB962C8B-B14F-4D97-AF65-F5344CB8AC3E}">
+        <p14:creationId xmlns:p14="http://schemas.microsoft.com/office/powerpoint/2010/main" val="1098351792"/>
+      </p:ext>
+    </p:extLst>
+  </p:cSld>
+  <p:clrMapOvr>
+    <a:masterClrMapping/>
+  </p:clrMapOvr>
+</p:sld>
+</file>
+
+<file path=ppt/slides/slide21.xml><?xml version="1.0" encoding="utf-8"?>
+<p:sld xmlns:a="http://schemas.openxmlformats.org/drawingml/2006/main" xmlns:r="http://schemas.openxmlformats.org/officeDocument/2006/relationships" xmlns:p="http://schemas.openxmlformats.org/presentationml/2006/main">
+  <p:cSld>
+    <p:spTree>
+      <p:nvGrpSpPr>
+        <p:cNvPr id="1" name=""/>
+        <p:cNvGrpSpPr/>
+        <p:nvPr/>
+      </p:nvGrpSpPr>
+      <p:grpSpPr>
+        <a:xfrm>
+          <a:off x="0" y="0"/>
+          <a:ext cx="0" cy="0"/>
+          <a:chOff x="0" y="0"/>
+          <a:chExt cx="0" cy="0"/>
+        </a:xfrm>
+      </p:grpSpPr>
+      <p:pic>
+        <p:nvPicPr>
+          <p:cNvPr id="4" name="Picture 3">
+            <a:extLst>
+              <a:ext uri="{FF2B5EF4-FFF2-40B4-BE49-F238E27FC236}">
+                <a16:creationId xmlns:a16="http://schemas.microsoft.com/office/drawing/2014/main" id="{22186773-F9C7-4523-92AB-D1612B172CBF}"/>
+              </a:ext>
+            </a:extLst>
+          </p:cNvPr>
+          <p:cNvPicPr>
+            <a:picLocks noChangeAspect="1"/>
+          </p:cNvPicPr>
+          <p:nvPr/>
+        </p:nvPicPr>
+        <p:blipFill>
+          <a:blip r:embed="rId2"/>
+          <a:stretch>
+            <a:fillRect/>
+          </a:stretch>
+        </p:blipFill>
+        <p:spPr>
+          <a:xfrm>
+            <a:off x="529521" y="65315"/>
+            <a:ext cx="11263586" cy="6858000"/>
+          </a:xfrm>
+          <a:prstGeom prst="rect">
+            <a:avLst/>
+          </a:prstGeom>
+        </p:spPr>
+      </p:pic>
+      <p:sp>
+        <p:nvSpPr>
+          <p:cNvPr id="5" name="TextBox 4">
+            <a:extLst>
+              <a:ext uri="{FF2B5EF4-FFF2-40B4-BE49-F238E27FC236}">
+                <a16:creationId xmlns:a16="http://schemas.microsoft.com/office/drawing/2014/main" id="{A04093C8-362F-465D-9512-F134C7050771}"/>
+              </a:ext>
+            </a:extLst>
+          </p:cNvPr>
+          <p:cNvSpPr txBox="1"/>
+          <p:nvPr/>
+        </p:nvSpPr>
+        <p:spPr>
+          <a:xfrm>
+            <a:off x="1567542" y="5727049"/>
+            <a:ext cx="2967135" cy="369332"/>
+          </a:xfrm>
+          <a:prstGeom prst="rect">
+            <a:avLst/>
+          </a:prstGeom>
+          <a:noFill/>
+        </p:spPr>
+        <p:txBody>
+          <a:bodyPr wrap="square" rtlCol="0">
+            <a:spAutoFit/>
+          </a:bodyPr>
+          <a:lstStyle/>
+          <a:p>
+            <a:r>
+              <a:rPr lang="en-US" dirty="0"/>
+              <a:t>Dantenna2axis=149.85mm</a:t>
+            </a:r>
+          </a:p>
+        </p:txBody>
+      </p:sp>
+    </p:spTree>
+    <p:extLst>
+      <p:ext uri="{BB962C8B-B14F-4D97-AF65-F5344CB8AC3E}">
+        <p14:creationId xmlns:p14="http://schemas.microsoft.com/office/powerpoint/2010/main" val="368686898"/>
+      </p:ext>
+    </p:extLst>
+  </p:cSld>
+  <p:clrMapOvr>
+    <a:masterClrMapping/>
+  </p:clrMapOvr>
+</p:sld>
+</file>
+
+<file path=ppt/slides/slide22.xml><?xml version="1.0" encoding="utf-8"?>
+<p:sld xmlns:a="http://schemas.openxmlformats.org/drawingml/2006/main" xmlns:r="http://schemas.openxmlformats.org/officeDocument/2006/relationships" xmlns:p="http://schemas.openxmlformats.org/presentationml/2006/main">
+  <p:cSld>
+    <p:spTree>
+      <p:nvGrpSpPr>
+        <p:cNvPr id="1" name=""/>
+        <p:cNvGrpSpPr/>
+        <p:nvPr/>
+      </p:nvGrpSpPr>
+      <p:grpSpPr>
+        <a:xfrm>
+          <a:off x="0" y="0"/>
+          <a:ext cx="0" cy="0"/>
+          <a:chOff x="0" y="0"/>
+          <a:chExt cx="0" cy="0"/>
+        </a:xfrm>
+      </p:grpSpPr>
+      <p:pic>
+        <p:nvPicPr>
+          <p:cNvPr id="2" name="Picture 1">
+            <a:extLst>
+              <a:ext uri="{FF2B5EF4-FFF2-40B4-BE49-F238E27FC236}">
+                <a16:creationId xmlns:a16="http://schemas.microsoft.com/office/drawing/2014/main" id="{7CF0A2A4-3E84-4E01-8233-CCDC4197FE56}"/>
+              </a:ext>
+            </a:extLst>
+          </p:cNvPr>
+          <p:cNvPicPr>
+            <a:picLocks noChangeAspect="1"/>
+          </p:cNvPicPr>
+          <p:nvPr/>
+        </p:nvPicPr>
+        <p:blipFill>
+          <a:blip r:embed="rId2"/>
+          <a:stretch>
+            <a:fillRect/>
+          </a:stretch>
+        </p:blipFill>
+        <p:spPr>
+          <a:xfrm>
+            <a:off x="648786" y="167951"/>
+            <a:ext cx="10595848" cy="6858000"/>
+          </a:xfrm>
+          <a:prstGeom prst="rect">
+            <a:avLst/>
+          </a:prstGeom>
+        </p:spPr>
+      </p:pic>
+      <p:sp>
+        <p:nvSpPr>
+          <p:cNvPr id="3" name="TextBox 2">
+            <a:extLst>
+              <a:ext uri="{FF2B5EF4-FFF2-40B4-BE49-F238E27FC236}">
+                <a16:creationId xmlns:a16="http://schemas.microsoft.com/office/drawing/2014/main" id="{3B50E234-5E9B-43A9-9A69-655ECB59F9FF}"/>
+              </a:ext>
+            </a:extLst>
+          </p:cNvPr>
+          <p:cNvSpPr txBox="1"/>
+          <p:nvPr/>
+        </p:nvSpPr>
+        <p:spPr>
+          <a:xfrm>
+            <a:off x="1138335" y="6176865"/>
+            <a:ext cx="3489649" cy="369332"/>
+          </a:xfrm>
+          <a:prstGeom prst="rect">
+            <a:avLst/>
+          </a:prstGeom>
+          <a:noFill/>
+        </p:spPr>
+        <p:txBody>
+          <a:bodyPr wrap="square" rtlCol="0">
+            <a:spAutoFit/>
+          </a:bodyPr>
+          <a:lstStyle/>
+          <a:p>
+            <a:r>
+              <a:rPr lang="en-US" dirty="0"/>
+              <a:t>Danntena2lenB1=637.84mm</a:t>
+            </a:r>
+          </a:p>
+        </p:txBody>
+      </p:sp>
+    </p:spTree>
+    <p:extLst>
+      <p:ext uri="{BB962C8B-B14F-4D97-AF65-F5344CB8AC3E}">
+        <p14:creationId xmlns:p14="http://schemas.microsoft.com/office/powerpoint/2010/main" val="511070077"/>
+      </p:ext>
+    </p:extLst>
+  </p:cSld>
+  <p:clrMapOvr>
+    <a:masterClrMapping/>
+  </p:clrMapOvr>
+</p:sld>
+</file>
+
+<file path=ppt/slides/slide23.xml><?xml version="1.0" encoding="utf-8"?>
+<p:sld xmlns:a="http://schemas.openxmlformats.org/drawingml/2006/main" xmlns:r="http://schemas.openxmlformats.org/officeDocument/2006/relationships" xmlns:p="http://schemas.openxmlformats.org/presentationml/2006/main">
+  <p:cSld>
+    <p:spTree>
+      <p:nvGrpSpPr>
+        <p:cNvPr id="1" name=""/>
+        <p:cNvGrpSpPr/>
+        <p:nvPr/>
+      </p:nvGrpSpPr>
+      <p:grpSpPr>
+        <a:xfrm>
+          <a:off x="0" y="0"/>
+          <a:ext cx="0" cy="0"/>
+          <a:chOff x="0" y="0"/>
+          <a:chExt cx="0" cy="0"/>
+        </a:xfrm>
+      </p:grpSpPr>
+      <p:pic>
+        <p:nvPicPr>
+          <p:cNvPr id="2" name="Picture 1">
+            <a:extLst>
+              <a:ext uri="{FF2B5EF4-FFF2-40B4-BE49-F238E27FC236}">
+                <a16:creationId xmlns:a16="http://schemas.microsoft.com/office/drawing/2014/main" id="{ED62F30B-B721-44CE-B9D9-0C7F7661493A}"/>
+              </a:ext>
+            </a:extLst>
+          </p:cNvPr>
+          <p:cNvPicPr>
+            <a:picLocks noChangeAspect="1"/>
+          </p:cNvPicPr>
+          <p:nvPr/>
+        </p:nvPicPr>
+        <p:blipFill>
+          <a:blip r:embed="rId2"/>
+          <a:stretch>
+            <a:fillRect/>
+          </a:stretch>
+        </p:blipFill>
+        <p:spPr>
+          <a:xfrm>
+            <a:off x="83976" y="1005257"/>
+            <a:ext cx="12192000" cy="3858439"/>
+          </a:xfrm>
+          <a:prstGeom prst="rect">
+            <a:avLst/>
+          </a:prstGeom>
+        </p:spPr>
+      </p:pic>
+      <p:sp>
+        <p:nvSpPr>
+          <p:cNvPr id="3" name="TextBox 2">
+            <a:extLst>
+              <a:ext uri="{FF2B5EF4-FFF2-40B4-BE49-F238E27FC236}">
+                <a16:creationId xmlns:a16="http://schemas.microsoft.com/office/drawing/2014/main" id="{F05ADAEE-1CCF-4C84-B713-D9DAA09DA55F}"/>
+              </a:ext>
+            </a:extLst>
+          </p:cNvPr>
+          <p:cNvSpPr txBox="1"/>
+          <p:nvPr/>
+        </p:nvSpPr>
+        <p:spPr>
+          <a:xfrm>
+            <a:off x="83976" y="5271796"/>
+            <a:ext cx="10590245" cy="923330"/>
+          </a:xfrm>
+          <a:prstGeom prst="rect">
+            <a:avLst/>
+          </a:prstGeom>
+          <a:noFill/>
+        </p:spPr>
+        <p:txBody>
+          <a:bodyPr wrap="square" rtlCol="0">
+            <a:spAutoFit/>
+          </a:bodyPr>
+          <a:lstStyle/>
+          <a:p>
+            <a:r>
+              <a:rPr lang="en-US" dirty="0"/>
+              <a:t>Lens B1 to Focus:79+40+70+155+16.35+940=1300.3mm</a:t>
+            </a:r>
+          </a:p>
+          <a:p>
+            <a:r>
+              <a:rPr lang="en-US" dirty="0"/>
+              <a:t>Optical length = Lens B1 to Focus+Danntena2lenB1+ Dantenna2axis=1300.3+149.85+637.84=2088mm</a:t>
+            </a:r>
+          </a:p>
+          <a:p>
+            <a:r>
+              <a:rPr lang="en-US" dirty="0" err="1"/>
+              <a:t>Lw</a:t>
+            </a:r>
+            <a:r>
+              <a:rPr lang="en-US" dirty="0"/>
+              <a:t>= Optical length –W12Fo=2088-940-16.35=1132mm</a:t>
+            </a:r>
+          </a:p>
+        </p:txBody>
+      </p:sp>
+    </p:spTree>
+    <p:extLst>
+      <p:ext uri="{BB962C8B-B14F-4D97-AF65-F5344CB8AC3E}">
+        <p14:creationId xmlns:p14="http://schemas.microsoft.com/office/powerpoint/2010/main" val="1885677952"/>
       </p:ext>
     </p:extLst>
   </p:cSld>
@@ -24317,7 +24938,7 @@
                 </a:highlight>
                 <a:latin typeface="Aptos" panose="020B0004020202020204" pitchFamily="34" charset="0"/>
               </a:rPr>
-              <a:t>Avoid exposing any of the receiver channels to the launch beam</a:t>
+              <a:t>Avoid exposing any of the receiver channels to the direct launch beam</a:t>
             </a:r>
             <a:endParaRPr lang="en-US" sz="2000" b="1" dirty="0"/>
           </a:p>
@@ -24427,8 +25048,8 @@
             </p:nvSpPr>
             <p:spPr>
               <a:xfrm>
-                <a:off x="5499507" y="748745"/>
-                <a:ext cx="4177978" cy="3664336"/>
+                <a:off x="4851920" y="748745"/>
+                <a:ext cx="4825565" cy="3664336"/>
               </a:xfrm>
               <a:prstGeom prst="rect">
                 <a:avLst/>
@@ -24596,12 +25217,36 @@
                   <a:t>φ</a:t>
                 </a:r>
                 <a:r>
+                  <a:rPr lang="en-US" sz="2000" dirty="0"/>
+                  <a:t>= tan</a:t>
+                </a:r>
+                <a:r>
+                  <a:rPr lang="en-US" sz="2000" baseline="30000" dirty="0"/>
+                  <a:t>‒1</a:t>
+                </a:r>
+                <a:r>
+                  <a:rPr lang="en-US" sz="2000" dirty="0"/>
+                  <a:t>(</a:t>
+                </a:r>
+                <a:r>
+                  <a:rPr lang="en-US" sz="2000" dirty="0" err="1"/>
+                  <a:t>x</a:t>
+                </a:r>
+                <a:r>
+                  <a:rPr lang="en-US" sz="2000" baseline="-25000" dirty="0" err="1"/>
+                  <a:t>RW</a:t>
+                </a:r>
+                <a:r>
+                  <a:rPr lang="en-US" sz="2000" dirty="0"/>
+                  <a:t>/R</a:t>
+                </a:r>
+                <a:r>
                   <a:rPr lang="en-US" sz="2000" baseline="-25000" dirty="0"/>
-                  <a:t>RA</a:t>
+                  <a:t>RWRA</a:t>
                 </a:r>
                 <a:r>
                   <a:rPr lang="en-US" sz="2000" dirty="0"/>
-                  <a:t> + </a:t>
+                  <a:t> )+ </a:t>
                 </a:r>
                 <a:r>
                   <a:rPr lang="el-GR" sz="2000" dirty="0"/>
@@ -24921,8 +25566,8 @@
             </p:nvSpPr>
             <p:spPr>
               <a:xfrm>
-                <a:off x="5499507" y="748745"/>
-                <a:ext cx="4177978" cy="3664336"/>
+                <a:off x="4851920" y="748745"/>
+                <a:ext cx="4825565" cy="3664336"/>
               </a:xfrm>
               <a:prstGeom prst="rect">
                 <a:avLst/>
@@ -24930,7 +25575,2957 @@
               <a:blipFill>
                 <a:blip r:embed="rId2"/>
                 <a:stretch>
-                  <a:fillRect l="-1458" t="-1664" b="-2163"/>
+                  <a:fillRect l="-1389" t="-1830" b="-1997"/>
+                </a:stretch>
+              </a:blipFill>
+            </p:spPr>
+            <p:txBody>
+              <a:bodyPr/>
+              <a:lstStyle/>
+              <a:p>
+                <a:r>
+                  <a:rPr lang="en-US">
+                    <a:noFill/>
+                  </a:rPr>
+                  <a:t> </a:t>
+                </a:r>
+              </a:p>
+            </p:txBody>
+          </p:sp>
+        </mc:Fallback>
+      </mc:AlternateContent>
+      <p:grpSp>
+        <p:nvGrpSpPr>
+          <p:cNvPr id="3" name="Group 2">
+            <a:extLst>
+              <a:ext uri="{FF2B5EF4-FFF2-40B4-BE49-F238E27FC236}">
+                <a16:creationId xmlns:a16="http://schemas.microsoft.com/office/drawing/2014/main" id="{D9243298-9796-8731-00C0-4FF2F79814AD}"/>
+              </a:ext>
+            </a:extLst>
+          </p:cNvPr>
+          <p:cNvGrpSpPr/>
+          <p:nvPr/>
+        </p:nvGrpSpPr>
+        <p:grpSpPr>
+          <a:xfrm>
+            <a:off x="9339977" y="-47625"/>
+            <a:ext cx="2546576" cy="6806795"/>
+            <a:chOff x="8489250" y="63905"/>
+            <a:chExt cx="2546576" cy="6806795"/>
+          </a:xfrm>
+        </p:grpSpPr>
+        <p:sp>
+          <p:nvSpPr>
+            <p:cNvPr id="6" name="TextBox 5">
+              <a:extLst>
+                <a:ext uri="{FF2B5EF4-FFF2-40B4-BE49-F238E27FC236}">
+                  <a16:creationId xmlns:a16="http://schemas.microsoft.com/office/drawing/2014/main" id="{8E34EB12-62A3-602C-2D79-821EF5BFBB07}"/>
+                </a:ext>
+              </a:extLst>
+            </p:cNvPr>
+            <p:cNvSpPr txBox="1"/>
+            <p:nvPr/>
+          </p:nvSpPr>
+          <p:spPr>
+            <a:xfrm>
+              <a:off x="9192092" y="63905"/>
+              <a:ext cx="1791260" cy="461665"/>
+            </a:xfrm>
+            <a:prstGeom prst="rect">
+              <a:avLst/>
+            </a:prstGeom>
+            <a:noFill/>
+          </p:spPr>
+          <p:txBody>
+            <a:bodyPr wrap="none" rtlCol="0">
+              <a:spAutoFit/>
+            </a:bodyPr>
+            <a:lstStyle/>
+            <a:p>
+              <a:r>
+                <a:rPr lang="en-US" sz="2400" b="1" dirty="0"/>
+                <a:t>Torus Center</a:t>
+              </a:r>
+            </a:p>
+          </p:txBody>
+        </p:sp>
+        <p:sp>
+          <p:nvSpPr>
+            <p:cNvPr id="7" name="TextBox 6">
+              <a:extLst>
+                <a:ext uri="{FF2B5EF4-FFF2-40B4-BE49-F238E27FC236}">
+                  <a16:creationId xmlns:a16="http://schemas.microsoft.com/office/drawing/2014/main" id="{01E710D7-7B07-C495-C370-352286A366C8}"/>
+                </a:ext>
+              </a:extLst>
+            </p:cNvPr>
+            <p:cNvSpPr txBox="1"/>
+            <p:nvPr/>
+          </p:nvSpPr>
+          <p:spPr>
+            <a:xfrm>
+              <a:off x="8489250" y="3019111"/>
+              <a:ext cx="1791260" cy="690638"/>
+            </a:xfrm>
+            <a:prstGeom prst="rect">
+              <a:avLst/>
+            </a:prstGeom>
+            <a:noFill/>
+          </p:spPr>
+          <p:txBody>
+            <a:bodyPr wrap="square" rtlCol="0">
+              <a:spAutoFit/>
+            </a:bodyPr>
+            <a:lstStyle/>
+            <a:p>
+              <a:pPr>
+                <a:lnSpc>
+                  <a:spcPct val="80000"/>
+                </a:lnSpc>
+              </a:pPr>
+              <a:r>
+                <a:rPr lang="en-US" sz="2400" b="1" dirty="0"/>
+                <a:t>Interaction Region (IR)</a:t>
+              </a:r>
+            </a:p>
+          </p:txBody>
+        </p:sp>
+        <p:sp>
+          <p:nvSpPr>
+            <p:cNvPr id="8" name="Oval 7">
+              <a:extLst>
+                <a:ext uri="{FF2B5EF4-FFF2-40B4-BE49-F238E27FC236}">
+                  <a16:creationId xmlns:a16="http://schemas.microsoft.com/office/drawing/2014/main" id="{16BABB1D-3DA0-9D02-3C5F-5F934EC3704D}"/>
+                </a:ext>
+              </a:extLst>
+            </p:cNvPr>
+            <p:cNvSpPr/>
+            <p:nvPr/>
+          </p:nvSpPr>
+          <p:spPr>
+            <a:xfrm>
+              <a:off x="10270150" y="3183046"/>
+              <a:ext cx="182880" cy="182880"/>
+            </a:xfrm>
+            <a:prstGeom prst="ellipse">
+              <a:avLst/>
+            </a:prstGeom>
+            <a:solidFill>
+              <a:schemeClr val="tx1"/>
+            </a:solidFill>
+          </p:spPr>
+          <p:style>
+            <a:lnRef idx="2">
+              <a:schemeClr val="accent1">
+                <a:shade val="50000"/>
+              </a:schemeClr>
+            </a:lnRef>
+            <a:fillRef idx="1">
+              <a:schemeClr val="accent1"/>
+            </a:fillRef>
+            <a:effectRef idx="0">
+              <a:schemeClr val="accent1"/>
+            </a:effectRef>
+            <a:fontRef idx="minor">
+              <a:schemeClr val="lt1"/>
+            </a:fontRef>
+          </p:style>
+          <p:txBody>
+            <a:bodyPr rtlCol="0" anchor="ctr"/>
+            <a:lstStyle/>
+            <a:p>
+              <a:pPr algn="ctr"/>
+              <a:endParaRPr lang="en-US"/>
+            </a:p>
+          </p:txBody>
+        </p:sp>
+        <p:cxnSp>
+          <p:nvCxnSpPr>
+            <p:cNvPr id="9" name="Straight Connector 8">
+              <a:extLst>
+                <a:ext uri="{FF2B5EF4-FFF2-40B4-BE49-F238E27FC236}">
+                  <a16:creationId xmlns:a16="http://schemas.microsoft.com/office/drawing/2014/main" id="{08180B5D-E80B-8788-F301-FB86913443FD}"/>
+                </a:ext>
+              </a:extLst>
+            </p:cNvPr>
+            <p:cNvCxnSpPr/>
+            <p:nvPr/>
+          </p:nvCxnSpPr>
+          <p:spPr>
+            <a:xfrm flipH="1" flipV="1">
+              <a:off x="9104400" y="265273"/>
+              <a:ext cx="1263087" cy="3017521"/>
+            </a:xfrm>
+            <a:prstGeom prst="line">
+              <a:avLst/>
+            </a:prstGeom>
+            <a:ln w="25400">
+              <a:solidFill>
+                <a:srgbClr val="FF0000"/>
+              </a:solidFill>
+            </a:ln>
+          </p:spPr>
+          <p:style>
+            <a:lnRef idx="1">
+              <a:schemeClr val="accent1"/>
+            </a:lnRef>
+            <a:fillRef idx="0">
+              <a:schemeClr val="accent1"/>
+            </a:fillRef>
+            <a:effectRef idx="0">
+              <a:schemeClr val="accent1"/>
+            </a:effectRef>
+            <a:fontRef idx="minor">
+              <a:schemeClr val="tx1"/>
+            </a:fontRef>
+          </p:style>
+        </p:cxnSp>
+        <p:sp>
+          <p:nvSpPr>
+            <p:cNvPr id="10" name="Oval 9">
+              <a:extLst>
+                <a:ext uri="{FF2B5EF4-FFF2-40B4-BE49-F238E27FC236}">
+                  <a16:creationId xmlns:a16="http://schemas.microsoft.com/office/drawing/2014/main" id="{A368AE3E-4B2A-BA1E-1DA2-0F20FB834DB7}"/>
+                </a:ext>
+              </a:extLst>
+            </p:cNvPr>
+            <p:cNvSpPr/>
+            <p:nvPr/>
+          </p:nvSpPr>
+          <p:spPr>
+            <a:xfrm>
+              <a:off x="9020470" y="200095"/>
+              <a:ext cx="182880" cy="182880"/>
+            </a:xfrm>
+            <a:prstGeom prst="ellipse">
+              <a:avLst/>
+            </a:prstGeom>
+            <a:solidFill>
+              <a:schemeClr val="tx1"/>
+            </a:solidFill>
+          </p:spPr>
+          <p:style>
+            <a:lnRef idx="2">
+              <a:schemeClr val="accent1">
+                <a:shade val="50000"/>
+              </a:schemeClr>
+            </a:lnRef>
+            <a:fillRef idx="1">
+              <a:schemeClr val="accent1"/>
+            </a:fillRef>
+            <a:effectRef idx="0">
+              <a:schemeClr val="accent1"/>
+            </a:effectRef>
+            <a:fontRef idx="minor">
+              <a:schemeClr val="lt1"/>
+            </a:fontRef>
+          </p:style>
+          <p:txBody>
+            <a:bodyPr rtlCol="0" anchor="ctr"/>
+            <a:lstStyle/>
+            <a:p>
+              <a:pPr algn="ctr"/>
+              <a:endParaRPr lang="en-US"/>
+            </a:p>
+          </p:txBody>
+        </p:sp>
+        <p:sp>
+          <p:nvSpPr>
+            <p:cNvPr id="11" name="TextBox 10">
+              <a:extLst>
+                <a:ext uri="{FF2B5EF4-FFF2-40B4-BE49-F238E27FC236}">
+                  <a16:creationId xmlns:a16="http://schemas.microsoft.com/office/drawing/2014/main" id="{81445EA2-1643-556B-5558-FA99ABF93172}"/>
+                </a:ext>
+              </a:extLst>
+            </p:cNvPr>
+            <p:cNvSpPr txBox="1"/>
+            <p:nvPr/>
+          </p:nvSpPr>
+          <p:spPr>
+            <a:xfrm>
+              <a:off x="9000400" y="6409035"/>
+              <a:ext cx="1262910" cy="461665"/>
+            </a:xfrm>
+            <a:prstGeom prst="rect">
+              <a:avLst/>
+            </a:prstGeom>
+            <a:noFill/>
+          </p:spPr>
+          <p:txBody>
+            <a:bodyPr wrap="none" rtlCol="0">
+              <a:spAutoFit/>
+            </a:bodyPr>
+            <a:lstStyle/>
+            <a:p>
+              <a:r>
+                <a:rPr lang="en-US" sz="2400" b="1"/>
+                <a:t>Window</a:t>
+              </a:r>
+            </a:p>
+          </p:txBody>
+        </p:sp>
+        <p:sp>
+          <p:nvSpPr>
+            <p:cNvPr id="12" name="Rectangle 11">
+              <a:extLst>
+                <a:ext uri="{FF2B5EF4-FFF2-40B4-BE49-F238E27FC236}">
+                  <a16:creationId xmlns:a16="http://schemas.microsoft.com/office/drawing/2014/main" id="{201BAF38-6971-BD97-4AE4-8F16FDACA9BC}"/>
+                </a:ext>
+              </a:extLst>
+            </p:cNvPr>
+            <p:cNvSpPr/>
+            <p:nvPr/>
+          </p:nvSpPr>
+          <p:spPr>
+            <a:xfrm>
+              <a:off x="9020469" y="6317013"/>
+              <a:ext cx="1347015" cy="113736"/>
+            </a:xfrm>
+            <a:prstGeom prst="rect">
+              <a:avLst/>
+            </a:prstGeom>
+          </p:spPr>
+          <p:style>
+            <a:lnRef idx="2">
+              <a:schemeClr val="accent1">
+                <a:shade val="50000"/>
+              </a:schemeClr>
+            </a:lnRef>
+            <a:fillRef idx="1">
+              <a:schemeClr val="accent1"/>
+            </a:fillRef>
+            <a:effectRef idx="0">
+              <a:schemeClr val="accent1"/>
+            </a:effectRef>
+            <a:fontRef idx="minor">
+              <a:schemeClr val="lt1"/>
+            </a:fontRef>
+          </p:style>
+          <p:txBody>
+            <a:bodyPr rtlCol="0" anchor="ctr"/>
+            <a:lstStyle/>
+            <a:p>
+              <a:pPr algn="ctr"/>
+              <a:endParaRPr lang="en-US"/>
+            </a:p>
+          </p:txBody>
+        </p:sp>
+        <p:sp>
+          <p:nvSpPr>
+            <p:cNvPr id="13" name="TextBox 12">
+              <a:extLst>
+                <a:ext uri="{FF2B5EF4-FFF2-40B4-BE49-F238E27FC236}">
+                  <a16:creationId xmlns:a16="http://schemas.microsoft.com/office/drawing/2014/main" id="{29F59754-2FE6-B701-CD44-EFEB7AFA198A}"/>
+                </a:ext>
+              </a:extLst>
+            </p:cNvPr>
+            <p:cNvSpPr txBox="1"/>
+            <p:nvPr/>
+          </p:nvSpPr>
+          <p:spPr>
+            <a:xfrm>
+              <a:off x="10190619" y="3923475"/>
+              <a:ext cx="476412" cy="461665"/>
+            </a:xfrm>
+            <a:prstGeom prst="rect">
+              <a:avLst/>
+            </a:prstGeom>
+            <a:noFill/>
+          </p:spPr>
+          <p:txBody>
+            <a:bodyPr wrap="none" rtlCol="0">
+              <a:spAutoFit/>
+            </a:bodyPr>
+            <a:lstStyle/>
+            <a:p>
+              <a:r>
+                <a:rPr lang="en-US" sz="2400" b="1" u="sng">
+                  <a:solidFill>
+                    <a:srgbClr val="FF0000"/>
+                  </a:solidFill>
+                </a:rPr>
+                <a:t>z</a:t>
+              </a:r>
+              <a:r>
+                <a:rPr lang="en-US" sz="2400" b="1" baseline="-25000">
+                  <a:solidFill>
+                    <a:srgbClr val="FF0000"/>
+                  </a:solidFill>
+                </a:rPr>
+                <a:t>IR</a:t>
+              </a:r>
+            </a:p>
+          </p:txBody>
+        </p:sp>
+        <p:sp>
+          <p:nvSpPr>
+            <p:cNvPr id="14" name="TextBox 13">
+              <a:extLst>
+                <a:ext uri="{FF2B5EF4-FFF2-40B4-BE49-F238E27FC236}">
+                  <a16:creationId xmlns:a16="http://schemas.microsoft.com/office/drawing/2014/main" id="{B7743399-B883-BED8-437D-B1A71FCF2049}"/>
+                </a:ext>
+              </a:extLst>
+            </p:cNvPr>
+            <p:cNvSpPr txBox="1"/>
+            <p:nvPr/>
+          </p:nvSpPr>
+          <p:spPr>
+            <a:xfrm>
+              <a:off x="9684409" y="1481348"/>
+              <a:ext cx="527709" cy="461665"/>
+            </a:xfrm>
+            <a:prstGeom prst="rect">
+              <a:avLst/>
+            </a:prstGeom>
+            <a:noFill/>
+          </p:spPr>
+          <p:txBody>
+            <a:bodyPr wrap="none" rtlCol="0">
+              <a:spAutoFit/>
+            </a:bodyPr>
+            <a:lstStyle/>
+            <a:p>
+              <a:r>
+                <a:rPr lang="en-US" sz="2400" b="1">
+                  <a:solidFill>
+                    <a:srgbClr val="FF0000"/>
+                  </a:solidFill>
+                </a:rPr>
+                <a:t>R</a:t>
+              </a:r>
+              <a:r>
+                <a:rPr lang="en-US" sz="2400" b="1" baseline="-25000">
+                  <a:solidFill>
+                    <a:srgbClr val="FF0000"/>
+                  </a:solidFill>
+                </a:rPr>
+                <a:t>IR</a:t>
+              </a:r>
+            </a:p>
+          </p:txBody>
+        </p:sp>
+        <p:sp>
+          <p:nvSpPr>
+            <p:cNvPr id="15" name="TextBox 14">
+              <a:extLst>
+                <a:ext uri="{FF2B5EF4-FFF2-40B4-BE49-F238E27FC236}">
+                  <a16:creationId xmlns:a16="http://schemas.microsoft.com/office/drawing/2014/main" id="{31BCC85C-BBC1-315E-A4AD-39E82036BB3E}"/>
+                </a:ext>
+              </a:extLst>
+            </p:cNvPr>
+            <p:cNvSpPr txBox="1"/>
+            <p:nvPr/>
+          </p:nvSpPr>
+          <p:spPr>
+            <a:xfrm>
+              <a:off x="9104399" y="5848803"/>
+              <a:ext cx="625620" cy="461665"/>
+            </a:xfrm>
+            <a:prstGeom prst="rect">
+              <a:avLst/>
+            </a:prstGeom>
+            <a:noFill/>
+          </p:spPr>
+          <p:txBody>
+            <a:bodyPr wrap="none" rtlCol="0">
+              <a:spAutoFit/>
+            </a:bodyPr>
+            <a:lstStyle/>
+            <a:p>
+              <a:r>
+                <a:rPr lang="en-US" sz="2400" b="1">
+                  <a:solidFill>
+                    <a:srgbClr val="FF0000"/>
+                  </a:solidFill>
+                </a:rPr>
+                <a:t>x</a:t>
+              </a:r>
+              <a:r>
+                <a:rPr lang="en-US" sz="2400" b="1" baseline="-25000">
+                  <a:solidFill>
+                    <a:srgbClr val="FF0000"/>
+                  </a:solidFill>
+                </a:rPr>
+                <a:t>RW</a:t>
+              </a:r>
+            </a:p>
+          </p:txBody>
+        </p:sp>
+        <p:cxnSp>
+          <p:nvCxnSpPr>
+            <p:cNvPr id="16" name="Straight Connector 15">
+              <a:extLst>
+                <a:ext uri="{FF2B5EF4-FFF2-40B4-BE49-F238E27FC236}">
+                  <a16:creationId xmlns:a16="http://schemas.microsoft.com/office/drawing/2014/main" id="{D3BFE37A-50D9-26B7-7D33-A50A97A4C195}"/>
+                </a:ext>
+              </a:extLst>
+            </p:cNvPr>
+            <p:cNvCxnSpPr/>
+            <p:nvPr/>
+          </p:nvCxnSpPr>
+          <p:spPr>
+            <a:xfrm>
+              <a:off x="9104399" y="6422494"/>
+              <a:ext cx="566928" cy="0"/>
+            </a:xfrm>
+            <a:prstGeom prst="line">
+              <a:avLst/>
+            </a:prstGeom>
+            <a:ln w="25400">
+              <a:solidFill>
+                <a:srgbClr val="FF0000"/>
+              </a:solidFill>
+            </a:ln>
+          </p:spPr>
+          <p:style>
+            <a:lnRef idx="1">
+              <a:schemeClr val="accent1"/>
+            </a:lnRef>
+            <a:fillRef idx="0">
+              <a:schemeClr val="accent1"/>
+            </a:fillRef>
+            <a:effectRef idx="0">
+              <a:schemeClr val="accent1"/>
+            </a:effectRef>
+            <a:fontRef idx="minor">
+              <a:schemeClr val="tx1"/>
+            </a:fontRef>
+          </p:style>
+        </p:cxnSp>
+        <p:sp>
+          <p:nvSpPr>
+            <p:cNvPr id="17" name="TextBox 16">
+              <a:extLst>
+                <a:ext uri="{FF2B5EF4-FFF2-40B4-BE49-F238E27FC236}">
+                  <a16:creationId xmlns:a16="http://schemas.microsoft.com/office/drawing/2014/main" id="{A7B8764B-D33A-A370-8AD8-E4CD97B7F2C7}"/>
+                </a:ext>
+              </a:extLst>
+            </p:cNvPr>
+            <p:cNvSpPr txBox="1"/>
+            <p:nvPr/>
+          </p:nvSpPr>
+          <p:spPr>
+            <a:xfrm>
+              <a:off x="9163482" y="5023435"/>
+              <a:ext cx="639919" cy="461665"/>
+            </a:xfrm>
+            <a:prstGeom prst="rect">
+              <a:avLst/>
+            </a:prstGeom>
+            <a:noFill/>
+          </p:spPr>
+          <p:txBody>
+            <a:bodyPr wrap="none" rtlCol="0">
+              <a:spAutoFit/>
+            </a:bodyPr>
+            <a:lstStyle/>
+            <a:p>
+              <a:r>
+                <a:rPr lang="el-GR" sz="2400" b="1" dirty="0">
+                  <a:solidFill>
+                    <a:srgbClr val="FF0000"/>
+                  </a:solidFill>
+                </a:rPr>
+                <a:t>φ</a:t>
+              </a:r>
+              <a:r>
+                <a:rPr lang="en-US" sz="2400" b="1" baseline="-25000" dirty="0">
+                  <a:solidFill>
+                    <a:srgbClr val="FF0000"/>
+                  </a:solidFill>
+                </a:rPr>
+                <a:t>RA</a:t>
+              </a:r>
+            </a:p>
+          </p:txBody>
+        </p:sp>
+        <p:sp>
+          <p:nvSpPr>
+            <p:cNvPr id="18" name="TextBox 17">
+              <a:extLst>
+                <a:ext uri="{FF2B5EF4-FFF2-40B4-BE49-F238E27FC236}">
+                  <a16:creationId xmlns:a16="http://schemas.microsoft.com/office/drawing/2014/main" id="{2509A6B8-9814-849B-405C-3AFB0E890F6F}"/>
+                </a:ext>
+              </a:extLst>
+            </p:cNvPr>
+            <p:cNvSpPr txBox="1"/>
+            <p:nvPr/>
+          </p:nvSpPr>
+          <p:spPr>
+            <a:xfrm>
+              <a:off x="9432169" y="837591"/>
+              <a:ext cx="652743" cy="461665"/>
+            </a:xfrm>
+            <a:prstGeom prst="rect">
+              <a:avLst/>
+            </a:prstGeom>
+            <a:noFill/>
+          </p:spPr>
+          <p:txBody>
+            <a:bodyPr wrap="none" rtlCol="0">
+              <a:spAutoFit/>
+            </a:bodyPr>
+            <a:lstStyle/>
+            <a:p>
+              <a:r>
+                <a:rPr lang="el-GR" sz="2400" b="1" dirty="0">
+                  <a:solidFill>
+                    <a:srgbClr val="FF0000"/>
+                  </a:solidFill>
+                </a:rPr>
+                <a:t>ψ</a:t>
+              </a:r>
+              <a:r>
+                <a:rPr lang="en-US" sz="2400" b="1" baseline="-25000" dirty="0">
+                  <a:solidFill>
+                    <a:srgbClr val="FF0000"/>
+                  </a:solidFill>
+                </a:rPr>
+                <a:t>RA</a:t>
+              </a:r>
+            </a:p>
+          </p:txBody>
+        </p:sp>
+        <p:cxnSp>
+          <p:nvCxnSpPr>
+            <p:cNvPr id="19" name="Straight Connector 18">
+              <a:extLst>
+                <a:ext uri="{FF2B5EF4-FFF2-40B4-BE49-F238E27FC236}">
+                  <a16:creationId xmlns:a16="http://schemas.microsoft.com/office/drawing/2014/main" id="{83DB11F7-AEA1-9B33-7BA1-730BDAF9D07D}"/>
+                </a:ext>
+              </a:extLst>
+            </p:cNvPr>
+            <p:cNvCxnSpPr>
+              <a:cxnSpLocks/>
+            </p:cNvCxnSpPr>
+            <p:nvPr/>
+          </p:nvCxnSpPr>
+          <p:spPr>
+            <a:xfrm flipH="1" flipV="1">
+              <a:off x="9124645" y="284193"/>
+              <a:ext cx="538384" cy="6153759"/>
+            </a:xfrm>
+            <a:prstGeom prst="line">
+              <a:avLst/>
+            </a:prstGeom>
+            <a:ln w="25400">
+              <a:solidFill>
+                <a:srgbClr val="FF0000"/>
+              </a:solidFill>
+              <a:prstDash val="sysDot"/>
+            </a:ln>
+          </p:spPr>
+          <p:style>
+            <a:lnRef idx="1">
+              <a:schemeClr val="accent1"/>
+            </a:lnRef>
+            <a:fillRef idx="0">
+              <a:schemeClr val="accent1"/>
+            </a:fillRef>
+            <a:effectRef idx="0">
+              <a:schemeClr val="accent1"/>
+            </a:effectRef>
+            <a:fontRef idx="minor">
+              <a:schemeClr val="tx1"/>
+            </a:fontRef>
+          </p:style>
+        </p:cxnSp>
+        <p:sp>
+          <p:nvSpPr>
+            <p:cNvPr id="20" name="TextBox 19">
+              <a:extLst>
+                <a:ext uri="{FF2B5EF4-FFF2-40B4-BE49-F238E27FC236}">
+                  <a16:creationId xmlns:a16="http://schemas.microsoft.com/office/drawing/2014/main" id="{79BA29D5-0EEA-704D-89F8-5ACCDF4D33B9}"/>
+                </a:ext>
+              </a:extLst>
+            </p:cNvPr>
+            <p:cNvSpPr txBox="1"/>
+            <p:nvPr/>
+          </p:nvSpPr>
+          <p:spPr>
+            <a:xfrm>
+              <a:off x="9219258" y="1714273"/>
+              <a:ext cx="526106" cy="461665"/>
+            </a:xfrm>
+            <a:prstGeom prst="rect">
+              <a:avLst/>
+            </a:prstGeom>
+            <a:noFill/>
+          </p:spPr>
+          <p:txBody>
+            <a:bodyPr wrap="none" rtlCol="0">
+              <a:spAutoFit/>
+            </a:bodyPr>
+            <a:lstStyle/>
+            <a:p>
+              <a:r>
+                <a:rPr lang="el-GR" sz="2400" b="1">
+                  <a:solidFill>
+                    <a:srgbClr val="FF0000"/>
+                  </a:solidFill>
+                </a:rPr>
+                <a:t>ψ</a:t>
+              </a:r>
+              <a:r>
+                <a:rPr lang="en-US" sz="2400" b="1" baseline="-25000">
+                  <a:solidFill>
+                    <a:srgbClr val="FF0000"/>
+                  </a:solidFill>
+                </a:rPr>
+                <a:t>X</a:t>
+              </a:r>
+            </a:p>
+          </p:txBody>
+        </p:sp>
+        <p:sp>
+          <p:nvSpPr>
+            <p:cNvPr id="21" name="TextBox 20">
+              <a:extLst>
+                <a:ext uri="{FF2B5EF4-FFF2-40B4-BE49-F238E27FC236}">
+                  <a16:creationId xmlns:a16="http://schemas.microsoft.com/office/drawing/2014/main" id="{17441E9A-CF52-802D-EB99-9FFD6D78C781}"/>
+                </a:ext>
+              </a:extLst>
+            </p:cNvPr>
+            <p:cNvSpPr txBox="1"/>
+            <p:nvPr/>
+          </p:nvSpPr>
+          <p:spPr>
+            <a:xfrm>
+              <a:off x="9401178" y="3671911"/>
+              <a:ext cx="657681" cy="461665"/>
+            </a:xfrm>
+            <a:prstGeom prst="rect">
+              <a:avLst/>
+            </a:prstGeom>
+            <a:noFill/>
+          </p:spPr>
+          <p:txBody>
+            <a:bodyPr wrap="none" rtlCol="0">
+              <a:spAutoFit/>
+            </a:bodyPr>
+            <a:lstStyle/>
+            <a:p>
+              <a:r>
+                <a:rPr lang="en-US" sz="2400" b="1" u="sng">
+                  <a:solidFill>
+                    <a:srgbClr val="FF0000"/>
+                  </a:solidFill>
+                </a:rPr>
+                <a:t>R</a:t>
+              </a:r>
+              <a:r>
+                <a:rPr lang="en-US" sz="2400" b="1" baseline="-25000">
+                  <a:solidFill>
+                    <a:srgbClr val="FF0000"/>
+                  </a:solidFill>
+                </a:rPr>
+                <a:t>RW</a:t>
+              </a:r>
+            </a:p>
+          </p:txBody>
+        </p:sp>
+        <p:sp>
+          <p:nvSpPr>
+            <p:cNvPr id="22" name="Arc 21">
+              <a:extLst>
+                <a:ext uri="{FF2B5EF4-FFF2-40B4-BE49-F238E27FC236}">
+                  <a16:creationId xmlns:a16="http://schemas.microsoft.com/office/drawing/2014/main" id="{401D740B-101F-4402-F46F-8F27D0229731}"/>
+                </a:ext>
+              </a:extLst>
+            </p:cNvPr>
+            <p:cNvSpPr/>
+            <p:nvPr/>
+          </p:nvSpPr>
+          <p:spPr>
+            <a:xfrm>
+              <a:off x="8740656" y="4952727"/>
+              <a:ext cx="2035770" cy="1331363"/>
+            </a:xfrm>
+            <a:prstGeom prst="arc">
+              <a:avLst>
+                <a:gd name="adj1" fmla="val 15154564"/>
+                <a:gd name="adj2" fmla="val 17240779"/>
+              </a:avLst>
+            </a:prstGeom>
+            <a:ln w="25400">
+              <a:solidFill>
+                <a:srgbClr val="FF0000"/>
+              </a:solidFill>
+              <a:tailEnd type="triangle" w="lg" len="lg"/>
+            </a:ln>
+          </p:spPr>
+          <p:style>
+            <a:lnRef idx="1">
+              <a:schemeClr val="accent1"/>
+            </a:lnRef>
+            <a:fillRef idx="0">
+              <a:schemeClr val="accent1"/>
+            </a:fillRef>
+            <a:effectRef idx="0">
+              <a:schemeClr val="accent1"/>
+            </a:effectRef>
+            <a:fontRef idx="minor">
+              <a:schemeClr val="tx1"/>
+            </a:fontRef>
+          </p:style>
+          <p:txBody>
+            <a:bodyPr rtlCol="0" anchor="ctr"/>
+            <a:lstStyle/>
+            <a:p>
+              <a:pPr algn="ctr"/>
+              <a:endParaRPr lang="en-US"/>
+            </a:p>
+          </p:txBody>
+        </p:sp>
+        <p:sp>
+          <p:nvSpPr>
+            <p:cNvPr id="23" name="TextBox 22">
+              <a:extLst>
+                <a:ext uri="{FF2B5EF4-FFF2-40B4-BE49-F238E27FC236}">
+                  <a16:creationId xmlns:a16="http://schemas.microsoft.com/office/drawing/2014/main" id="{AB33B8F6-F3C0-D98E-DC11-7FDEC30521A8}"/>
+                </a:ext>
+              </a:extLst>
+            </p:cNvPr>
+            <p:cNvSpPr txBox="1"/>
+            <p:nvPr/>
+          </p:nvSpPr>
+          <p:spPr>
+            <a:xfrm>
+              <a:off x="9943350" y="4730377"/>
+              <a:ext cx="639919" cy="461665"/>
+            </a:xfrm>
+            <a:prstGeom prst="rect">
+              <a:avLst/>
+            </a:prstGeom>
+            <a:noFill/>
+          </p:spPr>
+          <p:txBody>
+            <a:bodyPr wrap="none" rtlCol="0">
+              <a:spAutoFit/>
+            </a:bodyPr>
+            <a:lstStyle/>
+            <a:p>
+              <a:r>
+                <a:rPr lang="el-GR" sz="2400" b="1" u="sng">
+                  <a:solidFill>
+                    <a:srgbClr val="FF0000"/>
+                  </a:solidFill>
+                </a:rPr>
+                <a:t>φ</a:t>
+              </a:r>
+              <a:r>
+                <a:rPr lang="en-US" sz="2400" b="1" baseline="-25000">
+                  <a:solidFill>
+                    <a:srgbClr val="FF0000"/>
+                  </a:solidFill>
+                </a:rPr>
+                <a:t>RA</a:t>
+              </a:r>
+            </a:p>
+          </p:txBody>
+        </p:sp>
+        <p:sp>
+          <p:nvSpPr>
+            <p:cNvPr id="24" name="TextBox 23">
+              <a:extLst>
+                <a:ext uri="{FF2B5EF4-FFF2-40B4-BE49-F238E27FC236}">
+                  <a16:creationId xmlns:a16="http://schemas.microsoft.com/office/drawing/2014/main" id="{9E380107-27E7-E4C8-09F3-7AB6D73EF88F}"/>
+                </a:ext>
+              </a:extLst>
+            </p:cNvPr>
+            <p:cNvSpPr txBox="1"/>
+            <p:nvPr/>
+          </p:nvSpPr>
+          <p:spPr>
+            <a:xfrm>
+              <a:off x="10031184" y="1972147"/>
+              <a:ext cx="527709" cy="461665"/>
+            </a:xfrm>
+            <a:prstGeom prst="rect">
+              <a:avLst/>
+            </a:prstGeom>
+            <a:noFill/>
+          </p:spPr>
+          <p:txBody>
+            <a:bodyPr wrap="none" rtlCol="0">
+              <a:spAutoFit/>
+            </a:bodyPr>
+            <a:lstStyle/>
+            <a:p>
+              <a:r>
+                <a:rPr lang="el-GR" sz="2400" b="1">
+                  <a:solidFill>
+                    <a:srgbClr val="FF0000"/>
+                  </a:solidFill>
+                </a:rPr>
+                <a:t>ψ</a:t>
+              </a:r>
+              <a:r>
+                <a:rPr lang="en-US" sz="2400" b="1" baseline="-25000">
+                  <a:solidFill>
+                    <a:srgbClr val="FF0000"/>
+                  </a:solidFill>
+                </a:rPr>
+                <a:t>R</a:t>
+              </a:r>
+            </a:p>
+          </p:txBody>
+        </p:sp>
+        <p:sp>
+          <p:nvSpPr>
+            <p:cNvPr id="25" name="Arc 24">
+              <a:extLst>
+                <a:ext uri="{FF2B5EF4-FFF2-40B4-BE49-F238E27FC236}">
+                  <a16:creationId xmlns:a16="http://schemas.microsoft.com/office/drawing/2014/main" id="{454432F0-B683-B93D-6AB7-5406B513133C}"/>
+                </a:ext>
+              </a:extLst>
+            </p:cNvPr>
+            <p:cNvSpPr/>
+            <p:nvPr/>
+          </p:nvSpPr>
+          <p:spPr>
+            <a:xfrm>
+              <a:off x="9690625" y="2504520"/>
+              <a:ext cx="1345201" cy="761856"/>
+            </a:xfrm>
+            <a:prstGeom prst="arc">
+              <a:avLst>
+                <a:gd name="adj1" fmla="val 13563517"/>
+                <a:gd name="adj2" fmla="val 17774983"/>
+              </a:avLst>
+            </a:prstGeom>
+            <a:ln w="25400">
+              <a:solidFill>
+                <a:srgbClr val="FF0000"/>
+              </a:solidFill>
+              <a:tailEnd type="triangle" w="lg" len="lg"/>
+            </a:ln>
+          </p:spPr>
+          <p:style>
+            <a:lnRef idx="1">
+              <a:schemeClr val="accent1"/>
+            </a:lnRef>
+            <a:fillRef idx="0">
+              <a:schemeClr val="accent1"/>
+            </a:fillRef>
+            <a:effectRef idx="0">
+              <a:schemeClr val="accent1"/>
+            </a:effectRef>
+            <a:fontRef idx="minor">
+              <a:schemeClr val="tx1"/>
+            </a:fontRef>
+          </p:style>
+          <p:txBody>
+            <a:bodyPr rtlCol="0" anchor="ctr"/>
+            <a:lstStyle/>
+            <a:p>
+              <a:pPr algn="ctr"/>
+              <a:endParaRPr lang="en-US"/>
+            </a:p>
+          </p:txBody>
+        </p:sp>
+        <p:cxnSp>
+          <p:nvCxnSpPr>
+            <p:cNvPr id="4" name="Straight Connector 3">
+              <a:extLst>
+                <a:ext uri="{FF2B5EF4-FFF2-40B4-BE49-F238E27FC236}">
+                  <a16:creationId xmlns:a16="http://schemas.microsoft.com/office/drawing/2014/main" id="{B190E348-1BF3-1F76-B25F-57879626544A}"/>
+                </a:ext>
+              </a:extLst>
+            </p:cNvPr>
+            <p:cNvCxnSpPr>
+              <a:cxnSpLocks/>
+            </p:cNvCxnSpPr>
+            <p:nvPr/>
+          </p:nvCxnSpPr>
+          <p:spPr>
+            <a:xfrm flipV="1">
+              <a:off x="9112578" y="276424"/>
+              <a:ext cx="0" cy="6154325"/>
+            </a:xfrm>
+            <a:prstGeom prst="line">
+              <a:avLst/>
+            </a:prstGeom>
+            <a:ln w="25400">
+              <a:solidFill>
+                <a:srgbClr val="FF0000"/>
+              </a:solidFill>
+            </a:ln>
+          </p:spPr>
+          <p:style>
+            <a:lnRef idx="1">
+              <a:schemeClr val="accent1"/>
+            </a:lnRef>
+            <a:fillRef idx="0">
+              <a:schemeClr val="accent1"/>
+            </a:fillRef>
+            <a:effectRef idx="0">
+              <a:schemeClr val="accent1"/>
+            </a:effectRef>
+            <a:fontRef idx="minor">
+              <a:schemeClr val="tx1"/>
+            </a:fontRef>
+          </p:style>
+        </p:cxnSp>
+        <p:cxnSp>
+          <p:nvCxnSpPr>
+            <p:cNvPr id="5" name="Straight Connector 4">
+              <a:extLst>
+                <a:ext uri="{FF2B5EF4-FFF2-40B4-BE49-F238E27FC236}">
+                  <a16:creationId xmlns:a16="http://schemas.microsoft.com/office/drawing/2014/main" id="{11D19A15-1470-C970-84E5-EDDA59B45F75}"/>
+                </a:ext>
+              </a:extLst>
+            </p:cNvPr>
+            <p:cNvCxnSpPr>
+              <a:cxnSpLocks/>
+              <a:stCxn id="12" idx="2"/>
+            </p:cNvCxnSpPr>
+            <p:nvPr/>
+          </p:nvCxnSpPr>
+          <p:spPr>
+            <a:xfrm flipV="1">
+              <a:off x="9693977" y="2279806"/>
+              <a:ext cx="909960" cy="4150943"/>
+            </a:xfrm>
+            <a:prstGeom prst="line">
+              <a:avLst/>
+            </a:prstGeom>
+            <a:ln w="25400">
+              <a:solidFill>
+                <a:srgbClr val="FF0000"/>
+              </a:solidFill>
+            </a:ln>
+          </p:spPr>
+          <p:style>
+            <a:lnRef idx="1">
+              <a:schemeClr val="accent1"/>
+            </a:lnRef>
+            <a:fillRef idx="0">
+              <a:schemeClr val="accent1"/>
+            </a:fillRef>
+            <a:effectRef idx="0">
+              <a:schemeClr val="accent1"/>
+            </a:effectRef>
+            <a:fontRef idx="minor">
+              <a:schemeClr val="tx1"/>
+            </a:fontRef>
+          </p:style>
+        </p:cxnSp>
+        <p:sp>
+          <p:nvSpPr>
+            <p:cNvPr id="36" name="Arc 35">
+              <a:extLst>
+                <a:ext uri="{FF2B5EF4-FFF2-40B4-BE49-F238E27FC236}">
+                  <a16:creationId xmlns:a16="http://schemas.microsoft.com/office/drawing/2014/main" id="{7284962D-7E97-BCCE-4396-8077A5BB212A}"/>
+                </a:ext>
+              </a:extLst>
+            </p:cNvPr>
+            <p:cNvSpPr/>
+            <p:nvPr/>
+          </p:nvSpPr>
+          <p:spPr>
+            <a:xfrm>
+              <a:off x="8759568" y="5503223"/>
+              <a:ext cx="1345201" cy="761856"/>
+            </a:xfrm>
+            <a:prstGeom prst="arc">
+              <a:avLst>
+                <a:gd name="adj1" fmla="val 13563517"/>
+                <a:gd name="adj2" fmla="val 19879267"/>
+              </a:avLst>
+            </a:prstGeom>
+            <a:ln w="25400">
+              <a:solidFill>
+                <a:srgbClr val="FF0000"/>
+              </a:solidFill>
+              <a:tailEnd type="triangle" w="lg" len="lg"/>
+            </a:ln>
+          </p:spPr>
+          <p:style>
+            <a:lnRef idx="1">
+              <a:schemeClr val="accent1"/>
+            </a:lnRef>
+            <a:fillRef idx="0">
+              <a:schemeClr val="accent1"/>
+            </a:fillRef>
+            <a:effectRef idx="0">
+              <a:schemeClr val="accent1"/>
+            </a:effectRef>
+            <a:fontRef idx="minor">
+              <a:schemeClr val="tx1"/>
+            </a:fontRef>
+          </p:style>
+          <p:txBody>
+            <a:bodyPr rtlCol="0" anchor="ctr"/>
+            <a:lstStyle/>
+            <a:p>
+              <a:pPr algn="ctr"/>
+              <a:endParaRPr lang="en-US"/>
+            </a:p>
+          </p:txBody>
+        </p:sp>
+      </p:grpSp>
+      <p:sp>
+        <p:nvSpPr>
+          <p:cNvPr id="26" name="TextBox 25">
+            <a:extLst>
+              <a:ext uri="{FF2B5EF4-FFF2-40B4-BE49-F238E27FC236}">
+                <a16:creationId xmlns:a16="http://schemas.microsoft.com/office/drawing/2014/main" id="{6BE52CB9-111C-1AB5-5047-4CE6ADA3F5B4}"/>
+              </a:ext>
+            </a:extLst>
+          </p:cNvPr>
+          <p:cNvSpPr txBox="1"/>
+          <p:nvPr/>
+        </p:nvSpPr>
+        <p:spPr>
+          <a:xfrm>
+            <a:off x="8845941" y="2232190"/>
+            <a:ext cx="657681" cy="461665"/>
+          </a:xfrm>
+          <a:prstGeom prst="rect">
+            <a:avLst/>
+          </a:prstGeom>
+          <a:noFill/>
+        </p:spPr>
+        <p:txBody>
+          <a:bodyPr wrap="none" rtlCol="0">
+            <a:spAutoFit/>
+          </a:bodyPr>
+          <a:lstStyle/>
+          <a:p>
+            <a:r>
+              <a:rPr lang="en-US" sz="2400" b="1" dirty="0">
+                <a:solidFill>
+                  <a:srgbClr val="FF0000"/>
+                </a:solidFill>
+              </a:rPr>
+              <a:t>R</a:t>
+            </a:r>
+            <a:r>
+              <a:rPr lang="en-US" sz="2400" b="1" baseline="-25000" dirty="0">
+                <a:solidFill>
+                  <a:srgbClr val="FF0000"/>
+                </a:solidFill>
+              </a:rPr>
+              <a:t>RW</a:t>
+            </a:r>
+          </a:p>
+        </p:txBody>
+      </p:sp>
+      <p:sp>
+        <p:nvSpPr>
+          <p:cNvPr id="27" name="TextBox 26">
+            <a:extLst>
+              <a:ext uri="{FF2B5EF4-FFF2-40B4-BE49-F238E27FC236}">
+                <a16:creationId xmlns:a16="http://schemas.microsoft.com/office/drawing/2014/main" id="{85C90A73-2126-C197-D29C-6AE3F620DE2F}"/>
+              </a:ext>
+            </a:extLst>
+          </p:cNvPr>
+          <p:cNvSpPr txBox="1"/>
+          <p:nvPr/>
+        </p:nvSpPr>
+        <p:spPr>
+          <a:xfrm>
+            <a:off x="0" y="76273"/>
+            <a:ext cx="3810000" cy="523220"/>
+          </a:xfrm>
+          <a:prstGeom prst="rect">
+            <a:avLst/>
+          </a:prstGeom>
+          <a:noFill/>
+        </p:spPr>
+        <p:txBody>
+          <a:bodyPr wrap="square" rtlCol="0">
+            <a:spAutoFit/>
+          </a:bodyPr>
+          <a:lstStyle/>
+          <a:p>
+            <a:r>
+              <a:rPr lang="en-US" sz="2800" b="1" dirty="0"/>
+              <a:t>Finally ,we have </a:t>
+            </a:r>
+          </a:p>
+        </p:txBody>
+      </p:sp>
+      <p:sp>
+        <p:nvSpPr>
+          <p:cNvPr id="34" name="Arc 33">
+            <a:extLst>
+              <a:ext uri="{FF2B5EF4-FFF2-40B4-BE49-F238E27FC236}">
+                <a16:creationId xmlns:a16="http://schemas.microsoft.com/office/drawing/2014/main" id="{F5E57B22-90A0-3AF8-E355-1CE24301639B}"/>
+              </a:ext>
+            </a:extLst>
+          </p:cNvPr>
+          <p:cNvSpPr/>
+          <p:nvPr/>
+        </p:nvSpPr>
+        <p:spPr>
+          <a:xfrm flipV="1">
+            <a:off x="9078367" y="247256"/>
+            <a:ext cx="1739744" cy="975903"/>
+          </a:xfrm>
+          <a:prstGeom prst="arc">
+            <a:avLst>
+              <a:gd name="adj1" fmla="val 16422786"/>
+              <a:gd name="adj2" fmla="val 19090865"/>
+            </a:avLst>
+          </a:prstGeom>
+          <a:ln w="25400">
+            <a:solidFill>
+              <a:srgbClr val="FF0000"/>
+            </a:solidFill>
+            <a:tailEnd type="triangle" w="lg" len="lg"/>
+          </a:ln>
+        </p:spPr>
+        <p:style>
+          <a:lnRef idx="1">
+            <a:schemeClr val="accent1"/>
+          </a:lnRef>
+          <a:fillRef idx="0">
+            <a:schemeClr val="accent1"/>
+          </a:fillRef>
+          <a:effectRef idx="0">
+            <a:schemeClr val="accent1"/>
+          </a:effectRef>
+          <a:fontRef idx="minor">
+            <a:schemeClr val="tx1"/>
+          </a:fontRef>
+        </p:style>
+        <p:txBody>
+          <a:bodyPr rtlCol="0" anchor="ctr"/>
+          <a:lstStyle/>
+          <a:p>
+            <a:pPr algn="ctr"/>
+            <a:endParaRPr lang="en-US"/>
+          </a:p>
+        </p:txBody>
+      </p:sp>
+      <p:sp>
+        <p:nvSpPr>
+          <p:cNvPr id="35" name="Arc 34">
+            <a:extLst>
+              <a:ext uri="{FF2B5EF4-FFF2-40B4-BE49-F238E27FC236}">
+                <a16:creationId xmlns:a16="http://schemas.microsoft.com/office/drawing/2014/main" id="{0E8FB807-2CB9-6081-FD8B-4CF69937E348}"/>
+              </a:ext>
+            </a:extLst>
+          </p:cNvPr>
+          <p:cNvSpPr/>
+          <p:nvPr/>
+        </p:nvSpPr>
+        <p:spPr>
+          <a:xfrm flipV="1">
+            <a:off x="9115933" y="989846"/>
+            <a:ext cx="1739744" cy="975903"/>
+          </a:xfrm>
+          <a:prstGeom prst="arc">
+            <a:avLst>
+              <a:gd name="adj1" fmla="val 16028661"/>
+              <a:gd name="adj2" fmla="val 17510083"/>
+            </a:avLst>
+          </a:prstGeom>
+          <a:ln w="25400">
+            <a:solidFill>
+              <a:srgbClr val="FF0000"/>
+            </a:solidFill>
+            <a:tailEnd type="triangle" w="lg" len="lg"/>
+          </a:ln>
+        </p:spPr>
+        <p:style>
+          <a:lnRef idx="1">
+            <a:schemeClr val="accent1"/>
+          </a:lnRef>
+          <a:fillRef idx="0">
+            <a:schemeClr val="accent1"/>
+          </a:fillRef>
+          <a:effectRef idx="0">
+            <a:schemeClr val="accent1"/>
+          </a:effectRef>
+          <a:fontRef idx="minor">
+            <a:schemeClr val="tx1"/>
+          </a:fontRef>
+        </p:style>
+        <p:txBody>
+          <a:bodyPr rtlCol="0" anchor="ctr"/>
+          <a:lstStyle/>
+          <a:p>
+            <a:pPr algn="ctr"/>
+            <a:endParaRPr lang="en-US"/>
+          </a:p>
+        </p:txBody>
+      </p:sp>
+      <mc:AlternateContent xmlns:mc="http://schemas.openxmlformats.org/markup-compatibility/2006" xmlns:a14="http://schemas.microsoft.com/office/drawing/2010/main">
+        <mc:Choice Requires="a14">
+          <p:sp>
+            <p:nvSpPr>
+              <p:cNvPr id="37" name="TextBox 36">
+                <a:extLst>
+                  <a:ext uri="{FF2B5EF4-FFF2-40B4-BE49-F238E27FC236}">
+                    <a16:creationId xmlns:a16="http://schemas.microsoft.com/office/drawing/2014/main" id="{414E8666-D0BF-2414-8670-C582A4BD4F78}"/>
+                  </a:ext>
+                </a:extLst>
+              </p:cNvPr>
+              <p:cNvSpPr txBox="1"/>
+              <p:nvPr/>
+            </p:nvSpPr>
+            <p:spPr>
+              <a:xfrm>
+                <a:off x="5299226" y="4430497"/>
+                <a:ext cx="3567384" cy="2585323"/>
+              </a:xfrm>
+              <a:prstGeom prst="rect">
+                <a:avLst/>
+              </a:prstGeom>
+              <a:noFill/>
+            </p:spPr>
+            <p:txBody>
+              <a:bodyPr wrap="square" rtlCol="0">
+                <a:spAutoFit/>
+              </a:bodyPr>
+              <a:lstStyle/>
+              <a:p>
+                <a:pPr marL="285750" indent="-285750">
+                  <a:buFont typeface="Arial" panose="020B0604020202020204" pitchFamily="34" charset="0"/>
+                  <a:buChar char="•"/>
+                </a:pPr>
+                <a:r>
+                  <a:rPr lang="en-US" dirty="0"/>
+                  <a:t>For receiver carriage with four axis ,we can arrange the focus distance :</a:t>
+                </a:r>
+                <a:r>
+                  <a:rPr lang="en-US" u="sng" dirty="0" err="1"/>
+                  <a:t>Z</a:t>
+                </a:r>
+                <a:r>
+                  <a:rPr lang="en-US" baseline="-25000" dirty="0" err="1"/>
+                  <a:t>IR</a:t>
+                </a:r>
+                <a:r>
+                  <a:rPr lang="en-US" dirty="0" err="1"/>
+                  <a:t>,the</a:t>
+                </a:r>
+                <a:r>
+                  <a:rPr lang="en-US" dirty="0"/>
+                  <a:t> toroidal angle </a:t>
+                </a:r>
+                <a:r>
+                  <a:rPr lang="en-US" altLang="zh-CN" dirty="0"/>
+                  <a:t>α </a:t>
+                </a:r>
+                <a:r>
+                  <a:rPr lang="zh-CN" altLang="en-US" dirty="0"/>
+                  <a:t>，</a:t>
+                </a:r>
+                <a:r>
+                  <a:rPr lang="en-US" altLang="zh-CN" dirty="0"/>
+                  <a:t>the poloidal tilt angle :</a:t>
+                </a:r>
+                <a14:m>
+                  <m:oMath xmlns:m="http://schemas.openxmlformats.org/officeDocument/2006/math">
+                    <m:sSub>
+                      <m:sSubPr>
+                        <m:ctrlPr>
+                          <a:rPr lang="en-US" altLang="zh-CN" b="0" i="1" smtClean="0">
+                            <a:latin typeface="Cambria Math" panose="02040503050406030204" pitchFamily="18" charset="0"/>
+                          </a:rPr>
+                        </m:ctrlPr>
+                      </m:sSubPr>
+                      <m:e>
+                        <m:r>
+                          <a:rPr lang="en-US" altLang="zh-CN" b="0" i="1" smtClean="0">
+                            <a:latin typeface="Cambria Math" panose="02040503050406030204" pitchFamily="18" charset="0"/>
+                          </a:rPr>
+                          <m:t>𝜃</m:t>
+                        </m:r>
+                      </m:e>
+                      <m:sub>
+                        <m:r>
+                          <a:rPr lang="en-US" altLang="zh-CN" b="0" i="1" smtClean="0">
+                            <a:latin typeface="Cambria Math" panose="02040503050406030204" pitchFamily="18" charset="0"/>
+                          </a:rPr>
+                          <m:t>𝑡𝑖𝑙𝑡</m:t>
+                        </m:r>
+                      </m:sub>
+                    </m:sSub>
+                  </m:oMath>
+                </a14:m>
+                <a:r>
+                  <a:rPr lang="en-US" dirty="0"/>
+                  <a:t> and the antenna height Z .input(</a:t>
+                </a:r>
+                <a:r>
+                  <a:rPr lang="en-US" u="sng" dirty="0"/>
+                  <a:t>Z</a:t>
+                </a:r>
+                <a:r>
+                  <a:rPr lang="en-US" baseline="-25000" dirty="0"/>
+                  <a:t>IR</a:t>
+                </a:r>
+                <a:r>
+                  <a:rPr lang="en-US" dirty="0"/>
+                  <a:t>,</a:t>
+                </a:r>
+                <a:r>
+                  <a:rPr lang="en-US" altLang="zh-CN" dirty="0"/>
+                  <a:t> α,</a:t>
+                </a:r>
+                <a:r>
+                  <a:rPr lang="en-US" altLang="zh-CN" b="0" dirty="0"/>
+                  <a:t> </a:t>
+                </a:r>
+                <a14:m>
+                  <m:oMath xmlns:m="http://schemas.openxmlformats.org/officeDocument/2006/math">
+                    <m:sSub>
+                      <m:sSubPr>
+                        <m:ctrlPr>
+                          <a:rPr lang="en-US" altLang="zh-CN" b="0" i="1" smtClean="0">
+                            <a:latin typeface="Cambria Math" panose="02040503050406030204" pitchFamily="18" charset="0"/>
+                          </a:rPr>
+                        </m:ctrlPr>
+                      </m:sSubPr>
+                      <m:e>
+                        <m:r>
+                          <a:rPr lang="en-US" altLang="zh-CN" b="0" i="1" smtClean="0">
+                            <a:latin typeface="Cambria Math" panose="02040503050406030204" pitchFamily="18" charset="0"/>
+                          </a:rPr>
+                          <m:t>𝜃</m:t>
+                        </m:r>
+                      </m:e>
+                      <m:sub>
+                        <m:r>
+                          <a:rPr lang="en-US" altLang="zh-CN" b="0" i="1" smtClean="0">
+                            <a:latin typeface="Cambria Math" panose="02040503050406030204" pitchFamily="18" charset="0"/>
+                          </a:rPr>
+                          <m:t>𝑡𝑖𝑙𝑡</m:t>
+                        </m:r>
+                      </m:sub>
+                    </m:sSub>
+                  </m:oMath>
+                </a14:m>
+                <a:r>
+                  <a:rPr lang="en-US" dirty="0"/>
+                  <a:t> ,Z) we will get the IR position(</a:t>
+                </a:r>
+                <a:r>
+                  <a:rPr lang="el-GR" dirty="0"/>
+                  <a:t>ψ</a:t>
+                </a:r>
+                <a:r>
+                  <a:rPr lang="en-US" baseline="-25000" dirty="0"/>
+                  <a:t>RA</a:t>
+                </a:r>
+                <a:r>
+                  <a:rPr lang="en-US" dirty="0"/>
+                  <a:t> , </a:t>
+                </a:r>
+                <a:r>
+                  <a:rPr lang="en-US" dirty="0" err="1"/>
+                  <a:t>R</a:t>
+                </a:r>
+                <a:r>
+                  <a:rPr lang="en-US" baseline="-25000" dirty="0" err="1"/>
+                  <a:t>IR</a:t>
+                </a:r>
+                <a:r>
+                  <a:rPr lang="en-US" dirty="0" err="1"/>
+                  <a:t>,z</a:t>
+                </a:r>
+                <a:r>
+                  <a:rPr lang="en-US" dirty="0"/>
+                  <a:t>) and receiver angle </a:t>
+                </a:r>
+                <a:r>
+                  <a:rPr lang="el-GR" dirty="0"/>
+                  <a:t>ψ</a:t>
+                </a:r>
+                <a:r>
+                  <a:rPr lang="en-US" baseline="-25000" dirty="0"/>
+                  <a:t>R</a:t>
+                </a:r>
+                <a:endParaRPr lang="en-US" dirty="0"/>
+              </a:p>
+              <a:p>
+                <a:pPr marL="285750" indent="-285750">
+                  <a:buFont typeface="Arial" panose="020B0604020202020204" pitchFamily="34" charset="0"/>
+                  <a:buChar char="•"/>
+                </a:pPr>
+                <a:endParaRPr lang="en-US" dirty="0"/>
+              </a:p>
+            </p:txBody>
+          </p:sp>
+        </mc:Choice>
+        <mc:Fallback xmlns="">
+          <p:sp>
+            <p:nvSpPr>
+              <p:cNvPr id="37" name="TextBox 36">
+                <a:extLst>
+                  <a:ext uri="{FF2B5EF4-FFF2-40B4-BE49-F238E27FC236}">
+                    <a16:creationId xmlns:a16="http://schemas.microsoft.com/office/drawing/2014/main" id="{414E8666-D0BF-2414-8670-C582A4BD4F78}"/>
+                  </a:ext>
+                </a:extLst>
+              </p:cNvPr>
+              <p:cNvSpPr txBox="1">
+                <a:spLocks noRot="1" noChangeAspect="1" noMove="1" noResize="1" noEditPoints="1" noAdjustHandles="1" noChangeArrowheads="1" noChangeShapeType="1" noTextEdit="1"/>
+              </p:cNvSpPr>
+              <p:nvPr/>
+            </p:nvSpPr>
+            <p:spPr>
+              <a:xfrm>
+                <a:off x="5299226" y="4430497"/>
+                <a:ext cx="3567384" cy="2585323"/>
+              </a:xfrm>
+              <a:prstGeom prst="rect">
+                <a:avLst/>
+              </a:prstGeom>
+              <a:blipFill>
+                <a:blip r:embed="rId3"/>
+                <a:stretch>
+                  <a:fillRect l="-1026" t="-1179"/>
+                </a:stretch>
+              </a:blipFill>
+            </p:spPr>
+            <p:txBody>
+              <a:bodyPr/>
+              <a:lstStyle/>
+              <a:p>
+                <a:r>
+                  <a:rPr lang="en-US">
+                    <a:noFill/>
+                  </a:rPr>
+                  <a:t> </a:t>
+                </a:r>
+              </a:p>
+            </p:txBody>
+          </p:sp>
+        </mc:Fallback>
+      </mc:AlternateContent>
+      <p:sp>
+        <p:nvSpPr>
+          <p:cNvPr id="39" name="TextBox 38">
+            <a:extLst>
+              <a:ext uri="{FF2B5EF4-FFF2-40B4-BE49-F238E27FC236}">
+                <a16:creationId xmlns:a16="http://schemas.microsoft.com/office/drawing/2014/main" id="{376ADFA8-B205-3234-961C-FA806B7CF960}"/>
+              </a:ext>
+            </a:extLst>
+          </p:cNvPr>
+          <p:cNvSpPr txBox="1"/>
+          <p:nvPr/>
+        </p:nvSpPr>
+        <p:spPr>
+          <a:xfrm>
+            <a:off x="161393" y="670415"/>
+            <a:ext cx="5164997" cy="6234271"/>
+          </a:xfrm>
+          <a:prstGeom prst="rect">
+            <a:avLst/>
+          </a:prstGeom>
+          <a:noFill/>
+        </p:spPr>
+        <p:txBody>
+          <a:bodyPr wrap="square" rtlCol="0">
+            <a:spAutoFit/>
+          </a:bodyPr>
+          <a:lstStyle/>
+          <a:p>
+            <a:pPr marL="512763" indent="-512763">
+              <a:lnSpc>
+                <a:spcPct val="90000"/>
+              </a:lnSpc>
+              <a:spcBef>
+                <a:spcPts val="600"/>
+              </a:spcBef>
+            </a:pPr>
+            <a:r>
+              <a:rPr lang="en-US" sz="1600" dirty="0" err="1">
+                <a:solidFill>
+                  <a:schemeClr val="bg1">
+                    <a:lumMod val="50000"/>
+                  </a:schemeClr>
+                </a:solidFill>
+              </a:rPr>
+              <a:t>x</a:t>
+            </a:r>
+            <a:r>
+              <a:rPr lang="en-US" sz="1600" baseline="-25000" dirty="0" err="1">
+                <a:solidFill>
+                  <a:schemeClr val="bg1">
+                    <a:lumMod val="50000"/>
+                  </a:schemeClr>
+                </a:solidFill>
+              </a:rPr>
+              <a:t>RW</a:t>
+            </a:r>
+            <a:r>
+              <a:rPr lang="en-US" sz="1600" dirty="0">
+                <a:solidFill>
+                  <a:schemeClr val="bg1">
+                    <a:lumMod val="50000"/>
+                  </a:schemeClr>
+                </a:solidFill>
+              </a:rPr>
+              <a:t> = x-axis offset of receiver beam on window</a:t>
+            </a:r>
+            <a:br>
+              <a:rPr lang="en-US" sz="1600" dirty="0">
+                <a:solidFill>
+                  <a:schemeClr val="bg1">
+                    <a:lumMod val="50000"/>
+                  </a:schemeClr>
+                </a:solidFill>
+              </a:rPr>
+            </a:br>
+            <a:r>
+              <a:rPr lang="en-US" sz="1600" dirty="0">
+                <a:solidFill>
+                  <a:schemeClr val="bg1">
+                    <a:lumMod val="50000"/>
+                  </a:schemeClr>
+                </a:solidFill>
+              </a:rPr>
+              <a:t>(nominally half of window width or 58 mm)</a:t>
+            </a:r>
+          </a:p>
+          <a:p>
+            <a:pPr marL="512763" indent="-512763">
+              <a:lnSpc>
+                <a:spcPct val="90000"/>
+              </a:lnSpc>
+              <a:spcBef>
+                <a:spcPts val="600"/>
+              </a:spcBef>
+            </a:pPr>
+            <a:r>
+              <a:rPr lang="el-GR" sz="1600" dirty="0">
+                <a:solidFill>
+                  <a:schemeClr val="bg1">
+                    <a:lumMod val="50000"/>
+                  </a:schemeClr>
+                </a:solidFill>
+              </a:rPr>
+              <a:t>φ</a:t>
+            </a:r>
+            <a:r>
+              <a:rPr lang="en-US" sz="1600" baseline="-25000" dirty="0">
+                <a:solidFill>
+                  <a:schemeClr val="bg1">
+                    <a:lumMod val="50000"/>
+                  </a:schemeClr>
+                </a:solidFill>
+              </a:rPr>
+              <a:t>RA</a:t>
+            </a:r>
+            <a:r>
+              <a:rPr lang="en-US" sz="1600" dirty="0">
+                <a:solidFill>
+                  <a:schemeClr val="bg1">
+                    <a:lumMod val="50000"/>
+                  </a:schemeClr>
+                </a:solidFill>
+              </a:rPr>
+              <a:t> = horizontal tilt of receiver array and optics</a:t>
+            </a:r>
+            <a:br>
+              <a:rPr lang="en-US" sz="1600" dirty="0">
+                <a:solidFill>
+                  <a:schemeClr val="bg1">
+                    <a:lumMod val="50000"/>
+                  </a:schemeClr>
+                </a:solidFill>
+              </a:rPr>
+            </a:br>
+            <a:r>
+              <a:rPr lang="en-US" sz="1600" dirty="0">
+                <a:solidFill>
+                  <a:schemeClr val="bg1">
+                    <a:lumMod val="50000"/>
+                  </a:schemeClr>
+                </a:solidFill>
+              </a:rPr>
+              <a:t>(between 11.39 and 15.39°)</a:t>
+            </a:r>
+          </a:p>
+          <a:p>
+            <a:pPr marL="512763" indent="-512763">
+              <a:lnSpc>
+                <a:spcPct val="90000"/>
+              </a:lnSpc>
+              <a:spcBef>
+                <a:spcPts val="600"/>
+              </a:spcBef>
+            </a:pPr>
+            <a:r>
+              <a:rPr lang="en-US" sz="1600" dirty="0" err="1">
+                <a:solidFill>
+                  <a:schemeClr val="bg1">
+                    <a:lumMod val="50000"/>
+                  </a:schemeClr>
+                </a:solidFill>
+              </a:rPr>
+              <a:t>z</a:t>
+            </a:r>
+            <a:r>
+              <a:rPr lang="en-US" sz="1600" baseline="-25000" dirty="0" err="1">
+                <a:solidFill>
+                  <a:schemeClr val="bg1">
+                    <a:lumMod val="50000"/>
+                  </a:schemeClr>
+                </a:solidFill>
+              </a:rPr>
+              <a:t>IR</a:t>
+            </a:r>
+            <a:r>
+              <a:rPr lang="en-US" sz="1600" dirty="0">
+                <a:solidFill>
+                  <a:schemeClr val="bg1">
+                    <a:lumMod val="50000"/>
+                  </a:schemeClr>
+                </a:solidFill>
+              </a:rPr>
+              <a:t> = distance from window to interaction region</a:t>
+            </a:r>
+            <a:br>
+              <a:rPr lang="en-US" sz="1600" dirty="0">
+                <a:solidFill>
+                  <a:schemeClr val="bg1">
+                    <a:lumMod val="50000"/>
+                  </a:schemeClr>
+                </a:solidFill>
+              </a:rPr>
+            </a:br>
+            <a:r>
+              <a:rPr lang="en-US" sz="1600" dirty="0">
+                <a:solidFill>
+                  <a:schemeClr val="bg1">
+                    <a:lumMod val="50000"/>
+                  </a:schemeClr>
+                </a:solidFill>
+              </a:rPr>
+              <a:t>(between 200 and 850 mm)</a:t>
+            </a:r>
+          </a:p>
+          <a:p>
+            <a:pPr marL="512763" indent="-512763">
+              <a:lnSpc>
+                <a:spcPct val="90000"/>
+              </a:lnSpc>
+              <a:spcBef>
+                <a:spcPts val="600"/>
+              </a:spcBef>
+            </a:pPr>
+            <a:r>
+              <a:rPr lang="en-US" sz="1600" u="sng" dirty="0" err="1">
+                <a:solidFill>
+                  <a:schemeClr val="bg1">
+                    <a:lumMod val="50000"/>
+                  </a:schemeClr>
+                </a:solidFill>
+              </a:rPr>
+              <a:t>z</a:t>
+            </a:r>
+            <a:r>
+              <a:rPr lang="en-US" sz="1600" baseline="-25000" dirty="0" err="1">
+                <a:solidFill>
+                  <a:schemeClr val="bg1">
+                    <a:lumMod val="50000"/>
+                  </a:schemeClr>
+                </a:solidFill>
+              </a:rPr>
+              <a:t>IR</a:t>
+            </a:r>
+            <a:r>
+              <a:rPr lang="en-US" sz="1600" dirty="0">
+                <a:solidFill>
+                  <a:schemeClr val="bg1">
+                    <a:lumMod val="50000"/>
+                  </a:schemeClr>
+                </a:solidFill>
+              </a:rPr>
+              <a:t> = distance from window to interaction region</a:t>
+            </a:r>
+            <a:br>
+              <a:rPr lang="en-US" sz="1600" dirty="0">
+                <a:solidFill>
+                  <a:schemeClr val="bg1">
+                    <a:lumMod val="50000"/>
+                  </a:schemeClr>
+                </a:solidFill>
+              </a:rPr>
+            </a:br>
+            <a:r>
+              <a:rPr lang="en-US" sz="1600" dirty="0">
+                <a:solidFill>
+                  <a:schemeClr val="bg1">
+                    <a:lumMod val="50000"/>
+                  </a:schemeClr>
+                </a:solidFill>
+              </a:rPr>
+              <a:t>(measured along plasma midplane)</a:t>
+            </a:r>
+          </a:p>
+          <a:p>
+            <a:pPr marL="512763" indent="-512763">
+              <a:lnSpc>
+                <a:spcPct val="90000"/>
+              </a:lnSpc>
+              <a:spcBef>
+                <a:spcPts val="600"/>
+              </a:spcBef>
+            </a:pPr>
+            <a:r>
+              <a:rPr lang="en-US" sz="1600" dirty="0">
+                <a:solidFill>
+                  <a:schemeClr val="bg1">
+                    <a:lumMod val="50000"/>
+                  </a:schemeClr>
+                </a:solidFill>
+              </a:rPr>
+              <a:t>R</a:t>
+            </a:r>
+            <a:r>
+              <a:rPr lang="en-US" sz="1600" baseline="-25000" dirty="0">
+                <a:solidFill>
+                  <a:schemeClr val="bg1">
+                    <a:lumMod val="50000"/>
+                  </a:schemeClr>
+                </a:solidFill>
+              </a:rPr>
+              <a:t>RW</a:t>
+            </a:r>
+            <a:r>
+              <a:rPr lang="en-US" sz="1600" dirty="0">
+                <a:solidFill>
+                  <a:schemeClr val="bg1">
+                    <a:lumMod val="50000"/>
+                  </a:schemeClr>
+                </a:solidFill>
+              </a:rPr>
+              <a:t> = major radius of vacuum window (fixed)1873.5mm</a:t>
+            </a:r>
+          </a:p>
+          <a:p>
+            <a:pPr marL="512763" indent="-512763">
+              <a:lnSpc>
+                <a:spcPct val="90000"/>
+              </a:lnSpc>
+              <a:spcBef>
+                <a:spcPts val="600"/>
+              </a:spcBef>
+            </a:pPr>
+            <a:r>
+              <a:rPr lang="en-US" sz="1600" dirty="0">
+                <a:solidFill>
+                  <a:schemeClr val="bg1">
+                    <a:lumMod val="50000"/>
+                  </a:schemeClr>
+                </a:solidFill>
+              </a:rPr>
+              <a:t>R</a:t>
+            </a:r>
+            <a:r>
+              <a:rPr lang="en-US" sz="1600" baseline="-25000" dirty="0">
+                <a:solidFill>
+                  <a:schemeClr val="bg1">
+                    <a:lumMod val="50000"/>
+                  </a:schemeClr>
+                </a:solidFill>
+              </a:rPr>
+              <a:t>IR</a:t>
+            </a:r>
+            <a:r>
+              <a:rPr lang="en-US" sz="1600" dirty="0">
+                <a:solidFill>
+                  <a:schemeClr val="bg1">
+                    <a:lumMod val="50000"/>
+                  </a:schemeClr>
+                </a:solidFill>
+              </a:rPr>
+              <a:t> = major radius of interaction region</a:t>
+            </a:r>
+          </a:p>
+          <a:p>
+            <a:pPr marL="512763" indent="-512763">
+              <a:lnSpc>
+                <a:spcPct val="90000"/>
+              </a:lnSpc>
+              <a:spcBef>
+                <a:spcPts val="600"/>
+              </a:spcBef>
+            </a:pPr>
+            <a:r>
+              <a:rPr lang="el-GR" sz="1600" dirty="0">
+                <a:solidFill>
+                  <a:schemeClr val="bg1">
+                    <a:lumMod val="50000"/>
+                  </a:schemeClr>
+                </a:solidFill>
+              </a:rPr>
+              <a:t>ψ</a:t>
+            </a:r>
+            <a:r>
+              <a:rPr lang="en-US" sz="1600" baseline="-25000" dirty="0">
+                <a:solidFill>
+                  <a:schemeClr val="bg1">
+                    <a:lumMod val="50000"/>
+                  </a:schemeClr>
+                </a:solidFill>
+              </a:rPr>
+              <a:t>RA</a:t>
+            </a:r>
+            <a:r>
+              <a:rPr lang="en-US" sz="1600" dirty="0">
+                <a:solidFill>
+                  <a:schemeClr val="bg1">
+                    <a:lumMod val="50000"/>
+                  </a:schemeClr>
+                </a:solidFill>
+              </a:rPr>
+              <a:t> = toroidal tilt angle of interaction region</a:t>
+            </a:r>
+            <a:br>
+              <a:rPr lang="en-US" sz="1600" dirty="0">
+                <a:solidFill>
+                  <a:schemeClr val="bg1">
+                    <a:lumMod val="50000"/>
+                  </a:schemeClr>
+                </a:solidFill>
+              </a:rPr>
+            </a:br>
+            <a:r>
+              <a:rPr lang="en-US" sz="1600" dirty="0">
+                <a:solidFill>
+                  <a:schemeClr val="bg1">
+                    <a:lumMod val="50000"/>
+                  </a:schemeClr>
+                </a:solidFill>
+              </a:rPr>
+              <a:t>(</a:t>
+            </a:r>
+            <a:r>
+              <a:rPr lang="en-US" sz="1600" dirty="0" err="1">
+                <a:solidFill>
+                  <a:schemeClr val="bg1">
+                    <a:lumMod val="50000"/>
+                  </a:schemeClr>
+                </a:solidFill>
+              </a:rPr>
+              <a:t>w.r.t.</a:t>
+            </a:r>
+            <a:r>
+              <a:rPr lang="en-US" sz="1600" dirty="0">
+                <a:solidFill>
+                  <a:schemeClr val="bg1">
+                    <a:lumMod val="50000"/>
+                  </a:schemeClr>
+                </a:solidFill>
+              </a:rPr>
+              <a:t> plane of vacuum window)</a:t>
+            </a:r>
+          </a:p>
+          <a:p>
+            <a:pPr marL="512763" indent="-512763">
+              <a:lnSpc>
+                <a:spcPct val="90000"/>
+              </a:lnSpc>
+              <a:spcBef>
+                <a:spcPts val="600"/>
+              </a:spcBef>
+            </a:pPr>
+            <a:r>
+              <a:rPr lang="el-GR" sz="1600" dirty="0">
+                <a:solidFill>
+                  <a:schemeClr val="bg1">
+                    <a:lumMod val="50000"/>
+                  </a:schemeClr>
+                </a:solidFill>
+              </a:rPr>
+              <a:t>ψ</a:t>
+            </a:r>
+            <a:r>
+              <a:rPr lang="en-US" sz="1600" baseline="-25000" dirty="0">
+                <a:solidFill>
+                  <a:schemeClr val="bg1">
+                    <a:lumMod val="50000"/>
+                  </a:schemeClr>
+                </a:solidFill>
+              </a:rPr>
+              <a:t>R</a:t>
+            </a:r>
+            <a:r>
+              <a:rPr lang="en-US" sz="1600" dirty="0">
+                <a:solidFill>
+                  <a:schemeClr val="bg1">
+                    <a:lumMod val="50000"/>
+                  </a:schemeClr>
+                </a:solidFill>
+              </a:rPr>
+              <a:t> = toroidal tilt angle between receiver beam and Radius vector (from torus center)</a:t>
+            </a:r>
+          </a:p>
+          <a:p>
+            <a:pPr marL="512763" indent="-512763">
+              <a:lnSpc>
+                <a:spcPct val="90000"/>
+              </a:lnSpc>
+              <a:spcBef>
+                <a:spcPts val="600"/>
+              </a:spcBef>
+            </a:pPr>
+            <a:r>
+              <a:rPr lang="en-US" sz="1600" dirty="0"/>
+              <a:t>z    =</a:t>
+            </a:r>
+            <a:r>
+              <a:rPr lang="en-US" altLang="zh-CN" sz="1600" dirty="0"/>
+              <a:t> IR height above midplane</a:t>
+            </a:r>
+          </a:p>
+          <a:p>
+            <a:pPr marL="512763" indent="-512763">
+              <a:lnSpc>
+                <a:spcPct val="90000"/>
+              </a:lnSpc>
+              <a:spcBef>
+                <a:spcPts val="600"/>
+              </a:spcBef>
+            </a:pPr>
+            <a:r>
+              <a:rPr lang="en-US" altLang="zh-CN" sz="1600" dirty="0"/>
+              <a:t>Z    = antenna height above midplane</a:t>
+            </a:r>
+          </a:p>
+          <a:p>
+            <a:pPr marL="512763" indent="-512763">
+              <a:lnSpc>
+                <a:spcPct val="90000"/>
+              </a:lnSpc>
+              <a:spcBef>
+                <a:spcPts val="600"/>
+              </a:spcBef>
+            </a:pPr>
+            <a:r>
+              <a:rPr lang="en-US" sz="1600" dirty="0"/>
+              <a:t>Lt   = receiver optical length </a:t>
+            </a:r>
+          </a:p>
+          <a:p>
+            <a:pPr marL="512763" indent="-512763">
+              <a:lnSpc>
+                <a:spcPct val="90000"/>
+              </a:lnSpc>
+              <a:spcBef>
+                <a:spcPts val="600"/>
+              </a:spcBef>
+            </a:pPr>
+            <a:r>
+              <a:rPr lang="en-US" altLang="zh-CN" sz="1600" dirty="0" err="1"/>
+              <a:t>θ</a:t>
+            </a:r>
+            <a:r>
+              <a:rPr lang="en-US" altLang="zh-CN" sz="1600" baseline="-25000" dirty="0" err="1"/>
+              <a:t>tilt</a:t>
+            </a:r>
+            <a:r>
+              <a:rPr lang="en-US" altLang="zh-CN" sz="1600" baseline="-25000" dirty="0"/>
+              <a:t> </a:t>
+            </a:r>
+            <a:r>
+              <a:rPr lang="en-US" altLang="zh-CN" sz="1600" dirty="0"/>
+              <a:t>=</a:t>
+            </a:r>
+            <a:r>
+              <a:rPr lang="en-US" sz="1600" dirty="0"/>
+              <a:t> poloidal tilt angle of receiver optical</a:t>
+            </a:r>
+          </a:p>
+          <a:p>
+            <a:pPr marL="512763" indent="-512763">
+              <a:lnSpc>
+                <a:spcPct val="90000"/>
+              </a:lnSpc>
+              <a:spcBef>
+                <a:spcPts val="600"/>
+              </a:spcBef>
+            </a:pPr>
+            <a:r>
+              <a:rPr lang="en-US" sz="1600" dirty="0"/>
+              <a:t>x ,y = M2(mirror 2) position</a:t>
+            </a:r>
+          </a:p>
+          <a:p>
+            <a:pPr marL="512763" indent="-512763">
+              <a:lnSpc>
+                <a:spcPct val="90000"/>
+              </a:lnSpc>
+              <a:spcBef>
+                <a:spcPts val="600"/>
+              </a:spcBef>
+            </a:pPr>
+            <a:r>
+              <a:rPr lang="en-US" altLang="zh-CN" sz="1600" dirty="0"/>
+              <a:t>α     = </a:t>
+            </a:r>
+            <a:r>
+              <a:rPr lang="en-US" sz="1600" dirty="0"/>
+              <a:t>M2(mirror 2) </a:t>
+            </a:r>
+            <a:r>
+              <a:rPr lang="en-US" altLang="zh-CN" sz="1600" dirty="0"/>
+              <a:t>rotation angle</a:t>
+            </a:r>
+            <a:endParaRPr lang="en-US" sz="1600" dirty="0"/>
+          </a:p>
+          <a:p>
+            <a:pPr marL="512763" indent="-512763">
+              <a:lnSpc>
+                <a:spcPct val="90000"/>
+              </a:lnSpc>
+              <a:spcBef>
+                <a:spcPts val="600"/>
+              </a:spcBef>
+            </a:pPr>
+            <a:endParaRPr lang="en-US" altLang="zh-CN" sz="2000" dirty="0"/>
+          </a:p>
+          <a:p>
+            <a:pPr marL="512763" indent="-512763">
+              <a:lnSpc>
+                <a:spcPct val="90000"/>
+              </a:lnSpc>
+              <a:spcBef>
+                <a:spcPts val="600"/>
+              </a:spcBef>
+            </a:pPr>
+            <a:endParaRPr lang="en-US" sz="2000" dirty="0">
+              <a:solidFill>
+                <a:schemeClr val="bg1">
+                  <a:lumMod val="50000"/>
+                </a:schemeClr>
+              </a:solidFill>
+            </a:endParaRPr>
+          </a:p>
+        </p:txBody>
+      </p:sp>
+    </p:spTree>
+    <p:extLst>
+      <p:ext uri="{BB962C8B-B14F-4D97-AF65-F5344CB8AC3E}">
+        <p14:creationId xmlns:p14="http://schemas.microsoft.com/office/powerpoint/2010/main" val="1242289036"/>
+      </p:ext>
+    </p:extLst>
+  </p:cSld>
+  <p:clrMapOvr>
+    <a:masterClrMapping/>
+  </p:clrMapOvr>
+</p:sld>
+</file>
+
+<file path=ppt/slides/slide8.xml><?xml version="1.0" encoding="utf-8"?>
+<p:sld xmlns:a="http://schemas.openxmlformats.org/drawingml/2006/main" xmlns:r="http://schemas.openxmlformats.org/officeDocument/2006/relationships" xmlns:p="http://schemas.openxmlformats.org/presentationml/2006/main">
+  <p:cSld>
+    <p:spTree>
+      <p:nvGrpSpPr>
+        <p:cNvPr id="1" name=""/>
+        <p:cNvGrpSpPr/>
+        <p:nvPr/>
+      </p:nvGrpSpPr>
+      <p:grpSpPr>
+        <a:xfrm>
+          <a:off x="0" y="0"/>
+          <a:ext cx="0" cy="0"/>
+          <a:chOff x="0" y="0"/>
+          <a:chExt cx="0" cy="0"/>
+        </a:xfrm>
+      </p:grpSpPr>
+      <p:sp>
+        <p:nvSpPr>
+          <p:cNvPr id="2" name="Slide Number Placeholder 1">
+            <a:extLst>
+              <a:ext uri="{FF2B5EF4-FFF2-40B4-BE49-F238E27FC236}">
+                <a16:creationId xmlns:a16="http://schemas.microsoft.com/office/drawing/2014/main" id="{6DF594DC-A1F7-4529-BC57-01C1A2208298}"/>
+              </a:ext>
+            </a:extLst>
+          </p:cNvPr>
+          <p:cNvSpPr>
+            <a:spLocks noGrp="1"/>
+          </p:cNvSpPr>
+          <p:nvPr>
+            <p:ph type="sldNum" sz="quarter" idx="12"/>
+          </p:nvPr>
+        </p:nvSpPr>
+        <p:spPr/>
+        <p:txBody>
+          <a:bodyPr/>
+          <a:lstStyle/>
+          <a:p>
+            <a:fld id="{C8EB1B78-1A80-4349-98CC-41A40981A64A}" type="slidenum">
+              <a:rPr lang="en-US" smtClean="0"/>
+              <a:t>8</a:t>
+            </a:fld>
+            <a:endParaRPr lang="en-US"/>
+          </a:p>
+        </p:txBody>
+      </p:sp>
+      <p:sp>
+        <p:nvSpPr>
+          <p:cNvPr id="4" name="TextBox 3">
+            <a:extLst>
+              <a:ext uri="{FF2B5EF4-FFF2-40B4-BE49-F238E27FC236}">
+                <a16:creationId xmlns:a16="http://schemas.microsoft.com/office/drawing/2014/main" id="{6D7E22F4-A174-4D89-ADA5-B02F1EFE1BD6}"/>
+              </a:ext>
+            </a:extLst>
+          </p:cNvPr>
+          <p:cNvSpPr txBox="1"/>
+          <p:nvPr/>
+        </p:nvSpPr>
+        <p:spPr>
+          <a:xfrm>
+            <a:off x="318875" y="921133"/>
+            <a:ext cx="8126964" cy="2616101"/>
+          </a:xfrm>
+          <a:prstGeom prst="rect">
+            <a:avLst/>
+          </a:prstGeom>
+          <a:noFill/>
+        </p:spPr>
+        <p:txBody>
+          <a:bodyPr wrap="square" rtlCol="0">
+            <a:spAutoFit/>
+          </a:bodyPr>
+          <a:lstStyle/>
+          <a:p>
+            <a:r>
+              <a:rPr lang="en-US" sz="2000" b="1" dirty="0"/>
+              <a:t>alignment procedure:</a:t>
+            </a:r>
+          </a:p>
+          <a:p>
+            <a:pPr marL="342900" indent="-342900">
+              <a:buAutoNum type="arabicPeriod"/>
+            </a:pPr>
+            <a:r>
+              <a:rPr lang="en-US" dirty="0"/>
+              <a:t>Take down the  cylindrical lens and meniscus lens .</a:t>
+            </a:r>
+          </a:p>
+          <a:p>
+            <a:pPr marL="342900" indent="-342900">
+              <a:buAutoNum type="arabicPeriod"/>
+            </a:pPr>
+            <a:r>
+              <a:rPr lang="en-US" dirty="0"/>
+              <a:t>mount the visible laser  on the central of the antenna and adjust the visible laser angle to reach to the center of the  convex lens.</a:t>
+            </a:r>
+          </a:p>
+          <a:p>
+            <a:pPr marL="342900" indent="-342900">
+              <a:buAutoNum type="arabicPeriod"/>
+            </a:pPr>
+            <a:r>
+              <a:rPr lang="en-US" dirty="0"/>
+              <a:t>Take down all the receiver lens and check if  the laser point is at the center of the window.</a:t>
+            </a:r>
+          </a:p>
+          <a:p>
+            <a:pPr marL="342900" indent="-342900">
+              <a:buAutoNum type="arabicPeriod"/>
+            </a:pPr>
+            <a:r>
+              <a:rPr lang="en-US" dirty="0"/>
+              <a:t>If the laser not on the center of the window ,adjust the mirror until the laser point reach at the center of the window.</a:t>
+            </a:r>
+          </a:p>
+          <a:p>
+            <a:pPr marL="342900" indent="-342900">
+              <a:buAutoNum type="arabicPeriod"/>
+            </a:pPr>
+            <a:r>
+              <a:rPr lang="en-US" dirty="0"/>
+              <a:t>Remount the receiver lens  after alignment .</a:t>
+            </a:r>
+          </a:p>
+        </p:txBody>
+      </p:sp>
+    </p:spTree>
+    <p:extLst>
+      <p:ext uri="{BB962C8B-B14F-4D97-AF65-F5344CB8AC3E}">
+        <p14:creationId xmlns:p14="http://schemas.microsoft.com/office/powerpoint/2010/main" val="3720558612"/>
+      </p:ext>
+    </p:extLst>
+  </p:cSld>
+  <p:clrMapOvr>
+    <a:masterClrMapping/>
+  </p:clrMapOvr>
+</p:sld>
+</file>
+
+<file path=ppt/slides/slide9.xml><?xml version="1.0" encoding="utf-8"?>
+<p:sld xmlns:a="http://schemas.openxmlformats.org/drawingml/2006/main" xmlns:r="http://schemas.openxmlformats.org/officeDocument/2006/relationships" xmlns:p="http://schemas.openxmlformats.org/presentationml/2006/main">
+  <p:cSld>
+    <p:spTree>
+      <p:nvGrpSpPr>
+        <p:cNvPr id="1" name=""/>
+        <p:cNvGrpSpPr/>
+        <p:nvPr/>
+      </p:nvGrpSpPr>
+      <p:grpSpPr>
+        <a:xfrm>
+          <a:off x="0" y="0"/>
+          <a:ext cx="0" cy="0"/>
+          <a:chOff x="0" y="0"/>
+          <a:chExt cx="0" cy="0"/>
+        </a:xfrm>
+      </p:grpSpPr>
+      <p:sp>
+        <p:nvSpPr>
+          <p:cNvPr id="2" name="Slide Number Placeholder 1">
+            <a:extLst>
+              <a:ext uri="{FF2B5EF4-FFF2-40B4-BE49-F238E27FC236}">
+                <a16:creationId xmlns:a16="http://schemas.microsoft.com/office/drawing/2014/main" id="{CCD5EF02-7A5E-52F4-67FB-756F8EFE9987}"/>
+              </a:ext>
+            </a:extLst>
+          </p:cNvPr>
+          <p:cNvSpPr>
+            <a:spLocks noGrp="1"/>
+          </p:cNvSpPr>
+          <p:nvPr>
+            <p:ph type="sldNum" sz="quarter" idx="12"/>
+          </p:nvPr>
+        </p:nvSpPr>
+        <p:spPr/>
+        <p:txBody>
+          <a:bodyPr/>
+          <a:lstStyle/>
+          <a:p>
+            <a:fld id="{C8EB1B78-1A80-4349-98CC-41A40981A64A}" type="slidenum">
+              <a:rPr lang="en-US" smtClean="0"/>
+              <a:t>9</a:t>
+            </a:fld>
+            <a:endParaRPr lang="en-US"/>
+          </a:p>
+        </p:txBody>
+      </p:sp>
+      <mc:AlternateContent xmlns:mc="http://schemas.openxmlformats.org/markup-compatibility/2006" xmlns:a14="http://schemas.microsoft.com/office/drawing/2010/main">
+        <mc:Choice Requires="a14">
+          <p:sp>
+            <p:nvSpPr>
+              <p:cNvPr id="71" name="TextBox 70">
+                <a:extLst>
+                  <a:ext uri="{FF2B5EF4-FFF2-40B4-BE49-F238E27FC236}">
+                    <a16:creationId xmlns:a16="http://schemas.microsoft.com/office/drawing/2014/main" id="{E86E818B-46A7-CDFD-750C-44EA86AFCF41}"/>
+                  </a:ext>
+                </a:extLst>
+              </p:cNvPr>
+              <p:cNvSpPr txBox="1"/>
+              <p:nvPr/>
+            </p:nvSpPr>
+            <p:spPr>
+              <a:xfrm>
+                <a:off x="5195151" y="649376"/>
+                <a:ext cx="3840360" cy="4955203"/>
+              </a:xfrm>
+              <a:prstGeom prst="rect">
+                <a:avLst/>
+              </a:prstGeom>
+              <a:noFill/>
+            </p:spPr>
+            <p:txBody>
+              <a:bodyPr wrap="square" rtlCol="0">
+                <a:spAutoFit/>
+              </a:bodyPr>
+              <a:lstStyle/>
+              <a:p>
+                <a:pPr>
+                  <a:lnSpc>
+                    <a:spcPct val="90000"/>
+                  </a:lnSpc>
+                  <a:spcBef>
+                    <a:spcPts val="1200"/>
+                  </a:spcBef>
+                </a:pPr>
+                <a14:m>
+                  <m:oMath xmlns:m="http://schemas.openxmlformats.org/officeDocument/2006/math">
+                    <m:r>
+                      <m:rPr>
+                        <m:nor/>
+                      </m:rPr>
+                      <a:rPr lang="en-US" altLang="zh-CN" dirty="0" smtClean="0"/>
+                      <m:t>Φ</m:t>
+                    </m:r>
+                    <m:r>
+                      <m:rPr>
+                        <m:nor/>
+                      </m:rPr>
+                      <a:rPr lang="en-US" altLang="zh-CN" baseline="-25000" dirty="0" smtClean="0"/>
+                      <m:t>RA</m:t>
+                    </m:r>
+                  </m:oMath>
+                </a14:m>
+                <a:r>
+                  <a:rPr lang="en-US" sz="2000" dirty="0"/>
+                  <a:t>=</a:t>
+                </a:r>
+                <a:r>
+                  <a:rPr lang="en-US" sz="2000" dirty="0" err="1"/>
+                  <a:t>atan</a:t>
+                </a:r>
+                <a:r>
+                  <a:rPr lang="en-US" sz="2000" dirty="0"/>
+                  <a:t>(y/x)+2</a:t>
+                </a:r>
+                <a:r>
+                  <a:rPr lang="en-US" altLang="zh-CN" sz="2000" dirty="0"/>
+                  <a:t>α</a:t>
+                </a:r>
+                <a:endParaRPr lang="en-US" sz="2000" baseline="-25000" dirty="0"/>
+              </a:p>
+              <a:p>
+                <a:pPr>
+                  <a:lnSpc>
+                    <a:spcPct val="90000"/>
+                  </a:lnSpc>
+                  <a:spcBef>
+                    <a:spcPts val="1200"/>
+                  </a:spcBef>
+                </a:pPr>
+                <a:r>
+                  <a:rPr lang="en-US" sz="2000" dirty="0" err="1"/>
+                  <a:t>x</a:t>
+                </a:r>
+                <a:r>
+                  <a:rPr lang="en-US" sz="2000" baseline="-25000" dirty="0" err="1"/>
+                  <a:t>RW</a:t>
+                </a:r>
+                <a:r>
+                  <a:rPr lang="en-US" sz="2000" dirty="0"/>
+                  <a:t>= L</a:t>
+                </a:r>
+                <a:r>
+                  <a:rPr lang="en-US" sz="2000" baseline="-25000" dirty="0"/>
+                  <a:t>off-axis</a:t>
+                </a:r>
+                <a:r>
+                  <a:rPr lang="en-US" sz="2000" dirty="0"/>
+                  <a:t>-(x-y</a:t>
+                </a:r>
+                <a:r>
+                  <a:rPr lang="en-US" altLang="zh-CN" sz="2000" dirty="0"/>
+                  <a:t>·tan(Φ</a:t>
+                </a:r>
+                <a:r>
+                  <a:rPr lang="en-US" altLang="zh-CN" sz="2000" baseline="-25000" dirty="0"/>
+                  <a:t>RA</a:t>
+                </a:r>
+                <a:r>
+                  <a:rPr lang="en-US" altLang="zh-CN" sz="2000" dirty="0"/>
+                  <a:t>))</a:t>
+                </a:r>
+                <a:br>
+                  <a:rPr lang="en-US" sz="2000" dirty="0"/>
+                </a:br>
+                <a:r>
+                  <a:rPr lang="el-GR" sz="2000" dirty="0"/>
+                  <a:t>ψ</a:t>
+                </a:r>
+                <a:r>
+                  <a:rPr lang="en-US" sz="2000" baseline="-25000" dirty="0"/>
+                  <a:t>X</a:t>
+                </a:r>
+                <a:r>
+                  <a:rPr lang="en-US" sz="2000" dirty="0"/>
+                  <a:t> = tan</a:t>
+                </a:r>
+                <a:r>
+                  <a:rPr lang="en-US" sz="2000" baseline="30000" dirty="0"/>
+                  <a:t>‒1</a:t>
+                </a:r>
+                <a:r>
+                  <a:rPr lang="en-US" sz="2000" dirty="0"/>
+                  <a:t>(</a:t>
+                </a:r>
+                <a:r>
+                  <a:rPr lang="en-US" sz="2000" dirty="0" err="1"/>
+                  <a:t>x</a:t>
+                </a:r>
+                <a:r>
+                  <a:rPr lang="en-US" sz="2000" baseline="-25000" dirty="0" err="1"/>
+                  <a:t>RW</a:t>
+                </a:r>
+                <a:r>
+                  <a:rPr lang="en-US" sz="2000" dirty="0"/>
+                  <a:t>/R</a:t>
+                </a:r>
+                <a:r>
+                  <a:rPr lang="en-US" sz="2000" baseline="-25000" dirty="0"/>
+                  <a:t>RW</a:t>
+                </a:r>
+                <a:r>
+                  <a:rPr lang="en-US" sz="2000" dirty="0"/>
+                  <a:t>)</a:t>
+                </a:r>
+              </a:p>
+              <a:p>
+                <a:pPr marL="512763" indent="-512763">
+                  <a:lnSpc>
+                    <a:spcPct val="90000"/>
+                  </a:lnSpc>
+                  <a:spcBef>
+                    <a:spcPts val="1200"/>
+                  </a:spcBef>
+                </a:pPr>
+                <a:r>
+                  <a:rPr lang="el-GR" sz="2000" u="sng" dirty="0"/>
+                  <a:t>φ</a:t>
+                </a:r>
+                <a:r>
+                  <a:rPr lang="en-US" sz="2000" baseline="-25000" dirty="0"/>
+                  <a:t>RA</a:t>
+                </a:r>
+                <a:r>
+                  <a:rPr lang="en-US" sz="2000" dirty="0"/>
+                  <a:t> = </a:t>
+                </a:r>
+                <a:r>
+                  <a:rPr lang="el-GR" sz="2000" dirty="0"/>
+                  <a:t>φ</a:t>
+                </a:r>
+                <a:r>
+                  <a:rPr lang="en-US" sz="2000" baseline="-25000" dirty="0"/>
+                  <a:t>RA</a:t>
+                </a:r>
+                <a:r>
+                  <a:rPr lang="en-US" sz="2000" dirty="0"/>
+                  <a:t> + </a:t>
+                </a:r>
+                <a:r>
+                  <a:rPr lang="el-GR" sz="2000" dirty="0"/>
+                  <a:t>ψ</a:t>
+                </a:r>
+                <a:r>
+                  <a:rPr lang="en-US" sz="2000" baseline="-25000" dirty="0"/>
+                  <a:t>X</a:t>
+                </a:r>
+                <a:endParaRPr lang="en-US" sz="2000" dirty="0"/>
+              </a:p>
+              <a:p>
+                <a:pPr marL="512763" indent="-512763">
+                  <a:lnSpc>
+                    <a:spcPct val="90000"/>
+                  </a:lnSpc>
+                  <a:spcBef>
+                    <a:spcPts val="1200"/>
+                  </a:spcBef>
+                </a:pPr>
+                <a:r>
+                  <a:rPr lang="en-US" sz="2000" u="sng" dirty="0"/>
+                  <a:t>R</a:t>
+                </a:r>
+                <a:r>
+                  <a:rPr lang="en-US" sz="2000" baseline="-25000" dirty="0"/>
+                  <a:t>RW</a:t>
+                </a:r>
+                <a:r>
+                  <a:rPr lang="en-US" sz="2000" baseline="30000" dirty="0"/>
+                  <a:t>2</a:t>
+                </a:r>
+                <a:r>
+                  <a:rPr lang="en-US" sz="2000" dirty="0"/>
+                  <a:t> = R</a:t>
+                </a:r>
+                <a:r>
+                  <a:rPr lang="en-US" sz="2000" baseline="-25000" dirty="0"/>
+                  <a:t>RW</a:t>
+                </a:r>
+                <a:r>
+                  <a:rPr lang="en-US" sz="2000" baseline="30000" dirty="0"/>
+                  <a:t>2</a:t>
+                </a:r>
+                <a:r>
+                  <a:rPr lang="en-US" sz="2000" dirty="0"/>
+                  <a:t> + x</a:t>
+                </a:r>
+                <a:r>
+                  <a:rPr lang="en-US" sz="2000" baseline="-25000" dirty="0"/>
+                  <a:t>RW</a:t>
+                </a:r>
+                <a:r>
+                  <a:rPr lang="en-US" sz="2000" baseline="30000" dirty="0"/>
+                  <a:t>2</a:t>
+                </a:r>
+                <a:endParaRPr lang="en-US" sz="2000" dirty="0"/>
+              </a:p>
+              <a:p>
+                <a:pPr marL="512763" indent="-512763">
+                  <a:lnSpc>
+                    <a:spcPct val="90000"/>
+                  </a:lnSpc>
+                  <a:spcBef>
+                    <a:spcPts val="1200"/>
+                  </a:spcBef>
+                </a:pPr>
+                <a:r>
+                  <a:rPr lang="en-US" sz="2000" dirty="0"/>
+                  <a:t>R</a:t>
+                </a:r>
+                <a:r>
+                  <a:rPr lang="en-US" sz="2000" baseline="-25000" dirty="0"/>
+                  <a:t>IR</a:t>
+                </a:r>
+                <a:r>
+                  <a:rPr lang="en-US" sz="2000" baseline="30000" dirty="0"/>
+                  <a:t>2</a:t>
+                </a:r>
+                <a:r>
+                  <a:rPr lang="en-US" sz="2000" dirty="0"/>
+                  <a:t> = </a:t>
+                </a:r>
+                <a:r>
+                  <a:rPr lang="en-US" sz="2000" u="sng" dirty="0"/>
+                  <a:t>R</a:t>
+                </a:r>
+                <a:r>
+                  <a:rPr lang="en-US" sz="2000" baseline="-25000" dirty="0"/>
+                  <a:t>RW</a:t>
+                </a:r>
+                <a:r>
+                  <a:rPr lang="en-US" sz="2000" baseline="30000" dirty="0"/>
+                  <a:t>2</a:t>
+                </a:r>
+                <a:r>
+                  <a:rPr lang="en-US" sz="2000" dirty="0"/>
+                  <a:t> + </a:t>
+                </a:r>
+                <a:r>
+                  <a:rPr lang="en-US" sz="2000" u="sng" dirty="0"/>
+                  <a:t>z</a:t>
+                </a:r>
+                <a:r>
+                  <a:rPr lang="en-US" sz="2000" baseline="-25000" dirty="0"/>
+                  <a:t>IR</a:t>
+                </a:r>
+                <a:r>
+                  <a:rPr lang="en-US" sz="2000" baseline="30000" dirty="0"/>
+                  <a:t>2</a:t>
+                </a:r>
+                <a:r>
+                  <a:rPr lang="en-US" sz="2000" dirty="0"/>
+                  <a:t> – 2</a:t>
+                </a:r>
+                <a:r>
+                  <a:rPr lang="en-US" sz="2000" u="sng" dirty="0"/>
+                  <a:t>R</a:t>
+                </a:r>
+                <a:r>
+                  <a:rPr lang="en-US" sz="2000" baseline="-25000" dirty="0"/>
+                  <a:t>RW</a:t>
+                </a:r>
+                <a:r>
+                  <a:rPr lang="en-US" sz="2000" dirty="0"/>
+                  <a:t>·z</a:t>
+                </a:r>
+                <a:r>
+                  <a:rPr lang="en-US" sz="2000" baseline="-25000" dirty="0"/>
+                  <a:t>IR</a:t>
+                </a:r>
+                <a:r>
+                  <a:rPr lang="en-US" sz="2000" dirty="0"/>
+                  <a:t>·cos(</a:t>
+                </a:r>
+                <a:r>
+                  <a:rPr lang="el-GR" sz="2000" u="sng" dirty="0"/>
+                  <a:t>φ</a:t>
+                </a:r>
+                <a:r>
+                  <a:rPr lang="en-US" sz="2000" baseline="-25000" dirty="0"/>
+                  <a:t>RA</a:t>
+                </a:r>
+                <a:r>
+                  <a:rPr lang="en-US" sz="2000" dirty="0"/>
+                  <a:t>)</a:t>
+                </a:r>
+              </a:p>
+              <a:p>
+                <a:pPr marL="512763" indent="-512763">
+                  <a:lnSpc>
+                    <a:spcPct val="90000"/>
+                  </a:lnSpc>
+                  <a:spcBef>
+                    <a:spcPts val="1200"/>
+                  </a:spcBef>
+                </a:pPr>
+                <a:r>
+                  <a:rPr lang="el-GR" sz="2000" dirty="0"/>
+                  <a:t>ψ</a:t>
+                </a:r>
+                <a:r>
+                  <a:rPr lang="en-US" sz="2000" baseline="-25000" dirty="0"/>
+                  <a:t>RA</a:t>
+                </a:r>
+                <a:r>
+                  <a:rPr lang="en-US" sz="2000" dirty="0"/>
+                  <a:t> = </a:t>
+                </a:r>
+                <a:r>
+                  <a:rPr lang="el-GR" sz="2000" dirty="0"/>
+                  <a:t>ψ</a:t>
+                </a:r>
+                <a:r>
+                  <a:rPr lang="en-US" sz="2000" baseline="-25000" dirty="0"/>
+                  <a:t>X</a:t>
+                </a:r>
+                <a:r>
+                  <a:rPr lang="en-US" sz="2000" dirty="0"/>
+                  <a:t> + sin</a:t>
+                </a:r>
+                <a:r>
+                  <a:rPr lang="en-US" sz="2000" baseline="30000" dirty="0"/>
+                  <a:t>‒1</a:t>
+                </a:r>
+                <a:r>
+                  <a:rPr lang="en-US" sz="2000" dirty="0"/>
+                  <a:t>((</a:t>
+                </a:r>
+                <a:r>
+                  <a:rPr lang="en-US" sz="2000" u="sng" dirty="0"/>
+                  <a:t>z</a:t>
+                </a:r>
+                <a:r>
+                  <a:rPr lang="en-US" sz="2000" baseline="-25000" dirty="0"/>
+                  <a:t>IR</a:t>
+                </a:r>
+                <a:r>
+                  <a:rPr lang="en-US" sz="2000" dirty="0"/>
+                  <a:t>/R</a:t>
+                </a:r>
+                <a:r>
+                  <a:rPr lang="en-US" sz="2000" baseline="-25000" dirty="0"/>
+                  <a:t>IR</a:t>
+                </a:r>
+                <a:r>
+                  <a:rPr lang="en-US" sz="2000" dirty="0"/>
+                  <a:t>)·sin(</a:t>
+                </a:r>
+                <a:r>
+                  <a:rPr lang="el-GR" sz="2000" u="sng" dirty="0"/>
+                  <a:t>φ</a:t>
+                </a:r>
+                <a:r>
+                  <a:rPr lang="en-US" sz="2000" baseline="-25000" dirty="0"/>
+                  <a:t>RA</a:t>
+                </a:r>
+                <a:r>
+                  <a:rPr lang="en-US" sz="2000" dirty="0"/>
+                  <a:t>))</a:t>
+                </a:r>
+              </a:p>
+              <a:p>
+                <a:pPr marL="512763" indent="-512763">
+                  <a:lnSpc>
+                    <a:spcPct val="90000"/>
+                  </a:lnSpc>
+                  <a:spcBef>
+                    <a:spcPts val="1200"/>
+                  </a:spcBef>
+                </a:pPr>
+                <a:r>
+                  <a:rPr lang="el-GR" sz="2000" dirty="0"/>
+                  <a:t>ψ</a:t>
+                </a:r>
+                <a:r>
+                  <a:rPr lang="en-US" sz="2000" baseline="-25000" dirty="0"/>
+                  <a:t>R</a:t>
+                </a:r>
+                <a:r>
+                  <a:rPr lang="en-US" sz="2000" dirty="0"/>
+                  <a:t> = </a:t>
+                </a:r>
+                <a:r>
+                  <a:rPr lang="el-GR" sz="2000" dirty="0"/>
+                  <a:t>ψ</a:t>
+                </a:r>
+                <a:r>
+                  <a:rPr lang="en-US" sz="2000" baseline="-25000" dirty="0"/>
+                  <a:t>RA</a:t>
+                </a:r>
+                <a:r>
+                  <a:rPr lang="en-US" sz="2000" dirty="0"/>
+                  <a:t> + </a:t>
+                </a:r>
+                <a:r>
+                  <a:rPr lang="el-GR" sz="2000" dirty="0"/>
+                  <a:t>φ</a:t>
+                </a:r>
+                <a:r>
+                  <a:rPr lang="en-US" sz="2000" baseline="-25000" dirty="0"/>
+                  <a:t>RA</a:t>
+                </a:r>
+              </a:p>
+              <a:p>
+                <a:pPr marL="512763" indent="-512763">
+                  <a:lnSpc>
+                    <a:spcPct val="90000"/>
+                  </a:lnSpc>
+                  <a:spcBef>
+                    <a:spcPts val="1200"/>
+                  </a:spcBef>
+                </a:pPr>
+                <a:r>
+                  <a:rPr lang="en-US" altLang="zh-CN" sz="2000" dirty="0"/>
+                  <a:t>Z = </a:t>
+                </a:r>
+                <a:r>
+                  <a:rPr lang="en-US" altLang="zh-CN" sz="2000" dirty="0" err="1"/>
+                  <a:t>γ</a:t>
+                </a:r>
+                <a:r>
+                  <a:rPr lang="en-US" altLang="zh-CN" sz="2000" baseline="-25000" dirty="0" err="1"/>
+                  <a:t>IR</a:t>
+                </a:r>
+                <a:r>
+                  <a:rPr lang="en-US" altLang="zh-CN" sz="2000" dirty="0"/>
+                  <a:t>-Lt*sin(</a:t>
+                </a:r>
+                <a:r>
+                  <a:rPr lang="en-US" altLang="zh-CN" sz="2000" dirty="0" err="1"/>
+                  <a:t>θ</a:t>
+                </a:r>
+                <a:r>
+                  <a:rPr lang="en-US" altLang="zh-CN" sz="2000" baseline="-25000" dirty="0" err="1"/>
+                  <a:t>tilt</a:t>
+                </a:r>
+                <a:r>
+                  <a:rPr lang="en-US" altLang="zh-CN" sz="2000" dirty="0"/>
+                  <a:t>)</a:t>
+                </a:r>
+              </a:p>
+              <a:p>
+                <a:pPr marL="512763" indent="-512763">
+                  <a:lnSpc>
+                    <a:spcPct val="90000"/>
+                  </a:lnSpc>
+                  <a:spcBef>
+                    <a:spcPts val="1200"/>
+                  </a:spcBef>
+                </a:pPr>
+                <a:r>
+                  <a:rPr lang="en-US" sz="2000" u="sng" dirty="0" err="1"/>
+                  <a:t>z</a:t>
+                </a:r>
+                <a:r>
+                  <a:rPr lang="en-US" sz="2000" baseline="-25000" dirty="0" err="1"/>
+                  <a:t>IR</a:t>
+                </a:r>
+                <a:r>
+                  <a:rPr lang="en-US" sz="2000" dirty="0"/>
+                  <a:t>=Lt*cos(</a:t>
+                </a:r>
+                <a:r>
+                  <a:rPr lang="en-US" altLang="zh-CN" sz="2000" dirty="0" err="1"/>
+                  <a:t>θ</a:t>
+                </a:r>
+                <a:r>
+                  <a:rPr lang="en-US" altLang="zh-CN" sz="2000" baseline="-25000" dirty="0" err="1"/>
+                  <a:t>tilt</a:t>
+                </a:r>
+                <a:r>
+                  <a:rPr lang="en-US" sz="2000" dirty="0"/>
+                  <a:t>)-</a:t>
+                </a:r>
+                <a:r>
+                  <a:rPr lang="en-US" sz="2000" dirty="0" err="1"/>
+                  <a:t>Lw</a:t>
+                </a:r>
+                <a:r>
+                  <a:rPr lang="en-US" sz="2000" dirty="0"/>
+                  <a:t>-S</a:t>
+                </a:r>
+                <a:r>
+                  <a:rPr lang="en-US" sz="2000" baseline="-25000" dirty="0"/>
+                  <a:t>R</a:t>
+                </a:r>
+              </a:p>
+              <a:p>
+                <a:pPr marL="512763" indent="-512763">
+                  <a:lnSpc>
+                    <a:spcPct val="90000"/>
+                  </a:lnSpc>
+                  <a:spcBef>
+                    <a:spcPts val="1200"/>
+                  </a:spcBef>
+                </a:pPr>
+                <a:r>
+                  <a:rPr lang="en-US" sz="2000" dirty="0" err="1"/>
+                  <a:t>z</a:t>
+                </a:r>
+                <a:r>
+                  <a:rPr lang="en-US" sz="2000" baseline="-25000" dirty="0" err="1"/>
+                  <a:t>IR</a:t>
+                </a:r>
+                <a:r>
+                  <a:rPr lang="en-US" sz="2000" dirty="0"/>
+                  <a:t>=</a:t>
+                </a:r>
+                <a:r>
+                  <a:rPr lang="en-US" altLang="zh-CN" sz="2000" u="sng" dirty="0" err="1"/>
+                  <a:t>z</a:t>
+                </a:r>
+                <a:r>
+                  <a:rPr lang="en-US" sz="2000" baseline="-25000" dirty="0" err="1"/>
+                  <a:t>IR</a:t>
+                </a:r>
+                <a:r>
+                  <a:rPr lang="en-US" sz="2000" dirty="0"/>
+                  <a:t>/ cos(</a:t>
+                </a:r>
+                <a:r>
+                  <a:rPr lang="en-US" altLang="zh-CN" sz="2000" dirty="0" err="1"/>
+                  <a:t>θ</a:t>
+                </a:r>
+                <a:r>
+                  <a:rPr lang="en-US" altLang="zh-CN" sz="2000" baseline="-25000" dirty="0" err="1"/>
+                  <a:t>tilt</a:t>
+                </a:r>
+                <a:r>
+                  <a:rPr lang="en-US" sz="2000" dirty="0"/>
+                  <a:t>)</a:t>
+                </a:r>
+              </a:p>
+              <a:p>
+                <a:pPr marL="512763" indent="-512763">
+                  <a:lnSpc>
+                    <a:spcPct val="90000"/>
+                  </a:lnSpc>
+                  <a:spcBef>
+                    <a:spcPts val="1200"/>
+                  </a:spcBef>
+                </a:pPr>
+                <a:endParaRPr lang="en-US" sz="2000" dirty="0"/>
+              </a:p>
+            </p:txBody>
+          </p:sp>
+        </mc:Choice>
+        <mc:Fallback xmlns="">
+          <p:sp>
+            <p:nvSpPr>
+              <p:cNvPr id="71" name="TextBox 70">
+                <a:extLst>
+                  <a:ext uri="{FF2B5EF4-FFF2-40B4-BE49-F238E27FC236}">
+                    <a16:creationId xmlns:a16="http://schemas.microsoft.com/office/drawing/2014/main" id="{E86E818B-46A7-CDFD-750C-44EA86AFCF41}"/>
+                  </a:ext>
+                </a:extLst>
+              </p:cNvPr>
+              <p:cNvSpPr txBox="1">
+                <a:spLocks noRot="1" noChangeAspect="1" noMove="1" noResize="1" noEditPoints="1" noAdjustHandles="1" noChangeArrowheads="1" noChangeShapeType="1" noTextEdit="1"/>
+              </p:cNvSpPr>
+              <p:nvPr/>
+            </p:nvSpPr>
+            <p:spPr>
+              <a:xfrm>
+                <a:off x="5195151" y="649376"/>
+                <a:ext cx="3840360" cy="4955203"/>
+              </a:xfrm>
+              <a:prstGeom prst="rect">
+                <a:avLst/>
+              </a:prstGeom>
+              <a:blipFill>
+                <a:blip r:embed="rId2"/>
+                <a:stretch>
+                  <a:fillRect l="-1587" t="-1355" r="-317"/>
                 </a:stretch>
               </a:blipFill>
             </p:spPr>
@@ -26033,7 +29628,7 @@
         </p:nvSpPr>
         <p:spPr>
           <a:xfrm>
-            <a:off x="8845941" y="2232190"/>
+            <a:off x="9284244" y="2298216"/>
             <a:ext cx="657681" cy="461665"/>
           </a:xfrm>
           <a:prstGeom prst="rect">
@@ -26062,41 +29657,6 @@
                 </a:solidFill>
               </a:rPr>
               <a:t>RW</a:t>
-            </a:r>
-          </a:p>
-        </p:txBody>
-      </p:sp>
-      <p:sp>
-        <p:nvSpPr>
-          <p:cNvPr id="27" name="TextBox 26">
-            <a:extLst>
-              <a:ext uri="{FF2B5EF4-FFF2-40B4-BE49-F238E27FC236}">
-                <a16:creationId xmlns:a16="http://schemas.microsoft.com/office/drawing/2014/main" id="{85C90A73-2126-C197-D29C-6AE3F620DE2F}"/>
-              </a:ext>
-            </a:extLst>
-          </p:cNvPr>
-          <p:cNvSpPr txBox="1"/>
-          <p:nvPr/>
-        </p:nvSpPr>
-        <p:spPr>
-          <a:xfrm>
-            <a:off x="0" y="76273"/>
-            <a:ext cx="3810000" cy="523220"/>
-          </a:xfrm>
-          <a:prstGeom prst="rect">
-            <a:avLst/>
-          </a:prstGeom>
-          <a:noFill/>
-        </p:spPr>
-        <p:txBody>
-          <a:bodyPr wrap="square" rtlCol="0">
-            <a:spAutoFit/>
-          </a:bodyPr>
-          <a:lstStyle/>
-          <a:p>
-            <a:r>
-              <a:rPr lang="en-US" sz="2800" b="1" dirty="0"/>
-              <a:t>Finally ,we have </a:t>
             </a:r>
           </a:p>
         </p:txBody>
@@ -26115,7 +29675,7 @@
         </p:nvSpPr>
         <p:spPr>
           <a:xfrm flipV="1">
-            <a:off x="8231767" y="115965"/>
+            <a:off x="9128026" y="161425"/>
             <a:ext cx="1739744" cy="975903"/>
           </a:xfrm>
           <a:prstGeom prst="arc">
@@ -26168,7 +29728,7 @@
         </p:nvSpPr>
         <p:spPr>
           <a:xfrm flipV="1">
-            <a:off x="8231767" y="859879"/>
+            <a:off x="9085254" y="728861"/>
             <a:ext cx="1739744" cy="975903"/>
           </a:xfrm>
           <a:prstGeom prst="arc">
@@ -26207,251 +29767,6 @@
           </a:p>
         </p:txBody>
       </p:sp>
-      <mc:AlternateContent xmlns:mc="http://schemas.openxmlformats.org/markup-compatibility/2006" xmlns:a14="http://schemas.microsoft.com/office/drawing/2010/main">
-        <mc:Choice Requires="a14">
-          <p:sp>
-            <p:nvSpPr>
-              <p:cNvPr id="37" name="TextBox 36">
-                <a:extLst>
-                  <a:ext uri="{FF2B5EF4-FFF2-40B4-BE49-F238E27FC236}">
-                    <a16:creationId xmlns:a16="http://schemas.microsoft.com/office/drawing/2014/main" id="{414E8666-D0BF-2414-8670-C582A4BD4F78}"/>
-                  </a:ext>
-                </a:extLst>
-              </p:cNvPr>
-              <p:cNvSpPr txBox="1"/>
-              <p:nvPr/>
-            </p:nvSpPr>
-            <p:spPr>
-              <a:xfrm>
-                <a:off x="5299226" y="4430497"/>
-                <a:ext cx="3567384" cy="2585323"/>
-              </a:xfrm>
-              <a:prstGeom prst="rect">
-                <a:avLst/>
-              </a:prstGeom>
-              <a:noFill/>
-            </p:spPr>
-            <p:txBody>
-              <a:bodyPr wrap="square" rtlCol="0">
-                <a:spAutoFit/>
-              </a:bodyPr>
-              <a:lstStyle/>
-              <a:p>
-                <a:pPr marL="285750" indent="-285750">
-                  <a:buFont typeface="Arial" panose="020B0604020202020204" pitchFamily="34" charset="0"/>
-                  <a:buChar char="•"/>
-                </a:pPr>
-                <a:r>
-                  <a:rPr lang="en-US" dirty="0"/>
-                  <a:t>For receiver carriage with four axis ,we can arrange the focus distance :</a:t>
-                </a:r>
-                <a:r>
-                  <a:rPr lang="en-US" u="sng" dirty="0" err="1"/>
-                  <a:t>Z</a:t>
-                </a:r>
-                <a:r>
-                  <a:rPr lang="en-US" baseline="-25000" dirty="0" err="1"/>
-                  <a:t>IR</a:t>
-                </a:r>
-                <a:r>
-                  <a:rPr lang="en-US" dirty="0" err="1"/>
-                  <a:t>,the</a:t>
-                </a:r>
-                <a:r>
-                  <a:rPr lang="en-US" dirty="0"/>
-                  <a:t> toroidal angle </a:t>
-                </a:r>
-                <a:r>
-                  <a:rPr lang="en-US" altLang="zh-CN" dirty="0"/>
-                  <a:t>α </a:t>
-                </a:r>
-                <a:r>
-                  <a:rPr lang="zh-CN" altLang="en-US" dirty="0"/>
-                  <a:t>，</a:t>
-                </a:r>
-                <a:r>
-                  <a:rPr lang="en-US" altLang="zh-CN" dirty="0"/>
-                  <a:t>the poloidal tilt angle :</a:t>
-                </a:r>
-                <a14:m>
-                  <m:oMath xmlns:m="http://schemas.openxmlformats.org/officeDocument/2006/math">
-                    <m:sSub>
-                      <m:sSubPr>
-                        <m:ctrlPr>
-                          <a:rPr lang="en-US" altLang="zh-CN" b="0" i="1" smtClean="0">
-                            <a:latin typeface="Cambria Math" panose="02040503050406030204" pitchFamily="18" charset="0"/>
-                          </a:rPr>
-                        </m:ctrlPr>
-                      </m:sSubPr>
-                      <m:e>
-                        <m:r>
-                          <a:rPr lang="en-US" altLang="zh-CN" b="0" i="1" smtClean="0">
-                            <a:latin typeface="Cambria Math" panose="02040503050406030204" pitchFamily="18" charset="0"/>
-                          </a:rPr>
-                          <m:t>𝜃</m:t>
-                        </m:r>
-                      </m:e>
-                      <m:sub>
-                        <m:r>
-                          <a:rPr lang="en-US" altLang="zh-CN" b="0" i="1" smtClean="0">
-                            <a:latin typeface="Cambria Math" panose="02040503050406030204" pitchFamily="18" charset="0"/>
-                          </a:rPr>
-                          <m:t>𝑡𝑖𝑙𝑡</m:t>
-                        </m:r>
-                      </m:sub>
-                    </m:sSub>
-                  </m:oMath>
-                </a14:m>
-                <a:r>
-                  <a:rPr lang="en-US" dirty="0"/>
-                  <a:t> and the antenna height Z .input(</a:t>
-                </a:r>
-                <a:r>
-                  <a:rPr lang="en-US" u="sng" dirty="0"/>
-                  <a:t>Z</a:t>
-                </a:r>
-                <a:r>
-                  <a:rPr lang="en-US" baseline="-25000" dirty="0"/>
-                  <a:t>IR</a:t>
-                </a:r>
-                <a:r>
-                  <a:rPr lang="en-US" dirty="0"/>
-                  <a:t>,</a:t>
-                </a:r>
-                <a:r>
-                  <a:rPr lang="en-US" altLang="zh-CN" dirty="0"/>
-                  <a:t> α,</a:t>
-                </a:r>
-                <a:r>
-                  <a:rPr lang="en-US" altLang="zh-CN" b="0" dirty="0"/>
-                  <a:t> </a:t>
-                </a:r>
-                <a14:m>
-                  <m:oMath xmlns:m="http://schemas.openxmlformats.org/officeDocument/2006/math">
-                    <m:sSub>
-                      <m:sSubPr>
-                        <m:ctrlPr>
-                          <a:rPr lang="en-US" altLang="zh-CN" b="0" i="1" smtClean="0">
-                            <a:latin typeface="Cambria Math" panose="02040503050406030204" pitchFamily="18" charset="0"/>
-                          </a:rPr>
-                        </m:ctrlPr>
-                      </m:sSubPr>
-                      <m:e>
-                        <m:r>
-                          <a:rPr lang="en-US" altLang="zh-CN" b="0" i="1" smtClean="0">
-                            <a:latin typeface="Cambria Math" panose="02040503050406030204" pitchFamily="18" charset="0"/>
-                          </a:rPr>
-                          <m:t>𝜃</m:t>
-                        </m:r>
-                      </m:e>
-                      <m:sub>
-                        <m:r>
-                          <a:rPr lang="en-US" altLang="zh-CN" b="0" i="1" smtClean="0">
-                            <a:latin typeface="Cambria Math" panose="02040503050406030204" pitchFamily="18" charset="0"/>
-                          </a:rPr>
-                          <m:t>𝑡𝑖𝑙𝑡</m:t>
-                        </m:r>
-                      </m:sub>
-                    </m:sSub>
-                  </m:oMath>
-                </a14:m>
-                <a:r>
-                  <a:rPr lang="en-US" dirty="0"/>
-                  <a:t> ,Z) we will get the IR position(</a:t>
-                </a:r>
-                <a:r>
-                  <a:rPr lang="el-GR" dirty="0"/>
-                  <a:t>ψ</a:t>
-                </a:r>
-                <a:r>
-                  <a:rPr lang="en-US" baseline="-25000" dirty="0"/>
-                  <a:t>RA</a:t>
-                </a:r>
-                <a:r>
-                  <a:rPr lang="en-US" dirty="0"/>
-                  <a:t> , </a:t>
-                </a:r>
-                <a:r>
-                  <a:rPr lang="en-US" dirty="0" err="1"/>
-                  <a:t>R</a:t>
-                </a:r>
-                <a:r>
-                  <a:rPr lang="en-US" baseline="-25000" dirty="0" err="1"/>
-                  <a:t>IR</a:t>
-                </a:r>
-                <a:r>
-                  <a:rPr lang="en-US" dirty="0" err="1"/>
-                  <a:t>,z</a:t>
-                </a:r>
-                <a:r>
-                  <a:rPr lang="en-US" dirty="0"/>
-                  <a:t>) and receiver angle </a:t>
-                </a:r>
-                <a:r>
-                  <a:rPr lang="el-GR" dirty="0"/>
-                  <a:t>ψ</a:t>
-                </a:r>
-                <a:r>
-                  <a:rPr lang="en-US" baseline="-25000" dirty="0"/>
-                  <a:t>R</a:t>
-                </a:r>
-                <a:endParaRPr lang="en-US" dirty="0"/>
-              </a:p>
-              <a:p>
-                <a:pPr marL="285750" indent="-285750">
-                  <a:buFont typeface="Arial" panose="020B0604020202020204" pitchFamily="34" charset="0"/>
-                  <a:buChar char="•"/>
-                </a:pPr>
-                <a:endParaRPr lang="en-US" dirty="0"/>
-              </a:p>
-            </p:txBody>
-          </p:sp>
-        </mc:Choice>
-        <mc:Fallback xmlns="">
-          <p:sp>
-            <p:nvSpPr>
-              <p:cNvPr id="37" name="TextBox 36">
-                <a:extLst>
-                  <a:ext uri="{FF2B5EF4-FFF2-40B4-BE49-F238E27FC236}">
-                    <a16:creationId xmlns:a16="http://schemas.microsoft.com/office/drawing/2014/main" id="{414E8666-D0BF-2414-8670-C582A4BD4F78}"/>
-                  </a:ext>
-                </a:extLst>
-              </p:cNvPr>
-              <p:cNvSpPr txBox="1">
-                <a:spLocks noRot="1" noChangeAspect="1" noMove="1" noResize="1" noEditPoints="1" noAdjustHandles="1" noChangeArrowheads="1" noChangeShapeType="1" noTextEdit="1"/>
-              </p:cNvSpPr>
-              <p:nvPr/>
-            </p:nvSpPr>
-            <p:spPr>
-              <a:xfrm>
-                <a:off x="5299226" y="4430497"/>
-                <a:ext cx="3567384" cy="2585323"/>
-              </a:xfrm>
-              <a:prstGeom prst="rect">
-                <a:avLst/>
-              </a:prstGeom>
-              <a:blipFill>
-                <a:blip r:embed="rId3"/>
-                <a:stretch>
-                  <a:fillRect l="-1026" t="-1179"/>
-                </a:stretch>
-              </a:blipFill>
-            </p:spPr>
-            <p:txBody>
-              <a:bodyPr/>
-              <a:lstStyle/>
-              <a:p>
-                <a:r>
-                  <a:rPr lang="en-US">
-                    <a:noFill/>
-                  </a:rPr>
-                  <a:t> </a:t>
-                </a:r>
-              </a:p>
-            </p:txBody>
-          </p:sp>
-        </mc:Fallback>
-      </mc:AlternateContent>
       <p:sp>
         <p:nvSpPr>
           <p:cNvPr id="39" name="TextBox 38">
@@ -26466,8 +29781,8 @@
         </p:nvSpPr>
         <p:spPr>
           <a:xfrm>
-            <a:off x="161393" y="670415"/>
-            <a:ext cx="5164997" cy="6234271"/>
+            <a:off x="266173" y="0"/>
+            <a:ext cx="5096692" cy="6906506"/>
           </a:xfrm>
           <a:prstGeom prst="rect">
             <a:avLst/>
@@ -26489,53 +29804,14 @@
               </a:spcBef>
             </a:pPr>
             <a:r>
-              <a:rPr lang="en-US" sz="1600" dirty="0" err="1">
+              <a:rPr lang="en-US" sz="1400" b="1" dirty="0">
                 <a:solidFill>
-                  <a:schemeClr val="bg1">
-                    <a:lumMod val="50000"/>
+                  <a:schemeClr val="accent2">
+                    <a:lumMod val="75000"/>
                   </a:schemeClr>
                 </a:solidFill>
               </a:rPr>
-              <a:t>x</a:t>
-            </a:r>
-            <a:r>
-              <a:rPr lang="en-US" sz="1600" baseline="-25000" dirty="0" err="1">
-                <a:solidFill>
-                  <a:schemeClr val="bg1">
-                    <a:lumMod val="50000"/>
-                  </a:schemeClr>
-                </a:solidFill>
-              </a:rPr>
-              <a:t>RW</a:t>
-            </a:r>
-            <a:r>
-              <a:rPr lang="en-US" sz="1600" dirty="0">
-                <a:solidFill>
-                  <a:schemeClr val="bg1">
-                    <a:lumMod val="50000"/>
-                  </a:schemeClr>
-                </a:solidFill>
-              </a:rPr>
-              <a:t> = x-axis offset of receiver beam on window</a:t>
-            </a:r>
-            <a:br>
-              <a:rPr lang="en-US" sz="1600" dirty="0">
-                <a:solidFill>
-                  <a:schemeClr val="bg1">
-                    <a:lumMod val="50000"/>
-                  </a:schemeClr>
-                </a:solidFill>
-              </a:rPr>
-            </a:br>
-            <a:r>
-              <a:rPr lang="en-US" sz="1600" dirty="0">
-                <a:solidFill>
-                  <a:schemeClr val="bg1">
-                    <a:lumMod val="50000"/>
-                  </a:schemeClr>
-                </a:solidFill>
-              </a:rPr>
-              <a:t>(nominally half of window width or 58 mm)</a:t>
+              <a:t>Constant parameters :</a:t>
             </a:r>
           </a:p>
           <a:p>
@@ -26548,53 +29824,73 @@
               </a:spcBef>
             </a:pPr>
             <a:r>
-              <a:rPr lang="el-GR" sz="1600" dirty="0">
+              <a:rPr lang="en-US" sz="1400" dirty="0" err="1">
                 <a:solidFill>
-                  <a:schemeClr val="bg1">
-                    <a:lumMod val="50000"/>
+                  <a:schemeClr val="accent2">
+                    <a:lumMod val="75000"/>
                   </a:schemeClr>
                 </a:solidFill>
               </a:rPr>
-              <a:t>φ</a:t>
-            </a:r>
-            <a:r>
-              <a:rPr lang="en-US" sz="1600" baseline="-25000" dirty="0">
+              <a:t>x</a:t>
+            </a:r>
+            <a:r>
+              <a:rPr lang="en-US" sz="1400" baseline="-25000" dirty="0" err="1">
                 <a:solidFill>
-                  <a:schemeClr val="bg1">
-                    <a:lumMod val="50000"/>
+                  <a:schemeClr val="accent2">
+                    <a:lumMod val="75000"/>
                   </a:schemeClr>
                 </a:solidFill>
               </a:rPr>
-              <a:t>RA</a:t>
-            </a:r>
-            <a:r>
-              <a:rPr lang="en-US" sz="1600" dirty="0">
+              <a:t>RW</a:t>
+            </a:r>
+            <a:r>
+              <a:rPr lang="en-US" sz="1400" dirty="0">
                 <a:solidFill>
-                  <a:schemeClr val="bg1">
-                    <a:lumMod val="50000"/>
+                  <a:schemeClr val="accent2">
+                    <a:lumMod val="75000"/>
                   </a:schemeClr>
                 </a:solidFill>
               </a:rPr>
-              <a:t> = horizontal tilt of receiver array and optics</a:t>
+              <a:t> = x-axis offset of receiver beam on window center</a:t>
             </a:r>
             <a:br>
-              <a:rPr lang="en-US" sz="1600" dirty="0">
+              <a:rPr lang="en-US" sz="1400" dirty="0">
                 <a:solidFill>
-                  <a:schemeClr val="bg1">
-                    <a:lumMod val="50000"/>
+                  <a:schemeClr val="accent2">
+                    <a:lumMod val="75000"/>
                   </a:schemeClr>
                 </a:solidFill>
               </a:rPr>
             </a:br>
             <a:r>
-              <a:rPr lang="en-US" sz="1600" dirty="0">
+              <a:rPr lang="en-US" sz="1400" dirty="0">
                 <a:solidFill>
-                  <a:schemeClr val="bg1">
-                    <a:lumMod val="50000"/>
+                  <a:schemeClr val="accent2">
+                    <a:lumMod val="75000"/>
                   </a:schemeClr>
                 </a:solidFill>
               </a:rPr>
-              <a:t>(between 11.39 and 15.39°)</a:t>
+              <a:t>(131.3</a:t>
+            </a:r>
+            <a:r>
+              <a:rPr lang="en-US" altLang="zh-CN" sz="1400" dirty="0">
+                <a:solidFill>
+                  <a:schemeClr val="accent2">
+                    <a:lumMod val="75000"/>
+                  </a:schemeClr>
+                </a:solidFill>
+              </a:rPr>
+              <a:t>mm</a:t>
+            </a:r>
+            <a:r>
+              <a:rPr lang="en-US" sz="1400" dirty="0">
+                <a:solidFill>
+                  <a:schemeClr val="accent2">
+                    <a:lumMod val="75000"/>
+                  </a:schemeClr>
+                </a:solidFill>
+              </a:rPr>
+              <a:t>).</a:t>
             </a:r>
           </a:p>
           <a:p>
@@ -26607,53 +29903,34 @@
               </a:spcBef>
             </a:pPr>
             <a:r>
-              <a:rPr lang="en-US" sz="1600" dirty="0" err="1">
+              <a:rPr lang="en-US" sz="1400" dirty="0">
                 <a:solidFill>
-                  <a:schemeClr val="bg1">
-                    <a:lumMod val="50000"/>
+                  <a:schemeClr val="accent2">
+                    <a:lumMod val="75000"/>
                   </a:schemeClr>
                 </a:solidFill>
               </a:rPr>
-              <a:t>z</a:t>
-            </a:r>
-            <a:r>
-              <a:rPr lang="en-US" sz="1600" baseline="-25000" dirty="0" err="1">
+              <a:t>R</a:t>
+            </a:r>
+            <a:r>
+              <a:rPr lang="en-US" sz="1400" baseline="-25000" dirty="0">
                 <a:solidFill>
-                  <a:schemeClr val="bg1">
-                    <a:lumMod val="50000"/>
+                  <a:schemeClr val="accent2">
+                    <a:lumMod val="75000"/>
                   </a:schemeClr>
                 </a:solidFill>
               </a:rPr>
-              <a:t>IR</a:t>
-            </a:r>
-            <a:r>
-              <a:rPr lang="en-US" sz="1600" dirty="0">
+              <a:t>RW</a:t>
+            </a:r>
+            <a:r>
+              <a:rPr lang="en-US" sz="1400" dirty="0">
                 <a:solidFill>
-                  <a:schemeClr val="bg1">
-                    <a:lumMod val="50000"/>
+                  <a:schemeClr val="accent2">
+                    <a:lumMod val="75000"/>
                   </a:schemeClr>
                 </a:solidFill>
               </a:rPr>
-              <a:t> = distance from window to interaction region</a:t>
-            </a:r>
-            <a:br>
-              <a:rPr lang="en-US" sz="1600" dirty="0">
-                <a:solidFill>
-                  <a:schemeClr val="bg1">
-                    <a:lumMod val="50000"/>
-                  </a:schemeClr>
-                </a:solidFill>
-              </a:rPr>
-            </a:br>
-            <a:r>
-              <a:rPr lang="en-US" sz="1600" dirty="0">
-                <a:solidFill>
-                  <a:schemeClr val="bg1">
-                    <a:lumMod val="50000"/>
-                  </a:schemeClr>
-                </a:solidFill>
-              </a:rPr>
-              <a:t>(between 200 and 850 mm)</a:t>
+              <a:t> = major radius of vacuum window (fixed)1873.5mm.</a:t>
             </a:r>
           </a:p>
           <a:p>
@@ -26666,53 +29943,14 @@
               </a:spcBef>
             </a:pPr>
             <a:r>
-              <a:rPr lang="en-US" sz="1600" u="sng" dirty="0" err="1">
+              <a:rPr lang="en-US" sz="1400" dirty="0">
                 <a:solidFill>
-                  <a:schemeClr val="bg1">
-                    <a:lumMod val="50000"/>
+                  <a:schemeClr val="accent2">
+                    <a:lumMod val="75000"/>
                   </a:schemeClr>
                 </a:solidFill>
               </a:rPr>
-              <a:t>z</a:t>
-            </a:r>
-            <a:r>
-              <a:rPr lang="en-US" sz="1600" baseline="-25000" dirty="0" err="1">
-                <a:solidFill>
-                  <a:schemeClr val="bg1">
-                    <a:lumMod val="50000"/>
-                  </a:schemeClr>
-                </a:solidFill>
-              </a:rPr>
-              <a:t>IR</a:t>
-            </a:r>
-            <a:r>
-              <a:rPr lang="en-US" sz="1600" dirty="0">
-                <a:solidFill>
-                  <a:schemeClr val="bg1">
-                    <a:lumMod val="50000"/>
-                  </a:schemeClr>
-                </a:solidFill>
-              </a:rPr>
-              <a:t> = distance from window to interaction region</a:t>
-            </a:r>
-            <a:br>
-              <a:rPr lang="en-US" sz="1600" dirty="0">
-                <a:solidFill>
-                  <a:schemeClr val="bg1">
-                    <a:lumMod val="50000"/>
-                  </a:schemeClr>
-                </a:solidFill>
-              </a:rPr>
-            </a:br>
-            <a:r>
-              <a:rPr lang="en-US" sz="1600" dirty="0">
-                <a:solidFill>
-                  <a:schemeClr val="bg1">
-                    <a:lumMod val="50000"/>
-                  </a:schemeClr>
-                </a:solidFill>
-              </a:rPr>
-              <a:t>(measured along plasma midplane)</a:t>
+              <a:t>Lt    = optical total length from receiver antenna axis to focus point(2088mm).</a:t>
             </a:r>
           </a:p>
           <a:p>
@@ -26725,34 +29963,24 @@
               </a:spcBef>
             </a:pPr>
             <a:r>
-              <a:rPr lang="en-US" sz="1600" dirty="0">
+              <a:rPr lang="en-US" sz="1400" dirty="0" err="1">
                 <a:solidFill>
-                  <a:schemeClr val="bg1">
-                    <a:lumMod val="50000"/>
+                  <a:schemeClr val="accent2">
+                    <a:lumMod val="75000"/>
                   </a:schemeClr>
                 </a:solidFill>
               </a:rPr>
-              <a:t>R</a:t>
-            </a:r>
-            <a:r>
-              <a:rPr lang="en-US" sz="1600" baseline="-25000" dirty="0">
+              <a:t>Lw</a:t>
+            </a:r>
+            <a:r>
+              <a:rPr lang="en-US" sz="1400" dirty="0">
                 <a:solidFill>
-                  <a:schemeClr val="bg1">
-                    <a:lumMod val="50000"/>
+                  <a:schemeClr val="accent2">
+                    <a:lumMod val="75000"/>
                   </a:schemeClr>
                 </a:solidFill>
               </a:rPr>
-              <a:t>RW</a:t>
-            </a:r>
-            <a:r>
-              <a:rPr lang="en-US" sz="1600" dirty="0">
-                <a:solidFill>
-                  <a:schemeClr val="bg1">
-                    <a:lumMod val="50000"/>
-                  </a:schemeClr>
-                </a:solidFill>
-              </a:rPr>
-              <a:t> = major radius of vacuum window (fixed)1873.5mm</a:t>
+              <a:t>   =length from receiver antenna axis to window1 (1132mm)  when SR=0.</a:t>
             </a:r>
           </a:p>
           <a:p>
@@ -26765,34 +29993,34 @@
               </a:spcBef>
             </a:pPr>
             <a:r>
-              <a:rPr lang="en-US" sz="1600" dirty="0">
+              <a:rPr lang="en-US" sz="1400" dirty="0">
                 <a:solidFill>
-                  <a:schemeClr val="bg1">
-                    <a:lumMod val="50000"/>
+                  <a:schemeClr val="accent2">
+                    <a:lumMod val="75000"/>
                   </a:schemeClr>
                 </a:solidFill>
               </a:rPr>
-              <a:t>R</a:t>
-            </a:r>
-            <a:r>
-              <a:rPr lang="en-US" sz="1600" baseline="-25000" dirty="0">
+              <a:t>x ,y = M2(mirror 2) position(M2 center to Window center :154mm,angle:13.76</a:t>
+            </a:r>
+            <a:r>
+              <a:rPr lang="en-US" sz="1400" baseline="30000" dirty="0">
                 <a:solidFill>
-                  <a:schemeClr val="bg1">
-                    <a:lumMod val="50000"/>
+                  <a:schemeClr val="accent2">
+                    <a:lumMod val="75000"/>
                   </a:schemeClr>
                 </a:solidFill>
               </a:rPr>
-              <a:t>IR</a:t>
-            </a:r>
-            <a:r>
-              <a:rPr lang="en-US" sz="1600" dirty="0">
+              <a:t>o</a:t>
+            </a:r>
+            <a:r>
+              <a:rPr lang="en-US" sz="1400" dirty="0">
                 <a:solidFill>
-                  <a:schemeClr val="bg1">
-                    <a:lumMod val="50000"/>
+                  <a:schemeClr val="accent2">
+                    <a:lumMod val="75000"/>
                   </a:schemeClr>
                 </a:solidFill>
               </a:rPr>
-              <a:t> = major radius of interaction region</a:t>
+              <a:t>)</a:t>
             </a:r>
           </a:p>
           <a:p>
@@ -26805,73 +30033,14 @@
               </a:spcBef>
             </a:pPr>
             <a:r>
-              <a:rPr lang="el-GR" sz="1600" dirty="0">
+              <a:rPr lang="en-US" sz="1400" b="1" dirty="0">
                 <a:solidFill>
-                  <a:schemeClr val="bg1">
-                    <a:lumMod val="50000"/>
+                  <a:schemeClr val="accent4">
+                    <a:lumMod val="75000"/>
                   </a:schemeClr>
                 </a:solidFill>
               </a:rPr>
-              <a:t>ψ</a:t>
-            </a:r>
-            <a:r>
-              <a:rPr lang="en-US" sz="1600" baseline="-25000" dirty="0">
-                <a:solidFill>
-                  <a:schemeClr val="bg1">
-                    <a:lumMod val="50000"/>
-                  </a:schemeClr>
-                </a:solidFill>
-              </a:rPr>
-              <a:t>RA</a:t>
-            </a:r>
-            <a:r>
-              <a:rPr lang="en-US" sz="1600" dirty="0">
-                <a:solidFill>
-                  <a:schemeClr val="bg1">
-                    <a:lumMod val="50000"/>
-                  </a:schemeClr>
-                </a:solidFill>
-              </a:rPr>
-              <a:t> = toroidal tilt angle of interaction region</a:t>
-            </a:r>
-            <a:br>
-              <a:rPr lang="en-US" sz="1600" dirty="0">
-                <a:solidFill>
-                  <a:schemeClr val="bg1">
-                    <a:lumMod val="50000"/>
-                  </a:schemeClr>
-                </a:solidFill>
-              </a:rPr>
-            </a:br>
-            <a:r>
-              <a:rPr lang="en-US" sz="1600" dirty="0">
-                <a:solidFill>
-                  <a:schemeClr val="bg1">
-                    <a:lumMod val="50000"/>
-                  </a:schemeClr>
-                </a:solidFill>
-              </a:rPr>
-              <a:t>(</a:t>
-            </a:r>
-            <a:r>
-              <a:rPr lang="en-US" sz="1600" dirty="0" err="1">
-                <a:solidFill>
-                  <a:schemeClr val="bg1">
-                    <a:lumMod val="50000"/>
-                  </a:schemeClr>
-                </a:solidFill>
-              </a:rPr>
-              <a:t>w.r.t.</a:t>
-            </a:r>
-            <a:r>
-              <a:rPr lang="en-US" sz="1600" dirty="0">
-                <a:solidFill>
-                  <a:schemeClr val="bg1">
-                    <a:lumMod val="50000"/>
-                  </a:schemeClr>
-                </a:solidFill>
-              </a:rPr>
-              <a:t> plane of vacuum window)</a:t>
+              <a:t>Depend  parameters:</a:t>
             </a:r>
           </a:p>
           <a:p>
@@ -26884,34 +30053,34 @@
               </a:spcBef>
             </a:pPr>
             <a:r>
-              <a:rPr lang="el-GR" sz="1600" dirty="0">
+              <a:rPr lang="en-US" sz="1400" dirty="0">
                 <a:solidFill>
-                  <a:schemeClr val="bg1">
-                    <a:lumMod val="50000"/>
-                  </a:schemeClr>
-                </a:solidFill>
-              </a:rPr>
-              <a:t>ψ</a:t>
-            </a:r>
-            <a:r>
-              <a:rPr lang="en-US" sz="1600" baseline="-25000" dirty="0">
-                <a:solidFill>
-                  <a:schemeClr val="bg1">
-                    <a:lumMod val="50000"/>
+                  <a:schemeClr val="accent4">
+                    <a:lumMod val="75000"/>
                   </a:schemeClr>
                 </a:solidFill>
               </a:rPr>
               <a:t>R</a:t>
             </a:r>
             <a:r>
-              <a:rPr lang="en-US" sz="1600" dirty="0">
+              <a:rPr lang="en-US" sz="1400" baseline="-25000" dirty="0">
                 <a:solidFill>
-                  <a:schemeClr val="bg1">
-                    <a:lumMod val="50000"/>
+                  <a:schemeClr val="accent4">
+                    <a:lumMod val="75000"/>
                   </a:schemeClr>
                 </a:solidFill>
               </a:rPr>
-              <a:t> = toroidal tilt angle between receiver beam and Radius vector (from torus center)</a:t>
+              <a:t>IR</a:t>
+            </a:r>
+            <a:r>
+              <a:rPr lang="en-US" sz="1400" dirty="0">
+                <a:solidFill>
+                  <a:schemeClr val="accent4">
+                    <a:lumMod val="75000"/>
+                  </a:schemeClr>
+                </a:solidFill>
+              </a:rPr>
+              <a:t>  = major radius of interaction region</a:t>
             </a:r>
           </a:p>
           <a:p>
@@ -26924,12 +30093,73 @@
               </a:spcBef>
             </a:pPr>
             <a:r>
-              <a:rPr lang="en-US" sz="1600" dirty="0"/>
-              <a:t>z    =</a:t>
-            </a:r>
-            <a:r>
-              <a:rPr lang="en-US" altLang="zh-CN" sz="1600" dirty="0"/>
-              <a:t> IR height above midplane</a:t>
+              <a:rPr lang="el-GR" sz="1400" dirty="0">
+                <a:solidFill>
+                  <a:schemeClr val="accent4">
+                    <a:lumMod val="75000"/>
+                  </a:schemeClr>
+                </a:solidFill>
+              </a:rPr>
+              <a:t>ψ</a:t>
+            </a:r>
+            <a:r>
+              <a:rPr lang="en-US" sz="1400" baseline="-25000" dirty="0">
+                <a:solidFill>
+                  <a:schemeClr val="accent4">
+                    <a:lumMod val="75000"/>
+                  </a:schemeClr>
+                </a:solidFill>
+              </a:rPr>
+              <a:t>RA</a:t>
+            </a:r>
+            <a:r>
+              <a:rPr lang="en-US" sz="1400" dirty="0">
+                <a:solidFill>
+                  <a:schemeClr val="accent4">
+                    <a:lumMod val="75000"/>
+                  </a:schemeClr>
+                </a:solidFill>
+              </a:rPr>
+              <a:t> = toroidal tilt angle of interaction region</a:t>
+            </a:r>
+            <a:br>
+              <a:rPr lang="en-US" sz="1400" dirty="0">
+                <a:solidFill>
+                  <a:schemeClr val="accent4">
+                    <a:lumMod val="75000"/>
+                  </a:schemeClr>
+                </a:solidFill>
+              </a:rPr>
+            </a:br>
+            <a:r>
+              <a:rPr lang="en-US" sz="1400" dirty="0">
+                <a:solidFill>
+                  <a:schemeClr val="accent4">
+                    <a:lumMod val="75000"/>
+                  </a:schemeClr>
+                </a:solidFill>
+              </a:rPr>
+              <a:t>(</a:t>
+            </a:r>
+            <a:r>
+              <a:rPr lang="en-US" sz="1400" dirty="0" err="1">
+                <a:solidFill>
+                  <a:schemeClr val="accent4">
+                    <a:lumMod val="75000"/>
+                  </a:schemeClr>
+                </a:solidFill>
+              </a:rPr>
+              <a:t>w.r.t.</a:t>
+            </a:r>
+            <a:r>
+              <a:rPr lang="en-US" sz="1400" dirty="0">
+                <a:solidFill>
+                  <a:schemeClr val="accent4">
+                    <a:lumMod val="75000"/>
+                  </a:schemeClr>
+                </a:solidFill>
+              </a:rPr>
+              <a:t> plane of vacuum window)</a:t>
             </a:r>
           </a:p>
           <a:p>
@@ -26942,8 +30172,34 @@
               </a:spcBef>
             </a:pPr>
             <a:r>
-              <a:rPr lang="en-US" altLang="zh-CN" sz="1600" dirty="0"/>
-              <a:t>Z    = antenna height above midplane</a:t>
+              <a:rPr lang="el-GR" sz="1400" dirty="0">
+                <a:solidFill>
+                  <a:schemeClr val="accent4">
+                    <a:lumMod val="75000"/>
+                  </a:schemeClr>
+                </a:solidFill>
+              </a:rPr>
+              <a:t>ψ</a:t>
+            </a:r>
+            <a:r>
+              <a:rPr lang="en-US" sz="1400" baseline="-25000" dirty="0">
+                <a:solidFill>
+                  <a:schemeClr val="accent4">
+                    <a:lumMod val="75000"/>
+                  </a:schemeClr>
+                </a:solidFill>
+              </a:rPr>
+              <a:t>R</a:t>
+            </a:r>
+            <a:r>
+              <a:rPr lang="en-US" sz="1400" dirty="0">
+                <a:solidFill>
+                  <a:schemeClr val="accent4">
+                    <a:lumMod val="75000"/>
+                  </a:schemeClr>
+                </a:solidFill>
+              </a:rPr>
+              <a:t> = toroidal tilt angle between receiver beam and Radius vector (from torus center)</a:t>
             </a:r>
           </a:p>
           <a:p>
@@ -26956,8 +30212,53 @@
               </a:spcBef>
             </a:pPr>
             <a:r>
-              <a:rPr lang="en-US" sz="1600" dirty="0"/>
-              <a:t>Lt   = receiver optical length </a:t>
+              <a:rPr lang="el-GR" sz="1400" dirty="0">
+                <a:solidFill>
+                  <a:schemeClr val="accent4">
+                    <a:lumMod val="75000"/>
+                  </a:schemeClr>
+                </a:solidFill>
+              </a:rPr>
+              <a:t>φ</a:t>
+            </a:r>
+            <a:r>
+              <a:rPr lang="en-US" sz="1400" baseline="-25000" dirty="0">
+                <a:solidFill>
+                  <a:schemeClr val="accent4">
+                    <a:lumMod val="75000"/>
+                  </a:schemeClr>
+                </a:solidFill>
+              </a:rPr>
+              <a:t>RA</a:t>
+            </a:r>
+            <a:r>
+              <a:rPr lang="en-US" sz="1400" dirty="0">
+                <a:solidFill>
+                  <a:schemeClr val="accent4">
+                    <a:lumMod val="75000"/>
+                  </a:schemeClr>
+                </a:solidFill>
+              </a:rPr>
+              <a:t> = horizontal tilt of receiver array and optics</a:t>
+            </a:r>
+            <a:br>
+              <a:rPr lang="en-US" sz="1400" dirty="0">
+                <a:solidFill>
+                  <a:schemeClr val="accent4">
+                    <a:lumMod val="75000"/>
+                  </a:schemeClr>
+                </a:solidFill>
+              </a:rPr>
+            </a:br>
+            <a:r>
+              <a:rPr lang="en-US" sz="1400" dirty="0">
+                <a:solidFill>
+                  <a:schemeClr val="accent4">
+                    <a:lumMod val="75000"/>
+                  </a:schemeClr>
+                </a:solidFill>
+              </a:rPr>
+              <a:t>(between 11.39 and 15.39°)</a:t>
             </a:r>
           </a:p>
           <a:p>
@@ -26970,24 +30271,53 @@
               </a:spcBef>
             </a:pPr>
             <a:r>
-              <a:rPr lang="en-US" altLang="zh-CN" sz="1600" dirty="0" err="1"/>
-              <a:t>θ</a:t>
-            </a:r>
-            <a:r>
-              <a:rPr lang="en-US" altLang="zh-CN" sz="1600" baseline="-25000" dirty="0" err="1"/>
-              <a:t>tilt</a:t>
-            </a:r>
-            <a:r>
-              <a:rPr lang="en-US" altLang="zh-CN" sz="1600" baseline="-25000" dirty="0"/>
-              <a:t> </a:t>
-            </a:r>
-            <a:r>
-              <a:rPr lang="en-US" altLang="zh-CN" sz="1600" dirty="0"/>
-              <a:t>=</a:t>
-            </a:r>
-            <a:r>
-              <a:rPr lang="en-US" sz="1600" dirty="0"/>
-              <a:t> poloidal tilt angle of receiver optical</a:t>
+              <a:rPr lang="en-US" sz="1400" dirty="0" err="1">
+                <a:solidFill>
+                  <a:schemeClr val="accent4">
+                    <a:lumMod val="75000"/>
+                  </a:schemeClr>
+                </a:solidFill>
+              </a:rPr>
+              <a:t>z</a:t>
+            </a:r>
+            <a:r>
+              <a:rPr lang="en-US" sz="1400" baseline="-25000" dirty="0" err="1">
+                <a:solidFill>
+                  <a:schemeClr val="accent4">
+                    <a:lumMod val="75000"/>
+                  </a:schemeClr>
+                </a:solidFill>
+              </a:rPr>
+              <a:t>IR</a:t>
+            </a:r>
+            <a:r>
+              <a:rPr lang="en-US" sz="1400" dirty="0">
+                <a:solidFill>
+                  <a:schemeClr val="accent4">
+                    <a:lumMod val="75000"/>
+                  </a:schemeClr>
+                </a:solidFill>
+              </a:rPr>
+              <a:t>  = distance from window to interaction region</a:t>
+            </a:r>
+            <a:br>
+              <a:rPr lang="en-US" sz="1400" dirty="0">
+                <a:solidFill>
+                  <a:schemeClr val="accent4">
+                    <a:lumMod val="75000"/>
+                  </a:schemeClr>
+                </a:solidFill>
+              </a:rPr>
+            </a:br>
+            <a:r>
+              <a:rPr lang="en-US" sz="1400" dirty="0">
+                <a:solidFill>
+                  <a:schemeClr val="accent4">
+                    <a:lumMod val="75000"/>
+                  </a:schemeClr>
+                </a:solidFill>
+              </a:rPr>
+              <a:t>(between 200 and 850 mm)</a:t>
             </a:r>
           </a:p>
           <a:p>
@@ -27000,8 +30330,53 @@
               </a:spcBef>
             </a:pPr>
             <a:r>
-              <a:rPr lang="en-US" sz="1600" dirty="0"/>
-              <a:t>x ,y = M2(mirror 2) position</a:t>
+              <a:rPr lang="en-US" sz="1400" u="sng" dirty="0" err="1">
+                <a:solidFill>
+                  <a:schemeClr val="accent4">
+                    <a:lumMod val="75000"/>
+                  </a:schemeClr>
+                </a:solidFill>
+              </a:rPr>
+              <a:t>z</a:t>
+            </a:r>
+            <a:r>
+              <a:rPr lang="en-US" sz="1400" baseline="-25000" dirty="0" err="1">
+                <a:solidFill>
+                  <a:schemeClr val="accent4">
+                    <a:lumMod val="75000"/>
+                  </a:schemeClr>
+                </a:solidFill>
+              </a:rPr>
+              <a:t>IR</a:t>
+            </a:r>
+            <a:r>
+              <a:rPr lang="en-US" sz="1400" dirty="0">
+                <a:solidFill>
+                  <a:schemeClr val="accent4">
+                    <a:lumMod val="75000"/>
+                  </a:schemeClr>
+                </a:solidFill>
+              </a:rPr>
+              <a:t> = distance from window to interaction region</a:t>
+            </a:r>
+            <a:br>
+              <a:rPr lang="en-US" sz="1400" dirty="0">
+                <a:solidFill>
+                  <a:schemeClr val="accent4">
+                    <a:lumMod val="75000"/>
+                  </a:schemeClr>
+                </a:solidFill>
+              </a:rPr>
+            </a:br>
+            <a:r>
+              <a:rPr lang="en-US" sz="1400" dirty="0">
+                <a:solidFill>
+                  <a:schemeClr val="accent4">
+                    <a:lumMod val="75000"/>
+                  </a:schemeClr>
+                </a:solidFill>
+              </a:rPr>
+              <a:t>(measured along plasma midplane)</a:t>
             </a:r>
           </a:p>
           <a:p>
@@ -27014,18 +30389,22 @@
               </a:spcBef>
             </a:pPr>
             <a:r>
-              <a:rPr lang="en-US" altLang="zh-CN" sz="1600" dirty="0"/>
-              <a:t>α     = </a:t>
-            </a:r>
-            <a:r>
-              <a:rPr lang="en-US" sz="1600" dirty="0"/>
-              <a:t>M2(mirror 2) </a:t>
-            </a:r>
-            <a:r>
-              <a:rPr lang="en-US" altLang="zh-CN" sz="1600" dirty="0"/>
-              <a:t>rotation angle</a:t>
-            </a:r>
-            <a:endParaRPr lang="en-US" sz="1600" dirty="0"/>
+              <a:rPr lang="en-US" altLang="zh-CN" sz="1400" dirty="0">
+                <a:solidFill>
+                  <a:schemeClr val="accent4">
+                    <a:lumMod val="75000"/>
+                  </a:schemeClr>
+                </a:solidFill>
+              </a:rPr>
+              <a:t>Z    = antenna height above midplane</a:t>
+            </a:r>
+            <a:endParaRPr lang="en-US" sz="1400" dirty="0">
+              <a:solidFill>
+                <a:schemeClr val="accent4">
+                  <a:lumMod val="75000"/>
+                </a:schemeClr>
+              </a:solidFill>
+            </a:endParaRPr>
           </a:p>
           <a:p>
             <a:pPr marL="512763" indent="-512763">
@@ -27036,7 +30415,16 @@
                 <a:spcPts val="600"/>
               </a:spcBef>
             </a:pPr>
-            <a:endParaRPr lang="en-US" altLang="zh-CN" sz="2000" dirty="0"/>
+            <a:r>
+              <a:rPr lang="en-US" sz="1400" b="1" dirty="0">
+                <a:solidFill>
+                  <a:schemeClr val="accent6">
+                    <a:lumMod val="75000"/>
+                  </a:schemeClr>
+                </a:solidFill>
+              </a:rPr>
+              <a:t>Input parameters:</a:t>
+            </a:r>
           </a:p>
           <a:p>
             <a:pPr marL="512763" indent="-512763">
@@ -27047,281 +30435,200 @@
                 <a:spcPts val="600"/>
               </a:spcBef>
             </a:pPr>
-            <a:endParaRPr lang="en-US" sz="2000" dirty="0">
+            <a:r>
+              <a:rPr lang="en-US" sz="1400" dirty="0">
+                <a:solidFill>
+                  <a:schemeClr val="accent6">
+                    <a:lumMod val="75000"/>
+                  </a:schemeClr>
+                </a:solidFill>
+              </a:rPr>
+              <a:t>S</a:t>
+            </a:r>
+            <a:r>
+              <a:rPr lang="en-US" sz="1400" baseline="-25000" dirty="0">
+                <a:solidFill>
+                  <a:schemeClr val="accent6">
+                    <a:lumMod val="75000"/>
+                  </a:schemeClr>
+                </a:solidFill>
+              </a:rPr>
+              <a:t>R</a:t>
+            </a:r>
+            <a:r>
+              <a:rPr lang="en-US" sz="1400" dirty="0">
+                <a:solidFill>
+                  <a:schemeClr val="accent6">
+                    <a:lumMod val="75000"/>
+                  </a:schemeClr>
+                </a:solidFill>
+              </a:rPr>
+              <a:t>   = receiver optical radical distance </a:t>
+            </a:r>
+          </a:p>
+          <a:p>
+            <a:pPr marL="512763" indent="-512763">
+              <a:lnSpc>
+                <a:spcPct val="90000"/>
+              </a:lnSpc>
+              <a:spcBef>
+                <a:spcPts val="600"/>
+              </a:spcBef>
+            </a:pPr>
+            <a:r>
+              <a:rPr lang="en-US" altLang="zh-CN" sz="1400" dirty="0" err="1">
+                <a:solidFill>
+                  <a:schemeClr val="accent6">
+                    <a:lumMod val="75000"/>
+                  </a:schemeClr>
+                </a:solidFill>
+              </a:rPr>
+              <a:t>θ</a:t>
+            </a:r>
+            <a:r>
+              <a:rPr lang="en-US" altLang="zh-CN" sz="1400" baseline="-25000" dirty="0" err="1">
+                <a:solidFill>
+                  <a:schemeClr val="accent6">
+                    <a:lumMod val="75000"/>
+                  </a:schemeClr>
+                </a:solidFill>
+              </a:rPr>
+              <a:t>tilt</a:t>
+            </a:r>
+            <a:r>
+              <a:rPr lang="en-US" altLang="zh-CN" sz="1400" baseline="-25000" dirty="0">
+                <a:solidFill>
+                  <a:schemeClr val="accent6">
+                    <a:lumMod val="75000"/>
+                  </a:schemeClr>
+                </a:solidFill>
+              </a:rPr>
+              <a:t> </a:t>
+            </a:r>
+            <a:r>
+              <a:rPr lang="en-US" altLang="zh-CN" sz="1400" dirty="0">
+                <a:solidFill>
+                  <a:schemeClr val="accent6">
+                    <a:lumMod val="75000"/>
+                  </a:schemeClr>
+                </a:solidFill>
+              </a:rPr>
+              <a:t>=</a:t>
+            </a:r>
+            <a:r>
+              <a:rPr lang="en-US" sz="1400" dirty="0">
+                <a:solidFill>
+                  <a:schemeClr val="accent6">
+                    <a:lumMod val="75000"/>
+                  </a:schemeClr>
+                </a:solidFill>
+              </a:rPr>
+              <a:t> poloidal tilt angle of receiver optical</a:t>
+            </a:r>
+          </a:p>
+          <a:p>
+            <a:pPr marL="512763" indent="-512763">
+              <a:lnSpc>
+                <a:spcPct val="90000"/>
+              </a:lnSpc>
+              <a:spcBef>
+                <a:spcPts val="600"/>
+              </a:spcBef>
+            </a:pPr>
+            <a:r>
+              <a:rPr lang="en-US" altLang="zh-CN" sz="1400" dirty="0">
+                <a:solidFill>
+                  <a:schemeClr val="accent6">
+                    <a:lumMod val="75000"/>
+                  </a:schemeClr>
+                </a:solidFill>
+              </a:rPr>
+              <a:t>α     = </a:t>
+            </a:r>
+            <a:r>
+              <a:rPr lang="en-US" sz="1400" dirty="0">
+                <a:solidFill>
+                  <a:schemeClr val="accent6">
+                    <a:lumMod val="75000"/>
+                  </a:schemeClr>
+                </a:solidFill>
+              </a:rPr>
+              <a:t>M2(mirror 2) </a:t>
+            </a:r>
+            <a:r>
+              <a:rPr lang="en-US" altLang="zh-CN" sz="1400" dirty="0">
+                <a:solidFill>
+                  <a:schemeClr val="accent6">
+                    <a:lumMod val="75000"/>
+                  </a:schemeClr>
+                </a:solidFill>
+              </a:rPr>
+              <a:t>rotation angle</a:t>
+            </a:r>
+            <a:endParaRPr lang="en-US" sz="1400" dirty="0">
               <a:solidFill>
-                <a:schemeClr val="bg1">
-                  <a:lumMod val="50000"/>
+                <a:schemeClr val="accent6">
+                  <a:lumMod val="75000"/>
                 </a:schemeClr>
               </a:solidFill>
             </a:endParaRPr>
+          </a:p>
+          <a:p>
+            <a:pPr marL="512763" indent="-512763">
+              <a:lnSpc>
+                <a:spcPct val="90000"/>
+              </a:lnSpc>
+              <a:spcBef>
+                <a:spcPts val="600"/>
+              </a:spcBef>
+            </a:pPr>
+            <a:r>
+              <a:rPr lang="en-US" altLang="zh-CN" sz="1400" dirty="0" err="1">
+                <a:solidFill>
+                  <a:schemeClr val="accent6">
+                    <a:lumMod val="75000"/>
+                  </a:schemeClr>
+                </a:solidFill>
+              </a:rPr>
+              <a:t>γ</a:t>
+            </a:r>
+            <a:r>
+              <a:rPr lang="en-US" altLang="zh-CN" sz="1400" baseline="-25000" dirty="0" err="1">
+                <a:solidFill>
+                  <a:schemeClr val="accent6">
+                    <a:lumMod val="75000"/>
+                  </a:schemeClr>
+                </a:solidFill>
+              </a:rPr>
+              <a:t>IR</a:t>
+            </a:r>
+            <a:r>
+              <a:rPr lang="en-US" sz="1400" dirty="0">
+                <a:solidFill>
+                  <a:schemeClr val="accent6">
+                    <a:lumMod val="75000"/>
+                  </a:schemeClr>
+                </a:solidFill>
+              </a:rPr>
+              <a:t>    =</a:t>
+            </a:r>
+            <a:r>
+              <a:rPr lang="en-US" altLang="zh-CN" sz="1400" dirty="0">
+                <a:solidFill>
+                  <a:schemeClr val="accent6">
+                    <a:lumMod val="75000"/>
+                  </a:schemeClr>
+                </a:solidFill>
+              </a:rPr>
+              <a:t> IR height above midplane</a:t>
+            </a:r>
           </a:p>
         </p:txBody>
       </p:sp>
     </p:spTree>
     <p:extLst>
       <p:ext uri="{BB962C8B-B14F-4D97-AF65-F5344CB8AC3E}">
-        <p14:creationId xmlns:p14="http://schemas.microsoft.com/office/powerpoint/2010/main" val="1242289036"/>
-      </p:ext>
-    </p:extLst>
-  </p:cSld>
-  <p:clrMapOvr>
-    <a:masterClrMapping/>
-  </p:clrMapOvr>
-</p:sld>
-</file>
-
-<file path=ppt/slides/slide8.xml><?xml version="1.0" encoding="utf-8"?>
-<p:sld xmlns:a="http://schemas.openxmlformats.org/drawingml/2006/main" xmlns:r="http://schemas.openxmlformats.org/officeDocument/2006/relationships" xmlns:p="http://schemas.openxmlformats.org/presentationml/2006/main">
-  <p:cSld>
-    <p:spTree>
-      <p:nvGrpSpPr>
-        <p:cNvPr id="1" name=""/>
-        <p:cNvGrpSpPr/>
-        <p:nvPr/>
-      </p:nvGrpSpPr>
-      <p:grpSpPr>
-        <a:xfrm>
-          <a:off x="0" y="0"/>
-          <a:ext cx="0" cy="0"/>
-          <a:chOff x="0" y="0"/>
-          <a:chExt cx="0" cy="0"/>
-        </a:xfrm>
-      </p:grpSpPr>
-      <p:sp>
-        <p:nvSpPr>
-          <p:cNvPr id="2" name="Slide Number Placeholder 1">
-            <a:extLst>
-              <a:ext uri="{FF2B5EF4-FFF2-40B4-BE49-F238E27FC236}">
-                <a16:creationId xmlns:a16="http://schemas.microsoft.com/office/drawing/2014/main" id="{6DF594DC-A1F7-4529-BC57-01C1A2208298}"/>
-              </a:ext>
-            </a:extLst>
-          </p:cNvPr>
-          <p:cNvSpPr>
-            <a:spLocks noGrp="1"/>
-          </p:cNvSpPr>
-          <p:nvPr>
-            <p:ph type="sldNum" sz="quarter" idx="12"/>
-          </p:nvPr>
-        </p:nvSpPr>
-        <p:spPr/>
-        <p:txBody>
-          <a:bodyPr/>
-          <a:lstStyle/>
-          <a:p>
-            <a:fld id="{C8EB1B78-1A80-4349-98CC-41A40981A64A}" type="slidenum">
-              <a:rPr lang="en-US" smtClean="0"/>
-              <a:t>8</a:t>
-            </a:fld>
-            <a:endParaRPr lang="en-US"/>
-          </a:p>
-        </p:txBody>
-      </p:sp>
-      <p:sp>
-        <p:nvSpPr>
-          <p:cNvPr id="3" name="TextBox 2">
-            <a:extLst>
-              <a:ext uri="{FF2B5EF4-FFF2-40B4-BE49-F238E27FC236}">
-                <a16:creationId xmlns:a16="http://schemas.microsoft.com/office/drawing/2014/main" id="{569C37E7-9454-4607-886E-CA44E15FCABA}"/>
-              </a:ext>
-            </a:extLst>
-          </p:cNvPr>
-          <p:cNvSpPr txBox="1"/>
-          <p:nvPr/>
-        </p:nvSpPr>
-        <p:spPr>
-          <a:xfrm>
-            <a:off x="318875" y="921133"/>
-            <a:ext cx="8126964" cy="2616101"/>
-          </a:xfrm>
-          <a:prstGeom prst="rect">
-            <a:avLst/>
-          </a:prstGeom>
-          <a:noFill/>
-        </p:spPr>
-        <p:txBody>
-          <a:bodyPr wrap="square" rtlCol="0">
-            <a:spAutoFit/>
-          </a:bodyPr>
-          <a:lstStyle/>
-          <a:p>
-            <a:r>
-              <a:rPr lang="en-US" sz="2000" b="1" dirty="0"/>
-              <a:t>alignment procedure:</a:t>
-            </a:r>
-          </a:p>
-          <a:p>
-            <a:pPr marL="342900" indent="-342900">
-              <a:buAutoNum type="arabicPeriod"/>
-            </a:pPr>
-            <a:r>
-              <a:rPr lang="en-US" dirty="0"/>
-              <a:t>Take down the  cylindrical lens and meniscus lens .</a:t>
-            </a:r>
-          </a:p>
-          <a:p>
-            <a:pPr marL="342900" indent="-342900">
-              <a:buAutoNum type="arabicPeriod"/>
-            </a:pPr>
-            <a:r>
-              <a:rPr lang="en-US" dirty="0"/>
-              <a:t>mount the visible laser  on the central of the antenna and adjust the visible laser angle to reach to the center of the  convex lens.</a:t>
-            </a:r>
-          </a:p>
-          <a:p>
-            <a:pPr marL="342900" indent="-342900">
-              <a:buAutoNum type="arabicPeriod"/>
-            </a:pPr>
-            <a:r>
-              <a:rPr lang="en-US" dirty="0"/>
-              <a:t>Take down all the receiver lens and check if  the laser point is at the center of the window.</a:t>
-            </a:r>
-          </a:p>
-          <a:p>
-            <a:pPr marL="342900" indent="-342900">
-              <a:buAutoNum type="arabicPeriod"/>
-            </a:pPr>
-            <a:r>
-              <a:rPr lang="en-US" dirty="0"/>
-              <a:t>If the laser not on the center of the window ,adjust the mirror until the laser point reach at the center of the window.</a:t>
-            </a:r>
-          </a:p>
-          <a:p>
-            <a:pPr marL="342900" indent="-342900">
-              <a:buAutoNum type="arabicPeriod"/>
-            </a:pPr>
-            <a:r>
-              <a:rPr lang="en-US" dirty="0"/>
-              <a:t>Remount the receiver lens  after alignment .</a:t>
-            </a:r>
-          </a:p>
-        </p:txBody>
-      </p:sp>
-    </p:spTree>
-    <p:extLst>
-      <p:ext uri="{BB962C8B-B14F-4D97-AF65-F5344CB8AC3E}">
-        <p14:creationId xmlns:p14="http://schemas.microsoft.com/office/powerpoint/2010/main" val="3720558612"/>
-      </p:ext>
-    </p:extLst>
-  </p:cSld>
-  <p:clrMapOvr>
-    <a:masterClrMapping/>
-  </p:clrMapOvr>
-</p:sld>
-</file>
-
-<file path=ppt/slides/slide9.xml><?xml version="1.0" encoding="utf-8"?>
-<p:sld xmlns:a="http://schemas.openxmlformats.org/drawingml/2006/main" xmlns:r="http://schemas.openxmlformats.org/officeDocument/2006/relationships" xmlns:p="http://schemas.openxmlformats.org/presentationml/2006/main">
-  <p:cSld>
-    <p:spTree>
-      <p:nvGrpSpPr>
-        <p:cNvPr id="1" name=""/>
-        <p:cNvGrpSpPr/>
-        <p:nvPr/>
-      </p:nvGrpSpPr>
-      <p:grpSpPr>
-        <a:xfrm>
-          <a:off x="0" y="0"/>
-          <a:ext cx="0" cy="0"/>
-          <a:chOff x="0" y="0"/>
-          <a:chExt cx="0" cy="0"/>
-        </a:xfrm>
-      </p:grpSpPr>
-      <p:sp>
-        <p:nvSpPr>
-          <p:cNvPr id="2" name="Slide Number Placeholder 1">
-            <a:extLst>
-              <a:ext uri="{FF2B5EF4-FFF2-40B4-BE49-F238E27FC236}">
-                <a16:creationId xmlns:a16="http://schemas.microsoft.com/office/drawing/2014/main" id="{CCE85FD4-652D-9D87-CFB2-5403ADBBAA24}"/>
-              </a:ext>
-            </a:extLst>
-          </p:cNvPr>
-          <p:cNvSpPr>
-            <a:spLocks noGrp="1"/>
-          </p:cNvSpPr>
-          <p:nvPr>
-            <p:ph type="sldNum" sz="quarter" idx="12"/>
-          </p:nvPr>
-        </p:nvSpPr>
-        <p:spPr/>
-        <p:txBody>
-          <a:bodyPr/>
-          <a:lstStyle/>
-          <a:p>
-            <a:fld id="{C8EB1B78-1A80-4349-98CC-41A40981A64A}" type="slidenum">
-              <a:rPr lang="en-US" smtClean="0"/>
-              <a:t>9</a:t>
-            </a:fld>
-            <a:endParaRPr lang="en-US"/>
-          </a:p>
-        </p:txBody>
-      </p:sp>
-      <p:sp>
-        <p:nvSpPr>
-          <p:cNvPr id="5" name="TextBox 4">
-            <a:extLst>
-              <a:ext uri="{FF2B5EF4-FFF2-40B4-BE49-F238E27FC236}">
-                <a16:creationId xmlns:a16="http://schemas.microsoft.com/office/drawing/2014/main" id="{E7505466-2412-FE7A-6C23-231D0ADBD5CF}"/>
-              </a:ext>
-            </a:extLst>
-          </p:cNvPr>
-          <p:cNvSpPr txBox="1"/>
-          <p:nvPr/>
-        </p:nvSpPr>
-        <p:spPr>
-          <a:xfrm>
-            <a:off x="1377633" y="1305341"/>
-            <a:ext cx="9436734" cy="4247317"/>
-          </a:xfrm>
-          <a:prstGeom prst="rect">
-            <a:avLst/>
-          </a:prstGeom>
-          <a:noFill/>
-        </p:spPr>
-        <p:txBody>
-          <a:bodyPr wrap="square" rtlCol="0">
-            <a:spAutoFit/>
-          </a:bodyPr>
-          <a:lstStyle/>
-          <a:p>
-            <a:pPr algn="ctr"/>
-            <a:r>
-              <a:rPr lang="en-US" sz="5400" b="1" dirty="0">
-                <a:solidFill>
-                  <a:srgbClr val="FF0000"/>
-                </a:solidFill>
-              </a:rPr>
-              <a:t>Background Information Slides on scattering wavenumber </a:t>
-            </a:r>
-            <a:r>
-              <a:rPr lang="en-US" altLang="zh-CN" sz="5400" b="1" dirty="0">
-                <a:solidFill>
-                  <a:srgbClr val="FF0000"/>
-                </a:solidFill>
-              </a:rPr>
-              <a:t>and</a:t>
-            </a:r>
-            <a:r>
-              <a:rPr lang="en-US" sz="5400" b="1" dirty="0">
-                <a:solidFill>
-                  <a:srgbClr val="FF0000"/>
-                </a:solidFill>
-              </a:rPr>
-              <a:t> Pitch Angle Effects</a:t>
-            </a:r>
-          </a:p>
-          <a:p>
-            <a:pPr algn="ctr"/>
-            <a:r>
-              <a:rPr lang="en-US" sz="5400" b="1" dirty="0"/>
-              <a:t>By Calvin</a:t>
-            </a:r>
-          </a:p>
-        </p:txBody>
-      </p:sp>
-    </p:spTree>
-    <p:extLst>
-      <p:ext uri="{BB962C8B-B14F-4D97-AF65-F5344CB8AC3E}">
-        <p14:creationId xmlns:p14="http://schemas.microsoft.com/office/powerpoint/2010/main" val="2857820326"/>
+        <p14:creationId xmlns:p14="http://schemas.microsoft.com/office/powerpoint/2010/main" val="2507478408"/>
       </p:ext>
     </p:extLst>
   </p:cSld>

--- a/NSTX-U High-k scattering Calculation_20240717.pptx
+++ b/NSTX-U High-k scattering Calculation_20240717.pptx
@@ -5,7 +5,7 @@
     <p:sldMasterId id="2147483648" r:id="rId1"/>
   </p:sldMasterIdLst>
   <p:notesMasterIdLst>
-    <p:notesMasterId r:id="rId25"/>
+    <p:notesMasterId r:id="rId24"/>
   </p:notesMasterIdLst>
   <p:sldIdLst>
     <p:sldId id="256" r:id="rId2"/>
@@ -14,23 +14,22 @@
     <p:sldId id="263" r:id="rId5"/>
     <p:sldId id="262" r:id="rId6"/>
     <p:sldId id="261" r:id="rId7"/>
-    <p:sldId id="264" r:id="rId8"/>
+    <p:sldId id="279" r:id="rId8"/>
     <p:sldId id="278" r:id="rId9"/>
-    <p:sldId id="279" r:id="rId10"/>
-    <p:sldId id="265" r:id="rId11"/>
-    <p:sldId id="270" r:id="rId12"/>
-    <p:sldId id="259" r:id="rId13"/>
-    <p:sldId id="271" r:id="rId14"/>
-    <p:sldId id="272" r:id="rId15"/>
-    <p:sldId id="273" r:id="rId16"/>
-    <p:sldId id="274" r:id="rId17"/>
-    <p:sldId id="275" r:id="rId18"/>
-    <p:sldId id="276" r:id="rId19"/>
-    <p:sldId id="277" r:id="rId20"/>
-    <p:sldId id="280" r:id="rId21"/>
-    <p:sldId id="281" r:id="rId22"/>
-    <p:sldId id="267" r:id="rId23"/>
-    <p:sldId id="268" r:id="rId24"/>
+    <p:sldId id="265" r:id="rId10"/>
+    <p:sldId id="270" r:id="rId11"/>
+    <p:sldId id="259" r:id="rId12"/>
+    <p:sldId id="271" r:id="rId13"/>
+    <p:sldId id="272" r:id="rId14"/>
+    <p:sldId id="273" r:id="rId15"/>
+    <p:sldId id="274" r:id="rId16"/>
+    <p:sldId id="275" r:id="rId17"/>
+    <p:sldId id="276" r:id="rId18"/>
+    <p:sldId id="277" r:id="rId19"/>
+    <p:sldId id="280" r:id="rId20"/>
+    <p:sldId id="281" r:id="rId21"/>
+    <p:sldId id="267" r:id="rId22"/>
+    <p:sldId id="268" r:id="rId23"/>
   </p:sldIdLst>
   <p:sldSz cx="12192000" cy="6858000"/>
   <p:notesSz cx="6858000" cy="9144000"/>
@@ -4036,128 +4035,6 @@
           <a:chExt cx="0" cy="0"/>
         </a:xfrm>
       </p:grpSpPr>
-      <p:sp>
-        <p:nvSpPr>
-          <p:cNvPr id="2" name="Slide Number Placeholder 1">
-            <a:extLst>
-              <a:ext uri="{FF2B5EF4-FFF2-40B4-BE49-F238E27FC236}">
-                <a16:creationId xmlns:a16="http://schemas.microsoft.com/office/drawing/2014/main" id="{CCE85FD4-652D-9D87-CFB2-5403ADBBAA24}"/>
-              </a:ext>
-            </a:extLst>
-          </p:cNvPr>
-          <p:cNvSpPr>
-            <a:spLocks noGrp="1"/>
-          </p:cNvSpPr>
-          <p:nvPr>
-            <p:ph type="sldNum" sz="quarter" idx="12"/>
-          </p:nvPr>
-        </p:nvSpPr>
-        <p:spPr/>
-        <p:txBody>
-          <a:bodyPr/>
-          <a:lstStyle/>
-          <a:p>
-            <a:fld id="{C8EB1B78-1A80-4349-98CC-41A40981A64A}" type="slidenum">
-              <a:rPr lang="en-US" smtClean="0"/>
-              <a:t>10</a:t>
-            </a:fld>
-            <a:endParaRPr lang="en-US"/>
-          </a:p>
-        </p:txBody>
-      </p:sp>
-      <p:sp>
-        <p:nvSpPr>
-          <p:cNvPr id="5" name="TextBox 4">
-            <a:extLst>
-              <a:ext uri="{FF2B5EF4-FFF2-40B4-BE49-F238E27FC236}">
-                <a16:creationId xmlns:a16="http://schemas.microsoft.com/office/drawing/2014/main" id="{E7505466-2412-FE7A-6C23-231D0ADBD5CF}"/>
-              </a:ext>
-            </a:extLst>
-          </p:cNvPr>
-          <p:cNvSpPr txBox="1"/>
-          <p:nvPr/>
-        </p:nvSpPr>
-        <p:spPr>
-          <a:xfrm>
-            <a:off x="1377633" y="1305341"/>
-            <a:ext cx="9436734" cy="4247317"/>
-          </a:xfrm>
-          <a:prstGeom prst="rect">
-            <a:avLst/>
-          </a:prstGeom>
-          <a:noFill/>
-        </p:spPr>
-        <p:txBody>
-          <a:bodyPr wrap="square" rtlCol="0">
-            <a:spAutoFit/>
-          </a:bodyPr>
-          <a:lstStyle/>
-          <a:p>
-            <a:pPr algn="ctr"/>
-            <a:r>
-              <a:rPr lang="en-US" sz="5400" b="1" dirty="0">
-                <a:solidFill>
-                  <a:srgbClr val="FF0000"/>
-                </a:solidFill>
-              </a:rPr>
-              <a:t>Background Information Slides on scattering wavenumber </a:t>
-            </a:r>
-            <a:r>
-              <a:rPr lang="en-US" altLang="zh-CN" sz="5400" b="1" dirty="0">
-                <a:solidFill>
-                  <a:srgbClr val="FF0000"/>
-                </a:solidFill>
-              </a:rPr>
-              <a:t>and</a:t>
-            </a:r>
-            <a:r>
-              <a:rPr lang="en-US" sz="5400" b="1" dirty="0">
-                <a:solidFill>
-                  <a:srgbClr val="FF0000"/>
-                </a:solidFill>
-              </a:rPr>
-              <a:t> Pitch Angle Effects</a:t>
-            </a:r>
-          </a:p>
-          <a:p>
-            <a:pPr algn="ctr"/>
-            <a:r>
-              <a:rPr lang="en-US" sz="5400" b="1" dirty="0"/>
-              <a:t>By Calvin</a:t>
-            </a:r>
-          </a:p>
-        </p:txBody>
-      </p:sp>
-    </p:spTree>
-    <p:extLst>
-      <p:ext uri="{BB962C8B-B14F-4D97-AF65-F5344CB8AC3E}">
-        <p14:creationId xmlns:p14="http://schemas.microsoft.com/office/powerpoint/2010/main" val="2857820326"/>
-      </p:ext>
-    </p:extLst>
-  </p:cSld>
-  <p:clrMapOvr>
-    <a:masterClrMapping/>
-  </p:clrMapOvr>
-</p:sld>
-</file>
-
-<file path=ppt/slides/slide11.xml><?xml version="1.0" encoding="utf-8"?>
-<p:sld xmlns:a="http://schemas.openxmlformats.org/drawingml/2006/main" xmlns:r="http://schemas.openxmlformats.org/officeDocument/2006/relationships" xmlns:p="http://schemas.openxmlformats.org/presentationml/2006/main">
-  <p:cSld>
-    <p:spTree>
-      <p:nvGrpSpPr>
-        <p:cNvPr id="1" name=""/>
-        <p:cNvGrpSpPr/>
-        <p:nvPr/>
-      </p:nvGrpSpPr>
-      <p:grpSpPr>
-        <a:xfrm>
-          <a:off x="0" y="0"/>
-          <a:ext cx="0" cy="0"/>
-          <a:chOff x="0" y="0"/>
-          <a:chExt cx="0" cy="0"/>
-        </a:xfrm>
-      </p:grpSpPr>
       <p:pic>
         <p:nvPicPr>
           <p:cNvPr id="6" name="Picture 5"/>
@@ -5605,7 +5482,7 @@
 </p:sld>
 </file>
 
-<file path=ppt/slides/slide12.xml><?xml version="1.0" encoding="utf-8"?>
+<file path=ppt/slides/slide11.xml><?xml version="1.0" encoding="utf-8"?>
 <p:sld xmlns:a="http://schemas.openxmlformats.org/drawingml/2006/main" xmlns:r="http://schemas.openxmlformats.org/officeDocument/2006/relationships" xmlns:p="http://schemas.openxmlformats.org/presentationml/2006/main">
   <p:cSld>
     <p:spTree>
@@ -6611,7 +6488,7 @@
 </p:sld>
 </file>
 
-<file path=ppt/slides/slide13.xml><?xml version="1.0" encoding="utf-8"?>
+<file path=ppt/slides/slide12.xml><?xml version="1.0" encoding="utf-8"?>
 <p:sld xmlns:a="http://schemas.openxmlformats.org/drawingml/2006/main" xmlns:r="http://schemas.openxmlformats.org/officeDocument/2006/relationships" xmlns:p="http://schemas.openxmlformats.org/presentationml/2006/main">
   <p:cSld>
     <p:spTree>
@@ -7846,7 +7723,7 @@
 </p:sld>
 </file>
 
-<file path=ppt/slides/slide14.xml><?xml version="1.0" encoding="utf-8"?>
+<file path=ppt/slides/slide13.xml><?xml version="1.0" encoding="utf-8"?>
 <p:sld xmlns:a="http://schemas.openxmlformats.org/drawingml/2006/main" xmlns:r="http://schemas.openxmlformats.org/officeDocument/2006/relationships" xmlns:p="http://schemas.openxmlformats.org/presentationml/2006/main">
   <p:cSld>
     <p:spTree>
@@ -8506,7 +8383,7 @@
 </p:sld>
 </file>
 
-<file path=ppt/slides/slide15.xml><?xml version="1.0" encoding="utf-8"?>
+<file path=ppt/slides/slide14.xml><?xml version="1.0" encoding="utf-8"?>
 <p:sld xmlns:a="http://schemas.openxmlformats.org/drawingml/2006/main" xmlns:r="http://schemas.openxmlformats.org/officeDocument/2006/relationships" xmlns:p="http://schemas.openxmlformats.org/presentationml/2006/main">
   <p:cSld>
     <p:spTree>
@@ -8570,7 +8447,7 @@
 </p:sld>
 </file>
 
-<file path=ppt/slides/slide16.xml><?xml version="1.0" encoding="utf-8"?>
+<file path=ppt/slides/slide15.xml><?xml version="1.0" encoding="utf-8"?>
 <p:sld xmlns:a="http://schemas.openxmlformats.org/drawingml/2006/main" xmlns:r="http://schemas.openxmlformats.org/officeDocument/2006/relationships" xmlns:p="http://schemas.openxmlformats.org/presentationml/2006/main">
   <p:cSld>
     <p:spTree>
@@ -10331,7 +10208,7 @@
 </p:sld>
 </file>
 
-<file path=ppt/slides/slide17.xml><?xml version="1.0" encoding="utf-8"?>
+<file path=ppt/slides/slide16.xml><?xml version="1.0" encoding="utf-8"?>
 <p:sld xmlns:a="http://schemas.openxmlformats.org/drawingml/2006/main" xmlns:r="http://schemas.openxmlformats.org/officeDocument/2006/relationships" xmlns:p="http://schemas.openxmlformats.org/presentationml/2006/main">
   <p:cSld>
     <p:spTree>
@@ -13693,7 +13570,7 @@
 </p:sld>
 </file>
 
-<file path=ppt/slides/slide18.xml><?xml version="1.0" encoding="utf-8"?>
+<file path=ppt/slides/slide17.xml><?xml version="1.0" encoding="utf-8"?>
 <p:sld xmlns:a="http://schemas.openxmlformats.org/drawingml/2006/main" xmlns:r="http://schemas.openxmlformats.org/officeDocument/2006/relationships" xmlns:p="http://schemas.openxmlformats.org/presentationml/2006/main">
   <p:cSld>
     <p:spTree>
@@ -16703,7 +16580,7 @@
 </p:sld>
 </file>
 
-<file path=ppt/slides/slide19.xml><?xml version="1.0" encoding="utf-8"?>
+<file path=ppt/slides/slide18.xml><?xml version="1.0" encoding="utf-8"?>
 <p:sld xmlns:a="http://schemas.openxmlformats.org/drawingml/2006/main" xmlns:r="http://schemas.openxmlformats.org/officeDocument/2006/relationships" xmlns:p="http://schemas.openxmlformats.org/presentationml/2006/main">
   <p:cSld>
     <p:spTree>
@@ -16816,131 +16693,7 @@
 </p:sld>
 </file>
 
-<file path=ppt/slides/slide2.xml><?xml version="1.0" encoding="utf-8"?>
-<p:sld xmlns:a="http://schemas.openxmlformats.org/drawingml/2006/main" xmlns:r="http://schemas.openxmlformats.org/officeDocument/2006/relationships" xmlns:p="http://schemas.openxmlformats.org/presentationml/2006/main">
-  <p:cSld>
-    <p:spTree>
-      <p:nvGrpSpPr>
-        <p:cNvPr id="1" name=""/>
-        <p:cNvGrpSpPr/>
-        <p:nvPr/>
-      </p:nvGrpSpPr>
-      <p:grpSpPr>
-        <a:xfrm>
-          <a:off x="0" y="0"/>
-          <a:ext cx="0" cy="0"/>
-          <a:chOff x="0" y="0"/>
-          <a:chExt cx="0" cy="0"/>
-        </a:xfrm>
-      </p:grpSpPr>
-      <p:sp>
-        <p:nvSpPr>
-          <p:cNvPr id="3" name="Content Placeholder 2">
-            <a:extLst>
-              <a:ext uri="{FF2B5EF4-FFF2-40B4-BE49-F238E27FC236}">
-                <a16:creationId xmlns:a16="http://schemas.microsoft.com/office/drawing/2014/main" id="{412077C9-824D-B940-E3F2-BD8A912046BD}"/>
-              </a:ext>
-            </a:extLst>
-          </p:cNvPr>
-          <p:cNvSpPr>
-            <a:spLocks noGrp="1"/>
-          </p:cNvSpPr>
-          <p:nvPr>
-            <p:ph idx="1"/>
-          </p:nvPr>
-        </p:nvSpPr>
-        <p:spPr>
-          <a:xfrm>
-            <a:off x="1291472" y="2325246"/>
-            <a:ext cx="10148053" cy="1992231"/>
-          </a:xfrm>
-        </p:spPr>
-        <p:txBody>
-          <a:bodyPr>
-            <a:normAutofit/>
-          </a:bodyPr>
-          <a:lstStyle/>
-          <a:p>
-            <a:pPr marL="0" indent="0">
-              <a:buNone/>
-            </a:pPr>
-            <a:r>
-              <a:rPr lang="en-US" dirty="0"/>
-              <a:t>1.Define the optical geometry.</a:t>
-            </a:r>
-          </a:p>
-          <a:p>
-            <a:pPr marL="0" indent="0">
-              <a:buNone/>
-            </a:pPr>
-            <a:r>
-              <a:rPr lang="en-US" dirty="0"/>
-              <a:t>2. Get the constraint equation between the </a:t>
-            </a:r>
-            <a:r>
-              <a:rPr lang="en-US" sz="2400" dirty="0"/>
-              <a:t>geometry parameters</a:t>
-            </a:r>
-          </a:p>
-          <a:p>
-            <a:pPr marL="0" indent="0">
-              <a:buNone/>
-            </a:pPr>
-            <a:r>
-              <a:rPr lang="en-US" sz="2400" dirty="0"/>
-              <a:t>3.</a:t>
-            </a:r>
-            <a:r>
-              <a:rPr lang="en-US" sz="2800" dirty="0"/>
-              <a:t> High-k Receiver optical absolute calibration</a:t>
-            </a:r>
-            <a:endParaRPr lang="en-US" dirty="0"/>
-          </a:p>
-        </p:txBody>
-      </p:sp>
-      <p:sp>
-        <p:nvSpPr>
-          <p:cNvPr id="4" name="Slide Number Placeholder 3">
-            <a:extLst>
-              <a:ext uri="{FF2B5EF4-FFF2-40B4-BE49-F238E27FC236}">
-                <a16:creationId xmlns:a16="http://schemas.microsoft.com/office/drawing/2014/main" id="{B7E41C5F-C148-F154-3756-E77F33828D37}"/>
-              </a:ext>
-            </a:extLst>
-          </p:cNvPr>
-          <p:cNvSpPr>
-            <a:spLocks noGrp="1"/>
-          </p:cNvSpPr>
-          <p:nvPr>
-            <p:ph type="sldNum" sz="quarter" idx="12"/>
-          </p:nvPr>
-        </p:nvSpPr>
-        <p:spPr/>
-        <p:txBody>
-          <a:bodyPr/>
-          <a:lstStyle/>
-          <a:p>
-            <a:fld id="{C8EB1B78-1A80-4349-98CC-41A40981A64A}" type="slidenum">
-              <a:rPr lang="en-US" smtClean="0"/>
-              <a:t>2</a:t>
-            </a:fld>
-            <a:endParaRPr lang="en-US"/>
-          </a:p>
-        </p:txBody>
-      </p:sp>
-    </p:spTree>
-    <p:extLst>
-      <p:ext uri="{BB962C8B-B14F-4D97-AF65-F5344CB8AC3E}">
-        <p14:creationId xmlns:p14="http://schemas.microsoft.com/office/powerpoint/2010/main" val="403573915"/>
-      </p:ext>
-    </p:extLst>
-  </p:cSld>
-  <p:clrMapOvr>
-    <a:masterClrMapping/>
-  </p:clrMapOvr>
-</p:sld>
-</file>
-
-<file path=ppt/slides/slide20.xml><?xml version="1.0" encoding="utf-8"?>
+<file path=ppt/slides/slide19.xml><?xml version="1.0" encoding="utf-8"?>
 <p:sld xmlns:a="http://schemas.openxmlformats.org/drawingml/2006/main" xmlns:r="http://schemas.openxmlformats.org/officeDocument/2006/relationships" xmlns:p="http://schemas.openxmlformats.org/presentationml/2006/main">
   <p:cSld>
     <p:spTree>
@@ -17146,7 +16899,131 @@
 </p:sld>
 </file>
 
-<file path=ppt/slides/slide21.xml><?xml version="1.0" encoding="utf-8"?>
+<file path=ppt/slides/slide2.xml><?xml version="1.0" encoding="utf-8"?>
+<p:sld xmlns:a="http://schemas.openxmlformats.org/drawingml/2006/main" xmlns:r="http://schemas.openxmlformats.org/officeDocument/2006/relationships" xmlns:p="http://schemas.openxmlformats.org/presentationml/2006/main">
+  <p:cSld>
+    <p:spTree>
+      <p:nvGrpSpPr>
+        <p:cNvPr id="1" name=""/>
+        <p:cNvGrpSpPr/>
+        <p:nvPr/>
+      </p:nvGrpSpPr>
+      <p:grpSpPr>
+        <a:xfrm>
+          <a:off x="0" y="0"/>
+          <a:ext cx="0" cy="0"/>
+          <a:chOff x="0" y="0"/>
+          <a:chExt cx="0" cy="0"/>
+        </a:xfrm>
+      </p:grpSpPr>
+      <p:sp>
+        <p:nvSpPr>
+          <p:cNvPr id="3" name="Content Placeholder 2">
+            <a:extLst>
+              <a:ext uri="{FF2B5EF4-FFF2-40B4-BE49-F238E27FC236}">
+                <a16:creationId xmlns:a16="http://schemas.microsoft.com/office/drawing/2014/main" id="{412077C9-824D-B940-E3F2-BD8A912046BD}"/>
+              </a:ext>
+            </a:extLst>
+          </p:cNvPr>
+          <p:cNvSpPr>
+            <a:spLocks noGrp="1"/>
+          </p:cNvSpPr>
+          <p:nvPr>
+            <p:ph idx="1"/>
+          </p:nvPr>
+        </p:nvSpPr>
+        <p:spPr>
+          <a:xfrm>
+            <a:off x="1291472" y="2325246"/>
+            <a:ext cx="10148053" cy="1992231"/>
+          </a:xfrm>
+        </p:spPr>
+        <p:txBody>
+          <a:bodyPr>
+            <a:normAutofit/>
+          </a:bodyPr>
+          <a:lstStyle/>
+          <a:p>
+            <a:pPr marL="0" indent="0">
+              <a:buNone/>
+            </a:pPr>
+            <a:r>
+              <a:rPr lang="en-US" dirty="0"/>
+              <a:t>1.Define the optical geometry.</a:t>
+            </a:r>
+          </a:p>
+          <a:p>
+            <a:pPr marL="0" indent="0">
+              <a:buNone/>
+            </a:pPr>
+            <a:r>
+              <a:rPr lang="en-US" dirty="0"/>
+              <a:t>2. Get the constraint equation between the </a:t>
+            </a:r>
+            <a:r>
+              <a:rPr lang="en-US" sz="2400" dirty="0"/>
+              <a:t>geometry parameters</a:t>
+            </a:r>
+          </a:p>
+          <a:p>
+            <a:pPr marL="0" indent="0">
+              <a:buNone/>
+            </a:pPr>
+            <a:r>
+              <a:rPr lang="en-US" sz="2400" dirty="0"/>
+              <a:t>3.</a:t>
+            </a:r>
+            <a:r>
+              <a:rPr lang="en-US" sz="2800" dirty="0"/>
+              <a:t> High-k Receiver optical absolute calibration</a:t>
+            </a:r>
+            <a:endParaRPr lang="en-US" dirty="0"/>
+          </a:p>
+        </p:txBody>
+      </p:sp>
+      <p:sp>
+        <p:nvSpPr>
+          <p:cNvPr id="4" name="Slide Number Placeholder 3">
+            <a:extLst>
+              <a:ext uri="{FF2B5EF4-FFF2-40B4-BE49-F238E27FC236}">
+                <a16:creationId xmlns:a16="http://schemas.microsoft.com/office/drawing/2014/main" id="{B7E41C5F-C148-F154-3756-E77F33828D37}"/>
+              </a:ext>
+            </a:extLst>
+          </p:cNvPr>
+          <p:cNvSpPr>
+            <a:spLocks noGrp="1"/>
+          </p:cNvSpPr>
+          <p:nvPr>
+            <p:ph type="sldNum" sz="quarter" idx="12"/>
+          </p:nvPr>
+        </p:nvSpPr>
+        <p:spPr/>
+        <p:txBody>
+          <a:bodyPr/>
+          <a:lstStyle/>
+          <a:p>
+            <a:fld id="{C8EB1B78-1A80-4349-98CC-41A40981A64A}" type="slidenum">
+              <a:rPr lang="en-US" smtClean="0"/>
+              <a:t>2</a:t>
+            </a:fld>
+            <a:endParaRPr lang="en-US"/>
+          </a:p>
+        </p:txBody>
+      </p:sp>
+    </p:spTree>
+    <p:extLst>
+      <p:ext uri="{BB962C8B-B14F-4D97-AF65-F5344CB8AC3E}">
+        <p14:creationId xmlns:p14="http://schemas.microsoft.com/office/powerpoint/2010/main" val="403573915"/>
+      </p:ext>
+    </p:extLst>
+  </p:cSld>
+  <p:clrMapOvr>
+    <a:masterClrMapping/>
+  </p:clrMapOvr>
+</p:sld>
+</file>
+
+<file path=ppt/slides/slide20.xml><?xml version="1.0" encoding="utf-8"?>
 <p:sld xmlns:a="http://schemas.openxmlformats.org/drawingml/2006/main" xmlns:r="http://schemas.openxmlformats.org/officeDocument/2006/relationships" xmlns:p="http://schemas.openxmlformats.org/presentationml/2006/main">
   <p:cSld>
     <p:spTree>
@@ -17241,7 +17118,7 @@
 </p:sld>
 </file>
 
-<file path=ppt/slides/slide22.xml><?xml version="1.0" encoding="utf-8"?>
+<file path=ppt/slides/slide21.xml><?xml version="1.0" encoding="utf-8"?>
 <p:sld xmlns:a="http://schemas.openxmlformats.org/drawingml/2006/main" xmlns:r="http://schemas.openxmlformats.org/officeDocument/2006/relationships" xmlns:p="http://schemas.openxmlformats.org/presentationml/2006/main">
   <p:cSld>
     <p:spTree>
@@ -17336,7 +17213,7 @@
 </p:sld>
 </file>
 
-<file path=ppt/slides/slide23.xml><?xml version="1.0" encoding="utf-8"?>
+<file path=ppt/slides/slide22.xml><?xml version="1.0" encoding="utf-8"?>
 <p:sld xmlns:a="http://schemas.openxmlformats.org/drawingml/2006/main" xmlns:r="http://schemas.openxmlformats.org/officeDocument/2006/relationships" xmlns:p="http://schemas.openxmlformats.org/presentationml/2006/main">
   <p:cSld>
     <p:spTree>
@@ -25048,2874 +24925,6 @@
             </p:nvSpPr>
             <p:spPr>
               <a:xfrm>
-                <a:off x="4851920" y="748745"/>
-                <a:ext cx="4825565" cy="3664336"/>
-              </a:xfrm>
-              <a:prstGeom prst="rect">
-                <a:avLst/>
-              </a:prstGeom>
-              <a:noFill/>
-            </p:spPr>
-            <p:txBody>
-              <a:bodyPr wrap="square" rtlCol="0">
-                <a:spAutoFit/>
-              </a:bodyPr>
-              <a:lstStyle/>
-              <a:p>
-                <a:pPr>
-                  <a:lnSpc>
-                    <a:spcPct val="90000"/>
-                  </a:lnSpc>
-                  <a:spcBef>
-                    <a:spcPts val="1200"/>
-                  </a:spcBef>
-                </a:pPr>
-                <a14:m>
-                  <m:oMath xmlns:m="http://schemas.openxmlformats.org/officeDocument/2006/math">
-                    <m:r>
-                      <m:rPr>
-                        <m:nor/>
-                      </m:rPr>
-                      <a:rPr lang="en-US" altLang="zh-CN" dirty="0" smtClean="0"/>
-                      <m:t>Φ</m:t>
-                    </m:r>
-                    <m:r>
-                      <m:rPr>
-                        <m:nor/>
-                      </m:rPr>
-                      <a:rPr lang="en-US" altLang="zh-CN" baseline="-25000" dirty="0" smtClean="0"/>
-                      <m:t>RA</m:t>
-                    </m:r>
-                  </m:oMath>
-                </a14:m>
-                <a:r>
-                  <a:rPr lang="en-US" sz="2000" dirty="0"/>
-                  <a:t>=</a:t>
-                </a:r>
-                <a:r>
-                  <a:rPr lang="en-US" sz="2000" dirty="0" err="1"/>
-                  <a:t>atan</a:t>
-                </a:r>
-                <a:r>
-                  <a:rPr lang="en-US" sz="2000" dirty="0"/>
-                  <a:t>(y/x)+2</a:t>
-                </a:r>
-                <a:r>
-                  <a:rPr lang="en-US" altLang="zh-CN" sz="2000" dirty="0"/>
-                  <a:t>α</a:t>
-                </a:r>
-                <a:endParaRPr lang="en-US" sz="2000" baseline="-25000" dirty="0"/>
-              </a:p>
-              <a:p>
-                <a:pPr>
-                  <a:lnSpc>
-                    <a:spcPct val="90000"/>
-                  </a:lnSpc>
-                  <a:spcBef>
-                    <a:spcPts val="1200"/>
-                  </a:spcBef>
-                </a:pPr>
-                <a:r>
-                  <a:rPr lang="en-US" sz="2000" dirty="0" err="1"/>
-                  <a:t>x</a:t>
-                </a:r>
-                <a:r>
-                  <a:rPr lang="en-US" sz="2000" baseline="-25000" dirty="0" err="1"/>
-                  <a:t>RW</a:t>
-                </a:r>
-                <a:r>
-                  <a:rPr lang="en-US" sz="2000" dirty="0"/>
-                  <a:t>= L</a:t>
-                </a:r>
-                <a:r>
-                  <a:rPr lang="en-US" sz="2000" baseline="-25000" dirty="0"/>
-                  <a:t>off-axis</a:t>
-                </a:r>
-                <a:r>
-                  <a:rPr lang="en-US" sz="2000" dirty="0"/>
-                  <a:t>-(x-y</a:t>
-                </a:r>
-                <a:r>
-                  <a:rPr lang="en-US" altLang="zh-CN" sz="2000" dirty="0"/>
-                  <a:t>·tan(Φ</a:t>
-                </a:r>
-                <a:r>
-                  <a:rPr lang="en-US" altLang="zh-CN" sz="2000" baseline="-25000" dirty="0"/>
-                  <a:t>RA</a:t>
-                </a:r>
-                <a:r>
-                  <a:rPr lang="en-US" altLang="zh-CN" sz="2000" dirty="0"/>
-                  <a:t>))</a:t>
-                </a:r>
-                <a:br>
-                  <a:rPr lang="en-US" sz="2000" dirty="0"/>
-                </a:br>
-                <a:r>
-                  <a:rPr lang="el-GR" sz="2000" dirty="0"/>
-                  <a:t>ψ</a:t>
-                </a:r>
-                <a:r>
-                  <a:rPr lang="en-US" sz="2000" baseline="-25000" dirty="0"/>
-                  <a:t>X</a:t>
-                </a:r>
-                <a:r>
-                  <a:rPr lang="en-US" sz="2000" dirty="0"/>
-                  <a:t> = tan</a:t>
-                </a:r>
-                <a:r>
-                  <a:rPr lang="en-US" sz="2000" baseline="30000" dirty="0"/>
-                  <a:t>‒1</a:t>
-                </a:r>
-                <a:r>
-                  <a:rPr lang="en-US" sz="2000" dirty="0"/>
-                  <a:t>(</a:t>
-                </a:r>
-                <a:r>
-                  <a:rPr lang="en-US" sz="2000" dirty="0" err="1"/>
-                  <a:t>x</a:t>
-                </a:r>
-                <a:r>
-                  <a:rPr lang="en-US" sz="2000" baseline="-25000" dirty="0" err="1"/>
-                  <a:t>RW</a:t>
-                </a:r>
-                <a:r>
-                  <a:rPr lang="en-US" sz="2000" dirty="0"/>
-                  <a:t>/R</a:t>
-                </a:r>
-                <a:r>
-                  <a:rPr lang="en-US" sz="2000" baseline="-25000" dirty="0"/>
-                  <a:t>RW</a:t>
-                </a:r>
-                <a:r>
-                  <a:rPr lang="en-US" sz="2000" dirty="0"/>
-                  <a:t>)</a:t>
-                </a:r>
-              </a:p>
-              <a:p>
-                <a:pPr marL="512763" indent="-512763">
-                  <a:lnSpc>
-                    <a:spcPct val="90000"/>
-                  </a:lnSpc>
-                  <a:spcBef>
-                    <a:spcPts val="1200"/>
-                  </a:spcBef>
-                </a:pPr>
-                <a:r>
-                  <a:rPr lang="el-GR" sz="2000" u="sng" dirty="0"/>
-                  <a:t>φ</a:t>
-                </a:r>
-                <a:r>
-                  <a:rPr lang="en-US" sz="2000" baseline="-25000" dirty="0"/>
-                  <a:t>RA</a:t>
-                </a:r>
-                <a:r>
-                  <a:rPr lang="en-US" sz="2000" dirty="0"/>
-                  <a:t> = </a:t>
-                </a:r>
-                <a:r>
-                  <a:rPr lang="el-GR" sz="2000" dirty="0"/>
-                  <a:t>φ</a:t>
-                </a:r>
-                <a:r>
-                  <a:rPr lang="en-US" sz="2000" dirty="0"/>
-                  <a:t>= tan</a:t>
-                </a:r>
-                <a:r>
-                  <a:rPr lang="en-US" sz="2000" baseline="30000" dirty="0"/>
-                  <a:t>‒1</a:t>
-                </a:r>
-                <a:r>
-                  <a:rPr lang="en-US" sz="2000" dirty="0"/>
-                  <a:t>(</a:t>
-                </a:r>
-                <a:r>
-                  <a:rPr lang="en-US" sz="2000" dirty="0" err="1"/>
-                  <a:t>x</a:t>
-                </a:r>
-                <a:r>
-                  <a:rPr lang="en-US" sz="2000" baseline="-25000" dirty="0" err="1"/>
-                  <a:t>RW</a:t>
-                </a:r>
-                <a:r>
-                  <a:rPr lang="en-US" sz="2000" dirty="0"/>
-                  <a:t>/R</a:t>
-                </a:r>
-                <a:r>
-                  <a:rPr lang="en-US" sz="2000" baseline="-25000" dirty="0"/>
-                  <a:t>RWRA</a:t>
-                </a:r>
-                <a:r>
-                  <a:rPr lang="en-US" sz="2000" dirty="0"/>
-                  <a:t> )+ </a:t>
-                </a:r>
-                <a:r>
-                  <a:rPr lang="el-GR" sz="2000" dirty="0"/>
-                  <a:t>ψ</a:t>
-                </a:r>
-                <a:r>
-                  <a:rPr lang="en-US" sz="2000" baseline="-25000" dirty="0"/>
-                  <a:t>X</a:t>
-                </a:r>
-                <a:endParaRPr lang="en-US" sz="2000" dirty="0"/>
-              </a:p>
-              <a:p>
-                <a:pPr marL="512763" indent="-512763">
-                  <a:lnSpc>
-                    <a:spcPct val="90000"/>
-                  </a:lnSpc>
-                  <a:spcBef>
-                    <a:spcPts val="1200"/>
-                  </a:spcBef>
-                </a:pPr>
-                <a:r>
-                  <a:rPr lang="en-US" sz="2000" u="sng" dirty="0"/>
-                  <a:t>R</a:t>
-                </a:r>
-                <a:r>
-                  <a:rPr lang="en-US" sz="2000" baseline="-25000" dirty="0"/>
-                  <a:t>RW</a:t>
-                </a:r>
-                <a:r>
-                  <a:rPr lang="en-US" sz="2000" baseline="30000" dirty="0"/>
-                  <a:t>2</a:t>
-                </a:r>
-                <a:r>
-                  <a:rPr lang="en-US" sz="2000" dirty="0"/>
-                  <a:t> = R</a:t>
-                </a:r>
-                <a:r>
-                  <a:rPr lang="en-US" sz="2000" baseline="-25000" dirty="0"/>
-                  <a:t>RW</a:t>
-                </a:r>
-                <a:r>
-                  <a:rPr lang="en-US" sz="2000" baseline="30000" dirty="0"/>
-                  <a:t>2</a:t>
-                </a:r>
-                <a:r>
-                  <a:rPr lang="en-US" sz="2000" dirty="0"/>
-                  <a:t> + x</a:t>
-                </a:r>
-                <a:r>
-                  <a:rPr lang="en-US" sz="2000" baseline="-25000" dirty="0"/>
-                  <a:t>RW</a:t>
-                </a:r>
-                <a:r>
-                  <a:rPr lang="en-US" sz="2000" baseline="30000" dirty="0"/>
-                  <a:t>2</a:t>
-                </a:r>
-                <a:endParaRPr lang="en-US" sz="2000" dirty="0"/>
-              </a:p>
-              <a:p>
-                <a:pPr marL="512763" indent="-512763">
-                  <a:lnSpc>
-                    <a:spcPct val="90000"/>
-                  </a:lnSpc>
-                  <a:spcBef>
-                    <a:spcPts val="1200"/>
-                  </a:spcBef>
-                </a:pPr>
-                <a:r>
-                  <a:rPr lang="en-US" sz="2000" dirty="0"/>
-                  <a:t>R</a:t>
-                </a:r>
-                <a:r>
-                  <a:rPr lang="en-US" sz="2000" baseline="-25000" dirty="0"/>
-                  <a:t>IR</a:t>
-                </a:r>
-                <a:r>
-                  <a:rPr lang="en-US" sz="2000" baseline="30000" dirty="0"/>
-                  <a:t>2</a:t>
-                </a:r>
-                <a:r>
-                  <a:rPr lang="en-US" sz="2000" dirty="0"/>
-                  <a:t> = </a:t>
-                </a:r>
-                <a:r>
-                  <a:rPr lang="en-US" sz="2000" u="sng" dirty="0"/>
-                  <a:t>R</a:t>
-                </a:r>
-                <a:r>
-                  <a:rPr lang="en-US" sz="2000" baseline="-25000" dirty="0"/>
-                  <a:t>RW</a:t>
-                </a:r>
-                <a:r>
-                  <a:rPr lang="en-US" sz="2000" baseline="30000" dirty="0"/>
-                  <a:t>2</a:t>
-                </a:r>
-                <a:r>
-                  <a:rPr lang="en-US" sz="2000" dirty="0"/>
-                  <a:t> + </a:t>
-                </a:r>
-                <a:r>
-                  <a:rPr lang="en-US" sz="2000" u="sng" dirty="0"/>
-                  <a:t>z</a:t>
-                </a:r>
-                <a:r>
-                  <a:rPr lang="en-US" sz="2000" baseline="-25000" dirty="0"/>
-                  <a:t>IR</a:t>
-                </a:r>
-                <a:r>
-                  <a:rPr lang="en-US" sz="2000" baseline="30000" dirty="0"/>
-                  <a:t>2</a:t>
-                </a:r>
-                <a:r>
-                  <a:rPr lang="en-US" sz="2000" dirty="0"/>
-                  <a:t> – 2</a:t>
-                </a:r>
-                <a:r>
-                  <a:rPr lang="en-US" sz="2000" u="sng" dirty="0"/>
-                  <a:t>R</a:t>
-                </a:r>
-                <a:r>
-                  <a:rPr lang="en-US" sz="2000" baseline="-25000" dirty="0"/>
-                  <a:t>RW</a:t>
-                </a:r>
-                <a:r>
-                  <a:rPr lang="en-US" sz="2000" dirty="0"/>
-                  <a:t>·z</a:t>
-                </a:r>
-                <a:r>
-                  <a:rPr lang="en-US" sz="2000" baseline="-25000" dirty="0"/>
-                  <a:t>IR</a:t>
-                </a:r>
-                <a:r>
-                  <a:rPr lang="en-US" sz="2000" dirty="0"/>
-                  <a:t>·cos(</a:t>
-                </a:r>
-                <a:r>
-                  <a:rPr lang="el-GR" sz="2000" u="sng" dirty="0"/>
-                  <a:t>φ</a:t>
-                </a:r>
-                <a:r>
-                  <a:rPr lang="en-US" sz="2000" baseline="-25000" dirty="0"/>
-                  <a:t>RA</a:t>
-                </a:r>
-                <a:r>
-                  <a:rPr lang="en-US" sz="2000" dirty="0"/>
-                  <a:t>)</a:t>
-                </a:r>
-              </a:p>
-              <a:p>
-                <a:pPr marL="512763" indent="-512763">
-                  <a:lnSpc>
-                    <a:spcPct val="90000"/>
-                  </a:lnSpc>
-                  <a:spcBef>
-                    <a:spcPts val="1200"/>
-                  </a:spcBef>
-                </a:pPr>
-                <a:r>
-                  <a:rPr lang="el-GR" sz="2000" dirty="0"/>
-                  <a:t>ψ</a:t>
-                </a:r>
-                <a:r>
-                  <a:rPr lang="en-US" sz="2000" baseline="-25000" dirty="0"/>
-                  <a:t>RA</a:t>
-                </a:r>
-                <a:r>
-                  <a:rPr lang="en-US" sz="2000" dirty="0"/>
-                  <a:t> = </a:t>
-                </a:r>
-                <a:r>
-                  <a:rPr lang="el-GR" sz="2000" dirty="0"/>
-                  <a:t>ψ</a:t>
-                </a:r>
-                <a:r>
-                  <a:rPr lang="en-US" sz="2000" baseline="-25000" dirty="0"/>
-                  <a:t>X</a:t>
-                </a:r>
-                <a:r>
-                  <a:rPr lang="en-US" sz="2000" dirty="0"/>
-                  <a:t> + sin</a:t>
-                </a:r>
-                <a:r>
-                  <a:rPr lang="en-US" sz="2000" baseline="30000" dirty="0"/>
-                  <a:t>‒1</a:t>
-                </a:r>
-                <a:r>
-                  <a:rPr lang="en-US" sz="2000" dirty="0"/>
-                  <a:t>((</a:t>
-                </a:r>
-                <a:r>
-                  <a:rPr lang="en-US" sz="2000" u="sng" dirty="0"/>
-                  <a:t>z</a:t>
-                </a:r>
-                <a:r>
-                  <a:rPr lang="en-US" sz="2000" baseline="-25000" dirty="0"/>
-                  <a:t>IR</a:t>
-                </a:r>
-                <a:r>
-                  <a:rPr lang="en-US" sz="2000" dirty="0"/>
-                  <a:t>/R</a:t>
-                </a:r>
-                <a:r>
-                  <a:rPr lang="en-US" sz="2000" baseline="-25000" dirty="0"/>
-                  <a:t>IR</a:t>
-                </a:r>
-                <a:r>
-                  <a:rPr lang="en-US" sz="2000" dirty="0"/>
-                  <a:t>)·sin(</a:t>
-                </a:r>
-                <a:r>
-                  <a:rPr lang="el-GR" sz="2000" u="sng" dirty="0"/>
-                  <a:t>φ</a:t>
-                </a:r>
-                <a:r>
-                  <a:rPr lang="en-US" sz="2000" baseline="-25000" dirty="0"/>
-                  <a:t>RA</a:t>
-                </a:r>
-                <a:r>
-                  <a:rPr lang="en-US" sz="2000" dirty="0"/>
-                  <a:t>))</a:t>
-                </a:r>
-              </a:p>
-              <a:p>
-                <a:pPr marL="512763" indent="-512763">
-                  <a:lnSpc>
-                    <a:spcPct val="90000"/>
-                  </a:lnSpc>
-                  <a:spcBef>
-                    <a:spcPts val="1200"/>
-                  </a:spcBef>
-                </a:pPr>
-                <a:r>
-                  <a:rPr lang="el-GR" sz="2000" dirty="0"/>
-                  <a:t>ψ</a:t>
-                </a:r>
-                <a:r>
-                  <a:rPr lang="en-US" sz="2000" baseline="-25000" dirty="0"/>
-                  <a:t>R</a:t>
-                </a:r>
-                <a:r>
-                  <a:rPr lang="en-US" sz="2000" dirty="0"/>
-                  <a:t> = </a:t>
-                </a:r>
-                <a:r>
-                  <a:rPr lang="el-GR" sz="2000" dirty="0"/>
-                  <a:t>ψ</a:t>
-                </a:r>
-                <a:r>
-                  <a:rPr lang="en-US" sz="2000" baseline="-25000" dirty="0"/>
-                  <a:t>RA</a:t>
-                </a:r>
-                <a:r>
-                  <a:rPr lang="en-US" sz="2000" dirty="0"/>
-                  <a:t> + </a:t>
-                </a:r>
-                <a:r>
-                  <a:rPr lang="el-GR" sz="2000" dirty="0"/>
-                  <a:t>φ</a:t>
-                </a:r>
-                <a:r>
-                  <a:rPr lang="en-US" sz="2000" baseline="-25000" dirty="0"/>
-                  <a:t>RA</a:t>
-                </a:r>
-              </a:p>
-              <a:p>
-                <a:pPr marL="512763" indent="-512763">
-                  <a:lnSpc>
-                    <a:spcPct val="90000"/>
-                  </a:lnSpc>
-                  <a:spcBef>
-                    <a:spcPts val="1200"/>
-                  </a:spcBef>
-                </a:pPr>
-                <a:r>
-                  <a:rPr lang="en-US" altLang="zh-CN" sz="2000" dirty="0"/>
-                  <a:t>z = </a:t>
-                </a:r>
-                <a:r>
-                  <a:rPr lang="en-US" altLang="zh-CN" sz="2000" dirty="0" err="1"/>
-                  <a:t>Z+Lt</a:t>
-                </a:r>
-                <a:r>
-                  <a:rPr lang="en-US" altLang="zh-CN" sz="2000" dirty="0"/>
-                  <a:t>*sin(</a:t>
-                </a:r>
-                <a:r>
-                  <a:rPr lang="en-US" altLang="zh-CN" sz="2000" dirty="0" err="1"/>
-                  <a:t>θ</a:t>
-                </a:r>
-                <a:r>
-                  <a:rPr lang="en-US" altLang="zh-CN" sz="2000" baseline="-25000" dirty="0" err="1"/>
-                  <a:t>tilt</a:t>
-                </a:r>
-                <a:r>
-                  <a:rPr lang="en-US" altLang="zh-CN" sz="2000" dirty="0"/>
-                  <a:t>)</a:t>
-                </a:r>
-                <a:endParaRPr lang="en-US" sz="2000" dirty="0"/>
-              </a:p>
-            </p:txBody>
-          </p:sp>
-        </mc:Choice>
-        <mc:Fallback xmlns="">
-          <p:sp>
-            <p:nvSpPr>
-              <p:cNvPr id="71" name="TextBox 70">
-                <a:extLst>
-                  <a:ext uri="{FF2B5EF4-FFF2-40B4-BE49-F238E27FC236}">
-                    <a16:creationId xmlns:a16="http://schemas.microsoft.com/office/drawing/2014/main" id="{E86E818B-46A7-CDFD-750C-44EA86AFCF41}"/>
-                  </a:ext>
-                </a:extLst>
-              </p:cNvPr>
-              <p:cNvSpPr txBox="1">
-                <a:spLocks noRot="1" noChangeAspect="1" noMove="1" noResize="1" noEditPoints="1" noAdjustHandles="1" noChangeArrowheads="1" noChangeShapeType="1" noTextEdit="1"/>
-              </p:cNvSpPr>
-              <p:nvPr/>
-            </p:nvSpPr>
-            <p:spPr>
-              <a:xfrm>
-                <a:off x="4851920" y="748745"/>
-                <a:ext cx="4825565" cy="3664336"/>
-              </a:xfrm>
-              <a:prstGeom prst="rect">
-                <a:avLst/>
-              </a:prstGeom>
-              <a:blipFill>
-                <a:blip r:embed="rId2"/>
-                <a:stretch>
-                  <a:fillRect l="-1389" t="-1830" b="-1997"/>
-                </a:stretch>
-              </a:blipFill>
-            </p:spPr>
-            <p:txBody>
-              <a:bodyPr/>
-              <a:lstStyle/>
-              <a:p>
-                <a:r>
-                  <a:rPr lang="en-US">
-                    <a:noFill/>
-                  </a:rPr>
-                  <a:t> </a:t>
-                </a:r>
-              </a:p>
-            </p:txBody>
-          </p:sp>
-        </mc:Fallback>
-      </mc:AlternateContent>
-      <p:grpSp>
-        <p:nvGrpSpPr>
-          <p:cNvPr id="3" name="Group 2">
-            <a:extLst>
-              <a:ext uri="{FF2B5EF4-FFF2-40B4-BE49-F238E27FC236}">
-                <a16:creationId xmlns:a16="http://schemas.microsoft.com/office/drawing/2014/main" id="{D9243298-9796-8731-00C0-4FF2F79814AD}"/>
-              </a:ext>
-            </a:extLst>
-          </p:cNvPr>
-          <p:cNvGrpSpPr/>
-          <p:nvPr/>
-        </p:nvGrpSpPr>
-        <p:grpSpPr>
-          <a:xfrm>
-            <a:off x="9339977" y="-47625"/>
-            <a:ext cx="2546576" cy="6806795"/>
-            <a:chOff x="8489250" y="63905"/>
-            <a:chExt cx="2546576" cy="6806795"/>
-          </a:xfrm>
-        </p:grpSpPr>
-        <p:sp>
-          <p:nvSpPr>
-            <p:cNvPr id="6" name="TextBox 5">
-              <a:extLst>
-                <a:ext uri="{FF2B5EF4-FFF2-40B4-BE49-F238E27FC236}">
-                  <a16:creationId xmlns:a16="http://schemas.microsoft.com/office/drawing/2014/main" id="{8E34EB12-62A3-602C-2D79-821EF5BFBB07}"/>
-                </a:ext>
-              </a:extLst>
-            </p:cNvPr>
-            <p:cNvSpPr txBox="1"/>
-            <p:nvPr/>
-          </p:nvSpPr>
-          <p:spPr>
-            <a:xfrm>
-              <a:off x="9192092" y="63905"/>
-              <a:ext cx="1791260" cy="461665"/>
-            </a:xfrm>
-            <a:prstGeom prst="rect">
-              <a:avLst/>
-            </a:prstGeom>
-            <a:noFill/>
-          </p:spPr>
-          <p:txBody>
-            <a:bodyPr wrap="none" rtlCol="0">
-              <a:spAutoFit/>
-            </a:bodyPr>
-            <a:lstStyle/>
-            <a:p>
-              <a:r>
-                <a:rPr lang="en-US" sz="2400" b="1" dirty="0"/>
-                <a:t>Torus Center</a:t>
-              </a:r>
-            </a:p>
-          </p:txBody>
-        </p:sp>
-        <p:sp>
-          <p:nvSpPr>
-            <p:cNvPr id="7" name="TextBox 6">
-              <a:extLst>
-                <a:ext uri="{FF2B5EF4-FFF2-40B4-BE49-F238E27FC236}">
-                  <a16:creationId xmlns:a16="http://schemas.microsoft.com/office/drawing/2014/main" id="{01E710D7-7B07-C495-C370-352286A366C8}"/>
-                </a:ext>
-              </a:extLst>
-            </p:cNvPr>
-            <p:cNvSpPr txBox="1"/>
-            <p:nvPr/>
-          </p:nvSpPr>
-          <p:spPr>
-            <a:xfrm>
-              <a:off x="8489250" y="3019111"/>
-              <a:ext cx="1791260" cy="690638"/>
-            </a:xfrm>
-            <a:prstGeom prst="rect">
-              <a:avLst/>
-            </a:prstGeom>
-            <a:noFill/>
-          </p:spPr>
-          <p:txBody>
-            <a:bodyPr wrap="square" rtlCol="0">
-              <a:spAutoFit/>
-            </a:bodyPr>
-            <a:lstStyle/>
-            <a:p>
-              <a:pPr>
-                <a:lnSpc>
-                  <a:spcPct val="80000"/>
-                </a:lnSpc>
-              </a:pPr>
-              <a:r>
-                <a:rPr lang="en-US" sz="2400" b="1" dirty="0"/>
-                <a:t>Interaction Region (IR)</a:t>
-              </a:r>
-            </a:p>
-          </p:txBody>
-        </p:sp>
-        <p:sp>
-          <p:nvSpPr>
-            <p:cNvPr id="8" name="Oval 7">
-              <a:extLst>
-                <a:ext uri="{FF2B5EF4-FFF2-40B4-BE49-F238E27FC236}">
-                  <a16:creationId xmlns:a16="http://schemas.microsoft.com/office/drawing/2014/main" id="{16BABB1D-3DA0-9D02-3C5F-5F934EC3704D}"/>
-                </a:ext>
-              </a:extLst>
-            </p:cNvPr>
-            <p:cNvSpPr/>
-            <p:nvPr/>
-          </p:nvSpPr>
-          <p:spPr>
-            <a:xfrm>
-              <a:off x="10270150" y="3183046"/>
-              <a:ext cx="182880" cy="182880"/>
-            </a:xfrm>
-            <a:prstGeom prst="ellipse">
-              <a:avLst/>
-            </a:prstGeom>
-            <a:solidFill>
-              <a:schemeClr val="tx1"/>
-            </a:solidFill>
-          </p:spPr>
-          <p:style>
-            <a:lnRef idx="2">
-              <a:schemeClr val="accent1">
-                <a:shade val="50000"/>
-              </a:schemeClr>
-            </a:lnRef>
-            <a:fillRef idx="1">
-              <a:schemeClr val="accent1"/>
-            </a:fillRef>
-            <a:effectRef idx="0">
-              <a:schemeClr val="accent1"/>
-            </a:effectRef>
-            <a:fontRef idx="minor">
-              <a:schemeClr val="lt1"/>
-            </a:fontRef>
-          </p:style>
-          <p:txBody>
-            <a:bodyPr rtlCol="0" anchor="ctr"/>
-            <a:lstStyle/>
-            <a:p>
-              <a:pPr algn="ctr"/>
-              <a:endParaRPr lang="en-US"/>
-            </a:p>
-          </p:txBody>
-        </p:sp>
-        <p:cxnSp>
-          <p:nvCxnSpPr>
-            <p:cNvPr id="9" name="Straight Connector 8">
-              <a:extLst>
-                <a:ext uri="{FF2B5EF4-FFF2-40B4-BE49-F238E27FC236}">
-                  <a16:creationId xmlns:a16="http://schemas.microsoft.com/office/drawing/2014/main" id="{08180B5D-E80B-8788-F301-FB86913443FD}"/>
-                </a:ext>
-              </a:extLst>
-            </p:cNvPr>
-            <p:cNvCxnSpPr/>
-            <p:nvPr/>
-          </p:nvCxnSpPr>
-          <p:spPr>
-            <a:xfrm flipH="1" flipV="1">
-              <a:off x="9104400" y="265273"/>
-              <a:ext cx="1263087" cy="3017521"/>
-            </a:xfrm>
-            <a:prstGeom prst="line">
-              <a:avLst/>
-            </a:prstGeom>
-            <a:ln w="25400">
-              <a:solidFill>
-                <a:srgbClr val="FF0000"/>
-              </a:solidFill>
-            </a:ln>
-          </p:spPr>
-          <p:style>
-            <a:lnRef idx="1">
-              <a:schemeClr val="accent1"/>
-            </a:lnRef>
-            <a:fillRef idx="0">
-              <a:schemeClr val="accent1"/>
-            </a:fillRef>
-            <a:effectRef idx="0">
-              <a:schemeClr val="accent1"/>
-            </a:effectRef>
-            <a:fontRef idx="minor">
-              <a:schemeClr val="tx1"/>
-            </a:fontRef>
-          </p:style>
-        </p:cxnSp>
-        <p:sp>
-          <p:nvSpPr>
-            <p:cNvPr id="10" name="Oval 9">
-              <a:extLst>
-                <a:ext uri="{FF2B5EF4-FFF2-40B4-BE49-F238E27FC236}">
-                  <a16:creationId xmlns:a16="http://schemas.microsoft.com/office/drawing/2014/main" id="{A368AE3E-4B2A-BA1E-1DA2-0F20FB834DB7}"/>
-                </a:ext>
-              </a:extLst>
-            </p:cNvPr>
-            <p:cNvSpPr/>
-            <p:nvPr/>
-          </p:nvSpPr>
-          <p:spPr>
-            <a:xfrm>
-              <a:off x="9020470" y="200095"/>
-              <a:ext cx="182880" cy="182880"/>
-            </a:xfrm>
-            <a:prstGeom prst="ellipse">
-              <a:avLst/>
-            </a:prstGeom>
-            <a:solidFill>
-              <a:schemeClr val="tx1"/>
-            </a:solidFill>
-          </p:spPr>
-          <p:style>
-            <a:lnRef idx="2">
-              <a:schemeClr val="accent1">
-                <a:shade val="50000"/>
-              </a:schemeClr>
-            </a:lnRef>
-            <a:fillRef idx="1">
-              <a:schemeClr val="accent1"/>
-            </a:fillRef>
-            <a:effectRef idx="0">
-              <a:schemeClr val="accent1"/>
-            </a:effectRef>
-            <a:fontRef idx="minor">
-              <a:schemeClr val="lt1"/>
-            </a:fontRef>
-          </p:style>
-          <p:txBody>
-            <a:bodyPr rtlCol="0" anchor="ctr"/>
-            <a:lstStyle/>
-            <a:p>
-              <a:pPr algn="ctr"/>
-              <a:endParaRPr lang="en-US"/>
-            </a:p>
-          </p:txBody>
-        </p:sp>
-        <p:sp>
-          <p:nvSpPr>
-            <p:cNvPr id="11" name="TextBox 10">
-              <a:extLst>
-                <a:ext uri="{FF2B5EF4-FFF2-40B4-BE49-F238E27FC236}">
-                  <a16:creationId xmlns:a16="http://schemas.microsoft.com/office/drawing/2014/main" id="{81445EA2-1643-556B-5558-FA99ABF93172}"/>
-                </a:ext>
-              </a:extLst>
-            </p:cNvPr>
-            <p:cNvSpPr txBox="1"/>
-            <p:nvPr/>
-          </p:nvSpPr>
-          <p:spPr>
-            <a:xfrm>
-              <a:off x="9000400" y="6409035"/>
-              <a:ext cx="1262910" cy="461665"/>
-            </a:xfrm>
-            <a:prstGeom prst="rect">
-              <a:avLst/>
-            </a:prstGeom>
-            <a:noFill/>
-          </p:spPr>
-          <p:txBody>
-            <a:bodyPr wrap="none" rtlCol="0">
-              <a:spAutoFit/>
-            </a:bodyPr>
-            <a:lstStyle/>
-            <a:p>
-              <a:r>
-                <a:rPr lang="en-US" sz="2400" b="1"/>
-                <a:t>Window</a:t>
-              </a:r>
-            </a:p>
-          </p:txBody>
-        </p:sp>
-        <p:sp>
-          <p:nvSpPr>
-            <p:cNvPr id="12" name="Rectangle 11">
-              <a:extLst>
-                <a:ext uri="{FF2B5EF4-FFF2-40B4-BE49-F238E27FC236}">
-                  <a16:creationId xmlns:a16="http://schemas.microsoft.com/office/drawing/2014/main" id="{201BAF38-6971-BD97-4AE4-8F16FDACA9BC}"/>
-                </a:ext>
-              </a:extLst>
-            </p:cNvPr>
-            <p:cNvSpPr/>
-            <p:nvPr/>
-          </p:nvSpPr>
-          <p:spPr>
-            <a:xfrm>
-              <a:off x="9020469" y="6317013"/>
-              <a:ext cx="1347015" cy="113736"/>
-            </a:xfrm>
-            <a:prstGeom prst="rect">
-              <a:avLst/>
-            </a:prstGeom>
-          </p:spPr>
-          <p:style>
-            <a:lnRef idx="2">
-              <a:schemeClr val="accent1">
-                <a:shade val="50000"/>
-              </a:schemeClr>
-            </a:lnRef>
-            <a:fillRef idx="1">
-              <a:schemeClr val="accent1"/>
-            </a:fillRef>
-            <a:effectRef idx="0">
-              <a:schemeClr val="accent1"/>
-            </a:effectRef>
-            <a:fontRef idx="minor">
-              <a:schemeClr val="lt1"/>
-            </a:fontRef>
-          </p:style>
-          <p:txBody>
-            <a:bodyPr rtlCol="0" anchor="ctr"/>
-            <a:lstStyle/>
-            <a:p>
-              <a:pPr algn="ctr"/>
-              <a:endParaRPr lang="en-US"/>
-            </a:p>
-          </p:txBody>
-        </p:sp>
-        <p:sp>
-          <p:nvSpPr>
-            <p:cNvPr id="13" name="TextBox 12">
-              <a:extLst>
-                <a:ext uri="{FF2B5EF4-FFF2-40B4-BE49-F238E27FC236}">
-                  <a16:creationId xmlns:a16="http://schemas.microsoft.com/office/drawing/2014/main" id="{29F59754-2FE6-B701-CD44-EFEB7AFA198A}"/>
-                </a:ext>
-              </a:extLst>
-            </p:cNvPr>
-            <p:cNvSpPr txBox="1"/>
-            <p:nvPr/>
-          </p:nvSpPr>
-          <p:spPr>
-            <a:xfrm>
-              <a:off x="10190619" y="3923475"/>
-              <a:ext cx="476412" cy="461665"/>
-            </a:xfrm>
-            <a:prstGeom prst="rect">
-              <a:avLst/>
-            </a:prstGeom>
-            <a:noFill/>
-          </p:spPr>
-          <p:txBody>
-            <a:bodyPr wrap="none" rtlCol="0">
-              <a:spAutoFit/>
-            </a:bodyPr>
-            <a:lstStyle/>
-            <a:p>
-              <a:r>
-                <a:rPr lang="en-US" sz="2400" b="1" u="sng">
-                  <a:solidFill>
-                    <a:srgbClr val="FF0000"/>
-                  </a:solidFill>
-                </a:rPr>
-                <a:t>z</a:t>
-              </a:r>
-              <a:r>
-                <a:rPr lang="en-US" sz="2400" b="1" baseline="-25000">
-                  <a:solidFill>
-                    <a:srgbClr val="FF0000"/>
-                  </a:solidFill>
-                </a:rPr>
-                <a:t>IR</a:t>
-              </a:r>
-            </a:p>
-          </p:txBody>
-        </p:sp>
-        <p:sp>
-          <p:nvSpPr>
-            <p:cNvPr id="14" name="TextBox 13">
-              <a:extLst>
-                <a:ext uri="{FF2B5EF4-FFF2-40B4-BE49-F238E27FC236}">
-                  <a16:creationId xmlns:a16="http://schemas.microsoft.com/office/drawing/2014/main" id="{B7743399-B883-BED8-437D-B1A71FCF2049}"/>
-                </a:ext>
-              </a:extLst>
-            </p:cNvPr>
-            <p:cNvSpPr txBox="1"/>
-            <p:nvPr/>
-          </p:nvSpPr>
-          <p:spPr>
-            <a:xfrm>
-              <a:off x="9684409" y="1481348"/>
-              <a:ext cx="527709" cy="461665"/>
-            </a:xfrm>
-            <a:prstGeom prst="rect">
-              <a:avLst/>
-            </a:prstGeom>
-            <a:noFill/>
-          </p:spPr>
-          <p:txBody>
-            <a:bodyPr wrap="none" rtlCol="0">
-              <a:spAutoFit/>
-            </a:bodyPr>
-            <a:lstStyle/>
-            <a:p>
-              <a:r>
-                <a:rPr lang="en-US" sz="2400" b="1">
-                  <a:solidFill>
-                    <a:srgbClr val="FF0000"/>
-                  </a:solidFill>
-                </a:rPr>
-                <a:t>R</a:t>
-              </a:r>
-              <a:r>
-                <a:rPr lang="en-US" sz="2400" b="1" baseline="-25000">
-                  <a:solidFill>
-                    <a:srgbClr val="FF0000"/>
-                  </a:solidFill>
-                </a:rPr>
-                <a:t>IR</a:t>
-              </a:r>
-            </a:p>
-          </p:txBody>
-        </p:sp>
-        <p:sp>
-          <p:nvSpPr>
-            <p:cNvPr id="15" name="TextBox 14">
-              <a:extLst>
-                <a:ext uri="{FF2B5EF4-FFF2-40B4-BE49-F238E27FC236}">
-                  <a16:creationId xmlns:a16="http://schemas.microsoft.com/office/drawing/2014/main" id="{31BCC85C-BBC1-315E-A4AD-39E82036BB3E}"/>
-                </a:ext>
-              </a:extLst>
-            </p:cNvPr>
-            <p:cNvSpPr txBox="1"/>
-            <p:nvPr/>
-          </p:nvSpPr>
-          <p:spPr>
-            <a:xfrm>
-              <a:off x="9104399" y="5848803"/>
-              <a:ext cx="625620" cy="461665"/>
-            </a:xfrm>
-            <a:prstGeom prst="rect">
-              <a:avLst/>
-            </a:prstGeom>
-            <a:noFill/>
-          </p:spPr>
-          <p:txBody>
-            <a:bodyPr wrap="none" rtlCol="0">
-              <a:spAutoFit/>
-            </a:bodyPr>
-            <a:lstStyle/>
-            <a:p>
-              <a:r>
-                <a:rPr lang="en-US" sz="2400" b="1">
-                  <a:solidFill>
-                    <a:srgbClr val="FF0000"/>
-                  </a:solidFill>
-                </a:rPr>
-                <a:t>x</a:t>
-              </a:r>
-              <a:r>
-                <a:rPr lang="en-US" sz="2400" b="1" baseline="-25000">
-                  <a:solidFill>
-                    <a:srgbClr val="FF0000"/>
-                  </a:solidFill>
-                </a:rPr>
-                <a:t>RW</a:t>
-              </a:r>
-            </a:p>
-          </p:txBody>
-        </p:sp>
-        <p:cxnSp>
-          <p:nvCxnSpPr>
-            <p:cNvPr id="16" name="Straight Connector 15">
-              <a:extLst>
-                <a:ext uri="{FF2B5EF4-FFF2-40B4-BE49-F238E27FC236}">
-                  <a16:creationId xmlns:a16="http://schemas.microsoft.com/office/drawing/2014/main" id="{D3BFE37A-50D9-26B7-7D33-A50A97A4C195}"/>
-                </a:ext>
-              </a:extLst>
-            </p:cNvPr>
-            <p:cNvCxnSpPr/>
-            <p:nvPr/>
-          </p:nvCxnSpPr>
-          <p:spPr>
-            <a:xfrm>
-              <a:off x="9104399" y="6422494"/>
-              <a:ext cx="566928" cy="0"/>
-            </a:xfrm>
-            <a:prstGeom prst="line">
-              <a:avLst/>
-            </a:prstGeom>
-            <a:ln w="25400">
-              <a:solidFill>
-                <a:srgbClr val="FF0000"/>
-              </a:solidFill>
-            </a:ln>
-          </p:spPr>
-          <p:style>
-            <a:lnRef idx="1">
-              <a:schemeClr val="accent1"/>
-            </a:lnRef>
-            <a:fillRef idx="0">
-              <a:schemeClr val="accent1"/>
-            </a:fillRef>
-            <a:effectRef idx="0">
-              <a:schemeClr val="accent1"/>
-            </a:effectRef>
-            <a:fontRef idx="minor">
-              <a:schemeClr val="tx1"/>
-            </a:fontRef>
-          </p:style>
-        </p:cxnSp>
-        <p:sp>
-          <p:nvSpPr>
-            <p:cNvPr id="17" name="TextBox 16">
-              <a:extLst>
-                <a:ext uri="{FF2B5EF4-FFF2-40B4-BE49-F238E27FC236}">
-                  <a16:creationId xmlns:a16="http://schemas.microsoft.com/office/drawing/2014/main" id="{A7B8764B-D33A-A370-8AD8-E4CD97B7F2C7}"/>
-                </a:ext>
-              </a:extLst>
-            </p:cNvPr>
-            <p:cNvSpPr txBox="1"/>
-            <p:nvPr/>
-          </p:nvSpPr>
-          <p:spPr>
-            <a:xfrm>
-              <a:off x="9163482" y="5023435"/>
-              <a:ext cx="639919" cy="461665"/>
-            </a:xfrm>
-            <a:prstGeom prst="rect">
-              <a:avLst/>
-            </a:prstGeom>
-            <a:noFill/>
-          </p:spPr>
-          <p:txBody>
-            <a:bodyPr wrap="none" rtlCol="0">
-              <a:spAutoFit/>
-            </a:bodyPr>
-            <a:lstStyle/>
-            <a:p>
-              <a:r>
-                <a:rPr lang="el-GR" sz="2400" b="1" dirty="0">
-                  <a:solidFill>
-                    <a:srgbClr val="FF0000"/>
-                  </a:solidFill>
-                </a:rPr>
-                <a:t>φ</a:t>
-              </a:r>
-              <a:r>
-                <a:rPr lang="en-US" sz="2400" b="1" baseline="-25000" dirty="0">
-                  <a:solidFill>
-                    <a:srgbClr val="FF0000"/>
-                  </a:solidFill>
-                </a:rPr>
-                <a:t>RA</a:t>
-              </a:r>
-            </a:p>
-          </p:txBody>
-        </p:sp>
-        <p:sp>
-          <p:nvSpPr>
-            <p:cNvPr id="18" name="TextBox 17">
-              <a:extLst>
-                <a:ext uri="{FF2B5EF4-FFF2-40B4-BE49-F238E27FC236}">
-                  <a16:creationId xmlns:a16="http://schemas.microsoft.com/office/drawing/2014/main" id="{2509A6B8-9814-849B-405C-3AFB0E890F6F}"/>
-                </a:ext>
-              </a:extLst>
-            </p:cNvPr>
-            <p:cNvSpPr txBox="1"/>
-            <p:nvPr/>
-          </p:nvSpPr>
-          <p:spPr>
-            <a:xfrm>
-              <a:off x="9432169" y="837591"/>
-              <a:ext cx="652743" cy="461665"/>
-            </a:xfrm>
-            <a:prstGeom prst="rect">
-              <a:avLst/>
-            </a:prstGeom>
-            <a:noFill/>
-          </p:spPr>
-          <p:txBody>
-            <a:bodyPr wrap="none" rtlCol="0">
-              <a:spAutoFit/>
-            </a:bodyPr>
-            <a:lstStyle/>
-            <a:p>
-              <a:r>
-                <a:rPr lang="el-GR" sz="2400" b="1" dirty="0">
-                  <a:solidFill>
-                    <a:srgbClr val="FF0000"/>
-                  </a:solidFill>
-                </a:rPr>
-                <a:t>ψ</a:t>
-              </a:r>
-              <a:r>
-                <a:rPr lang="en-US" sz="2400" b="1" baseline="-25000" dirty="0">
-                  <a:solidFill>
-                    <a:srgbClr val="FF0000"/>
-                  </a:solidFill>
-                </a:rPr>
-                <a:t>RA</a:t>
-              </a:r>
-            </a:p>
-          </p:txBody>
-        </p:sp>
-        <p:cxnSp>
-          <p:nvCxnSpPr>
-            <p:cNvPr id="19" name="Straight Connector 18">
-              <a:extLst>
-                <a:ext uri="{FF2B5EF4-FFF2-40B4-BE49-F238E27FC236}">
-                  <a16:creationId xmlns:a16="http://schemas.microsoft.com/office/drawing/2014/main" id="{83DB11F7-AEA1-9B33-7BA1-730BDAF9D07D}"/>
-                </a:ext>
-              </a:extLst>
-            </p:cNvPr>
-            <p:cNvCxnSpPr>
-              <a:cxnSpLocks/>
-            </p:cNvCxnSpPr>
-            <p:nvPr/>
-          </p:nvCxnSpPr>
-          <p:spPr>
-            <a:xfrm flipH="1" flipV="1">
-              <a:off x="9124645" y="284193"/>
-              <a:ext cx="538384" cy="6153759"/>
-            </a:xfrm>
-            <a:prstGeom prst="line">
-              <a:avLst/>
-            </a:prstGeom>
-            <a:ln w="25400">
-              <a:solidFill>
-                <a:srgbClr val="FF0000"/>
-              </a:solidFill>
-              <a:prstDash val="sysDot"/>
-            </a:ln>
-          </p:spPr>
-          <p:style>
-            <a:lnRef idx="1">
-              <a:schemeClr val="accent1"/>
-            </a:lnRef>
-            <a:fillRef idx="0">
-              <a:schemeClr val="accent1"/>
-            </a:fillRef>
-            <a:effectRef idx="0">
-              <a:schemeClr val="accent1"/>
-            </a:effectRef>
-            <a:fontRef idx="minor">
-              <a:schemeClr val="tx1"/>
-            </a:fontRef>
-          </p:style>
-        </p:cxnSp>
-        <p:sp>
-          <p:nvSpPr>
-            <p:cNvPr id="20" name="TextBox 19">
-              <a:extLst>
-                <a:ext uri="{FF2B5EF4-FFF2-40B4-BE49-F238E27FC236}">
-                  <a16:creationId xmlns:a16="http://schemas.microsoft.com/office/drawing/2014/main" id="{79BA29D5-0EEA-704D-89F8-5ACCDF4D33B9}"/>
-                </a:ext>
-              </a:extLst>
-            </p:cNvPr>
-            <p:cNvSpPr txBox="1"/>
-            <p:nvPr/>
-          </p:nvSpPr>
-          <p:spPr>
-            <a:xfrm>
-              <a:off x="9219258" y="1714273"/>
-              <a:ext cx="526106" cy="461665"/>
-            </a:xfrm>
-            <a:prstGeom prst="rect">
-              <a:avLst/>
-            </a:prstGeom>
-            <a:noFill/>
-          </p:spPr>
-          <p:txBody>
-            <a:bodyPr wrap="none" rtlCol="0">
-              <a:spAutoFit/>
-            </a:bodyPr>
-            <a:lstStyle/>
-            <a:p>
-              <a:r>
-                <a:rPr lang="el-GR" sz="2400" b="1">
-                  <a:solidFill>
-                    <a:srgbClr val="FF0000"/>
-                  </a:solidFill>
-                </a:rPr>
-                <a:t>ψ</a:t>
-              </a:r>
-              <a:r>
-                <a:rPr lang="en-US" sz="2400" b="1" baseline="-25000">
-                  <a:solidFill>
-                    <a:srgbClr val="FF0000"/>
-                  </a:solidFill>
-                </a:rPr>
-                <a:t>X</a:t>
-              </a:r>
-            </a:p>
-          </p:txBody>
-        </p:sp>
-        <p:sp>
-          <p:nvSpPr>
-            <p:cNvPr id="21" name="TextBox 20">
-              <a:extLst>
-                <a:ext uri="{FF2B5EF4-FFF2-40B4-BE49-F238E27FC236}">
-                  <a16:creationId xmlns:a16="http://schemas.microsoft.com/office/drawing/2014/main" id="{17441E9A-CF52-802D-EB99-9FFD6D78C781}"/>
-                </a:ext>
-              </a:extLst>
-            </p:cNvPr>
-            <p:cNvSpPr txBox="1"/>
-            <p:nvPr/>
-          </p:nvSpPr>
-          <p:spPr>
-            <a:xfrm>
-              <a:off x="9401178" y="3671911"/>
-              <a:ext cx="657681" cy="461665"/>
-            </a:xfrm>
-            <a:prstGeom prst="rect">
-              <a:avLst/>
-            </a:prstGeom>
-            <a:noFill/>
-          </p:spPr>
-          <p:txBody>
-            <a:bodyPr wrap="none" rtlCol="0">
-              <a:spAutoFit/>
-            </a:bodyPr>
-            <a:lstStyle/>
-            <a:p>
-              <a:r>
-                <a:rPr lang="en-US" sz="2400" b="1" u="sng">
-                  <a:solidFill>
-                    <a:srgbClr val="FF0000"/>
-                  </a:solidFill>
-                </a:rPr>
-                <a:t>R</a:t>
-              </a:r>
-              <a:r>
-                <a:rPr lang="en-US" sz="2400" b="1" baseline="-25000">
-                  <a:solidFill>
-                    <a:srgbClr val="FF0000"/>
-                  </a:solidFill>
-                </a:rPr>
-                <a:t>RW</a:t>
-              </a:r>
-            </a:p>
-          </p:txBody>
-        </p:sp>
-        <p:sp>
-          <p:nvSpPr>
-            <p:cNvPr id="22" name="Arc 21">
-              <a:extLst>
-                <a:ext uri="{FF2B5EF4-FFF2-40B4-BE49-F238E27FC236}">
-                  <a16:creationId xmlns:a16="http://schemas.microsoft.com/office/drawing/2014/main" id="{401D740B-101F-4402-F46F-8F27D0229731}"/>
-                </a:ext>
-              </a:extLst>
-            </p:cNvPr>
-            <p:cNvSpPr/>
-            <p:nvPr/>
-          </p:nvSpPr>
-          <p:spPr>
-            <a:xfrm>
-              <a:off x="8740656" y="4952727"/>
-              <a:ext cx="2035770" cy="1331363"/>
-            </a:xfrm>
-            <a:prstGeom prst="arc">
-              <a:avLst>
-                <a:gd name="adj1" fmla="val 15154564"/>
-                <a:gd name="adj2" fmla="val 17240779"/>
-              </a:avLst>
-            </a:prstGeom>
-            <a:ln w="25400">
-              <a:solidFill>
-                <a:srgbClr val="FF0000"/>
-              </a:solidFill>
-              <a:tailEnd type="triangle" w="lg" len="lg"/>
-            </a:ln>
-          </p:spPr>
-          <p:style>
-            <a:lnRef idx="1">
-              <a:schemeClr val="accent1"/>
-            </a:lnRef>
-            <a:fillRef idx="0">
-              <a:schemeClr val="accent1"/>
-            </a:fillRef>
-            <a:effectRef idx="0">
-              <a:schemeClr val="accent1"/>
-            </a:effectRef>
-            <a:fontRef idx="minor">
-              <a:schemeClr val="tx1"/>
-            </a:fontRef>
-          </p:style>
-          <p:txBody>
-            <a:bodyPr rtlCol="0" anchor="ctr"/>
-            <a:lstStyle/>
-            <a:p>
-              <a:pPr algn="ctr"/>
-              <a:endParaRPr lang="en-US"/>
-            </a:p>
-          </p:txBody>
-        </p:sp>
-        <p:sp>
-          <p:nvSpPr>
-            <p:cNvPr id="23" name="TextBox 22">
-              <a:extLst>
-                <a:ext uri="{FF2B5EF4-FFF2-40B4-BE49-F238E27FC236}">
-                  <a16:creationId xmlns:a16="http://schemas.microsoft.com/office/drawing/2014/main" id="{AB33B8F6-F3C0-D98E-DC11-7FDEC30521A8}"/>
-                </a:ext>
-              </a:extLst>
-            </p:cNvPr>
-            <p:cNvSpPr txBox="1"/>
-            <p:nvPr/>
-          </p:nvSpPr>
-          <p:spPr>
-            <a:xfrm>
-              <a:off x="9943350" y="4730377"/>
-              <a:ext cx="639919" cy="461665"/>
-            </a:xfrm>
-            <a:prstGeom prst="rect">
-              <a:avLst/>
-            </a:prstGeom>
-            <a:noFill/>
-          </p:spPr>
-          <p:txBody>
-            <a:bodyPr wrap="none" rtlCol="0">
-              <a:spAutoFit/>
-            </a:bodyPr>
-            <a:lstStyle/>
-            <a:p>
-              <a:r>
-                <a:rPr lang="el-GR" sz="2400" b="1" u="sng">
-                  <a:solidFill>
-                    <a:srgbClr val="FF0000"/>
-                  </a:solidFill>
-                </a:rPr>
-                <a:t>φ</a:t>
-              </a:r>
-              <a:r>
-                <a:rPr lang="en-US" sz="2400" b="1" baseline="-25000">
-                  <a:solidFill>
-                    <a:srgbClr val="FF0000"/>
-                  </a:solidFill>
-                </a:rPr>
-                <a:t>RA</a:t>
-              </a:r>
-            </a:p>
-          </p:txBody>
-        </p:sp>
-        <p:sp>
-          <p:nvSpPr>
-            <p:cNvPr id="24" name="TextBox 23">
-              <a:extLst>
-                <a:ext uri="{FF2B5EF4-FFF2-40B4-BE49-F238E27FC236}">
-                  <a16:creationId xmlns:a16="http://schemas.microsoft.com/office/drawing/2014/main" id="{9E380107-27E7-E4C8-09F3-7AB6D73EF88F}"/>
-                </a:ext>
-              </a:extLst>
-            </p:cNvPr>
-            <p:cNvSpPr txBox="1"/>
-            <p:nvPr/>
-          </p:nvSpPr>
-          <p:spPr>
-            <a:xfrm>
-              <a:off x="10031184" y="1972147"/>
-              <a:ext cx="527709" cy="461665"/>
-            </a:xfrm>
-            <a:prstGeom prst="rect">
-              <a:avLst/>
-            </a:prstGeom>
-            <a:noFill/>
-          </p:spPr>
-          <p:txBody>
-            <a:bodyPr wrap="none" rtlCol="0">
-              <a:spAutoFit/>
-            </a:bodyPr>
-            <a:lstStyle/>
-            <a:p>
-              <a:r>
-                <a:rPr lang="el-GR" sz="2400" b="1">
-                  <a:solidFill>
-                    <a:srgbClr val="FF0000"/>
-                  </a:solidFill>
-                </a:rPr>
-                <a:t>ψ</a:t>
-              </a:r>
-              <a:r>
-                <a:rPr lang="en-US" sz="2400" b="1" baseline="-25000">
-                  <a:solidFill>
-                    <a:srgbClr val="FF0000"/>
-                  </a:solidFill>
-                </a:rPr>
-                <a:t>R</a:t>
-              </a:r>
-            </a:p>
-          </p:txBody>
-        </p:sp>
-        <p:sp>
-          <p:nvSpPr>
-            <p:cNvPr id="25" name="Arc 24">
-              <a:extLst>
-                <a:ext uri="{FF2B5EF4-FFF2-40B4-BE49-F238E27FC236}">
-                  <a16:creationId xmlns:a16="http://schemas.microsoft.com/office/drawing/2014/main" id="{454432F0-B683-B93D-6AB7-5406B513133C}"/>
-                </a:ext>
-              </a:extLst>
-            </p:cNvPr>
-            <p:cNvSpPr/>
-            <p:nvPr/>
-          </p:nvSpPr>
-          <p:spPr>
-            <a:xfrm>
-              <a:off x="9690625" y="2504520"/>
-              <a:ext cx="1345201" cy="761856"/>
-            </a:xfrm>
-            <a:prstGeom prst="arc">
-              <a:avLst>
-                <a:gd name="adj1" fmla="val 13563517"/>
-                <a:gd name="adj2" fmla="val 17774983"/>
-              </a:avLst>
-            </a:prstGeom>
-            <a:ln w="25400">
-              <a:solidFill>
-                <a:srgbClr val="FF0000"/>
-              </a:solidFill>
-              <a:tailEnd type="triangle" w="lg" len="lg"/>
-            </a:ln>
-          </p:spPr>
-          <p:style>
-            <a:lnRef idx="1">
-              <a:schemeClr val="accent1"/>
-            </a:lnRef>
-            <a:fillRef idx="0">
-              <a:schemeClr val="accent1"/>
-            </a:fillRef>
-            <a:effectRef idx="0">
-              <a:schemeClr val="accent1"/>
-            </a:effectRef>
-            <a:fontRef idx="minor">
-              <a:schemeClr val="tx1"/>
-            </a:fontRef>
-          </p:style>
-          <p:txBody>
-            <a:bodyPr rtlCol="0" anchor="ctr"/>
-            <a:lstStyle/>
-            <a:p>
-              <a:pPr algn="ctr"/>
-              <a:endParaRPr lang="en-US"/>
-            </a:p>
-          </p:txBody>
-        </p:sp>
-        <p:cxnSp>
-          <p:nvCxnSpPr>
-            <p:cNvPr id="4" name="Straight Connector 3">
-              <a:extLst>
-                <a:ext uri="{FF2B5EF4-FFF2-40B4-BE49-F238E27FC236}">
-                  <a16:creationId xmlns:a16="http://schemas.microsoft.com/office/drawing/2014/main" id="{B190E348-1BF3-1F76-B25F-57879626544A}"/>
-                </a:ext>
-              </a:extLst>
-            </p:cNvPr>
-            <p:cNvCxnSpPr>
-              <a:cxnSpLocks/>
-            </p:cNvCxnSpPr>
-            <p:nvPr/>
-          </p:nvCxnSpPr>
-          <p:spPr>
-            <a:xfrm flipV="1">
-              <a:off x="9112578" y="276424"/>
-              <a:ext cx="0" cy="6154325"/>
-            </a:xfrm>
-            <a:prstGeom prst="line">
-              <a:avLst/>
-            </a:prstGeom>
-            <a:ln w="25400">
-              <a:solidFill>
-                <a:srgbClr val="FF0000"/>
-              </a:solidFill>
-            </a:ln>
-          </p:spPr>
-          <p:style>
-            <a:lnRef idx="1">
-              <a:schemeClr val="accent1"/>
-            </a:lnRef>
-            <a:fillRef idx="0">
-              <a:schemeClr val="accent1"/>
-            </a:fillRef>
-            <a:effectRef idx="0">
-              <a:schemeClr val="accent1"/>
-            </a:effectRef>
-            <a:fontRef idx="minor">
-              <a:schemeClr val="tx1"/>
-            </a:fontRef>
-          </p:style>
-        </p:cxnSp>
-        <p:cxnSp>
-          <p:nvCxnSpPr>
-            <p:cNvPr id="5" name="Straight Connector 4">
-              <a:extLst>
-                <a:ext uri="{FF2B5EF4-FFF2-40B4-BE49-F238E27FC236}">
-                  <a16:creationId xmlns:a16="http://schemas.microsoft.com/office/drawing/2014/main" id="{11D19A15-1470-C970-84E5-EDDA59B45F75}"/>
-                </a:ext>
-              </a:extLst>
-            </p:cNvPr>
-            <p:cNvCxnSpPr>
-              <a:cxnSpLocks/>
-              <a:stCxn id="12" idx="2"/>
-            </p:cNvCxnSpPr>
-            <p:nvPr/>
-          </p:nvCxnSpPr>
-          <p:spPr>
-            <a:xfrm flipV="1">
-              <a:off x="9693977" y="2279806"/>
-              <a:ext cx="909960" cy="4150943"/>
-            </a:xfrm>
-            <a:prstGeom prst="line">
-              <a:avLst/>
-            </a:prstGeom>
-            <a:ln w="25400">
-              <a:solidFill>
-                <a:srgbClr val="FF0000"/>
-              </a:solidFill>
-            </a:ln>
-          </p:spPr>
-          <p:style>
-            <a:lnRef idx="1">
-              <a:schemeClr val="accent1"/>
-            </a:lnRef>
-            <a:fillRef idx="0">
-              <a:schemeClr val="accent1"/>
-            </a:fillRef>
-            <a:effectRef idx="0">
-              <a:schemeClr val="accent1"/>
-            </a:effectRef>
-            <a:fontRef idx="minor">
-              <a:schemeClr val="tx1"/>
-            </a:fontRef>
-          </p:style>
-        </p:cxnSp>
-        <p:sp>
-          <p:nvSpPr>
-            <p:cNvPr id="36" name="Arc 35">
-              <a:extLst>
-                <a:ext uri="{FF2B5EF4-FFF2-40B4-BE49-F238E27FC236}">
-                  <a16:creationId xmlns:a16="http://schemas.microsoft.com/office/drawing/2014/main" id="{7284962D-7E97-BCCE-4396-8077A5BB212A}"/>
-                </a:ext>
-              </a:extLst>
-            </p:cNvPr>
-            <p:cNvSpPr/>
-            <p:nvPr/>
-          </p:nvSpPr>
-          <p:spPr>
-            <a:xfrm>
-              <a:off x="8759568" y="5503223"/>
-              <a:ext cx="1345201" cy="761856"/>
-            </a:xfrm>
-            <a:prstGeom prst="arc">
-              <a:avLst>
-                <a:gd name="adj1" fmla="val 13563517"/>
-                <a:gd name="adj2" fmla="val 19879267"/>
-              </a:avLst>
-            </a:prstGeom>
-            <a:ln w="25400">
-              <a:solidFill>
-                <a:srgbClr val="FF0000"/>
-              </a:solidFill>
-              <a:tailEnd type="triangle" w="lg" len="lg"/>
-            </a:ln>
-          </p:spPr>
-          <p:style>
-            <a:lnRef idx="1">
-              <a:schemeClr val="accent1"/>
-            </a:lnRef>
-            <a:fillRef idx="0">
-              <a:schemeClr val="accent1"/>
-            </a:fillRef>
-            <a:effectRef idx="0">
-              <a:schemeClr val="accent1"/>
-            </a:effectRef>
-            <a:fontRef idx="minor">
-              <a:schemeClr val="tx1"/>
-            </a:fontRef>
-          </p:style>
-          <p:txBody>
-            <a:bodyPr rtlCol="0" anchor="ctr"/>
-            <a:lstStyle/>
-            <a:p>
-              <a:pPr algn="ctr"/>
-              <a:endParaRPr lang="en-US"/>
-            </a:p>
-          </p:txBody>
-        </p:sp>
-      </p:grpSp>
-      <p:sp>
-        <p:nvSpPr>
-          <p:cNvPr id="26" name="TextBox 25">
-            <a:extLst>
-              <a:ext uri="{FF2B5EF4-FFF2-40B4-BE49-F238E27FC236}">
-                <a16:creationId xmlns:a16="http://schemas.microsoft.com/office/drawing/2014/main" id="{6BE52CB9-111C-1AB5-5047-4CE6ADA3F5B4}"/>
-              </a:ext>
-            </a:extLst>
-          </p:cNvPr>
-          <p:cNvSpPr txBox="1"/>
-          <p:nvPr/>
-        </p:nvSpPr>
-        <p:spPr>
-          <a:xfrm>
-            <a:off x="8845941" y="2232190"/>
-            <a:ext cx="657681" cy="461665"/>
-          </a:xfrm>
-          <a:prstGeom prst="rect">
-            <a:avLst/>
-          </a:prstGeom>
-          <a:noFill/>
-        </p:spPr>
-        <p:txBody>
-          <a:bodyPr wrap="none" rtlCol="0">
-            <a:spAutoFit/>
-          </a:bodyPr>
-          <a:lstStyle/>
-          <a:p>
-            <a:r>
-              <a:rPr lang="en-US" sz="2400" b="1" dirty="0">
-                <a:solidFill>
-                  <a:srgbClr val="FF0000"/>
-                </a:solidFill>
-              </a:rPr>
-              <a:t>R</a:t>
-            </a:r>
-            <a:r>
-              <a:rPr lang="en-US" sz="2400" b="1" baseline="-25000" dirty="0">
-                <a:solidFill>
-                  <a:srgbClr val="FF0000"/>
-                </a:solidFill>
-              </a:rPr>
-              <a:t>RW</a:t>
-            </a:r>
-          </a:p>
-        </p:txBody>
-      </p:sp>
-      <p:sp>
-        <p:nvSpPr>
-          <p:cNvPr id="27" name="TextBox 26">
-            <a:extLst>
-              <a:ext uri="{FF2B5EF4-FFF2-40B4-BE49-F238E27FC236}">
-                <a16:creationId xmlns:a16="http://schemas.microsoft.com/office/drawing/2014/main" id="{85C90A73-2126-C197-D29C-6AE3F620DE2F}"/>
-              </a:ext>
-            </a:extLst>
-          </p:cNvPr>
-          <p:cNvSpPr txBox="1"/>
-          <p:nvPr/>
-        </p:nvSpPr>
-        <p:spPr>
-          <a:xfrm>
-            <a:off x="0" y="76273"/>
-            <a:ext cx="3810000" cy="523220"/>
-          </a:xfrm>
-          <a:prstGeom prst="rect">
-            <a:avLst/>
-          </a:prstGeom>
-          <a:noFill/>
-        </p:spPr>
-        <p:txBody>
-          <a:bodyPr wrap="square" rtlCol="0">
-            <a:spAutoFit/>
-          </a:bodyPr>
-          <a:lstStyle/>
-          <a:p>
-            <a:r>
-              <a:rPr lang="en-US" sz="2800" b="1" dirty="0"/>
-              <a:t>Finally ,we have </a:t>
-            </a:r>
-          </a:p>
-        </p:txBody>
-      </p:sp>
-      <p:sp>
-        <p:nvSpPr>
-          <p:cNvPr id="34" name="Arc 33">
-            <a:extLst>
-              <a:ext uri="{FF2B5EF4-FFF2-40B4-BE49-F238E27FC236}">
-                <a16:creationId xmlns:a16="http://schemas.microsoft.com/office/drawing/2014/main" id="{F5E57B22-90A0-3AF8-E355-1CE24301639B}"/>
-              </a:ext>
-            </a:extLst>
-          </p:cNvPr>
-          <p:cNvSpPr/>
-          <p:nvPr/>
-        </p:nvSpPr>
-        <p:spPr>
-          <a:xfrm flipV="1">
-            <a:off x="9078367" y="247256"/>
-            <a:ext cx="1739744" cy="975903"/>
-          </a:xfrm>
-          <a:prstGeom prst="arc">
-            <a:avLst>
-              <a:gd name="adj1" fmla="val 16422786"/>
-              <a:gd name="adj2" fmla="val 19090865"/>
-            </a:avLst>
-          </a:prstGeom>
-          <a:ln w="25400">
-            <a:solidFill>
-              <a:srgbClr val="FF0000"/>
-            </a:solidFill>
-            <a:tailEnd type="triangle" w="lg" len="lg"/>
-          </a:ln>
-        </p:spPr>
-        <p:style>
-          <a:lnRef idx="1">
-            <a:schemeClr val="accent1"/>
-          </a:lnRef>
-          <a:fillRef idx="0">
-            <a:schemeClr val="accent1"/>
-          </a:fillRef>
-          <a:effectRef idx="0">
-            <a:schemeClr val="accent1"/>
-          </a:effectRef>
-          <a:fontRef idx="minor">
-            <a:schemeClr val="tx1"/>
-          </a:fontRef>
-        </p:style>
-        <p:txBody>
-          <a:bodyPr rtlCol="0" anchor="ctr"/>
-          <a:lstStyle/>
-          <a:p>
-            <a:pPr algn="ctr"/>
-            <a:endParaRPr lang="en-US"/>
-          </a:p>
-        </p:txBody>
-      </p:sp>
-      <p:sp>
-        <p:nvSpPr>
-          <p:cNvPr id="35" name="Arc 34">
-            <a:extLst>
-              <a:ext uri="{FF2B5EF4-FFF2-40B4-BE49-F238E27FC236}">
-                <a16:creationId xmlns:a16="http://schemas.microsoft.com/office/drawing/2014/main" id="{0E8FB807-2CB9-6081-FD8B-4CF69937E348}"/>
-              </a:ext>
-            </a:extLst>
-          </p:cNvPr>
-          <p:cNvSpPr/>
-          <p:nvPr/>
-        </p:nvSpPr>
-        <p:spPr>
-          <a:xfrm flipV="1">
-            <a:off x="9115933" y="989846"/>
-            <a:ext cx="1739744" cy="975903"/>
-          </a:xfrm>
-          <a:prstGeom prst="arc">
-            <a:avLst>
-              <a:gd name="adj1" fmla="val 16028661"/>
-              <a:gd name="adj2" fmla="val 17510083"/>
-            </a:avLst>
-          </a:prstGeom>
-          <a:ln w="25400">
-            <a:solidFill>
-              <a:srgbClr val="FF0000"/>
-            </a:solidFill>
-            <a:tailEnd type="triangle" w="lg" len="lg"/>
-          </a:ln>
-        </p:spPr>
-        <p:style>
-          <a:lnRef idx="1">
-            <a:schemeClr val="accent1"/>
-          </a:lnRef>
-          <a:fillRef idx="0">
-            <a:schemeClr val="accent1"/>
-          </a:fillRef>
-          <a:effectRef idx="0">
-            <a:schemeClr val="accent1"/>
-          </a:effectRef>
-          <a:fontRef idx="minor">
-            <a:schemeClr val="tx1"/>
-          </a:fontRef>
-        </p:style>
-        <p:txBody>
-          <a:bodyPr rtlCol="0" anchor="ctr"/>
-          <a:lstStyle/>
-          <a:p>
-            <a:pPr algn="ctr"/>
-            <a:endParaRPr lang="en-US"/>
-          </a:p>
-        </p:txBody>
-      </p:sp>
-      <mc:AlternateContent xmlns:mc="http://schemas.openxmlformats.org/markup-compatibility/2006" xmlns:a14="http://schemas.microsoft.com/office/drawing/2010/main">
-        <mc:Choice Requires="a14">
-          <p:sp>
-            <p:nvSpPr>
-              <p:cNvPr id="37" name="TextBox 36">
-                <a:extLst>
-                  <a:ext uri="{FF2B5EF4-FFF2-40B4-BE49-F238E27FC236}">
-                    <a16:creationId xmlns:a16="http://schemas.microsoft.com/office/drawing/2014/main" id="{414E8666-D0BF-2414-8670-C582A4BD4F78}"/>
-                  </a:ext>
-                </a:extLst>
-              </p:cNvPr>
-              <p:cNvSpPr txBox="1"/>
-              <p:nvPr/>
-            </p:nvSpPr>
-            <p:spPr>
-              <a:xfrm>
-                <a:off x="5299226" y="4430497"/>
-                <a:ext cx="3567384" cy="2585323"/>
-              </a:xfrm>
-              <a:prstGeom prst="rect">
-                <a:avLst/>
-              </a:prstGeom>
-              <a:noFill/>
-            </p:spPr>
-            <p:txBody>
-              <a:bodyPr wrap="square" rtlCol="0">
-                <a:spAutoFit/>
-              </a:bodyPr>
-              <a:lstStyle/>
-              <a:p>
-                <a:pPr marL="285750" indent="-285750">
-                  <a:buFont typeface="Arial" panose="020B0604020202020204" pitchFamily="34" charset="0"/>
-                  <a:buChar char="•"/>
-                </a:pPr>
-                <a:r>
-                  <a:rPr lang="en-US" dirty="0"/>
-                  <a:t>For receiver carriage with four axis ,we can arrange the focus distance :</a:t>
-                </a:r>
-                <a:r>
-                  <a:rPr lang="en-US" u="sng" dirty="0" err="1"/>
-                  <a:t>Z</a:t>
-                </a:r>
-                <a:r>
-                  <a:rPr lang="en-US" baseline="-25000" dirty="0" err="1"/>
-                  <a:t>IR</a:t>
-                </a:r>
-                <a:r>
-                  <a:rPr lang="en-US" dirty="0" err="1"/>
-                  <a:t>,the</a:t>
-                </a:r>
-                <a:r>
-                  <a:rPr lang="en-US" dirty="0"/>
-                  <a:t> toroidal angle </a:t>
-                </a:r>
-                <a:r>
-                  <a:rPr lang="en-US" altLang="zh-CN" dirty="0"/>
-                  <a:t>α </a:t>
-                </a:r>
-                <a:r>
-                  <a:rPr lang="zh-CN" altLang="en-US" dirty="0"/>
-                  <a:t>，</a:t>
-                </a:r>
-                <a:r>
-                  <a:rPr lang="en-US" altLang="zh-CN" dirty="0"/>
-                  <a:t>the poloidal tilt angle :</a:t>
-                </a:r>
-                <a14:m>
-                  <m:oMath xmlns:m="http://schemas.openxmlformats.org/officeDocument/2006/math">
-                    <m:sSub>
-                      <m:sSubPr>
-                        <m:ctrlPr>
-                          <a:rPr lang="en-US" altLang="zh-CN" b="0" i="1" smtClean="0">
-                            <a:latin typeface="Cambria Math" panose="02040503050406030204" pitchFamily="18" charset="0"/>
-                          </a:rPr>
-                        </m:ctrlPr>
-                      </m:sSubPr>
-                      <m:e>
-                        <m:r>
-                          <a:rPr lang="en-US" altLang="zh-CN" b="0" i="1" smtClean="0">
-                            <a:latin typeface="Cambria Math" panose="02040503050406030204" pitchFamily="18" charset="0"/>
-                          </a:rPr>
-                          <m:t>𝜃</m:t>
-                        </m:r>
-                      </m:e>
-                      <m:sub>
-                        <m:r>
-                          <a:rPr lang="en-US" altLang="zh-CN" b="0" i="1" smtClean="0">
-                            <a:latin typeface="Cambria Math" panose="02040503050406030204" pitchFamily="18" charset="0"/>
-                          </a:rPr>
-                          <m:t>𝑡𝑖𝑙𝑡</m:t>
-                        </m:r>
-                      </m:sub>
-                    </m:sSub>
-                  </m:oMath>
-                </a14:m>
-                <a:r>
-                  <a:rPr lang="en-US" dirty="0"/>
-                  <a:t> and the antenna height Z .input(</a:t>
-                </a:r>
-                <a:r>
-                  <a:rPr lang="en-US" u="sng" dirty="0"/>
-                  <a:t>Z</a:t>
-                </a:r>
-                <a:r>
-                  <a:rPr lang="en-US" baseline="-25000" dirty="0"/>
-                  <a:t>IR</a:t>
-                </a:r>
-                <a:r>
-                  <a:rPr lang="en-US" dirty="0"/>
-                  <a:t>,</a:t>
-                </a:r>
-                <a:r>
-                  <a:rPr lang="en-US" altLang="zh-CN" dirty="0"/>
-                  <a:t> α,</a:t>
-                </a:r>
-                <a:r>
-                  <a:rPr lang="en-US" altLang="zh-CN" b="0" dirty="0"/>
-                  <a:t> </a:t>
-                </a:r>
-                <a14:m>
-                  <m:oMath xmlns:m="http://schemas.openxmlformats.org/officeDocument/2006/math">
-                    <m:sSub>
-                      <m:sSubPr>
-                        <m:ctrlPr>
-                          <a:rPr lang="en-US" altLang="zh-CN" b="0" i="1" smtClean="0">
-                            <a:latin typeface="Cambria Math" panose="02040503050406030204" pitchFamily="18" charset="0"/>
-                          </a:rPr>
-                        </m:ctrlPr>
-                      </m:sSubPr>
-                      <m:e>
-                        <m:r>
-                          <a:rPr lang="en-US" altLang="zh-CN" b="0" i="1" smtClean="0">
-                            <a:latin typeface="Cambria Math" panose="02040503050406030204" pitchFamily="18" charset="0"/>
-                          </a:rPr>
-                          <m:t>𝜃</m:t>
-                        </m:r>
-                      </m:e>
-                      <m:sub>
-                        <m:r>
-                          <a:rPr lang="en-US" altLang="zh-CN" b="0" i="1" smtClean="0">
-                            <a:latin typeface="Cambria Math" panose="02040503050406030204" pitchFamily="18" charset="0"/>
-                          </a:rPr>
-                          <m:t>𝑡𝑖𝑙𝑡</m:t>
-                        </m:r>
-                      </m:sub>
-                    </m:sSub>
-                  </m:oMath>
-                </a14:m>
-                <a:r>
-                  <a:rPr lang="en-US" dirty="0"/>
-                  <a:t> ,Z) we will get the IR position(</a:t>
-                </a:r>
-                <a:r>
-                  <a:rPr lang="el-GR" dirty="0"/>
-                  <a:t>ψ</a:t>
-                </a:r>
-                <a:r>
-                  <a:rPr lang="en-US" baseline="-25000" dirty="0"/>
-                  <a:t>RA</a:t>
-                </a:r>
-                <a:r>
-                  <a:rPr lang="en-US" dirty="0"/>
-                  <a:t> , </a:t>
-                </a:r>
-                <a:r>
-                  <a:rPr lang="en-US" dirty="0" err="1"/>
-                  <a:t>R</a:t>
-                </a:r>
-                <a:r>
-                  <a:rPr lang="en-US" baseline="-25000" dirty="0" err="1"/>
-                  <a:t>IR</a:t>
-                </a:r>
-                <a:r>
-                  <a:rPr lang="en-US" dirty="0" err="1"/>
-                  <a:t>,z</a:t>
-                </a:r>
-                <a:r>
-                  <a:rPr lang="en-US" dirty="0"/>
-                  <a:t>) and receiver angle </a:t>
-                </a:r>
-                <a:r>
-                  <a:rPr lang="el-GR" dirty="0"/>
-                  <a:t>ψ</a:t>
-                </a:r>
-                <a:r>
-                  <a:rPr lang="en-US" baseline="-25000" dirty="0"/>
-                  <a:t>R</a:t>
-                </a:r>
-                <a:endParaRPr lang="en-US" dirty="0"/>
-              </a:p>
-              <a:p>
-                <a:pPr marL="285750" indent="-285750">
-                  <a:buFont typeface="Arial" panose="020B0604020202020204" pitchFamily="34" charset="0"/>
-                  <a:buChar char="•"/>
-                </a:pPr>
-                <a:endParaRPr lang="en-US" dirty="0"/>
-              </a:p>
-            </p:txBody>
-          </p:sp>
-        </mc:Choice>
-        <mc:Fallback xmlns="">
-          <p:sp>
-            <p:nvSpPr>
-              <p:cNvPr id="37" name="TextBox 36">
-                <a:extLst>
-                  <a:ext uri="{FF2B5EF4-FFF2-40B4-BE49-F238E27FC236}">
-                    <a16:creationId xmlns:a16="http://schemas.microsoft.com/office/drawing/2014/main" id="{414E8666-D0BF-2414-8670-C582A4BD4F78}"/>
-                  </a:ext>
-                </a:extLst>
-              </p:cNvPr>
-              <p:cNvSpPr txBox="1">
-                <a:spLocks noRot="1" noChangeAspect="1" noMove="1" noResize="1" noEditPoints="1" noAdjustHandles="1" noChangeArrowheads="1" noChangeShapeType="1" noTextEdit="1"/>
-              </p:cNvSpPr>
-              <p:nvPr/>
-            </p:nvSpPr>
-            <p:spPr>
-              <a:xfrm>
-                <a:off x="5299226" y="4430497"/>
-                <a:ext cx="3567384" cy="2585323"/>
-              </a:xfrm>
-              <a:prstGeom prst="rect">
-                <a:avLst/>
-              </a:prstGeom>
-              <a:blipFill>
-                <a:blip r:embed="rId3"/>
-                <a:stretch>
-                  <a:fillRect l="-1026" t="-1179"/>
-                </a:stretch>
-              </a:blipFill>
-            </p:spPr>
-            <p:txBody>
-              <a:bodyPr/>
-              <a:lstStyle/>
-              <a:p>
-                <a:r>
-                  <a:rPr lang="en-US">
-                    <a:noFill/>
-                  </a:rPr>
-                  <a:t> </a:t>
-                </a:r>
-              </a:p>
-            </p:txBody>
-          </p:sp>
-        </mc:Fallback>
-      </mc:AlternateContent>
-      <p:sp>
-        <p:nvSpPr>
-          <p:cNvPr id="39" name="TextBox 38">
-            <a:extLst>
-              <a:ext uri="{FF2B5EF4-FFF2-40B4-BE49-F238E27FC236}">
-                <a16:creationId xmlns:a16="http://schemas.microsoft.com/office/drawing/2014/main" id="{376ADFA8-B205-3234-961C-FA806B7CF960}"/>
-              </a:ext>
-            </a:extLst>
-          </p:cNvPr>
-          <p:cNvSpPr txBox="1"/>
-          <p:nvPr/>
-        </p:nvSpPr>
-        <p:spPr>
-          <a:xfrm>
-            <a:off x="161393" y="670415"/>
-            <a:ext cx="5164997" cy="6234271"/>
-          </a:xfrm>
-          <a:prstGeom prst="rect">
-            <a:avLst/>
-          </a:prstGeom>
-          <a:noFill/>
-        </p:spPr>
-        <p:txBody>
-          <a:bodyPr wrap="square" rtlCol="0">
-            <a:spAutoFit/>
-          </a:bodyPr>
-          <a:lstStyle/>
-          <a:p>
-            <a:pPr marL="512763" indent="-512763">
-              <a:lnSpc>
-                <a:spcPct val="90000"/>
-              </a:lnSpc>
-              <a:spcBef>
-                <a:spcPts val="600"/>
-              </a:spcBef>
-            </a:pPr>
-            <a:r>
-              <a:rPr lang="en-US" sz="1600" dirty="0" err="1">
-                <a:solidFill>
-                  <a:schemeClr val="bg1">
-                    <a:lumMod val="50000"/>
-                  </a:schemeClr>
-                </a:solidFill>
-              </a:rPr>
-              <a:t>x</a:t>
-            </a:r>
-            <a:r>
-              <a:rPr lang="en-US" sz="1600" baseline="-25000" dirty="0" err="1">
-                <a:solidFill>
-                  <a:schemeClr val="bg1">
-                    <a:lumMod val="50000"/>
-                  </a:schemeClr>
-                </a:solidFill>
-              </a:rPr>
-              <a:t>RW</a:t>
-            </a:r>
-            <a:r>
-              <a:rPr lang="en-US" sz="1600" dirty="0">
-                <a:solidFill>
-                  <a:schemeClr val="bg1">
-                    <a:lumMod val="50000"/>
-                  </a:schemeClr>
-                </a:solidFill>
-              </a:rPr>
-              <a:t> = x-axis offset of receiver beam on window</a:t>
-            </a:r>
-            <a:br>
-              <a:rPr lang="en-US" sz="1600" dirty="0">
-                <a:solidFill>
-                  <a:schemeClr val="bg1">
-                    <a:lumMod val="50000"/>
-                  </a:schemeClr>
-                </a:solidFill>
-              </a:rPr>
-            </a:br>
-            <a:r>
-              <a:rPr lang="en-US" sz="1600" dirty="0">
-                <a:solidFill>
-                  <a:schemeClr val="bg1">
-                    <a:lumMod val="50000"/>
-                  </a:schemeClr>
-                </a:solidFill>
-              </a:rPr>
-              <a:t>(nominally half of window width or 58 mm)</a:t>
-            </a:r>
-          </a:p>
-          <a:p>
-            <a:pPr marL="512763" indent="-512763">
-              <a:lnSpc>
-                <a:spcPct val="90000"/>
-              </a:lnSpc>
-              <a:spcBef>
-                <a:spcPts val="600"/>
-              </a:spcBef>
-            </a:pPr>
-            <a:r>
-              <a:rPr lang="el-GR" sz="1600" dirty="0">
-                <a:solidFill>
-                  <a:schemeClr val="bg1">
-                    <a:lumMod val="50000"/>
-                  </a:schemeClr>
-                </a:solidFill>
-              </a:rPr>
-              <a:t>φ</a:t>
-            </a:r>
-            <a:r>
-              <a:rPr lang="en-US" sz="1600" baseline="-25000" dirty="0">
-                <a:solidFill>
-                  <a:schemeClr val="bg1">
-                    <a:lumMod val="50000"/>
-                  </a:schemeClr>
-                </a:solidFill>
-              </a:rPr>
-              <a:t>RA</a:t>
-            </a:r>
-            <a:r>
-              <a:rPr lang="en-US" sz="1600" dirty="0">
-                <a:solidFill>
-                  <a:schemeClr val="bg1">
-                    <a:lumMod val="50000"/>
-                  </a:schemeClr>
-                </a:solidFill>
-              </a:rPr>
-              <a:t> = horizontal tilt of receiver array and optics</a:t>
-            </a:r>
-            <a:br>
-              <a:rPr lang="en-US" sz="1600" dirty="0">
-                <a:solidFill>
-                  <a:schemeClr val="bg1">
-                    <a:lumMod val="50000"/>
-                  </a:schemeClr>
-                </a:solidFill>
-              </a:rPr>
-            </a:br>
-            <a:r>
-              <a:rPr lang="en-US" sz="1600" dirty="0">
-                <a:solidFill>
-                  <a:schemeClr val="bg1">
-                    <a:lumMod val="50000"/>
-                  </a:schemeClr>
-                </a:solidFill>
-              </a:rPr>
-              <a:t>(between 11.39 and 15.39°)</a:t>
-            </a:r>
-          </a:p>
-          <a:p>
-            <a:pPr marL="512763" indent="-512763">
-              <a:lnSpc>
-                <a:spcPct val="90000"/>
-              </a:lnSpc>
-              <a:spcBef>
-                <a:spcPts val="600"/>
-              </a:spcBef>
-            </a:pPr>
-            <a:r>
-              <a:rPr lang="en-US" sz="1600" dirty="0" err="1">
-                <a:solidFill>
-                  <a:schemeClr val="bg1">
-                    <a:lumMod val="50000"/>
-                  </a:schemeClr>
-                </a:solidFill>
-              </a:rPr>
-              <a:t>z</a:t>
-            </a:r>
-            <a:r>
-              <a:rPr lang="en-US" sz="1600" baseline="-25000" dirty="0" err="1">
-                <a:solidFill>
-                  <a:schemeClr val="bg1">
-                    <a:lumMod val="50000"/>
-                  </a:schemeClr>
-                </a:solidFill>
-              </a:rPr>
-              <a:t>IR</a:t>
-            </a:r>
-            <a:r>
-              <a:rPr lang="en-US" sz="1600" dirty="0">
-                <a:solidFill>
-                  <a:schemeClr val="bg1">
-                    <a:lumMod val="50000"/>
-                  </a:schemeClr>
-                </a:solidFill>
-              </a:rPr>
-              <a:t> = distance from window to interaction region</a:t>
-            </a:r>
-            <a:br>
-              <a:rPr lang="en-US" sz="1600" dirty="0">
-                <a:solidFill>
-                  <a:schemeClr val="bg1">
-                    <a:lumMod val="50000"/>
-                  </a:schemeClr>
-                </a:solidFill>
-              </a:rPr>
-            </a:br>
-            <a:r>
-              <a:rPr lang="en-US" sz="1600" dirty="0">
-                <a:solidFill>
-                  <a:schemeClr val="bg1">
-                    <a:lumMod val="50000"/>
-                  </a:schemeClr>
-                </a:solidFill>
-              </a:rPr>
-              <a:t>(between 200 and 850 mm)</a:t>
-            </a:r>
-          </a:p>
-          <a:p>
-            <a:pPr marL="512763" indent="-512763">
-              <a:lnSpc>
-                <a:spcPct val="90000"/>
-              </a:lnSpc>
-              <a:spcBef>
-                <a:spcPts val="600"/>
-              </a:spcBef>
-            </a:pPr>
-            <a:r>
-              <a:rPr lang="en-US" sz="1600" u="sng" dirty="0" err="1">
-                <a:solidFill>
-                  <a:schemeClr val="bg1">
-                    <a:lumMod val="50000"/>
-                  </a:schemeClr>
-                </a:solidFill>
-              </a:rPr>
-              <a:t>z</a:t>
-            </a:r>
-            <a:r>
-              <a:rPr lang="en-US" sz="1600" baseline="-25000" dirty="0" err="1">
-                <a:solidFill>
-                  <a:schemeClr val="bg1">
-                    <a:lumMod val="50000"/>
-                  </a:schemeClr>
-                </a:solidFill>
-              </a:rPr>
-              <a:t>IR</a:t>
-            </a:r>
-            <a:r>
-              <a:rPr lang="en-US" sz="1600" dirty="0">
-                <a:solidFill>
-                  <a:schemeClr val="bg1">
-                    <a:lumMod val="50000"/>
-                  </a:schemeClr>
-                </a:solidFill>
-              </a:rPr>
-              <a:t> = distance from window to interaction region</a:t>
-            </a:r>
-            <a:br>
-              <a:rPr lang="en-US" sz="1600" dirty="0">
-                <a:solidFill>
-                  <a:schemeClr val="bg1">
-                    <a:lumMod val="50000"/>
-                  </a:schemeClr>
-                </a:solidFill>
-              </a:rPr>
-            </a:br>
-            <a:r>
-              <a:rPr lang="en-US" sz="1600" dirty="0">
-                <a:solidFill>
-                  <a:schemeClr val="bg1">
-                    <a:lumMod val="50000"/>
-                  </a:schemeClr>
-                </a:solidFill>
-              </a:rPr>
-              <a:t>(measured along plasma midplane)</a:t>
-            </a:r>
-          </a:p>
-          <a:p>
-            <a:pPr marL="512763" indent="-512763">
-              <a:lnSpc>
-                <a:spcPct val="90000"/>
-              </a:lnSpc>
-              <a:spcBef>
-                <a:spcPts val="600"/>
-              </a:spcBef>
-            </a:pPr>
-            <a:r>
-              <a:rPr lang="en-US" sz="1600" dirty="0">
-                <a:solidFill>
-                  <a:schemeClr val="bg1">
-                    <a:lumMod val="50000"/>
-                  </a:schemeClr>
-                </a:solidFill>
-              </a:rPr>
-              <a:t>R</a:t>
-            </a:r>
-            <a:r>
-              <a:rPr lang="en-US" sz="1600" baseline="-25000" dirty="0">
-                <a:solidFill>
-                  <a:schemeClr val="bg1">
-                    <a:lumMod val="50000"/>
-                  </a:schemeClr>
-                </a:solidFill>
-              </a:rPr>
-              <a:t>RW</a:t>
-            </a:r>
-            <a:r>
-              <a:rPr lang="en-US" sz="1600" dirty="0">
-                <a:solidFill>
-                  <a:schemeClr val="bg1">
-                    <a:lumMod val="50000"/>
-                  </a:schemeClr>
-                </a:solidFill>
-              </a:rPr>
-              <a:t> = major radius of vacuum window (fixed)1873.5mm</a:t>
-            </a:r>
-          </a:p>
-          <a:p>
-            <a:pPr marL="512763" indent="-512763">
-              <a:lnSpc>
-                <a:spcPct val="90000"/>
-              </a:lnSpc>
-              <a:spcBef>
-                <a:spcPts val="600"/>
-              </a:spcBef>
-            </a:pPr>
-            <a:r>
-              <a:rPr lang="en-US" sz="1600" dirty="0">
-                <a:solidFill>
-                  <a:schemeClr val="bg1">
-                    <a:lumMod val="50000"/>
-                  </a:schemeClr>
-                </a:solidFill>
-              </a:rPr>
-              <a:t>R</a:t>
-            </a:r>
-            <a:r>
-              <a:rPr lang="en-US" sz="1600" baseline="-25000" dirty="0">
-                <a:solidFill>
-                  <a:schemeClr val="bg1">
-                    <a:lumMod val="50000"/>
-                  </a:schemeClr>
-                </a:solidFill>
-              </a:rPr>
-              <a:t>IR</a:t>
-            </a:r>
-            <a:r>
-              <a:rPr lang="en-US" sz="1600" dirty="0">
-                <a:solidFill>
-                  <a:schemeClr val="bg1">
-                    <a:lumMod val="50000"/>
-                  </a:schemeClr>
-                </a:solidFill>
-              </a:rPr>
-              <a:t> = major radius of interaction region</a:t>
-            </a:r>
-          </a:p>
-          <a:p>
-            <a:pPr marL="512763" indent="-512763">
-              <a:lnSpc>
-                <a:spcPct val="90000"/>
-              </a:lnSpc>
-              <a:spcBef>
-                <a:spcPts val="600"/>
-              </a:spcBef>
-            </a:pPr>
-            <a:r>
-              <a:rPr lang="el-GR" sz="1600" dirty="0">
-                <a:solidFill>
-                  <a:schemeClr val="bg1">
-                    <a:lumMod val="50000"/>
-                  </a:schemeClr>
-                </a:solidFill>
-              </a:rPr>
-              <a:t>ψ</a:t>
-            </a:r>
-            <a:r>
-              <a:rPr lang="en-US" sz="1600" baseline="-25000" dirty="0">
-                <a:solidFill>
-                  <a:schemeClr val="bg1">
-                    <a:lumMod val="50000"/>
-                  </a:schemeClr>
-                </a:solidFill>
-              </a:rPr>
-              <a:t>RA</a:t>
-            </a:r>
-            <a:r>
-              <a:rPr lang="en-US" sz="1600" dirty="0">
-                <a:solidFill>
-                  <a:schemeClr val="bg1">
-                    <a:lumMod val="50000"/>
-                  </a:schemeClr>
-                </a:solidFill>
-              </a:rPr>
-              <a:t> = toroidal tilt angle of interaction region</a:t>
-            </a:r>
-            <a:br>
-              <a:rPr lang="en-US" sz="1600" dirty="0">
-                <a:solidFill>
-                  <a:schemeClr val="bg1">
-                    <a:lumMod val="50000"/>
-                  </a:schemeClr>
-                </a:solidFill>
-              </a:rPr>
-            </a:br>
-            <a:r>
-              <a:rPr lang="en-US" sz="1600" dirty="0">
-                <a:solidFill>
-                  <a:schemeClr val="bg1">
-                    <a:lumMod val="50000"/>
-                  </a:schemeClr>
-                </a:solidFill>
-              </a:rPr>
-              <a:t>(</a:t>
-            </a:r>
-            <a:r>
-              <a:rPr lang="en-US" sz="1600" dirty="0" err="1">
-                <a:solidFill>
-                  <a:schemeClr val="bg1">
-                    <a:lumMod val="50000"/>
-                  </a:schemeClr>
-                </a:solidFill>
-              </a:rPr>
-              <a:t>w.r.t.</a:t>
-            </a:r>
-            <a:r>
-              <a:rPr lang="en-US" sz="1600" dirty="0">
-                <a:solidFill>
-                  <a:schemeClr val="bg1">
-                    <a:lumMod val="50000"/>
-                  </a:schemeClr>
-                </a:solidFill>
-              </a:rPr>
-              <a:t> plane of vacuum window)</a:t>
-            </a:r>
-          </a:p>
-          <a:p>
-            <a:pPr marL="512763" indent="-512763">
-              <a:lnSpc>
-                <a:spcPct val="90000"/>
-              </a:lnSpc>
-              <a:spcBef>
-                <a:spcPts val="600"/>
-              </a:spcBef>
-            </a:pPr>
-            <a:r>
-              <a:rPr lang="el-GR" sz="1600" dirty="0">
-                <a:solidFill>
-                  <a:schemeClr val="bg1">
-                    <a:lumMod val="50000"/>
-                  </a:schemeClr>
-                </a:solidFill>
-              </a:rPr>
-              <a:t>ψ</a:t>
-            </a:r>
-            <a:r>
-              <a:rPr lang="en-US" sz="1600" baseline="-25000" dirty="0">
-                <a:solidFill>
-                  <a:schemeClr val="bg1">
-                    <a:lumMod val="50000"/>
-                  </a:schemeClr>
-                </a:solidFill>
-              </a:rPr>
-              <a:t>R</a:t>
-            </a:r>
-            <a:r>
-              <a:rPr lang="en-US" sz="1600" dirty="0">
-                <a:solidFill>
-                  <a:schemeClr val="bg1">
-                    <a:lumMod val="50000"/>
-                  </a:schemeClr>
-                </a:solidFill>
-              </a:rPr>
-              <a:t> = toroidal tilt angle between receiver beam and Radius vector (from torus center)</a:t>
-            </a:r>
-          </a:p>
-          <a:p>
-            <a:pPr marL="512763" indent="-512763">
-              <a:lnSpc>
-                <a:spcPct val="90000"/>
-              </a:lnSpc>
-              <a:spcBef>
-                <a:spcPts val="600"/>
-              </a:spcBef>
-            </a:pPr>
-            <a:r>
-              <a:rPr lang="en-US" sz="1600" dirty="0"/>
-              <a:t>z    =</a:t>
-            </a:r>
-            <a:r>
-              <a:rPr lang="en-US" altLang="zh-CN" sz="1600" dirty="0"/>
-              <a:t> IR height above midplane</a:t>
-            </a:r>
-          </a:p>
-          <a:p>
-            <a:pPr marL="512763" indent="-512763">
-              <a:lnSpc>
-                <a:spcPct val="90000"/>
-              </a:lnSpc>
-              <a:spcBef>
-                <a:spcPts val="600"/>
-              </a:spcBef>
-            </a:pPr>
-            <a:r>
-              <a:rPr lang="en-US" altLang="zh-CN" sz="1600" dirty="0"/>
-              <a:t>Z    = antenna height above midplane</a:t>
-            </a:r>
-          </a:p>
-          <a:p>
-            <a:pPr marL="512763" indent="-512763">
-              <a:lnSpc>
-                <a:spcPct val="90000"/>
-              </a:lnSpc>
-              <a:spcBef>
-                <a:spcPts val="600"/>
-              </a:spcBef>
-            </a:pPr>
-            <a:r>
-              <a:rPr lang="en-US" sz="1600" dirty="0"/>
-              <a:t>Lt   = receiver optical length </a:t>
-            </a:r>
-          </a:p>
-          <a:p>
-            <a:pPr marL="512763" indent="-512763">
-              <a:lnSpc>
-                <a:spcPct val="90000"/>
-              </a:lnSpc>
-              <a:spcBef>
-                <a:spcPts val="600"/>
-              </a:spcBef>
-            </a:pPr>
-            <a:r>
-              <a:rPr lang="en-US" altLang="zh-CN" sz="1600" dirty="0" err="1"/>
-              <a:t>θ</a:t>
-            </a:r>
-            <a:r>
-              <a:rPr lang="en-US" altLang="zh-CN" sz="1600" baseline="-25000" dirty="0" err="1"/>
-              <a:t>tilt</a:t>
-            </a:r>
-            <a:r>
-              <a:rPr lang="en-US" altLang="zh-CN" sz="1600" baseline="-25000" dirty="0"/>
-              <a:t> </a:t>
-            </a:r>
-            <a:r>
-              <a:rPr lang="en-US" altLang="zh-CN" sz="1600" dirty="0"/>
-              <a:t>=</a:t>
-            </a:r>
-            <a:r>
-              <a:rPr lang="en-US" sz="1600" dirty="0"/>
-              <a:t> poloidal tilt angle of receiver optical</a:t>
-            </a:r>
-          </a:p>
-          <a:p>
-            <a:pPr marL="512763" indent="-512763">
-              <a:lnSpc>
-                <a:spcPct val="90000"/>
-              </a:lnSpc>
-              <a:spcBef>
-                <a:spcPts val="600"/>
-              </a:spcBef>
-            </a:pPr>
-            <a:r>
-              <a:rPr lang="en-US" sz="1600" dirty="0"/>
-              <a:t>x ,y = M2(mirror 2) position</a:t>
-            </a:r>
-          </a:p>
-          <a:p>
-            <a:pPr marL="512763" indent="-512763">
-              <a:lnSpc>
-                <a:spcPct val="90000"/>
-              </a:lnSpc>
-              <a:spcBef>
-                <a:spcPts val="600"/>
-              </a:spcBef>
-            </a:pPr>
-            <a:r>
-              <a:rPr lang="en-US" altLang="zh-CN" sz="1600" dirty="0"/>
-              <a:t>α     = </a:t>
-            </a:r>
-            <a:r>
-              <a:rPr lang="en-US" sz="1600" dirty="0"/>
-              <a:t>M2(mirror 2) </a:t>
-            </a:r>
-            <a:r>
-              <a:rPr lang="en-US" altLang="zh-CN" sz="1600" dirty="0"/>
-              <a:t>rotation angle</a:t>
-            </a:r>
-            <a:endParaRPr lang="en-US" sz="1600" dirty="0"/>
-          </a:p>
-          <a:p>
-            <a:pPr marL="512763" indent="-512763">
-              <a:lnSpc>
-                <a:spcPct val="90000"/>
-              </a:lnSpc>
-              <a:spcBef>
-                <a:spcPts val="600"/>
-              </a:spcBef>
-            </a:pPr>
-            <a:endParaRPr lang="en-US" altLang="zh-CN" sz="2000" dirty="0"/>
-          </a:p>
-          <a:p>
-            <a:pPr marL="512763" indent="-512763">
-              <a:lnSpc>
-                <a:spcPct val="90000"/>
-              </a:lnSpc>
-              <a:spcBef>
-                <a:spcPts val="600"/>
-              </a:spcBef>
-            </a:pPr>
-            <a:endParaRPr lang="en-US" sz="2000" dirty="0">
-              <a:solidFill>
-                <a:schemeClr val="bg1">
-                  <a:lumMod val="50000"/>
-                </a:schemeClr>
-              </a:solidFill>
-            </a:endParaRPr>
-          </a:p>
-        </p:txBody>
-      </p:sp>
-    </p:spTree>
-    <p:extLst>
-      <p:ext uri="{BB962C8B-B14F-4D97-AF65-F5344CB8AC3E}">
-        <p14:creationId xmlns:p14="http://schemas.microsoft.com/office/powerpoint/2010/main" val="1242289036"/>
-      </p:ext>
-    </p:extLst>
-  </p:cSld>
-  <p:clrMapOvr>
-    <a:masterClrMapping/>
-  </p:clrMapOvr>
-</p:sld>
-</file>
-
-<file path=ppt/slides/slide8.xml><?xml version="1.0" encoding="utf-8"?>
-<p:sld xmlns:a="http://schemas.openxmlformats.org/drawingml/2006/main" xmlns:r="http://schemas.openxmlformats.org/officeDocument/2006/relationships" xmlns:p="http://schemas.openxmlformats.org/presentationml/2006/main">
-  <p:cSld>
-    <p:spTree>
-      <p:nvGrpSpPr>
-        <p:cNvPr id="1" name=""/>
-        <p:cNvGrpSpPr/>
-        <p:nvPr/>
-      </p:nvGrpSpPr>
-      <p:grpSpPr>
-        <a:xfrm>
-          <a:off x="0" y="0"/>
-          <a:ext cx="0" cy="0"/>
-          <a:chOff x="0" y="0"/>
-          <a:chExt cx="0" cy="0"/>
-        </a:xfrm>
-      </p:grpSpPr>
-      <p:sp>
-        <p:nvSpPr>
-          <p:cNvPr id="2" name="Slide Number Placeholder 1">
-            <a:extLst>
-              <a:ext uri="{FF2B5EF4-FFF2-40B4-BE49-F238E27FC236}">
-                <a16:creationId xmlns:a16="http://schemas.microsoft.com/office/drawing/2014/main" id="{6DF594DC-A1F7-4529-BC57-01C1A2208298}"/>
-              </a:ext>
-            </a:extLst>
-          </p:cNvPr>
-          <p:cNvSpPr>
-            <a:spLocks noGrp="1"/>
-          </p:cNvSpPr>
-          <p:nvPr>
-            <p:ph type="sldNum" sz="quarter" idx="12"/>
-          </p:nvPr>
-        </p:nvSpPr>
-        <p:spPr/>
-        <p:txBody>
-          <a:bodyPr/>
-          <a:lstStyle/>
-          <a:p>
-            <a:fld id="{C8EB1B78-1A80-4349-98CC-41A40981A64A}" type="slidenum">
-              <a:rPr lang="en-US" smtClean="0"/>
-              <a:t>8</a:t>
-            </a:fld>
-            <a:endParaRPr lang="en-US"/>
-          </a:p>
-        </p:txBody>
-      </p:sp>
-      <p:sp>
-        <p:nvSpPr>
-          <p:cNvPr id="4" name="TextBox 3">
-            <a:extLst>
-              <a:ext uri="{FF2B5EF4-FFF2-40B4-BE49-F238E27FC236}">
-                <a16:creationId xmlns:a16="http://schemas.microsoft.com/office/drawing/2014/main" id="{6D7E22F4-A174-4D89-ADA5-B02F1EFE1BD6}"/>
-              </a:ext>
-            </a:extLst>
-          </p:cNvPr>
-          <p:cNvSpPr txBox="1"/>
-          <p:nvPr/>
-        </p:nvSpPr>
-        <p:spPr>
-          <a:xfrm>
-            <a:off x="318875" y="921133"/>
-            <a:ext cx="8126964" cy="2616101"/>
-          </a:xfrm>
-          <a:prstGeom prst="rect">
-            <a:avLst/>
-          </a:prstGeom>
-          <a:noFill/>
-        </p:spPr>
-        <p:txBody>
-          <a:bodyPr wrap="square" rtlCol="0">
-            <a:spAutoFit/>
-          </a:bodyPr>
-          <a:lstStyle/>
-          <a:p>
-            <a:r>
-              <a:rPr lang="en-US" sz="2000" b="1" dirty="0"/>
-              <a:t>alignment procedure:</a:t>
-            </a:r>
-          </a:p>
-          <a:p>
-            <a:pPr marL="342900" indent="-342900">
-              <a:buAutoNum type="arabicPeriod"/>
-            </a:pPr>
-            <a:r>
-              <a:rPr lang="en-US" dirty="0"/>
-              <a:t>Take down the  cylindrical lens and meniscus lens .</a:t>
-            </a:r>
-          </a:p>
-          <a:p>
-            <a:pPr marL="342900" indent="-342900">
-              <a:buAutoNum type="arabicPeriod"/>
-            </a:pPr>
-            <a:r>
-              <a:rPr lang="en-US" dirty="0"/>
-              <a:t>mount the visible laser  on the central of the antenna and adjust the visible laser angle to reach to the center of the  convex lens.</a:t>
-            </a:r>
-          </a:p>
-          <a:p>
-            <a:pPr marL="342900" indent="-342900">
-              <a:buAutoNum type="arabicPeriod"/>
-            </a:pPr>
-            <a:r>
-              <a:rPr lang="en-US" dirty="0"/>
-              <a:t>Take down all the receiver lens and check if  the laser point is at the center of the window.</a:t>
-            </a:r>
-          </a:p>
-          <a:p>
-            <a:pPr marL="342900" indent="-342900">
-              <a:buAutoNum type="arabicPeriod"/>
-            </a:pPr>
-            <a:r>
-              <a:rPr lang="en-US" dirty="0"/>
-              <a:t>If the laser not on the center of the window ,adjust the mirror until the laser point reach at the center of the window.</a:t>
-            </a:r>
-          </a:p>
-          <a:p>
-            <a:pPr marL="342900" indent="-342900">
-              <a:buAutoNum type="arabicPeriod"/>
-            </a:pPr>
-            <a:r>
-              <a:rPr lang="en-US" dirty="0"/>
-              <a:t>Remount the receiver lens  after alignment .</a:t>
-            </a:r>
-          </a:p>
-        </p:txBody>
-      </p:sp>
-    </p:spTree>
-    <p:extLst>
-      <p:ext uri="{BB962C8B-B14F-4D97-AF65-F5344CB8AC3E}">
-        <p14:creationId xmlns:p14="http://schemas.microsoft.com/office/powerpoint/2010/main" val="3720558612"/>
-      </p:ext>
-    </p:extLst>
-  </p:cSld>
-  <p:clrMapOvr>
-    <a:masterClrMapping/>
-  </p:clrMapOvr>
-</p:sld>
-</file>
-
-<file path=ppt/slides/slide9.xml><?xml version="1.0" encoding="utf-8"?>
-<p:sld xmlns:a="http://schemas.openxmlformats.org/drawingml/2006/main" xmlns:r="http://schemas.openxmlformats.org/officeDocument/2006/relationships" xmlns:p="http://schemas.openxmlformats.org/presentationml/2006/main">
-  <p:cSld>
-    <p:spTree>
-      <p:nvGrpSpPr>
-        <p:cNvPr id="1" name=""/>
-        <p:cNvGrpSpPr/>
-        <p:nvPr/>
-      </p:nvGrpSpPr>
-      <p:grpSpPr>
-        <a:xfrm>
-          <a:off x="0" y="0"/>
-          <a:ext cx="0" cy="0"/>
-          <a:chOff x="0" y="0"/>
-          <a:chExt cx="0" cy="0"/>
-        </a:xfrm>
-      </p:grpSpPr>
-      <p:sp>
-        <p:nvSpPr>
-          <p:cNvPr id="2" name="Slide Number Placeholder 1">
-            <a:extLst>
-              <a:ext uri="{FF2B5EF4-FFF2-40B4-BE49-F238E27FC236}">
-                <a16:creationId xmlns:a16="http://schemas.microsoft.com/office/drawing/2014/main" id="{CCD5EF02-7A5E-52F4-67FB-756F8EFE9987}"/>
-              </a:ext>
-            </a:extLst>
-          </p:cNvPr>
-          <p:cNvSpPr>
-            <a:spLocks noGrp="1"/>
-          </p:cNvSpPr>
-          <p:nvPr>
-            <p:ph type="sldNum" sz="quarter" idx="12"/>
-          </p:nvPr>
-        </p:nvSpPr>
-        <p:spPr/>
-        <p:txBody>
-          <a:bodyPr/>
-          <a:lstStyle/>
-          <a:p>
-            <a:fld id="{C8EB1B78-1A80-4349-98CC-41A40981A64A}" type="slidenum">
-              <a:rPr lang="en-US" smtClean="0"/>
-              <a:t>9</a:t>
-            </a:fld>
-            <a:endParaRPr lang="en-US"/>
-          </a:p>
-        </p:txBody>
-      </p:sp>
-      <mc:AlternateContent xmlns:mc="http://schemas.openxmlformats.org/markup-compatibility/2006" xmlns:a14="http://schemas.microsoft.com/office/drawing/2010/main">
-        <mc:Choice Requires="a14">
-          <p:sp>
-            <p:nvSpPr>
-              <p:cNvPr id="71" name="TextBox 70">
-                <a:extLst>
-                  <a:ext uri="{FF2B5EF4-FFF2-40B4-BE49-F238E27FC236}">
-                    <a16:creationId xmlns:a16="http://schemas.microsoft.com/office/drawing/2014/main" id="{E86E818B-46A7-CDFD-750C-44EA86AFCF41}"/>
-                  </a:ext>
-                </a:extLst>
-              </p:cNvPr>
-              <p:cNvSpPr txBox="1"/>
-              <p:nvPr/>
-            </p:nvSpPr>
-            <p:spPr>
-              <a:xfrm>
                 <a:off x="5195151" y="649376"/>
                 <a:ext cx="3840360" cy="4955203"/>
               </a:xfrm>
@@ -30565,6 +27574,86 @@
               </a:rPr>
               <a:t>rotation angle</a:t>
             </a:r>
+            <a:r>
+              <a:rPr lang="zh-CN" altLang="en-US" sz="1400" dirty="0">
+                <a:solidFill>
+                  <a:schemeClr val="accent6">
+                    <a:lumMod val="75000"/>
+                  </a:schemeClr>
+                </a:solidFill>
+              </a:rPr>
+              <a:t>，</a:t>
+            </a:r>
+            <a:r>
+              <a:rPr lang="en-US" altLang="zh-CN" sz="1400" dirty="0">
+                <a:solidFill>
+                  <a:schemeClr val="accent6">
+                    <a:lumMod val="75000"/>
+                  </a:schemeClr>
+                </a:solidFill>
+              </a:rPr>
+              <a:t>α</a:t>
+            </a:r>
+            <a:r>
+              <a:rPr lang="zh-CN" altLang="en-US" sz="1400" dirty="0">
+                <a:solidFill>
+                  <a:schemeClr val="accent6">
+                    <a:lumMod val="75000"/>
+                  </a:schemeClr>
+                </a:solidFill>
+              </a:rPr>
+              <a:t>∈</a:t>
+            </a:r>
+            <a:r>
+              <a:rPr lang="en-US" altLang="zh-CN" sz="1400" dirty="0">
+                <a:solidFill>
+                  <a:schemeClr val="accent6">
+                    <a:lumMod val="75000"/>
+                  </a:schemeClr>
+                </a:solidFill>
+              </a:rPr>
+              <a:t>(-9</a:t>
+            </a:r>
+            <a:r>
+              <a:rPr lang="en-US" altLang="zh-CN" sz="1400" baseline="30000" dirty="0">
+                <a:solidFill>
+                  <a:schemeClr val="accent6">
+                    <a:lumMod val="75000"/>
+                  </a:schemeClr>
+                </a:solidFill>
+              </a:rPr>
+              <a:t>o</a:t>
+            </a:r>
+            <a:r>
+              <a:rPr lang="en-US" altLang="zh-CN" sz="1400" dirty="0">
+                <a:solidFill>
+                  <a:schemeClr val="accent6">
+                    <a:lumMod val="75000"/>
+                  </a:schemeClr>
+                </a:solidFill>
+              </a:rPr>
+              <a:t>,6</a:t>
+            </a:r>
+            <a:r>
+              <a:rPr lang="en-US" altLang="zh-CN" sz="1400" baseline="30000" dirty="0">
+                <a:solidFill>
+                  <a:schemeClr val="accent6">
+                    <a:lumMod val="75000"/>
+                  </a:schemeClr>
+                </a:solidFill>
+              </a:rPr>
+              <a:t>o</a:t>
+            </a:r>
+            <a:r>
+              <a:rPr lang="en-US" altLang="zh-CN" sz="1400" dirty="0">
+                <a:solidFill>
+                  <a:schemeClr val="accent6">
+                    <a:lumMod val="75000"/>
+                  </a:schemeClr>
+                </a:solidFill>
+              </a:rPr>
+              <a:t>)</a:t>
+            </a:r>
             <a:endParaRPr lang="en-US" sz="1400" dirty="0">
               <a:solidFill>
                 <a:schemeClr val="accent6">
@@ -30629,6 +27718,267 @@
     <p:extLst>
       <p:ext uri="{BB962C8B-B14F-4D97-AF65-F5344CB8AC3E}">
         <p14:creationId xmlns:p14="http://schemas.microsoft.com/office/powerpoint/2010/main" val="2507478408"/>
+      </p:ext>
+    </p:extLst>
+  </p:cSld>
+  <p:clrMapOvr>
+    <a:masterClrMapping/>
+  </p:clrMapOvr>
+</p:sld>
+</file>
+
+<file path=ppt/slides/slide8.xml><?xml version="1.0" encoding="utf-8"?>
+<p:sld xmlns:a="http://schemas.openxmlformats.org/drawingml/2006/main" xmlns:r="http://schemas.openxmlformats.org/officeDocument/2006/relationships" xmlns:p="http://schemas.openxmlformats.org/presentationml/2006/main">
+  <p:cSld>
+    <p:spTree>
+      <p:nvGrpSpPr>
+        <p:cNvPr id="1" name=""/>
+        <p:cNvGrpSpPr/>
+        <p:nvPr/>
+      </p:nvGrpSpPr>
+      <p:grpSpPr>
+        <a:xfrm>
+          <a:off x="0" y="0"/>
+          <a:ext cx="0" cy="0"/>
+          <a:chOff x="0" y="0"/>
+          <a:chExt cx="0" cy="0"/>
+        </a:xfrm>
+      </p:grpSpPr>
+      <p:sp>
+        <p:nvSpPr>
+          <p:cNvPr id="2" name="Slide Number Placeholder 1">
+            <a:extLst>
+              <a:ext uri="{FF2B5EF4-FFF2-40B4-BE49-F238E27FC236}">
+                <a16:creationId xmlns:a16="http://schemas.microsoft.com/office/drawing/2014/main" id="{6DF594DC-A1F7-4529-BC57-01C1A2208298}"/>
+              </a:ext>
+            </a:extLst>
+          </p:cNvPr>
+          <p:cNvSpPr>
+            <a:spLocks noGrp="1"/>
+          </p:cNvSpPr>
+          <p:nvPr>
+            <p:ph type="sldNum" sz="quarter" idx="12"/>
+          </p:nvPr>
+        </p:nvSpPr>
+        <p:spPr/>
+        <p:txBody>
+          <a:bodyPr/>
+          <a:lstStyle/>
+          <a:p>
+            <a:fld id="{C8EB1B78-1A80-4349-98CC-41A40981A64A}" type="slidenum">
+              <a:rPr lang="en-US" smtClean="0"/>
+              <a:t>8</a:t>
+            </a:fld>
+            <a:endParaRPr lang="en-US"/>
+          </a:p>
+        </p:txBody>
+      </p:sp>
+      <p:sp>
+        <p:nvSpPr>
+          <p:cNvPr id="4" name="TextBox 3">
+            <a:extLst>
+              <a:ext uri="{FF2B5EF4-FFF2-40B4-BE49-F238E27FC236}">
+                <a16:creationId xmlns:a16="http://schemas.microsoft.com/office/drawing/2014/main" id="{6D7E22F4-A174-4D89-ADA5-B02F1EFE1BD6}"/>
+              </a:ext>
+            </a:extLst>
+          </p:cNvPr>
+          <p:cNvSpPr txBox="1"/>
+          <p:nvPr/>
+        </p:nvSpPr>
+        <p:spPr>
+          <a:xfrm>
+            <a:off x="318875" y="921133"/>
+            <a:ext cx="8126964" cy="2616101"/>
+          </a:xfrm>
+          <a:prstGeom prst="rect">
+            <a:avLst/>
+          </a:prstGeom>
+          <a:noFill/>
+        </p:spPr>
+        <p:txBody>
+          <a:bodyPr wrap="square" rtlCol="0">
+            <a:spAutoFit/>
+          </a:bodyPr>
+          <a:lstStyle/>
+          <a:p>
+            <a:r>
+              <a:rPr lang="en-US" sz="2000" b="1" dirty="0"/>
+              <a:t>alignment procedure:</a:t>
+            </a:r>
+          </a:p>
+          <a:p>
+            <a:pPr marL="342900" indent="-342900">
+              <a:buAutoNum type="arabicPeriod"/>
+            </a:pPr>
+            <a:r>
+              <a:rPr lang="en-US" dirty="0"/>
+              <a:t>Take down the  cylindrical lens and meniscus lens .</a:t>
+            </a:r>
+          </a:p>
+          <a:p>
+            <a:pPr marL="342900" indent="-342900">
+              <a:buAutoNum type="arabicPeriod"/>
+            </a:pPr>
+            <a:r>
+              <a:rPr lang="en-US" dirty="0"/>
+              <a:t>mount the visible laser  on the central of the antenna and adjust the visible laser angle to reach to the center of the  convex lens.</a:t>
+            </a:r>
+          </a:p>
+          <a:p>
+            <a:pPr marL="342900" indent="-342900">
+              <a:buAutoNum type="arabicPeriod"/>
+            </a:pPr>
+            <a:r>
+              <a:rPr lang="en-US" dirty="0"/>
+              <a:t>Take down all the receiver lens and check if  the laser point is at the center of the window.</a:t>
+            </a:r>
+          </a:p>
+          <a:p>
+            <a:pPr marL="342900" indent="-342900">
+              <a:buAutoNum type="arabicPeriod"/>
+            </a:pPr>
+            <a:r>
+              <a:rPr lang="en-US" dirty="0"/>
+              <a:t>If the laser not on the center of the window ,adjust the mirror until the laser point reach at the center of the window.</a:t>
+            </a:r>
+          </a:p>
+          <a:p>
+            <a:pPr marL="342900" indent="-342900">
+              <a:buAutoNum type="arabicPeriod"/>
+            </a:pPr>
+            <a:r>
+              <a:rPr lang="en-US" dirty="0"/>
+              <a:t>Remount the receiver lens  after alignment .</a:t>
+            </a:r>
+          </a:p>
+        </p:txBody>
+      </p:sp>
+    </p:spTree>
+    <p:extLst>
+      <p:ext uri="{BB962C8B-B14F-4D97-AF65-F5344CB8AC3E}">
+        <p14:creationId xmlns:p14="http://schemas.microsoft.com/office/powerpoint/2010/main" val="3720558612"/>
+      </p:ext>
+    </p:extLst>
+  </p:cSld>
+  <p:clrMapOvr>
+    <a:masterClrMapping/>
+  </p:clrMapOvr>
+</p:sld>
+</file>
+
+<file path=ppt/slides/slide9.xml><?xml version="1.0" encoding="utf-8"?>
+<p:sld xmlns:a="http://schemas.openxmlformats.org/drawingml/2006/main" xmlns:r="http://schemas.openxmlformats.org/officeDocument/2006/relationships" xmlns:p="http://schemas.openxmlformats.org/presentationml/2006/main">
+  <p:cSld>
+    <p:spTree>
+      <p:nvGrpSpPr>
+        <p:cNvPr id="1" name=""/>
+        <p:cNvGrpSpPr/>
+        <p:nvPr/>
+      </p:nvGrpSpPr>
+      <p:grpSpPr>
+        <a:xfrm>
+          <a:off x="0" y="0"/>
+          <a:ext cx="0" cy="0"/>
+          <a:chOff x="0" y="0"/>
+          <a:chExt cx="0" cy="0"/>
+        </a:xfrm>
+      </p:grpSpPr>
+      <p:sp>
+        <p:nvSpPr>
+          <p:cNvPr id="2" name="Slide Number Placeholder 1">
+            <a:extLst>
+              <a:ext uri="{FF2B5EF4-FFF2-40B4-BE49-F238E27FC236}">
+                <a16:creationId xmlns:a16="http://schemas.microsoft.com/office/drawing/2014/main" id="{CCE85FD4-652D-9D87-CFB2-5403ADBBAA24}"/>
+              </a:ext>
+            </a:extLst>
+          </p:cNvPr>
+          <p:cNvSpPr>
+            <a:spLocks noGrp="1"/>
+          </p:cNvSpPr>
+          <p:nvPr>
+            <p:ph type="sldNum" sz="quarter" idx="12"/>
+          </p:nvPr>
+        </p:nvSpPr>
+        <p:spPr/>
+        <p:txBody>
+          <a:bodyPr/>
+          <a:lstStyle/>
+          <a:p>
+            <a:fld id="{C8EB1B78-1A80-4349-98CC-41A40981A64A}" type="slidenum">
+              <a:rPr lang="en-US" smtClean="0"/>
+              <a:t>9</a:t>
+            </a:fld>
+            <a:endParaRPr lang="en-US"/>
+          </a:p>
+        </p:txBody>
+      </p:sp>
+      <p:sp>
+        <p:nvSpPr>
+          <p:cNvPr id="5" name="TextBox 4">
+            <a:extLst>
+              <a:ext uri="{FF2B5EF4-FFF2-40B4-BE49-F238E27FC236}">
+                <a16:creationId xmlns:a16="http://schemas.microsoft.com/office/drawing/2014/main" id="{E7505466-2412-FE7A-6C23-231D0ADBD5CF}"/>
+              </a:ext>
+            </a:extLst>
+          </p:cNvPr>
+          <p:cNvSpPr txBox="1"/>
+          <p:nvPr/>
+        </p:nvSpPr>
+        <p:spPr>
+          <a:xfrm>
+            <a:off x="1377633" y="1305341"/>
+            <a:ext cx="9436734" cy="4247317"/>
+          </a:xfrm>
+          <a:prstGeom prst="rect">
+            <a:avLst/>
+          </a:prstGeom>
+          <a:noFill/>
+        </p:spPr>
+        <p:txBody>
+          <a:bodyPr wrap="square" rtlCol="0">
+            <a:spAutoFit/>
+          </a:bodyPr>
+          <a:lstStyle/>
+          <a:p>
+            <a:pPr algn="ctr"/>
+            <a:r>
+              <a:rPr lang="en-US" sz="5400" b="1" dirty="0">
+                <a:solidFill>
+                  <a:srgbClr val="FF0000"/>
+                </a:solidFill>
+              </a:rPr>
+              <a:t>Background Information Slides on scattering wavenumber </a:t>
+            </a:r>
+            <a:r>
+              <a:rPr lang="en-US" altLang="zh-CN" sz="5400" b="1" dirty="0">
+                <a:solidFill>
+                  <a:srgbClr val="FF0000"/>
+                </a:solidFill>
+              </a:rPr>
+              <a:t>and</a:t>
+            </a:r>
+            <a:r>
+              <a:rPr lang="en-US" sz="5400" b="1" dirty="0">
+                <a:solidFill>
+                  <a:srgbClr val="FF0000"/>
+                </a:solidFill>
+              </a:rPr>
+              <a:t> Pitch Angle Effects</a:t>
+            </a:r>
+          </a:p>
+          <a:p>
+            <a:pPr algn="ctr"/>
+            <a:r>
+              <a:rPr lang="en-US" sz="5400" b="1" dirty="0"/>
+              <a:t>By Calvin</a:t>
+            </a:r>
+          </a:p>
+        </p:txBody>
+      </p:sp>
+    </p:spTree>
+    <p:extLst>
+      <p:ext uri="{BB962C8B-B14F-4D97-AF65-F5344CB8AC3E}">
+        <p14:creationId xmlns:p14="http://schemas.microsoft.com/office/powerpoint/2010/main" val="2857820326"/>
       </p:ext>
     </p:extLst>
   </p:cSld>

--- a/NSTX-U High-k scattering Calculation_20240717.pptx
+++ b/NSTX-U High-k scattering Calculation_20240717.pptx
@@ -218,7 +218,7 @@
           <a:p>
             <a:fld id="{DD7963AF-3B9E-4119-83FE-F39BCC844B14}" type="datetimeFigureOut">
               <a:rPr lang="en-US" smtClean="0"/>
-              <a:t>7/21/2024</a:t>
+              <a:t>7/23/2024</a:t>
             </a:fld>
             <a:endParaRPr lang="en-US"/>
           </a:p>
@@ -800,7 +800,7 @@
           <a:p>
             <a:fld id="{2EC1DD9D-CA1B-479F-BE79-11C3EFEF4B50}" type="datetime1">
               <a:rPr lang="en-US" smtClean="0"/>
-              <a:t>7/21/2024</a:t>
+              <a:t>7/23/2024</a:t>
             </a:fld>
             <a:endParaRPr lang="en-US"/>
           </a:p>
@@ -998,7 +998,7 @@
           <a:p>
             <a:fld id="{160DA2DE-8EC2-4FCA-AD49-11B9FCD880CB}" type="datetime1">
               <a:rPr lang="en-US" smtClean="0"/>
-              <a:t>7/21/2024</a:t>
+              <a:t>7/23/2024</a:t>
             </a:fld>
             <a:endParaRPr lang="en-US"/>
           </a:p>
@@ -1206,7 +1206,7 @@
           <a:p>
             <a:fld id="{1E5F0B84-C28F-412A-BE67-67A4E55E8DE3}" type="datetime1">
               <a:rPr lang="en-US" smtClean="0"/>
-              <a:t>7/21/2024</a:t>
+              <a:t>7/23/2024</a:t>
             </a:fld>
             <a:endParaRPr lang="en-US"/>
           </a:p>
@@ -1404,7 +1404,7 @@
           <a:p>
             <a:fld id="{10779873-1D2C-44E0-B4E0-420637316734}" type="datetime1">
               <a:rPr lang="en-US" smtClean="0"/>
-              <a:t>7/21/2024</a:t>
+              <a:t>7/23/2024</a:t>
             </a:fld>
             <a:endParaRPr lang="en-US"/>
           </a:p>
@@ -1679,7 +1679,7 @@
           <a:p>
             <a:fld id="{C271B5B0-0C16-4B7D-9155-78F1E7EADB49}" type="datetime1">
               <a:rPr lang="en-US" smtClean="0"/>
-              <a:t>7/21/2024</a:t>
+              <a:t>7/23/2024</a:t>
             </a:fld>
             <a:endParaRPr lang="en-US"/>
           </a:p>
@@ -1944,7 +1944,7 @@
           <a:p>
             <a:fld id="{FAB7F6B7-890D-45C7-8636-8D1462C0D7AD}" type="datetime1">
               <a:rPr lang="en-US" smtClean="0"/>
-              <a:t>7/21/2024</a:t>
+              <a:t>7/23/2024</a:t>
             </a:fld>
             <a:endParaRPr lang="en-US"/>
           </a:p>
@@ -2356,7 +2356,7 @@
           <a:p>
             <a:fld id="{11D0E5F2-6308-4D6F-8CD7-5A3B75C59A74}" type="datetime1">
               <a:rPr lang="en-US" smtClean="0"/>
-              <a:t>7/21/2024</a:t>
+              <a:t>7/23/2024</a:t>
             </a:fld>
             <a:endParaRPr lang="en-US"/>
           </a:p>
@@ -2497,7 +2497,7 @@
           <a:p>
             <a:fld id="{4502C388-294A-4E97-9D69-20513486725D}" type="datetime1">
               <a:rPr lang="en-US" smtClean="0"/>
-              <a:t>7/21/2024</a:t>
+              <a:t>7/23/2024</a:t>
             </a:fld>
             <a:endParaRPr lang="en-US"/>
           </a:p>
@@ -2610,7 +2610,7 @@
           <a:p>
             <a:fld id="{BB7E84F5-3369-41E4-A9A6-434E5B269F05}" type="datetime1">
               <a:rPr lang="en-US" smtClean="0"/>
-              <a:t>7/21/2024</a:t>
+              <a:t>7/23/2024</a:t>
             </a:fld>
             <a:endParaRPr lang="en-US"/>
           </a:p>
@@ -2921,7 +2921,7 @@
           <a:p>
             <a:fld id="{C7AB5A68-3BAA-4592-B439-79E1A04F2C87}" type="datetime1">
               <a:rPr lang="en-US" smtClean="0"/>
-              <a:t>7/21/2024</a:t>
+              <a:t>7/23/2024</a:t>
             </a:fld>
             <a:endParaRPr lang="en-US"/>
           </a:p>
@@ -3209,7 +3209,7 @@
           <a:p>
             <a:fld id="{854EA51C-EC9E-4686-A598-4B64219D07AF}" type="datetime1">
               <a:rPr lang="en-US" smtClean="0"/>
-              <a:t>7/21/2024</a:t>
+              <a:t>7/23/2024</a:t>
             </a:fld>
             <a:endParaRPr lang="en-US"/>
           </a:p>
@@ -3450,7 +3450,7 @@
           <a:p>
             <a:fld id="{9292DAD1-9542-4687-A0FA-737321B65C62}" type="datetime1">
               <a:rPr lang="en-US" smtClean="0"/>
-              <a:t>7/21/2024</a:t>
+              <a:t>7/23/2024</a:t>
             </a:fld>
             <a:endParaRPr lang="en-US"/>
           </a:p>
@@ -24909,8 +24909,8 @@
           </a:p>
         </p:txBody>
       </p:sp>
-      <mc:AlternateContent xmlns:mc="http://schemas.openxmlformats.org/markup-compatibility/2006" xmlns:a14="http://schemas.microsoft.com/office/drawing/2010/main">
-        <mc:Choice Requires="a14">
+      <mc:AlternateContent xmlns:mc="http://schemas.openxmlformats.org/markup-compatibility/2006">
+        <mc:Choice xmlns:a14="http://schemas.microsoft.com/office/drawing/2010/main" Requires="a14">
           <p:sp>
             <p:nvSpPr>
               <p:cNvPr id="71" name="TextBox 70">
@@ -25002,15 +25002,23 @@
                 </a:r>
                 <a:r>
                   <a:rPr lang="en-US" sz="2000" dirty="0"/>
-                  <a:t>= L</a:t>
+                  <a:t>= </a:t>
+                </a:r>
+                <a:r>
+                  <a:rPr lang="en-US" sz="2000" dirty="0" err="1"/>
+                  <a:t>L</a:t>
+                </a:r>
+                <a:r>
+                  <a:rPr lang="en-US" sz="2000" baseline="-25000" dirty="0" err="1"/>
+                  <a:t>off</a:t>
                 </a:r>
                 <a:r>
                   <a:rPr lang="en-US" sz="2000" baseline="-25000" dirty="0"/>
-                  <a:t>off-axis</a:t>
+                  <a:t>-axis</a:t>
                 </a:r>
                 <a:r>
                   <a:rPr lang="en-US" sz="2000" dirty="0"/>
-                  <a:t>-(x-y</a:t>
+                  <a:t>+(x-y</a:t>
                 </a:r>
                 <a:r>
                   <a:rPr lang="en-US" altLang="zh-CN" sz="2000" dirty="0"/>
@@ -25155,6 +25163,64 @@
                 <a:r>
                   <a:rPr lang="en-US" sz="2000" baseline="30000" dirty="0"/>
                   <a:t>2</a:t>
+                </a:r>
+              </a:p>
+              <a:p>
+                <a:pPr marL="512763" indent="-512763">
+                  <a:lnSpc>
+                    <a:spcPct val="90000"/>
+                  </a:lnSpc>
+                  <a:spcBef>
+                    <a:spcPts val="1200"/>
+                  </a:spcBef>
+                </a:pPr>
+                <a:r>
+                  <a:rPr lang="en-US" sz="2000" u="sng" dirty="0" err="1"/>
+                  <a:t>z</a:t>
+                </a:r>
+                <a:r>
+                  <a:rPr lang="en-US" sz="2000" baseline="-25000" dirty="0" err="1"/>
+                  <a:t>IR</a:t>
+                </a:r>
+                <a:r>
+                  <a:rPr lang="en-US" sz="2000" dirty="0"/>
+                  <a:t>=Lt*cos(</a:t>
+                </a:r>
+                <a:r>
+                  <a:rPr lang="en-US" altLang="zh-CN" sz="2000" dirty="0" err="1"/>
+                  <a:t>θ</a:t>
+                </a:r>
+                <a:r>
+                  <a:rPr lang="en-US" altLang="zh-CN" sz="2000" baseline="-25000" dirty="0" err="1"/>
+                  <a:t>tilt</a:t>
+                </a:r>
+                <a:r>
+                  <a:rPr lang="en-US" sz="2000" dirty="0"/>
+                  <a:t>)-</a:t>
+                </a:r>
+                <a:r>
+                  <a:rPr lang="en-US" sz="2000" dirty="0" err="1"/>
+                  <a:t>Lw</a:t>
+                </a:r>
+                <a:r>
+                  <a:rPr lang="en-US" sz="2000" dirty="0"/>
+                  <a:t> *cos(</a:t>
+                </a:r>
+                <a:r>
+                  <a:rPr lang="en-US" altLang="zh-CN" sz="2000" dirty="0" err="1"/>
+                  <a:t>θ</a:t>
+                </a:r>
+                <a:r>
+                  <a:rPr lang="en-US" altLang="zh-CN" sz="2000" baseline="-25000" dirty="0" err="1"/>
+                  <a:t>tilt</a:t>
+                </a:r>
+                <a:r>
+                  <a:rPr lang="en-US" sz="2000" dirty="0"/>
+                  <a:t>)- S</a:t>
+                </a:r>
+                <a:r>
+                  <a:rPr lang="en-US" sz="2000" baseline="-25000" dirty="0"/>
+                  <a:t>R</a:t>
                 </a:r>
                 <a:endParaRPr lang="en-US" sz="2000" dirty="0"/>
               </a:p>
@@ -25412,52 +25478,6 @@
                   </a:spcBef>
                 </a:pPr>
                 <a:r>
-                  <a:rPr lang="en-US" sz="2000" u="sng" dirty="0" err="1"/>
-                  <a:t>z</a:t>
-                </a:r>
-                <a:r>
-                  <a:rPr lang="en-US" sz="2000" baseline="-25000" dirty="0" err="1"/>
-                  <a:t>IR</a:t>
-                </a:r>
-                <a:r>
-                  <a:rPr lang="en-US" sz="2000" dirty="0"/>
-                  <a:t>=Lt*cos(</a:t>
-                </a:r>
-                <a:r>
-                  <a:rPr lang="en-US" altLang="zh-CN" sz="2000" dirty="0" err="1"/>
-                  <a:t>θ</a:t>
-                </a:r>
-                <a:r>
-                  <a:rPr lang="en-US" altLang="zh-CN" sz="2000" baseline="-25000" dirty="0" err="1"/>
-                  <a:t>tilt</a:t>
-                </a:r>
-                <a:r>
-                  <a:rPr lang="en-US" sz="2000" dirty="0"/>
-                  <a:t>)-</a:t>
-                </a:r>
-                <a:r>
-                  <a:rPr lang="en-US" sz="2000" dirty="0" err="1"/>
-                  <a:t>Lw</a:t>
-                </a:r>
-                <a:r>
-                  <a:rPr lang="en-US" sz="2000" dirty="0"/>
-                  <a:t>-S</a:t>
-                </a:r>
-                <a:r>
-                  <a:rPr lang="en-US" sz="2000" baseline="-25000" dirty="0"/>
-                  <a:t>R</a:t>
-                </a:r>
-              </a:p>
-              <a:p>
-                <a:pPr marL="512763" indent="-512763">
-                  <a:lnSpc>
-                    <a:spcPct val="90000"/>
-                  </a:lnSpc>
-                  <a:spcBef>
-                    <a:spcPts val="1200"/>
-                  </a:spcBef>
-                </a:pPr>
-                <a:r>
                   <a:rPr lang="en-US" sz="2000" dirty="0" err="1"/>
                   <a:t>z</a:t>
                 </a:r>
@@ -25508,7 +25528,7 @@
             </p:txBody>
           </p:sp>
         </mc:Choice>
-        <mc:Fallback xmlns="">
+        <mc:Fallback>
           <p:sp>
             <p:nvSpPr>
               <p:cNvPr id="71" name="TextBox 70">
@@ -26813,13 +26833,7 @@
               </a:spcBef>
             </a:pPr>
             <a:r>
-              <a:rPr lang="en-US" sz="1400" b="1" dirty="0">
-                <a:solidFill>
-                  <a:schemeClr val="accent2">
-                    <a:lumMod val="75000"/>
-                  </a:schemeClr>
-                </a:solidFill>
-              </a:rPr>
+              <a:rPr lang="en-US" sz="1400" b="1" dirty="0"/>
               <a:t>Constant parameters :</a:t>
             </a:r>
           </a:p>
@@ -26833,72 +26847,38 @@
               </a:spcBef>
             </a:pPr>
             <a:r>
-              <a:rPr lang="en-US" sz="1400" dirty="0" err="1">
-                <a:solidFill>
-                  <a:schemeClr val="accent2">
-                    <a:lumMod val="75000"/>
-                  </a:schemeClr>
-                </a:solidFill>
-              </a:rPr>
-              <a:t>x</a:t>
-            </a:r>
-            <a:r>
-              <a:rPr lang="en-US" sz="1400" baseline="-25000" dirty="0" err="1">
-                <a:solidFill>
-                  <a:schemeClr val="accent2">
-                    <a:lumMod val="75000"/>
-                  </a:schemeClr>
-                </a:solidFill>
-              </a:rPr>
-              <a:t>RW</a:t>
-            </a:r>
-            <a:r>
-              <a:rPr lang="en-US" sz="1400" dirty="0">
-                <a:solidFill>
-                  <a:schemeClr val="accent2">
-                    <a:lumMod val="75000"/>
-                  </a:schemeClr>
-                </a:solidFill>
-              </a:rPr>
+              <a:rPr lang="en-US" sz="1400" dirty="0" err="1"/>
+              <a:t>L</a:t>
+            </a:r>
+            <a:r>
+              <a:rPr lang="en-US" sz="1400" baseline="-25000" dirty="0" err="1"/>
+              <a:t>o</a:t>
+            </a:r>
+            <a:r>
+              <a:rPr lang="en-US" altLang="zh-CN" sz="1400" baseline="-25000" dirty="0" err="1"/>
+              <a:t>ff</a:t>
+            </a:r>
+            <a:r>
+              <a:rPr lang="en-US" altLang="zh-CN" sz="1400" baseline="-25000" dirty="0"/>
+              <a:t>-axis</a:t>
+            </a:r>
+            <a:r>
+              <a:rPr lang="en-US" sz="1400" dirty="0"/>
               <a:t> = x-axis offset of receiver beam on window center</a:t>
             </a:r>
             <a:br>
-              <a:rPr lang="en-US" sz="1400" dirty="0">
-                <a:solidFill>
-                  <a:schemeClr val="accent2">
-                    <a:lumMod val="75000"/>
-                  </a:schemeClr>
-                </a:solidFill>
-              </a:rPr>
+              <a:rPr lang="en-US" sz="1400" dirty="0"/>
             </a:br>
             <a:r>
-              <a:rPr lang="en-US" sz="1400" dirty="0">
-                <a:solidFill>
-                  <a:schemeClr val="accent2">
-                    <a:lumMod val="75000"/>
-                  </a:schemeClr>
-                </a:solidFill>
-              </a:rPr>
+              <a:rPr lang="en-US" sz="1400" dirty="0"/>
               <a:t>(131.3</a:t>
             </a:r>
             <a:r>
-              <a:rPr lang="en-US" altLang="zh-CN" sz="1400" dirty="0">
-                <a:solidFill>
-                  <a:schemeClr val="accent2">
-                    <a:lumMod val="75000"/>
-                  </a:schemeClr>
-                </a:solidFill>
-              </a:rPr>
+              <a:rPr lang="en-US" altLang="zh-CN" sz="1400" dirty="0"/>
               <a:t>mm</a:t>
             </a:r>
             <a:r>
-              <a:rPr lang="en-US" sz="1400" dirty="0">
-                <a:solidFill>
-                  <a:schemeClr val="accent2">
-                    <a:lumMod val="75000"/>
-                  </a:schemeClr>
-                </a:solidFill>
-              </a:rPr>
+              <a:rPr lang="en-US" sz="1400" dirty="0"/>
               <a:t>).</a:t>
             </a:r>
           </a:p>
@@ -26912,33 +26892,15 @@
               </a:spcBef>
             </a:pPr>
             <a:r>
-              <a:rPr lang="en-US" sz="1400" dirty="0">
-                <a:solidFill>
-                  <a:schemeClr val="accent2">
-                    <a:lumMod val="75000"/>
-                  </a:schemeClr>
-                </a:solidFill>
-              </a:rPr>
+              <a:rPr lang="en-US" sz="1400" dirty="0"/>
               <a:t>R</a:t>
             </a:r>
             <a:r>
-              <a:rPr lang="en-US" sz="1400" baseline="-25000" dirty="0">
-                <a:solidFill>
-                  <a:schemeClr val="accent2">
-                    <a:lumMod val="75000"/>
-                  </a:schemeClr>
-                </a:solidFill>
-              </a:rPr>
+              <a:rPr lang="en-US" sz="1400" baseline="-25000" dirty="0"/>
               <a:t>RW</a:t>
             </a:r>
             <a:r>
-              <a:rPr lang="en-US" sz="1400" dirty="0">
-                <a:solidFill>
-                  <a:schemeClr val="accent2">
-                    <a:lumMod val="75000"/>
-                  </a:schemeClr>
-                </a:solidFill>
-              </a:rPr>
+              <a:rPr lang="en-US" sz="1400" dirty="0"/>
               <a:t> = major radius of vacuum window (fixed)1873.5mm.</a:t>
             </a:r>
           </a:p>
@@ -26952,13 +26914,7 @@
               </a:spcBef>
             </a:pPr>
             <a:r>
-              <a:rPr lang="en-US" sz="1400" dirty="0">
-                <a:solidFill>
-                  <a:schemeClr val="accent2">
-                    <a:lumMod val="75000"/>
-                  </a:schemeClr>
-                </a:solidFill>
-              </a:rPr>
+              <a:rPr lang="en-US" sz="1400" dirty="0"/>
               <a:t>Lt    = optical total length from receiver antenna axis to focus point(2088mm).</a:t>
             </a:r>
           </a:p>
@@ -26972,23 +26928,11 @@
               </a:spcBef>
             </a:pPr>
             <a:r>
-              <a:rPr lang="en-US" sz="1400" dirty="0" err="1">
-                <a:solidFill>
-                  <a:schemeClr val="accent2">
-                    <a:lumMod val="75000"/>
-                  </a:schemeClr>
-                </a:solidFill>
-              </a:rPr>
+              <a:rPr lang="en-US" sz="1400" dirty="0" err="1"/>
               <a:t>Lw</a:t>
             </a:r>
             <a:r>
-              <a:rPr lang="en-US" sz="1400" dirty="0">
-                <a:solidFill>
-                  <a:schemeClr val="accent2">
-                    <a:lumMod val="75000"/>
-                  </a:schemeClr>
-                </a:solidFill>
-              </a:rPr>
+              <a:rPr lang="en-US" sz="1400" dirty="0"/>
               <a:t>   =length from receiver antenna axis to window1 (1132mm)  when SR=0.</a:t>
             </a:r>
           </a:p>
@@ -27002,33 +26946,15 @@
               </a:spcBef>
             </a:pPr>
             <a:r>
-              <a:rPr lang="en-US" sz="1400" dirty="0">
-                <a:solidFill>
-                  <a:schemeClr val="accent2">
-                    <a:lumMod val="75000"/>
-                  </a:schemeClr>
-                </a:solidFill>
-              </a:rPr>
+              <a:rPr lang="en-US" sz="1400" dirty="0"/>
               <a:t>x ,y = M2(mirror 2) position(M2 center to Window center :154mm,angle:13.76</a:t>
             </a:r>
             <a:r>
-              <a:rPr lang="en-US" sz="1400" baseline="30000" dirty="0">
-                <a:solidFill>
-                  <a:schemeClr val="accent2">
-                    <a:lumMod val="75000"/>
-                  </a:schemeClr>
-                </a:solidFill>
-              </a:rPr>
+              <a:rPr lang="en-US" sz="1400" baseline="30000" dirty="0"/>
               <a:t>o</a:t>
             </a:r>
             <a:r>
-              <a:rPr lang="en-US" sz="1400" dirty="0">
-                <a:solidFill>
-                  <a:schemeClr val="accent2">
-                    <a:lumMod val="75000"/>
-                  </a:schemeClr>
-                </a:solidFill>
-              </a:rPr>
+              <a:rPr lang="en-US" sz="1400" dirty="0"/>
               <a:t>)</a:t>
             </a:r>
           </a:p>
@@ -27042,13 +26968,7 @@
               </a:spcBef>
             </a:pPr>
             <a:r>
-              <a:rPr lang="en-US" sz="1400" b="1" dirty="0">
-                <a:solidFill>
-                  <a:schemeClr val="accent4">
-                    <a:lumMod val="75000"/>
-                  </a:schemeClr>
-                </a:solidFill>
-              </a:rPr>
+              <a:rPr lang="en-US" sz="1400" b="1" dirty="0"/>
               <a:t>Depend  parameters:</a:t>
             </a:r>
           </a:p>
@@ -27062,33 +26982,15 @@
               </a:spcBef>
             </a:pPr>
             <a:r>
-              <a:rPr lang="en-US" sz="1400" dirty="0">
-                <a:solidFill>
-                  <a:schemeClr val="accent4">
-                    <a:lumMod val="75000"/>
-                  </a:schemeClr>
-                </a:solidFill>
-              </a:rPr>
+              <a:rPr lang="en-US" sz="1400" dirty="0"/>
               <a:t>R</a:t>
             </a:r>
             <a:r>
-              <a:rPr lang="en-US" sz="1400" baseline="-25000" dirty="0">
-                <a:solidFill>
-                  <a:schemeClr val="accent4">
-                    <a:lumMod val="75000"/>
-                  </a:schemeClr>
-                </a:solidFill>
-              </a:rPr>
+              <a:rPr lang="en-US" sz="1400" baseline="-25000" dirty="0"/>
               <a:t>IR</a:t>
             </a:r>
             <a:r>
-              <a:rPr lang="en-US" sz="1400" dirty="0">
-                <a:solidFill>
-                  <a:schemeClr val="accent4">
-                    <a:lumMod val="75000"/>
-                  </a:schemeClr>
-                </a:solidFill>
-              </a:rPr>
+              <a:rPr lang="en-US" sz="1400" dirty="0"/>
               <a:t>  = major radius of interaction region</a:t>
             </a:r>
           </a:p>
@@ -27102,72 +27004,30 @@
               </a:spcBef>
             </a:pPr>
             <a:r>
-              <a:rPr lang="el-GR" sz="1400" dirty="0">
-                <a:solidFill>
-                  <a:schemeClr val="accent4">
-                    <a:lumMod val="75000"/>
-                  </a:schemeClr>
-                </a:solidFill>
-              </a:rPr>
+              <a:rPr lang="el-GR" sz="1400" dirty="0"/>
               <a:t>ψ</a:t>
             </a:r>
             <a:r>
-              <a:rPr lang="en-US" sz="1400" baseline="-25000" dirty="0">
-                <a:solidFill>
-                  <a:schemeClr val="accent4">
-                    <a:lumMod val="75000"/>
-                  </a:schemeClr>
-                </a:solidFill>
-              </a:rPr>
+              <a:rPr lang="en-US" sz="1400" baseline="-25000" dirty="0"/>
               <a:t>RA</a:t>
             </a:r>
             <a:r>
-              <a:rPr lang="en-US" sz="1400" dirty="0">
-                <a:solidFill>
-                  <a:schemeClr val="accent4">
-                    <a:lumMod val="75000"/>
-                  </a:schemeClr>
-                </a:solidFill>
-              </a:rPr>
+              <a:rPr lang="en-US" sz="1400" dirty="0"/>
               <a:t> = toroidal tilt angle of interaction region</a:t>
             </a:r>
             <a:br>
-              <a:rPr lang="en-US" sz="1400" dirty="0">
-                <a:solidFill>
-                  <a:schemeClr val="accent4">
-                    <a:lumMod val="75000"/>
-                  </a:schemeClr>
-                </a:solidFill>
-              </a:rPr>
+              <a:rPr lang="en-US" sz="1400" dirty="0"/>
             </a:br>
             <a:r>
-              <a:rPr lang="en-US" sz="1400" dirty="0">
-                <a:solidFill>
-                  <a:schemeClr val="accent4">
-                    <a:lumMod val="75000"/>
-                  </a:schemeClr>
-                </a:solidFill>
-              </a:rPr>
+              <a:rPr lang="en-US" sz="1400" dirty="0"/>
               <a:t>(</a:t>
             </a:r>
             <a:r>
-              <a:rPr lang="en-US" sz="1400" dirty="0" err="1">
-                <a:solidFill>
-                  <a:schemeClr val="accent4">
-                    <a:lumMod val="75000"/>
-                  </a:schemeClr>
-                </a:solidFill>
-              </a:rPr>
+              <a:rPr lang="en-US" sz="1400" dirty="0" err="1"/>
               <a:t>w.r.t.</a:t>
             </a:r>
             <a:r>
-              <a:rPr lang="en-US" sz="1400" dirty="0">
-                <a:solidFill>
-                  <a:schemeClr val="accent4">
-                    <a:lumMod val="75000"/>
-                  </a:schemeClr>
-                </a:solidFill>
-              </a:rPr>
+              <a:rPr lang="en-US" sz="1400" dirty="0"/>
               <a:t> plane of vacuum window)</a:t>
             </a:r>
           </a:p>
@@ -27181,33 +27041,15 @@
               </a:spcBef>
             </a:pPr>
             <a:r>
-              <a:rPr lang="el-GR" sz="1400" dirty="0">
-                <a:solidFill>
-                  <a:schemeClr val="accent4">
-                    <a:lumMod val="75000"/>
-                  </a:schemeClr>
-                </a:solidFill>
-              </a:rPr>
+              <a:rPr lang="el-GR" sz="1400" dirty="0"/>
               <a:t>ψ</a:t>
             </a:r>
             <a:r>
-              <a:rPr lang="en-US" sz="1400" baseline="-25000" dirty="0">
-                <a:solidFill>
-                  <a:schemeClr val="accent4">
-                    <a:lumMod val="75000"/>
-                  </a:schemeClr>
-                </a:solidFill>
-              </a:rPr>
+              <a:rPr lang="en-US" sz="1400" baseline="-25000" dirty="0"/>
               <a:t>R</a:t>
             </a:r>
             <a:r>
-              <a:rPr lang="en-US" sz="1400" dirty="0">
-                <a:solidFill>
-                  <a:schemeClr val="accent4">
-                    <a:lumMod val="75000"/>
-                  </a:schemeClr>
-                </a:solidFill>
-              </a:rPr>
+              <a:rPr lang="en-US" sz="1400" dirty="0"/>
               <a:t> = toroidal tilt angle between receiver beam and Radius vector (from torus center)</a:t>
             </a:r>
           </a:p>
@@ -27221,52 +27063,22 @@
               </a:spcBef>
             </a:pPr>
             <a:r>
-              <a:rPr lang="el-GR" sz="1400" dirty="0">
-                <a:solidFill>
-                  <a:schemeClr val="accent4">
-                    <a:lumMod val="75000"/>
-                  </a:schemeClr>
-                </a:solidFill>
-              </a:rPr>
+              <a:rPr lang="el-GR" sz="1400" dirty="0"/>
               <a:t>φ</a:t>
             </a:r>
             <a:r>
-              <a:rPr lang="en-US" sz="1400" baseline="-25000" dirty="0">
-                <a:solidFill>
-                  <a:schemeClr val="accent4">
-                    <a:lumMod val="75000"/>
-                  </a:schemeClr>
-                </a:solidFill>
-              </a:rPr>
+              <a:rPr lang="en-US" sz="1400" baseline="-25000" dirty="0"/>
               <a:t>RA</a:t>
             </a:r>
             <a:r>
-              <a:rPr lang="en-US" sz="1400" dirty="0">
-                <a:solidFill>
-                  <a:schemeClr val="accent4">
-                    <a:lumMod val="75000"/>
-                  </a:schemeClr>
-                </a:solidFill>
-              </a:rPr>
+              <a:rPr lang="en-US" sz="1400" dirty="0"/>
               <a:t> = horizontal tilt of receiver array and optics</a:t>
             </a:r>
             <a:br>
-              <a:rPr lang="en-US" sz="1400" dirty="0">
-                <a:solidFill>
-                  <a:schemeClr val="accent4">
-                    <a:lumMod val="75000"/>
-                  </a:schemeClr>
-                </a:solidFill>
-              </a:rPr>
+              <a:rPr lang="en-US" sz="1400" dirty="0"/>
             </a:br>
             <a:r>
-              <a:rPr lang="en-US" sz="1400" dirty="0">
-                <a:solidFill>
-                  <a:schemeClr val="accent4">
-                    <a:lumMod val="75000"/>
-                  </a:schemeClr>
-                </a:solidFill>
-              </a:rPr>
+              <a:rPr lang="en-US" sz="1400" dirty="0"/>
               <a:t>(between 11.39 and 15.39°)</a:t>
             </a:r>
           </a:p>
@@ -27280,52 +27092,22 @@
               </a:spcBef>
             </a:pPr>
             <a:r>
-              <a:rPr lang="en-US" sz="1400" dirty="0" err="1">
-                <a:solidFill>
-                  <a:schemeClr val="accent4">
-                    <a:lumMod val="75000"/>
-                  </a:schemeClr>
-                </a:solidFill>
-              </a:rPr>
+              <a:rPr lang="en-US" sz="1400" dirty="0" err="1"/>
               <a:t>z</a:t>
             </a:r>
             <a:r>
-              <a:rPr lang="en-US" sz="1400" baseline="-25000" dirty="0" err="1">
-                <a:solidFill>
-                  <a:schemeClr val="accent4">
-                    <a:lumMod val="75000"/>
-                  </a:schemeClr>
-                </a:solidFill>
-              </a:rPr>
+              <a:rPr lang="en-US" sz="1400" baseline="-25000" dirty="0" err="1"/>
               <a:t>IR</a:t>
             </a:r>
             <a:r>
-              <a:rPr lang="en-US" sz="1400" dirty="0">
-                <a:solidFill>
-                  <a:schemeClr val="accent4">
-                    <a:lumMod val="75000"/>
-                  </a:schemeClr>
-                </a:solidFill>
-              </a:rPr>
+              <a:rPr lang="en-US" sz="1400" dirty="0"/>
               <a:t>  = distance from window to interaction region</a:t>
             </a:r>
             <a:br>
-              <a:rPr lang="en-US" sz="1400" dirty="0">
-                <a:solidFill>
-                  <a:schemeClr val="accent4">
-                    <a:lumMod val="75000"/>
-                  </a:schemeClr>
-                </a:solidFill>
-              </a:rPr>
+              <a:rPr lang="en-US" sz="1400" dirty="0"/>
             </a:br>
             <a:r>
-              <a:rPr lang="en-US" sz="1400" dirty="0">
-                <a:solidFill>
-                  <a:schemeClr val="accent4">
-                    <a:lumMod val="75000"/>
-                  </a:schemeClr>
-                </a:solidFill>
-              </a:rPr>
+              <a:rPr lang="en-US" sz="1400" dirty="0"/>
               <a:t>(between 200 and 850 mm)</a:t>
             </a:r>
           </a:p>
@@ -27339,52 +27121,22 @@
               </a:spcBef>
             </a:pPr>
             <a:r>
-              <a:rPr lang="en-US" sz="1400" u="sng" dirty="0" err="1">
-                <a:solidFill>
-                  <a:schemeClr val="accent4">
-                    <a:lumMod val="75000"/>
-                  </a:schemeClr>
-                </a:solidFill>
-              </a:rPr>
+              <a:rPr lang="en-US" sz="1400" u="sng" dirty="0" err="1"/>
               <a:t>z</a:t>
             </a:r>
             <a:r>
-              <a:rPr lang="en-US" sz="1400" baseline="-25000" dirty="0" err="1">
-                <a:solidFill>
-                  <a:schemeClr val="accent4">
-                    <a:lumMod val="75000"/>
-                  </a:schemeClr>
-                </a:solidFill>
-              </a:rPr>
+              <a:rPr lang="en-US" sz="1400" baseline="-25000" dirty="0" err="1"/>
               <a:t>IR</a:t>
             </a:r>
             <a:r>
-              <a:rPr lang="en-US" sz="1400" dirty="0">
-                <a:solidFill>
-                  <a:schemeClr val="accent4">
-                    <a:lumMod val="75000"/>
-                  </a:schemeClr>
-                </a:solidFill>
-              </a:rPr>
+              <a:rPr lang="en-US" sz="1400" dirty="0"/>
               <a:t> = distance from window to interaction region</a:t>
             </a:r>
             <a:br>
-              <a:rPr lang="en-US" sz="1400" dirty="0">
-                <a:solidFill>
-                  <a:schemeClr val="accent4">
-                    <a:lumMod val="75000"/>
-                  </a:schemeClr>
-                </a:solidFill>
-              </a:rPr>
+              <a:rPr lang="en-US" sz="1400" dirty="0"/>
             </a:br>
             <a:r>
-              <a:rPr lang="en-US" sz="1400" dirty="0">
-                <a:solidFill>
-                  <a:schemeClr val="accent4">
-                    <a:lumMod val="75000"/>
-                  </a:schemeClr>
-                </a:solidFill>
-              </a:rPr>
+              <a:rPr lang="en-US" sz="1400" dirty="0"/>
               <a:t>(measured along plasma midplane)</a:t>
             </a:r>
           </a:p>
@@ -27398,22 +27150,10 @@
               </a:spcBef>
             </a:pPr>
             <a:r>
-              <a:rPr lang="en-US" altLang="zh-CN" sz="1400" dirty="0">
-                <a:solidFill>
-                  <a:schemeClr val="accent4">
-                    <a:lumMod val="75000"/>
-                  </a:schemeClr>
-                </a:solidFill>
-              </a:rPr>
+              <a:rPr lang="en-US" altLang="zh-CN" sz="1400" dirty="0"/>
               <a:t>Z    = antenna height above midplane</a:t>
             </a:r>
-            <a:endParaRPr lang="en-US" sz="1400" dirty="0">
-              <a:solidFill>
-                <a:schemeClr val="accent4">
-                  <a:lumMod val="75000"/>
-                </a:schemeClr>
-              </a:solidFill>
-            </a:endParaRPr>
+            <a:endParaRPr lang="en-US" sz="1400" dirty="0"/>
           </a:p>
           <a:p>
             <a:pPr marL="512763" indent="-512763">
@@ -27425,13 +27165,7 @@
               </a:spcBef>
             </a:pPr>
             <a:r>
-              <a:rPr lang="en-US" sz="1400" b="1" dirty="0">
-                <a:solidFill>
-                  <a:schemeClr val="accent6">
-                    <a:lumMod val="75000"/>
-                  </a:schemeClr>
-                </a:solidFill>
-              </a:rPr>
+              <a:rPr lang="en-US" sz="1400" b="1" dirty="0"/>
               <a:t>Input parameters:</a:t>
             </a:r>
           </a:p>
@@ -27445,33 +27179,15 @@
               </a:spcBef>
             </a:pPr>
             <a:r>
-              <a:rPr lang="en-US" sz="1400" dirty="0">
-                <a:solidFill>
-                  <a:schemeClr val="accent6">
-                    <a:lumMod val="75000"/>
-                  </a:schemeClr>
-                </a:solidFill>
-              </a:rPr>
+              <a:rPr lang="en-US" sz="1400" dirty="0"/>
               <a:t>S</a:t>
             </a:r>
             <a:r>
-              <a:rPr lang="en-US" sz="1400" baseline="-25000" dirty="0">
-                <a:solidFill>
-                  <a:schemeClr val="accent6">
-                    <a:lumMod val="75000"/>
-                  </a:schemeClr>
-                </a:solidFill>
-              </a:rPr>
+              <a:rPr lang="en-US" sz="1400" baseline="-25000" dirty="0"/>
               <a:t>R</a:t>
             </a:r>
             <a:r>
-              <a:rPr lang="en-US" sz="1400" dirty="0">
-                <a:solidFill>
-                  <a:schemeClr val="accent6">
-                    <a:lumMod val="75000"/>
-                  </a:schemeClr>
-                </a:solidFill>
-              </a:rPr>
+              <a:rPr lang="en-US" sz="1400" dirty="0"/>
               <a:t>   = receiver optical radical distance </a:t>
             </a:r>
           </a:p>
@@ -27485,53 +27201,23 @@
               </a:spcBef>
             </a:pPr>
             <a:r>
-              <a:rPr lang="en-US" altLang="zh-CN" sz="1400" dirty="0" err="1">
-                <a:solidFill>
-                  <a:schemeClr val="accent6">
-                    <a:lumMod val="75000"/>
-                  </a:schemeClr>
-                </a:solidFill>
-              </a:rPr>
+              <a:rPr lang="en-US" altLang="zh-CN" sz="1400" dirty="0" err="1"/>
               <a:t>θ</a:t>
             </a:r>
             <a:r>
-              <a:rPr lang="en-US" altLang="zh-CN" sz="1400" baseline="-25000" dirty="0" err="1">
-                <a:solidFill>
-                  <a:schemeClr val="accent6">
-                    <a:lumMod val="75000"/>
-                  </a:schemeClr>
-                </a:solidFill>
-              </a:rPr>
+              <a:rPr lang="en-US" altLang="zh-CN" sz="1400" baseline="-25000" dirty="0" err="1"/>
               <a:t>tilt</a:t>
             </a:r>
             <a:r>
-              <a:rPr lang="en-US" altLang="zh-CN" sz="1400" baseline="-25000" dirty="0">
-                <a:solidFill>
-                  <a:schemeClr val="accent6">
-                    <a:lumMod val="75000"/>
-                  </a:schemeClr>
-                </a:solidFill>
-              </a:rPr>
+              <a:rPr lang="en-US" altLang="zh-CN" sz="1400" baseline="-25000" dirty="0"/>
               <a:t> </a:t>
             </a:r>
             <a:r>
-              <a:rPr lang="en-US" altLang="zh-CN" sz="1400" dirty="0">
-                <a:solidFill>
-                  <a:schemeClr val="accent6">
-                    <a:lumMod val="75000"/>
-                  </a:schemeClr>
-                </a:solidFill>
-              </a:rPr>
+              <a:rPr lang="en-US" altLang="zh-CN" sz="1400" dirty="0"/>
               <a:t>=</a:t>
             </a:r>
             <a:r>
-              <a:rPr lang="en-US" sz="1400" dirty="0">
-                <a:solidFill>
-                  <a:schemeClr val="accent6">
-                    <a:lumMod val="75000"/>
-                  </a:schemeClr>
-                </a:solidFill>
-              </a:rPr>
+              <a:rPr lang="en-US" sz="1400" dirty="0"/>
               <a:t> poloidal tilt angle of receiver optical</a:t>
             </a:r>
           </a:p>
@@ -27545,122 +27231,50 @@
               </a:spcBef>
             </a:pPr>
             <a:r>
-              <a:rPr lang="en-US" altLang="zh-CN" sz="1400" dirty="0">
-                <a:solidFill>
-                  <a:schemeClr val="accent6">
-                    <a:lumMod val="75000"/>
-                  </a:schemeClr>
-                </a:solidFill>
-              </a:rPr>
+              <a:rPr lang="en-US" altLang="zh-CN" sz="1400" dirty="0"/>
               <a:t>α     = </a:t>
             </a:r>
             <a:r>
-              <a:rPr lang="en-US" sz="1400" dirty="0">
-                <a:solidFill>
-                  <a:schemeClr val="accent6">
-                    <a:lumMod val="75000"/>
-                  </a:schemeClr>
-                </a:solidFill>
-              </a:rPr>
+              <a:rPr lang="en-US" sz="1400" dirty="0"/>
               <a:t>M2(mirror 2) </a:t>
             </a:r>
             <a:r>
-              <a:rPr lang="en-US" altLang="zh-CN" sz="1400" dirty="0">
-                <a:solidFill>
-                  <a:schemeClr val="accent6">
-                    <a:lumMod val="75000"/>
-                  </a:schemeClr>
-                </a:solidFill>
-              </a:rPr>
+              <a:rPr lang="en-US" altLang="zh-CN" sz="1400" dirty="0"/>
               <a:t>rotation angle</a:t>
             </a:r>
             <a:r>
-              <a:rPr lang="zh-CN" altLang="en-US" sz="1400" dirty="0">
-                <a:solidFill>
-                  <a:schemeClr val="accent6">
-                    <a:lumMod val="75000"/>
-                  </a:schemeClr>
-                </a:solidFill>
-              </a:rPr>
+              <a:rPr lang="zh-CN" altLang="en-US" sz="1400" dirty="0"/>
               <a:t>，</a:t>
             </a:r>
             <a:r>
-              <a:rPr lang="en-US" altLang="zh-CN" sz="1400" dirty="0">
-                <a:solidFill>
-                  <a:schemeClr val="accent6">
-                    <a:lumMod val="75000"/>
-                  </a:schemeClr>
-                </a:solidFill>
-              </a:rPr>
+              <a:rPr lang="en-US" altLang="zh-CN" sz="1400" dirty="0"/>
               <a:t>α</a:t>
             </a:r>
             <a:r>
-              <a:rPr lang="zh-CN" altLang="en-US" sz="1400" dirty="0">
-                <a:solidFill>
-                  <a:schemeClr val="accent6">
-                    <a:lumMod val="75000"/>
-                  </a:schemeClr>
-                </a:solidFill>
-              </a:rPr>
+              <a:rPr lang="zh-CN" altLang="en-US" sz="1400" dirty="0"/>
               <a:t>∈</a:t>
             </a:r>
             <a:r>
-              <a:rPr lang="en-US" altLang="zh-CN" sz="1400" dirty="0">
-                <a:solidFill>
-                  <a:schemeClr val="accent6">
-                    <a:lumMod val="75000"/>
-                  </a:schemeClr>
-                </a:solidFill>
-              </a:rPr>
+              <a:rPr lang="en-US" altLang="zh-CN" sz="1400" dirty="0"/>
               <a:t>(-9</a:t>
             </a:r>
             <a:r>
-              <a:rPr lang="en-US" altLang="zh-CN" sz="1400" baseline="30000" dirty="0">
-                <a:solidFill>
-                  <a:schemeClr val="accent6">
-                    <a:lumMod val="75000"/>
-                  </a:schemeClr>
-                </a:solidFill>
-              </a:rPr>
+              <a:rPr lang="en-US" altLang="zh-CN" sz="1400" baseline="30000" dirty="0"/>
               <a:t>o</a:t>
             </a:r>
             <a:r>
-              <a:rPr lang="en-US" altLang="zh-CN" sz="1400" dirty="0">
-                <a:solidFill>
-                  <a:schemeClr val="accent6">
-                    <a:lumMod val="75000"/>
-                  </a:schemeClr>
-                </a:solidFill>
-              </a:rPr>
+              <a:rPr lang="en-US" altLang="zh-CN" sz="1400" dirty="0"/>
               <a:t>,6</a:t>
             </a:r>
             <a:r>
-              <a:rPr lang="en-US" altLang="zh-CN" sz="1400" baseline="30000" dirty="0">
-                <a:solidFill>
-                  <a:schemeClr val="accent6">
-                    <a:lumMod val="75000"/>
-                  </a:schemeClr>
-                </a:solidFill>
-              </a:rPr>
+              <a:rPr lang="en-US" altLang="zh-CN" sz="1400" baseline="30000" dirty="0"/>
               <a:t>o</a:t>
             </a:r>
             <a:r>
-              <a:rPr lang="en-US" altLang="zh-CN" sz="1400" dirty="0">
-                <a:solidFill>
-                  <a:schemeClr val="accent6">
-                    <a:lumMod val="75000"/>
-                  </a:schemeClr>
-                </a:solidFill>
-              </a:rPr>
+              <a:rPr lang="en-US" altLang="zh-CN" sz="1400" dirty="0"/>
               <a:t>)</a:t>
             </a:r>
-            <a:endParaRPr lang="en-US" sz="1400" dirty="0">
-              <a:solidFill>
-                <a:schemeClr val="accent6">
-                  <a:lumMod val="75000"/>
-                </a:schemeClr>
-              </a:solidFill>
-            </a:endParaRPr>
+            <a:endParaRPr lang="en-US" sz="1400" dirty="0"/>
           </a:p>
           <a:p>
             <a:pPr marL="512763" indent="-512763">
@@ -27672,43 +27286,19 @@
               </a:spcBef>
             </a:pPr>
             <a:r>
-              <a:rPr lang="en-US" altLang="zh-CN" sz="1400" dirty="0" err="1">
-                <a:solidFill>
-                  <a:schemeClr val="accent6">
-                    <a:lumMod val="75000"/>
-                  </a:schemeClr>
-                </a:solidFill>
-              </a:rPr>
+              <a:rPr lang="en-US" altLang="zh-CN" sz="1400" dirty="0" err="1"/>
               <a:t>γ</a:t>
             </a:r>
             <a:r>
-              <a:rPr lang="en-US" altLang="zh-CN" sz="1400" baseline="-25000" dirty="0" err="1">
-                <a:solidFill>
-                  <a:schemeClr val="accent6">
-                    <a:lumMod val="75000"/>
-                  </a:schemeClr>
-                </a:solidFill>
-              </a:rPr>
+              <a:rPr lang="en-US" altLang="zh-CN" sz="1400" baseline="-25000" dirty="0" err="1"/>
               <a:t>IR</a:t>
             </a:r>
             <a:r>
-              <a:rPr lang="en-US" sz="1400" dirty="0">
-                <a:solidFill>
-                  <a:schemeClr val="accent6">
-                    <a:lumMod val="75000"/>
-                  </a:schemeClr>
-                </a:solidFill>
-              </a:rPr>
+              <a:rPr lang="en-US" sz="1400" dirty="0"/>
               <a:t>    =</a:t>
             </a:r>
             <a:r>
-              <a:rPr lang="en-US" altLang="zh-CN" sz="1400" dirty="0">
-                <a:solidFill>
-                  <a:schemeClr val="accent6">
-                    <a:lumMod val="75000"/>
-                  </a:schemeClr>
-                </a:solidFill>
-              </a:rPr>
+              <a:rPr lang="en-US" altLang="zh-CN" sz="1400" dirty="0"/>
               <a:t> IR height above midplane</a:t>
             </a:r>
           </a:p>

--- a/NSTX-U High-k scattering Calculation_20240717.pptx
+++ b/NSTX-U High-k scattering Calculation_20240717.pptx
@@ -5,7 +5,7 @@
     <p:sldMasterId id="2147483648" r:id="rId1"/>
   </p:sldMasterIdLst>
   <p:notesMasterIdLst>
-    <p:notesMasterId r:id="rId24"/>
+    <p:notesMasterId r:id="rId25"/>
   </p:notesMasterIdLst>
   <p:sldIdLst>
     <p:sldId id="256" r:id="rId2"/>
@@ -15,21 +15,22 @@
     <p:sldId id="262" r:id="rId6"/>
     <p:sldId id="261" r:id="rId7"/>
     <p:sldId id="279" r:id="rId8"/>
-    <p:sldId id="278" r:id="rId9"/>
-    <p:sldId id="265" r:id="rId10"/>
-    <p:sldId id="270" r:id="rId11"/>
-    <p:sldId id="259" r:id="rId12"/>
-    <p:sldId id="271" r:id="rId13"/>
-    <p:sldId id="272" r:id="rId14"/>
-    <p:sldId id="273" r:id="rId15"/>
-    <p:sldId id="274" r:id="rId16"/>
-    <p:sldId id="275" r:id="rId17"/>
-    <p:sldId id="276" r:id="rId18"/>
-    <p:sldId id="277" r:id="rId19"/>
-    <p:sldId id="280" r:id="rId20"/>
-    <p:sldId id="281" r:id="rId21"/>
-    <p:sldId id="267" r:id="rId22"/>
-    <p:sldId id="268" r:id="rId23"/>
+    <p:sldId id="282" r:id="rId9"/>
+    <p:sldId id="278" r:id="rId10"/>
+    <p:sldId id="265" r:id="rId11"/>
+    <p:sldId id="270" r:id="rId12"/>
+    <p:sldId id="259" r:id="rId13"/>
+    <p:sldId id="271" r:id="rId14"/>
+    <p:sldId id="272" r:id="rId15"/>
+    <p:sldId id="273" r:id="rId16"/>
+    <p:sldId id="274" r:id="rId17"/>
+    <p:sldId id="275" r:id="rId18"/>
+    <p:sldId id="276" r:id="rId19"/>
+    <p:sldId id="277" r:id="rId20"/>
+    <p:sldId id="280" r:id="rId21"/>
+    <p:sldId id="281" r:id="rId22"/>
+    <p:sldId id="267" r:id="rId23"/>
+    <p:sldId id="268" r:id="rId24"/>
   </p:sldIdLst>
   <p:sldSz cx="12192000" cy="6858000"/>
   <p:notesSz cx="6858000" cy="9144000"/>
@@ -218,7 +219,7 @@
           <a:p>
             <a:fld id="{DD7963AF-3B9E-4119-83FE-F39BCC844B14}" type="datetimeFigureOut">
               <a:rPr lang="en-US" smtClean="0"/>
-              <a:t>7/23/2024</a:t>
+              <a:t>7/24/2024</a:t>
             </a:fld>
             <a:endParaRPr lang="en-US"/>
           </a:p>
@@ -800,7 +801,7 @@
           <a:p>
             <a:fld id="{2EC1DD9D-CA1B-479F-BE79-11C3EFEF4B50}" type="datetime1">
               <a:rPr lang="en-US" smtClean="0"/>
-              <a:t>7/23/2024</a:t>
+              <a:t>7/24/2024</a:t>
             </a:fld>
             <a:endParaRPr lang="en-US"/>
           </a:p>
@@ -998,7 +999,7 @@
           <a:p>
             <a:fld id="{160DA2DE-8EC2-4FCA-AD49-11B9FCD880CB}" type="datetime1">
               <a:rPr lang="en-US" smtClean="0"/>
-              <a:t>7/23/2024</a:t>
+              <a:t>7/24/2024</a:t>
             </a:fld>
             <a:endParaRPr lang="en-US"/>
           </a:p>
@@ -1206,7 +1207,7 @@
           <a:p>
             <a:fld id="{1E5F0B84-C28F-412A-BE67-67A4E55E8DE3}" type="datetime1">
               <a:rPr lang="en-US" smtClean="0"/>
-              <a:t>7/23/2024</a:t>
+              <a:t>7/24/2024</a:t>
             </a:fld>
             <a:endParaRPr lang="en-US"/>
           </a:p>
@@ -1404,7 +1405,7 @@
           <a:p>
             <a:fld id="{10779873-1D2C-44E0-B4E0-420637316734}" type="datetime1">
               <a:rPr lang="en-US" smtClean="0"/>
-              <a:t>7/23/2024</a:t>
+              <a:t>7/24/2024</a:t>
             </a:fld>
             <a:endParaRPr lang="en-US"/>
           </a:p>
@@ -1679,7 +1680,7 @@
           <a:p>
             <a:fld id="{C271B5B0-0C16-4B7D-9155-78F1E7EADB49}" type="datetime1">
               <a:rPr lang="en-US" smtClean="0"/>
-              <a:t>7/23/2024</a:t>
+              <a:t>7/24/2024</a:t>
             </a:fld>
             <a:endParaRPr lang="en-US"/>
           </a:p>
@@ -1944,7 +1945,7 @@
           <a:p>
             <a:fld id="{FAB7F6B7-890D-45C7-8636-8D1462C0D7AD}" type="datetime1">
               <a:rPr lang="en-US" smtClean="0"/>
-              <a:t>7/23/2024</a:t>
+              <a:t>7/24/2024</a:t>
             </a:fld>
             <a:endParaRPr lang="en-US"/>
           </a:p>
@@ -2356,7 +2357,7 @@
           <a:p>
             <a:fld id="{11D0E5F2-6308-4D6F-8CD7-5A3B75C59A74}" type="datetime1">
               <a:rPr lang="en-US" smtClean="0"/>
-              <a:t>7/23/2024</a:t>
+              <a:t>7/24/2024</a:t>
             </a:fld>
             <a:endParaRPr lang="en-US"/>
           </a:p>
@@ -2497,7 +2498,7 @@
           <a:p>
             <a:fld id="{4502C388-294A-4E97-9D69-20513486725D}" type="datetime1">
               <a:rPr lang="en-US" smtClean="0"/>
-              <a:t>7/23/2024</a:t>
+              <a:t>7/24/2024</a:t>
             </a:fld>
             <a:endParaRPr lang="en-US"/>
           </a:p>
@@ -2610,7 +2611,7 @@
           <a:p>
             <a:fld id="{BB7E84F5-3369-41E4-A9A6-434E5B269F05}" type="datetime1">
               <a:rPr lang="en-US" smtClean="0"/>
-              <a:t>7/23/2024</a:t>
+              <a:t>7/24/2024</a:t>
             </a:fld>
             <a:endParaRPr lang="en-US"/>
           </a:p>
@@ -2921,7 +2922,7 @@
           <a:p>
             <a:fld id="{C7AB5A68-3BAA-4592-B439-79E1A04F2C87}" type="datetime1">
               <a:rPr lang="en-US" smtClean="0"/>
-              <a:t>7/23/2024</a:t>
+              <a:t>7/24/2024</a:t>
             </a:fld>
             <a:endParaRPr lang="en-US"/>
           </a:p>
@@ -3209,7 +3210,7 @@
           <a:p>
             <a:fld id="{854EA51C-EC9E-4686-A598-4B64219D07AF}" type="datetime1">
               <a:rPr lang="en-US" smtClean="0"/>
-              <a:t>7/23/2024</a:t>
+              <a:t>7/24/2024</a:t>
             </a:fld>
             <a:endParaRPr lang="en-US"/>
           </a:p>
@@ -3450,7 +3451,7 @@
           <a:p>
             <a:fld id="{9292DAD1-9542-4687-A0FA-737321B65C62}" type="datetime1">
               <a:rPr lang="en-US" smtClean="0"/>
-              <a:t>7/23/2024</a:t>
+              <a:t>7/24/2024</a:t>
             </a:fld>
             <a:endParaRPr lang="en-US"/>
           </a:p>
@@ -4035,6 +4036,128 @@
           <a:chExt cx="0" cy="0"/>
         </a:xfrm>
       </p:grpSpPr>
+      <p:sp>
+        <p:nvSpPr>
+          <p:cNvPr id="2" name="Slide Number Placeholder 1">
+            <a:extLst>
+              <a:ext uri="{FF2B5EF4-FFF2-40B4-BE49-F238E27FC236}">
+                <a16:creationId xmlns:a16="http://schemas.microsoft.com/office/drawing/2014/main" id="{CCE85FD4-652D-9D87-CFB2-5403ADBBAA24}"/>
+              </a:ext>
+            </a:extLst>
+          </p:cNvPr>
+          <p:cNvSpPr>
+            <a:spLocks noGrp="1"/>
+          </p:cNvSpPr>
+          <p:nvPr>
+            <p:ph type="sldNum" sz="quarter" idx="12"/>
+          </p:nvPr>
+        </p:nvSpPr>
+        <p:spPr/>
+        <p:txBody>
+          <a:bodyPr/>
+          <a:lstStyle/>
+          <a:p>
+            <a:fld id="{C8EB1B78-1A80-4349-98CC-41A40981A64A}" type="slidenum">
+              <a:rPr lang="en-US" smtClean="0"/>
+              <a:t>10</a:t>
+            </a:fld>
+            <a:endParaRPr lang="en-US"/>
+          </a:p>
+        </p:txBody>
+      </p:sp>
+      <p:sp>
+        <p:nvSpPr>
+          <p:cNvPr id="5" name="TextBox 4">
+            <a:extLst>
+              <a:ext uri="{FF2B5EF4-FFF2-40B4-BE49-F238E27FC236}">
+                <a16:creationId xmlns:a16="http://schemas.microsoft.com/office/drawing/2014/main" id="{E7505466-2412-FE7A-6C23-231D0ADBD5CF}"/>
+              </a:ext>
+            </a:extLst>
+          </p:cNvPr>
+          <p:cNvSpPr txBox="1"/>
+          <p:nvPr/>
+        </p:nvSpPr>
+        <p:spPr>
+          <a:xfrm>
+            <a:off x="1377633" y="1305341"/>
+            <a:ext cx="9436734" cy="4247317"/>
+          </a:xfrm>
+          <a:prstGeom prst="rect">
+            <a:avLst/>
+          </a:prstGeom>
+          <a:noFill/>
+        </p:spPr>
+        <p:txBody>
+          <a:bodyPr wrap="square" rtlCol="0">
+            <a:spAutoFit/>
+          </a:bodyPr>
+          <a:lstStyle/>
+          <a:p>
+            <a:pPr algn="ctr"/>
+            <a:r>
+              <a:rPr lang="en-US" sz="5400" b="1" dirty="0">
+                <a:solidFill>
+                  <a:srgbClr val="FF0000"/>
+                </a:solidFill>
+              </a:rPr>
+              <a:t>Background Information Slides on scattering wavenumber </a:t>
+            </a:r>
+            <a:r>
+              <a:rPr lang="en-US" altLang="zh-CN" sz="5400" b="1" dirty="0">
+                <a:solidFill>
+                  <a:srgbClr val="FF0000"/>
+                </a:solidFill>
+              </a:rPr>
+              <a:t>and</a:t>
+            </a:r>
+            <a:r>
+              <a:rPr lang="en-US" sz="5400" b="1" dirty="0">
+                <a:solidFill>
+                  <a:srgbClr val="FF0000"/>
+                </a:solidFill>
+              </a:rPr>
+              <a:t> Pitch Angle Effects</a:t>
+            </a:r>
+          </a:p>
+          <a:p>
+            <a:pPr algn="ctr"/>
+            <a:r>
+              <a:rPr lang="en-US" sz="5400" b="1" dirty="0"/>
+              <a:t>By Calvin</a:t>
+            </a:r>
+          </a:p>
+        </p:txBody>
+      </p:sp>
+    </p:spTree>
+    <p:extLst>
+      <p:ext uri="{BB962C8B-B14F-4D97-AF65-F5344CB8AC3E}">
+        <p14:creationId xmlns:p14="http://schemas.microsoft.com/office/powerpoint/2010/main" val="2857820326"/>
+      </p:ext>
+    </p:extLst>
+  </p:cSld>
+  <p:clrMapOvr>
+    <a:masterClrMapping/>
+  </p:clrMapOvr>
+</p:sld>
+</file>
+
+<file path=ppt/slides/slide11.xml><?xml version="1.0" encoding="utf-8"?>
+<p:sld xmlns:a="http://schemas.openxmlformats.org/drawingml/2006/main" xmlns:r="http://schemas.openxmlformats.org/officeDocument/2006/relationships" xmlns:p="http://schemas.openxmlformats.org/presentationml/2006/main">
+  <p:cSld>
+    <p:spTree>
+      <p:nvGrpSpPr>
+        <p:cNvPr id="1" name=""/>
+        <p:cNvGrpSpPr/>
+        <p:nvPr/>
+      </p:nvGrpSpPr>
+      <p:grpSpPr>
+        <a:xfrm>
+          <a:off x="0" y="0"/>
+          <a:ext cx="0" cy="0"/>
+          <a:chOff x="0" y="0"/>
+          <a:chExt cx="0" cy="0"/>
+        </a:xfrm>
+      </p:grpSpPr>
       <p:pic>
         <p:nvPicPr>
           <p:cNvPr id="6" name="Picture 5"/>
@@ -5482,7 +5605,7 @@
 </p:sld>
 </file>
 
-<file path=ppt/slides/slide11.xml><?xml version="1.0" encoding="utf-8"?>
+<file path=ppt/slides/slide12.xml><?xml version="1.0" encoding="utf-8"?>
 <p:sld xmlns:a="http://schemas.openxmlformats.org/drawingml/2006/main" xmlns:r="http://schemas.openxmlformats.org/officeDocument/2006/relationships" xmlns:p="http://schemas.openxmlformats.org/presentationml/2006/main">
   <p:cSld>
     <p:spTree>
@@ -6488,7 +6611,7 @@
 </p:sld>
 </file>
 
-<file path=ppt/slides/slide12.xml><?xml version="1.0" encoding="utf-8"?>
+<file path=ppt/slides/slide13.xml><?xml version="1.0" encoding="utf-8"?>
 <p:sld xmlns:a="http://schemas.openxmlformats.org/drawingml/2006/main" xmlns:r="http://schemas.openxmlformats.org/officeDocument/2006/relationships" xmlns:p="http://schemas.openxmlformats.org/presentationml/2006/main">
   <p:cSld>
     <p:spTree>
@@ -7723,7 +7846,7 @@
 </p:sld>
 </file>
 
-<file path=ppt/slides/slide13.xml><?xml version="1.0" encoding="utf-8"?>
+<file path=ppt/slides/slide14.xml><?xml version="1.0" encoding="utf-8"?>
 <p:sld xmlns:a="http://schemas.openxmlformats.org/drawingml/2006/main" xmlns:r="http://schemas.openxmlformats.org/officeDocument/2006/relationships" xmlns:p="http://schemas.openxmlformats.org/presentationml/2006/main">
   <p:cSld>
     <p:spTree>
@@ -8383,7 +8506,7 @@
 </p:sld>
 </file>
 
-<file path=ppt/slides/slide14.xml><?xml version="1.0" encoding="utf-8"?>
+<file path=ppt/slides/slide15.xml><?xml version="1.0" encoding="utf-8"?>
 <p:sld xmlns:a="http://schemas.openxmlformats.org/drawingml/2006/main" xmlns:r="http://schemas.openxmlformats.org/officeDocument/2006/relationships" xmlns:p="http://schemas.openxmlformats.org/presentationml/2006/main">
   <p:cSld>
     <p:spTree>
@@ -8447,7 +8570,7 @@
 </p:sld>
 </file>
 
-<file path=ppt/slides/slide15.xml><?xml version="1.0" encoding="utf-8"?>
+<file path=ppt/slides/slide16.xml><?xml version="1.0" encoding="utf-8"?>
 <p:sld xmlns:a="http://schemas.openxmlformats.org/drawingml/2006/main" xmlns:r="http://schemas.openxmlformats.org/officeDocument/2006/relationships" xmlns:p="http://schemas.openxmlformats.org/presentationml/2006/main">
   <p:cSld>
     <p:spTree>
@@ -10208,7 +10331,7 @@
 </p:sld>
 </file>
 
-<file path=ppt/slides/slide16.xml><?xml version="1.0" encoding="utf-8"?>
+<file path=ppt/slides/slide17.xml><?xml version="1.0" encoding="utf-8"?>
 <p:sld xmlns:a="http://schemas.openxmlformats.org/drawingml/2006/main" xmlns:r="http://schemas.openxmlformats.org/officeDocument/2006/relationships" xmlns:p="http://schemas.openxmlformats.org/presentationml/2006/main">
   <p:cSld>
     <p:spTree>
@@ -13570,7 +13693,7 @@
 </p:sld>
 </file>
 
-<file path=ppt/slides/slide17.xml><?xml version="1.0" encoding="utf-8"?>
+<file path=ppt/slides/slide18.xml><?xml version="1.0" encoding="utf-8"?>
 <p:sld xmlns:a="http://schemas.openxmlformats.org/drawingml/2006/main" xmlns:r="http://schemas.openxmlformats.org/officeDocument/2006/relationships" xmlns:p="http://schemas.openxmlformats.org/presentationml/2006/main">
   <p:cSld>
     <p:spTree>
@@ -16580,7 +16703,7 @@
 </p:sld>
 </file>
 
-<file path=ppt/slides/slide18.xml><?xml version="1.0" encoding="utf-8"?>
+<file path=ppt/slides/slide19.xml><?xml version="1.0" encoding="utf-8"?>
 <p:sld xmlns:a="http://schemas.openxmlformats.org/drawingml/2006/main" xmlns:r="http://schemas.openxmlformats.org/officeDocument/2006/relationships" xmlns:p="http://schemas.openxmlformats.org/presentationml/2006/main">
   <p:cSld>
     <p:spTree>
@@ -16693,7 +16816,131 @@
 </p:sld>
 </file>
 
-<file path=ppt/slides/slide19.xml><?xml version="1.0" encoding="utf-8"?>
+<file path=ppt/slides/slide2.xml><?xml version="1.0" encoding="utf-8"?>
+<p:sld xmlns:a="http://schemas.openxmlformats.org/drawingml/2006/main" xmlns:r="http://schemas.openxmlformats.org/officeDocument/2006/relationships" xmlns:p="http://schemas.openxmlformats.org/presentationml/2006/main">
+  <p:cSld>
+    <p:spTree>
+      <p:nvGrpSpPr>
+        <p:cNvPr id="1" name=""/>
+        <p:cNvGrpSpPr/>
+        <p:nvPr/>
+      </p:nvGrpSpPr>
+      <p:grpSpPr>
+        <a:xfrm>
+          <a:off x="0" y="0"/>
+          <a:ext cx="0" cy="0"/>
+          <a:chOff x="0" y="0"/>
+          <a:chExt cx="0" cy="0"/>
+        </a:xfrm>
+      </p:grpSpPr>
+      <p:sp>
+        <p:nvSpPr>
+          <p:cNvPr id="3" name="Content Placeholder 2">
+            <a:extLst>
+              <a:ext uri="{FF2B5EF4-FFF2-40B4-BE49-F238E27FC236}">
+                <a16:creationId xmlns:a16="http://schemas.microsoft.com/office/drawing/2014/main" id="{412077C9-824D-B940-E3F2-BD8A912046BD}"/>
+              </a:ext>
+            </a:extLst>
+          </p:cNvPr>
+          <p:cNvSpPr>
+            <a:spLocks noGrp="1"/>
+          </p:cNvSpPr>
+          <p:nvPr>
+            <p:ph idx="1"/>
+          </p:nvPr>
+        </p:nvSpPr>
+        <p:spPr>
+          <a:xfrm>
+            <a:off x="1291472" y="2325246"/>
+            <a:ext cx="10148053" cy="1992231"/>
+          </a:xfrm>
+        </p:spPr>
+        <p:txBody>
+          <a:bodyPr>
+            <a:normAutofit/>
+          </a:bodyPr>
+          <a:lstStyle/>
+          <a:p>
+            <a:pPr marL="0" indent="0">
+              <a:buNone/>
+            </a:pPr>
+            <a:r>
+              <a:rPr lang="en-US" dirty="0"/>
+              <a:t>1.Define the optical geometry.</a:t>
+            </a:r>
+          </a:p>
+          <a:p>
+            <a:pPr marL="0" indent="0">
+              <a:buNone/>
+            </a:pPr>
+            <a:r>
+              <a:rPr lang="en-US" dirty="0"/>
+              <a:t>2. Get the constraint equation between the </a:t>
+            </a:r>
+            <a:r>
+              <a:rPr lang="en-US" sz="2400" dirty="0"/>
+              <a:t>geometry parameters</a:t>
+            </a:r>
+          </a:p>
+          <a:p>
+            <a:pPr marL="0" indent="0">
+              <a:buNone/>
+            </a:pPr>
+            <a:r>
+              <a:rPr lang="en-US" sz="2400" dirty="0"/>
+              <a:t>3.</a:t>
+            </a:r>
+            <a:r>
+              <a:rPr lang="en-US" sz="2800" dirty="0"/>
+              <a:t> High-k Receiver optical absolute calibration</a:t>
+            </a:r>
+            <a:endParaRPr lang="en-US" dirty="0"/>
+          </a:p>
+        </p:txBody>
+      </p:sp>
+      <p:sp>
+        <p:nvSpPr>
+          <p:cNvPr id="4" name="Slide Number Placeholder 3">
+            <a:extLst>
+              <a:ext uri="{FF2B5EF4-FFF2-40B4-BE49-F238E27FC236}">
+                <a16:creationId xmlns:a16="http://schemas.microsoft.com/office/drawing/2014/main" id="{B7E41C5F-C148-F154-3756-E77F33828D37}"/>
+              </a:ext>
+            </a:extLst>
+          </p:cNvPr>
+          <p:cNvSpPr>
+            <a:spLocks noGrp="1"/>
+          </p:cNvSpPr>
+          <p:nvPr>
+            <p:ph type="sldNum" sz="quarter" idx="12"/>
+          </p:nvPr>
+        </p:nvSpPr>
+        <p:spPr/>
+        <p:txBody>
+          <a:bodyPr/>
+          <a:lstStyle/>
+          <a:p>
+            <a:fld id="{C8EB1B78-1A80-4349-98CC-41A40981A64A}" type="slidenum">
+              <a:rPr lang="en-US" smtClean="0"/>
+              <a:t>2</a:t>
+            </a:fld>
+            <a:endParaRPr lang="en-US"/>
+          </a:p>
+        </p:txBody>
+      </p:sp>
+    </p:spTree>
+    <p:extLst>
+      <p:ext uri="{BB962C8B-B14F-4D97-AF65-F5344CB8AC3E}">
+        <p14:creationId xmlns:p14="http://schemas.microsoft.com/office/powerpoint/2010/main" val="403573915"/>
+      </p:ext>
+    </p:extLst>
+  </p:cSld>
+  <p:clrMapOvr>
+    <a:masterClrMapping/>
+  </p:clrMapOvr>
+</p:sld>
+</file>
+
+<file path=ppt/slides/slide20.xml><?xml version="1.0" encoding="utf-8"?>
 <p:sld xmlns:a="http://schemas.openxmlformats.org/drawingml/2006/main" xmlns:r="http://schemas.openxmlformats.org/officeDocument/2006/relationships" xmlns:p="http://schemas.openxmlformats.org/presentationml/2006/main">
   <p:cSld>
     <p:spTree>
@@ -16899,131 +17146,7 @@
 </p:sld>
 </file>
 
-<file path=ppt/slides/slide2.xml><?xml version="1.0" encoding="utf-8"?>
-<p:sld xmlns:a="http://schemas.openxmlformats.org/drawingml/2006/main" xmlns:r="http://schemas.openxmlformats.org/officeDocument/2006/relationships" xmlns:p="http://schemas.openxmlformats.org/presentationml/2006/main">
-  <p:cSld>
-    <p:spTree>
-      <p:nvGrpSpPr>
-        <p:cNvPr id="1" name=""/>
-        <p:cNvGrpSpPr/>
-        <p:nvPr/>
-      </p:nvGrpSpPr>
-      <p:grpSpPr>
-        <a:xfrm>
-          <a:off x="0" y="0"/>
-          <a:ext cx="0" cy="0"/>
-          <a:chOff x="0" y="0"/>
-          <a:chExt cx="0" cy="0"/>
-        </a:xfrm>
-      </p:grpSpPr>
-      <p:sp>
-        <p:nvSpPr>
-          <p:cNvPr id="3" name="Content Placeholder 2">
-            <a:extLst>
-              <a:ext uri="{FF2B5EF4-FFF2-40B4-BE49-F238E27FC236}">
-                <a16:creationId xmlns:a16="http://schemas.microsoft.com/office/drawing/2014/main" id="{412077C9-824D-B940-E3F2-BD8A912046BD}"/>
-              </a:ext>
-            </a:extLst>
-          </p:cNvPr>
-          <p:cNvSpPr>
-            <a:spLocks noGrp="1"/>
-          </p:cNvSpPr>
-          <p:nvPr>
-            <p:ph idx="1"/>
-          </p:nvPr>
-        </p:nvSpPr>
-        <p:spPr>
-          <a:xfrm>
-            <a:off x="1291472" y="2325246"/>
-            <a:ext cx="10148053" cy="1992231"/>
-          </a:xfrm>
-        </p:spPr>
-        <p:txBody>
-          <a:bodyPr>
-            <a:normAutofit/>
-          </a:bodyPr>
-          <a:lstStyle/>
-          <a:p>
-            <a:pPr marL="0" indent="0">
-              <a:buNone/>
-            </a:pPr>
-            <a:r>
-              <a:rPr lang="en-US" dirty="0"/>
-              <a:t>1.Define the optical geometry.</a:t>
-            </a:r>
-          </a:p>
-          <a:p>
-            <a:pPr marL="0" indent="0">
-              <a:buNone/>
-            </a:pPr>
-            <a:r>
-              <a:rPr lang="en-US" dirty="0"/>
-              <a:t>2. Get the constraint equation between the </a:t>
-            </a:r>
-            <a:r>
-              <a:rPr lang="en-US" sz="2400" dirty="0"/>
-              <a:t>geometry parameters</a:t>
-            </a:r>
-          </a:p>
-          <a:p>
-            <a:pPr marL="0" indent="0">
-              <a:buNone/>
-            </a:pPr>
-            <a:r>
-              <a:rPr lang="en-US" sz="2400" dirty="0"/>
-              <a:t>3.</a:t>
-            </a:r>
-            <a:r>
-              <a:rPr lang="en-US" sz="2800" dirty="0"/>
-              <a:t> High-k Receiver optical absolute calibration</a:t>
-            </a:r>
-            <a:endParaRPr lang="en-US" dirty="0"/>
-          </a:p>
-        </p:txBody>
-      </p:sp>
-      <p:sp>
-        <p:nvSpPr>
-          <p:cNvPr id="4" name="Slide Number Placeholder 3">
-            <a:extLst>
-              <a:ext uri="{FF2B5EF4-FFF2-40B4-BE49-F238E27FC236}">
-                <a16:creationId xmlns:a16="http://schemas.microsoft.com/office/drawing/2014/main" id="{B7E41C5F-C148-F154-3756-E77F33828D37}"/>
-              </a:ext>
-            </a:extLst>
-          </p:cNvPr>
-          <p:cNvSpPr>
-            <a:spLocks noGrp="1"/>
-          </p:cNvSpPr>
-          <p:nvPr>
-            <p:ph type="sldNum" sz="quarter" idx="12"/>
-          </p:nvPr>
-        </p:nvSpPr>
-        <p:spPr/>
-        <p:txBody>
-          <a:bodyPr/>
-          <a:lstStyle/>
-          <a:p>
-            <a:fld id="{C8EB1B78-1A80-4349-98CC-41A40981A64A}" type="slidenum">
-              <a:rPr lang="en-US" smtClean="0"/>
-              <a:t>2</a:t>
-            </a:fld>
-            <a:endParaRPr lang="en-US"/>
-          </a:p>
-        </p:txBody>
-      </p:sp>
-    </p:spTree>
-    <p:extLst>
-      <p:ext uri="{BB962C8B-B14F-4D97-AF65-F5344CB8AC3E}">
-        <p14:creationId xmlns:p14="http://schemas.microsoft.com/office/powerpoint/2010/main" val="403573915"/>
-      </p:ext>
-    </p:extLst>
-  </p:cSld>
-  <p:clrMapOvr>
-    <a:masterClrMapping/>
-  </p:clrMapOvr>
-</p:sld>
-</file>
-
-<file path=ppt/slides/slide20.xml><?xml version="1.0" encoding="utf-8"?>
+<file path=ppt/slides/slide21.xml><?xml version="1.0" encoding="utf-8"?>
 <p:sld xmlns:a="http://schemas.openxmlformats.org/drawingml/2006/main" xmlns:r="http://schemas.openxmlformats.org/officeDocument/2006/relationships" xmlns:p="http://schemas.openxmlformats.org/presentationml/2006/main">
   <p:cSld>
     <p:spTree>
@@ -17118,7 +17241,7 @@
 </p:sld>
 </file>
 
-<file path=ppt/slides/slide21.xml><?xml version="1.0" encoding="utf-8"?>
+<file path=ppt/slides/slide22.xml><?xml version="1.0" encoding="utf-8"?>
 <p:sld xmlns:a="http://schemas.openxmlformats.org/drawingml/2006/main" xmlns:r="http://schemas.openxmlformats.org/officeDocument/2006/relationships" xmlns:p="http://schemas.openxmlformats.org/presentationml/2006/main">
   <p:cSld>
     <p:spTree>
@@ -17213,7 +17336,7 @@
 </p:sld>
 </file>
 
-<file path=ppt/slides/slide22.xml><?xml version="1.0" encoding="utf-8"?>
+<file path=ppt/slides/slide23.xml><?xml version="1.0" encoding="utf-8"?>
 <p:sld xmlns:a="http://schemas.openxmlformats.org/drawingml/2006/main" xmlns:r="http://schemas.openxmlformats.org/officeDocument/2006/relationships" xmlns:p="http://schemas.openxmlformats.org/presentationml/2006/main">
   <p:cSld>
     <p:spTree>
@@ -19375,8 +19498,8 @@
           <a:chExt cx="0" cy="0"/>
         </a:xfrm>
       </p:grpSpPr>
-      <mc:AlternateContent xmlns:mc="http://schemas.openxmlformats.org/markup-compatibility/2006" xmlns:a14="http://schemas.microsoft.com/office/drawing/2010/main">
-        <mc:Choice Requires="a14">
+      <mc:AlternateContent xmlns:mc="http://schemas.openxmlformats.org/markup-compatibility/2006">
+        <mc:Choice xmlns:a14="http://schemas.microsoft.com/office/drawing/2010/main" Requires="a14">
           <p:sp>
             <p:nvSpPr>
               <p:cNvPr id="116" name="TextBox 115">
@@ -19391,8 +19514,8 @@
             </p:nvSpPr>
             <p:spPr>
               <a:xfrm>
-                <a:off x="5840538" y="357729"/>
-                <a:ext cx="5046353" cy="6294415"/>
+                <a:off x="5794228" y="373038"/>
+                <a:ext cx="5122835" cy="6294415"/>
               </a:xfrm>
               <a:prstGeom prst="rect">
                 <a:avLst/>
@@ -20455,7 +20578,7 @@
             </p:txBody>
           </p:sp>
         </mc:Choice>
-        <mc:Fallback xmlns="">
+        <mc:Fallback>
           <p:sp>
             <p:nvSpPr>
               <p:cNvPr id="116" name="TextBox 115">
@@ -20472,8 +20595,8 @@
             </p:nvSpPr>
             <p:spPr>
               <a:xfrm>
-                <a:off x="5840538" y="357729"/>
-                <a:ext cx="5046353" cy="6294415"/>
+                <a:off x="5794228" y="373038"/>
+                <a:ext cx="5122835" cy="6294415"/>
               </a:xfrm>
               <a:prstGeom prst="rect">
                 <a:avLst/>
@@ -20481,7 +20604,7 @@
               <a:blipFill>
                 <a:blip r:embed="rId2"/>
                 <a:stretch>
-                  <a:fillRect l="-604" t="-291" r="-1691"/>
+                  <a:fillRect l="-595" t="-290" r="-2021"/>
                 </a:stretch>
               </a:blipFill>
             </p:spPr>
@@ -22162,7 +22285,7 @@
         <p:spPr>
           <a:xfrm>
             <a:off x="249409" y="5296753"/>
-            <a:ext cx="6608105" cy="1477328"/>
+            <a:ext cx="5846591" cy="1200329"/>
           </a:xfrm>
           <a:prstGeom prst="rect">
             <a:avLst/>
@@ -22177,13 +22300,7 @@
           <a:p>
             <a:r>
               <a:rPr lang="en-US" dirty="0"/>
-              <a:t>Dm2 to axis of window :153.9mm</a:t>
-            </a:r>
-          </a:p>
-          <a:p>
-            <a:r>
-              <a:rPr lang="en-US" dirty="0"/>
-              <a:t>Angle :</a:t>
+              <a:t>Distance from M2  axis to center of window :153.9mm</a:t>
             </a:r>
           </a:p>
           <a:p>
@@ -24909,8 +25026,8 @@
           </a:p>
         </p:txBody>
       </p:sp>
-      <mc:AlternateContent xmlns:mc="http://schemas.openxmlformats.org/markup-compatibility/2006">
-        <mc:Choice xmlns:a14="http://schemas.microsoft.com/office/drawing/2010/main" Requires="a14">
+      <mc:AlternateContent xmlns:mc="http://schemas.openxmlformats.org/markup-compatibility/2006" xmlns:a14="http://schemas.microsoft.com/office/drawing/2010/main">
+        <mc:Choice Requires="a14">
           <p:sp>
             <p:nvSpPr>
               <p:cNvPr id="71" name="TextBox 70">
@@ -25528,7 +25645,7 @@
             </p:txBody>
           </p:sp>
         </mc:Choice>
-        <mc:Fallback>
+        <mc:Fallback xmlns="">
           <p:sp>
             <p:nvSpPr>
               <p:cNvPr id="71" name="TextBox 70">
@@ -27339,7 +27456,7 @@
           <p:cNvPr id="2" name="Slide Number Placeholder 1">
             <a:extLst>
               <a:ext uri="{FF2B5EF4-FFF2-40B4-BE49-F238E27FC236}">
-                <a16:creationId xmlns:a16="http://schemas.microsoft.com/office/drawing/2014/main" id="{6DF594DC-A1F7-4529-BC57-01C1A2208298}"/>
+                <a16:creationId xmlns:a16="http://schemas.microsoft.com/office/drawing/2014/main" id="{ED2730D6-E889-425A-AA64-B4C1407B09D5}"/>
               </a:ext>
             </a:extLst>
           </p:cNvPr>
@@ -27363,90 +27480,10 @@
           </a:p>
         </p:txBody>
       </p:sp>
-      <p:sp>
-        <p:nvSpPr>
-          <p:cNvPr id="4" name="TextBox 3">
-            <a:extLst>
-              <a:ext uri="{FF2B5EF4-FFF2-40B4-BE49-F238E27FC236}">
-                <a16:creationId xmlns:a16="http://schemas.microsoft.com/office/drawing/2014/main" id="{6D7E22F4-A174-4D89-ADA5-B02F1EFE1BD6}"/>
-              </a:ext>
-            </a:extLst>
-          </p:cNvPr>
-          <p:cNvSpPr txBox="1"/>
-          <p:nvPr/>
-        </p:nvSpPr>
-        <p:spPr>
-          <a:xfrm>
-            <a:off x="318875" y="921133"/>
-            <a:ext cx="8126964" cy="2616101"/>
-          </a:xfrm>
-          <a:prstGeom prst="rect">
-            <a:avLst/>
-          </a:prstGeom>
-          <a:noFill/>
-        </p:spPr>
-        <p:txBody>
-          <a:bodyPr wrap="square" rtlCol="0">
-            <a:spAutoFit/>
-          </a:bodyPr>
-          <a:lstStyle/>
-          <a:p>
-            <a:r>
-              <a:rPr lang="en-US" sz="2000" b="1" dirty="0"/>
-              <a:t>alignment procedure:</a:t>
-            </a:r>
-          </a:p>
-          <a:p>
-            <a:pPr marL="342900" indent="-342900">
-              <a:buAutoNum type="arabicPeriod"/>
-            </a:pPr>
-            <a:r>
-              <a:rPr lang="en-US" dirty="0"/>
-              <a:t>Take down the  cylindrical lens and meniscus lens .</a:t>
-            </a:r>
-          </a:p>
-          <a:p>
-            <a:pPr marL="342900" indent="-342900">
-              <a:buAutoNum type="arabicPeriod"/>
-            </a:pPr>
-            <a:r>
-              <a:rPr lang="en-US" dirty="0"/>
-              <a:t>mount the visible laser  on the central of the antenna and adjust the visible laser angle to reach to the center of the  convex lens.</a:t>
-            </a:r>
-          </a:p>
-          <a:p>
-            <a:pPr marL="342900" indent="-342900">
-              <a:buAutoNum type="arabicPeriod"/>
-            </a:pPr>
-            <a:r>
-              <a:rPr lang="en-US" dirty="0"/>
-              <a:t>Take down all the receiver lens and check if  the laser point is at the center of the window.</a:t>
-            </a:r>
-          </a:p>
-          <a:p>
-            <a:pPr marL="342900" indent="-342900">
-              <a:buAutoNum type="arabicPeriod"/>
-            </a:pPr>
-            <a:r>
-              <a:rPr lang="en-US" dirty="0"/>
-              <a:t>If the laser not on the center of the window ,adjust the mirror until the laser point reach at the center of the window.</a:t>
-            </a:r>
-          </a:p>
-          <a:p>
-            <a:pPr marL="342900" indent="-342900">
-              <a:buAutoNum type="arabicPeriod"/>
-            </a:pPr>
-            <a:r>
-              <a:rPr lang="en-US" dirty="0"/>
-              <a:t>Remount the receiver lens  after alignment .</a:t>
-            </a:r>
-          </a:p>
-        </p:txBody>
-      </p:sp>
     </p:spTree>
     <p:extLst>
       <p:ext uri="{BB962C8B-B14F-4D97-AF65-F5344CB8AC3E}">
-        <p14:creationId xmlns:p14="http://schemas.microsoft.com/office/powerpoint/2010/main" val="3720558612"/>
+        <p14:creationId xmlns:p14="http://schemas.microsoft.com/office/powerpoint/2010/main" val="940158732"/>
       </p:ext>
     </p:extLst>
   </p:cSld>
@@ -27478,7 +27515,7 @@
           <p:cNvPr id="2" name="Slide Number Placeholder 1">
             <a:extLst>
               <a:ext uri="{FF2B5EF4-FFF2-40B4-BE49-F238E27FC236}">
-                <a16:creationId xmlns:a16="http://schemas.microsoft.com/office/drawing/2014/main" id="{CCE85FD4-652D-9D87-CFB2-5403ADBBAA24}"/>
+                <a16:creationId xmlns:a16="http://schemas.microsoft.com/office/drawing/2014/main" id="{6DF594DC-A1F7-4529-BC57-01C1A2208298}"/>
               </a:ext>
             </a:extLst>
           </p:cNvPr>
@@ -27504,10 +27541,10 @@
       </p:sp>
       <p:sp>
         <p:nvSpPr>
-          <p:cNvPr id="5" name="TextBox 4">
+          <p:cNvPr id="4" name="TextBox 3">
             <a:extLst>
               <a:ext uri="{FF2B5EF4-FFF2-40B4-BE49-F238E27FC236}">
-                <a16:creationId xmlns:a16="http://schemas.microsoft.com/office/drawing/2014/main" id="{E7505466-2412-FE7A-6C23-231D0ADBD5CF}"/>
+                <a16:creationId xmlns:a16="http://schemas.microsoft.com/office/drawing/2014/main" id="{6D7E22F4-A174-4D89-ADA5-B02F1EFE1BD6}"/>
               </a:ext>
             </a:extLst>
           </p:cNvPr>
@@ -27516,8 +27553,8 @@
         </p:nvSpPr>
         <p:spPr>
           <a:xfrm>
-            <a:off x="1377633" y="1305341"/>
-            <a:ext cx="9436734" cy="4247317"/>
+            <a:off x="318875" y="921133"/>
+            <a:ext cx="8126964" cy="2616101"/>
           </a:xfrm>
           <a:prstGeom prst="rect">
             <a:avLst/>
@@ -27530,37 +27567,54 @@
           </a:bodyPr>
           <a:lstStyle/>
           <a:p>
-            <a:pPr algn="ctr"/>
-            <a:r>
-              <a:rPr lang="en-US" sz="5400" b="1" dirty="0">
-                <a:solidFill>
-                  <a:srgbClr val="FF0000"/>
-                </a:solidFill>
-              </a:rPr>
-              <a:t>Background Information Slides on scattering wavenumber </a:t>
-            </a:r>
-            <a:r>
-              <a:rPr lang="en-US" altLang="zh-CN" sz="5400" b="1" dirty="0">
-                <a:solidFill>
-                  <a:srgbClr val="FF0000"/>
-                </a:solidFill>
-              </a:rPr>
-              <a:t>and</a:t>
-            </a:r>
-            <a:r>
-              <a:rPr lang="en-US" sz="5400" b="1" dirty="0">
-                <a:solidFill>
-                  <a:srgbClr val="FF0000"/>
-                </a:solidFill>
-              </a:rPr>
-              <a:t> Pitch Angle Effects</a:t>
-            </a:r>
-          </a:p>
-          <a:p>
-            <a:pPr algn="ctr"/>
-            <a:r>
-              <a:rPr lang="en-US" sz="5400" b="1" dirty="0"/>
-              <a:t>By Calvin</a:t>
+            <a:r>
+              <a:rPr lang="en-US" sz="2000" b="1" dirty="0"/>
+              <a:t>alignment procedure:</a:t>
+            </a:r>
+          </a:p>
+          <a:p>
+            <a:pPr marL="342900" indent="-342900">
+              <a:buAutoNum type="arabicPeriod"/>
+            </a:pPr>
+            <a:r>
+              <a:rPr lang="en-US" dirty="0"/>
+              <a:t>Take down the  cylindrical lens and meniscus lens .</a:t>
+            </a:r>
+          </a:p>
+          <a:p>
+            <a:pPr marL="342900" indent="-342900">
+              <a:buAutoNum type="arabicPeriod"/>
+            </a:pPr>
+            <a:r>
+              <a:rPr lang="en-US" dirty="0"/>
+              <a:t>mount the visible laser  on the central of the antenna and adjust the visible laser angle to reach to the center of the  convex lens.</a:t>
+            </a:r>
+          </a:p>
+          <a:p>
+            <a:pPr marL="342900" indent="-342900">
+              <a:buAutoNum type="arabicPeriod"/>
+            </a:pPr>
+            <a:r>
+              <a:rPr lang="en-US" dirty="0"/>
+              <a:t>Take down all the receiver lens and check if  the laser point is at the center of the window.</a:t>
+            </a:r>
+          </a:p>
+          <a:p>
+            <a:pPr marL="342900" indent="-342900">
+              <a:buAutoNum type="arabicPeriod"/>
+            </a:pPr>
+            <a:r>
+              <a:rPr lang="en-US" dirty="0"/>
+              <a:t>If the laser not on the center of the window ,adjust the mirror until the laser point reach at the center of the window.</a:t>
+            </a:r>
+          </a:p>
+          <a:p>
+            <a:pPr marL="342900" indent="-342900">
+              <a:buAutoNum type="arabicPeriod"/>
+            </a:pPr>
+            <a:r>
+              <a:rPr lang="en-US" dirty="0"/>
+              <a:t>Remount the receiver lens  after alignment .</a:t>
             </a:r>
           </a:p>
         </p:txBody>
@@ -27568,7 +27622,7 @@
     </p:spTree>
     <p:extLst>
       <p:ext uri="{BB962C8B-B14F-4D97-AF65-F5344CB8AC3E}">
-        <p14:creationId xmlns:p14="http://schemas.microsoft.com/office/powerpoint/2010/main" val="2857820326"/>
+        <p14:creationId xmlns:p14="http://schemas.microsoft.com/office/powerpoint/2010/main" val="3720558612"/>
       </p:ext>
     </p:extLst>
   </p:cSld>

--- a/NSTX-U High-k scattering Calculation_20240717.pptx
+++ b/NSTX-U High-k scattering Calculation_20240717.pptx
@@ -219,7 +219,7 @@
           <a:p>
             <a:fld id="{DD7963AF-3B9E-4119-83FE-F39BCC844B14}" type="datetimeFigureOut">
               <a:rPr lang="en-US" smtClean="0"/>
-              <a:t>7/24/2024</a:t>
+              <a:t>7/25/2024</a:t>
             </a:fld>
             <a:endParaRPr lang="en-US"/>
           </a:p>
@@ -801,7 +801,7 @@
           <a:p>
             <a:fld id="{2EC1DD9D-CA1B-479F-BE79-11C3EFEF4B50}" type="datetime1">
               <a:rPr lang="en-US" smtClean="0"/>
-              <a:t>7/24/2024</a:t>
+              <a:t>7/25/2024</a:t>
             </a:fld>
             <a:endParaRPr lang="en-US"/>
           </a:p>
@@ -999,7 +999,7 @@
           <a:p>
             <a:fld id="{160DA2DE-8EC2-4FCA-AD49-11B9FCD880CB}" type="datetime1">
               <a:rPr lang="en-US" smtClean="0"/>
-              <a:t>7/24/2024</a:t>
+              <a:t>7/25/2024</a:t>
             </a:fld>
             <a:endParaRPr lang="en-US"/>
           </a:p>
@@ -1207,7 +1207,7 @@
           <a:p>
             <a:fld id="{1E5F0B84-C28F-412A-BE67-67A4E55E8DE3}" type="datetime1">
               <a:rPr lang="en-US" smtClean="0"/>
-              <a:t>7/24/2024</a:t>
+              <a:t>7/25/2024</a:t>
             </a:fld>
             <a:endParaRPr lang="en-US"/>
           </a:p>
@@ -1405,7 +1405,7 @@
           <a:p>
             <a:fld id="{10779873-1D2C-44E0-B4E0-420637316734}" type="datetime1">
               <a:rPr lang="en-US" smtClean="0"/>
-              <a:t>7/24/2024</a:t>
+              <a:t>7/25/2024</a:t>
             </a:fld>
             <a:endParaRPr lang="en-US"/>
           </a:p>
@@ -1680,7 +1680,7 @@
           <a:p>
             <a:fld id="{C271B5B0-0C16-4B7D-9155-78F1E7EADB49}" type="datetime1">
               <a:rPr lang="en-US" smtClean="0"/>
-              <a:t>7/24/2024</a:t>
+              <a:t>7/25/2024</a:t>
             </a:fld>
             <a:endParaRPr lang="en-US"/>
           </a:p>
@@ -1945,7 +1945,7 @@
           <a:p>
             <a:fld id="{FAB7F6B7-890D-45C7-8636-8D1462C0D7AD}" type="datetime1">
               <a:rPr lang="en-US" smtClean="0"/>
-              <a:t>7/24/2024</a:t>
+              <a:t>7/25/2024</a:t>
             </a:fld>
             <a:endParaRPr lang="en-US"/>
           </a:p>
@@ -2357,7 +2357,7 @@
           <a:p>
             <a:fld id="{11D0E5F2-6308-4D6F-8CD7-5A3B75C59A74}" type="datetime1">
               <a:rPr lang="en-US" smtClean="0"/>
-              <a:t>7/24/2024</a:t>
+              <a:t>7/25/2024</a:t>
             </a:fld>
             <a:endParaRPr lang="en-US"/>
           </a:p>
@@ -2498,7 +2498,7 @@
           <a:p>
             <a:fld id="{4502C388-294A-4E97-9D69-20513486725D}" type="datetime1">
               <a:rPr lang="en-US" smtClean="0"/>
-              <a:t>7/24/2024</a:t>
+              <a:t>7/25/2024</a:t>
             </a:fld>
             <a:endParaRPr lang="en-US"/>
           </a:p>
@@ -2611,7 +2611,7 @@
           <a:p>
             <a:fld id="{BB7E84F5-3369-41E4-A9A6-434E5B269F05}" type="datetime1">
               <a:rPr lang="en-US" smtClean="0"/>
-              <a:t>7/24/2024</a:t>
+              <a:t>7/25/2024</a:t>
             </a:fld>
             <a:endParaRPr lang="en-US"/>
           </a:p>
@@ -2922,7 +2922,7 @@
           <a:p>
             <a:fld id="{C7AB5A68-3BAA-4592-B439-79E1A04F2C87}" type="datetime1">
               <a:rPr lang="en-US" smtClean="0"/>
-              <a:t>7/24/2024</a:t>
+              <a:t>7/25/2024</a:t>
             </a:fld>
             <a:endParaRPr lang="en-US"/>
           </a:p>
@@ -3210,7 +3210,7 @@
           <a:p>
             <a:fld id="{854EA51C-EC9E-4686-A598-4B64219D07AF}" type="datetime1">
               <a:rPr lang="en-US" smtClean="0"/>
-              <a:t>7/24/2024</a:t>
+              <a:t>7/25/2024</a:t>
             </a:fld>
             <a:endParaRPr lang="en-US"/>
           </a:p>
@@ -3451,7 +3451,7 @@
           <a:p>
             <a:fld id="{9292DAD1-9542-4687-A0FA-737321B65C62}" type="datetime1">
               <a:rPr lang="en-US" smtClean="0"/>
-              <a:t>7/24/2024</a:t>
+              <a:t>7/25/2024</a:t>
             </a:fld>
             <a:endParaRPr lang="en-US"/>
           </a:p>
@@ -19498,8 +19498,8 @@
           <a:chExt cx="0" cy="0"/>
         </a:xfrm>
       </p:grpSpPr>
-      <mc:AlternateContent xmlns:mc="http://schemas.openxmlformats.org/markup-compatibility/2006">
-        <mc:Choice xmlns:a14="http://schemas.microsoft.com/office/drawing/2010/main" Requires="a14">
+      <mc:AlternateContent xmlns:mc="http://schemas.openxmlformats.org/markup-compatibility/2006" xmlns:a14="http://schemas.microsoft.com/office/drawing/2010/main">
+        <mc:Choice Requires="a14">
           <p:sp>
             <p:nvSpPr>
               <p:cNvPr id="116" name="TextBox 115">
@@ -20578,7 +20578,7 @@
             </p:txBody>
           </p:sp>
         </mc:Choice>
-        <mc:Fallback>
+        <mc:Fallback xmlns="">
           <p:sp>
             <p:nvSpPr>
               <p:cNvPr id="116" name="TextBox 115">
@@ -22284,7 +22284,7 @@
         </p:nvSpPr>
         <p:spPr>
           <a:xfrm>
-            <a:off x="249409" y="5296753"/>
+            <a:off x="243189" y="5485674"/>
             <a:ext cx="5846591" cy="1200329"/>
           </a:xfrm>
           <a:prstGeom prst="rect">
@@ -25026,8 +25026,8 @@
           </a:p>
         </p:txBody>
       </p:sp>
-      <mc:AlternateContent xmlns:mc="http://schemas.openxmlformats.org/markup-compatibility/2006" xmlns:a14="http://schemas.microsoft.com/office/drawing/2010/main">
-        <mc:Choice Requires="a14">
+      <mc:AlternateContent xmlns:mc="http://schemas.openxmlformats.org/markup-compatibility/2006">
+        <mc:Choice xmlns:a14="http://schemas.microsoft.com/office/drawing/2010/main" Requires="a14">
           <p:sp>
             <p:nvSpPr>
               <p:cNvPr id="71" name="TextBox 70">
@@ -25042,8 +25042,8 @@
             </p:nvSpPr>
             <p:spPr>
               <a:xfrm>
-                <a:off x="5195151" y="649376"/>
-                <a:ext cx="3840360" cy="4955203"/>
+                <a:off x="5014908" y="677244"/>
+                <a:ext cx="4335631" cy="4955203"/>
               </a:xfrm>
               <a:prstGeom prst="rect">
                 <a:avLst/>
@@ -25645,7 +25645,7 @@
             </p:txBody>
           </p:sp>
         </mc:Choice>
-        <mc:Fallback xmlns="">
+        <mc:Fallback>
           <p:sp>
             <p:nvSpPr>
               <p:cNvPr id="71" name="TextBox 70">
@@ -25662,8 +25662,8 @@
             </p:nvSpPr>
             <p:spPr>
               <a:xfrm>
-                <a:off x="5195151" y="649376"/>
-                <a:ext cx="3840360" cy="4955203"/>
+                <a:off x="5014908" y="677244"/>
+                <a:ext cx="4335631" cy="4955203"/>
               </a:xfrm>
               <a:prstGeom prst="rect">
                 <a:avLst/>
@@ -25671,7 +25671,7 @@
               <a:blipFill>
                 <a:blip r:embed="rId2"/>
                 <a:stretch>
-                  <a:fillRect l="-1587" t="-1355" r="-317"/>
+                  <a:fillRect l="-1547" t="-1107"/>
                 </a:stretch>
               </a:blipFill>
             </p:spPr>

--- a/NSTX-U High-k scattering Calculation_20240717.pptx
+++ b/NSTX-U High-k scattering Calculation_20240717.pptx
@@ -5,7 +5,7 @@
     <p:sldMasterId id="2147483648" r:id="rId1"/>
   </p:sldMasterIdLst>
   <p:notesMasterIdLst>
-    <p:notesMasterId r:id="rId25"/>
+    <p:notesMasterId r:id="rId27"/>
   </p:notesMasterIdLst>
   <p:sldIdLst>
     <p:sldId id="256" r:id="rId2"/>
@@ -15,22 +15,24 @@
     <p:sldId id="262" r:id="rId6"/>
     <p:sldId id="261" r:id="rId7"/>
     <p:sldId id="279" r:id="rId8"/>
-    <p:sldId id="282" r:id="rId9"/>
-    <p:sldId id="278" r:id="rId10"/>
-    <p:sldId id="265" r:id="rId11"/>
-    <p:sldId id="270" r:id="rId12"/>
-    <p:sldId id="259" r:id="rId13"/>
-    <p:sldId id="271" r:id="rId14"/>
-    <p:sldId id="272" r:id="rId15"/>
-    <p:sldId id="273" r:id="rId16"/>
-    <p:sldId id="274" r:id="rId17"/>
-    <p:sldId id="275" r:id="rId18"/>
-    <p:sldId id="276" r:id="rId19"/>
-    <p:sldId id="277" r:id="rId20"/>
-    <p:sldId id="280" r:id="rId21"/>
-    <p:sldId id="281" r:id="rId22"/>
-    <p:sldId id="267" r:id="rId23"/>
-    <p:sldId id="268" r:id="rId24"/>
+    <p:sldId id="278" r:id="rId9"/>
+    <p:sldId id="265" r:id="rId10"/>
+    <p:sldId id="270" r:id="rId11"/>
+    <p:sldId id="259" r:id="rId12"/>
+    <p:sldId id="271" r:id="rId13"/>
+    <p:sldId id="272" r:id="rId14"/>
+    <p:sldId id="273" r:id="rId15"/>
+    <p:sldId id="274" r:id="rId16"/>
+    <p:sldId id="275" r:id="rId17"/>
+    <p:sldId id="276" r:id="rId18"/>
+    <p:sldId id="277" r:id="rId19"/>
+    <p:sldId id="280" r:id="rId20"/>
+    <p:sldId id="281" r:id="rId21"/>
+    <p:sldId id="267" r:id="rId22"/>
+    <p:sldId id="268" r:id="rId23"/>
+    <p:sldId id="282" r:id="rId24"/>
+    <p:sldId id="283" r:id="rId25"/>
+    <p:sldId id="284" r:id="rId26"/>
   </p:sldIdLst>
   <p:sldSz cx="12192000" cy="6858000"/>
   <p:notesSz cx="6858000" cy="9144000"/>
@@ -219,7 +221,7 @@
           <a:p>
             <a:fld id="{DD7963AF-3B9E-4119-83FE-F39BCC844B14}" type="datetimeFigureOut">
               <a:rPr lang="en-US" smtClean="0"/>
-              <a:t>7/25/2024</a:t>
+              <a:t>8/18/2024</a:t>
             </a:fld>
             <a:endParaRPr lang="en-US"/>
           </a:p>
@@ -801,7 +803,7 @@
           <a:p>
             <a:fld id="{2EC1DD9D-CA1B-479F-BE79-11C3EFEF4B50}" type="datetime1">
               <a:rPr lang="en-US" smtClean="0"/>
-              <a:t>7/25/2024</a:t>
+              <a:t>8/18/2024</a:t>
             </a:fld>
             <a:endParaRPr lang="en-US"/>
           </a:p>
@@ -999,7 +1001,7 @@
           <a:p>
             <a:fld id="{160DA2DE-8EC2-4FCA-AD49-11B9FCD880CB}" type="datetime1">
               <a:rPr lang="en-US" smtClean="0"/>
-              <a:t>7/25/2024</a:t>
+              <a:t>8/18/2024</a:t>
             </a:fld>
             <a:endParaRPr lang="en-US"/>
           </a:p>
@@ -1207,7 +1209,7 @@
           <a:p>
             <a:fld id="{1E5F0B84-C28F-412A-BE67-67A4E55E8DE3}" type="datetime1">
               <a:rPr lang="en-US" smtClean="0"/>
-              <a:t>7/25/2024</a:t>
+              <a:t>8/18/2024</a:t>
             </a:fld>
             <a:endParaRPr lang="en-US"/>
           </a:p>
@@ -1405,7 +1407,7 @@
           <a:p>
             <a:fld id="{10779873-1D2C-44E0-B4E0-420637316734}" type="datetime1">
               <a:rPr lang="en-US" smtClean="0"/>
-              <a:t>7/25/2024</a:t>
+              <a:t>8/18/2024</a:t>
             </a:fld>
             <a:endParaRPr lang="en-US"/>
           </a:p>
@@ -1680,7 +1682,7 @@
           <a:p>
             <a:fld id="{C271B5B0-0C16-4B7D-9155-78F1E7EADB49}" type="datetime1">
               <a:rPr lang="en-US" smtClean="0"/>
-              <a:t>7/25/2024</a:t>
+              <a:t>8/18/2024</a:t>
             </a:fld>
             <a:endParaRPr lang="en-US"/>
           </a:p>
@@ -1945,7 +1947,7 @@
           <a:p>
             <a:fld id="{FAB7F6B7-890D-45C7-8636-8D1462C0D7AD}" type="datetime1">
               <a:rPr lang="en-US" smtClean="0"/>
-              <a:t>7/25/2024</a:t>
+              <a:t>8/18/2024</a:t>
             </a:fld>
             <a:endParaRPr lang="en-US"/>
           </a:p>
@@ -2357,7 +2359,7 @@
           <a:p>
             <a:fld id="{11D0E5F2-6308-4D6F-8CD7-5A3B75C59A74}" type="datetime1">
               <a:rPr lang="en-US" smtClean="0"/>
-              <a:t>7/25/2024</a:t>
+              <a:t>8/18/2024</a:t>
             </a:fld>
             <a:endParaRPr lang="en-US"/>
           </a:p>
@@ -2498,7 +2500,7 @@
           <a:p>
             <a:fld id="{4502C388-294A-4E97-9D69-20513486725D}" type="datetime1">
               <a:rPr lang="en-US" smtClean="0"/>
-              <a:t>7/25/2024</a:t>
+              <a:t>8/18/2024</a:t>
             </a:fld>
             <a:endParaRPr lang="en-US"/>
           </a:p>
@@ -2611,7 +2613,7 @@
           <a:p>
             <a:fld id="{BB7E84F5-3369-41E4-A9A6-434E5B269F05}" type="datetime1">
               <a:rPr lang="en-US" smtClean="0"/>
-              <a:t>7/25/2024</a:t>
+              <a:t>8/18/2024</a:t>
             </a:fld>
             <a:endParaRPr lang="en-US"/>
           </a:p>
@@ -2922,7 +2924,7 @@
           <a:p>
             <a:fld id="{C7AB5A68-3BAA-4592-B439-79E1A04F2C87}" type="datetime1">
               <a:rPr lang="en-US" smtClean="0"/>
-              <a:t>7/25/2024</a:t>
+              <a:t>8/18/2024</a:t>
             </a:fld>
             <a:endParaRPr lang="en-US"/>
           </a:p>
@@ -3210,7 +3212,7 @@
           <a:p>
             <a:fld id="{854EA51C-EC9E-4686-A598-4B64219D07AF}" type="datetime1">
               <a:rPr lang="en-US" smtClean="0"/>
-              <a:t>7/25/2024</a:t>
+              <a:t>8/18/2024</a:t>
             </a:fld>
             <a:endParaRPr lang="en-US"/>
           </a:p>
@@ -3451,7 +3453,7 @@
           <a:p>
             <a:fld id="{9292DAD1-9542-4687-A0FA-737321B65C62}" type="datetime1">
               <a:rPr lang="en-US" smtClean="0"/>
-              <a:t>7/25/2024</a:t>
+              <a:t>8/18/2024</a:t>
             </a:fld>
             <a:endParaRPr lang="en-US"/>
           </a:p>
@@ -4038,278 +4040,6 @@
       </p:grpSpPr>
       <p:sp>
         <p:nvSpPr>
-          <p:cNvPr id="2" name="Slide Number Placeholder 1">
-            <a:extLst>
-              <a:ext uri="{FF2B5EF4-FFF2-40B4-BE49-F238E27FC236}">
-                <a16:creationId xmlns:a16="http://schemas.microsoft.com/office/drawing/2014/main" id="{CCE85FD4-652D-9D87-CFB2-5403ADBBAA24}"/>
-              </a:ext>
-            </a:extLst>
-          </p:cNvPr>
-          <p:cNvSpPr>
-            <a:spLocks noGrp="1"/>
-          </p:cNvSpPr>
-          <p:nvPr>
-            <p:ph type="sldNum" sz="quarter" idx="12"/>
-          </p:nvPr>
-        </p:nvSpPr>
-        <p:spPr/>
-        <p:txBody>
-          <a:bodyPr/>
-          <a:lstStyle/>
-          <a:p>
-            <a:fld id="{C8EB1B78-1A80-4349-98CC-41A40981A64A}" type="slidenum">
-              <a:rPr lang="en-US" smtClean="0"/>
-              <a:t>10</a:t>
-            </a:fld>
-            <a:endParaRPr lang="en-US"/>
-          </a:p>
-        </p:txBody>
-      </p:sp>
-      <p:sp>
-        <p:nvSpPr>
-          <p:cNvPr id="5" name="TextBox 4">
-            <a:extLst>
-              <a:ext uri="{FF2B5EF4-FFF2-40B4-BE49-F238E27FC236}">
-                <a16:creationId xmlns:a16="http://schemas.microsoft.com/office/drawing/2014/main" id="{E7505466-2412-FE7A-6C23-231D0ADBD5CF}"/>
-              </a:ext>
-            </a:extLst>
-          </p:cNvPr>
-          <p:cNvSpPr txBox="1"/>
-          <p:nvPr/>
-        </p:nvSpPr>
-        <p:spPr>
-          <a:xfrm>
-            <a:off x="1377633" y="1305341"/>
-            <a:ext cx="9436734" cy="4247317"/>
-          </a:xfrm>
-          <a:prstGeom prst="rect">
-            <a:avLst/>
-          </a:prstGeom>
-          <a:noFill/>
-        </p:spPr>
-        <p:txBody>
-          <a:bodyPr wrap="square" rtlCol="0">
-            <a:spAutoFit/>
-          </a:bodyPr>
-          <a:lstStyle/>
-          <a:p>
-            <a:pPr algn="ctr"/>
-            <a:r>
-              <a:rPr lang="en-US" sz="5400" b="1" dirty="0">
-                <a:solidFill>
-                  <a:srgbClr val="FF0000"/>
-                </a:solidFill>
-              </a:rPr>
-              <a:t>Background Information Slides on scattering wavenumber </a:t>
-            </a:r>
-            <a:r>
-              <a:rPr lang="en-US" altLang="zh-CN" sz="5400" b="1" dirty="0">
-                <a:solidFill>
-                  <a:srgbClr val="FF0000"/>
-                </a:solidFill>
-              </a:rPr>
-              <a:t>and</a:t>
-            </a:r>
-            <a:r>
-              <a:rPr lang="en-US" sz="5400" b="1" dirty="0">
-                <a:solidFill>
-                  <a:srgbClr val="FF0000"/>
-                </a:solidFill>
-              </a:rPr>
-              <a:t> Pitch Angle Effects</a:t>
-            </a:r>
-          </a:p>
-          <a:p>
-            <a:pPr algn="ctr"/>
-            <a:r>
-              <a:rPr lang="en-US" sz="5400" b="1" dirty="0"/>
-              <a:t>By Calvin</a:t>
-            </a:r>
-          </a:p>
-        </p:txBody>
-      </p:sp>
-    </p:spTree>
-    <p:extLst>
-      <p:ext uri="{BB962C8B-B14F-4D97-AF65-F5344CB8AC3E}">
-        <p14:creationId xmlns:p14="http://schemas.microsoft.com/office/powerpoint/2010/main" val="2857820326"/>
-      </p:ext>
-    </p:extLst>
-  </p:cSld>
-  <p:clrMapOvr>
-    <a:masterClrMapping/>
-  </p:clrMapOvr>
-</p:sld>
-</file>
-
-<file path=ppt/slides/slide11.xml><?xml version="1.0" encoding="utf-8"?>
-<p:sld xmlns:a="http://schemas.openxmlformats.org/drawingml/2006/main" xmlns:r="http://schemas.openxmlformats.org/officeDocument/2006/relationships" xmlns:p="http://schemas.openxmlformats.org/presentationml/2006/main">
-  <p:cSld>
-    <p:spTree>
-      <p:nvGrpSpPr>
-        <p:cNvPr id="1" name=""/>
-        <p:cNvGrpSpPr/>
-        <p:nvPr/>
-      </p:nvGrpSpPr>
-      <p:grpSpPr>
-        <a:xfrm>
-          <a:off x="0" y="0"/>
-          <a:ext cx="0" cy="0"/>
-          <a:chOff x="0" y="0"/>
-          <a:chExt cx="0" cy="0"/>
-        </a:xfrm>
-      </p:grpSpPr>
-      <p:pic>
-        <p:nvPicPr>
-          <p:cNvPr id="6" name="Picture 5"/>
-          <p:cNvPicPr>
-            <a:picLocks noChangeAspect="1"/>
-          </p:cNvPicPr>
-          <p:nvPr/>
-        </p:nvPicPr>
-        <p:blipFill rotWithShape="1">
-          <a:blip r:embed="rId2"/>
-          <a:srcRect l="43390" t="20221" r="9273" b="57059"/>
-          <a:stretch/>
-        </p:blipFill>
-        <p:spPr>
-          <a:xfrm>
-            <a:off x="4447732" y="5752273"/>
-            <a:ext cx="3583745" cy="967612"/>
-          </a:xfrm>
-          <a:prstGeom prst="rect">
-            <a:avLst/>
-          </a:prstGeom>
-        </p:spPr>
-      </p:pic>
-      <p:sp>
-        <p:nvSpPr>
-          <p:cNvPr id="11" name="TextBox 10"/>
-          <p:cNvSpPr txBox="1"/>
-          <p:nvPr/>
-        </p:nvSpPr>
-        <p:spPr>
-          <a:xfrm>
-            <a:off x="5508521" y="322913"/>
-            <a:ext cx="2791405" cy="461665"/>
-          </a:xfrm>
-          <a:prstGeom prst="rect">
-            <a:avLst/>
-          </a:prstGeom>
-          <a:noFill/>
-        </p:spPr>
-        <p:txBody>
-          <a:bodyPr wrap="none" rtlCol="0">
-            <a:spAutoFit/>
-          </a:bodyPr>
-          <a:lstStyle/>
-          <a:p>
-            <a:r>
-              <a:rPr lang="en-US" sz="2400" b="1" dirty="0"/>
-              <a:t>Bay G Launch Mirror</a:t>
-            </a:r>
-          </a:p>
-        </p:txBody>
-      </p:sp>
-      <p:sp>
-        <p:nvSpPr>
-          <p:cNvPr id="12" name="TextBox 11"/>
-          <p:cNvSpPr txBox="1"/>
-          <p:nvPr/>
-        </p:nvSpPr>
-        <p:spPr>
-          <a:xfrm>
-            <a:off x="4544834" y="2683814"/>
-            <a:ext cx="1791260" cy="461665"/>
-          </a:xfrm>
-          <a:prstGeom prst="rect">
-            <a:avLst/>
-          </a:prstGeom>
-          <a:noFill/>
-        </p:spPr>
-        <p:txBody>
-          <a:bodyPr wrap="none" rtlCol="0">
-            <a:spAutoFit/>
-          </a:bodyPr>
-          <a:lstStyle/>
-          <a:p>
-            <a:r>
-              <a:rPr lang="en-US" sz="2400" b="1"/>
-              <a:t>Torus Center</a:t>
-            </a:r>
-          </a:p>
-        </p:txBody>
-      </p:sp>
-      <p:sp>
-        <p:nvSpPr>
-          <p:cNvPr id="19" name="TextBox 18"/>
-          <p:cNvSpPr txBox="1"/>
-          <p:nvPr/>
-        </p:nvSpPr>
-        <p:spPr>
-          <a:xfrm>
-            <a:off x="6890438" y="6327042"/>
-            <a:ext cx="1262910" cy="461665"/>
-          </a:xfrm>
-          <a:prstGeom prst="rect">
-            <a:avLst/>
-          </a:prstGeom>
-          <a:noFill/>
-        </p:spPr>
-        <p:txBody>
-          <a:bodyPr wrap="none" rtlCol="0">
-            <a:spAutoFit/>
-          </a:bodyPr>
-          <a:lstStyle/>
-          <a:p>
-            <a:r>
-              <a:rPr lang="en-US" sz="2400" b="1"/>
-              <a:t>Window</a:t>
-            </a:r>
-          </a:p>
-        </p:txBody>
-      </p:sp>
-      <p:sp>
-        <p:nvSpPr>
-          <p:cNvPr id="20" name="Rectangle 19"/>
-          <p:cNvSpPr/>
-          <p:nvPr/>
-        </p:nvSpPr>
-        <p:spPr>
-          <a:xfrm>
-            <a:off x="6024363" y="6477454"/>
-            <a:ext cx="796923" cy="94069"/>
-          </a:xfrm>
-          <a:prstGeom prst="rect">
-            <a:avLst/>
-          </a:prstGeom>
-        </p:spPr>
-        <p:style>
-          <a:lnRef idx="2">
-            <a:schemeClr val="accent1">
-              <a:shade val="50000"/>
-            </a:schemeClr>
-          </a:lnRef>
-          <a:fillRef idx="1">
-            <a:schemeClr val="accent1"/>
-          </a:fillRef>
-          <a:effectRef idx="0">
-            <a:schemeClr val="accent1"/>
-          </a:effectRef>
-          <a:fontRef idx="minor">
-            <a:schemeClr val="lt1"/>
-          </a:fontRef>
-        </p:style>
-        <p:txBody>
-          <a:bodyPr rtlCol="0" anchor="ctr"/>
-          <a:lstStyle/>
-          <a:p>
-            <a:pPr algn="ctr"/>
-            <a:endParaRPr lang="en-US"/>
-          </a:p>
-        </p:txBody>
-      </p:sp>
-      <p:sp>
-        <p:nvSpPr>
           <p:cNvPr id="41" name="TextBox 40"/>
           <p:cNvSpPr txBox="1"/>
           <p:nvPr/>
@@ -4343,739 +4073,6 @@
               </a:rPr>
               <a:t>NSTX-U High-k Scattering Launch Geometry</a:t>
             </a:r>
-          </a:p>
-        </p:txBody>
-      </p:sp>
-      <p:cxnSp>
-        <p:nvCxnSpPr>
-          <p:cNvPr id="42" name="Straight Connector 41"/>
-          <p:cNvCxnSpPr/>
-          <p:nvPr/>
-        </p:nvCxnSpPr>
-        <p:spPr>
-          <a:xfrm flipH="1" flipV="1">
-            <a:off x="6125356" y="3194531"/>
-            <a:ext cx="0" cy="3383280"/>
-          </a:xfrm>
-          <a:prstGeom prst="line">
-            <a:avLst/>
-          </a:prstGeom>
-          <a:ln w="25400">
-            <a:solidFill>
-              <a:srgbClr val="FF0000"/>
-            </a:solidFill>
-          </a:ln>
-        </p:spPr>
-        <p:style>
-          <a:lnRef idx="1">
-            <a:schemeClr val="accent1"/>
-          </a:lnRef>
-          <a:fillRef idx="0">
-            <a:schemeClr val="accent1"/>
-          </a:fillRef>
-          <a:effectRef idx="0">
-            <a:schemeClr val="accent1"/>
-          </a:effectRef>
-          <a:fontRef idx="minor">
-            <a:schemeClr val="tx1"/>
-          </a:fontRef>
-        </p:style>
-      </p:cxnSp>
-      <p:cxnSp>
-        <p:nvCxnSpPr>
-          <p:cNvPr id="45" name="Straight Connector 44"/>
-          <p:cNvCxnSpPr/>
-          <p:nvPr/>
-        </p:nvCxnSpPr>
-        <p:spPr>
-          <a:xfrm rot="780000" flipV="1">
-            <a:off x="6615591" y="4766159"/>
-            <a:ext cx="0" cy="1828800"/>
-          </a:xfrm>
-          <a:prstGeom prst="line">
-            <a:avLst/>
-          </a:prstGeom>
-          <a:ln w="25400">
-            <a:solidFill>
-              <a:srgbClr val="FF0000"/>
-            </a:solidFill>
-          </a:ln>
-        </p:spPr>
-        <p:style>
-          <a:lnRef idx="1">
-            <a:schemeClr val="accent1"/>
-          </a:lnRef>
-          <a:fillRef idx="0">
-            <a:schemeClr val="accent1"/>
-          </a:fillRef>
-          <a:effectRef idx="0">
-            <a:schemeClr val="accent1"/>
-          </a:effectRef>
-          <a:fontRef idx="minor">
-            <a:schemeClr val="tx1"/>
-          </a:fontRef>
-        </p:style>
-      </p:cxnSp>
-      <p:sp>
-        <p:nvSpPr>
-          <p:cNvPr id="46" name="TextBox 45"/>
-          <p:cNvSpPr txBox="1"/>
-          <p:nvPr/>
-        </p:nvSpPr>
-        <p:spPr>
-          <a:xfrm>
-            <a:off x="6904223" y="4440772"/>
-            <a:ext cx="1807299" cy="690638"/>
-          </a:xfrm>
-          <a:prstGeom prst="rect">
-            <a:avLst/>
-          </a:prstGeom>
-          <a:noFill/>
-        </p:spPr>
-        <p:txBody>
-          <a:bodyPr wrap="square" rtlCol="0">
-            <a:spAutoFit/>
-          </a:bodyPr>
-          <a:lstStyle/>
-          <a:p>
-            <a:pPr>
-              <a:lnSpc>
-                <a:spcPct val="80000"/>
-              </a:lnSpc>
-            </a:pPr>
-            <a:r>
-              <a:rPr lang="en-US" sz="2400" b="1" dirty="0">
-                <a:solidFill>
-                  <a:srgbClr val="0070C0"/>
-                </a:solidFill>
-              </a:rPr>
-              <a:t>Interaction Region (IR)</a:t>
-            </a:r>
-          </a:p>
-        </p:txBody>
-      </p:sp>
-      <p:cxnSp>
-        <p:nvCxnSpPr>
-          <p:cNvPr id="47" name="Straight Connector 46"/>
-          <p:cNvCxnSpPr>
-            <a:stCxn id="44" idx="4"/>
-          </p:cNvCxnSpPr>
-          <p:nvPr/>
-        </p:nvCxnSpPr>
-        <p:spPr>
-          <a:xfrm flipH="1" flipV="1">
-            <a:off x="6162924" y="3218733"/>
-            <a:ext cx="640080" cy="1554480"/>
-          </a:xfrm>
-          <a:prstGeom prst="line">
-            <a:avLst/>
-          </a:prstGeom>
-          <a:ln w="25400">
-            <a:solidFill>
-              <a:srgbClr val="0070C0"/>
-            </a:solidFill>
-            <a:headEnd type="triangle" w="lg" len="lg"/>
-            <a:tailEnd type="none"/>
-          </a:ln>
-        </p:spPr>
-        <p:style>
-          <a:lnRef idx="1">
-            <a:schemeClr val="accent1"/>
-          </a:lnRef>
-          <a:fillRef idx="0">
-            <a:schemeClr val="accent1"/>
-          </a:fillRef>
-          <a:effectRef idx="0">
-            <a:schemeClr val="accent1"/>
-          </a:effectRef>
-          <a:fontRef idx="minor">
-            <a:schemeClr val="tx1"/>
-          </a:fontRef>
-        </p:style>
-      </p:cxnSp>
-      <p:cxnSp>
-        <p:nvCxnSpPr>
-          <p:cNvPr id="48" name="Straight Connector 47"/>
-          <p:cNvCxnSpPr/>
-          <p:nvPr/>
-        </p:nvCxnSpPr>
-        <p:spPr>
-          <a:xfrm rot="1200000" flipH="1" flipV="1">
-            <a:off x="7618074" y="450448"/>
-            <a:ext cx="0" cy="4480560"/>
-          </a:xfrm>
-          <a:prstGeom prst="line">
-            <a:avLst/>
-          </a:prstGeom>
-          <a:ln w="25400">
-            <a:solidFill>
-              <a:srgbClr val="FF0000"/>
-            </a:solidFill>
-          </a:ln>
-        </p:spPr>
-        <p:style>
-          <a:lnRef idx="1">
-            <a:schemeClr val="accent1"/>
-          </a:lnRef>
-          <a:fillRef idx="0">
-            <a:schemeClr val="accent1"/>
-          </a:fillRef>
-          <a:effectRef idx="0">
-            <a:schemeClr val="accent1"/>
-          </a:effectRef>
-          <a:fontRef idx="minor">
-            <a:schemeClr val="tx1"/>
-          </a:fontRef>
-        </p:style>
-      </p:cxnSp>
-      <p:sp>
-        <p:nvSpPr>
-          <p:cNvPr id="14" name="Oval 13"/>
-          <p:cNvSpPr/>
-          <p:nvPr/>
-        </p:nvSpPr>
-        <p:spPr>
-          <a:xfrm>
-            <a:off x="8294694" y="501857"/>
-            <a:ext cx="182880" cy="182880"/>
-          </a:xfrm>
-          <a:prstGeom prst="ellipse">
-            <a:avLst/>
-          </a:prstGeom>
-          <a:solidFill>
-            <a:schemeClr val="tx1"/>
-          </a:solidFill>
-        </p:spPr>
-        <p:style>
-          <a:lnRef idx="2">
-            <a:schemeClr val="accent1">
-              <a:shade val="50000"/>
-            </a:schemeClr>
-          </a:lnRef>
-          <a:fillRef idx="1">
-            <a:schemeClr val="accent1"/>
-          </a:fillRef>
-          <a:effectRef idx="0">
-            <a:schemeClr val="accent1"/>
-          </a:effectRef>
-          <a:fontRef idx="minor">
-            <a:schemeClr val="lt1"/>
-          </a:fontRef>
-        </p:style>
-        <p:txBody>
-          <a:bodyPr rtlCol="0" anchor="ctr"/>
-          <a:lstStyle/>
-          <a:p>
-            <a:pPr algn="ctr"/>
-            <a:endParaRPr lang="en-US"/>
-          </a:p>
-        </p:txBody>
-      </p:sp>
-      <p:cxnSp>
-        <p:nvCxnSpPr>
-          <p:cNvPr id="43" name="Straight Connector 42"/>
-          <p:cNvCxnSpPr/>
-          <p:nvPr/>
-        </p:nvCxnSpPr>
-        <p:spPr>
-          <a:xfrm rot="2460000" flipH="1" flipV="1">
-            <a:off x="7265167" y="170170"/>
-            <a:ext cx="0" cy="3474720"/>
-          </a:xfrm>
-          <a:prstGeom prst="line">
-            <a:avLst/>
-          </a:prstGeom>
-          <a:ln w="25400">
-            <a:solidFill>
-              <a:srgbClr val="FF0000"/>
-            </a:solidFill>
-          </a:ln>
-        </p:spPr>
-        <p:style>
-          <a:lnRef idx="1">
-            <a:schemeClr val="accent1"/>
-          </a:lnRef>
-          <a:fillRef idx="0">
-            <a:schemeClr val="accent1"/>
-          </a:fillRef>
-          <a:effectRef idx="0">
-            <a:schemeClr val="accent1"/>
-          </a:effectRef>
-          <a:fontRef idx="minor">
-            <a:schemeClr val="tx1"/>
-          </a:fontRef>
-        </p:style>
-      </p:cxnSp>
-      <p:sp>
-        <p:nvSpPr>
-          <p:cNvPr id="18" name="Oval 17"/>
-          <p:cNvSpPr/>
-          <p:nvPr/>
-        </p:nvSpPr>
-        <p:spPr>
-          <a:xfrm>
-            <a:off x="6024364" y="3095580"/>
-            <a:ext cx="182880" cy="182880"/>
-          </a:xfrm>
-          <a:prstGeom prst="ellipse">
-            <a:avLst/>
-          </a:prstGeom>
-          <a:solidFill>
-            <a:schemeClr val="tx1"/>
-          </a:solidFill>
-        </p:spPr>
-        <p:style>
-          <a:lnRef idx="2">
-            <a:schemeClr val="accent1">
-              <a:shade val="50000"/>
-            </a:schemeClr>
-          </a:lnRef>
-          <a:fillRef idx="1">
-            <a:schemeClr val="accent1"/>
-          </a:fillRef>
-          <a:effectRef idx="0">
-            <a:schemeClr val="accent1"/>
-          </a:effectRef>
-          <a:fontRef idx="minor">
-            <a:schemeClr val="lt1"/>
-          </a:fontRef>
-        </p:style>
-        <p:txBody>
-          <a:bodyPr rtlCol="0" anchor="ctr"/>
-          <a:lstStyle/>
-          <a:p>
-            <a:pPr algn="ctr"/>
-            <a:endParaRPr lang="en-US"/>
-          </a:p>
-        </p:txBody>
-      </p:sp>
-      <p:sp>
-        <p:nvSpPr>
-          <p:cNvPr id="44" name="Oval 43"/>
-          <p:cNvSpPr/>
-          <p:nvPr/>
-        </p:nvSpPr>
-        <p:spPr>
-          <a:xfrm>
-            <a:off x="6736322" y="4694651"/>
-            <a:ext cx="182880" cy="182880"/>
-          </a:xfrm>
-          <a:prstGeom prst="ellipse">
-            <a:avLst/>
-          </a:prstGeom>
-          <a:solidFill>
-            <a:schemeClr val="tx1"/>
-          </a:solidFill>
-        </p:spPr>
-        <p:style>
-          <a:lnRef idx="2">
-            <a:schemeClr val="accent1">
-              <a:shade val="50000"/>
-            </a:schemeClr>
-          </a:lnRef>
-          <a:fillRef idx="1">
-            <a:schemeClr val="accent1"/>
-          </a:fillRef>
-          <a:effectRef idx="0">
-            <a:schemeClr val="accent1"/>
-          </a:effectRef>
-          <a:fontRef idx="minor">
-            <a:schemeClr val="lt1"/>
-          </a:fontRef>
-        </p:style>
-        <p:txBody>
-          <a:bodyPr rtlCol="0" anchor="ctr"/>
-          <a:lstStyle/>
-          <a:p>
-            <a:pPr algn="ctr"/>
-            <a:endParaRPr lang="en-US"/>
-          </a:p>
-        </p:txBody>
-      </p:sp>
-      <p:sp>
-        <p:nvSpPr>
-          <p:cNvPr id="49" name="TextBox 48"/>
-          <p:cNvSpPr txBox="1"/>
-          <p:nvPr/>
-        </p:nvSpPr>
-        <p:spPr>
-          <a:xfrm>
-            <a:off x="6553576" y="3630593"/>
-            <a:ext cx="498855" cy="461665"/>
-          </a:xfrm>
-          <a:prstGeom prst="rect">
-            <a:avLst/>
-          </a:prstGeom>
-          <a:noFill/>
-        </p:spPr>
-        <p:txBody>
-          <a:bodyPr wrap="none" rtlCol="0">
-            <a:spAutoFit/>
-          </a:bodyPr>
-          <a:lstStyle/>
-          <a:p>
-            <a:r>
-              <a:rPr lang="el-GR" sz="2400" b="1">
-                <a:solidFill>
-                  <a:srgbClr val="FF0000"/>
-                </a:solidFill>
-              </a:rPr>
-              <a:t>ψ</a:t>
-            </a:r>
-            <a:r>
-              <a:rPr lang="en-US" sz="2400" b="1" baseline="-25000">
-                <a:solidFill>
-                  <a:srgbClr val="FF0000"/>
-                </a:solidFill>
-              </a:rPr>
-              <a:t>L</a:t>
-            </a:r>
-          </a:p>
-        </p:txBody>
-      </p:sp>
-      <p:sp>
-        <p:nvSpPr>
-          <p:cNvPr id="50" name="Arc 49"/>
-          <p:cNvSpPr/>
-          <p:nvPr/>
-        </p:nvSpPr>
-        <p:spPr>
-          <a:xfrm>
-            <a:off x="6179252" y="4077426"/>
-            <a:ext cx="1345201" cy="1420968"/>
-          </a:xfrm>
-          <a:prstGeom prst="arc">
-            <a:avLst>
-              <a:gd name="adj1" fmla="val 14767857"/>
-              <a:gd name="adj2" fmla="val 17347294"/>
-            </a:avLst>
-          </a:prstGeom>
-          <a:ln w="25400">
-            <a:solidFill>
-              <a:srgbClr val="FF0000"/>
-            </a:solidFill>
-            <a:tailEnd type="triangle" w="lg" len="lg"/>
-          </a:ln>
-        </p:spPr>
-        <p:style>
-          <a:lnRef idx="1">
-            <a:schemeClr val="accent1"/>
-          </a:lnRef>
-          <a:fillRef idx="0">
-            <a:schemeClr val="accent1"/>
-          </a:fillRef>
-          <a:effectRef idx="0">
-            <a:schemeClr val="accent1"/>
-          </a:effectRef>
-          <a:fontRef idx="minor">
-            <a:schemeClr val="tx1"/>
-          </a:fontRef>
-        </p:style>
-        <p:txBody>
-          <a:bodyPr rtlCol="0" anchor="ctr"/>
-          <a:lstStyle/>
-          <a:p>
-            <a:pPr algn="ctr"/>
-            <a:endParaRPr lang="en-US"/>
-          </a:p>
-        </p:txBody>
-      </p:sp>
-      <p:sp>
-        <p:nvSpPr>
-          <p:cNvPr id="51" name="TextBox 50"/>
-          <p:cNvSpPr txBox="1"/>
-          <p:nvPr/>
-        </p:nvSpPr>
-        <p:spPr>
-          <a:xfrm>
-            <a:off x="6524626" y="1637699"/>
-            <a:ext cx="623889" cy="461665"/>
-          </a:xfrm>
-          <a:prstGeom prst="rect">
-            <a:avLst/>
-          </a:prstGeom>
-          <a:noFill/>
-        </p:spPr>
-        <p:txBody>
-          <a:bodyPr wrap="none" rtlCol="0">
-            <a:spAutoFit/>
-          </a:bodyPr>
-          <a:lstStyle/>
-          <a:p>
-            <a:r>
-              <a:rPr lang="en-US" sz="2400" b="1">
-                <a:solidFill>
-                  <a:srgbClr val="FF0000"/>
-                </a:solidFill>
-              </a:rPr>
-              <a:t>R</a:t>
-            </a:r>
-            <a:r>
-              <a:rPr lang="en-US" sz="2400" b="1" baseline="-25000">
-                <a:solidFill>
-                  <a:srgbClr val="FF0000"/>
-                </a:solidFill>
-              </a:rPr>
-              <a:t>LM</a:t>
-            </a:r>
-          </a:p>
-        </p:txBody>
-      </p:sp>
-      <p:sp>
-        <p:nvSpPr>
-          <p:cNvPr id="52" name="TextBox 51"/>
-          <p:cNvSpPr txBox="1"/>
-          <p:nvPr/>
-        </p:nvSpPr>
-        <p:spPr>
-          <a:xfrm>
-            <a:off x="7525406" y="2720843"/>
-            <a:ext cx="572593" cy="461665"/>
-          </a:xfrm>
-          <a:prstGeom prst="rect">
-            <a:avLst/>
-          </a:prstGeom>
-          <a:noFill/>
-        </p:spPr>
-        <p:txBody>
-          <a:bodyPr wrap="none" rtlCol="0">
-            <a:spAutoFit/>
-          </a:bodyPr>
-          <a:lstStyle/>
-          <a:p>
-            <a:r>
-              <a:rPr lang="en-US" sz="2400" b="1">
-                <a:solidFill>
-                  <a:srgbClr val="FF0000"/>
-                </a:solidFill>
-              </a:rPr>
-              <a:t>z</a:t>
-            </a:r>
-            <a:r>
-              <a:rPr lang="en-US" sz="2400" b="1" baseline="-25000">
-                <a:solidFill>
-                  <a:srgbClr val="FF0000"/>
-                </a:solidFill>
-              </a:rPr>
-              <a:t>LM</a:t>
-            </a:r>
-          </a:p>
-        </p:txBody>
-      </p:sp>
-      <p:sp>
-        <p:nvSpPr>
-          <p:cNvPr id="53" name="TextBox 52"/>
-          <p:cNvSpPr txBox="1"/>
-          <p:nvPr/>
-        </p:nvSpPr>
-        <p:spPr>
-          <a:xfrm>
-            <a:off x="6224750" y="4188404"/>
-            <a:ext cx="527709" cy="461665"/>
-          </a:xfrm>
-          <a:prstGeom prst="rect">
-            <a:avLst/>
-          </a:prstGeom>
-          <a:noFill/>
-        </p:spPr>
-        <p:txBody>
-          <a:bodyPr wrap="none" rtlCol="0">
-            <a:spAutoFit/>
-          </a:bodyPr>
-          <a:lstStyle/>
-          <a:p>
-            <a:r>
-              <a:rPr lang="en-US" sz="2400" b="1">
-                <a:solidFill>
-                  <a:srgbClr val="FF0000"/>
-                </a:solidFill>
-              </a:rPr>
-              <a:t>R</a:t>
-            </a:r>
-            <a:r>
-              <a:rPr lang="en-US" sz="2400" b="1" baseline="-25000">
-                <a:solidFill>
-                  <a:srgbClr val="FF0000"/>
-                </a:solidFill>
-              </a:rPr>
-              <a:t>IR</a:t>
-            </a:r>
-          </a:p>
-        </p:txBody>
-      </p:sp>
-      <p:sp>
-        <p:nvSpPr>
-          <p:cNvPr id="54" name="TextBox 53"/>
-          <p:cNvSpPr txBox="1"/>
-          <p:nvPr/>
-        </p:nvSpPr>
-        <p:spPr>
-          <a:xfrm>
-            <a:off x="5500317" y="4749834"/>
-            <a:ext cx="657681" cy="461665"/>
-          </a:xfrm>
-          <a:prstGeom prst="rect">
-            <a:avLst/>
-          </a:prstGeom>
-          <a:noFill/>
-        </p:spPr>
-        <p:txBody>
-          <a:bodyPr wrap="none" rtlCol="0">
-            <a:spAutoFit/>
-          </a:bodyPr>
-          <a:lstStyle/>
-          <a:p>
-            <a:r>
-              <a:rPr lang="en-US" sz="2400" b="1">
-                <a:solidFill>
-                  <a:srgbClr val="FF0000"/>
-                </a:solidFill>
-              </a:rPr>
-              <a:t>R</a:t>
-            </a:r>
-            <a:r>
-              <a:rPr lang="en-US" sz="2400" b="1" baseline="-25000">
-                <a:solidFill>
-                  <a:srgbClr val="FF0000"/>
-                </a:solidFill>
-              </a:rPr>
-              <a:t>RW</a:t>
-            </a:r>
-          </a:p>
-        </p:txBody>
-      </p:sp>
-      <p:sp>
-        <p:nvSpPr>
-          <p:cNvPr id="55" name="Arc 54"/>
-          <p:cNvSpPr/>
-          <p:nvPr/>
-        </p:nvSpPr>
-        <p:spPr>
-          <a:xfrm rot="-5400000" flipV="1">
-            <a:off x="5714018" y="2799666"/>
-            <a:ext cx="791169" cy="765685"/>
-          </a:xfrm>
-          <a:prstGeom prst="arc">
-            <a:avLst>
-              <a:gd name="adj1" fmla="val 10937271"/>
-              <a:gd name="adj2" fmla="val 18920686"/>
-            </a:avLst>
-          </a:prstGeom>
-          <a:ln w="25400">
-            <a:solidFill>
-              <a:srgbClr val="FF0000"/>
-            </a:solidFill>
-            <a:tailEnd type="triangle" w="lg" len="lg"/>
-          </a:ln>
-        </p:spPr>
-        <p:style>
-          <a:lnRef idx="1">
-            <a:schemeClr val="accent1"/>
-          </a:lnRef>
-          <a:fillRef idx="0">
-            <a:schemeClr val="accent1"/>
-          </a:fillRef>
-          <a:effectRef idx="0">
-            <a:schemeClr val="accent1"/>
-          </a:effectRef>
-          <a:fontRef idx="minor">
-            <a:schemeClr val="tx1"/>
-          </a:fontRef>
-        </p:style>
-        <p:txBody>
-          <a:bodyPr rtlCol="0" anchor="ctr"/>
-          <a:lstStyle/>
-          <a:p>
-            <a:pPr algn="ctr"/>
-            <a:endParaRPr lang="en-US"/>
-          </a:p>
-        </p:txBody>
-      </p:sp>
-      <p:sp>
-        <p:nvSpPr>
-          <p:cNvPr id="56" name="TextBox 55"/>
-          <p:cNvSpPr txBox="1"/>
-          <p:nvPr/>
-        </p:nvSpPr>
-        <p:spPr>
-          <a:xfrm>
-            <a:off x="5500317" y="3494754"/>
-            <a:ext cx="652743" cy="461665"/>
-          </a:xfrm>
-          <a:prstGeom prst="rect">
-            <a:avLst/>
-          </a:prstGeom>
-          <a:noFill/>
-        </p:spPr>
-        <p:txBody>
-          <a:bodyPr wrap="none" rtlCol="0">
-            <a:spAutoFit/>
-          </a:bodyPr>
-          <a:lstStyle/>
-          <a:p>
-            <a:r>
-              <a:rPr lang="el-GR" sz="2400" b="1">
-                <a:solidFill>
-                  <a:srgbClr val="FF0000"/>
-                </a:solidFill>
-              </a:rPr>
-              <a:t>ψ</a:t>
-            </a:r>
-            <a:r>
-              <a:rPr lang="en-US" sz="2400" b="1" baseline="-25000">
-                <a:solidFill>
-                  <a:srgbClr val="FF0000"/>
-                </a:solidFill>
-              </a:rPr>
-              <a:t>RA</a:t>
-            </a:r>
-          </a:p>
-        </p:txBody>
-      </p:sp>
-      <p:sp>
-        <p:nvSpPr>
-          <p:cNvPr id="57" name="Arc 56"/>
-          <p:cNvSpPr/>
-          <p:nvPr/>
-        </p:nvSpPr>
-        <p:spPr>
-          <a:xfrm rot="-5400000" flipV="1">
-            <a:off x="5523208" y="2589087"/>
-            <a:ext cx="1179854" cy="1135530"/>
-          </a:xfrm>
-          <a:prstGeom prst="arc">
-            <a:avLst>
-              <a:gd name="adj1" fmla="val 10937271"/>
-              <a:gd name="adj2" fmla="val 12329916"/>
-            </a:avLst>
-          </a:prstGeom>
-          <a:ln w="25400">
-            <a:solidFill>
-              <a:srgbClr val="FF0000"/>
-            </a:solidFill>
-            <a:tailEnd type="triangle" w="lg" len="lg"/>
-          </a:ln>
-        </p:spPr>
-        <p:style>
-          <a:lnRef idx="1">
-            <a:schemeClr val="accent1"/>
-          </a:lnRef>
-          <a:fillRef idx="0">
-            <a:schemeClr val="accent1"/>
-          </a:fillRef>
-          <a:effectRef idx="0">
-            <a:schemeClr val="accent1"/>
-          </a:effectRef>
-          <a:fontRef idx="minor">
-            <a:schemeClr val="tx1"/>
-          </a:fontRef>
-        </p:style>
-        <p:txBody>
-          <a:bodyPr rtlCol="0" anchor="ctr"/>
-          <a:lstStyle/>
-          <a:p>
-            <a:pPr algn="ctr"/>
-            <a:endParaRPr lang="en-US"/>
           </a:p>
         </p:txBody>
       </p:sp>
@@ -5352,47 +4349,951 @@
           </a:p>
         </p:txBody>
       </p:sp>
-      <p:sp>
-        <p:nvSpPr>
-          <p:cNvPr id="59" name="TextBox 58"/>
-          <p:cNvSpPr txBox="1"/>
+      <p:grpSp>
+        <p:nvGrpSpPr>
+          <p:cNvPr id="2" name="Group 1">
+            <a:extLst>
+              <a:ext uri="{FF2B5EF4-FFF2-40B4-BE49-F238E27FC236}">
+                <a16:creationId xmlns:a16="http://schemas.microsoft.com/office/drawing/2014/main" id="{8D30EE46-9677-6B6B-EB77-1D1887400FFD}"/>
+              </a:ext>
+            </a:extLst>
+          </p:cNvPr>
+          <p:cNvGrpSpPr/>
           <p:nvPr/>
-        </p:nvSpPr>
-        <p:spPr>
+        </p:nvGrpSpPr>
+        <p:grpSpPr>
           <a:xfrm>
-            <a:off x="6440724" y="2970414"/>
-            <a:ext cx="678391" cy="461665"/>
+            <a:off x="6860993" y="170170"/>
+            <a:ext cx="4263790" cy="6618537"/>
+            <a:chOff x="6860993" y="170170"/>
+            <a:chExt cx="4263790" cy="6618537"/>
           </a:xfrm>
-          <a:prstGeom prst="rect">
-            <a:avLst/>
-          </a:prstGeom>
-          <a:noFill/>
-        </p:spPr>
-        <p:txBody>
-          <a:bodyPr wrap="none" rtlCol="0">
-            <a:spAutoFit/>
-          </a:bodyPr>
-          <a:lstStyle/>
-          <a:p>
-            <a:r>
-              <a:rPr lang="el-GR" sz="2400" b="1">
-                <a:solidFill>
-                  <a:srgbClr val="FF0000"/>
-                </a:solidFill>
-              </a:rPr>
-              <a:t>ψ</a:t>
-            </a:r>
-            <a:r>
-              <a:rPr lang="en-US" sz="2400" b="1" baseline="-25000">
-                <a:solidFill>
-                  <a:srgbClr val="FF0000"/>
-                </a:solidFill>
-              </a:rPr>
-              <a:t>LM</a:t>
-            </a:r>
-          </a:p>
-        </p:txBody>
-      </p:sp>
+        </p:grpSpPr>
+        <p:pic>
+          <p:nvPicPr>
+            <p:cNvPr id="6" name="Picture 5"/>
+            <p:cNvPicPr>
+              <a:picLocks noChangeAspect="1"/>
+            </p:cNvPicPr>
+            <p:nvPr/>
+          </p:nvPicPr>
+          <p:blipFill rotWithShape="1">
+            <a:blip r:embed="rId2"/>
+            <a:srcRect l="43390" t="20221" r="9273" b="57059"/>
+            <a:stretch/>
+          </p:blipFill>
+          <p:spPr>
+            <a:xfrm>
+              <a:off x="6860993" y="5752273"/>
+              <a:ext cx="3583745" cy="967612"/>
+            </a:xfrm>
+            <a:prstGeom prst="rect">
+              <a:avLst/>
+            </a:prstGeom>
+          </p:spPr>
+        </p:pic>
+        <p:sp>
+          <p:nvSpPr>
+            <p:cNvPr id="11" name="TextBox 10"/>
+            <p:cNvSpPr txBox="1"/>
+            <p:nvPr/>
+          </p:nvSpPr>
+          <p:spPr>
+            <a:xfrm>
+              <a:off x="7921782" y="322913"/>
+              <a:ext cx="2791405" cy="461665"/>
+            </a:xfrm>
+            <a:prstGeom prst="rect">
+              <a:avLst/>
+            </a:prstGeom>
+            <a:noFill/>
+          </p:spPr>
+          <p:txBody>
+            <a:bodyPr wrap="none" rtlCol="0">
+              <a:spAutoFit/>
+            </a:bodyPr>
+            <a:lstStyle/>
+            <a:p>
+              <a:r>
+                <a:rPr lang="en-US" sz="2400" b="1" dirty="0"/>
+                <a:t>Bay G Launch Mirror</a:t>
+              </a:r>
+            </a:p>
+          </p:txBody>
+        </p:sp>
+        <p:sp>
+          <p:nvSpPr>
+            <p:cNvPr id="12" name="TextBox 11"/>
+            <p:cNvSpPr txBox="1"/>
+            <p:nvPr/>
+          </p:nvSpPr>
+          <p:spPr>
+            <a:xfrm>
+              <a:off x="6958095" y="2683814"/>
+              <a:ext cx="1791260" cy="461665"/>
+            </a:xfrm>
+            <a:prstGeom prst="rect">
+              <a:avLst/>
+            </a:prstGeom>
+            <a:noFill/>
+          </p:spPr>
+          <p:txBody>
+            <a:bodyPr wrap="none" rtlCol="0">
+              <a:spAutoFit/>
+            </a:bodyPr>
+            <a:lstStyle/>
+            <a:p>
+              <a:r>
+                <a:rPr lang="en-US" sz="2400" b="1"/>
+                <a:t>Torus Center</a:t>
+              </a:r>
+            </a:p>
+          </p:txBody>
+        </p:sp>
+        <p:sp>
+          <p:nvSpPr>
+            <p:cNvPr id="19" name="TextBox 18"/>
+            <p:cNvSpPr txBox="1"/>
+            <p:nvPr/>
+          </p:nvSpPr>
+          <p:spPr>
+            <a:xfrm>
+              <a:off x="9303699" y="6327042"/>
+              <a:ext cx="1262910" cy="461665"/>
+            </a:xfrm>
+            <a:prstGeom prst="rect">
+              <a:avLst/>
+            </a:prstGeom>
+            <a:noFill/>
+          </p:spPr>
+          <p:txBody>
+            <a:bodyPr wrap="none" rtlCol="0">
+              <a:spAutoFit/>
+            </a:bodyPr>
+            <a:lstStyle/>
+            <a:p>
+              <a:r>
+                <a:rPr lang="en-US" sz="2400" b="1"/>
+                <a:t>Window</a:t>
+              </a:r>
+            </a:p>
+          </p:txBody>
+        </p:sp>
+        <p:sp>
+          <p:nvSpPr>
+            <p:cNvPr id="20" name="Rectangle 19"/>
+            <p:cNvSpPr/>
+            <p:nvPr/>
+          </p:nvSpPr>
+          <p:spPr>
+            <a:xfrm>
+              <a:off x="8437624" y="6477454"/>
+              <a:ext cx="796923" cy="94069"/>
+            </a:xfrm>
+            <a:prstGeom prst="rect">
+              <a:avLst/>
+            </a:prstGeom>
+          </p:spPr>
+          <p:style>
+            <a:lnRef idx="2">
+              <a:schemeClr val="accent1">
+                <a:shade val="50000"/>
+              </a:schemeClr>
+            </a:lnRef>
+            <a:fillRef idx="1">
+              <a:schemeClr val="accent1"/>
+            </a:fillRef>
+            <a:effectRef idx="0">
+              <a:schemeClr val="accent1"/>
+            </a:effectRef>
+            <a:fontRef idx="minor">
+              <a:schemeClr val="lt1"/>
+            </a:fontRef>
+          </p:style>
+          <p:txBody>
+            <a:bodyPr rtlCol="0" anchor="ctr"/>
+            <a:lstStyle/>
+            <a:p>
+              <a:pPr algn="ctr"/>
+              <a:endParaRPr lang="en-US"/>
+            </a:p>
+          </p:txBody>
+        </p:sp>
+        <p:cxnSp>
+          <p:nvCxnSpPr>
+            <p:cNvPr id="42" name="Straight Connector 41"/>
+            <p:cNvCxnSpPr/>
+            <p:nvPr/>
+          </p:nvCxnSpPr>
+          <p:spPr>
+            <a:xfrm flipH="1" flipV="1">
+              <a:off x="8538617" y="3194531"/>
+              <a:ext cx="0" cy="3383280"/>
+            </a:xfrm>
+            <a:prstGeom prst="line">
+              <a:avLst/>
+            </a:prstGeom>
+            <a:ln w="25400">
+              <a:solidFill>
+                <a:srgbClr val="FF0000"/>
+              </a:solidFill>
+            </a:ln>
+          </p:spPr>
+          <p:style>
+            <a:lnRef idx="1">
+              <a:schemeClr val="accent1"/>
+            </a:lnRef>
+            <a:fillRef idx="0">
+              <a:schemeClr val="accent1"/>
+            </a:fillRef>
+            <a:effectRef idx="0">
+              <a:schemeClr val="accent1"/>
+            </a:effectRef>
+            <a:fontRef idx="minor">
+              <a:schemeClr val="tx1"/>
+            </a:fontRef>
+          </p:style>
+        </p:cxnSp>
+        <p:cxnSp>
+          <p:nvCxnSpPr>
+            <p:cNvPr id="45" name="Straight Connector 44"/>
+            <p:cNvCxnSpPr/>
+            <p:nvPr/>
+          </p:nvCxnSpPr>
+          <p:spPr>
+            <a:xfrm rot="780000" flipV="1">
+              <a:off x="9028852" y="4766159"/>
+              <a:ext cx="0" cy="1828800"/>
+            </a:xfrm>
+            <a:prstGeom prst="line">
+              <a:avLst/>
+            </a:prstGeom>
+            <a:ln w="25400">
+              <a:solidFill>
+                <a:srgbClr val="FF0000"/>
+              </a:solidFill>
+            </a:ln>
+          </p:spPr>
+          <p:style>
+            <a:lnRef idx="1">
+              <a:schemeClr val="accent1"/>
+            </a:lnRef>
+            <a:fillRef idx="0">
+              <a:schemeClr val="accent1"/>
+            </a:fillRef>
+            <a:effectRef idx="0">
+              <a:schemeClr val="accent1"/>
+            </a:effectRef>
+            <a:fontRef idx="minor">
+              <a:schemeClr val="tx1"/>
+            </a:fontRef>
+          </p:style>
+        </p:cxnSp>
+        <p:sp>
+          <p:nvSpPr>
+            <p:cNvPr id="46" name="TextBox 45"/>
+            <p:cNvSpPr txBox="1"/>
+            <p:nvPr/>
+          </p:nvSpPr>
+          <p:spPr>
+            <a:xfrm>
+              <a:off x="9317484" y="4440772"/>
+              <a:ext cx="1807299" cy="690638"/>
+            </a:xfrm>
+            <a:prstGeom prst="rect">
+              <a:avLst/>
+            </a:prstGeom>
+            <a:noFill/>
+          </p:spPr>
+          <p:txBody>
+            <a:bodyPr wrap="square" rtlCol="0">
+              <a:spAutoFit/>
+            </a:bodyPr>
+            <a:lstStyle/>
+            <a:p>
+              <a:pPr>
+                <a:lnSpc>
+                  <a:spcPct val="80000"/>
+                </a:lnSpc>
+              </a:pPr>
+              <a:r>
+                <a:rPr lang="en-US" sz="2400" b="1" dirty="0">
+                  <a:solidFill>
+                    <a:srgbClr val="0070C0"/>
+                  </a:solidFill>
+                </a:rPr>
+                <a:t>Interaction Region (IR)</a:t>
+              </a:r>
+            </a:p>
+          </p:txBody>
+        </p:sp>
+        <p:cxnSp>
+          <p:nvCxnSpPr>
+            <p:cNvPr id="47" name="Straight Connector 46"/>
+            <p:cNvCxnSpPr>
+              <a:stCxn id="44" idx="4"/>
+            </p:cNvCxnSpPr>
+            <p:nvPr/>
+          </p:nvCxnSpPr>
+          <p:spPr>
+            <a:xfrm flipH="1" flipV="1">
+              <a:off x="8576185" y="3218733"/>
+              <a:ext cx="640080" cy="1554480"/>
+            </a:xfrm>
+            <a:prstGeom prst="line">
+              <a:avLst/>
+            </a:prstGeom>
+            <a:ln w="25400">
+              <a:solidFill>
+                <a:srgbClr val="0070C0"/>
+              </a:solidFill>
+              <a:headEnd type="triangle" w="lg" len="lg"/>
+              <a:tailEnd type="none"/>
+            </a:ln>
+          </p:spPr>
+          <p:style>
+            <a:lnRef idx="1">
+              <a:schemeClr val="accent1"/>
+            </a:lnRef>
+            <a:fillRef idx="0">
+              <a:schemeClr val="accent1"/>
+            </a:fillRef>
+            <a:effectRef idx="0">
+              <a:schemeClr val="accent1"/>
+            </a:effectRef>
+            <a:fontRef idx="minor">
+              <a:schemeClr val="tx1"/>
+            </a:fontRef>
+          </p:style>
+        </p:cxnSp>
+        <p:cxnSp>
+          <p:nvCxnSpPr>
+            <p:cNvPr id="48" name="Straight Connector 47"/>
+            <p:cNvCxnSpPr/>
+            <p:nvPr/>
+          </p:nvCxnSpPr>
+          <p:spPr>
+            <a:xfrm rot="1200000" flipH="1" flipV="1">
+              <a:off x="10031335" y="450448"/>
+              <a:ext cx="0" cy="4480560"/>
+            </a:xfrm>
+            <a:prstGeom prst="line">
+              <a:avLst/>
+            </a:prstGeom>
+            <a:ln w="25400">
+              <a:solidFill>
+                <a:srgbClr val="FF0000"/>
+              </a:solidFill>
+            </a:ln>
+          </p:spPr>
+          <p:style>
+            <a:lnRef idx="1">
+              <a:schemeClr val="accent1"/>
+            </a:lnRef>
+            <a:fillRef idx="0">
+              <a:schemeClr val="accent1"/>
+            </a:fillRef>
+            <a:effectRef idx="0">
+              <a:schemeClr val="accent1"/>
+            </a:effectRef>
+            <a:fontRef idx="minor">
+              <a:schemeClr val="tx1"/>
+            </a:fontRef>
+          </p:style>
+        </p:cxnSp>
+        <p:sp>
+          <p:nvSpPr>
+            <p:cNvPr id="14" name="Oval 13"/>
+            <p:cNvSpPr/>
+            <p:nvPr/>
+          </p:nvSpPr>
+          <p:spPr>
+            <a:xfrm>
+              <a:off x="10707955" y="501857"/>
+              <a:ext cx="182880" cy="182880"/>
+            </a:xfrm>
+            <a:prstGeom prst="ellipse">
+              <a:avLst/>
+            </a:prstGeom>
+            <a:solidFill>
+              <a:schemeClr val="tx1"/>
+            </a:solidFill>
+          </p:spPr>
+          <p:style>
+            <a:lnRef idx="2">
+              <a:schemeClr val="accent1">
+                <a:shade val="50000"/>
+              </a:schemeClr>
+            </a:lnRef>
+            <a:fillRef idx="1">
+              <a:schemeClr val="accent1"/>
+            </a:fillRef>
+            <a:effectRef idx="0">
+              <a:schemeClr val="accent1"/>
+            </a:effectRef>
+            <a:fontRef idx="minor">
+              <a:schemeClr val="lt1"/>
+            </a:fontRef>
+          </p:style>
+          <p:txBody>
+            <a:bodyPr rtlCol="0" anchor="ctr"/>
+            <a:lstStyle/>
+            <a:p>
+              <a:pPr algn="ctr"/>
+              <a:endParaRPr lang="en-US"/>
+            </a:p>
+          </p:txBody>
+        </p:sp>
+        <p:cxnSp>
+          <p:nvCxnSpPr>
+            <p:cNvPr id="43" name="Straight Connector 42"/>
+            <p:cNvCxnSpPr/>
+            <p:nvPr/>
+          </p:nvCxnSpPr>
+          <p:spPr>
+            <a:xfrm rot="2460000" flipH="1" flipV="1">
+              <a:off x="9678428" y="170170"/>
+              <a:ext cx="0" cy="3474720"/>
+            </a:xfrm>
+            <a:prstGeom prst="line">
+              <a:avLst/>
+            </a:prstGeom>
+            <a:ln w="25400">
+              <a:solidFill>
+                <a:srgbClr val="FF0000"/>
+              </a:solidFill>
+            </a:ln>
+          </p:spPr>
+          <p:style>
+            <a:lnRef idx="1">
+              <a:schemeClr val="accent1"/>
+            </a:lnRef>
+            <a:fillRef idx="0">
+              <a:schemeClr val="accent1"/>
+            </a:fillRef>
+            <a:effectRef idx="0">
+              <a:schemeClr val="accent1"/>
+            </a:effectRef>
+            <a:fontRef idx="minor">
+              <a:schemeClr val="tx1"/>
+            </a:fontRef>
+          </p:style>
+        </p:cxnSp>
+        <p:sp>
+          <p:nvSpPr>
+            <p:cNvPr id="18" name="Oval 17"/>
+            <p:cNvSpPr/>
+            <p:nvPr/>
+          </p:nvSpPr>
+          <p:spPr>
+            <a:xfrm>
+              <a:off x="8437625" y="3095580"/>
+              <a:ext cx="182880" cy="182880"/>
+            </a:xfrm>
+            <a:prstGeom prst="ellipse">
+              <a:avLst/>
+            </a:prstGeom>
+            <a:solidFill>
+              <a:schemeClr val="tx1"/>
+            </a:solidFill>
+          </p:spPr>
+          <p:style>
+            <a:lnRef idx="2">
+              <a:schemeClr val="accent1">
+                <a:shade val="50000"/>
+              </a:schemeClr>
+            </a:lnRef>
+            <a:fillRef idx="1">
+              <a:schemeClr val="accent1"/>
+            </a:fillRef>
+            <a:effectRef idx="0">
+              <a:schemeClr val="accent1"/>
+            </a:effectRef>
+            <a:fontRef idx="minor">
+              <a:schemeClr val="lt1"/>
+            </a:fontRef>
+          </p:style>
+          <p:txBody>
+            <a:bodyPr rtlCol="0" anchor="ctr"/>
+            <a:lstStyle/>
+            <a:p>
+              <a:pPr algn="ctr"/>
+              <a:endParaRPr lang="en-US"/>
+            </a:p>
+          </p:txBody>
+        </p:sp>
+        <p:sp>
+          <p:nvSpPr>
+            <p:cNvPr id="44" name="Oval 43"/>
+            <p:cNvSpPr/>
+            <p:nvPr/>
+          </p:nvSpPr>
+          <p:spPr>
+            <a:xfrm>
+              <a:off x="9149583" y="4694651"/>
+              <a:ext cx="182880" cy="182880"/>
+            </a:xfrm>
+            <a:prstGeom prst="ellipse">
+              <a:avLst/>
+            </a:prstGeom>
+            <a:solidFill>
+              <a:schemeClr val="tx1"/>
+            </a:solidFill>
+          </p:spPr>
+          <p:style>
+            <a:lnRef idx="2">
+              <a:schemeClr val="accent1">
+                <a:shade val="50000"/>
+              </a:schemeClr>
+            </a:lnRef>
+            <a:fillRef idx="1">
+              <a:schemeClr val="accent1"/>
+            </a:fillRef>
+            <a:effectRef idx="0">
+              <a:schemeClr val="accent1"/>
+            </a:effectRef>
+            <a:fontRef idx="minor">
+              <a:schemeClr val="lt1"/>
+            </a:fontRef>
+          </p:style>
+          <p:txBody>
+            <a:bodyPr rtlCol="0" anchor="ctr"/>
+            <a:lstStyle/>
+            <a:p>
+              <a:pPr algn="ctr"/>
+              <a:endParaRPr lang="en-US"/>
+            </a:p>
+          </p:txBody>
+        </p:sp>
+        <p:sp>
+          <p:nvSpPr>
+            <p:cNvPr id="49" name="TextBox 48"/>
+            <p:cNvSpPr txBox="1"/>
+            <p:nvPr/>
+          </p:nvSpPr>
+          <p:spPr>
+            <a:xfrm>
+              <a:off x="8966837" y="3630593"/>
+              <a:ext cx="498855" cy="461665"/>
+            </a:xfrm>
+            <a:prstGeom prst="rect">
+              <a:avLst/>
+            </a:prstGeom>
+            <a:noFill/>
+          </p:spPr>
+          <p:txBody>
+            <a:bodyPr wrap="none" rtlCol="0">
+              <a:spAutoFit/>
+            </a:bodyPr>
+            <a:lstStyle/>
+            <a:p>
+              <a:r>
+                <a:rPr lang="el-GR" sz="2400" b="1">
+                  <a:solidFill>
+                    <a:srgbClr val="FF0000"/>
+                  </a:solidFill>
+                </a:rPr>
+                <a:t>ψ</a:t>
+              </a:r>
+              <a:r>
+                <a:rPr lang="en-US" sz="2400" b="1" baseline="-25000">
+                  <a:solidFill>
+                    <a:srgbClr val="FF0000"/>
+                  </a:solidFill>
+                </a:rPr>
+                <a:t>L</a:t>
+              </a:r>
+            </a:p>
+          </p:txBody>
+        </p:sp>
+        <p:sp>
+          <p:nvSpPr>
+            <p:cNvPr id="50" name="Arc 49"/>
+            <p:cNvSpPr/>
+            <p:nvPr/>
+          </p:nvSpPr>
+          <p:spPr>
+            <a:xfrm>
+              <a:off x="8592513" y="4077426"/>
+              <a:ext cx="1345201" cy="1420968"/>
+            </a:xfrm>
+            <a:prstGeom prst="arc">
+              <a:avLst>
+                <a:gd name="adj1" fmla="val 14767857"/>
+                <a:gd name="adj2" fmla="val 17347294"/>
+              </a:avLst>
+            </a:prstGeom>
+            <a:ln w="25400">
+              <a:solidFill>
+                <a:srgbClr val="FF0000"/>
+              </a:solidFill>
+              <a:tailEnd type="triangle" w="lg" len="lg"/>
+            </a:ln>
+          </p:spPr>
+          <p:style>
+            <a:lnRef idx="1">
+              <a:schemeClr val="accent1"/>
+            </a:lnRef>
+            <a:fillRef idx="0">
+              <a:schemeClr val="accent1"/>
+            </a:fillRef>
+            <a:effectRef idx="0">
+              <a:schemeClr val="accent1"/>
+            </a:effectRef>
+            <a:fontRef idx="minor">
+              <a:schemeClr val="tx1"/>
+            </a:fontRef>
+          </p:style>
+          <p:txBody>
+            <a:bodyPr rtlCol="0" anchor="ctr"/>
+            <a:lstStyle/>
+            <a:p>
+              <a:pPr algn="ctr"/>
+              <a:endParaRPr lang="en-US"/>
+            </a:p>
+          </p:txBody>
+        </p:sp>
+        <p:sp>
+          <p:nvSpPr>
+            <p:cNvPr id="51" name="TextBox 50"/>
+            <p:cNvSpPr txBox="1"/>
+            <p:nvPr/>
+          </p:nvSpPr>
+          <p:spPr>
+            <a:xfrm>
+              <a:off x="8937887" y="1637699"/>
+              <a:ext cx="623889" cy="461665"/>
+            </a:xfrm>
+            <a:prstGeom prst="rect">
+              <a:avLst/>
+            </a:prstGeom>
+            <a:noFill/>
+          </p:spPr>
+          <p:txBody>
+            <a:bodyPr wrap="none" rtlCol="0">
+              <a:spAutoFit/>
+            </a:bodyPr>
+            <a:lstStyle/>
+            <a:p>
+              <a:r>
+                <a:rPr lang="en-US" sz="2400" b="1">
+                  <a:solidFill>
+                    <a:srgbClr val="FF0000"/>
+                  </a:solidFill>
+                </a:rPr>
+                <a:t>R</a:t>
+              </a:r>
+              <a:r>
+                <a:rPr lang="en-US" sz="2400" b="1" baseline="-25000">
+                  <a:solidFill>
+                    <a:srgbClr val="FF0000"/>
+                  </a:solidFill>
+                </a:rPr>
+                <a:t>LM</a:t>
+              </a:r>
+            </a:p>
+          </p:txBody>
+        </p:sp>
+        <p:sp>
+          <p:nvSpPr>
+            <p:cNvPr id="52" name="TextBox 51"/>
+            <p:cNvSpPr txBox="1"/>
+            <p:nvPr/>
+          </p:nvSpPr>
+          <p:spPr>
+            <a:xfrm>
+              <a:off x="9938667" y="2720843"/>
+              <a:ext cx="572593" cy="461665"/>
+            </a:xfrm>
+            <a:prstGeom prst="rect">
+              <a:avLst/>
+            </a:prstGeom>
+            <a:noFill/>
+          </p:spPr>
+          <p:txBody>
+            <a:bodyPr wrap="none" rtlCol="0">
+              <a:spAutoFit/>
+            </a:bodyPr>
+            <a:lstStyle/>
+            <a:p>
+              <a:r>
+                <a:rPr lang="en-US" sz="2400" b="1">
+                  <a:solidFill>
+                    <a:srgbClr val="FF0000"/>
+                  </a:solidFill>
+                </a:rPr>
+                <a:t>z</a:t>
+              </a:r>
+              <a:r>
+                <a:rPr lang="en-US" sz="2400" b="1" baseline="-25000">
+                  <a:solidFill>
+                    <a:srgbClr val="FF0000"/>
+                  </a:solidFill>
+                </a:rPr>
+                <a:t>LM</a:t>
+              </a:r>
+            </a:p>
+          </p:txBody>
+        </p:sp>
+        <p:sp>
+          <p:nvSpPr>
+            <p:cNvPr id="53" name="TextBox 52"/>
+            <p:cNvSpPr txBox="1"/>
+            <p:nvPr/>
+          </p:nvSpPr>
+          <p:spPr>
+            <a:xfrm>
+              <a:off x="8638011" y="4188404"/>
+              <a:ext cx="527709" cy="461665"/>
+            </a:xfrm>
+            <a:prstGeom prst="rect">
+              <a:avLst/>
+            </a:prstGeom>
+            <a:noFill/>
+          </p:spPr>
+          <p:txBody>
+            <a:bodyPr wrap="none" rtlCol="0">
+              <a:spAutoFit/>
+            </a:bodyPr>
+            <a:lstStyle/>
+            <a:p>
+              <a:r>
+                <a:rPr lang="en-US" sz="2400" b="1">
+                  <a:solidFill>
+                    <a:srgbClr val="FF0000"/>
+                  </a:solidFill>
+                </a:rPr>
+                <a:t>R</a:t>
+              </a:r>
+              <a:r>
+                <a:rPr lang="en-US" sz="2400" b="1" baseline="-25000">
+                  <a:solidFill>
+                    <a:srgbClr val="FF0000"/>
+                  </a:solidFill>
+                </a:rPr>
+                <a:t>IR</a:t>
+              </a:r>
+            </a:p>
+          </p:txBody>
+        </p:sp>
+        <p:sp>
+          <p:nvSpPr>
+            <p:cNvPr id="54" name="TextBox 53"/>
+            <p:cNvSpPr txBox="1"/>
+            <p:nvPr/>
+          </p:nvSpPr>
+          <p:spPr>
+            <a:xfrm>
+              <a:off x="7913578" y="4749834"/>
+              <a:ext cx="657681" cy="461665"/>
+            </a:xfrm>
+            <a:prstGeom prst="rect">
+              <a:avLst/>
+            </a:prstGeom>
+            <a:noFill/>
+          </p:spPr>
+          <p:txBody>
+            <a:bodyPr wrap="none" rtlCol="0">
+              <a:spAutoFit/>
+            </a:bodyPr>
+            <a:lstStyle/>
+            <a:p>
+              <a:r>
+                <a:rPr lang="en-US" sz="2400" b="1">
+                  <a:solidFill>
+                    <a:srgbClr val="FF0000"/>
+                  </a:solidFill>
+                </a:rPr>
+                <a:t>R</a:t>
+              </a:r>
+              <a:r>
+                <a:rPr lang="en-US" sz="2400" b="1" baseline="-25000">
+                  <a:solidFill>
+                    <a:srgbClr val="FF0000"/>
+                  </a:solidFill>
+                </a:rPr>
+                <a:t>RW</a:t>
+              </a:r>
+            </a:p>
+          </p:txBody>
+        </p:sp>
+        <p:sp>
+          <p:nvSpPr>
+            <p:cNvPr id="55" name="Arc 54"/>
+            <p:cNvSpPr/>
+            <p:nvPr/>
+          </p:nvSpPr>
+          <p:spPr>
+            <a:xfrm rot="-5400000" flipV="1">
+              <a:off x="8127279" y="2799666"/>
+              <a:ext cx="791169" cy="765685"/>
+            </a:xfrm>
+            <a:prstGeom prst="arc">
+              <a:avLst>
+                <a:gd name="adj1" fmla="val 10937271"/>
+                <a:gd name="adj2" fmla="val 18920686"/>
+              </a:avLst>
+            </a:prstGeom>
+            <a:ln w="25400">
+              <a:solidFill>
+                <a:srgbClr val="FF0000"/>
+              </a:solidFill>
+              <a:tailEnd type="triangle" w="lg" len="lg"/>
+            </a:ln>
+          </p:spPr>
+          <p:style>
+            <a:lnRef idx="1">
+              <a:schemeClr val="accent1"/>
+            </a:lnRef>
+            <a:fillRef idx="0">
+              <a:schemeClr val="accent1"/>
+            </a:fillRef>
+            <a:effectRef idx="0">
+              <a:schemeClr val="accent1"/>
+            </a:effectRef>
+            <a:fontRef idx="minor">
+              <a:schemeClr val="tx1"/>
+            </a:fontRef>
+          </p:style>
+          <p:txBody>
+            <a:bodyPr rtlCol="0" anchor="ctr"/>
+            <a:lstStyle/>
+            <a:p>
+              <a:pPr algn="ctr"/>
+              <a:endParaRPr lang="en-US"/>
+            </a:p>
+          </p:txBody>
+        </p:sp>
+        <p:sp>
+          <p:nvSpPr>
+            <p:cNvPr id="56" name="TextBox 55"/>
+            <p:cNvSpPr txBox="1"/>
+            <p:nvPr/>
+          </p:nvSpPr>
+          <p:spPr>
+            <a:xfrm>
+              <a:off x="7913578" y="3494754"/>
+              <a:ext cx="652743" cy="461665"/>
+            </a:xfrm>
+            <a:prstGeom prst="rect">
+              <a:avLst/>
+            </a:prstGeom>
+            <a:noFill/>
+          </p:spPr>
+          <p:txBody>
+            <a:bodyPr wrap="none" rtlCol="0">
+              <a:spAutoFit/>
+            </a:bodyPr>
+            <a:lstStyle/>
+            <a:p>
+              <a:r>
+                <a:rPr lang="el-GR" sz="2400" b="1">
+                  <a:solidFill>
+                    <a:srgbClr val="FF0000"/>
+                  </a:solidFill>
+                </a:rPr>
+                <a:t>ψ</a:t>
+              </a:r>
+              <a:r>
+                <a:rPr lang="en-US" sz="2400" b="1" baseline="-25000">
+                  <a:solidFill>
+                    <a:srgbClr val="FF0000"/>
+                  </a:solidFill>
+                </a:rPr>
+                <a:t>RA</a:t>
+              </a:r>
+            </a:p>
+          </p:txBody>
+        </p:sp>
+        <p:sp>
+          <p:nvSpPr>
+            <p:cNvPr id="57" name="Arc 56"/>
+            <p:cNvSpPr/>
+            <p:nvPr/>
+          </p:nvSpPr>
+          <p:spPr>
+            <a:xfrm rot="-5400000" flipV="1">
+              <a:off x="7936469" y="2589087"/>
+              <a:ext cx="1179854" cy="1135530"/>
+            </a:xfrm>
+            <a:prstGeom prst="arc">
+              <a:avLst>
+                <a:gd name="adj1" fmla="val 10937271"/>
+                <a:gd name="adj2" fmla="val 12329916"/>
+              </a:avLst>
+            </a:prstGeom>
+            <a:ln w="25400">
+              <a:solidFill>
+                <a:srgbClr val="FF0000"/>
+              </a:solidFill>
+              <a:tailEnd type="triangle" w="lg" len="lg"/>
+            </a:ln>
+          </p:spPr>
+          <p:style>
+            <a:lnRef idx="1">
+              <a:schemeClr val="accent1"/>
+            </a:lnRef>
+            <a:fillRef idx="0">
+              <a:schemeClr val="accent1"/>
+            </a:fillRef>
+            <a:effectRef idx="0">
+              <a:schemeClr val="accent1"/>
+            </a:effectRef>
+            <a:fontRef idx="minor">
+              <a:schemeClr val="tx1"/>
+            </a:fontRef>
+          </p:style>
+          <p:txBody>
+            <a:bodyPr rtlCol="0" anchor="ctr"/>
+            <a:lstStyle/>
+            <a:p>
+              <a:pPr algn="ctr"/>
+              <a:endParaRPr lang="en-US"/>
+            </a:p>
+          </p:txBody>
+        </p:sp>
+        <p:sp>
+          <p:nvSpPr>
+            <p:cNvPr id="59" name="TextBox 58"/>
+            <p:cNvSpPr txBox="1"/>
+            <p:nvPr/>
+          </p:nvSpPr>
+          <p:spPr>
+            <a:xfrm>
+              <a:off x="8853985" y="2970414"/>
+              <a:ext cx="678391" cy="461665"/>
+            </a:xfrm>
+            <a:prstGeom prst="rect">
+              <a:avLst/>
+            </a:prstGeom>
+            <a:noFill/>
+          </p:spPr>
+          <p:txBody>
+            <a:bodyPr wrap="none" rtlCol="0">
+              <a:spAutoFit/>
+            </a:bodyPr>
+            <a:lstStyle/>
+            <a:p>
+              <a:r>
+                <a:rPr lang="el-GR" sz="2400" b="1">
+                  <a:solidFill>
+                    <a:srgbClr val="FF0000"/>
+                  </a:solidFill>
+                </a:rPr>
+                <a:t>ψ</a:t>
+              </a:r>
+              <a:r>
+                <a:rPr lang="en-US" sz="2400" b="1" baseline="-25000">
+                  <a:solidFill>
+                    <a:srgbClr val="FF0000"/>
+                  </a:solidFill>
+                </a:rPr>
+                <a:t>LM</a:t>
+              </a:r>
+            </a:p>
+          </p:txBody>
+        </p:sp>
+      </p:grpSp>
       <p:sp>
         <p:nvSpPr>
           <p:cNvPr id="60" name="TextBox 59"/>
@@ -5401,7 +5302,7 @@
         </p:nvSpPr>
         <p:spPr>
           <a:xfrm>
-            <a:off x="7555019" y="3402859"/>
+            <a:off x="168988" y="5866503"/>
             <a:ext cx="4444100" cy="800219"/>
           </a:xfrm>
           <a:prstGeom prst="rect">
@@ -5424,83 +5325,83 @@
               </a:spcBef>
             </a:pPr>
             <a:r>
-              <a:rPr lang="en-US" sz="2000"/>
+              <a:rPr lang="en-US" sz="2000" dirty="0"/>
               <a:t>z</a:t>
             </a:r>
             <a:r>
-              <a:rPr lang="en-US" sz="2000" baseline="-25000"/>
+              <a:rPr lang="en-US" sz="2000" baseline="-25000" dirty="0"/>
               <a:t>LM</a:t>
             </a:r>
             <a:r>
-              <a:rPr lang="en-US" sz="2000" baseline="30000"/>
+              <a:rPr lang="en-US" sz="2000" baseline="30000" dirty="0"/>
               <a:t>2</a:t>
             </a:r>
             <a:r>
-              <a:rPr lang="en-US" sz="2000"/>
+              <a:rPr lang="en-US" sz="2000" dirty="0"/>
               <a:t> = R</a:t>
             </a:r>
             <a:r>
-              <a:rPr lang="en-US" sz="2000" baseline="-25000"/>
+              <a:rPr lang="en-US" sz="2000" baseline="-25000" dirty="0"/>
               <a:t>LM</a:t>
             </a:r>
             <a:r>
-              <a:rPr lang="en-US" sz="2000" baseline="30000"/>
+              <a:rPr lang="en-US" sz="2000" baseline="30000" dirty="0"/>
               <a:t>2</a:t>
             </a:r>
             <a:r>
-              <a:rPr lang="en-US" sz="2000"/>
+              <a:rPr lang="en-US" sz="2000" dirty="0"/>
               <a:t> + R</a:t>
             </a:r>
             <a:r>
-              <a:rPr lang="en-US" sz="2000" baseline="-25000"/>
+              <a:rPr lang="en-US" sz="2000" baseline="-25000" dirty="0"/>
               <a:t>IR</a:t>
             </a:r>
             <a:r>
-              <a:rPr lang="en-US" sz="2000" baseline="30000"/>
+              <a:rPr lang="en-US" sz="2000" baseline="30000" dirty="0"/>
               <a:t>2</a:t>
             </a:r>
             <a:r>
-              <a:rPr lang="en-US" sz="2000"/>
+              <a:rPr lang="en-US" sz="2000" dirty="0"/>
               <a:t> – 2R</a:t>
             </a:r>
             <a:r>
-              <a:rPr lang="en-US" sz="2000" baseline="-25000"/>
+              <a:rPr lang="en-US" sz="2000" baseline="-25000" dirty="0"/>
               <a:t>LM</a:t>
             </a:r>
             <a:r>
-              <a:rPr lang="en-US" sz="2000"/>
+              <a:rPr lang="en-US" sz="2000" dirty="0"/>
               <a:t>·R</a:t>
             </a:r>
             <a:r>
-              <a:rPr lang="en-US" sz="2000" baseline="-25000"/>
+              <a:rPr lang="en-US" sz="2000" baseline="-25000" dirty="0"/>
               <a:t>IR</a:t>
             </a:r>
             <a:r>
-              <a:rPr lang="en-US" sz="2000"/>
+              <a:rPr lang="en-US" sz="2000" dirty="0"/>
               <a:t>·cos(</a:t>
             </a:r>
             <a:r>
-              <a:rPr lang="el-GR" sz="2000"/>
+              <a:rPr lang="el-GR" sz="2000" dirty="0"/>
               <a:t>ψ</a:t>
             </a:r>
             <a:r>
-              <a:rPr lang="en-US" sz="2000" baseline="-25000"/>
+              <a:rPr lang="en-US" sz="2000" baseline="-25000" dirty="0"/>
               <a:t>LM</a:t>
             </a:r>
             <a:r>
-              <a:rPr lang="en-US" sz="2000"/>
+              <a:rPr lang="en-US" sz="2000" dirty="0"/>
               <a:t> - </a:t>
             </a:r>
             <a:r>
-              <a:rPr lang="el-GR" sz="2000"/>
+              <a:rPr lang="el-GR" sz="2000" dirty="0"/>
               <a:t>ψ</a:t>
             </a:r>
             <a:r>
-              <a:rPr lang="en-US" sz="2000" baseline="-25000"/>
+              <a:rPr lang="en-US" sz="2000" baseline="-25000" dirty="0"/>
               <a:t>RA</a:t>
             </a:r>
             <a:r>
-              <a:rPr lang="en-US" sz="2000"/>
+              <a:rPr lang="en-US" sz="2000" dirty="0"/>
               <a:t>)</a:t>
             </a:r>
           </a:p>
@@ -5514,23 +5415,23 @@
               </a:spcBef>
             </a:pPr>
             <a:r>
-              <a:rPr lang="el-GR" sz="2000"/>
+              <a:rPr lang="el-GR" sz="2000" dirty="0"/>
               <a:t>ψ</a:t>
             </a:r>
             <a:r>
-              <a:rPr lang="en-US" sz="2000" baseline="-25000"/>
+              <a:rPr lang="en-US" sz="2000" baseline="-25000" dirty="0"/>
               <a:t>L</a:t>
             </a:r>
             <a:r>
-              <a:rPr lang="en-US" sz="2000"/>
+              <a:rPr lang="en-US" sz="2000" dirty="0"/>
               <a:t> = sin</a:t>
             </a:r>
             <a:r>
-              <a:rPr lang="en-US" sz="2000" baseline="30000"/>
+              <a:rPr lang="en-US" sz="2000" baseline="30000" dirty="0"/>
               <a:t>‒1</a:t>
             </a:r>
             <a:r>
-              <a:rPr lang="en-US" sz="2000">
+              <a:rPr lang="en-US" sz="2000" dirty="0">
                 <a:solidFill>
                   <a:srgbClr val="0070C0"/>
                 </a:solidFill>
@@ -5538,51 +5439,55 @@
               <a:t>(</a:t>
             </a:r>
             <a:r>
-              <a:rPr lang="en-US" sz="2000"/>
+              <a:rPr lang="en-US" sz="2000" dirty="0"/>
               <a:t>(R</a:t>
             </a:r>
             <a:r>
-              <a:rPr lang="en-US" sz="2000" baseline="-25000"/>
+              <a:rPr lang="en-US" sz="2000" baseline="-25000" dirty="0"/>
               <a:t>LM</a:t>
             </a:r>
             <a:r>
-              <a:rPr lang="en-US" sz="2000"/>
-              <a:t>/z</a:t>
-            </a:r>
-            <a:r>
-              <a:rPr lang="en-US" sz="2000" baseline="-25000"/>
+              <a:rPr lang="en-US" sz="2000" dirty="0"/>
+              <a:t>/</a:t>
+            </a:r>
+            <a:r>
+              <a:rPr lang="en-US" sz="2000" dirty="0" err="1"/>
+              <a:t>z</a:t>
+            </a:r>
+            <a:r>
+              <a:rPr lang="en-US" sz="2000" baseline="-25000" dirty="0" err="1"/>
               <a:t>LM</a:t>
             </a:r>
             <a:r>
-              <a:rPr lang="en-US" sz="2000"/>
+              <a:rPr lang="en-US" sz="2000" dirty="0"/>
               <a:t>)·sin(</a:t>
             </a:r>
             <a:r>
-              <a:rPr lang="el-GR" sz="2000"/>
+              <a:rPr lang="el-GR" sz="2000" dirty="0"/>
               <a:t>ψ</a:t>
             </a:r>
             <a:r>
-              <a:rPr lang="en-US" sz="2000" baseline="-25000"/>
+              <a:rPr lang="en-US" sz="2000" baseline="-25000" dirty="0"/>
               <a:t>LM</a:t>
             </a:r>
             <a:r>
-              <a:rPr lang="en-US" sz="2000"/>
+              <a:rPr lang="en-US" sz="2000" dirty="0"/>
               <a:t> - </a:t>
             </a:r>
             <a:r>
-              <a:rPr lang="el-GR" sz="2000"/>
+              <a:rPr lang="el-GR" sz="2000" dirty="0"/>
               <a:t>ψ</a:t>
             </a:r>
             <a:r>
-              <a:rPr lang="en-US" sz="2000" baseline="-25000"/>
+              <a:rPr lang="en-US" sz="2000" baseline="-25000" dirty="0"/>
               <a:t>RA</a:t>
             </a:r>
             <a:r>
-              <a:rPr lang="en-US" sz="2000"/>
+              <a:rPr lang="en-US" sz="2000" dirty="0"/>
               <a:t>)</a:t>
             </a:r>
             <a:r>
-              <a:rPr lang="en-US" sz="2000">
+              <a:rPr lang="en-US" sz="2000" dirty="0">
                 <a:solidFill>
                   <a:srgbClr val="0070C0"/>
                 </a:solidFill>
@@ -5605,7 +5510,7 @@
 </p:sld>
 </file>
 
-<file path=ppt/slides/slide12.xml><?xml version="1.0" encoding="utf-8"?>
+<file path=ppt/slides/slide11.xml><?xml version="1.0" encoding="utf-8"?>
 <p:sld xmlns:a="http://schemas.openxmlformats.org/drawingml/2006/main" xmlns:r="http://schemas.openxmlformats.org/officeDocument/2006/relationships" xmlns:p="http://schemas.openxmlformats.org/presentationml/2006/main">
   <p:cSld>
     <p:spTree>
@@ -6310,7 +6215,7 @@
         <p:spPr>
           <a:xfrm>
             <a:off x="7359588" y="3032082"/>
-            <a:ext cx="1022415" cy="690638"/>
+            <a:ext cx="1357729" cy="690638"/>
           </a:xfrm>
           <a:prstGeom prst="rect">
             <a:avLst/>
@@ -6329,14 +6234,14 @@
               </a:lnSpc>
             </a:pPr>
             <a:r>
-              <a:rPr lang="en-US" sz="2400" b="1">
+              <a:rPr lang="en-US" sz="2400" b="1" dirty="0">
                 <a:solidFill>
                   <a:srgbClr val="0070C0"/>
                 </a:solidFill>
               </a:rPr>
               <a:t>Radial Vector</a:t>
             </a:r>
-            <a:endParaRPr lang="en-US" sz="2400" b="1" baseline="-25000">
+            <a:endParaRPr lang="en-US" sz="2400" b="1" baseline="-25000" dirty="0">
               <a:solidFill>
                 <a:srgbClr val="0070C0"/>
               </a:solidFill>
@@ -6395,8 +6300,8 @@
         </p:nvSpPr>
         <p:spPr>
           <a:xfrm>
-            <a:off x="6029608" y="3788477"/>
-            <a:ext cx="1165062" cy="690638"/>
+            <a:off x="6029607" y="3788477"/>
+            <a:ext cx="1476403" cy="690638"/>
           </a:xfrm>
           <a:prstGeom prst="rect">
             <a:avLst/>
@@ -6415,14 +6320,14 @@
               </a:lnSpc>
             </a:pPr>
             <a:r>
-              <a:rPr lang="en-US" sz="2400" b="1">
+              <a:rPr lang="en-US" sz="2400" b="1" dirty="0">
                 <a:solidFill>
                   <a:srgbClr val="FF0000"/>
                 </a:solidFill>
               </a:rPr>
               <a:t>Receive Beam</a:t>
             </a:r>
-            <a:endParaRPr lang="en-US" sz="2400" b="1" baseline="-25000">
+            <a:endParaRPr lang="en-US" sz="2400" b="1" baseline="-25000" dirty="0">
               <a:solidFill>
                 <a:srgbClr val="FF0000"/>
               </a:solidFill>
@@ -6611,7 +6516,7 @@
 </p:sld>
 </file>
 
-<file path=ppt/slides/slide13.xml><?xml version="1.0" encoding="utf-8"?>
+<file path=ppt/slides/slide12.xml><?xml version="1.0" encoding="utf-8"?>
 <p:sld xmlns:a="http://schemas.openxmlformats.org/drawingml/2006/main" xmlns:r="http://schemas.openxmlformats.org/officeDocument/2006/relationships" xmlns:p="http://schemas.openxmlformats.org/presentationml/2006/main">
   <p:cSld>
     <p:spTree>
@@ -7846,7 +7751,7 @@
 </p:sld>
 </file>
 
-<file path=ppt/slides/slide14.xml><?xml version="1.0" encoding="utf-8"?>
+<file path=ppt/slides/slide13.xml><?xml version="1.0" encoding="utf-8"?>
 <p:sld xmlns:a="http://schemas.openxmlformats.org/drawingml/2006/main" xmlns:r="http://schemas.openxmlformats.org/officeDocument/2006/relationships" xmlns:p="http://schemas.openxmlformats.org/presentationml/2006/main">
   <p:cSld>
     <p:spTree>
@@ -8506,7 +8411,7 @@
 </p:sld>
 </file>
 
-<file path=ppt/slides/slide15.xml><?xml version="1.0" encoding="utf-8"?>
+<file path=ppt/slides/slide14.xml><?xml version="1.0" encoding="utf-8"?>
 <p:sld xmlns:a="http://schemas.openxmlformats.org/drawingml/2006/main" xmlns:r="http://schemas.openxmlformats.org/officeDocument/2006/relationships" xmlns:p="http://schemas.openxmlformats.org/presentationml/2006/main">
   <p:cSld>
     <p:spTree>
@@ -8570,7 +8475,7 @@
 </p:sld>
 </file>
 
-<file path=ppt/slides/slide16.xml><?xml version="1.0" encoding="utf-8"?>
+<file path=ppt/slides/slide15.xml><?xml version="1.0" encoding="utf-8"?>
 <p:sld xmlns:a="http://schemas.openxmlformats.org/drawingml/2006/main" xmlns:r="http://schemas.openxmlformats.org/officeDocument/2006/relationships" xmlns:p="http://schemas.openxmlformats.org/presentationml/2006/main">
   <p:cSld>
     <p:spTree>
@@ -10331,7 +10236,7 @@
 </p:sld>
 </file>
 
-<file path=ppt/slides/slide17.xml><?xml version="1.0" encoding="utf-8"?>
+<file path=ppt/slides/slide16.xml><?xml version="1.0" encoding="utf-8"?>
 <p:sld xmlns:a="http://schemas.openxmlformats.org/drawingml/2006/main" xmlns:r="http://schemas.openxmlformats.org/officeDocument/2006/relationships" xmlns:p="http://schemas.openxmlformats.org/presentationml/2006/main">
   <p:cSld>
     <p:spTree>
@@ -13693,7 +13598,7 @@
 </p:sld>
 </file>
 
-<file path=ppt/slides/slide18.xml><?xml version="1.0" encoding="utf-8"?>
+<file path=ppt/slides/slide17.xml><?xml version="1.0" encoding="utf-8"?>
 <p:sld xmlns:a="http://schemas.openxmlformats.org/drawingml/2006/main" xmlns:r="http://schemas.openxmlformats.org/officeDocument/2006/relationships" xmlns:p="http://schemas.openxmlformats.org/presentationml/2006/main">
   <p:cSld>
     <p:spTree>
@@ -16703,7 +16608,7 @@
 </p:sld>
 </file>
 
-<file path=ppt/slides/slide19.xml><?xml version="1.0" encoding="utf-8"?>
+<file path=ppt/slides/slide18.xml><?xml version="1.0" encoding="utf-8"?>
 <p:sld xmlns:a="http://schemas.openxmlformats.org/drawingml/2006/main" xmlns:r="http://schemas.openxmlformats.org/officeDocument/2006/relationships" xmlns:p="http://schemas.openxmlformats.org/presentationml/2006/main">
   <p:cSld>
     <p:spTree>
@@ -16816,131 +16721,7 @@
 </p:sld>
 </file>
 
-<file path=ppt/slides/slide2.xml><?xml version="1.0" encoding="utf-8"?>
-<p:sld xmlns:a="http://schemas.openxmlformats.org/drawingml/2006/main" xmlns:r="http://schemas.openxmlformats.org/officeDocument/2006/relationships" xmlns:p="http://schemas.openxmlformats.org/presentationml/2006/main">
-  <p:cSld>
-    <p:spTree>
-      <p:nvGrpSpPr>
-        <p:cNvPr id="1" name=""/>
-        <p:cNvGrpSpPr/>
-        <p:nvPr/>
-      </p:nvGrpSpPr>
-      <p:grpSpPr>
-        <a:xfrm>
-          <a:off x="0" y="0"/>
-          <a:ext cx="0" cy="0"/>
-          <a:chOff x="0" y="0"/>
-          <a:chExt cx="0" cy="0"/>
-        </a:xfrm>
-      </p:grpSpPr>
-      <p:sp>
-        <p:nvSpPr>
-          <p:cNvPr id="3" name="Content Placeholder 2">
-            <a:extLst>
-              <a:ext uri="{FF2B5EF4-FFF2-40B4-BE49-F238E27FC236}">
-                <a16:creationId xmlns:a16="http://schemas.microsoft.com/office/drawing/2014/main" id="{412077C9-824D-B940-E3F2-BD8A912046BD}"/>
-              </a:ext>
-            </a:extLst>
-          </p:cNvPr>
-          <p:cNvSpPr>
-            <a:spLocks noGrp="1"/>
-          </p:cNvSpPr>
-          <p:nvPr>
-            <p:ph idx="1"/>
-          </p:nvPr>
-        </p:nvSpPr>
-        <p:spPr>
-          <a:xfrm>
-            <a:off x="1291472" y="2325246"/>
-            <a:ext cx="10148053" cy="1992231"/>
-          </a:xfrm>
-        </p:spPr>
-        <p:txBody>
-          <a:bodyPr>
-            <a:normAutofit/>
-          </a:bodyPr>
-          <a:lstStyle/>
-          <a:p>
-            <a:pPr marL="0" indent="0">
-              <a:buNone/>
-            </a:pPr>
-            <a:r>
-              <a:rPr lang="en-US" dirty="0"/>
-              <a:t>1.Define the optical geometry.</a:t>
-            </a:r>
-          </a:p>
-          <a:p>
-            <a:pPr marL="0" indent="0">
-              <a:buNone/>
-            </a:pPr>
-            <a:r>
-              <a:rPr lang="en-US" dirty="0"/>
-              <a:t>2. Get the constraint equation between the </a:t>
-            </a:r>
-            <a:r>
-              <a:rPr lang="en-US" sz="2400" dirty="0"/>
-              <a:t>geometry parameters</a:t>
-            </a:r>
-          </a:p>
-          <a:p>
-            <a:pPr marL="0" indent="0">
-              <a:buNone/>
-            </a:pPr>
-            <a:r>
-              <a:rPr lang="en-US" sz="2400" dirty="0"/>
-              <a:t>3.</a:t>
-            </a:r>
-            <a:r>
-              <a:rPr lang="en-US" sz="2800" dirty="0"/>
-              <a:t> High-k Receiver optical absolute calibration</a:t>
-            </a:r>
-            <a:endParaRPr lang="en-US" dirty="0"/>
-          </a:p>
-        </p:txBody>
-      </p:sp>
-      <p:sp>
-        <p:nvSpPr>
-          <p:cNvPr id="4" name="Slide Number Placeholder 3">
-            <a:extLst>
-              <a:ext uri="{FF2B5EF4-FFF2-40B4-BE49-F238E27FC236}">
-                <a16:creationId xmlns:a16="http://schemas.microsoft.com/office/drawing/2014/main" id="{B7E41C5F-C148-F154-3756-E77F33828D37}"/>
-              </a:ext>
-            </a:extLst>
-          </p:cNvPr>
-          <p:cNvSpPr>
-            <a:spLocks noGrp="1"/>
-          </p:cNvSpPr>
-          <p:nvPr>
-            <p:ph type="sldNum" sz="quarter" idx="12"/>
-          </p:nvPr>
-        </p:nvSpPr>
-        <p:spPr/>
-        <p:txBody>
-          <a:bodyPr/>
-          <a:lstStyle/>
-          <a:p>
-            <a:fld id="{C8EB1B78-1A80-4349-98CC-41A40981A64A}" type="slidenum">
-              <a:rPr lang="en-US" smtClean="0"/>
-              <a:t>2</a:t>
-            </a:fld>
-            <a:endParaRPr lang="en-US"/>
-          </a:p>
-        </p:txBody>
-      </p:sp>
-    </p:spTree>
-    <p:extLst>
-      <p:ext uri="{BB962C8B-B14F-4D97-AF65-F5344CB8AC3E}">
-        <p14:creationId xmlns:p14="http://schemas.microsoft.com/office/powerpoint/2010/main" val="403573915"/>
-      </p:ext>
-    </p:extLst>
-  </p:cSld>
-  <p:clrMapOvr>
-    <a:masterClrMapping/>
-  </p:clrMapOvr>
-</p:sld>
-</file>
-
-<file path=ppt/slides/slide20.xml><?xml version="1.0" encoding="utf-8"?>
+<file path=ppt/slides/slide19.xml><?xml version="1.0" encoding="utf-8"?>
 <p:sld xmlns:a="http://schemas.openxmlformats.org/drawingml/2006/main" xmlns:r="http://schemas.openxmlformats.org/officeDocument/2006/relationships" xmlns:p="http://schemas.openxmlformats.org/presentationml/2006/main">
   <p:cSld>
     <p:spTree>
@@ -17146,7 +16927,131 @@
 </p:sld>
 </file>
 
-<file path=ppt/slides/slide21.xml><?xml version="1.0" encoding="utf-8"?>
+<file path=ppt/slides/slide2.xml><?xml version="1.0" encoding="utf-8"?>
+<p:sld xmlns:a="http://schemas.openxmlformats.org/drawingml/2006/main" xmlns:r="http://schemas.openxmlformats.org/officeDocument/2006/relationships" xmlns:p="http://schemas.openxmlformats.org/presentationml/2006/main">
+  <p:cSld>
+    <p:spTree>
+      <p:nvGrpSpPr>
+        <p:cNvPr id="1" name=""/>
+        <p:cNvGrpSpPr/>
+        <p:nvPr/>
+      </p:nvGrpSpPr>
+      <p:grpSpPr>
+        <a:xfrm>
+          <a:off x="0" y="0"/>
+          <a:ext cx="0" cy="0"/>
+          <a:chOff x="0" y="0"/>
+          <a:chExt cx="0" cy="0"/>
+        </a:xfrm>
+      </p:grpSpPr>
+      <p:sp>
+        <p:nvSpPr>
+          <p:cNvPr id="3" name="Content Placeholder 2">
+            <a:extLst>
+              <a:ext uri="{FF2B5EF4-FFF2-40B4-BE49-F238E27FC236}">
+                <a16:creationId xmlns:a16="http://schemas.microsoft.com/office/drawing/2014/main" id="{412077C9-824D-B940-E3F2-BD8A912046BD}"/>
+              </a:ext>
+            </a:extLst>
+          </p:cNvPr>
+          <p:cNvSpPr>
+            <a:spLocks noGrp="1"/>
+          </p:cNvSpPr>
+          <p:nvPr>
+            <p:ph idx="1"/>
+          </p:nvPr>
+        </p:nvSpPr>
+        <p:spPr>
+          <a:xfrm>
+            <a:off x="1291472" y="2325246"/>
+            <a:ext cx="10148053" cy="1992231"/>
+          </a:xfrm>
+        </p:spPr>
+        <p:txBody>
+          <a:bodyPr>
+            <a:normAutofit/>
+          </a:bodyPr>
+          <a:lstStyle/>
+          <a:p>
+            <a:pPr marL="0" indent="0">
+              <a:buNone/>
+            </a:pPr>
+            <a:r>
+              <a:rPr lang="en-US" dirty="0"/>
+              <a:t>1.Define the optical geometry.</a:t>
+            </a:r>
+          </a:p>
+          <a:p>
+            <a:pPr marL="0" indent="0">
+              <a:buNone/>
+            </a:pPr>
+            <a:r>
+              <a:rPr lang="en-US" dirty="0"/>
+              <a:t>2. Get the constraint equation between the </a:t>
+            </a:r>
+            <a:r>
+              <a:rPr lang="en-US" sz="2400" dirty="0"/>
+              <a:t>geometry parameters</a:t>
+            </a:r>
+          </a:p>
+          <a:p>
+            <a:pPr marL="0" indent="0">
+              <a:buNone/>
+            </a:pPr>
+            <a:r>
+              <a:rPr lang="en-US" sz="2400" dirty="0"/>
+              <a:t>3.</a:t>
+            </a:r>
+            <a:r>
+              <a:rPr lang="en-US" sz="2800" dirty="0"/>
+              <a:t> High-k Receiver optical absolute calibration</a:t>
+            </a:r>
+            <a:endParaRPr lang="en-US" dirty="0"/>
+          </a:p>
+        </p:txBody>
+      </p:sp>
+      <p:sp>
+        <p:nvSpPr>
+          <p:cNvPr id="4" name="Slide Number Placeholder 3">
+            <a:extLst>
+              <a:ext uri="{FF2B5EF4-FFF2-40B4-BE49-F238E27FC236}">
+                <a16:creationId xmlns:a16="http://schemas.microsoft.com/office/drawing/2014/main" id="{B7E41C5F-C148-F154-3756-E77F33828D37}"/>
+              </a:ext>
+            </a:extLst>
+          </p:cNvPr>
+          <p:cNvSpPr>
+            <a:spLocks noGrp="1"/>
+          </p:cNvSpPr>
+          <p:nvPr>
+            <p:ph type="sldNum" sz="quarter" idx="12"/>
+          </p:nvPr>
+        </p:nvSpPr>
+        <p:spPr/>
+        <p:txBody>
+          <a:bodyPr/>
+          <a:lstStyle/>
+          <a:p>
+            <a:fld id="{C8EB1B78-1A80-4349-98CC-41A40981A64A}" type="slidenum">
+              <a:rPr lang="en-US" smtClean="0"/>
+              <a:t>2</a:t>
+            </a:fld>
+            <a:endParaRPr lang="en-US"/>
+          </a:p>
+        </p:txBody>
+      </p:sp>
+    </p:spTree>
+    <p:extLst>
+      <p:ext uri="{BB962C8B-B14F-4D97-AF65-F5344CB8AC3E}">
+        <p14:creationId xmlns:p14="http://schemas.microsoft.com/office/powerpoint/2010/main" val="403573915"/>
+      </p:ext>
+    </p:extLst>
+  </p:cSld>
+  <p:clrMapOvr>
+    <a:masterClrMapping/>
+  </p:clrMapOvr>
+</p:sld>
+</file>
+
+<file path=ppt/slides/slide20.xml><?xml version="1.0" encoding="utf-8"?>
 <p:sld xmlns:a="http://schemas.openxmlformats.org/drawingml/2006/main" xmlns:r="http://schemas.openxmlformats.org/officeDocument/2006/relationships" xmlns:p="http://schemas.openxmlformats.org/presentationml/2006/main">
   <p:cSld>
     <p:spTree>
@@ -17241,7 +17146,7 @@
 </p:sld>
 </file>
 
-<file path=ppt/slides/slide22.xml><?xml version="1.0" encoding="utf-8"?>
+<file path=ppt/slides/slide21.xml><?xml version="1.0" encoding="utf-8"?>
 <p:sld xmlns:a="http://schemas.openxmlformats.org/drawingml/2006/main" xmlns:r="http://schemas.openxmlformats.org/officeDocument/2006/relationships" xmlns:p="http://schemas.openxmlformats.org/presentationml/2006/main">
   <p:cSld>
     <p:spTree>
@@ -17336,7 +17241,7 @@
 </p:sld>
 </file>
 
-<file path=ppt/slides/slide23.xml><?xml version="1.0" encoding="utf-8"?>
+<file path=ppt/slides/slide22.xml><?xml version="1.0" encoding="utf-8"?>
 <p:sld xmlns:a="http://schemas.openxmlformats.org/drawingml/2006/main" xmlns:r="http://schemas.openxmlformats.org/officeDocument/2006/relationships" xmlns:p="http://schemas.openxmlformats.org/presentationml/2006/main">
   <p:cSld>
     <p:spTree>
@@ -17438,6 +17343,1662 @@
     <p:extLst>
       <p:ext uri="{BB962C8B-B14F-4D97-AF65-F5344CB8AC3E}">
         <p14:creationId xmlns:p14="http://schemas.microsoft.com/office/powerpoint/2010/main" val="1885677952"/>
+      </p:ext>
+    </p:extLst>
+  </p:cSld>
+  <p:clrMapOvr>
+    <a:masterClrMapping/>
+  </p:clrMapOvr>
+</p:sld>
+</file>
+
+<file path=ppt/slides/slide23.xml><?xml version="1.0" encoding="utf-8"?>
+<p:sld xmlns:a="http://schemas.openxmlformats.org/drawingml/2006/main" xmlns:r="http://schemas.openxmlformats.org/officeDocument/2006/relationships" xmlns:p="http://schemas.openxmlformats.org/presentationml/2006/main">
+  <p:cSld>
+    <p:spTree>
+      <p:nvGrpSpPr>
+        <p:cNvPr id="1" name=""/>
+        <p:cNvGrpSpPr/>
+        <p:nvPr/>
+      </p:nvGrpSpPr>
+      <p:grpSpPr>
+        <a:xfrm>
+          <a:off x="0" y="0"/>
+          <a:ext cx="0" cy="0"/>
+          <a:chOff x="0" y="0"/>
+          <a:chExt cx="0" cy="0"/>
+        </a:xfrm>
+      </p:grpSpPr>
+      <p:sp>
+        <p:nvSpPr>
+          <p:cNvPr id="2" name="Slide Number Placeholder 1">
+            <a:extLst>
+              <a:ext uri="{FF2B5EF4-FFF2-40B4-BE49-F238E27FC236}">
+                <a16:creationId xmlns:a16="http://schemas.microsoft.com/office/drawing/2014/main" id="{EF0A1BBC-978E-4A75-F5EC-A8661021E734}"/>
+              </a:ext>
+            </a:extLst>
+          </p:cNvPr>
+          <p:cNvSpPr>
+            <a:spLocks noGrp="1"/>
+          </p:cNvSpPr>
+          <p:nvPr>
+            <p:ph type="sldNum" sz="quarter" idx="12"/>
+          </p:nvPr>
+        </p:nvSpPr>
+        <p:spPr/>
+        <p:txBody>
+          <a:bodyPr/>
+          <a:lstStyle/>
+          <a:p>
+            <a:fld id="{C8EB1B78-1A80-4349-98CC-41A40981A64A}" type="slidenum">
+              <a:rPr lang="en-US" smtClean="0"/>
+              <a:t>23</a:t>
+            </a:fld>
+            <a:endParaRPr lang="en-US"/>
+          </a:p>
+        </p:txBody>
+      </p:sp>
+      <p:grpSp>
+        <p:nvGrpSpPr>
+          <p:cNvPr id="4" name="Group 3">
+            <a:extLst>
+              <a:ext uri="{FF2B5EF4-FFF2-40B4-BE49-F238E27FC236}">
+                <a16:creationId xmlns:a16="http://schemas.microsoft.com/office/drawing/2014/main" id="{320B51F4-BDE1-C0E5-9510-B4B43EC0D438}"/>
+              </a:ext>
+            </a:extLst>
+          </p:cNvPr>
+          <p:cNvGrpSpPr/>
+          <p:nvPr/>
+        </p:nvGrpSpPr>
+        <p:grpSpPr>
+          <a:xfrm>
+            <a:off x="6333092" y="102938"/>
+            <a:ext cx="4243782" cy="6618537"/>
+            <a:chOff x="6860993" y="170170"/>
+            <a:chExt cx="4263790" cy="6618537"/>
+          </a:xfrm>
+        </p:grpSpPr>
+        <p:pic>
+          <p:nvPicPr>
+            <p:cNvPr id="5" name="Picture 4">
+              <a:extLst>
+                <a:ext uri="{FF2B5EF4-FFF2-40B4-BE49-F238E27FC236}">
+                  <a16:creationId xmlns:a16="http://schemas.microsoft.com/office/drawing/2014/main" id="{8F56D647-318C-4BED-F396-5C313B2A2B74}"/>
+                </a:ext>
+              </a:extLst>
+            </p:cNvPr>
+            <p:cNvPicPr>
+              <a:picLocks noChangeAspect="1"/>
+            </p:cNvPicPr>
+            <p:nvPr/>
+          </p:nvPicPr>
+          <p:blipFill rotWithShape="1">
+            <a:blip r:embed="rId2"/>
+            <a:srcRect l="43390" t="20221" r="9273" b="57059"/>
+            <a:stretch/>
+          </p:blipFill>
+          <p:spPr>
+            <a:xfrm>
+              <a:off x="6860993" y="5752273"/>
+              <a:ext cx="3583745" cy="967612"/>
+            </a:xfrm>
+            <a:prstGeom prst="rect">
+              <a:avLst/>
+            </a:prstGeom>
+          </p:spPr>
+        </p:pic>
+        <p:sp>
+          <p:nvSpPr>
+            <p:cNvPr id="6" name="TextBox 5">
+              <a:extLst>
+                <a:ext uri="{FF2B5EF4-FFF2-40B4-BE49-F238E27FC236}">
+                  <a16:creationId xmlns:a16="http://schemas.microsoft.com/office/drawing/2014/main" id="{2C03B2DD-5FDC-5763-09F0-A58865B94533}"/>
+                </a:ext>
+              </a:extLst>
+            </p:cNvPr>
+            <p:cNvSpPr txBox="1"/>
+            <p:nvPr/>
+          </p:nvSpPr>
+          <p:spPr>
+            <a:xfrm>
+              <a:off x="7921782" y="322913"/>
+              <a:ext cx="2791405" cy="461665"/>
+            </a:xfrm>
+            <a:prstGeom prst="rect">
+              <a:avLst/>
+            </a:prstGeom>
+            <a:noFill/>
+          </p:spPr>
+          <p:txBody>
+            <a:bodyPr wrap="none" rtlCol="0">
+              <a:spAutoFit/>
+            </a:bodyPr>
+            <a:lstStyle/>
+            <a:p>
+              <a:r>
+                <a:rPr lang="en-US" sz="2400" b="1" dirty="0"/>
+                <a:t>Bay G Launch Mirror</a:t>
+              </a:r>
+            </a:p>
+          </p:txBody>
+        </p:sp>
+        <p:sp>
+          <p:nvSpPr>
+            <p:cNvPr id="7" name="TextBox 6">
+              <a:extLst>
+                <a:ext uri="{FF2B5EF4-FFF2-40B4-BE49-F238E27FC236}">
+                  <a16:creationId xmlns:a16="http://schemas.microsoft.com/office/drawing/2014/main" id="{983D98CB-BA33-086F-C138-CCCFAB2EB7D4}"/>
+                </a:ext>
+              </a:extLst>
+            </p:cNvPr>
+            <p:cNvSpPr txBox="1"/>
+            <p:nvPr/>
+          </p:nvSpPr>
+          <p:spPr>
+            <a:xfrm>
+              <a:off x="6958095" y="2683814"/>
+              <a:ext cx="1791260" cy="461665"/>
+            </a:xfrm>
+            <a:prstGeom prst="rect">
+              <a:avLst/>
+            </a:prstGeom>
+            <a:noFill/>
+          </p:spPr>
+          <p:txBody>
+            <a:bodyPr wrap="none" rtlCol="0">
+              <a:spAutoFit/>
+            </a:bodyPr>
+            <a:lstStyle/>
+            <a:p>
+              <a:r>
+                <a:rPr lang="en-US" sz="2400" b="1" dirty="0"/>
+                <a:t>Torus Center</a:t>
+              </a:r>
+            </a:p>
+          </p:txBody>
+        </p:sp>
+        <p:sp>
+          <p:nvSpPr>
+            <p:cNvPr id="8" name="TextBox 7">
+              <a:extLst>
+                <a:ext uri="{FF2B5EF4-FFF2-40B4-BE49-F238E27FC236}">
+                  <a16:creationId xmlns:a16="http://schemas.microsoft.com/office/drawing/2014/main" id="{969F76BC-DADB-BC19-F0E2-0EDE7D7EEA95}"/>
+                </a:ext>
+              </a:extLst>
+            </p:cNvPr>
+            <p:cNvSpPr txBox="1"/>
+            <p:nvPr/>
+          </p:nvSpPr>
+          <p:spPr>
+            <a:xfrm>
+              <a:off x="9303699" y="6327042"/>
+              <a:ext cx="1262910" cy="461665"/>
+            </a:xfrm>
+            <a:prstGeom prst="rect">
+              <a:avLst/>
+            </a:prstGeom>
+            <a:noFill/>
+          </p:spPr>
+          <p:txBody>
+            <a:bodyPr wrap="none" rtlCol="0">
+              <a:spAutoFit/>
+            </a:bodyPr>
+            <a:lstStyle/>
+            <a:p>
+              <a:r>
+                <a:rPr lang="en-US" sz="2400" b="1"/>
+                <a:t>Window</a:t>
+              </a:r>
+            </a:p>
+          </p:txBody>
+        </p:sp>
+        <p:sp>
+          <p:nvSpPr>
+            <p:cNvPr id="9" name="Rectangle 8">
+              <a:extLst>
+                <a:ext uri="{FF2B5EF4-FFF2-40B4-BE49-F238E27FC236}">
+                  <a16:creationId xmlns:a16="http://schemas.microsoft.com/office/drawing/2014/main" id="{2725C03E-FCBE-C3E9-F18C-8993D8416BE2}"/>
+                </a:ext>
+              </a:extLst>
+            </p:cNvPr>
+            <p:cNvSpPr/>
+            <p:nvPr/>
+          </p:nvSpPr>
+          <p:spPr>
+            <a:xfrm>
+              <a:off x="8437624" y="6477454"/>
+              <a:ext cx="796923" cy="94069"/>
+            </a:xfrm>
+            <a:prstGeom prst="rect">
+              <a:avLst/>
+            </a:prstGeom>
+          </p:spPr>
+          <p:style>
+            <a:lnRef idx="2">
+              <a:schemeClr val="accent1">
+                <a:shade val="50000"/>
+              </a:schemeClr>
+            </a:lnRef>
+            <a:fillRef idx="1">
+              <a:schemeClr val="accent1"/>
+            </a:fillRef>
+            <a:effectRef idx="0">
+              <a:schemeClr val="accent1"/>
+            </a:effectRef>
+            <a:fontRef idx="minor">
+              <a:schemeClr val="lt1"/>
+            </a:fontRef>
+          </p:style>
+          <p:txBody>
+            <a:bodyPr rtlCol="0" anchor="ctr"/>
+            <a:lstStyle/>
+            <a:p>
+              <a:pPr algn="ctr"/>
+              <a:endParaRPr lang="en-US"/>
+            </a:p>
+          </p:txBody>
+        </p:sp>
+        <p:cxnSp>
+          <p:nvCxnSpPr>
+            <p:cNvPr id="10" name="Straight Connector 9">
+              <a:extLst>
+                <a:ext uri="{FF2B5EF4-FFF2-40B4-BE49-F238E27FC236}">
+                  <a16:creationId xmlns:a16="http://schemas.microsoft.com/office/drawing/2014/main" id="{4ECDBAC9-D516-DEF2-2D95-A4F78C057473}"/>
+                </a:ext>
+              </a:extLst>
+            </p:cNvPr>
+            <p:cNvCxnSpPr/>
+            <p:nvPr/>
+          </p:nvCxnSpPr>
+          <p:spPr>
+            <a:xfrm flipH="1" flipV="1">
+              <a:off x="8538617" y="3194531"/>
+              <a:ext cx="0" cy="3383280"/>
+            </a:xfrm>
+            <a:prstGeom prst="line">
+              <a:avLst/>
+            </a:prstGeom>
+            <a:ln w="25400">
+              <a:solidFill>
+                <a:srgbClr val="FF0000"/>
+              </a:solidFill>
+            </a:ln>
+          </p:spPr>
+          <p:style>
+            <a:lnRef idx="1">
+              <a:schemeClr val="accent1"/>
+            </a:lnRef>
+            <a:fillRef idx="0">
+              <a:schemeClr val="accent1"/>
+            </a:fillRef>
+            <a:effectRef idx="0">
+              <a:schemeClr val="accent1"/>
+            </a:effectRef>
+            <a:fontRef idx="minor">
+              <a:schemeClr val="tx1"/>
+            </a:fontRef>
+          </p:style>
+        </p:cxnSp>
+        <p:cxnSp>
+          <p:nvCxnSpPr>
+            <p:cNvPr id="11" name="Straight Connector 10">
+              <a:extLst>
+                <a:ext uri="{FF2B5EF4-FFF2-40B4-BE49-F238E27FC236}">
+                  <a16:creationId xmlns:a16="http://schemas.microsoft.com/office/drawing/2014/main" id="{25CE5242-9C81-D693-ABEA-0CC38BF9D053}"/>
+                </a:ext>
+              </a:extLst>
+            </p:cNvPr>
+            <p:cNvCxnSpPr/>
+            <p:nvPr/>
+          </p:nvCxnSpPr>
+          <p:spPr>
+            <a:xfrm rot="780000" flipV="1">
+              <a:off x="9028852" y="4766159"/>
+              <a:ext cx="0" cy="1828800"/>
+            </a:xfrm>
+            <a:prstGeom prst="line">
+              <a:avLst/>
+            </a:prstGeom>
+            <a:ln w="25400">
+              <a:solidFill>
+                <a:srgbClr val="FF0000"/>
+              </a:solidFill>
+            </a:ln>
+          </p:spPr>
+          <p:style>
+            <a:lnRef idx="1">
+              <a:schemeClr val="accent1"/>
+            </a:lnRef>
+            <a:fillRef idx="0">
+              <a:schemeClr val="accent1"/>
+            </a:fillRef>
+            <a:effectRef idx="0">
+              <a:schemeClr val="accent1"/>
+            </a:effectRef>
+            <a:fontRef idx="minor">
+              <a:schemeClr val="tx1"/>
+            </a:fontRef>
+          </p:style>
+        </p:cxnSp>
+        <p:sp>
+          <p:nvSpPr>
+            <p:cNvPr id="12" name="TextBox 11">
+              <a:extLst>
+                <a:ext uri="{FF2B5EF4-FFF2-40B4-BE49-F238E27FC236}">
+                  <a16:creationId xmlns:a16="http://schemas.microsoft.com/office/drawing/2014/main" id="{9CD4639C-5F37-87AE-C453-4603D97150B4}"/>
+                </a:ext>
+              </a:extLst>
+            </p:cNvPr>
+            <p:cNvSpPr txBox="1"/>
+            <p:nvPr/>
+          </p:nvSpPr>
+          <p:spPr>
+            <a:xfrm>
+              <a:off x="9317484" y="4440772"/>
+              <a:ext cx="1807299" cy="690638"/>
+            </a:xfrm>
+            <a:prstGeom prst="rect">
+              <a:avLst/>
+            </a:prstGeom>
+            <a:noFill/>
+          </p:spPr>
+          <p:txBody>
+            <a:bodyPr wrap="square" rtlCol="0">
+              <a:spAutoFit/>
+            </a:bodyPr>
+            <a:lstStyle/>
+            <a:p>
+              <a:pPr>
+                <a:lnSpc>
+                  <a:spcPct val="80000"/>
+                </a:lnSpc>
+              </a:pPr>
+              <a:r>
+                <a:rPr lang="en-US" sz="2400" b="1" dirty="0">
+                  <a:solidFill>
+                    <a:srgbClr val="0070C0"/>
+                  </a:solidFill>
+                </a:rPr>
+                <a:t>Interaction Region (IR)</a:t>
+              </a:r>
+            </a:p>
+          </p:txBody>
+        </p:sp>
+        <p:cxnSp>
+          <p:nvCxnSpPr>
+            <p:cNvPr id="13" name="Straight Connector 12">
+              <a:extLst>
+                <a:ext uri="{FF2B5EF4-FFF2-40B4-BE49-F238E27FC236}">
+                  <a16:creationId xmlns:a16="http://schemas.microsoft.com/office/drawing/2014/main" id="{32A41F94-148D-21A5-76C9-A275CE63D338}"/>
+                </a:ext>
+              </a:extLst>
+            </p:cNvPr>
+            <p:cNvCxnSpPr>
+              <a:stCxn id="18" idx="4"/>
+            </p:cNvCxnSpPr>
+            <p:nvPr/>
+          </p:nvCxnSpPr>
+          <p:spPr>
+            <a:xfrm flipH="1" flipV="1">
+              <a:off x="8576185" y="3218733"/>
+              <a:ext cx="640080" cy="1554480"/>
+            </a:xfrm>
+            <a:prstGeom prst="line">
+              <a:avLst/>
+            </a:prstGeom>
+            <a:ln w="25400">
+              <a:solidFill>
+                <a:srgbClr val="0070C0"/>
+              </a:solidFill>
+              <a:headEnd type="triangle" w="lg" len="lg"/>
+              <a:tailEnd type="none"/>
+            </a:ln>
+          </p:spPr>
+          <p:style>
+            <a:lnRef idx="1">
+              <a:schemeClr val="accent1"/>
+            </a:lnRef>
+            <a:fillRef idx="0">
+              <a:schemeClr val="accent1"/>
+            </a:fillRef>
+            <a:effectRef idx="0">
+              <a:schemeClr val="accent1"/>
+            </a:effectRef>
+            <a:fontRef idx="minor">
+              <a:schemeClr val="tx1"/>
+            </a:fontRef>
+          </p:style>
+        </p:cxnSp>
+        <p:cxnSp>
+          <p:nvCxnSpPr>
+            <p:cNvPr id="14" name="Straight Connector 13">
+              <a:extLst>
+                <a:ext uri="{FF2B5EF4-FFF2-40B4-BE49-F238E27FC236}">
+                  <a16:creationId xmlns:a16="http://schemas.microsoft.com/office/drawing/2014/main" id="{4CEF8911-1842-21E8-E937-8B912D909AAE}"/>
+                </a:ext>
+              </a:extLst>
+            </p:cNvPr>
+            <p:cNvCxnSpPr/>
+            <p:nvPr/>
+          </p:nvCxnSpPr>
+          <p:spPr>
+            <a:xfrm rot="1200000" flipH="1" flipV="1">
+              <a:off x="10031335" y="450448"/>
+              <a:ext cx="0" cy="4480560"/>
+            </a:xfrm>
+            <a:prstGeom prst="line">
+              <a:avLst/>
+            </a:prstGeom>
+            <a:ln w="25400">
+              <a:solidFill>
+                <a:srgbClr val="FF0000"/>
+              </a:solidFill>
+            </a:ln>
+          </p:spPr>
+          <p:style>
+            <a:lnRef idx="1">
+              <a:schemeClr val="accent1"/>
+            </a:lnRef>
+            <a:fillRef idx="0">
+              <a:schemeClr val="accent1"/>
+            </a:fillRef>
+            <a:effectRef idx="0">
+              <a:schemeClr val="accent1"/>
+            </a:effectRef>
+            <a:fontRef idx="minor">
+              <a:schemeClr val="tx1"/>
+            </a:fontRef>
+          </p:style>
+        </p:cxnSp>
+        <p:sp>
+          <p:nvSpPr>
+            <p:cNvPr id="15" name="Oval 14">
+              <a:extLst>
+                <a:ext uri="{FF2B5EF4-FFF2-40B4-BE49-F238E27FC236}">
+                  <a16:creationId xmlns:a16="http://schemas.microsoft.com/office/drawing/2014/main" id="{76A5C534-E1B9-124B-1B2E-EF26BFE137D7}"/>
+                </a:ext>
+              </a:extLst>
+            </p:cNvPr>
+            <p:cNvSpPr/>
+            <p:nvPr/>
+          </p:nvSpPr>
+          <p:spPr>
+            <a:xfrm>
+              <a:off x="10707955" y="501857"/>
+              <a:ext cx="182880" cy="182880"/>
+            </a:xfrm>
+            <a:prstGeom prst="ellipse">
+              <a:avLst/>
+            </a:prstGeom>
+            <a:solidFill>
+              <a:schemeClr val="tx1"/>
+            </a:solidFill>
+          </p:spPr>
+          <p:style>
+            <a:lnRef idx="2">
+              <a:schemeClr val="accent1">
+                <a:shade val="50000"/>
+              </a:schemeClr>
+            </a:lnRef>
+            <a:fillRef idx="1">
+              <a:schemeClr val="accent1"/>
+            </a:fillRef>
+            <a:effectRef idx="0">
+              <a:schemeClr val="accent1"/>
+            </a:effectRef>
+            <a:fontRef idx="minor">
+              <a:schemeClr val="lt1"/>
+            </a:fontRef>
+          </p:style>
+          <p:txBody>
+            <a:bodyPr rtlCol="0" anchor="ctr"/>
+            <a:lstStyle/>
+            <a:p>
+              <a:pPr algn="ctr"/>
+              <a:endParaRPr lang="en-US"/>
+            </a:p>
+          </p:txBody>
+        </p:sp>
+        <p:cxnSp>
+          <p:nvCxnSpPr>
+            <p:cNvPr id="16" name="Straight Connector 15">
+              <a:extLst>
+                <a:ext uri="{FF2B5EF4-FFF2-40B4-BE49-F238E27FC236}">
+                  <a16:creationId xmlns:a16="http://schemas.microsoft.com/office/drawing/2014/main" id="{76563E63-754A-CF3F-A0EF-F2E8F914AE8E}"/>
+                </a:ext>
+              </a:extLst>
+            </p:cNvPr>
+            <p:cNvCxnSpPr/>
+            <p:nvPr/>
+          </p:nvCxnSpPr>
+          <p:spPr>
+            <a:xfrm rot="2460000" flipH="1" flipV="1">
+              <a:off x="9678428" y="170170"/>
+              <a:ext cx="0" cy="3474720"/>
+            </a:xfrm>
+            <a:prstGeom prst="line">
+              <a:avLst/>
+            </a:prstGeom>
+            <a:ln w="25400">
+              <a:solidFill>
+                <a:srgbClr val="FF0000"/>
+              </a:solidFill>
+            </a:ln>
+          </p:spPr>
+          <p:style>
+            <a:lnRef idx="1">
+              <a:schemeClr val="accent1"/>
+            </a:lnRef>
+            <a:fillRef idx="0">
+              <a:schemeClr val="accent1"/>
+            </a:fillRef>
+            <a:effectRef idx="0">
+              <a:schemeClr val="accent1"/>
+            </a:effectRef>
+            <a:fontRef idx="minor">
+              <a:schemeClr val="tx1"/>
+            </a:fontRef>
+          </p:style>
+        </p:cxnSp>
+        <p:sp>
+          <p:nvSpPr>
+            <p:cNvPr id="17" name="Oval 16">
+              <a:extLst>
+                <a:ext uri="{FF2B5EF4-FFF2-40B4-BE49-F238E27FC236}">
+                  <a16:creationId xmlns:a16="http://schemas.microsoft.com/office/drawing/2014/main" id="{35C7479F-104E-555B-FC45-C87D3A800B0E}"/>
+                </a:ext>
+              </a:extLst>
+            </p:cNvPr>
+            <p:cNvSpPr/>
+            <p:nvPr/>
+          </p:nvSpPr>
+          <p:spPr>
+            <a:xfrm>
+              <a:off x="8437625" y="3095580"/>
+              <a:ext cx="182880" cy="182880"/>
+            </a:xfrm>
+            <a:prstGeom prst="ellipse">
+              <a:avLst/>
+            </a:prstGeom>
+            <a:solidFill>
+              <a:schemeClr val="tx1"/>
+            </a:solidFill>
+          </p:spPr>
+          <p:style>
+            <a:lnRef idx="2">
+              <a:schemeClr val="accent1">
+                <a:shade val="50000"/>
+              </a:schemeClr>
+            </a:lnRef>
+            <a:fillRef idx="1">
+              <a:schemeClr val="accent1"/>
+            </a:fillRef>
+            <a:effectRef idx="0">
+              <a:schemeClr val="accent1"/>
+            </a:effectRef>
+            <a:fontRef idx="minor">
+              <a:schemeClr val="lt1"/>
+            </a:fontRef>
+          </p:style>
+          <p:txBody>
+            <a:bodyPr rtlCol="0" anchor="ctr"/>
+            <a:lstStyle/>
+            <a:p>
+              <a:pPr algn="ctr"/>
+              <a:endParaRPr lang="en-US"/>
+            </a:p>
+          </p:txBody>
+        </p:sp>
+        <p:sp>
+          <p:nvSpPr>
+            <p:cNvPr id="18" name="Oval 17">
+              <a:extLst>
+                <a:ext uri="{FF2B5EF4-FFF2-40B4-BE49-F238E27FC236}">
+                  <a16:creationId xmlns:a16="http://schemas.microsoft.com/office/drawing/2014/main" id="{47810B35-CC52-9166-DEC7-948DE848B00C}"/>
+                </a:ext>
+              </a:extLst>
+            </p:cNvPr>
+            <p:cNvSpPr/>
+            <p:nvPr/>
+          </p:nvSpPr>
+          <p:spPr>
+            <a:xfrm>
+              <a:off x="9149583" y="4694651"/>
+              <a:ext cx="182880" cy="182880"/>
+            </a:xfrm>
+            <a:prstGeom prst="ellipse">
+              <a:avLst/>
+            </a:prstGeom>
+            <a:solidFill>
+              <a:schemeClr val="tx1"/>
+            </a:solidFill>
+          </p:spPr>
+          <p:style>
+            <a:lnRef idx="2">
+              <a:schemeClr val="accent1">
+                <a:shade val="50000"/>
+              </a:schemeClr>
+            </a:lnRef>
+            <a:fillRef idx="1">
+              <a:schemeClr val="accent1"/>
+            </a:fillRef>
+            <a:effectRef idx="0">
+              <a:schemeClr val="accent1"/>
+            </a:effectRef>
+            <a:fontRef idx="minor">
+              <a:schemeClr val="lt1"/>
+            </a:fontRef>
+          </p:style>
+          <p:txBody>
+            <a:bodyPr rtlCol="0" anchor="ctr"/>
+            <a:lstStyle/>
+            <a:p>
+              <a:pPr algn="ctr"/>
+              <a:endParaRPr lang="en-US"/>
+            </a:p>
+          </p:txBody>
+        </p:sp>
+        <p:sp>
+          <p:nvSpPr>
+            <p:cNvPr id="19" name="TextBox 18">
+              <a:extLst>
+                <a:ext uri="{FF2B5EF4-FFF2-40B4-BE49-F238E27FC236}">
+                  <a16:creationId xmlns:a16="http://schemas.microsoft.com/office/drawing/2014/main" id="{D30856F7-E9F6-3FD6-6E40-A8BA2737D525}"/>
+                </a:ext>
+              </a:extLst>
+            </p:cNvPr>
+            <p:cNvSpPr txBox="1"/>
+            <p:nvPr/>
+          </p:nvSpPr>
+          <p:spPr>
+            <a:xfrm>
+              <a:off x="8966837" y="3630593"/>
+              <a:ext cx="498855" cy="461665"/>
+            </a:xfrm>
+            <a:prstGeom prst="rect">
+              <a:avLst/>
+            </a:prstGeom>
+            <a:noFill/>
+          </p:spPr>
+          <p:txBody>
+            <a:bodyPr wrap="none" rtlCol="0">
+              <a:spAutoFit/>
+            </a:bodyPr>
+            <a:lstStyle/>
+            <a:p>
+              <a:r>
+                <a:rPr lang="el-GR" sz="2400" b="1">
+                  <a:solidFill>
+                    <a:srgbClr val="FF0000"/>
+                  </a:solidFill>
+                </a:rPr>
+                <a:t>ψ</a:t>
+              </a:r>
+              <a:r>
+                <a:rPr lang="en-US" sz="2400" b="1" baseline="-25000">
+                  <a:solidFill>
+                    <a:srgbClr val="FF0000"/>
+                  </a:solidFill>
+                </a:rPr>
+                <a:t>L</a:t>
+              </a:r>
+            </a:p>
+          </p:txBody>
+        </p:sp>
+        <p:sp>
+          <p:nvSpPr>
+            <p:cNvPr id="20" name="Arc 19">
+              <a:extLst>
+                <a:ext uri="{FF2B5EF4-FFF2-40B4-BE49-F238E27FC236}">
+                  <a16:creationId xmlns:a16="http://schemas.microsoft.com/office/drawing/2014/main" id="{22908555-1CB7-2987-3591-24BAC5F01F98}"/>
+                </a:ext>
+              </a:extLst>
+            </p:cNvPr>
+            <p:cNvSpPr/>
+            <p:nvPr/>
+          </p:nvSpPr>
+          <p:spPr>
+            <a:xfrm>
+              <a:off x="8592513" y="4077426"/>
+              <a:ext cx="1345201" cy="1420968"/>
+            </a:xfrm>
+            <a:prstGeom prst="arc">
+              <a:avLst>
+                <a:gd name="adj1" fmla="val 14767857"/>
+                <a:gd name="adj2" fmla="val 17347294"/>
+              </a:avLst>
+            </a:prstGeom>
+            <a:ln w="25400">
+              <a:solidFill>
+                <a:srgbClr val="FF0000"/>
+              </a:solidFill>
+              <a:tailEnd type="triangle" w="lg" len="lg"/>
+            </a:ln>
+          </p:spPr>
+          <p:style>
+            <a:lnRef idx="1">
+              <a:schemeClr val="accent1"/>
+            </a:lnRef>
+            <a:fillRef idx="0">
+              <a:schemeClr val="accent1"/>
+            </a:fillRef>
+            <a:effectRef idx="0">
+              <a:schemeClr val="accent1"/>
+            </a:effectRef>
+            <a:fontRef idx="minor">
+              <a:schemeClr val="tx1"/>
+            </a:fontRef>
+          </p:style>
+          <p:txBody>
+            <a:bodyPr rtlCol="0" anchor="ctr"/>
+            <a:lstStyle/>
+            <a:p>
+              <a:pPr algn="ctr"/>
+              <a:endParaRPr lang="en-US"/>
+            </a:p>
+          </p:txBody>
+        </p:sp>
+        <p:sp>
+          <p:nvSpPr>
+            <p:cNvPr id="21" name="TextBox 20">
+              <a:extLst>
+                <a:ext uri="{FF2B5EF4-FFF2-40B4-BE49-F238E27FC236}">
+                  <a16:creationId xmlns:a16="http://schemas.microsoft.com/office/drawing/2014/main" id="{26A0DB01-0F9B-B033-38E9-2746713113C1}"/>
+                </a:ext>
+              </a:extLst>
+            </p:cNvPr>
+            <p:cNvSpPr txBox="1"/>
+            <p:nvPr/>
+          </p:nvSpPr>
+          <p:spPr>
+            <a:xfrm>
+              <a:off x="8937887" y="1637699"/>
+              <a:ext cx="623889" cy="461665"/>
+            </a:xfrm>
+            <a:prstGeom prst="rect">
+              <a:avLst/>
+            </a:prstGeom>
+            <a:noFill/>
+          </p:spPr>
+          <p:txBody>
+            <a:bodyPr wrap="none" rtlCol="0">
+              <a:spAutoFit/>
+            </a:bodyPr>
+            <a:lstStyle/>
+            <a:p>
+              <a:r>
+                <a:rPr lang="en-US" sz="2400" b="1">
+                  <a:solidFill>
+                    <a:srgbClr val="FF0000"/>
+                  </a:solidFill>
+                </a:rPr>
+                <a:t>R</a:t>
+              </a:r>
+              <a:r>
+                <a:rPr lang="en-US" sz="2400" b="1" baseline="-25000">
+                  <a:solidFill>
+                    <a:srgbClr val="FF0000"/>
+                  </a:solidFill>
+                </a:rPr>
+                <a:t>LM</a:t>
+              </a:r>
+            </a:p>
+          </p:txBody>
+        </p:sp>
+        <p:sp>
+          <p:nvSpPr>
+            <p:cNvPr id="22" name="TextBox 21">
+              <a:extLst>
+                <a:ext uri="{FF2B5EF4-FFF2-40B4-BE49-F238E27FC236}">
+                  <a16:creationId xmlns:a16="http://schemas.microsoft.com/office/drawing/2014/main" id="{1514D663-6173-DDA7-4B1C-9333391C9591}"/>
+                </a:ext>
+              </a:extLst>
+            </p:cNvPr>
+            <p:cNvSpPr txBox="1"/>
+            <p:nvPr/>
+          </p:nvSpPr>
+          <p:spPr>
+            <a:xfrm>
+              <a:off x="9938667" y="2720843"/>
+              <a:ext cx="572593" cy="461665"/>
+            </a:xfrm>
+            <a:prstGeom prst="rect">
+              <a:avLst/>
+            </a:prstGeom>
+            <a:noFill/>
+          </p:spPr>
+          <p:txBody>
+            <a:bodyPr wrap="none" rtlCol="0">
+              <a:spAutoFit/>
+            </a:bodyPr>
+            <a:lstStyle/>
+            <a:p>
+              <a:r>
+                <a:rPr lang="en-US" sz="2400" b="1">
+                  <a:solidFill>
+                    <a:srgbClr val="FF0000"/>
+                  </a:solidFill>
+                </a:rPr>
+                <a:t>z</a:t>
+              </a:r>
+              <a:r>
+                <a:rPr lang="en-US" sz="2400" b="1" baseline="-25000">
+                  <a:solidFill>
+                    <a:srgbClr val="FF0000"/>
+                  </a:solidFill>
+                </a:rPr>
+                <a:t>LM</a:t>
+              </a:r>
+            </a:p>
+          </p:txBody>
+        </p:sp>
+        <p:sp>
+          <p:nvSpPr>
+            <p:cNvPr id="23" name="TextBox 22">
+              <a:extLst>
+                <a:ext uri="{FF2B5EF4-FFF2-40B4-BE49-F238E27FC236}">
+                  <a16:creationId xmlns:a16="http://schemas.microsoft.com/office/drawing/2014/main" id="{65598156-54DE-0EE2-B872-48BC12A533C3}"/>
+                </a:ext>
+              </a:extLst>
+            </p:cNvPr>
+            <p:cNvSpPr txBox="1"/>
+            <p:nvPr/>
+          </p:nvSpPr>
+          <p:spPr>
+            <a:xfrm>
+              <a:off x="8638011" y="4188404"/>
+              <a:ext cx="527709" cy="461665"/>
+            </a:xfrm>
+            <a:prstGeom prst="rect">
+              <a:avLst/>
+            </a:prstGeom>
+            <a:noFill/>
+          </p:spPr>
+          <p:txBody>
+            <a:bodyPr wrap="none" rtlCol="0">
+              <a:spAutoFit/>
+            </a:bodyPr>
+            <a:lstStyle/>
+            <a:p>
+              <a:r>
+                <a:rPr lang="en-US" sz="2400" b="1">
+                  <a:solidFill>
+                    <a:srgbClr val="FF0000"/>
+                  </a:solidFill>
+                </a:rPr>
+                <a:t>R</a:t>
+              </a:r>
+              <a:r>
+                <a:rPr lang="en-US" sz="2400" b="1" baseline="-25000">
+                  <a:solidFill>
+                    <a:srgbClr val="FF0000"/>
+                  </a:solidFill>
+                </a:rPr>
+                <a:t>IR</a:t>
+              </a:r>
+            </a:p>
+          </p:txBody>
+        </p:sp>
+        <p:sp>
+          <p:nvSpPr>
+            <p:cNvPr id="24" name="TextBox 23">
+              <a:extLst>
+                <a:ext uri="{FF2B5EF4-FFF2-40B4-BE49-F238E27FC236}">
+                  <a16:creationId xmlns:a16="http://schemas.microsoft.com/office/drawing/2014/main" id="{1FAB4074-C6E5-052B-3642-2CC2106F0CA2}"/>
+                </a:ext>
+              </a:extLst>
+            </p:cNvPr>
+            <p:cNvSpPr txBox="1"/>
+            <p:nvPr/>
+          </p:nvSpPr>
+          <p:spPr>
+            <a:xfrm>
+              <a:off x="7913578" y="4749834"/>
+              <a:ext cx="657681" cy="461665"/>
+            </a:xfrm>
+            <a:prstGeom prst="rect">
+              <a:avLst/>
+            </a:prstGeom>
+            <a:noFill/>
+          </p:spPr>
+          <p:txBody>
+            <a:bodyPr wrap="none" rtlCol="0">
+              <a:spAutoFit/>
+            </a:bodyPr>
+            <a:lstStyle/>
+            <a:p>
+              <a:r>
+                <a:rPr lang="en-US" sz="2400" b="1">
+                  <a:solidFill>
+                    <a:srgbClr val="FF0000"/>
+                  </a:solidFill>
+                </a:rPr>
+                <a:t>R</a:t>
+              </a:r>
+              <a:r>
+                <a:rPr lang="en-US" sz="2400" b="1" baseline="-25000">
+                  <a:solidFill>
+                    <a:srgbClr val="FF0000"/>
+                  </a:solidFill>
+                </a:rPr>
+                <a:t>RW</a:t>
+              </a:r>
+            </a:p>
+          </p:txBody>
+        </p:sp>
+        <p:sp>
+          <p:nvSpPr>
+            <p:cNvPr id="25" name="Arc 24">
+              <a:extLst>
+                <a:ext uri="{FF2B5EF4-FFF2-40B4-BE49-F238E27FC236}">
+                  <a16:creationId xmlns:a16="http://schemas.microsoft.com/office/drawing/2014/main" id="{AE46AC2A-187D-7B8B-1BD5-7CE47ADBD421}"/>
+                </a:ext>
+              </a:extLst>
+            </p:cNvPr>
+            <p:cNvSpPr/>
+            <p:nvPr/>
+          </p:nvSpPr>
+          <p:spPr>
+            <a:xfrm rot="-5400000" flipV="1">
+              <a:off x="8127279" y="2799666"/>
+              <a:ext cx="791169" cy="765685"/>
+            </a:xfrm>
+            <a:prstGeom prst="arc">
+              <a:avLst>
+                <a:gd name="adj1" fmla="val 10937271"/>
+                <a:gd name="adj2" fmla="val 18920686"/>
+              </a:avLst>
+            </a:prstGeom>
+            <a:ln w="25400">
+              <a:solidFill>
+                <a:srgbClr val="FF0000"/>
+              </a:solidFill>
+              <a:tailEnd type="triangle" w="lg" len="lg"/>
+            </a:ln>
+          </p:spPr>
+          <p:style>
+            <a:lnRef idx="1">
+              <a:schemeClr val="accent1"/>
+            </a:lnRef>
+            <a:fillRef idx="0">
+              <a:schemeClr val="accent1"/>
+            </a:fillRef>
+            <a:effectRef idx="0">
+              <a:schemeClr val="accent1"/>
+            </a:effectRef>
+            <a:fontRef idx="minor">
+              <a:schemeClr val="tx1"/>
+            </a:fontRef>
+          </p:style>
+          <p:txBody>
+            <a:bodyPr rtlCol="0" anchor="ctr"/>
+            <a:lstStyle/>
+            <a:p>
+              <a:pPr algn="ctr"/>
+              <a:endParaRPr lang="en-US"/>
+            </a:p>
+          </p:txBody>
+        </p:sp>
+        <p:sp>
+          <p:nvSpPr>
+            <p:cNvPr id="26" name="TextBox 25">
+              <a:extLst>
+                <a:ext uri="{FF2B5EF4-FFF2-40B4-BE49-F238E27FC236}">
+                  <a16:creationId xmlns:a16="http://schemas.microsoft.com/office/drawing/2014/main" id="{0506B4B3-679F-EBD1-6A5F-228DAEFBF1FD}"/>
+                </a:ext>
+              </a:extLst>
+            </p:cNvPr>
+            <p:cNvSpPr txBox="1"/>
+            <p:nvPr/>
+          </p:nvSpPr>
+          <p:spPr>
+            <a:xfrm>
+              <a:off x="7913578" y="3494754"/>
+              <a:ext cx="652743" cy="461665"/>
+            </a:xfrm>
+            <a:prstGeom prst="rect">
+              <a:avLst/>
+            </a:prstGeom>
+            <a:noFill/>
+          </p:spPr>
+          <p:txBody>
+            <a:bodyPr wrap="none" rtlCol="0">
+              <a:spAutoFit/>
+            </a:bodyPr>
+            <a:lstStyle/>
+            <a:p>
+              <a:r>
+                <a:rPr lang="el-GR" sz="2400" b="1">
+                  <a:solidFill>
+                    <a:srgbClr val="FF0000"/>
+                  </a:solidFill>
+                </a:rPr>
+                <a:t>ψ</a:t>
+              </a:r>
+              <a:r>
+                <a:rPr lang="en-US" sz="2400" b="1" baseline="-25000">
+                  <a:solidFill>
+                    <a:srgbClr val="FF0000"/>
+                  </a:solidFill>
+                </a:rPr>
+                <a:t>RA</a:t>
+              </a:r>
+            </a:p>
+          </p:txBody>
+        </p:sp>
+        <p:sp>
+          <p:nvSpPr>
+            <p:cNvPr id="27" name="Arc 26">
+              <a:extLst>
+                <a:ext uri="{FF2B5EF4-FFF2-40B4-BE49-F238E27FC236}">
+                  <a16:creationId xmlns:a16="http://schemas.microsoft.com/office/drawing/2014/main" id="{EC23B5CF-C805-8E0D-5646-AFE916105103}"/>
+                </a:ext>
+              </a:extLst>
+            </p:cNvPr>
+            <p:cNvSpPr/>
+            <p:nvPr/>
+          </p:nvSpPr>
+          <p:spPr>
+            <a:xfrm rot="-5400000" flipV="1">
+              <a:off x="7936469" y="2589087"/>
+              <a:ext cx="1179854" cy="1135530"/>
+            </a:xfrm>
+            <a:prstGeom prst="arc">
+              <a:avLst>
+                <a:gd name="adj1" fmla="val 10937271"/>
+                <a:gd name="adj2" fmla="val 12329916"/>
+              </a:avLst>
+            </a:prstGeom>
+            <a:ln w="25400">
+              <a:solidFill>
+                <a:srgbClr val="FF0000"/>
+              </a:solidFill>
+              <a:tailEnd type="triangle" w="lg" len="lg"/>
+            </a:ln>
+          </p:spPr>
+          <p:style>
+            <a:lnRef idx="1">
+              <a:schemeClr val="accent1"/>
+            </a:lnRef>
+            <a:fillRef idx="0">
+              <a:schemeClr val="accent1"/>
+            </a:fillRef>
+            <a:effectRef idx="0">
+              <a:schemeClr val="accent1"/>
+            </a:effectRef>
+            <a:fontRef idx="minor">
+              <a:schemeClr val="tx1"/>
+            </a:fontRef>
+          </p:style>
+          <p:txBody>
+            <a:bodyPr rtlCol="0" anchor="ctr"/>
+            <a:lstStyle/>
+            <a:p>
+              <a:pPr algn="ctr"/>
+              <a:endParaRPr lang="en-US"/>
+            </a:p>
+          </p:txBody>
+        </p:sp>
+        <p:sp>
+          <p:nvSpPr>
+            <p:cNvPr id="28" name="TextBox 27">
+              <a:extLst>
+                <a:ext uri="{FF2B5EF4-FFF2-40B4-BE49-F238E27FC236}">
+                  <a16:creationId xmlns:a16="http://schemas.microsoft.com/office/drawing/2014/main" id="{4726BD62-F120-9178-56CF-04CDE8123A03}"/>
+                </a:ext>
+              </a:extLst>
+            </p:cNvPr>
+            <p:cNvSpPr txBox="1"/>
+            <p:nvPr/>
+          </p:nvSpPr>
+          <p:spPr>
+            <a:xfrm>
+              <a:off x="8853985" y="2970414"/>
+              <a:ext cx="678391" cy="461665"/>
+            </a:xfrm>
+            <a:prstGeom prst="rect">
+              <a:avLst/>
+            </a:prstGeom>
+            <a:noFill/>
+          </p:spPr>
+          <p:txBody>
+            <a:bodyPr wrap="none" rtlCol="0">
+              <a:spAutoFit/>
+            </a:bodyPr>
+            <a:lstStyle/>
+            <a:p>
+              <a:r>
+                <a:rPr lang="el-GR" sz="2400" b="1">
+                  <a:solidFill>
+                    <a:srgbClr val="FF0000"/>
+                  </a:solidFill>
+                </a:rPr>
+                <a:t>ψ</a:t>
+              </a:r>
+              <a:r>
+                <a:rPr lang="en-US" sz="2400" b="1" baseline="-25000">
+                  <a:solidFill>
+                    <a:srgbClr val="FF0000"/>
+                  </a:solidFill>
+                </a:rPr>
+                <a:t>LM</a:t>
+              </a:r>
+            </a:p>
+          </p:txBody>
+        </p:sp>
+      </p:grpSp>
+    </p:spTree>
+    <p:extLst>
+      <p:ext uri="{BB962C8B-B14F-4D97-AF65-F5344CB8AC3E}">
+        <p14:creationId xmlns:p14="http://schemas.microsoft.com/office/powerpoint/2010/main" val="37959577"/>
+      </p:ext>
+    </p:extLst>
+  </p:cSld>
+  <p:clrMapOvr>
+    <a:masterClrMapping/>
+  </p:clrMapOvr>
+</p:sld>
+</file>
+
+<file path=ppt/slides/slide24.xml><?xml version="1.0" encoding="utf-8"?>
+<p:sld xmlns:a="http://schemas.openxmlformats.org/drawingml/2006/main" xmlns:r="http://schemas.openxmlformats.org/officeDocument/2006/relationships" xmlns:p="http://schemas.openxmlformats.org/presentationml/2006/main">
+  <p:cSld>
+    <p:spTree>
+      <p:nvGrpSpPr>
+        <p:cNvPr id="1" name=""/>
+        <p:cNvGrpSpPr/>
+        <p:nvPr/>
+      </p:nvGrpSpPr>
+      <p:grpSpPr>
+        <a:xfrm>
+          <a:off x="0" y="0"/>
+          <a:ext cx="0" cy="0"/>
+          <a:chOff x="0" y="0"/>
+          <a:chExt cx="0" cy="0"/>
+        </a:xfrm>
+      </p:grpSpPr>
+      <p:sp>
+        <p:nvSpPr>
+          <p:cNvPr id="2" name="Slide Number Placeholder 1">
+            <a:extLst>
+              <a:ext uri="{FF2B5EF4-FFF2-40B4-BE49-F238E27FC236}">
+                <a16:creationId xmlns:a16="http://schemas.microsoft.com/office/drawing/2014/main" id="{85E2A269-FE2E-FBB6-68ED-68205A7BB880}"/>
+              </a:ext>
+            </a:extLst>
+          </p:cNvPr>
+          <p:cNvSpPr>
+            <a:spLocks noGrp="1"/>
+          </p:cNvSpPr>
+          <p:nvPr>
+            <p:ph type="sldNum" sz="quarter" idx="12"/>
+          </p:nvPr>
+        </p:nvSpPr>
+        <p:spPr>
+          <a:xfrm>
+            <a:off x="10749699" y="6313766"/>
+            <a:ext cx="2743200" cy="365125"/>
+          </a:xfrm>
+        </p:spPr>
+        <p:txBody>
+          <a:bodyPr/>
+          <a:lstStyle/>
+          <a:p>
+            <a:fld id="{C8EB1B78-1A80-4349-98CC-41A40981A64A}" type="slidenum">
+              <a:rPr lang="en-US" smtClean="0"/>
+              <a:t>24</a:t>
+            </a:fld>
+            <a:endParaRPr lang="en-US"/>
+          </a:p>
+        </p:txBody>
+      </p:sp>
+      <p:grpSp>
+        <p:nvGrpSpPr>
+          <p:cNvPr id="11" name="Group 10">
+            <a:extLst>
+              <a:ext uri="{FF2B5EF4-FFF2-40B4-BE49-F238E27FC236}">
+                <a16:creationId xmlns:a16="http://schemas.microsoft.com/office/drawing/2014/main" id="{FFC5A6DF-1666-3BD9-E5E5-D10D3DD5DBE7}"/>
+              </a:ext>
+            </a:extLst>
+          </p:cNvPr>
+          <p:cNvGrpSpPr/>
+          <p:nvPr/>
+        </p:nvGrpSpPr>
+        <p:grpSpPr>
+          <a:xfrm>
+            <a:off x="2688996" y="312614"/>
+            <a:ext cx="7136090" cy="6001152"/>
+            <a:chOff x="2688996" y="312614"/>
+            <a:chExt cx="7136090" cy="6001152"/>
+          </a:xfrm>
+        </p:grpSpPr>
+        <p:grpSp>
+          <p:nvGrpSpPr>
+            <p:cNvPr id="6" name="Group 5">
+              <a:extLst>
+                <a:ext uri="{FF2B5EF4-FFF2-40B4-BE49-F238E27FC236}">
+                  <a16:creationId xmlns:a16="http://schemas.microsoft.com/office/drawing/2014/main" id="{EAA21DC6-26E7-0A3E-498F-57B858299397}"/>
+                </a:ext>
+              </a:extLst>
+            </p:cNvPr>
+            <p:cNvGrpSpPr/>
+            <p:nvPr/>
+          </p:nvGrpSpPr>
+          <p:grpSpPr>
+            <a:xfrm>
+              <a:off x="2688996" y="312614"/>
+              <a:ext cx="7136090" cy="6001152"/>
+              <a:chOff x="1611984" y="441353"/>
+              <a:chExt cx="7136090" cy="6001152"/>
+            </a:xfrm>
+          </p:grpSpPr>
+          <p:pic>
+            <p:nvPicPr>
+              <p:cNvPr id="3" name="Picture 2" descr="A diagram of a region&#10;&#10;Description automatically generated">
+                <a:extLst>
+                  <a:ext uri="{FF2B5EF4-FFF2-40B4-BE49-F238E27FC236}">
+                    <a16:creationId xmlns:a16="http://schemas.microsoft.com/office/drawing/2014/main" id="{60FB933D-AE4A-BA0C-BDFB-475B9583F36C}"/>
+                  </a:ext>
+                </a:extLst>
+              </p:cNvPr>
+              <p:cNvPicPr>
+                <a:picLocks noChangeAspect="1"/>
+              </p:cNvPicPr>
+              <p:nvPr/>
+            </p:nvPicPr>
+            <p:blipFill>
+              <a:blip r:embed="rId2" cstate="print">
+                <a:extLst>
+                  <a:ext uri="{28A0092B-C50C-407E-A947-70E740481C1C}">
+                    <a14:useLocalDpi xmlns:a14="http://schemas.microsoft.com/office/drawing/2010/main" val="0"/>
+                  </a:ext>
+                </a:extLst>
+              </a:blip>
+              <a:stretch>
+                <a:fillRect/>
+              </a:stretch>
+            </p:blipFill>
+            <p:spPr>
+              <a:xfrm>
+                <a:off x="1791252" y="442831"/>
+                <a:ext cx="2732121" cy="5972337"/>
+              </a:xfrm>
+              <a:prstGeom prst="rect">
+                <a:avLst/>
+              </a:prstGeom>
+            </p:spPr>
+          </p:pic>
+          <p:pic>
+            <p:nvPicPr>
+              <p:cNvPr id="29" name="Picture 28">
+                <a:extLst>
+                  <a:ext uri="{FF2B5EF4-FFF2-40B4-BE49-F238E27FC236}">
+                    <a16:creationId xmlns:a16="http://schemas.microsoft.com/office/drawing/2014/main" id="{763EA6F2-C79D-1133-4F39-79EBA353F63F}"/>
+                  </a:ext>
+                </a:extLst>
+              </p:cNvPr>
+              <p:cNvPicPr>
+                <a:picLocks noChangeAspect="1"/>
+              </p:cNvPicPr>
+              <p:nvPr/>
+            </p:nvPicPr>
+            <p:blipFill>
+              <a:blip r:embed="rId3"/>
+              <a:stretch>
+                <a:fillRect/>
+              </a:stretch>
+            </p:blipFill>
+            <p:spPr>
+              <a:xfrm>
+                <a:off x="4870152" y="441353"/>
+                <a:ext cx="3877922" cy="6001152"/>
+              </a:xfrm>
+              <a:prstGeom prst="rect">
+                <a:avLst/>
+              </a:prstGeom>
+            </p:spPr>
+          </p:pic>
+          <p:sp>
+            <p:nvSpPr>
+              <p:cNvPr id="4" name="TextBox 3">
+                <a:extLst>
+                  <a:ext uri="{FF2B5EF4-FFF2-40B4-BE49-F238E27FC236}">
+                    <a16:creationId xmlns:a16="http://schemas.microsoft.com/office/drawing/2014/main" id="{27B864BB-8B7B-D305-CF81-4E1D94EF79A1}"/>
+                  </a:ext>
+                </a:extLst>
+              </p:cNvPr>
+              <p:cNvSpPr txBox="1"/>
+              <p:nvPr/>
+            </p:nvSpPr>
+            <p:spPr>
+              <a:xfrm>
+                <a:off x="1611984" y="791852"/>
+                <a:ext cx="567601" cy="369332"/>
+              </a:xfrm>
+              <a:prstGeom prst="rect">
+                <a:avLst/>
+              </a:prstGeom>
+              <a:noFill/>
+            </p:spPr>
+            <p:txBody>
+              <a:bodyPr wrap="square" rtlCol="0">
+                <a:spAutoFit/>
+              </a:bodyPr>
+              <a:lstStyle/>
+              <a:p>
+                <a:r>
+                  <a:rPr lang="en-US" dirty="0"/>
+                  <a:t>(a)</a:t>
+                </a:r>
+              </a:p>
+            </p:txBody>
+          </p:sp>
+          <p:sp>
+            <p:nvSpPr>
+              <p:cNvPr id="5" name="TextBox 4">
+                <a:extLst>
+                  <a:ext uri="{FF2B5EF4-FFF2-40B4-BE49-F238E27FC236}">
+                    <a16:creationId xmlns:a16="http://schemas.microsoft.com/office/drawing/2014/main" id="{1F08C56B-A01F-61BB-E804-DA11060AD76A}"/>
+                  </a:ext>
+                </a:extLst>
+              </p:cNvPr>
+              <p:cNvSpPr txBox="1"/>
+              <p:nvPr/>
+            </p:nvSpPr>
+            <p:spPr>
+              <a:xfrm>
+                <a:off x="5448694" y="791852"/>
+                <a:ext cx="567601" cy="369332"/>
+              </a:xfrm>
+              <a:prstGeom prst="rect">
+                <a:avLst/>
+              </a:prstGeom>
+              <a:noFill/>
+            </p:spPr>
+            <p:txBody>
+              <a:bodyPr wrap="square" rtlCol="0">
+                <a:spAutoFit/>
+              </a:bodyPr>
+              <a:lstStyle/>
+              <a:p>
+                <a:r>
+                  <a:rPr lang="en-US" dirty="0"/>
+                  <a:t>(b)</a:t>
+                </a:r>
+              </a:p>
+            </p:txBody>
+          </p:sp>
+        </p:grpSp>
+        <p:sp>
+          <p:nvSpPr>
+            <p:cNvPr id="9" name="Arc 8">
+              <a:extLst>
+                <a:ext uri="{FF2B5EF4-FFF2-40B4-BE49-F238E27FC236}">
+                  <a16:creationId xmlns:a16="http://schemas.microsoft.com/office/drawing/2014/main" id="{0C7639AC-A623-FE1D-C993-A05D344FA51A}"/>
+                </a:ext>
+              </a:extLst>
+            </p:cNvPr>
+            <p:cNvSpPr/>
+            <p:nvPr/>
+          </p:nvSpPr>
+          <p:spPr>
+            <a:xfrm rot="9620147">
+              <a:off x="9059312" y="772380"/>
+              <a:ext cx="386499" cy="520130"/>
+            </a:xfrm>
+            <a:prstGeom prst="arc">
+              <a:avLst>
+                <a:gd name="adj1" fmla="val 17612724"/>
+                <a:gd name="adj2" fmla="val 0"/>
+              </a:avLst>
+            </a:prstGeom>
+            <a:ln>
+              <a:solidFill>
+                <a:srgbClr val="FF0000"/>
+              </a:solidFill>
+              <a:headEnd type="stealth"/>
+              <a:tailEnd type="none"/>
+            </a:ln>
+          </p:spPr>
+          <p:style>
+            <a:lnRef idx="2">
+              <a:schemeClr val="accent1"/>
+            </a:lnRef>
+            <a:fillRef idx="0">
+              <a:schemeClr val="accent1"/>
+            </a:fillRef>
+            <a:effectRef idx="1">
+              <a:schemeClr val="accent1"/>
+            </a:effectRef>
+            <a:fontRef idx="minor">
+              <a:schemeClr val="tx1"/>
+            </a:fontRef>
+          </p:style>
+          <p:txBody>
+            <a:bodyPr rtlCol="0" anchor="ctr"/>
+            <a:lstStyle/>
+            <a:p>
+              <a:pPr algn="ctr"/>
+              <a:endParaRPr lang="en-US"/>
+            </a:p>
+          </p:txBody>
+        </p:sp>
+        <mc:AlternateContent xmlns:mc="http://schemas.openxmlformats.org/markup-compatibility/2006">
+          <mc:Choice xmlns:a14="http://schemas.microsoft.com/office/drawing/2010/main" Requires="a14">
+            <p:sp>
+              <p:nvSpPr>
+                <p:cNvPr id="10" name="TextBox 9">
+                  <a:extLst>
+                    <a:ext uri="{FF2B5EF4-FFF2-40B4-BE49-F238E27FC236}">
+                      <a16:creationId xmlns:a16="http://schemas.microsoft.com/office/drawing/2014/main" id="{D38DF198-F020-2764-AA66-7B25D5BFC648}"/>
+                    </a:ext>
+                  </a:extLst>
+                </p:cNvPr>
+                <p:cNvSpPr txBox="1"/>
+                <p:nvPr/>
+              </p:nvSpPr>
+              <p:spPr>
+                <a:xfrm>
+                  <a:off x="8944553" y="1157708"/>
+                  <a:ext cx="880533" cy="369332"/>
+                </a:xfrm>
+                <a:prstGeom prst="rect">
+                  <a:avLst/>
+                </a:prstGeom>
+                <a:noFill/>
+              </p:spPr>
+              <p:txBody>
+                <a:bodyPr wrap="square" rtlCol="0">
+                  <a:spAutoFit/>
+                </a:bodyPr>
+                <a:lstStyle/>
+                <a:p>
+                  <a14:m>
+                    <m:oMathPara xmlns:m="http://schemas.openxmlformats.org/officeDocument/2006/math">
+                      <m:oMathParaPr>
+                        <m:jc m:val="centerGroup"/>
+                      </m:oMathParaPr>
+                      <m:oMath xmlns:m="http://schemas.openxmlformats.org/officeDocument/2006/math">
+                        <m:sSub>
+                          <m:sSubPr>
+                            <m:ctrlPr>
+                              <a:rPr lang="en-US" b="0" i="1" smtClean="0">
+                                <a:solidFill>
+                                  <a:srgbClr val="FF0000"/>
+                                </a:solidFill>
+                                <a:latin typeface="Cambria Math" panose="02040503050406030204" pitchFamily="18" charset="0"/>
+                              </a:rPr>
+                            </m:ctrlPr>
+                          </m:sSubPr>
+                          <m:e>
+                            <m:r>
+                              <a:rPr lang="en-US" b="0" i="1" smtClean="0">
+                                <a:solidFill>
+                                  <a:srgbClr val="FF0000"/>
+                                </a:solidFill>
+                                <a:latin typeface="Cambria Math" panose="02040503050406030204" pitchFamily="18" charset="0"/>
+                              </a:rPr>
+                              <m:t>𝜃</m:t>
+                            </m:r>
+                          </m:e>
+                          <m:sub>
+                            <m:r>
+                              <a:rPr lang="en-US" b="0" i="1" smtClean="0">
+                                <a:solidFill>
+                                  <a:srgbClr val="FF0000"/>
+                                </a:solidFill>
+                                <a:latin typeface="Cambria Math" panose="02040503050406030204" pitchFamily="18" charset="0"/>
+                              </a:rPr>
+                              <m:t>h</m:t>
+                            </m:r>
+                          </m:sub>
+                        </m:sSub>
+                      </m:oMath>
+                    </m:oMathPara>
+                  </a14:m>
+                  <a:endParaRPr lang="en-US" dirty="0"/>
+                </a:p>
+              </p:txBody>
+            </p:sp>
+          </mc:Choice>
+          <mc:Fallback>
+            <p:sp>
+              <p:nvSpPr>
+                <p:cNvPr id="10" name="TextBox 9">
+                  <a:extLst>
+                    <a:ext uri="{FF2B5EF4-FFF2-40B4-BE49-F238E27FC236}">
+                      <a16:creationId xmlns:a16="http://schemas.microsoft.com/office/drawing/2014/main" id="{D38DF198-F020-2764-AA66-7B25D5BFC648}"/>
+                    </a:ext>
+                  </a:extLst>
+                </p:cNvPr>
+                <p:cNvSpPr txBox="1">
+                  <a:spLocks noRot="1" noChangeAspect="1" noMove="1" noResize="1" noEditPoints="1" noAdjustHandles="1" noChangeArrowheads="1" noChangeShapeType="1" noTextEdit="1"/>
+                </p:cNvSpPr>
+                <p:nvPr/>
+              </p:nvSpPr>
+              <p:spPr>
+                <a:xfrm>
+                  <a:off x="8944553" y="1157708"/>
+                  <a:ext cx="880533" cy="369332"/>
+                </a:xfrm>
+                <a:prstGeom prst="rect">
+                  <a:avLst/>
+                </a:prstGeom>
+                <a:blipFill>
+                  <a:blip r:embed="rId4"/>
+                  <a:stretch>
+                    <a:fillRect/>
+                  </a:stretch>
+                </a:blipFill>
+              </p:spPr>
+              <p:txBody>
+                <a:bodyPr/>
+                <a:lstStyle/>
+                <a:p>
+                  <a:r>
+                    <a:rPr lang="en-US">
+                      <a:noFill/>
+                    </a:rPr>
+                    <a:t> </a:t>
+                  </a:r>
+                </a:p>
+              </p:txBody>
+            </p:sp>
+          </mc:Fallback>
+        </mc:AlternateContent>
+      </p:grpSp>
+    </p:spTree>
+    <p:extLst>
+      <p:ext uri="{BB962C8B-B14F-4D97-AF65-F5344CB8AC3E}">
+        <p14:creationId xmlns:p14="http://schemas.microsoft.com/office/powerpoint/2010/main" val="1430446917"/>
+      </p:ext>
+    </p:extLst>
+  </p:cSld>
+  <p:clrMapOvr>
+    <a:masterClrMapping/>
+  </p:clrMapOvr>
+</p:sld>
+</file>
+
+<file path=ppt/slides/slide25.xml><?xml version="1.0" encoding="utf-8"?>
+<p:sld xmlns:a="http://schemas.openxmlformats.org/drawingml/2006/main" xmlns:r="http://schemas.openxmlformats.org/officeDocument/2006/relationships" xmlns:p="http://schemas.openxmlformats.org/presentationml/2006/main">
+  <p:cSld>
+    <p:spTree>
+      <p:nvGrpSpPr>
+        <p:cNvPr id="1" name=""/>
+        <p:cNvGrpSpPr/>
+        <p:nvPr/>
+      </p:nvGrpSpPr>
+      <p:grpSpPr>
+        <a:xfrm>
+          <a:off x="0" y="0"/>
+          <a:ext cx="0" cy="0"/>
+          <a:chOff x="0" y="0"/>
+          <a:chExt cx="0" cy="0"/>
+        </a:xfrm>
+      </p:grpSpPr>
+      <p:sp>
+        <p:nvSpPr>
+          <p:cNvPr id="2" name="Slide Number Placeholder 1">
+            <a:extLst>
+              <a:ext uri="{FF2B5EF4-FFF2-40B4-BE49-F238E27FC236}">
+                <a16:creationId xmlns:a16="http://schemas.microsoft.com/office/drawing/2014/main" id="{5D0E546B-5297-01A3-A3F0-7F9ED90CC1AC}"/>
+              </a:ext>
+            </a:extLst>
+          </p:cNvPr>
+          <p:cNvSpPr>
+            <a:spLocks noGrp="1"/>
+          </p:cNvSpPr>
+          <p:nvPr>
+            <p:ph type="sldNum" sz="quarter" idx="12"/>
+          </p:nvPr>
+        </p:nvSpPr>
+        <p:spPr/>
+        <p:txBody>
+          <a:bodyPr/>
+          <a:lstStyle/>
+          <a:p>
+            <a:fld id="{C8EB1B78-1A80-4349-98CC-41A40981A64A}" type="slidenum">
+              <a:rPr lang="en-US" smtClean="0"/>
+              <a:t>25</a:t>
+            </a:fld>
+            <a:endParaRPr lang="en-US"/>
+          </a:p>
+        </p:txBody>
+      </p:sp>
+      <p:pic>
+        <p:nvPicPr>
+          <p:cNvPr id="4" name="Picture 3">
+            <a:extLst>
+              <a:ext uri="{FF2B5EF4-FFF2-40B4-BE49-F238E27FC236}">
+                <a16:creationId xmlns:a16="http://schemas.microsoft.com/office/drawing/2014/main" id="{7EA6F506-953E-0765-22F9-D29D49600750}"/>
+              </a:ext>
+            </a:extLst>
+          </p:cNvPr>
+          <p:cNvPicPr>
+            <a:picLocks noChangeAspect="1"/>
+          </p:cNvPicPr>
+          <p:nvPr/>
+        </p:nvPicPr>
+        <p:blipFill>
+          <a:blip r:embed="rId2"/>
+          <a:stretch>
+            <a:fillRect/>
+          </a:stretch>
+        </p:blipFill>
+        <p:spPr>
+          <a:xfrm>
+            <a:off x="1915074" y="533832"/>
+            <a:ext cx="7187807" cy="6005080"/>
+          </a:xfrm>
+          <a:prstGeom prst="rect">
+            <a:avLst/>
+          </a:prstGeom>
+        </p:spPr>
+      </p:pic>
+    </p:spTree>
+    <p:extLst>
+      <p:ext uri="{BB962C8B-B14F-4D97-AF65-F5344CB8AC3E}">
+        <p14:creationId xmlns:p14="http://schemas.microsoft.com/office/powerpoint/2010/main" val="4069812900"/>
       </p:ext>
     </p:extLst>
   </p:cSld>
@@ -17670,8 +19231,8 @@
         </p:nvSpPr>
         <p:spPr>
           <a:xfrm>
-            <a:off x="5779482" y="2885561"/>
-            <a:ext cx="1698975" cy="690638"/>
+            <a:off x="5595022" y="2603517"/>
+            <a:ext cx="2068091" cy="690638"/>
           </a:xfrm>
           <a:prstGeom prst="rect">
             <a:avLst/>
@@ -25026,8 +26587,8 @@
           </a:p>
         </p:txBody>
       </p:sp>
-      <mc:AlternateContent xmlns:mc="http://schemas.openxmlformats.org/markup-compatibility/2006">
-        <mc:Choice xmlns:a14="http://schemas.microsoft.com/office/drawing/2010/main" Requires="a14">
+      <mc:AlternateContent xmlns:mc="http://schemas.openxmlformats.org/markup-compatibility/2006" xmlns:a14="http://schemas.microsoft.com/office/drawing/2010/main">
+        <mc:Choice Requires="a14">
           <p:sp>
             <p:nvSpPr>
               <p:cNvPr id="71" name="TextBox 70">
@@ -25645,7 +27206,7 @@
             </p:txBody>
           </p:sp>
         </mc:Choice>
-        <mc:Fallback>
+        <mc:Fallback xmlns="">
           <p:sp>
             <p:nvSpPr>
               <p:cNvPr id="71" name="TextBox 70">
@@ -27456,7 +29017,7 @@
           <p:cNvPr id="2" name="Slide Number Placeholder 1">
             <a:extLst>
               <a:ext uri="{FF2B5EF4-FFF2-40B4-BE49-F238E27FC236}">
-                <a16:creationId xmlns:a16="http://schemas.microsoft.com/office/drawing/2014/main" id="{ED2730D6-E889-425A-AA64-B4C1407B09D5}"/>
+                <a16:creationId xmlns:a16="http://schemas.microsoft.com/office/drawing/2014/main" id="{6DF594DC-A1F7-4529-BC57-01C1A2208298}"/>
               </a:ext>
             </a:extLst>
           </p:cNvPr>
@@ -27475,65 +29036,6 @@
             <a:fld id="{C8EB1B78-1A80-4349-98CC-41A40981A64A}" type="slidenum">
               <a:rPr lang="en-US" smtClean="0"/>
               <a:t>8</a:t>
-            </a:fld>
-            <a:endParaRPr lang="en-US"/>
-          </a:p>
-        </p:txBody>
-      </p:sp>
-    </p:spTree>
-    <p:extLst>
-      <p:ext uri="{BB962C8B-B14F-4D97-AF65-F5344CB8AC3E}">
-        <p14:creationId xmlns:p14="http://schemas.microsoft.com/office/powerpoint/2010/main" val="940158732"/>
-      </p:ext>
-    </p:extLst>
-  </p:cSld>
-  <p:clrMapOvr>
-    <a:masterClrMapping/>
-  </p:clrMapOvr>
-</p:sld>
-</file>
-
-<file path=ppt/slides/slide9.xml><?xml version="1.0" encoding="utf-8"?>
-<p:sld xmlns:a="http://schemas.openxmlformats.org/drawingml/2006/main" xmlns:r="http://schemas.openxmlformats.org/officeDocument/2006/relationships" xmlns:p="http://schemas.openxmlformats.org/presentationml/2006/main">
-  <p:cSld>
-    <p:spTree>
-      <p:nvGrpSpPr>
-        <p:cNvPr id="1" name=""/>
-        <p:cNvGrpSpPr/>
-        <p:nvPr/>
-      </p:nvGrpSpPr>
-      <p:grpSpPr>
-        <a:xfrm>
-          <a:off x="0" y="0"/>
-          <a:ext cx="0" cy="0"/>
-          <a:chOff x="0" y="0"/>
-          <a:chExt cx="0" cy="0"/>
-        </a:xfrm>
-      </p:grpSpPr>
-      <p:sp>
-        <p:nvSpPr>
-          <p:cNvPr id="2" name="Slide Number Placeholder 1">
-            <a:extLst>
-              <a:ext uri="{FF2B5EF4-FFF2-40B4-BE49-F238E27FC236}">
-                <a16:creationId xmlns:a16="http://schemas.microsoft.com/office/drawing/2014/main" id="{6DF594DC-A1F7-4529-BC57-01C1A2208298}"/>
-              </a:ext>
-            </a:extLst>
-          </p:cNvPr>
-          <p:cNvSpPr>
-            <a:spLocks noGrp="1"/>
-          </p:cNvSpPr>
-          <p:nvPr>
-            <p:ph type="sldNum" sz="quarter" idx="12"/>
-          </p:nvPr>
-        </p:nvSpPr>
-        <p:spPr/>
-        <p:txBody>
-          <a:bodyPr/>
-          <a:lstStyle/>
-          <a:p>
-            <a:fld id="{C8EB1B78-1A80-4349-98CC-41A40981A64A}" type="slidenum">
-              <a:rPr lang="en-US" smtClean="0"/>
-              <a:t>9</a:t>
             </a:fld>
             <a:endParaRPr lang="en-US"/>
           </a:p>
@@ -27623,6 +29125,128 @@
     <p:extLst>
       <p:ext uri="{BB962C8B-B14F-4D97-AF65-F5344CB8AC3E}">
         <p14:creationId xmlns:p14="http://schemas.microsoft.com/office/powerpoint/2010/main" val="3720558612"/>
+      </p:ext>
+    </p:extLst>
+  </p:cSld>
+  <p:clrMapOvr>
+    <a:masterClrMapping/>
+  </p:clrMapOvr>
+</p:sld>
+</file>
+
+<file path=ppt/slides/slide9.xml><?xml version="1.0" encoding="utf-8"?>
+<p:sld xmlns:a="http://schemas.openxmlformats.org/drawingml/2006/main" xmlns:r="http://schemas.openxmlformats.org/officeDocument/2006/relationships" xmlns:p="http://schemas.openxmlformats.org/presentationml/2006/main">
+  <p:cSld>
+    <p:spTree>
+      <p:nvGrpSpPr>
+        <p:cNvPr id="1" name=""/>
+        <p:cNvGrpSpPr/>
+        <p:nvPr/>
+      </p:nvGrpSpPr>
+      <p:grpSpPr>
+        <a:xfrm>
+          <a:off x="0" y="0"/>
+          <a:ext cx="0" cy="0"/>
+          <a:chOff x="0" y="0"/>
+          <a:chExt cx="0" cy="0"/>
+        </a:xfrm>
+      </p:grpSpPr>
+      <p:sp>
+        <p:nvSpPr>
+          <p:cNvPr id="2" name="Slide Number Placeholder 1">
+            <a:extLst>
+              <a:ext uri="{FF2B5EF4-FFF2-40B4-BE49-F238E27FC236}">
+                <a16:creationId xmlns:a16="http://schemas.microsoft.com/office/drawing/2014/main" id="{CCE85FD4-652D-9D87-CFB2-5403ADBBAA24}"/>
+              </a:ext>
+            </a:extLst>
+          </p:cNvPr>
+          <p:cNvSpPr>
+            <a:spLocks noGrp="1"/>
+          </p:cNvSpPr>
+          <p:nvPr>
+            <p:ph type="sldNum" sz="quarter" idx="12"/>
+          </p:nvPr>
+        </p:nvSpPr>
+        <p:spPr/>
+        <p:txBody>
+          <a:bodyPr/>
+          <a:lstStyle/>
+          <a:p>
+            <a:fld id="{C8EB1B78-1A80-4349-98CC-41A40981A64A}" type="slidenum">
+              <a:rPr lang="en-US" smtClean="0"/>
+              <a:t>9</a:t>
+            </a:fld>
+            <a:endParaRPr lang="en-US"/>
+          </a:p>
+        </p:txBody>
+      </p:sp>
+      <p:sp>
+        <p:nvSpPr>
+          <p:cNvPr id="5" name="TextBox 4">
+            <a:extLst>
+              <a:ext uri="{FF2B5EF4-FFF2-40B4-BE49-F238E27FC236}">
+                <a16:creationId xmlns:a16="http://schemas.microsoft.com/office/drawing/2014/main" id="{E7505466-2412-FE7A-6C23-231D0ADBD5CF}"/>
+              </a:ext>
+            </a:extLst>
+          </p:cNvPr>
+          <p:cNvSpPr txBox="1"/>
+          <p:nvPr/>
+        </p:nvSpPr>
+        <p:spPr>
+          <a:xfrm>
+            <a:off x="1377633" y="1305341"/>
+            <a:ext cx="9436734" cy="4247317"/>
+          </a:xfrm>
+          <a:prstGeom prst="rect">
+            <a:avLst/>
+          </a:prstGeom>
+          <a:noFill/>
+        </p:spPr>
+        <p:txBody>
+          <a:bodyPr wrap="square" rtlCol="0">
+            <a:spAutoFit/>
+          </a:bodyPr>
+          <a:lstStyle/>
+          <a:p>
+            <a:pPr algn="ctr"/>
+            <a:r>
+              <a:rPr lang="en-US" sz="5400" b="1" dirty="0">
+                <a:solidFill>
+                  <a:srgbClr val="FF0000"/>
+                </a:solidFill>
+              </a:rPr>
+              <a:t>Background Information Slides on scattering wavenumber </a:t>
+            </a:r>
+            <a:r>
+              <a:rPr lang="en-US" altLang="zh-CN" sz="5400" b="1" dirty="0">
+                <a:solidFill>
+                  <a:srgbClr val="FF0000"/>
+                </a:solidFill>
+              </a:rPr>
+              <a:t>and</a:t>
+            </a:r>
+            <a:r>
+              <a:rPr lang="en-US" sz="5400" b="1" dirty="0">
+                <a:solidFill>
+                  <a:srgbClr val="FF0000"/>
+                </a:solidFill>
+              </a:rPr>
+              <a:t> Pitch Angle Effects</a:t>
+            </a:r>
+          </a:p>
+          <a:p>
+            <a:pPr algn="ctr"/>
+            <a:r>
+              <a:rPr lang="en-US" sz="5400" b="1" dirty="0"/>
+              <a:t>By Calvin</a:t>
+            </a:r>
+          </a:p>
+        </p:txBody>
+      </p:sp>
+    </p:spTree>
+    <p:extLst>
+      <p:ext uri="{BB962C8B-B14F-4D97-AF65-F5344CB8AC3E}">
+        <p14:creationId xmlns:p14="http://schemas.microsoft.com/office/powerpoint/2010/main" val="2857820326"/>
       </p:ext>
     </p:extLst>
   </p:cSld>

--- a/NSTX-U High-k scattering Calculation_20240717.pptx
+++ b/NSTX-U High-k scattering Calculation_20240717.pptx
@@ -221,7 +221,7 @@
           <a:p>
             <a:fld id="{DD7963AF-3B9E-4119-83FE-F39BCC844B14}" type="datetimeFigureOut">
               <a:rPr lang="en-US" smtClean="0"/>
-              <a:t>8/18/2024</a:t>
+              <a:t>8/21/2024</a:t>
             </a:fld>
             <a:endParaRPr lang="en-US"/>
           </a:p>
@@ -803,7 +803,7 @@
           <a:p>
             <a:fld id="{2EC1DD9D-CA1B-479F-BE79-11C3EFEF4B50}" type="datetime1">
               <a:rPr lang="en-US" smtClean="0"/>
-              <a:t>8/18/2024</a:t>
+              <a:t>8/21/2024</a:t>
             </a:fld>
             <a:endParaRPr lang="en-US"/>
           </a:p>
@@ -1001,7 +1001,7 @@
           <a:p>
             <a:fld id="{160DA2DE-8EC2-4FCA-AD49-11B9FCD880CB}" type="datetime1">
               <a:rPr lang="en-US" smtClean="0"/>
-              <a:t>8/18/2024</a:t>
+              <a:t>8/21/2024</a:t>
             </a:fld>
             <a:endParaRPr lang="en-US"/>
           </a:p>
@@ -1209,7 +1209,7 @@
           <a:p>
             <a:fld id="{1E5F0B84-C28F-412A-BE67-67A4E55E8DE3}" type="datetime1">
               <a:rPr lang="en-US" smtClean="0"/>
-              <a:t>8/18/2024</a:t>
+              <a:t>8/21/2024</a:t>
             </a:fld>
             <a:endParaRPr lang="en-US"/>
           </a:p>
@@ -1407,7 +1407,7 @@
           <a:p>
             <a:fld id="{10779873-1D2C-44E0-B4E0-420637316734}" type="datetime1">
               <a:rPr lang="en-US" smtClean="0"/>
-              <a:t>8/18/2024</a:t>
+              <a:t>8/21/2024</a:t>
             </a:fld>
             <a:endParaRPr lang="en-US"/>
           </a:p>
@@ -1682,7 +1682,7 @@
           <a:p>
             <a:fld id="{C271B5B0-0C16-4B7D-9155-78F1E7EADB49}" type="datetime1">
               <a:rPr lang="en-US" smtClean="0"/>
-              <a:t>8/18/2024</a:t>
+              <a:t>8/21/2024</a:t>
             </a:fld>
             <a:endParaRPr lang="en-US"/>
           </a:p>
@@ -1947,7 +1947,7 @@
           <a:p>
             <a:fld id="{FAB7F6B7-890D-45C7-8636-8D1462C0D7AD}" type="datetime1">
               <a:rPr lang="en-US" smtClean="0"/>
-              <a:t>8/18/2024</a:t>
+              <a:t>8/21/2024</a:t>
             </a:fld>
             <a:endParaRPr lang="en-US"/>
           </a:p>
@@ -2359,7 +2359,7 @@
           <a:p>
             <a:fld id="{11D0E5F2-6308-4D6F-8CD7-5A3B75C59A74}" type="datetime1">
               <a:rPr lang="en-US" smtClean="0"/>
-              <a:t>8/18/2024</a:t>
+              <a:t>8/21/2024</a:t>
             </a:fld>
             <a:endParaRPr lang="en-US"/>
           </a:p>
@@ -2500,7 +2500,7 @@
           <a:p>
             <a:fld id="{4502C388-294A-4E97-9D69-20513486725D}" type="datetime1">
               <a:rPr lang="en-US" smtClean="0"/>
-              <a:t>8/18/2024</a:t>
+              <a:t>8/21/2024</a:t>
             </a:fld>
             <a:endParaRPr lang="en-US"/>
           </a:p>
@@ -2613,7 +2613,7 @@
           <a:p>
             <a:fld id="{BB7E84F5-3369-41E4-A9A6-434E5B269F05}" type="datetime1">
               <a:rPr lang="en-US" smtClean="0"/>
-              <a:t>8/18/2024</a:t>
+              <a:t>8/21/2024</a:t>
             </a:fld>
             <a:endParaRPr lang="en-US"/>
           </a:p>
@@ -2924,7 +2924,7 @@
           <a:p>
             <a:fld id="{C7AB5A68-3BAA-4592-B439-79E1A04F2C87}" type="datetime1">
               <a:rPr lang="en-US" smtClean="0"/>
-              <a:t>8/18/2024</a:t>
+              <a:t>8/21/2024</a:t>
             </a:fld>
             <a:endParaRPr lang="en-US"/>
           </a:p>
@@ -3212,7 +3212,7 @@
           <a:p>
             <a:fld id="{854EA51C-EC9E-4686-A598-4B64219D07AF}" type="datetime1">
               <a:rPr lang="en-US" smtClean="0"/>
-              <a:t>8/18/2024</a:t>
+              <a:t>8/21/2024</a:t>
             </a:fld>
             <a:endParaRPr lang="en-US"/>
           </a:p>
@@ -3453,7 +3453,7 @@
           <a:p>
             <a:fld id="{9292DAD1-9542-4687-A0FA-737321B65C62}" type="datetime1">
               <a:rPr lang="en-US" smtClean="0"/>
-              <a:t>8/18/2024</a:t>
+              <a:t>8/21/2024</a:t>
             </a:fld>
             <a:endParaRPr lang="en-US"/>
           </a:p>
@@ -5497,6 +5497,227 @@
           </a:p>
         </p:txBody>
       </p:sp>
+      <p:cxnSp>
+        <p:nvCxnSpPr>
+          <p:cNvPr id="4" name="Straight Arrow Connector 3">
+            <a:extLst>
+              <a:ext uri="{FF2B5EF4-FFF2-40B4-BE49-F238E27FC236}">
+                <a16:creationId xmlns:a16="http://schemas.microsoft.com/office/drawing/2014/main" id="{FE5F0C7B-92A4-6324-DEAD-286C61946B89}"/>
+              </a:ext>
+            </a:extLst>
+          </p:cNvPr>
+          <p:cNvCxnSpPr>
+            <a:cxnSpLocks/>
+          </p:cNvCxnSpPr>
+          <p:nvPr/>
+        </p:nvCxnSpPr>
+        <p:spPr>
+          <a:xfrm flipH="1">
+            <a:off x="7546171" y="660211"/>
+            <a:ext cx="3239098" cy="5067536"/>
+          </a:xfrm>
+          <a:prstGeom prst="straightConnector1">
+            <a:avLst/>
+          </a:prstGeom>
+          <a:ln>
+            <a:tailEnd type="triangle"/>
+          </a:ln>
+        </p:spPr>
+        <p:style>
+          <a:lnRef idx="2">
+            <a:schemeClr val="accent1"/>
+          </a:lnRef>
+          <a:fillRef idx="0">
+            <a:schemeClr val="accent1"/>
+          </a:fillRef>
+          <a:effectRef idx="1">
+            <a:schemeClr val="accent1"/>
+          </a:effectRef>
+          <a:fontRef idx="minor">
+            <a:schemeClr val="tx1"/>
+          </a:fontRef>
+        </p:style>
+      </p:cxnSp>
+      <p:sp>
+        <p:nvSpPr>
+          <p:cNvPr id="5" name="Arc 4">
+            <a:extLst>
+              <a:ext uri="{FF2B5EF4-FFF2-40B4-BE49-F238E27FC236}">
+                <a16:creationId xmlns:a16="http://schemas.microsoft.com/office/drawing/2014/main" id="{8123F88D-66CA-A7ED-8805-64B148BD75B8}"/>
+              </a:ext>
+            </a:extLst>
+          </p:cNvPr>
+          <p:cNvSpPr/>
+          <p:nvPr/>
+        </p:nvSpPr>
+        <p:spPr>
+          <a:xfrm rot="9450372">
+            <a:off x="10216471" y="1051144"/>
+            <a:ext cx="326427" cy="319990"/>
+          </a:xfrm>
+          <a:prstGeom prst="arc">
+            <a:avLst>
+              <a:gd name="adj1" fmla="val 18423599"/>
+              <a:gd name="adj2" fmla="val 0"/>
+            </a:avLst>
+          </a:prstGeom>
+          <a:ln>
+            <a:solidFill>
+              <a:srgbClr val="FF0000"/>
+            </a:solidFill>
+            <a:headEnd type="arrow"/>
+            <a:tailEnd type="none"/>
+          </a:ln>
+        </p:spPr>
+        <p:style>
+          <a:lnRef idx="2">
+            <a:schemeClr val="accent1"/>
+          </a:lnRef>
+          <a:fillRef idx="0">
+            <a:schemeClr val="accent1"/>
+          </a:fillRef>
+          <a:effectRef idx="1">
+            <a:schemeClr val="accent1"/>
+          </a:effectRef>
+          <a:fontRef idx="minor">
+            <a:schemeClr val="tx1"/>
+          </a:fontRef>
+        </p:style>
+        <p:txBody>
+          <a:bodyPr rtlCol="0" anchor="ctr"/>
+          <a:lstStyle/>
+          <a:p>
+            <a:pPr algn="ctr"/>
+            <a:endParaRPr lang="en-US"/>
+          </a:p>
+        </p:txBody>
+      </p:sp>
+      <mc:AlternateContent xmlns:mc="http://schemas.openxmlformats.org/markup-compatibility/2006">
+        <mc:Choice xmlns:a14="http://schemas.microsoft.com/office/drawing/2010/main" Requires="a14">
+          <p:sp>
+            <p:nvSpPr>
+              <p:cNvPr id="7" name="TextBox 6">
+                <a:extLst>
+                  <a:ext uri="{FF2B5EF4-FFF2-40B4-BE49-F238E27FC236}">
+                    <a16:creationId xmlns:a16="http://schemas.microsoft.com/office/drawing/2014/main" id="{3C9429E1-0E0F-53C6-FD2B-B5596E84D547}"/>
+                  </a:ext>
+                </a:extLst>
+              </p:cNvPr>
+              <p:cNvSpPr txBox="1"/>
+              <p:nvPr/>
+            </p:nvSpPr>
+            <p:spPr>
+              <a:xfrm>
+                <a:off x="10405517" y="1432179"/>
+                <a:ext cx="1479897" cy="639983"/>
+              </a:xfrm>
+              <a:prstGeom prst="rect">
+                <a:avLst/>
+              </a:prstGeom>
+              <a:noFill/>
+            </p:spPr>
+            <p:txBody>
+              <a:bodyPr wrap="square" rtlCol="0">
+                <a:spAutoFit/>
+              </a:bodyPr>
+              <a:lstStyle/>
+              <a:p>
+                <a14:m>
+                  <m:oMathPara xmlns:m="http://schemas.openxmlformats.org/officeDocument/2006/math">
+                    <m:oMathParaPr>
+                      <m:jc m:val="centerGroup"/>
+                    </m:oMathParaPr>
+                    <m:oMath xmlns:m="http://schemas.openxmlformats.org/officeDocument/2006/math">
+                      <m:sSub>
+                        <m:sSubPr>
+                          <m:ctrlPr>
+                            <a:rPr lang="en-US" b="0" i="1" smtClean="0">
+                              <a:latin typeface="Cambria Math" panose="02040503050406030204" pitchFamily="18" charset="0"/>
+                            </a:rPr>
+                          </m:ctrlPr>
+                        </m:sSubPr>
+                        <m:e>
+                          <m:r>
+                            <a:rPr lang="en-US" b="0" i="1" smtClean="0">
+                              <a:latin typeface="Cambria Math" panose="02040503050406030204" pitchFamily="18" charset="0"/>
+                            </a:rPr>
+                            <m:t>𝜃</m:t>
+                          </m:r>
+                        </m:e>
+                        <m:sub>
+                          <m:r>
+                            <a:rPr lang="en-US" b="0" i="1" smtClean="0">
+                              <a:latin typeface="Cambria Math" panose="02040503050406030204" pitchFamily="18" charset="0"/>
+                            </a:rPr>
+                            <m:t>𝑛𝑜𝑟𝑚𝑎𝑙</m:t>
+                          </m:r>
+                        </m:sub>
+                      </m:sSub>
+                      <m:r>
+                        <a:rPr lang="en-US" b="0" i="1" smtClean="0">
+                          <a:latin typeface="Cambria Math" panose="02040503050406030204" pitchFamily="18" charset="0"/>
+                        </a:rPr>
+                        <m:t>=14.555 </m:t>
+                      </m:r>
+                      <m:r>
+                        <a:rPr lang="en-US" b="0" i="1" smtClean="0">
+                          <a:latin typeface="Cambria Math" panose="02040503050406030204" pitchFamily="18" charset="0"/>
+                        </a:rPr>
+                        <m:t>𝑑𝑒𝑔</m:t>
+                      </m:r>
+                    </m:oMath>
+                  </m:oMathPara>
+                </a14:m>
+                <a:endParaRPr lang="en-US" dirty="0"/>
+              </a:p>
+            </p:txBody>
+          </p:sp>
+        </mc:Choice>
+        <mc:Fallback>
+          <p:sp>
+            <p:nvSpPr>
+              <p:cNvPr id="7" name="TextBox 6">
+                <a:extLst>
+                  <a:ext uri="{FF2B5EF4-FFF2-40B4-BE49-F238E27FC236}">
+                    <a16:creationId xmlns:a16="http://schemas.microsoft.com/office/drawing/2014/main" id="{3C9429E1-0E0F-53C6-FD2B-B5596E84D547}"/>
+                  </a:ext>
+                </a:extLst>
+              </p:cNvPr>
+              <p:cNvSpPr txBox="1">
+                <a:spLocks noRot="1" noChangeAspect="1" noMove="1" noResize="1" noEditPoints="1" noAdjustHandles="1" noChangeArrowheads="1" noChangeShapeType="1" noTextEdit="1"/>
+              </p:cNvSpPr>
+              <p:nvPr/>
+            </p:nvSpPr>
+            <p:spPr>
+              <a:xfrm>
+                <a:off x="10405517" y="1432179"/>
+                <a:ext cx="1479897" cy="639983"/>
+              </a:xfrm>
+              <a:prstGeom prst="rect">
+                <a:avLst/>
+              </a:prstGeom>
+              <a:blipFill>
+                <a:blip r:embed="rId3"/>
+                <a:stretch>
+                  <a:fillRect r="-5350" b="-6667"/>
+                </a:stretch>
+              </a:blipFill>
+            </p:spPr>
+            <p:txBody>
+              <a:bodyPr/>
+              <a:lstStyle/>
+              <a:p>
+                <a:r>
+                  <a:rPr lang="en-US">
+                    <a:noFill/>
+                  </a:rPr>
+                  <a:t> </a:t>
+                </a:r>
+              </a:p>
+            </p:txBody>
+          </p:sp>
+        </mc:Fallback>
+      </mc:AlternateContent>
     </p:spTree>
     <p:extLst>
       <p:ext uri="{BB962C8B-B14F-4D97-AF65-F5344CB8AC3E}">
@@ -18782,8 +19003,8 @@
             </a:p>
           </p:txBody>
         </p:sp>
-        <mc:AlternateContent xmlns:mc="http://schemas.openxmlformats.org/markup-compatibility/2006">
-          <mc:Choice xmlns:a14="http://schemas.microsoft.com/office/drawing/2010/main" Requires="a14">
+        <mc:AlternateContent xmlns:mc="http://schemas.openxmlformats.org/markup-compatibility/2006" xmlns:a14="http://schemas.microsoft.com/office/drawing/2010/main">
+          <mc:Choice Requires="a14">
             <p:sp>
               <p:nvSpPr>
                 <p:cNvPr id="10" name="TextBox 9">
@@ -18812,6 +19033,7 @@
                 </a:bodyPr>
                 <a:lstStyle/>
                 <a:p>
+                  <a:pPr/>
                   <a14:m>
                     <m:oMathPara xmlns:m="http://schemas.openxmlformats.org/officeDocument/2006/math">
                       <m:oMathParaPr>
@@ -18860,7 +19082,7 @@
               </p:txBody>
             </p:sp>
           </mc:Choice>
-          <mc:Fallback>
+          <mc:Fallback xmlns="">
             <p:sp>
               <p:nvSpPr>
                 <p:cNvPr id="10" name="TextBox 9">

--- a/NSTX-U High-k scattering Calculation_20240717.pptx
+++ b/NSTX-U High-k scattering Calculation_20240717.pptx
@@ -221,7 +221,7 @@
           <a:p>
             <a:fld id="{DD7963AF-3B9E-4119-83FE-F39BCC844B14}" type="datetimeFigureOut">
               <a:rPr lang="en-US" smtClean="0"/>
-              <a:t>8/21/2024</a:t>
+              <a:t>8/14/2025</a:t>
             </a:fld>
             <a:endParaRPr lang="en-US"/>
           </a:p>
@@ -803,7 +803,7 @@
           <a:p>
             <a:fld id="{2EC1DD9D-CA1B-479F-BE79-11C3EFEF4B50}" type="datetime1">
               <a:rPr lang="en-US" smtClean="0"/>
-              <a:t>8/21/2024</a:t>
+              <a:t>8/14/2025</a:t>
             </a:fld>
             <a:endParaRPr lang="en-US"/>
           </a:p>
@@ -1001,7 +1001,7 @@
           <a:p>
             <a:fld id="{160DA2DE-8EC2-4FCA-AD49-11B9FCD880CB}" type="datetime1">
               <a:rPr lang="en-US" smtClean="0"/>
-              <a:t>8/21/2024</a:t>
+              <a:t>8/14/2025</a:t>
             </a:fld>
             <a:endParaRPr lang="en-US"/>
           </a:p>
@@ -1209,7 +1209,7 @@
           <a:p>
             <a:fld id="{1E5F0B84-C28F-412A-BE67-67A4E55E8DE3}" type="datetime1">
               <a:rPr lang="en-US" smtClean="0"/>
-              <a:t>8/21/2024</a:t>
+              <a:t>8/14/2025</a:t>
             </a:fld>
             <a:endParaRPr lang="en-US"/>
           </a:p>
@@ -1407,7 +1407,7 @@
           <a:p>
             <a:fld id="{10779873-1D2C-44E0-B4E0-420637316734}" type="datetime1">
               <a:rPr lang="en-US" smtClean="0"/>
-              <a:t>8/21/2024</a:t>
+              <a:t>8/14/2025</a:t>
             </a:fld>
             <a:endParaRPr lang="en-US"/>
           </a:p>
@@ -1682,7 +1682,7 @@
           <a:p>
             <a:fld id="{C271B5B0-0C16-4B7D-9155-78F1E7EADB49}" type="datetime1">
               <a:rPr lang="en-US" smtClean="0"/>
-              <a:t>8/21/2024</a:t>
+              <a:t>8/14/2025</a:t>
             </a:fld>
             <a:endParaRPr lang="en-US"/>
           </a:p>
@@ -1947,7 +1947,7 @@
           <a:p>
             <a:fld id="{FAB7F6B7-890D-45C7-8636-8D1462C0D7AD}" type="datetime1">
               <a:rPr lang="en-US" smtClean="0"/>
-              <a:t>8/21/2024</a:t>
+              <a:t>8/14/2025</a:t>
             </a:fld>
             <a:endParaRPr lang="en-US"/>
           </a:p>
@@ -2359,7 +2359,7 @@
           <a:p>
             <a:fld id="{11D0E5F2-6308-4D6F-8CD7-5A3B75C59A74}" type="datetime1">
               <a:rPr lang="en-US" smtClean="0"/>
-              <a:t>8/21/2024</a:t>
+              <a:t>8/14/2025</a:t>
             </a:fld>
             <a:endParaRPr lang="en-US"/>
           </a:p>
@@ -2500,7 +2500,7 @@
           <a:p>
             <a:fld id="{4502C388-294A-4E97-9D69-20513486725D}" type="datetime1">
               <a:rPr lang="en-US" smtClean="0"/>
-              <a:t>8/21/2024</a:t>
+              <a:t>8/14/2025</a:t>
             </a:fld>
             <a:endParaRPr lang="en-US"/>
           </a:p>
@@ -2613,7 +2613,7 @@
           <a:p>
             <a:fld id="{BB7E84F5-3369-41E4-A9A6-434E5B269F05}" type="datetime1">
               <a:rPr lang="en-US" smtClean="0"/>
-              <a:t>8/21/2024</a:t>
+              <a:t>8/14/2025</a:t>
             </a:fld>
             <a:endParaRPr lang="en-US"/>
           </a:p>
@@ -2924,7 +2924,7 @@
           <a:p>
             <a:fld id="{C7AB5A68-3BAA-4592-B439-79E1A04F2C87}" type="datetime1">
               <a:rPr lang="en-US" smtClean="0"/>
-              <a:t>8/21/2024</a:t>
+              <a:t>8/14/2025</a:t>
             </a:fld>
             <a:endParaRPr lang="en-US"/>
           </a:p>
@@ -3212,7 +3212,7 @@
           <a:p>
             <a:fld id="{854EA51C-EC9E-4686-A598-4B64219D07AF}" type="datetime1">
               <a:rPr lang="en-US" smtClean="0"/>
-              <a:t>8/21/2024</a:t>
+              <a:t>8/14/2025</a:t>
             </a:fld>
             <a:endParaRPr lang="en-US"/>
           </a:p>
@@ -3453,7 +3453,7 @@
           <a:p>
             <a:fld id="{9292DAD1-9542-4687-A0FA-737321B65C62}" type="datetime1">
               <a:rPr lang="en-US" smtClean="0"/>
-              <a:t>8/21/2024</a:t>
+              <a:t>8/14/2025</a:t>
             </a:fld>
             <a:endParaRPr lang="en-US"/>
           </a:p>
@@ -3894,7 +3894,7 @@
           <a:p>
             <a:r>
               <a:rPr lang="en-US" dirty="0"/>
-              <a:t>NSTX-U High-k Scattering Calculation_2 </a:t>
+              <a:t>NSTX-U High-k Scattering Calculation_2</a:t>
             </a:r>
           </a:p>
         </p:txBody>
@@ -5592,8 +5592,8 @@
           </a:p>
         </p:txBody>
       </p:sp>
-      <mc:AlternateContent xmlns:mc="http://schemas.openxmlformats.org/markup-compatibility/2006">
-        <mc:Choice xmlns:a14="http://schemas.microsoft.com/office/drawing/2010/main" Requires="a14">
+      <mc:AlternateContent xmlns:mc="http://schemas.openxmlformats.org/markup-compatibility/2006" xmlns:a14="http://schemas.microsoft.com/office/drawing/2010/main">
+        <mc:Choice Requires="a14">
           <p:sp>
             <p:nvSpPr>
               <p:cNvPr id="7" name="TextBox 6">
@@ -5622,6 +5622,7 @@
               </a:bodyPr>
               <a:lstStyle/>
               <a:p>
+                <a:pPr/>
                 <a14:m>
                   <m:oMathPara xmlns:m="http://schemas.openxmlformats.org/officeDocument/2006/math">
                     <m:oMathParaPr>
@@ -5673,7 +5674,7 @@
             </p:txBody>
           </p:sp>
         </mc:Choice>
-        <mc:Fallback>
+        <mc:Fallback xmlns="">
           <p:sp>
             <p:nvSpPr>
               <p:cNvPr id="7" name="TextBox 6">
